--- a/Media/Figure.pptx
+++ b/Media/Figure.pptx
@@ -5,8 +5,11 @@
     <p:sldMasterId id="2147483648" r:id="rId1"/>
   </p:sldMasterIdLst>
   <p:sldIdLst>
-    <p:sldId id="256" r:id="rId2"/>
-    <p:sldId id="257" r:id="rId3"/>
+    <p:sldId id="257" r:id="rId2"/>
+    <p:sldId id="258" r:id="rId3"/>
+    <p:sldId id="259" r:id="rId4"/>
+    <p:sldId id="260" r:id="rId5"/>
+    <p:sldId id="261" r:id="rId6"/>
   </p:sldIdLst>
   <p:sldSz cx="12192000" cy="6858000"/>
   <p:notesSz cx="6858000" cy="9144000"/>
@@ -105,6 +108,11 @@
       </a:defRPr>
     </a:lvl9pPr>
   </p:defaultTextStyle>
+  <p:extLst>
+    <p:ext uri="{EFAFB233-063F-42B5-8137-9DF3F51BA10A}">
+      <p15:sldGuideLst xmlns:p15="http://schemas.microsoft.com/office/powerpoint/2012/main"/>
+    </p:ext>
+  </p:extLst>
 </p:presentation>
 </file>
 
@@ -257,7 +265,7 @@
           <a:p>
             <a:fld id="{7959E98B-ABE6-5D43-AAFE-9F5C8C770207}" type="datetimeFigureOut">
               <a:rPr lang="en-VN" smtClean="0"/>
-              <a:t>12/03/2024</a:t>
+              <a:t>13/03/2024</a:t>
             </a:fld>
             <a:endParaRPr lang="en-VN"/>
           </a:p>
@@ -457,7 +465,7 @@
           <a:p>
             <a:fld id="{7959E98B-ABE6-5D43-AAFE-9F5C8C770207}" type="datetimeFigureOut">
               <a:rPr lang="en-VN" smtClean="0"/>
-              <a:t>12/03/2024</a:t>
+              <a:t>13/03/2024</a:t>
             </a:fld>
             <a:endParaRPr lang="en-VN"/>
           </a:p>
@@ -667,7 +675,7 @@
           <a:p>
             <a:fld id="{7959E98B-ABE6-5D43-AAFE-9F5C8C770207}" type="datetimeFigureOut">
               <a:rPr lang="en-VN" smtClean="0"/>
-              <a:t>12/03/2024</a:t>
+              <a:t>13/03/2024</a:t>
             </a:fld>
             <a:endParaRPr lang="en-VN"/>
           </a:p>
@@ -867,7 +875,7 @@
           <a:p>
             <a:fld id="{7959E98B-ABE6-5D43-AAFE-9F5C8C770207}" type="datetimeFigureOut">
               <a:rPr lang="en-VN" smtClean="0"/>
-              <a:t>12/03/2024</a:t>
+              <a:t>13/03/2024</a:t>
             </a:fld>
             <a:endParaRPr lang="en-VN"/>
           </a:p>
@@ -1143,7 +1151,7 @@
           <a:p>
             <a:fld id="{7959E98B-ABE6-5D43-AAFE-9F5C8C770207}" type="datetimeFigureOut">
               <a:rPr lang="en-VN" smtClean="0"/>
-              <a:t>12/03/2024</a:t>
+              <a:t>13/03/2024</a:t>
             </a:fld>
             <a:endParaRPr lang="en-VN"/>
           </a:p>
@@ -1411,7 +1419,7 @@
           <a:p>
             <a:fld id="{7959E98B-ABE6-5D43-AAFE-9F5C8C770207}" type="datetimeFigureOut">
               <a:rPr lang="en-VN" smtClean="0"/>
-              <a:t>12/03/2024</a:t>
+              <a:t>13/03/2024</a:t>
             </a:fld>
             <a:endParaRPr lang="en-VN"/>
           </a:p>
@@ -1826,7 +1834,7 @@
           <a:p>
             <a:fld id="{7959E98B-ABE6-5D43-AAFE-9F5C8C770207}" type="datetimeFigureOut">
               <a:rPr lang="en-VN" smtClean="0"/>
-              <a:t>12/03/2024</a:t>
+              <a:t>13/03/2024</a:t>
             </a:fld>
             <a:endParaRPr lang="en-VN"/>
           </a:p>
@@ -1968,7 +1976,7 @@
           <a:p>
             <a:fld id="{7959E98B-ABE6-5D43-AAFE-9F5C8C770207}" type="datetimeFigureOut">
               <a:rPr lang="en-VN" smtClean="0"/>
-              <a:t>12/03/2024</a:t>
+              <a:t>13/03/2024</a:t>
             </a:fld>
             <a:endParaRPr lang="en-VN"/>
           </a:p>
@@ -2081,7 +2089,7 @@
           <a:p>
             <a:fld id="{7959E98B-ABE6-5D43-AAFE-9F5C8C770207}" type="datetimeFigureOut">
               <a:rPr lang="en-VN" smtClean="0"/>
-              <a:t>12/03/2024</a:t>
+              <a:t>13/03/2024</a:t>
             </a:fld>
             <a:endParaRPr lang="en-VN"/>
           </a:p>
@@ -2394,7 +2402,7 @@
           <a:p>
             <a:fld id="{7959E98B-ABE6-5D43-AAFE-9F5C8C770207}" type="datetimeFigureOut">
               <a:rPr lang="en-VN" smtClean="0"/>
-              <a:t>12/03/2024</a:t>
+              <a:t>13/03/2024</a:t>
             </a:fld>
             <a:endParaRPr lang="en-VN"/>
           </a:p>
@@ -2683,7 +2691,7 @@
           <a:p>
             <a:fld id="{7959E98B-ABE6-5D43-AAFE-9F5C8C770207}" type="datetimeFigureOut">
               <a:rPr lang="en-VN" smtClean="0"/>
-              <a:t>12/03/2024</a:t>
+              <a:t>13/03/2024</a:t>
             </a:fld>
             <a:endParaRPr lang="en-VN"/>
           </a:p>
@@ -2926,7 +2934,7 @@
           <a:p>
             <a:fld id="{7959E98B-ABE6-5D43-AAFE-9F5C8C770207}" type="datetimeFigureOut">
               <a:rPr lang="en-VN" smtClean="0"/>
-              <a:t>12/03/2024</a:t>
+              <a:t>13/03/2024</a:t>
             </a:fld>
             <a:endParaRPr lang="en-VN"/>
           </a:p>
@@ -3327,86 +3335,6 @@
 </file>
 
 <file path=ppt/slides/slide1.xml><?xml version="1.0" encoding="utf-8"?>
-<p:sld xmlns:a="http://schemas.openxmlformats.org/drawingml/2006/main" xmlns:r="http://schemas.openxmlformats.org/officeDocument/2006/relationships" xmlns:p="http://schemas.openxmlformats.org/presentationml/2006/main">
-  <p:cSld>
-    <p:spTree>
-      <p:nvGrpSpPr>
-        <p:cNvPr id="1" name=""/>
-        <p:cNvGrpSpPr/>
-        <p:nvPr/>
-      </p:nvGrpSpPr>
-      <p:grpSpPr>
-        <a:xfrm>
-          <a:off x="0" y="0"/>
-          <a:ext cx="0" cy="0"/>
-          <a:chOff x="0" y="0"/>
-          <a:chExt cx="0" cy="0"/>
-        </a:xfrm>
-      </p:grpSpPr>
-      <p:sp>
-        <p:nvSpPr>
-          <p:cNvPr id="2" name="Title 1">
-            <a:extLst>
-              <a:ext uri="{FF2B5EF4-FFF2-40B4-BE49-F238E27FC236}">
-                <a16:creationId xmlns:a16="http://schemas.microsoft.com/office/drawing/2014/main" id="{5DF55EED-27E9-37B1-38B7-71890E71B7A6}"/>
-              </a:ext>
-            </a:extLst>
-          </p:cNvPr>
-          <p:cNvSpPr>
-            <a:spLocks noGrp="1"/>
-          </p:cNvSpPr>
-          <p:nvPr>
-            <p:ph type="ctrTitle"/>
-          </p:nvPr>
-        </p:nvSpPr>
-        <p:spPr/>
-        <p:txBody>
-          <a:bodyPr/>
-          <a:lstStyle/>
-          <a:p>
-            <a:endParaRPr lang="en-VN"/>
-          </a:p>
-        </p:txBody>
-      </p:sp>
-      <p:sp>
-        <p:nvSpPr>
-          <p:cNvPr id="3" name="Subtitle 2">
-            <a:extLst>
-              <a:ext uri="{FF2B5EF4-FFF2-40B4-BE49-F238E27FC236}">
-                <a16:creationId xmlns:a16="http://schemas.microsoft.com/office/drawing/2014/main" id="{A66F12EA-FD28-96C8-F5DA-92F636C11602}"/>
-              </a:ext>
-            </a:extLst>
-          </p:cNvPr>
-          <p:cNvSpPr>
-            <a:spLocks noGrp="1"/>
-          </p:cNvSpPr>
-          <p:nvPr>
-            <p:ph type="subTitle" idx="1"/>
-          </p:nvPr>
-        </p:nvSpPr>
-        <p:spPr/>
-        <p:txBody>
-          <a:bodyPr/>
-          <a:lstStyle/>
-          <a:p>
-            <a:endParaRPr lang="en-VN"/>
-          </a:p>
-        </p:txBody>
-      </p:sp>
-    </p:spTree>
-    <p:extLst>
-      <p:ext uri="{BB962C8B-B14F-4D97-AF65-F5344CB8AC3E}">
-        <p14:creationId xmlns:p14="http://schemas.microsoft.com/office/powerpoint/2010/main" val="2023374429"/>
-      </p:ext>
-    </p:extLst>
-  </p:cSld>
-  <p:clrMapOvr>
-    <a:masterClrMapping/>
-  </p:clrMapOvr>
-</p:sld>
-</file>
-
-<file path=ppt/slides/slide2.xml><?xml version="1.0" encoding="utf-8"?>
 <p:sld xmlns:a="http://schemas.openxmlformats.org/drawingml/2006/main" xmlns:r="http://schemas.openxmlformats.org/officeDocument/2006/relationships" xmlns:p="http://schemas.openxmlformats.org/presentationml/2006/main">
   <p:cSld>
     <p:spTree>
@@ -3984,7 +3912,7 @@
               <a:ln w="438150">
                 <a:solidFill>
                   <a:schemeClr val="accent1">
-                    <a:alpha val="72000"/>
+                    <a:alpha val="71952"/>
                   </a:schemeClr>
                 </a:solidFill>
                 <a:tailEnd type="triangle"/>
@@ -4046,6 +3974,7967 @@
     <p:extLst>
       <p:ext uri="{BB962C8B-B14F-4D97-AF65-F5344CB8AC3E}">
         <p14:creationId xmlns:p14="http://schemas.microsoft.com/office/powerpoint/2010/main" val="3200181382"/>
+      </p:ext>
+    </p:extLst>
+  </p:cSld>
+  <p:clrMapOvr>
+    <a:masterClrMapping/>
+  </p:clrMapOvr>
+</p:sld>
+</file>
+
+<file path=ppt/slides/slide2.xml><?xml version="1.0" encoding="utf-8"?>
+<p:sld xmlns:a="http://schemas.openxmlformats.org/drawingml/2006/main" xmlns:r="http://schemas.openxmlformats.org/officeDocument/2006/relationships" xmlns:p="http://schemas.openxmlformats.org/presentationml/2006/main">
+  <p:cSld>
+    <p:spTree>
+      <p:nvGrpSpPr>
+        <p:cNvPr id="1" name=""/>
+        <p:cNvGrpSpPr/>
+        <p:nvPr/>
+      </p:nvGrpSpPr>
+      <p:grpSpPr>
+        <a:xfrm>
+          <a:off x="0" y="0"/>
+          <a:ext cx="0" cy="0"/>
+          <a:chOff x="0" y="0"/>
+          <a:chExt cx="0" cy="0"/>
+        </a:xfrm>
+      </p:grpSpPr>
+      <p:grpSp>
+        <p:nvGrpSpPr>
+          <p:cNvPr id="45" name="Group 44">
+            <a:extLst>
+              <a:ext uri="{FF2B5EF4-FFF2-40B4-BE49-F238E27FC236}">
+                <a16:creationId xmlns:a16="http://schemas.microsoft.com/office/drawing/2014/main" id="{F819FEB8-B789-7555-F326-EBDFDAB7B3CB}"/>
+              </a:ext>
+            </a:extLst>
+          </p:cNvPr>
+          <p:cNvGrpSpPr/>
+          <p:nvPr/>
+        </p:nvGrpSpPr>
+        <p:grpSpPr>
+          <a:xfrm>
+            <a:off x="525122" y="1704460"/>
+            <a:ext cx="11141756" cy="3766718"/>
+            <a:chOff x="197243" y="1787588"/>
+            <a:chExt cx="11141756" cy="3766718"/>
+          </a:xfrm>
+        </p:grpSpPr>
+        <p:grpSp>
+          <p:nvGrpSpPr>
+            <p:cNvPr id="3" name="Group 2">
+              <a:extLst>
+                <a:ext uri="{FF2B5EF4-FFF2-40B4-BE49-F238E27FC236}">
+                  <a16:creationId xmlns:a16="http://schemas.microsoft.com/office/drawing/2014/main" id="{85CC242E-87AF-1113-133E-EEC18FCAA946}"/>
+                </a:ext>
+              </a:extLst>
+            </p:cNvPr>
+            <p:cNvGrpSpPr/>
+            <p:nvPr/>
+          </p:nvGrpSpPr>
+          <p:grpSpPr>
+            <a:xfrm>
+              <a:off x="5026400" y="1787588"/>
+              <a:ext cx="2443099" cy="1009650"/>
+              <a:chOff x="364999" y="802159"/>
+              <a:chExt cx="2443099" cy="1009650"/>
+            </a:xfrm>
+          </p:grpSpPr>
+          <p:sp>
+            <p:nvSpPr>
+              <p:cNvPr id="37" name="Cloud 36">
+                <a:extLst>
+                  <a:ext uri="{FF2B5EF4-FFF2-40B4-BE49-F238E27FC236}">
+                    <a16:creationId xmlns:a16="http://schemas.microsoft.com/office/drawing/2014/main" id="{3C3099C5-9303-7473-E186-4F035F0C4522}"/>
+                  </a:ext>
+                </a:extLst>
+              </p:cNvPr>
+              <p:cNvSpPr/>
+              <p:nvPr/>
+            </p:nvSpPr>
+            <p:spPr>
+              <a:xfrm>
+                <a:off x="364999" y="802159"/>
+                <a:ext cx="2443099" cy="1009650"/>
+              </a:xfrm>
+              <a:prstGeom prst="cloud">
+                <a:avLst/>
+              </a:prstGeom>
+              <a:solidFill>
+                <a:schemeClr val="accent1"/>
+              </a:solidFill>
+              <a:ln/>
+            </p:spPr>
+            <p:style>
+              <a:lnRef idx="2">
+                <a:schemeClr val="accent1"/>
+              </a:lnRef>
+              <a:fillRef idx="1">
+                <a:schemeClr val="lt1"/>
+              </a:fillRef>
+              <a:effectRef idx="0">
+                <a:schemeClr val="accent1"/>
+              </a:effectRef>
+              <a:fontRef idx="minor">
+                <a:schemeClr val="dk1"/>
+              </a:fontRef>
+            </p:style>
+            <p:txBody>
+              <a:bodyPr rot="0" spcFirstLastPara="0" vert="horz" wrap="square" lIns="91440" tIns="45720" rIns="91440" bIns="45720" numCol="1" spcCol="0" rtlCol="0" fromWordArt="0" anchor="ctr" anchorCtr="0" forceAA="0" compatLnSpc="1">
+                <a:prstTxWarp prst="textNoShape">
+                  <a:avLst/>
+                </a:prstTxWarp>
+                <a:noAutofit/>
+              </a:bodyPr>
+              <a:lstStyle/>
+              <a:p>
+                <a:endParaRPr lang="en-US"/>
+              </a:p>
+            </p:txBody>
+          </p:sp>
+          <p:sp>
+            <p:nvSpPr>
+              <p:cNvPr id="31" name="Text Box 24">
+                <a:extLst>
+                  <a:ext uri="{FF2B5EF4-FFF2-40B4-BE49-F238E27FC236}">
+                    <a16:creationId xmlns:a16="http://schemas.microsoft.com/office/drawing/2014/main" id="{ADDB9935-616A-58F1-F0D1-BDC688C63472}"/>
+                  </a:ext>
+                </a:extLst>
+              </p:cNvPr>
+              <p:cNvSpPr txBox="1">
+                <a:spLocks noChangeArrowheads="1"/>
+              </p:cNvSpPr>
+              <p:nvPr/>
+            </p:nvSpPr>
+            <p:spPr bwMode="auto">
+              <a:xfrm>
+                <a:off x="822611" y="1171043"/>
+                <a:ext cx="1527874" cy="411480"/>
+              </a:xfrm>
+              <a:prstGeom prst="rect">
+                <a:avLst/>
+              </a:prstGeom>
+              <a:noFill/>
+              <a:ln>
+                <a:noFill/>
+              </a:ln>
+              <a:extLst>
+                <a:ext uri="{909E8E84-426E-40DD-AFC4-6F175D3DCCD1}">
+                  <a14:hiddenFill xmlns:a14="http://schemas.microsoft.com/office/drawing/2010/main">
+                    <a:solidFill>
+                      <a:srgbClr val="FFFFFF"/>
+                    </a:solidFill>
+                  </a14:hiddenFill>
+                </a:ext>
+                <a:ext uri="{91240B29-F687-4F45-9708-019B960494DF}">
+                  <a14:hiddenLine xmlns:a14="http://schemas.microsoft.com/office/drawing/2010/main" w="6350">
+                    <a:solidFill>
+                      <a:srgbClr val="000000"/>
+                    </a:solidFill>
+                    <a:miter lim="800000"/>
+                    <a:headEnd/>
+                    <a:tailEnd/>
+                  </a14:hiddenLine>
+                </a:ext>
+              </a:extLst>
+            </p:spPr>
+            <p:txBody>
+              <a:bodyPr vert="horz" wrap="square" lIns="91440" tIns="45720" rIns="91440" bIns="45720" numCol="1" anchor="t" anchorCtr="0" compatLnSpc="1">
+                <a:prstTxWarp prst="textNoShape">
+                  <a:avLst/>
+                </a:prstTxWarp>
+              </a:bodyPr>
+              <a:lstStyle/>
+              <a:p>
+                <a:pPr marL="0" marR="0" lvl="0" indent="0" algn="l" defTabSz="914400" rtl="0" eaLnBrk="0" fontAlgn="base" latinLnBrk="0" hangingPunct="0">
+                  <a:lnSpc>
+                    <a:spcPct val="100000"/>
+                  </a:lnSpc>
+                  <a:spcBef>
+                    <a:spcPct val="0"/>
+                  </a:spcBef>
+                  <a:spcAft>
+                    <a:spcPct val="0"/>
+                  </a:spcAft>
+                  <a:buClrTx/>
+                  <a:buSzTx/>
+                  <a:buFontTx/>
+                  <a:buNone/>
+                  <a:tabLst/>
+                </a:pPr>
+                <a:r>
+                  <a:rPr kumimoji="0" lang="en-US" altLang="en-VN" sz="1200" b="0" i="0" u="none" strike="noStrike" cap="none" normalizeH="0" baseline="0" dirty="0">
+                    <a:ln>
+                      <a:noFill/>
+                    </a:ln>
+                    <a:solidFill>
+                      <a:schemeClr val="bg1"/>
+                    </a:solidFill>
+                    <a:effectLst/>
+                    <a:ea typeface="Calibri" panose="020F0502020204030204" pitchFamily="34" charset="0"/>
+                    <a:cs typeface="Times New Roman" panose="02020603050405020304" pitchFamily="18" charset="0"/>
+                  </a:rPr>
+                  <a:t>Task 2: Class 4-5</a:t>
+                </a:r>
+                <a:endParaRPr kumimoji="0" lang="en-US" altLang="en-VN" sz="1800" b="0" i="0" u="none" strike="noStrike" cap="none" normalizeH="0" baseline="0" dirty="0">
+                  <a:ln>
+                    <a:noFill/>
+                  </a:ln>
+                  <a:solidFill>
+                    <a:schemeClr val="bg1"/>
+                  </a:solidFill>
+                  <a:effectLst/>
+                </a:endParaRPr>
+              </a:p>
+            </p:txBody>
+          </p:sp>
+        </p:grpSp>
+        <p:grpSp>
+          <p:nvGrpSpPr>
+            <p:cNvPr id="13" name="Group 12">
+              <a:extLst>
+                <a:ext uri="{FF2B5EF4-FFF2-40B4-BE49-F238E27FC236}">
+                  <a16:creationId xmlns:a16="http://schemas.microsoft.com/office/drawing/2014/main" id="{0E91E082-673B-A96C-10ED-4DB5E5D4784F}"/>
+                </a:ext>
+              </a:extLst>
+            </p:cNvPr>
+            <p:cNvGrpSpPr/>
+            <p:nvPr/>
+          </p:nvGrpSpPr>
+          <p:grpSpPr>
+            <a:xfrm>
+              <a:off x="610999" y="3166122"/>
+              <a:ext cx="10728000" cy="1009650"/>
+              <a:chOff x="1899270" y="3565868"/>
+              <a:chExt cx="7812000" cy="1009650"/>
+            </a:xfrm>
+          </p:grpSpPr>
+          <p:sp>
+            <p:nvSpPr>
+              <p:cNvPr id="20" name="Arrow: Right 1">
+                <a:extLst>
+                  <a:ext uri="{FF2B5EF4-FFF2-40B4-BE49-F238E27FC236}">
+                    <a16:creationId xmlns:a16="http://schemas.microsoft.com/office/drawing/2014/main" id="{643C9BE7-782B-E1C6-6B73-2C996C5E7568}"/>
+                  </a:ext>
+                </a:extLst>
+              </p:cNvPr>
+              <p:cNvSpPr/>
+              <p:nvPr/>
+            </p:nvSpPr>
+            <p:spPr>
+              <a:xfrm>
+                <a:off x="1899270" y="3565868"/>
+                <a:ext cx="7812000" cy="1009650"/>
+              </a:xfrm>
+              <a:prstGeom prst="rightArrow">
+                <a:avLst/>
+              </a:prstGeom>
+              <a:solidFill>
+                <a:schemeClr val="accent1">
+                  <a:alpha val="72000"/>
+                </a:schemeClr>
+              </a:solidFill>
+            </p:spPr>
+            <p:style>
+              <a:lnRef idx="2">
+                <a:schemeClr val="accent1"/>
+              </a:lnRef>
+              <a:fillRef idx="1">
+                <a:schemeClr val="lt1"/>
+              </a:fillRef>
+              <a:effectRef idx="0">
+                <a:schemeClr val="accent1"/>
+              </a:effectRef>
+              <a:fontRef idx="minor">
+                <a:schemeClr val="dk1"/>
+              </a:fontRef>
+            </p:style>
+            <p:txBody>
+              <a:bodyPr rot="0" spcFirstLastPara="0" vert="horz" wrap="square" lIns="91440" tIns="45720" rIns="91440" bIns="45720" numCol="1" spcCol="0" rtlCol="0" fromWordArt="0" anchor="ctr" anchorCtr="0" forceAA="0" compatLnSpc="1">
+                <a:prstTxWarp prst="textNoShape">
+                  <a:avLst/>
+                </a:prstTxWarp>
+                <a:noAutofit/>
+              </a:bodyPr>
+              <a:lstStyle/>
+              <a:p>
+                <a:endParaRPr lang="en-US"/>
+              </a:p>
+            </p:txBody>
+          </p:sp>
+          <p:sp>
+            <p:nvSpPr>
+              <p:cNvPr id="36" name="TextBox 35">
+                <a:extLst>
+                  <a:ext uri="{FF2B5EF4-FFF2-40B4-BE49-F238E27FC236}">
+                    <a16:creationId xmlns:a16="http://schemas.microsoft.com/office/drawing/2014/main" id="{03AC5FCF-5855-1DFB-7C1A-7EE5D94BED2D}"/>
+                  </a:ext>
+                </a:extLst>
+              </p:cNvPr>
+              <p:cNvSpPr txBox="1"/>
+              <p:nvPr/>
+            </p:nvSpPr>
+            <p:spPr>
+              <a:xfrm>
+                <a:off x="4342370" y="3886027"/>
+                <a:ext cx="2429256" cy="369332"/>
+              </a:xfrm>
+              <a:prstGeom prst="rect">
+                <a:avLst/>
+              </a:prstGeom>
+              <a:noFill/>
+            </p:spPr>
+            <p:txBody>
+              <a:bodyPr wrap="square" rtlCol="0">
+                <a:spAutoFit/>
+              </a:bodyPr>
+              <a:lstStyle/>
+              <a:p>
+                <a:r>
+                  <a:rPr lang="en-VN" dirty="0">
+                    <a:solidFill>
+                      <a:schemeClr val="bg1"/>
+                    </a:solidFill>
+                  </a:rPr>
+                  <a:t>Incremental Learning</a:t>
+                </a:r>
+              </a:p>
+            </p:txBody>
+          </p:sp>
+        </p:grpSp>
+        <p:grpSp>
+          <p:nvGrpSpPr>
+            <p:cNvPr id="4" name="Group 3">
+              <a:extLst>
+                <a:ext uri="{FF2B5EF4-FFF2-40B4-BE49-F238E27FC236}">
+                  <a16:creationId xmlns:a16="http://schemas.microsoft.com/office/drawing/2014/main" id="{24D12F71-8340-C7FD-4476-80FB102CB1F8}"/>
+                </a:ext>
+              </a:extLst>
+            </p:cNvPr>
+            <p:cNvGrpSpPr/>
+            <p:nvPr/>
+          </p:nvGrpSpPr>
+          <p:grpSpPr>
+            <a:xfrm>
+              <a:off x="1221293" y="4544656"/>
+              <a:ext cx="2443099" cy="1009650"/>
+              <a:chOff x="364999" y="802159"/>
+              <a:chExt cx="2443099" cy="1009650"/>
+            </a:xfrm>
+          </p:grpSpPr>
+          <p:sp>
+            <p:nvSpPr>
+              <p:cNvPr id="5" name="Cloud 4">
+                <a:extLst>
+                  <a:ext uri="{FF2B5EF4-FFF2-40B4-BE49-F238E27FC236}">
+                    <a16:creationId xmlns:a16="http://schemas.microsoft.com/office/drawing/2014/main" id="{2ACE6F3A-5DB2-8449-51C9-6F6507F816A9}"/>
+                  </a:ext>
+                </a:extLst>
+              </p:cNvPr>
+              <p:cNvSpPr/>
+              <p:nvPr/>
+            </p:nvSpPr>
+            <p:spPr>
+              <a:xfrm>
+                <a:off x="364999" y="802159"/>
+                <a:ext cx="2443099" cy="1009650"/>
+              </a:xfrm>
+              <a:prstGeom prst="cloud">
+                <a:avLst/>
+              </a:prstGeom>
+              <a:solidFill>
+                <a:schemeClr val="accent1"/>
+              </a:solidFill>
+              <a:ln/>
+            </p:spPr>
+            <p:style>
+              <a:lnRef idx="2">
+                <a:schemeClr val="accent1"/>
+              </a:lnRef>
+              <a:fillRef idx="1">
+                <a:schemeClr val="lt1"/>
+              </a:fillRef>
+              <a:effectRef idx="0">
+                <a:schemeClr val="accent1"/>
+              </a:effectRef>
+              <a:fontRef idx="minor">
+                <a:schemeClr val="dk1"/>
+              </a:fontRef>
+            </p:style>
+            <p:txBody>
+              <a:bodyPr rot="0" spcFirstLastPara="0" vert="horz" wrap="square" lIns="91440" tIns="45720" rIns="91440" bIns="45720" numCol="1" spcCol="0" rtlCol="0" fromWordArt="0" anchor="ctr" anchorCtr="0" forceAA="0" compatLnSpc="1">
+                <a:prstTxWarp prst="textNoShape">
+                  <a:avLst/>
+                </a:prstTxWarp>
+                <a:noAutofit/>
+              </a:bodyPr>
+              <a:lstStyle/>
+              <a:p>
+                <a:endParaRPr lang="en-US"/>
+              </a:p>
+            </p:txBody>
+          </p:sp>
+          <p:sp>
+            <p:nvSpPr>
+              <p:cNvPr id="6" name="Text Box 24">
+                <a:extLst>
+                  <a:ext uri="{FF2B5EF4-FFF2-40B4-BE49-F238E27FC236}">
+                    <a16:creationId xmlns:a16="http://schemas.microsoft.com/office/drawing/2014/main" id="{A6225563-44A3-9BD1-C0D9-62E6543CD6DE}"/>
+                  </a:ext>
+                </a:extLst>
+              </p:cNvPr>
+              <p:cNvSpPr txBox="1">
+                <a:spLocks noChangeArrowheads="1"/>
+              </p:cNvSpPr>
+              <p:nvPr/>
+            </p:nvSpPr>
+            <p:spPr bwMode="auto">
+              <a:xfrm>
+                <a:off x="822611" y="1171043"/>
+                <a:ext cx="1527874" cy="411480"/>
+              </a:xfrm>
+              <a:prstGeom prst="rect">
+                <a:avLst/>
+              </a:prstGeom>
+              <a:noFill/>
+              <a:ln>
+                <a:noFill/>
+              </a:ln>
+              <a:extLst>
+                <a:ext uri="{909E8E84-426E-40DD-AFC4-6F175D3DCCD1}">
+                  <a14:hiddenFill xmlns:a14="http://schemas.microsoft.com/office/drawing/2010/main">
+                    <a:solidFill>
+                      <a:srgbClr val="FFFFFF"/>
+                    </a:solidFill>
+                  </a14:hiddenFill>
+                </a:ext>
+                <a:ext uri="{91240B29-F687-4F45-9708-019B960494DF}">
+                  <a14:hiddenLine xmlns:a14="http://schemas.microsoft.com/office/drawing/2010/main" w="6350">
+                    <a:solidFill>
+                      <a:srgbClr val="000000"/>
+                    </a:solidFill>
+                    <a:miter lim="800000"/>
+                    <a:headEnd/>
+                    <a:tailEnd/>
+                  </a14:hiddenLine>
+                </a:ext>
+              </a:extLst>
+            </p:spPr>
+            <p:txBody>
+              <a:bodyPr vert="horz" wrap="square" lIns="91440" tIns="45720" rIns="91440" bIns="45720" numCol="1" anchor="t" anchorCtr="0" compatLnSpc="1">
+                <a:prstTxWarp prst="textNoShape">
+                  <a:avLst/>
+                </a:prstTxWarp>
+              </a:bodyPr>
+              <a:lstStyle/>
+              <a:p>
+                <a:pPr marL="0" marR="0" lvl="0" indent="0" algn="l" defTabSz="914400" rtl="0" eaLnBrk="0" fontAlgn="base" latinLnBrk="0" hangingPunct="0">
+                  <a:lnSpc>
+                    <a:spcPct val="100000"/>
+                  </a:lnSpc>
+                  <a:spcBef>
+                    <a:spcPct val="0"/>
+                  </a:spcBef>
+                  <a:spcAft>
+                    <a:spcPct val="0"/>
+                  </a:spcAft>
+                  <a:buClrTx/>
+                  <a:buSzTx/>
+                  <a:buFontTx/>
+                  <a:buNone/>
+                  <a:tabLst/>
+                </a:pPr>
+                <a:r>
+                  <a:rPr kumimoji="0" lang="en-US" altLang="en-VN" sz="1200" b="0" i="0" u="none" strike="noStrike" cap="none" normalizeH="0" baseline="0" dirty="0">
+                    <a:ln>
+                      <a:noFill/>
+                    </a:ln>
+                    <a:solidFill>
+                      <a:schemeClr val="bg1"/>
+                    </a:solidFill>
+                    <a:effectLst/>
+                    <a:ea typeface="Calibri" panose="020F0502020204030204" pitchFamily="34" charset="0"/>
+                    <a:cs typeface="Times New Roman" panose="02020603050405020304" pitchFamily="18" charset="0"/>
+                  </a:rPr>
+                  <a:t>Task 1: Class </a:t>
+                </a:r>
+                <a:r>
+                  <a:rPr lang="en-US" altLang="en-VN" sz="1200" dirty="0">
+                    <a:solidFill>
+                      <a:schemeClr val="bg1"/>
+                    </a:solidFill>
+                    <a:ea typeface="Calibri" panose="020F0502020204030204" pitchFamily="34" charset="0"/>
+                    <a:cs typeface="Times New Roman" panose="02020603050405020304" pitchFamily="18" charset="0"/>
+                  </a:rPr>
+                  <a:t>2</a:t>
+                </a:r>
+                <a:r>
+                  <a:rPr kumimoji="0" lang="en-US" altLang="en-VN" sz="1200" b="0" i="0" u="none" strike="noStrike" cap="none" normalizeH="0" baseline="0" dirty="0">
+                    <a:ln>
+                      <a:noFill/>
+                    </a:ln>
+                    <a:solidFill>
+                      <a:schemeClr val="bg1"/>
+                    </a:solidFill>
+                    <a:effectLst/>
+                    <a:ea typeface="Calibri" panose="020F0502020204030204" pitchFamily="34" charset="0"/>
+                    <a:cs typeface="Times New Roman" panose="02020603050405020304" pitchFamily="18" charset="0"/>
+                  </a:rPr>
+                  <a:t>-3</a:t>
+                </a:r>
+                <a:endParaRPr kumimoji="0" lang="en-US" altLang="en-VN" sz="1800" b="0" i="0" u="none" strike="noStrike" cap="none" normalizeH="0" baseline="0" dirty="0">
+                  <a:ln>
+                    <a:noFill/>
+                  </a:ln>
+                  <a:solidFill>
+                    <a:schemeClr val="bg1"/>
+                  </a:solidFill>
+                  <a:effectLst/>
+                </a:endParaRPr>
+              </a:p>
+            </p:txBody>
+          </p:sp>
+        </p:grpSp>
+        <p:grpSp>
+          <p:nvGrpSpPr>
+            <p:cNvPr id="7" name="Group 6">
+              <a:extLst>
+                <a:ext uri="{FF2B5EF4-FFF2-40B4-BE49-F238E27FC236}">
+                  <a16:creationId xmlns:a16="http://schemas.microsoft.com/office/drawing/2014/main" id="{08DFBA2F-CD0C-23F6-4205-F0FC0928BBFB}"/>
+                </a:ext>
+              </a:extLst>
+            </p:cNvPr>
+            <p:cNvGrpSpPr/>
+            <p:nvPr/>
+          </p:nvGrpSpPr>
+          <p:grpSpPr>
+            <a:xfrm>
+              <a:off x="197243" y="1787588"/>
+              <a:ext cx="2443099" cy="1009650"/>
+              <a:chOff x="364999" y="802159"/>
+              <a:chExt cx="2443099" cy="1009650"/>
+            </a:xfrm>
+          </p:grpSpPr>
+          <p:sp>
+            <p:nvSpPr>
+              <p:cNvPr id="8" name="Cloud 7">
+                <a:extLst>
+                  <a:ext uri="{FF2B5EF4-FFF2-40B4-BE49-F238E27FC236}">
+                    <a16:creationId xmlns:a16="http://schemas.microsoft.com/office/drawing/2014/main" id="{8120659D-69EE-F221-0F7C-688A0E153E15}"/>
+                  </a:ext>
+                </a:extLst>
+              </p:cNvPr>
+              <p:cNvSpPr/>
+              <p:nvPr/>
+            </p:nvSpPr>
+            <p:spPr>
+              <a:xfrm>
+                <a:off x="364999" y="802159"/>
+                <a:ext cx="2443099" cy="1009650"/>
+              </a:xfrm>
+              <a:prstGeom prst="cloud">
+                <a:avLst/>
+              </a:prstGeom>
+              <a:solidFill>
+                <a:schemeClr val="accent1"/>
+              </a:solidFill>
+              <a:ln/>
+            </p:spPr>
+            <p:style>
+              <a:lnRef idx="2">
+                <a:schemeClr val="accent1"/>
+              </a:lnRef>
+              <a:fillRef idx="1">
+                <a:schemeClr val="lt1"/>
+              </a:fillRef>
+              <a:effectRef idx="0">
+                <a:schemeClr val="accent1"/>
+              </a:effectRef>
+              <a:fontRef idx="minor">
+                <a:schemeClr val="dk1"/>
+              </a:fontRef>
+            </p:style>
+            <p:txBody>
+              <a:bodyPr rot="0" spcFirstLastPara="0" vert="horz" wrap="square" lIns="91440" tIns="45720" rIns="91440" bIns="45720" numCol="1" spcCol="0" rtlCol="0" fromWordArt="0" anchor="ctr" anchorCtr="0" forceAA="0" compatLnSpc="1">
+                <a:prstTxWarp prst="textNoShape">
+                  <a:avLst/>
+                </a:prstTxWarp>
+                <a:noAutofit/>
+              </a:bodyPr>
+              <a:lstStyle/>
+              <a:p>
+                <a:endParaRPr lang="en-US"/>
+              </a:p>
+            </p:txBody>
+          </p:sp>
+          <p:sp>
+            <p:nvSpPr>
+              <p:cNvPr id="9" name="Text Box 24">
+                <a:extLst>
+                  <a:ext uri="{FF2B5EF4-FFF2-40B4-BE49-F238E27FC236}">
+                    <a16:creationId xmlns:a16="http://schemas.microsoft.com/office/drawing/2014/main" id="{A4275D41-14B8-A56E-2764-2E802400358F}"/>
+                  </a:ext>
+                </a:extLst>
+              </p:cNvPr>
+              <p:cNvSpPr txBox="1">
+                <a:spLocks noChangeArrowheads="1"/>
+              </p:cNvSpPr>
+              <p:nvPr/>
+            </p:nvSpPr>
+            <p:spPr bwMode="auto">
+              <a:xfrm>
+                <a:off x="822611" y="1171043"/>
+                <a:ext cx="1527874" cy="411480"/>
+              </a:xfrm>
+              <a:prstGeom prst="rect">
+                <a:avLst/>
+              </a:prstGeom>
+              <a:noFill/>
+              <a:ln>
+                <a:noFill/>
+              </a:ln>
+              <a:extLst>
+                <a:ext uri="{909E8E84-426E-40DD-AFC4-6F175D3DCCD1}">
+                  <a14:hiddenFill xmlns:a14="http://schemas.microsoft.com/office/drawing/2010/main">
+                    <a:solidFill>
+                      <a:srgbClr val="FFFFFF"/>
+                    </a:solidFill>
+                  </a14:hiddenFill>
+                </a:ext>
+                <a:ext uri="{91240B29-F687-4F45-9708-019B960494DF}">
+                  <a14:hiddenLine xmlns:a14="http://schemas.microsoft.com/office/drawing/2010/main" w="6350">
+                    <a:solidFill>
+                      <a:srgbClr val="000000"/>
+                    </a:solidFill>
+                    <a:miter lim="800000"/>
+                    <a:headEnd/>
+                    <a:tailEnd/>
+                  </a14:hiddenLine>
+                </a:ext>
+              </a:extLst>
+            </p:spPr>
+            <p:txBody>
+              <a:bodyPr vert="horz" wrap="square" lIns="91440" tIns="45720" rIns="91440" bIns="45720" numCol="1" anchor="t" anchorCtr="0" compatLnSpc="1">
+                <a:prstTxWarp prst="textNoShape">
+                  <a:avLst/>
+                </a:prstTxWarp>
+              </a:bodyPr>
+              <a:lstStyle/>
+              <a:p>
+                <a:pPr marL="0" marR="0" lvl="0" indent="0" algn="l" defTabSz="914400" rtl="0" eaLnBrk="0" fontAlgn="base" latinLnBrk="0" hangingPunct="0">
+                  <a:lnSpc>
+                    <a:spcPct val="100000"/>
+                  </a:lnSpc>
+                  <a:spcBef>
+                    <a:spcPct val="0"/>
+                  </a:spcBef>
+                  <a:spcAft>
+                    <a:spcPct val="0"/>
+                  </a:spcAft>
+                  <a:buClrTx/>
+                  <a:buSzTx/>
+                  <a:buFontTx/>
+                  <a:buNone/>
+                  <a:tabLst/>
+                </a:pPr>
+                <a:r>
+                  <a:rPr kumimoji="0" lang="en-US" altLang="en-VN" sz="1200" b="0" i="0" u="none" strike="noStrike" cap="none" normalizeH="0" baseline="0" dirty="0">
+                    <a:ln>
+                      <a:noFill/>
+                    </a:ln>
+                    <a:solidFill>
+                      <a:schemeClr val="bg1"/>
+                    </a:solidFill>
+                    <a:effectLst/>
+                    <a:ea typeface="Calibri" panose="020F0502020204030204" pitchFamily="34" charset="0"/>
+                    <a:cs typeface="Times New Roman" panose="02020603050405020304" pitchFamily="18" charset="0"/>
+                  </a:rPr>
+                  <a:t>Task 0: Class 0-1</a:t>
+                </a:r>
+                <a:endParaRPr kumimoji="0" lang="en-US" altLang="en-VN" sz="1800" b="0" i="0" u="none" strike="noStrike" cap="none" normalizeH="0" baseline="0" dirty="0">
+                  <a:ln>
+                    <a:noFill/>
+                  </a:ln>
+                  <a:solidFill>
+                    <a:schemeClr val="bg1"/>
+                  </a:solidFill>
+                  <a:effectLst/>
+                </a:endParaRPr>
+              </a:p>
+            </p:txBody>
+          </p:sp>
+        </p:grpSp>
+        <p:grpSp>
+          <p:nvGrpSpPr>
+            <p:cNvPr id="10" name="Group 9">
+              <a:extLst>
+                <a:ext uri="{FF2B5EF4-FFF2-40B4-BE49-F238E27FC236}">
+                  <a16:creationId xmlns:a16="http://schemas.microsoft.com/office/drawing/2014/main" id="{4E67C89C-AC9C-7B41-DA30-E48D1650F534}"/>
+                </a:ext>
+              </a:extLst>
+            </p:cNvPr>
+            <p:cNvGrpSpPr/>
+            <p:nvPr/>
+          </p:nvGrpSpPr>
+          <p:grpSpPr>
+            <a:xfrm>
+              <a:off x="5484012" y="4544656"/>
+              <a:ext cx="2443099" cy="1009650"/>
+              <a:chOff x="364999" y="802159"/>
+              <a:chExt cx="2443099" cy="1009650"/>
+            </a:xfrm>
+          </p:grpSpPr>
+          <p:sp>
+            <p:nvSpPr>
+              <p:cNvPr id="11" name="Cloud 10">
+                <a:extLst>
+                  <a:ext uri="{FF2B5EF4-FFF2-40B4-BE49-F238E27FC236}">
+                    <a16:creationId xmlns:a16="http://schemas.microsoft.com/office/drawing/2014/main" id="{0E1F4685-3745-C1CE-BEB2-12E5728CC865}"/>
+                  </a:ext>
+                </a:extLst>
+              </p:cNvPr>
+              <p:cNvSpPr/>
+              <p:nvPr/>
+            </p:nvSpPr>
+            <p:spPr>
+              <a:xfrm>
+                <a:off x="364999" y="802159"/>
+                <a:ext cx="2443099" cy="1009650"/>
+              </a:xfrm>
+              <a:prstGeom prst="cloud">
+                <a:avLst/>
+              </a:prstGeom>
+              <a:solidFill>
+                <a:schemeClr val="accent1"/>
+              </a:solidFill>
+              <a:ln/>
+            </p:spPr>
+            <p:style>
+              <a:lnRef idx="2">
+                <a:schemeClr val="accent1"/>
+              </a:lnRef>
+              <a:fillRef idx="1">
+                <a:schemeClr val="lt1"/>
+              </a:fillRef>
+              <a:effectRef idx="0">
+                <a:schemeClr val="accent1"/>
+              </a:effectRef>
+              <a:fontRef idx="minor">
+                <a:schemeClr val="dk1"/>
+              </a:fontRef>
+            </p:style>
+            <p:txBody>
+              <a:bodyPr rot="0" spcFirstLastPara="0" vert="horz" wrap="square" lIns="91440" tIns="45720" rIns="91440" bIns="45720" numCol="1" spcCol="0" rtlCol="0" fromWordArt="0" anchor="ctr" anchorCtr="0" forceAA="0" compatLnSpc="1">
+                <a:prstTxWarp prst="textNoShape">
+                  <a:avLst/>
+                </a:prstTxWarp>
+                <a:noAutofit/>
+              </a:bodyPr>
+              <a:lstStyle/>
+              <a:p>
+                <a:endParaRPr lang="en-US"/>
+              </a:p>
+            </p:txBody>
+          </p:sp>
+          <p:sp>
+            <p:nvSpPr>
+              <p:cNvPr id="12" name="Text Box 24">
+                <a:extLst>
+                  <a:ext uri="{FF2B5EF4-FFF2-40B4-BE49-F238E27FC236}">
+                    <a16:creationId xmlns:a16="http://schemas.microsoft.com/office/drawing/2014/main" id="{38E38E9C-9F3B-1139-EE3F-8ED55BEBE440}"/>
+                  </a:ext>
+                </a:extLst>
+              </p:cNvPr>
+              <p:cNvSpPr txBox="1">
+                <a:spLocks noChangeArrowheads="1"/>
+              </p:cNvSpPr>
+              <p:nvPr/>
+            </p:nvSpPr>
+            <p:spPr bwMode="auto">
+              <a:xfrm>
+                <a:off x="822611" y="1171043"/>
+                <a:ext cx="1527874" cy="411480"/>
+              </a:xfrm>
+              <a:prstGeom prst="rect">
+                <a:avLst/>
+              </a:prstGeom>
+              <a:noFill/>
+              <a:ln>
+                <a:noFill/>
+              </a:ln>
+              <a:extLst>
+                <a:ext uri="{909E8E84-426E-40DD-AFC4-6F175D3DCCD1}">
+                  <a14:hiddenFill xmlns:a14="http://schemas.microsoft.com/office/drawing/2010/main">
+                    <a:solidFill>
+                      <a:srgbClr val="FFFFFF"/>
+                    </a:solidFill>
+                  </a14:hiddenFill>
+                </a:ext>
+                <a:ext uri="{91240B29-F687-4F45-9708-019B960494DF}">
+                  <a14:hiddenLine xmlns:a14="http://schemas.microsoft.com/office/drawing/2010/main" w="6350">
+                    <a:solidFill>
+                      <a:srgbClr val="000000"/>
+                    </a:solidFill>
+                    <a:miter lim="800000"/>
+                    <a:headEnd/>
+                    <a:tailEnd/>
+                  </a14:hiddenLine>
+                </a:ext>
+              </a:extLst>
+            </p:spPr>
+            <p:txBody>
+              <a:bodyPr vert="horz" wrap="square" lIns="91440" tIns="45720" rIns="91440" bIns="45720" numCol="1" anchor="t" anchorCtr="0" compatLnSpc="1">
+                <a:prstTxWarp prst="textNoShape">
+                  <a:avLst/>
+                </a:prstTxWarp>
+              </a:bodyPr>
+              <a:lstStyle/>
+              <a:p>
+                <a:pPr marL="0" marR="0" lvl="0" indent="0" algn="l" defTabSz="914400" rtl="0" eaLnBrk="0" fontAlgn="base" latinLnBrk="0" hangingPunct="0">
+                  <a:lnSpc>
+                    <a:spcPct val="100000"/>
+                  </a:lnSpc>
+                  <a:spcBef>
+                    <a:spcPct val="0"/>
+                  </a:spcBef>
+                  <a:spcAft>
+                    <a:spcPct val="0"/>
+                  </a:spcAft>
+                  <a:buClrTx/>
+                  <a:buSzTx/>
+                  <a:buFontTx/>
+                  <a:buNone/>
+                  <a:tabLst/>
+                </a:pPr>
+                <a:r>
+                  <a:rPr kumimoji="0" lang="en-US" altLang="en-VN" sz="1200" b="0" i="0" u="none" strike="noStrike" cap="none" normalizeH="0" baseline="0" dirty="0">
+                    <a:ln>
+                      <a:noFill/>
+                    </a:ln>
+                    <a:solidFill>
+                      <a:schemeClr val="bg1"/>
+                    </a:solidFill>
+                    <a:effectLst/>
+                    <a:ea typeface="Calibri" panose="020F0502020204030204" pitchFamily="34" charset="0"/>
+                    <a:cs typeface="Times New Roman" panose="02020603050405020304" pitchFamily="18" charset="0"/>
+                  </a:rPr>
+                  <a:t>Task 3: Class 6-7</a:t>
+                </a:r>
+                <a:endParaRPr kumimoji="0" lang="en-US" altLang="en-VN" sz="1800" b="0" i="0" u="none" strike="noStrike" cap="none" normalizeH="0" baseline="0" dirty="0">
+                  <a:ln>
+                    <a:noFill/>
+                  </a:ln>
+                  <a:solidFill>
+                    <a:schemeClr val="bg1"/>
+                  </a:solidFill>
+                  <a:effectLst/>
+                </a:endParaRPr>
+              </a:p>
+            </p:txBody>
+          </p:sp>
+        </p:grpSp>
+        <p:cxnSp>
+          <p:nvCxnSpPr>
+            <p:cNvPr id="15" name="Straight Arrow Connector 14">
+              <a:extLst>
+                <a:ext uri="{FF2B5EF4-FFF2-40B4-BE49-F238E27FC236}">
+                  <a16:creationId xmlns:a16="http://schemas.microsoft.com/office/drawing/2014/main" id="{AFA07C4B-139B-A898-3597-ECBD246795AB}"/>
+                </a:ext>
+              </a:extLst>
+            </p:cNvPr>
+            <p:cNvCxnSpPr/>
+            <p:nvPr/>
+          </p:nvCxnSpPr>
+          <p:spPr>
+            <a:xfrm>
+              <a:off x="2182729" y="2567952"/>
+              <a:ext cx="1178309" cy="861048"/>
+            </a:xfrm>
+            <a:prstGeom prst="straightConnector1">
+              <a:avLst/>
+            </a:prstGeom>
+            <a:ln w="63500">
+              <a:tailEnd type="triangle"/>
+            </a:ln>
+          </p:spPr>
+          <p:style>
+            <a:lnRef idx="2">
+              <a:schemeClr val="accent1"/>
+            </a:lnRef>
+            <a:fillRef idx="0">
+              <a:schemeClr val="accent1"/>
+            </a:fillRef>
+            <a:effectRef idx="1">
+              <a:schemeClr val="accent1"/>
+            </a:effectRef>
+            <a:fontRef idx="minor">
+              <a:schemeClr val="tx1"/>
+            </a:fontRef>
+          </p:style>
+        </p:cxnSp>
+        <p:cxnSp>
+          <p:nvCxnSpPr>
+            <p:cNvPr id="34" name="Straight Arrow Connector 33">
+              <a:extLst>
+                <a:ext uri="{FF2B5EF4-FFF2-40B4-BE49-F238E27FC236}">
+                  <a16:creationId xmlns:a16="http://schemas.microsoft.com/office/drawing/2014/main" id="{DA086EE2-E433-8266-5C3F-8282AB96B8E0}"/>
+                </a:ext>
+              </a:extLst>
+            </p:cNvPr>
+            <p:cNvCxnSpPr>
+              <a:cxnSpLocks/>
+            </p:cNvCxnSpPr>
+            <p:nvPr/>
+          </p:nvCxnSpPr>
+          <p:spPr>
+            <a:xfrm flipV="1">
+              <a:off x="3361038" y="3917244"/>
+              <a:ext cx="1553392" cy="719521"/>
+            </a:xfrm>
+            <a:prstGeom prst="straightConnector1">
+              <a:avLst/>
+            </a:prstGeom>
+            <a:ln w="63500">
+              <a:tailEnd type="triangle"/>
+            </a:ln>
+          </p:spPr>
+          <p:style>
+            <a:lnRef idx="2">
+              <a:schemeClr val="accent1"/>
+            </a:lnRef>
+            <a:fillRef idx="0">
+              <a:schemeClr val="accent1"/>
+            </a:fillRef>
+            <a:effectRef idx="1">
+              <a:schemeClr val="accent1"/>
+            </a:effectRef>
+            <a:fontRef idx="minor">
+              <a:schemeClr val="tx1"/>
+            </a:fontRef>
+          </p:style>
+        </p:cxnSp>
+        <p:cxnSp>
+          <p:nvCxnSpPr>
+            <p:cNvPr id="43" name="Straight Arrow Connector 42">
+              <a:extLst>
+                <a:ext uri="{FF2B5EF4-FFF2-40B4-BE49-F238E27FC236}">
+                  <a16:creationId xmlns:a16="http://schemas.microsoft.com/office/drawing/2014/main" id="{3892D673-260B-CAE5-2811-4E8E1B8E9E96}"/>
+                </a:ext>
+              </a:extLst>
+            </p:cNvPr>
+            <p:cNvCxnSpPr/>
+            <p:nvPr/>
+          </p:nvCxnSpPr>
+          <p:spPr>
+            <a:xfrm>
+              <a:off x="7011886" y="2567952"/>
+              <a:ext cx="1181207" cy="861048"/>
+            </a:xfrm>
+            <a:prstGeom prst="straightConnector1">
+              <a:avLst/>
+            </a:prstGeom>
+            <a:ln w="63500">
+              <a:tailEnd type="triangle"/>
+            </a:ln>
+          </p:spPr>
+          <p:style>
+            <a:lnRef idx="2">
+              <a:schemeClr val="accent1"/>
+            </a:lnRef>
+            <a:fillRef idx="0">
+              <a:schemeClr val="accent1"/>
+            </a:fillRef>
+            <a:effectRef idx="1">
+              <a:schemeClr val="accent1"/>
+            </a:effectRef>
+            <a:fontRef idx="minor">
+              <a:schemeClr val="tx1"/>
+            </a:fontRef>
+          </p:style>
+        </p:cxnSp>
+        <p:cxnSp>
+          <p:nvCxnSpPr>
+            <p:cNvPr id="44" name="Straight Arrow Connector 43">
+              <a:extLst>
+                <a:ext uri="{FF2B5EF4-FFF2-40B4-BE49-F238E27FC236}">
+                  <a16:creationId xmlns:a16="http://schemas.microsoft.com/office/drawing/2014/main" id="{4CC53A2C-32BA-4A23-4949-09FF9476047A}"/>
+                </a:ext>
+              </a:extLst>
+            </p:cNvPr>
+            <p:cNvCxnSpPr>
+              <a:cxnSpLocks/>
+            </p:cNvCxnSpPr>
+            <p:nvPr/>
+          </p:nvCxnSpPr>
+          <p:spPr>
+            <a:xfrm flipV="1">
+              <a:off x="7602489" y="3917244"/>
+              <a:ext cx="1553392" cy="719521"/>
+            </a:xfrm>
+            <a:prstGeom prst="straightConnector1">
+              <a:avLst/>
+            </a:prstGeom>
+            <a:ln w="63500">
+              <a:tailEnd type="triangle"/>
+            </a:ln>
+          </p:spPr>
+          <p:style>
+            <a:lnRef idx="2">
+              <a:schemeClr val="accent1"/>
+            </a:lnRef>
+            <a:fillRef idx="0">
+              <a:schemeClr val="accent1"/>
+            </a:fillRef>
+            <a:effectRef idx="1">
+              <a:schemeClr val="accent1"/>
+            </a:effectRef>
+            <a:fontRef idx="minor">
+              <a:schemeClr val="tx1"/>
+            </a:fontRef>
+          </p:style>
+        </p:cxnSp>
+      </p:grpSp>
+    </p:spTree>
+    <p:extLst>
+      <p:ext uri="{BB962C8B-B14F-4D97-AF65-F5344CB8AC3E}">
+        <p14:creationId xmlns:p14="http://schemas.microsoft.com/office/powerpoint/2010/main" val="4249382170"/>
+      </p:ext>
+    </p:extLst>
+  </p:cSld>
+  <p:clrMapOvr>
+    <a:masterClrMapping/>
+  </p:clrMapOvr>
+</p:sld>
+</file>
+
+<file path=ppt/slides/slide3.xml><?xml version="1.0" encoding="utf-8"?>
+<p:sld xmlns:a="http://schemas.openxmlformats.org/drawingml/2006/main" xmlns:r="http://schemas.openxmlformats.org/officeDocument/2006/relationships" xmlns:p="http://schemas.openxmlformats.org/presentationml/2006/main">
+  <p:cSld>
+    <p:spTree>
+      <p:nvGrpSpPr>
+        <p:cNvPr id="1" name=""/>
+        <p:cNvGrpSpPr/>
+        <p:nvPr/>
+      </p:nvGrpSpPr>
+      <p:grpSpPr>
+        <a:xfrm>
+          <a:off x="0" y="0"/>
+          <a:ext cx="0" cy="0"/>
+          <a:chOff x="0" y="0"/>
+          <a:chExt cx="0" cy="0"/>
+        </a:xfrm>
+      </p:grpSpPr>
+      <p:graphicFrame>
+        <p:nvGraphicFramePr>
+          <p:cNvPr id="4" name="Table 3">
+            <a:extLst>
+              <a:ext uri="{FF2B5EF4-FFF2-40B4-BE49-F238E27FC236}">
+                <a16:creationId xmlns:a16="http://schemas.microsoft.com/office/drawing/2014/main" id="{AAB14A7D-5A55-577B-6983-58A771AFBFC7}"/>
+              </a:ext>
+            </a:extLst>
+          </p:cNvPr>
+          <p:cNvGraphicFramePr>
+            <a:graphicFrameLocks noGrp="1"/>
+          </p:cNvGraphicFramePr>
+          <p:nvPr>
+            <p:extLst>
+              <p:ext uri="{D42A27DB-BD31-4B8C-83A1-F6EECF244321}">
+                <p14:modId xmlns:p14="http://schemas.microsoft.com/office/powerpoint/2010/main" val="3073626240"/>
+              </p:ext>
+            </p:extLst>
+          </p:nvPr>
+        </p:nvGraphicFramePr>
+        <p:xfrm>
+          <a:off x="2032000" y="719666"/>
+          <a:ext cx="8127999" cy="741680"/>
+        </p:xfrm>
+        <a:graphic>
+          <a:graphicData uri="http://schemas.openxmlformats.org/drawingml/2006/table">
+            <a:tbl>
+              <a:tblPr firstRow="1" bandRow="1">
+                <a:tableStyleId>{616DA210-FB5B-4158-B5E0-FEB733F419BA}</a:tableStyleId>
+              </a:tblPr>
+              <a:tblGrid>
+                <a:gridCol w="2709333">
+                  <a:extLst>
+                    <a:ext uri="{9D8B030D-6E8A-4147-A177-3AD203B41FA5}">
+                      <a16:colId xmlns:a16="http://schemas.microsoft.com/office/drawing/2014/main" val="2099515003"/>
+                    </a:ext>
+                  </a:extLst>
+                </a:gridCol>
+                <a:gridCol w="2709333">
+                  <a:extLst>
+                    <a:ext uri="{9D8B030D-6E8A-4147-A177-3AD203B41FA5}">
+                      <a16:colId xmlns:a16="http://schemas.microsoft.com/office/drawing/2014/main" val="3709883589"/>
+                    </a:ext>
+                  </a:extLst>
+                </a:gridCol>
+                <a:gridCol w="2709333">
+                  <a:extLst>
+                    <a:ext uri="{9D8B030D-6E8A-4147-A177-3AD203B41FA5}">
+                      <a16:colId xmlns:a16="http://schemas.microsoft.com/office/drawing/2014/main" val="3218633323"/>
+                    </a:ext>
+                  </a:extLst>
+                </a:gridCol>
+              </a:tblGrid>
+              <a:tr h="370840">
+                <a:tc rowSpan="2">
+                  <a:txBody>
+                    <a:bodyPr/>
+                    <a:lstStyle/>
+                    <a:p>
+                      <a:r>
+                        <a:rPr lang="en-VN" dirty="0"/>
+                        <a:t>ANN Input Layer</a:t>
+                      </a:r>
+                    </a:p>
+                  </a:txBody>
+                  <a:tcPr/>
+                </a:tc>
+                <a:tc>
+                  <a:txBody>
+                    <a:bodyPr/>
+                    <a:lstStyle/>
+                    <a:p>
+                      <a:r>
+                        <a:rPr lang="en-VN" dirty="0"/>
+                        <a:t>Input</a:t>
+                      </a:r>
+                    </a:p>
+                  </a:txBody>
+                  <a:tcPr/>
+                </a:tc>
+                <a:tc>
+                  <a:txBody>
+                    <a:bodyPr/>
+                    <a:lstStyle/>
+                    <a:p>
+                      <a:r>
+                        <a:rPr lang="en-VN" dirty="0"/>
+                        <a:t>X</a:t>
+                      </a:r>
+                    </a:p>
+                  </a:txBody>
+                  <a:tcPr/>
+                </a:tc>
+                <a:extLst>
+                  <a:ext uri="{0D108BD9-81ED-4DB2-BD59-A6C34878D82A}">
+                    <a16:rowId xmlns:a16="http://schemas.microsoft.com/office/drawing/2014/main" val="721545743"/>
+                  </a:ext>
+                </a:extLst>
+              </a:tr>
+              <a:tr h="370840">
+                <a:tc vMerge="1">
+                  <a:txBody>
+                    <a:bodyPr/>
+                    <a:lstStyle/>
+                    <a:p>
+                      <a:endParaRPr lang="en-VN" dirty="0"/>
+                    </a:p>
+                  </a:txBody>
+                  <a:tcPr/>
+                </a:tc>
+                <a:tc>
+                  <a:txBody>
+                    <a:bodyPr/>
+                    <a:lstStyle/>
+                    <a:p>
+                      <a:r>
+                        <a:rPr lang="en-VN" dirty="0"/>
+                        <a:t>Output</a:t>
+                      </a:r>
+                    </a:p>
+                  </a:txBody>
+                  <a:tcPr/>
+                </a:tc>
+                <a:tc>
+                  <a:txBody>
+                    <a:bodyPr/>
+                    <a:lstStyle/>
+                    <a:p>
+                      <a:r>
+                        <a:rPr lang="en-VN" dirty="0"/>
+                        <a:t>128</a:t>
+                      </a:r>
+                    </a:p>
+                  </a:txBody>
+                  <a:tcPr/>
+                </a:tc>
+                <a:extLst>
+                  <a:ext uri="{0D108BD9-81ED-4DB2-BD59-A6C34878D82A}">
+                    <a16:rowId xmlns:a16="http://schemas.microsoft.com/office/drawing/2014/main" val="3797889833"/>
+                  </a:ext>
+                </a:extLst>
+              </a:tr>
+            </a:tbl>
+          </a:graphicData>
+        </a:graphic>
+      </p:graphicFrame>
+      <p:graphicFrame>
+        <p:nvGraphicFramePr>
+          <p:cNvPr id="5" name="Table 4">
+            <a:extLst>
+              <a:ext uri="{FF2B5EF4-FFF2-40B4-BE49-F238E27FC236}">
+                <a16:creationId xmlns:a16="http://schemas.microsoft.com/office/drawing/2014/main" id="{41F6C86E-CC38-B5A5-1CD8-7EDD0FFBC9FE}"/>
+              </a:ext>
+            </a:extLst>
+          </p:cNvPr>
+          <p:cNvGraphicFramePr>
+            <a:graphicFrameLocks noGrp="1"/>
+          </p:cNvGraphicFramePr>
+          <p:nvPr>
+            <p:extLst>
+              <p:ext uri="{D42A27DB-BD31-4B8C-83A1-F6EECF244321}">
+                <p14:modId xmlns:p14="http://schemas.microsoft.com/office/powerpoint/2010/main" val="3097351447"/>
+              </p:ext>
+            </p:extLst>
+          </p:nvPr>
+        </p:nvGraphicFramePr>
+        <p:xfrm>
+          <a:off x="2032000" y="2146684"/>
+          <a:ext cx="8127999" cy="741680"/>
+        </p:xfrm>
+        <a:graphic>
+          <a:graphicData uri="http://schemas.openxmlformats.org/drawingml/2006/table">
+            <a:tbl>
+              <a:tblPr firstRow="1" bandRow="1">
+                <a:tableStyleId>{616DA210-FB5B-4158-B5E0-FEB733F419BA}</a:tableStyleId>
+              </a:tblPr>
+              <a:tblGrid>
+                <a:gridCol w="2709333">
+                  <a:extLst>
+                    <a:ext uri="{9D8B030D-6E8A-4147-A177-3AD203B41FA5}">
+                      <a16:colId xmlns:a16="http://schemas.microsoft.com/office/drawing/2014/main" val="2099515003"/>
+                    </a:ext>
+                  </a:extLst>
+                </a:gridCol>
+                <a:gridCol w="2709333">
+                  <a:extLst>
+                    <a:ext uri="{9D8B030D-6E8A-4147-A177-3AD203B41FA5}">
+                      <a16:colId xmlns:a16="http://schemas.microsoft.com/office/drawing/2014/main" val="3709883589"/>
+                    </a:ext>
+                  </a:extLst>
+                </a:gridCol>
+                <a:gridCol w="2709333">
+                  <a:extLst>
+                    <a:ext uri="{9D8B030D-6E8A-4147-A177-3AD203B41FA5}">
+                      <a16:colId xmlns:a16="http://schemas.microsoft.com/office/drawing/2014/main" val="3218633323"/>
+                    </a:ext>
+                  </a:extLst>
+                </a:gridCol>
+              </a:tblGrid>
+              <a:tr h="370840">
+                <a:tc rowSpan="2">
+                  <a:txBody>
+                    <a:bodyPr/>
+                    <a:lstStyle/>
+                    <a:p>
+                      <a:r>
+                        <a:rPr lang="en-VN" dirty="0"/>
+                        <a:t>ANN Dense Layer</a:t>
+                      </a:r>
+                    </a:p>
+                  </a:txBody>
+                  <a:tcPr/>
+                </a:tc>
+                <a:tc>
+                  <a:txBody>
+                    <a:bodyPr/>
+                    <a:lstStyle/>
+                    <a:p>
+                      <a:r>
+                        <a:rPr lang="en-VN" dirty="0"/>
+                        <a:t>Input</a:t>
+                      </a:r>
+                    </a:p>
+                  </a:txBody>
+                  <a:tcPr/>
+                </a:tc>
+                <a:tc>
+                  <a:txBody>
+                    <a:bodyPr/>
+                    <a:lstStyle/>
+                    <a:p>
+                      <a:r>
+                        <a:rPr lang="en-VN" dirty="0"/>
+                        <a:t>128</a:t>
+                      </a:r>
+                    </a:p>
+                  </a:txBody>
+                  <a:tcPr/>
+                </a:tc>
+                <a:extLst>
+                  <a:ext uri="{0D108BD9-81ED-4DB2-BD59-A6C34878D82A}">
+                    <a16:rowId xmlns:a16="http://schemas.microsoft.com/office/drawing/2014/main" val="721545743"/>
+                  </a:ext>
+                </a:extLst>
+              </a:tr>
+              <a:tr h="370840">
+                <a:tc vMerge="1">
+                  <a:txBody>
+                    <a:bodyPr/>
+                    <a:lstStyle/>
+                    <a:p>
+                      <a:endParaRPr lang="en-VN" dirty="0"/>
+                    </a:p>
+                  </a:txBody>
+                  <a:tcPr/>
+                </a:tc>
+                <a:tc>
+                  <a:txBody>
+                    <a:bodyPr/>
+                    <a:lstStyle/>
+                    <a:p>
+                      <a:r>
+                        <a:rPr lang="en-VN" dirty="0"/>
+                        <a:t>Output</a:t>
+                      </a:r>
+                    </a:p>
+                  </a:txBody>
+                  <a:tcPr/>
+                </a:tc>
+                <a:tc>
+                  <a:txBody>
+                    <a:bodyPr/>
+                    <a:lstStyle/>
+                    <a:p>
+                      <a:r>
+                        <a:rPr lang="en-VN" dirty="0"/>
+                        <a:t>64</a:t>
+                      </a:r>
+                    </a:p>
+                  </a:txBody>
+                  <a:tcPr/>
+                </a:tc>
+                <a:extLst>
+                  <a:ext uri="{0D108BD9-81ED-4DB2-BD59-A6C34878D82A}">
+                    <a16:rowId xmlns:a16="http://schemas.microsoft.com/office/drawing/2014/main" val="3797889833"/>
+                  </a:ext>
+                </a:extLst>
+              </a:tr>
+            </a:tbl>
+          </a:graphicData>
+        </a:graphic>
+      </p:graphicFrame>
+      <p:graphicFrame>
+        <p:nvGraphicFramePr>
+          <p:cNvPr id="6" name="Table 5">
+            <a:extLst>
+              <a:ext uri="{FF2B5EF4-FFF2-40B4-BE49-F238E27FC236}">
+                <a16:creationId xmlns:a16="http://schemas.microsoft.com/office/drawing/2014/main" id="{CE2814B7-11CA-61AA-9466-D35C9998B57B}"/>
+              </a:ext>
+            </a:extLst>
+          </p:cNvPr>
+          <p:cNvGraphicFramePr>
+            <a:graphicFrameLocks noGrp="1"/>
+          </p:cNvGraphicFramePr>
+          <p:nvPr>
+            <p:extLst>
+              <p:ext uri="{D42A27DB-BD31-4B8C-83A1-F6EECF244321}">
+                <p14:modId xmlns:p14="http://schemas.microsoft.com/office/powerpoint/2010/main" val="3262232029"/>
+              </p:ext>
+            </p:extLst>
+          </p:nvPr>
+        </p:nvGraphicFramePr>
+        <p:xfrm>
+          <a:off x="2032000" y="3598797"/>
+          <a:ext cx="8127999" cy="741680"/>
+        </p:xfrm>
+        <a:graphic>
+          <a:graphicData uri="http://schemas.openxmlformats.org/drawingml/2006/table">
+            <a:tbl>
+              <a:tblPr firstRow="1" bandRow="1">
+                <a:tableStyleId>{616DA210-FB5B-4158-B5E0-FEB733F419BA}</a:tableStyleId>
+              </a:tblPr>
+              <a:tblGrid>
+                <a:gridCol w="2709333">
+                  <a:extLst>
+                    <a:ext uri="{9D8B030D-6E8A-4147-A177-3AD203B41FA5}">
+                      <a16:colId xmlns:a16="http://schemas.microsoft.com/office/drawing/2014/main" val="2099515003"/>
+                    </a:ext>
+                  </a:extLst>
+                </a:gridCol>
+                <a:gridCol w="2709333">
+                  <a:extLst>
+                    <a:ext uri="{9D8B030D-6E8A-4147-A177-3AD203B41FA5}">
+                      <a16:colId xmlns:a16="http://schemas.microsoft.com/office/drawing/2014/main" val="3709883589"/>
+                    </a:ext>
+                  </a:extLst>
+                </a:gridCol>
+                <a:gridCol w="2709333">
+                  <a:extLst>
+                    <a:ext uri="{9D8B030D-6E8A-4147-A177-3AD203B41FA5}">
+                      <a16:colId xmlns:a16="http://schemas.microsoft.com/office/drawing/2014/main" val="3218633323"/>
+                    </a:ext>
+                  </a:extLst>
+                </a:gridCol>
+              </a:tblGrid>
+              <a:tr h="370840">
+                <a:tc rowSpan="2">
+                  <a:txBody>
+                    <a:bodyPr/>
+                    <a:lstStyle/>
+                    <a:p>
+                      <a:r>
+                        <a:rPr lang="en-VN" dirty="0"/>
+                        <a:t>Fully Connected Layer</a:t>
+                      </a:r>
+                    </a:p>
+                  </a:txBody>
+                  <a:tcPr/>
+                </a:tc>
+                <a:tc>
+                  <a:txBody>
+                    <a:bodyPr/>
+                    <a:lstStyle/>
+                    <a:p>
+                      <a:r>
+                        <a:rPr lang="en-VN" dirty="0"/>
+                        <a:t>Input</a:t>
+                      </a:r>
+                    </a:p>
+                  </a:txBody>
+                  <a:tcPr/>
+                </a:tc>
+                <a:tc>
+                  <a:txBody>
+                    <a:bodyPr/>
+                    <a:lstStyle/>
+                    <a:p>
+                      <a:r>
+                        <a:rPr lang="en-VN" dirty="0"/>
+                        <a:t>64</a:t>
+                      </a:r>
+                    </a:p>
+                  </a:txBody>
+                  <a:tcPr/>
+                </a:tc>
+                <a:extLst>
+                  <a:ext uri="{0D108BD9-81ED-4DB2-BD59-A6C34878D82A}">
+                    <a16:rowId xmlns:a16="http://schemas.microsoft.com/office/drawing/2014/main" val="721545743"/>
+                  </a:ext>
+                </a:extLst>
+              </a:tr>
+              <a:tr h="370840">
+                <a:tc vMerge="1">
+                  <a:txBody>
+                    <a:bodyPr/>
+                    <a:lstStyle/>
+                    <a:p>
+                      <a:endParaRPr lang="en-VN" dirty="0"/>
+                    </a:p>
+                  </a:txBody>
+                  <a:tcPr/>
+                </a:tc>
+                <a:tc>
+                  <a:txBody>
+                    <a:bodyPr/>
+                    <a:lstStyle/>
+                    <a:p>
+                      <a:r>
+                        <a:rPr lang="en-VN" dirty="0"/>
+                        <a:t>Output</a:t>
+                      </a:r>
+                    </a:p>
+                  </a:txBody>
+                  <a:tcPr/>
+                </a:tc>
+                <a:tc>
+                  <a:txBody>
+                    <a:bodyPr/>
+                    <a:lstStyle/>
+                    <a:p>
+                      <a:r>
+                        <a:rPr lang="en-VN" dirty="0"/>
+                        <a:t>2</a:t>
+                      </a:r>
+                    </a:p>
+                  </a:txBody>
+                  <a:tcPr/>
+                </a:tc>
+                <a:extLst>
+                  <a:ext uri="{0D108BD9-81ED-4DB2-BD59-A6C34878D82A}">
+                    <a16:rowId xmlns:a16="http://schemas.microsoft.com/office/drawing/2014/main" val="3797889833"/>
+                  </a:ext>
+                </a:extLst>
+              </a:tr>
+            </a:tbl>
+          </a:graphicData>
+        </a:graphic>
+      </p:graphicFrame>
+      <p:cxnSp>
+        <p:nvCxnSpPr>
+          <p:cNvPr id="8" name="Straight Arrow Connector 7">
+            <a:extLst>
+              <a:ext uri="{FF2B5EF4-FFF2-40B4-BE49-F238E27FC236}">
+                <a16:creationId xmlns:a16="http://schemas.microsoft.com/office/drawing/2014/main" id="{A28D1C23-DFEC-E075-0E54-A416CEC1D42F}"/>
+              </a:ext>
+            </a:extLst>
+          </p:cNvPr>
+          <p:cNvCxnSpPr>
+            <a:endCxn id="5" idx="0"/>
+          </p:cNvCxnSpPr>
+          <p:nvPr/>
+        </p:nvCxnSpPr>
+        <p:spPr>
+          <a:xfrm>
+            <a:off x="6095999" y="1461346"/>
+            <a:ext cx="0" cy="685338"/>
+          </a:xfrm>
+          <a:prstGeom prst="straightConnector1">
+            <a:avLst/>
+          </a:prstGeom>
+          <a:ln w="63500">
+            <a:tailEnd type="triangle"/>
+          </a:ln>
+        </p:spPr>
+        <p:style>
+          <a:lnRef idx="2">
+            <a:schemeClr val="accent1"/>
+          </a:lnRef>
+          <a:fillRef idx="0">
+            <a:schemeClr val="accent1"/>
+          </a:fillRef>
+          <a:effectRef idx="1">
+            <a:schemeClr val="accent1"/>
+          </a:effectRef>
+          <a:fontRef idx="minor">
+            <a:schemeClr val="tx1"/>
+          </a:fontRef>
+        </p:style>
+      </p:cxnSp>
+      <p:cxnSp>
+        <p:nvCxnSpPr>
+          <p:cNvPr id="10" name="Straight Arrow Connector 9">
+            <a:extLst>
+              <a:ext uri="{FF2B5EF4-FFF2-40B4-BE49-F238E27FC236}">
+                <a16:creationId xmlns:a16="http://schemas.microsoft.com/office/drawing/2014/main" id="{AEB4E4BF-0F2A-85FE-80BD-FD2C80D34A90}"/>
+              </a:ext>
+            </a:extLst>
+          </p:cNvPr>
+          <p:cNvCxnSpPr>
+            <a:endCxn id="6" idx="0"/>
+          </p:cNvCxnSpPr>
+          <p:nvPr/>
+        </p:nvCxnSpPr>
+        <p:spPr>
+          <a:xfrm>
+            <a:off x="6095999" y="2888364"/>
+            <a:ext cx="0" cy="710433"/>
+          </a:xfrm>
+          <a:prstGeom prst="straightConnector1">
+            <a:avLst/>
+          </a:prstGeom>
+          <a:ln w="63500">
+            <a:tailEnd type="triangle"/>
+          </a:ln>
+        </p:spPr>
+        <p:style>
+          <a:lnRef idx="2">
+            <a:schemeClr val="accent1"/>
+          </a:lnRef>
+          <a:fillRef idx="0">
+            <a:schemeClr val="accent1"/>
+          </a:fillRef>
+          <a:effectRef idx="1">
+            <a:schemeClr val="accent1"/>
+          </a:effectRef>
+          <a:fontRef idx="minor">
+            <a:schemeClr val="tx1"/>
+          </a:fontRef>
+        </p:style>
+      </p:cxnSp>
+      <mc:AlternateContent xmlns:mc="http://schemas.openxmlformats.org/markup-compatibility/2006" xmlns:a14="http://schemas.microsoft.com/office/drawing/2010/main">
+        <mc:Choice Requires="a14">
+          <p:sp>
+            <p:nvSpPr>
+              <p:cNvPr id="11" name="TextBox 10">
+                <a:extLst>
+                  <a:ext uri="{FF2B5EF4-FFF2-40B4-BE49-F238E27FC236}">
+                    <a16:creationId xmlns:a16="http://schemas.microsoft.com/office/drawing/2014/main" id="{A1D77185-0ED6-0851-25D0-1115BCBD6DF3}"/>
+                  </a:ext>
+                </a:extLst>
+              </p:cNvPr>
+              <p:cNvSpPr txBox="1"/>
+              <p:nvPr/>
+            </p:nvSpPr>
+            <p:spPr>
+              <a:xfrm>
+                <a:off x="5368635" y="5027322"/>
+                <a:ext cx="1433947" cy="523220"/>
+              </a:xfrm>
+              <a:prstGeom prst="rect">
+                <a:avLst/>
+              </a:prstGeom>
+            </p:spPr>
+            <p:style>
+              <a:lnRef idx="2">
+                <a:schemeClr val="dk1"/>
+              </a:lnRef>
+              <a:fillRef idx="1">
+                <a:schemeClr val="lt1"/>
+              </a:fillRef>
+              <a:effectRef idx="0">
+                <a:schemeClr val="dk1"/>
+              </a:effectRef>
+              <a:fontRef idx="minor">
+                <a:schemeClr val="dk1"/>
+              </a:fontRef>
+            </p:style>
+            <p:txBody>
+              <a:bodyPr wrap="square" rtlCol="0">
+                <a:spAutoFit/>
+              </a:bodyPr>
+              <a:lstStyle/>
+              <a:p>
+                <a:pPr/>
+                <a14:m>
+                  <m:oMathPara xmlns:m="http://schemas.openxmlformats.org/officeDocument/2006/math">
+                    <m:oMathParaPr>
+                      <m:jc m:val="centerGroup"/>
+                    </m:oMathParaPr>
+                    <m:oMath xmlns:m="http://schemas.openxmlformats.org/officeDocument/2006/math">
+                      <m:acc>
+                        <m:accPr>
+                          <m:chr m:val="̂"/>
+                          <m:ctrlPr>
+                            <a:rPr lang="vi-VN" sz="2800" b="0" i="1" smtClean="0">
+                              <a:latin typeface="Cambria Math" panose="02040503050406030204" pitchFamily="18" charset="0"/>
+                            </a:rPr>
+                          </m:ctrlPr>
+                        </m:accPr>
+                        <m:e>
+                          <m:r>
+                            <m:rPr>
+                              <m:sty m:val="p"/>
+                            </m:rPr>
+                            <a:rPr lang="vi-VN" sz="2800" i="1">
+                              <a:latin typeface="Cambria Math" panose="02040503050406030204" pitchFamily="18" charset="0"/>
+                            </a:rPr>
+                            <m:t>y</m:t>
+                          </m:r>
+                        </m:e>
+                      </m:acc>
+                    </m:oMath>
+                  </m:oMathPara>
+                </a14:m>
+                <a:endParaRPr lang="en-VN" sz="2800" dirty="0"/>
+              </a:p>
+            </p:txBody>
+          </p:sp>
+        </mc:Choice>
+        <mc:Fallback xmlns="">
+          <p:sp>
+            <p:nvSpPr>
+              <p:cNvPr id="11" name="TextBox 10">
+                <a:extLst>
+                  <a:ext uri="{FF2B5EF4-FFF2-40B4-BE49-F238E27FC236}">
+                    <a16:creationId xmlns:a16="http://schemas.microsoft.com/office/drawing/2014/main" id="{A1D77185-0ED6-0851-25D0-1115BCBD6DF3}"/>
+                  </a:ext>
+                </a:extLst>
+              </p:cNvPr>
+              <p:cNvSpPr txBox="1">
+                <a:spLocks noRot="1" noChangeAspect="1" noMove="1" noResize="1" noEditPoints="1" noAdjustHandles="1" noChangeArrowheads="1" noChangeShapeType="1" noTextEdit="1"/>
+              </p:cNvSpPr>
+              <p:nvPr/>
+            </p:nvSpPr>
+            <p:spPr>
+              <a:xfrm>
+                <a:off x="5368635" y="5027322"/>
+                <a:ext cx="1433947" cy="523220"/>
+              </a:xfrm>
+              <a:prstGeom prst="rect">
+                <a:avLst/>
+              </a:prstGeom>
+              <a:blipFill>
+                <a:blip r:embed="rId2"/>
+                <a:stretch>
+                  <a:fillRect t="-4545" b="-6818"/>
+                </a:stretch>
+              </a:blipFill>
+            </p:spPr>
+            <p:txBody>
+              <a:bodyPr/>
+              <a:lstStyle/>
+              <a:p>
+                <a:r>
+                  <a:rPr lang="en-VN">
+                    <a:noFill/>
+                  </a:rPr>
+                  <a:t> </a:t>
+                </a:r>
+              </a:p>
+            </p:txBody>
+          </p:sp>
+        </mc:Fallback>
+      </mc:AlternateContent>
+      <p:cxnSp>
+        <p:nvCxnSpPr>
+          <p:cNvPr id="13" name="Straight Arrow Connector 12">
+            <a:extLst>
+              <a:ext uri="{FF2B5EF4-FFF2-40B4-BE49-F238E27FC236}">
+                <a16:creationId xmlns:a16="http://schemas.microsoft.com/office/drawing/2014/main" id="{5E767F39-8412-FE48-7161-F9FAF809825C}"/>
+              </a:ext>
+            </a:extLst>
+          </p:cNvPr>
+          <p:cNvCxnSpPr>
+            <a:endCxn id="11" idx="0"/>
+          </p:cNvCxnSpPr>
+          <p:nvPr/>
+        </p:nvCxnSpPr>
+        <p:spPr>
+          <a:xfrm flipH="1">
+            <a:off x="6085609" y="4340477"/>
+            <a:ext cx="10390" cy="686845"/>
+          </a:xfrm>
+          <a:prstGeom prst="straightConnector1">
+            <a:avLst/>
+          </a:prstGeom>
+          <a:ln w="63500">
+            <a:tailEnd type="triangle"/>
+          </a:ln>
+        </p:spPr>
+        <p:style>
+          <a:lnRef idx="2">
+            <a:schemeClr val="accent1"/>
+          </a:lnRef>
+          <a:fillRef idx="0">
+            <a:schemeClr val="accent1"/>
+          </a:fillRef>
+          <a:effectRef idx="1">
+            <a:schemeClr val="accent1"/>
+          </a:effectRef>
+          <a:fontRef idx="minor">
+            <a:schemeClr val="tx1"/>
+          </a:fontRef>
+        </p:style>
+      </p:cxnSp>
+    </p:spTree>
+    <p:extLst>
+      <p:ext uri="{BB962C8B-B14F-4D97-AF65-F5344CB8AC3E}">
+        <p14:creationId xmlns:p14="http://schemas.microsoft.com/office/powerpoint/2010/main" val="477430437"/>
+      </p:ext>
+    </p:extLst>
+  </p:cSld>
+  <p:clrMapOvr>
+    <a:masterClrMapping/>
+  </p:clrMapOvr>
+</p:sld>
+</file>
+
+<file path=ppt/slides/slide4.xml><?xml version="1.0" encoding="utf-8"?>
+<p:sld xmlns:a="http://schemas.openxmlformats.org/drawingml/2006/main" xmlns:r="http://schemas.openxmlformats.org/officeDocument/2006/relationships" xmlns:p="http://schemas.openxmlformats.org/presentationml/2006/main">
+  <p:cSld>
+    <p:spTree>
+      <p:nvGrpSpPr>
+        <p:cNvPr id="1" name=""/>
+        <p:cNvGrpSpPr/>
+        <p:nvPr/>
+      </p:nvGrpSpPr>
+      <p:grpSpPr>
+        <a:xfrm>
+          <a:off x="0" y="0"/>
+          <a:ext cx="0" cy="0"/>
+          <a:chOff x="0" y="0"/>
+          <a:chExt cx="0" cy="0"/>
+        </a:xfrm>
+      </p:grpSpPr>
+      <p:grpSp>
+        <p:nvGrpSpPr>
+          <p:cNvPr id="2" name="Group 1">
+            <a:extLst>
+              <a:ext uri="{FF2B5EF4-FFF2-40B4-BE49-F238E27FC236}">
+                <a16:creationId xmlns:a16="http://schemas.microsoft.com/office/drawing/2014/main" id="{943EDEAC-C7F2-23B5-2973-179379D65C91}"/>
+              </a:ext>
+            </a:extLst>
+          </p:cNvPr>
+          <p:cNvGrpSpPr/>
+          <p:nvPr/>
+        </p:nvGrpSpPr>
+        <p:grpSpPr>
+          <a:xfrm>
+            <a:off x="1977922" y="1895345"/>
+            <a:ext cx="2076369" cy="4169672"/>
+            <a:chOff x="0" y="0"/>
+            <a:chExt cx="1353402" cy="3338774"/>
+          </a:xfrm>
+        </p:grpSpPr>
+        <p:grpSp>
+          <p:nvGrpSpPr>
+            <p:cNvPr id="3" name="Group 2">
+              <a:extLst>
+                <a:ext uri="{FF2B5EF4-FFF2-40B4-BE49-F238E27FC236}">
+                  <a16:creationId xmlns:a16="http://schemas.microsoft.com/office/drawing/2014/main" id="{2F4CA0F8-95F3-1DD6-F984-1EA23090219B}"/>
+                </a:ext>
+              </a:extLst>
+            </p:cNvPr>
+            <p:cNvGrpSpPr/>
+            <p:nvPr/>
+          </p:nvGrpSpPr>
+          <p:grpSpPr>
+            <a:xfrm>
+              <a:off x="0" y="0"/>
+              <a:ext cx="1353402" cy="3338774"/>
+              <a:chOff x="0" y="0"/>
+              <a:chExt cx="1353402" cy="3338774"/>
+            </a:xfrm>
+          </p:grpSpPr>
+          <mc:AlternateContent xmlns:mc="http://schemas.openxmlformats.org/markup-compatibility/2006" xmlns:a14="http://schemas.microsoft.com/office/drawing/2010/main">
+            <mc:Choice Requires="a14">
+              <p:sp>
+                <p:nvSpPr>
+                  <p:cNvPr id="5" name="Rectangle 4">
+                    <a:extLst>
+                      <a:ext uri="{FF2B5EF4-FFF2-40B4-BE49-F238E27FC236}">
+                        <a16:creationId xmlns:a16="http://schemas.microsoft.com/office/drawing/2014/main" id="{0E7A36E1-6B79-4AD7-B34B-89CB6264FC61}"/>
+                      </a:ext>
+                    </a:extLst>
+                  </p:cNvPr>
+                  <p:cNvSpPr/>
+                  <p:nvPr/>
+                </p:nvSpPr>
+                <p:spPr>
+                  <a:xfrm>
+                    <a:off x="0" y="0"/>
+                    <a:ext cx="1336040" cy="658699"/>
+                  </a:xfrm>
+                  <a:prstGeom prst="rect">
+                    <a:avLst/>
+                  </a:prstGeom>
+                  <a:ln>
+                    <a:solidFill>
+                      <a:schemeClr val="accent1"/>
+                    </a:solidFill>
+                  </a:ln>
+                </p:spPr>
+                <p:style>
+                  <a:lnRef idx="2">
+                    <a:schemeClr val="accent6"/>
+                  </a:lnRef>
+                  <a:fillRef idx="1">
+                    <a:schemeClr val="lt1"/>
+                  </a:fillRef>
+                  <a:effectRef idx="0">
+                    <a:schemeClr val="accent6"/>
+                  </a:effectRef>
+                  <a:fontRef idx="minor">
+                    <a:schemeClr val="dk1"/>
+                  </a:fontRef>
+                </p:style>
+                <p:txBody>
+                  <a:bodyPr rot="0" spcFirstLastPara="0" vert="horz" wrap="square" lIns="91440" tIns="45720" rIns="91440" bIns="45720" numCol="1" spcCol="0" rtlCol="0" fromWordArt="0" anchor="ctr" anchorCtr="0" forceAA="0" compatLnSpc="1">
+                    <a:prstTxWarp prst="textNoShape">
+                      <a:avLst/>
+                    </a:prstTxWarp>
+                    <a:noAutofit/>
+                  </a:bodyPr>
+                  <a:lstStyle/>
+                  <a:p>
+                    <a:pPr algn="ctr"/>
+                    <a:r>
+                      <a:rPr lang="en-US" sz="500" kern="100">
+                        <a:effectLst/>
+                        <a:ea typeface="Calibri" panose="020F0502020204030204" pitchFamily="34" charset="0"/>
+                        <a:cs typeface="Times New Roman" panose="02020603050405020304" pitchFamily="18" charset="0"/>
+                      </a:rPr>
+                      <a:t>Train dataset of current task </a:t>
+                    </a:r>
+                    <a14:m>
+                      <m:oMath xmlns:m="http://schemas.openxmlformats.org/officeDocument/2006/math">
+                        <m:sSup>
+                          <m:sSupPr>
+                            <m:ctrlPr>
+                              <a:rPr lang="en-VN" sz="500" i="1" kern="100">
+                                <a:effectLst/>
+                                <a:latin typeface="Cambria Math" panose="02040503050406030204" pitchFamily="18" charset="0"/>
+                                <a:ea typeface="Calibri" panose="020F0502020204030204" pitchFamily="34" charset="0"/>
+                                <a:cs typeface="Times New Roman" panose="02020603050405020304" pitchFamily="18" charset="0"/>
+                              </a:rPr>
+                            </m:ctrlPr>
+                          </m:sSupPr>
+                          <m:e>
+                            <m:r>
+                              <a:rPr lang="en-US" sz="500" i="1" kern="100">
+                                <a:effectLst/>
+                                <a:latin typeface="Cambria Math" panose="02040503050406030204" pitchFamily="18" charset="0"/>
+                                <a:ea typeface="Calibri" panose="020F0502020204030204" pitchFamily="34" charset="0"/>
+                                <a:cs typeface="Times New Roman" panose="02020603050405020304" pitchFamily="18" charset="0"/>
+                              </a:rPr>
+                              <m:t>𝒟</m:t>
+                            </m:r>
+                          </m:e>
+                          <m:sup>
+                            <m:r>
+                              <a:rPr lang="en-US" sz="500" i="1" kern="100">
+                                <a:effectLst/>
+                                <a:latin typeface="Cambria Math" panose="02040503050406030204" pitchFamily="18" charset="0"/>
+                                <a:ea typeface="Calibri" panose="020F0502020204030204" pitchFamily="34" charset="0"/>
+                                <a:cs typeface="Times New Roman" panose="02020603050405020304" pitchFamily="18" charset="0"/>
+                              </a:rPr>
+                              <m:t>1</m:t>
+                            </m:r>
+                          </m:sup>
+                        </m:sSup>
+                      </m:oMath>
+                    </a14:m>
+                    <a:endParaRPr lang="en-VN" sz="1200" kern="100">
+                      <a:effectLst/>
+                      <a:ea typeface="Calibri" panose="020F0502020204030204" pitchFamily="34" charset="0"/>
+                      <a:cs typeface="Times New Roman" panose="02020603050405020304" pitchFamily="18" charset="0"/>
+                    </a:endParaRPr>
+                  </a:p>
+                </p:txBody>
+              </p:sp>
+            </mc:Choice>
+            <mc:Fallback xmlns="">
+              <p:sp>
+                <p:nvSpPr>
+                  <p:cNvPr id="94" name="Rectangle 93">
+                    <a:extLst>
+                      <a:ext uri="{FF2B5EF4-FFF2-40B4-BE49-F238E27FC236}">
+                        <a16:creationId xmlns:a16="http://schemas.microsoft.com/office/drawing/2014/main" id="{A8335E32-FCA2-4EA6-CFB8-FF676736D818}"/>
+                      </a:ext>
+                    </a:extLst>
+                  </p:cNvPr>
+                  <p:cNvSpPr>
+                    <a:spLocks noRot="1" noChangeAspect="1" noMove="1" noResize="1" noEditPoints="1" noAdjustHandles="1" noChangeArrowheads="1" noChangeShapeType="1" noTextEdit="1"/>
+                  </p:cNvSpPr>
+                  <p:nvPr/>
+                </p:nvSpPr>
+                <p:spPr>
+                  <a:xfrm>
+                    <a:off x="0" y="0"/>
+                    <a:ext cx="1336040" cy="658699"/>
+                  </a:xfrm>
+                  <a:prstGeom prst="rect">
+                    <a:avLst/>
+                  </a:prstGeom>
+                  <a:blipFill>
+                    <a:blip r:embed="rId2"/>
+                    <a:stretch>
+                      <a:fillRect/>
+                    </a:stretch>
+                  </a:blipFill>
+                  <a:ln>
+                    <a:solidFill>
+                      <a:schemeClr val="accent1"/>
+                    </a:solidFill>
+                  </a:ln>
+                </p:spPr>
+                <p:txBody>
+                  <a:bodyPr/>
+                  <a:lstStyle/>
+                  <a:p>
+                    <a:r>
+                      <a:rPr lang="en-VN">
+                        <a:noFill/>
+                      </a:rPr>
+                      <a:t> </a:t>
+                    </a:r>
+                  </a:p>
+                </p:txBody>
+              </p:sp>
+            </mc:Fallback>
+          </mc:AlternateContent>
+          <mc:AlternateContent xmlns:mc="http://schemas.openxmlformats.org/markup-compatibility/2006" xmlns:a14="http://schemas.microsoft.com/office/drawing/2010/main">
+            <mc:Choice Requires="a14">
+              <p:sp>
+                <p:nvSpPr>
+                  <p:cNvPr id="6" name="Rectangle 5">
+                    <a:extLst>
+                      <a:ext uri="{FF2B5EF4-FFF2-40B4-BE49-F238E27FC236}">
+                        <a16:creationId xmlns:a16="http://schemas.microsoft.com/office/drawing/2014/main" id="{6D39CC85-C16B-07E9-7452-D9D56BC87852}"/>
+                      </a:ext>
+                    </a:extLst>
+                  </p:cNvPr>
+                  <p:cNvSpPr/>
+                  <p:nvPr/>
+                </p:nvSpPr>
+                <p:spPr>
+                  <a:xfrm>
+                    <a:off x="17362" y="2789499"/>
+                    <a:ext cx="1336040" cy="549275"/>
+                  </a:xfrm>
+                  <a:prstGeom prst="rect">
+                    <a:avLst/>
+                  </a:prstGeom>
+                  <a:ln>
+                    <a:solidFill>
+                      <a:schemeClr val="accent1"/>
+                    </a:solidFill>
+                  </a:ln>
+                </p:spPr>
+                <p:style>
+                  <a:lnRef idx="2">
+                    <a:schemeClr val="accent6"/>
+                  </a:lnRef>
+                  <a:fillRef idx="1">
+                    <a:schemeClr val="lt1"/>
+                  </a:fillRef>
+                  <a:effectRef idx="0">
+                    <a:schemeClr val="accent6"/>
+                  </a:effectRef>
+                  <a:fontRef idx="minor">
+                    <a:schemeClr val="dk1"/>
+                  </a:fontRef>
+                </p:style>
+                <p:txBody>
+                  <a:bodyPr rot="0" spcFirstLastPara="0" vert="horz" wrap="square" lIns="91440" tIns="45720" rIns="91440" bIns="45720" numCol="1" spcCol="0" rtlCol="0" fromWordArt="0" anchor="ctr" anchorCtr="0" forceAA="0" compatLnSpc="1">
+                    <a:prstTxWarp prst="textNoShape">
+                      <a:avLst/>
+                    </a:prstTxWarp>
+                    <a:noAutofit/>
+                  </a:bodyPr>
+                  <a:lstStyle/>
+                  <a:p>
+                    <a:pPr algn="ctr"/>
+                    <a:r>
+                      <a:rPr lang="en-US" sz="500" kern="100">
+                        <a:effectLst/>
+                        <a:ea typeface="Calibri" panose="020F0502020204030204" pitchFamily="34" charset="0"/>
+                        <a:cs typeface="Times New Roman" panose="02020603050405020304" pitchFamily="18" charset="0"/>
+                      </a:rPr>
+                      <a:t>Exemplar set  </a:t>
+                    </a:r>
+                    <a14:m>
+                      <m:oMath xmlns:m="http://schemas.openxmlformats.org/officeDocument/2006/math">
+                        <m:r>
+                          <a:rPr lang="en-US" sz="500" i="1" kern="100">
+                            <a:effectLst/>
+                            <a:latin typeface="Cambria Math" panose="02040503050406030204" pitchFamily="18" charset="0"/>
+                            <a:ea typeface="Times New Roman" panose="02020603050405020304" pitchFamily="18" charset="0"/>
+                            <a:cs typeface="Times New Roman" panose="02020603050405020304" pitchFamily="18" charset="0"/>
+                          </a:rPr>
+                          <m:t>ℇ</m:t>
+                        </m:r>
+                      </m:oMath>
+                    </a14:m>
+                    <a:endParaRPr lang="en-VN" sz="1200" kern="100">
+                      <a:effectLst/>
+                      <a:ea typeface="Calibri" panose="020F0502020204030204" pitchFamily="34" charset="0"/>
+                      <a:cs typeface="Times New Roman" panose="02020603050405020304" pitchFamily="18" charset="0"/>
+                    </a:endParaRPr>
+                  </a:p>
+                </p:txBody>
+              </p:sp>
+            </mc:Choice>
+            <mc:Fallback xmlns="">
+              <p:sp>
+                <p:nvSpPr>
+                  <p:cNvPr id="95" name="Rectangle 94">
+                    <a:extLst>
+                      <a:ext uri="{FF2B5EF4-FFF2-40B4-BE49-F238E27FC236}">
+                        <a16:creationId xmlns:a16="http://schemas.microsoft.com/office/drawing/2014/main" id="{30400CB0-0DB8-E72E-AFCB-DE98036BF2D9}"/>
+                      </a:ext>
+                    </a:extLst>
+                  </p:cNvPr>
+                  <p:cNvSpPr>
+                    <a:spLocks noRot="1" noChangeAspect="1" noMove="1" noResize="1" noEditPoints="1" noAdjustHandles="1" noChangeArrowheads="1" noChangeShapeType="1" noTextEdit="1"/>
+                  </p:cNvSpPr>
+                  <p:nvPr/>
+                </p:nvSpPr>
+                <p:spPr>
+                  <a:xfrm>
+                    <a:off x="17362" y="2789499"/>
+                    <a:ext cx="1336040" cy="549275"/>
+                  </a:xfrm>
+                  <a:prstGeom prst="rect">
+                    <a:avLst/>
+                  </a:prstGeom>
+                  <a:blipFill>
+                    <a:blip r:embed="rId3"/>
+                    <a:stretch>
+                      <a:fillRect/>
+                    </a:stretch>
+                  </a:blipFill>
+                  <a:ln>
+                    <a:solidFill>
+                      <a:schemeClr val="accent1"/>
+                    </a:solidFill>
+                  </a:ln>
+                </p:spPr>
+                <p:txBody>
+                  <a:bodyPr/>
+                  <a:lstStyle/>
+                  <a:p>
+                    <a:r>
+                      <a:rPr lang="en-VN">
+                        <a:noFill/>
+                      </a:rPr>
+                      <a:t> </a:t>
+                    </a:r>
+                  </a:p>
+                </p:txBody>
+              </p:sp>
+            </mc:Fallback>
+          </mc:AlternateContent>
+          <p:grpSp>
+            <p:nvGrpSpPr>
+              <p:cNvPr id="7" name="Group 6">
+                <a:extLst>
+                  <a:ext uri="{FF2B5EF4-FFF2-40B4-BE49-F238E27FC236}">
+                    <a16:creationId xmlns:a16="http://schemas.microsoft.com/office/drawing/2014/main" id="{1F1DA7C4-8E1B-DAF3-A36D-668E2125F333}"/>
+                  </a:ext>
+                </a:extLst>
+              </p:cNvPr>
+              <p:cNvGrpSpPr/>
+              <p:nvPr/>
+            </p:nvGrpSpPr>
+            <p:grpSpPr>
+              <a:xfrm>
+                <a:off x="17362" y="798653"/>
+                <a:ext cx="1318678" cy="1823013"/>
+                <a:chOff x="0" y="0"/>
+                <a:chExt cx="1318678" cy="1823013"/>
+              </a:xfrm>
+            </p:grpSpPr>
+            <p:sp>
+              <p:nvSpPr>
+                <p:cNvPr id="8" name="Rectangle 7">
+                  <a:extLst>
+                    <a:ext uri="{FF2B5EF4-FFF2-40B4-BE49-F238E27FC236}">
+                      <a16:creationId xmlns:a16="http://schemas.microsoft.com/office/drawing/2014/main" id="{DF83CD1D-D47E-BF75-5350-2B8A0DE9CAB0}"/>
+                    </a:ext>
+                  </a:extLst>
+                </p:cNvPr>
+                <p:cNvSpPr/>
+                <p:nvPr/>
+              </p:nvSpPr>
+              <p:spPr>
+                <a:xfrm>
+                  <a:off x="0" y="0"/>
+                  <a:ext cx="1318678" cy="1823013"/>
+                </a:xfrm>
+                <a:prstGeom prst="rect">
+                  <a:avLst/>
+                </a:prstGeom>
+                <a:ln>
+                  <a:solidFill>
+                    <a:schemeClr val="accent1"/>
+                  </a:solidFill>
+                </a:ln>
+              </p:spPr>
+              <p:style>
+                <a:lnRef idx="2">
+                  <a:schemeClr val="accent6"/>
+                </a:lnRef>
+                <a:fillRef idx="1">
+                  <a:schemeClr val="lt1"/>
+                </a:fillRef>
+                <a:effectRef idx="0">
+                  <a:schemeClr val="accent6"/>
+                </a:effectRef>
+                <a:fontRef idx="minor">
+                  <a:schemeClr val="dk1"/>
+                </a:fontRef>
+              </p:style>
+              <p:txBody>
+                <a:bodyPr rot="0" spcFirstLastPara="0" vert="horz" wrap="square" lIns="91440" tIns="45720" rIns="91440" bIns="45720" numCol="1" spcCol="0" rtlCol="0" fromWordArt="0" anchor="ctr" anchorCtr="0" forceAA="0" compatLnSpc="1">
+                  <a:prstTxWarp prst="textNoShape">
+                    <a:avLst/>
+                  </a:prstTxWarp>
+                  <a:noAutofit/>
+                </a:bodyPr>
+                <a:lstStyle/>
+                <a:p>
+                  <a:r>
+                    <a:rPr lang="en-US" sz="500" kern="100">
+                      <a:effectLst/>
+                      <a:ea typeface="Calibri" panose="020F0502020204030204" pitchFamily="34" charset="0"/>
+                      <a:cs typeface="Times New Roman" panose="02020603050405020304" pitchFamily="18" charset="0"/>
+                    </a:rPr>
+                    <a:t> </a:t>
+                  </a:r>
+                  <a:endParaRPr lang="en-VN" sz="1200" kern="100">
+                    <a:effectLst/>
+                    <a:ea typeface="Calibri" panose="020F0502020204030204" pitchFamily="34" charset="0"/>
+                    <a:cs typeface="Times New Roman" panose="02020603050405020304" pitchFamily="18" charset="0"/>
+                  </a:endParaRPr>
+                </a:p>
+                <a:p>
+                  <a:pPr algn="ctr"/>
+                  <a:r>
+                    <a:rPr lang="en-US" sz="500" kern="100">
+                      <a:effectLst/>
+                      <a:ea typeface="Calibri" panose="020F0502020204030204" pitchFamily="34" charset="0"/>
+                      <a:cs typeface="Times New Roman" panose="02020603050405020304" pitchFamily="18" charset="0"/>
+                    </a:rPr>
+                    <a:t> </a:t>
+                  </a:r>
+                  <a:endParaRPr lang="en-VN" sz="1200" kern="100">
+                    <a:effectLst/>
+                    <a:ea typeface="Calibri" panose="020F0502020204030204" pitchFamily="34" charset="0"/>
+                    <a:cs typeface="Times New Roman" panose="02020603050405020304" pitchFamily="18" charset="0"/>
+                  </a:endParaRPr>
+                </a:p>
+                <a:p>
+                  <a:pPr algn="ctr"/>
+                  <a:r>
+                    <a:rPr lang="en-US" sz="500" kern="100">
+                      <a:effectLst/>
+                      <a:ea typeface="Calibri" panose="020F0502020204030204" pitchFamily="34" charset="0"/>
+                      <a:cs typeface="Times New Roman" panose="02020603050405020304" pitchFamily="18" charset="0"/>
+                    </a:rPr>
+                    <a:t> </a:t>
+                  </a:r>
+                  <a:endParaRPr lang="en-VN" sz="1200" kern="100">
+                    <a:effectLst/>
+                    <a:ea typeface="Calibri" panose="020F0502020204030204" pitchFamily="34" charset="0"/>
+                    <a:cs typeface="Times New Roman" panose="02020603050405020304" pitchFamily="18" charset="0"/>
+                  </a:endParaRPr>
+                </a:p>
+                <a:p>
+                  <a:pPr algn="ctr"/>
+                  <a:r>
+                    <a:rPr lang="en-US" sz="500" kern="100">
+                      <a:effectLst/>
+                      <a:ea typeface="Calibri" panose="020F0502020204030204" pitchFamily="34" charset="0"/>
+                      <a:cs typeface="Times New Roman" panose="02020603050405020304" pitchFamily="18" charset="0"/>
+                    </a:rPr>
+                    <a:t> </a:t>
+                  </a:r>
+                  <a:endParaRPr lang="en-VN" sz="1200" kern="100">
+                    <a:effectLst/>
+                    <a:ea typeface="Calibri" panose="020F0502020204030204" pitchFamily="34" charset="0"/>
+                    <a:cs typeface="Times New Roman" panose="02020603050405020304" pitchFamily="18" charset="0"/>
+                  </a:endParaRPr>
+                </a:p>
+              </p:txBody>
+            </p:sp>
+            <mc:AlternateContent xmlns:mc="http://schemas.openxmlformats.org/markup-compatibility/2006" xmlns:a14="http://schemas.microsoft.com/office/drawing/2010/main">
+              <mc:Choice Requires="a14">
+                <p:sp>
+                  <p:nvSpPr>
+                    <p:cNvPr id="9" name="Rectangle 8">
+                      <a:extLst>
+                        <a:ext uri="{FF2B5EF4-FFF2-40B4-BE49-F238E27FC236}">
+                          <a16:creationId xmlns:a16="http://schemas.microsoft.com/office/drawing/2014/main" id="{F18FA7B1-600F-A4E6-AD33-ABFB0D308BD7}"/>
+                        </a:ext>
+                      </a:extLst>
+                    </p:cNvPr>
+                    <p:cNvSpPr/>
+                    <p:nvPr/>
+                  </p:nvSpPr>
+                  <p:spPr>
+                    <a:xfrm>
+                      <a:off x="109960" y="1267428"/>
+                      <a:ext cx="1012190" cy="410845"/>
+                    </a:xfrm>
+                    <a:prstGeom prst="rect">
+                      <a:avLst/>
+                    </a:prstGeom>
+                    <a:ln>
+                      <a:solidFill>
+                        <a:schemeClr val="accent1"/>
+                      </a:solidFill>
+                    </a:ln>
+                  </p:spPr>
+                  <p:style>
+                    <a:lnRef idx="2">
+                      <a:schemeClr val="accent6"/>
+                    </a:lnRef>
+                    <a:fillRef idx="1">
+                      <a:schemeClr val="lt1"/>
+                    </a:fillRef>
+                    <a:effectRef idx="0">
+                      <a:schemeClr val="accent6"/>
+                    </a:effectRef>
+                    <a:fontRef idx="minor">
+                      <a:schemeClr val="dk1"/>
+                    </a:fontRef>
+                  </p:style>
+                  <p:txBody>
+                    <a:bodyPr rot="0" spcFirstLastPara="0" vert="horz" wrap="square" lIns="91440" tIns="45720" rIns="91440" bIns="45720" numCol="1" spcCol="0" rtlCol="0" fromWordArt="0" anchor="ctr" anchorCtr="0" forceAA="0" compatLnSpc="1">
+                      <a:prstTxWarp prst="textNoShape">
+                        <a:avLst/>
+                      </a:prstTxWarp>
+                      <a:noAutofit/>
+                    </a:bodyPr>
+                    <a:lstStyle/>
+                    <a:p>
+                      <a:pPr algn="ctr"/>
+                      <a:r>
+                        <a:rPr lang="en-US" sz="500" kern="100">
+                          <a:solidFill>
+                            <a:srgbClr val="000000"/>
+                          </a:solidFill>
+                          <a:effectLst/>
+                          <a:ea typeface="Calibri" panose="020F0502020204030204" pitchFamily="34" charset="0"/>
+                          <a:cs typeface="Times New Roman" panose="02020603050405020304" pitchFamily="18" charset="0"/>
+                        </a:rPr>
+                        <a:t>Classifier </a:t>
+                      </a:r>
+                      <a14:m>
+                        <m:oMath xmlns:m="http://schemas.openxmlformats.org/officeDocument/2006/math">
+                          <m:sSub>
+                            <m:sSubPr>
+                              <m:ctrlPr>
+                                <a:rPr lang="en-VN" sz="500" i="1" kern="100">
+                                  <a:solidFill>
+                                    <a:srgbClr val="000000"/>
+                                  </a:solidFill>
+                                  <a:effectLst/>
+                                  <a:latin typeface="Cambria Math" panose="02040503050406030204" pitchFamily="18" charset="0"/>
+                                  <a:ea typeface="Times New Roman" panose="02020603050405020304" pitchFamily="18" charset="0"/>
+                                  <a:cs typeface="Times New Roman" panose="02020603050405020304" pitchFamily="18" charset="0"/>
+                                </a:rPr>
+                              </m:ctrlPr>
+                            </m:sSubPr>
+                            <m:e>
+                              <m:r>
+                                <a:rPr lang="vi-VN" sz="500" i="1" kern="100">
+                                  <a:solidFill>
+                                    <a:srgbClr val="000000"/>
+                                  </a:solidFill>
+                                  <a:effectLst/>
+                                  <a:latin typeface="Cambria Math" panose="02040503050406030204" pitchFamily="18" charset="0"/>
+                                  <a:ea typeface="Times New Roman" panose="02020603050405020304" pitchFamily="18" charset="0"/>
+                                  <a:cs typeface="Times New Roman" panose="02020603050405020304" pitchFamily="18" charset="0"/>
+                                </a:rPr>
+                                <m:t>𝐹</m:t>
+                              </m:r>
+                            </m:e>
+                            <m:sub>
+                              <m:r>
+                                <a:rPr lang="vi-VN" sz="500" i="1" kern="100">
+                                  <a:solidFill>
+                                    <a:srgbClr val="000000"/>
+                                  </a:solidFill>
+                                  <a:effectLst/>
+                                  <a:latin typeface="Cambria Math" panose="02040503050406030204" pitchFamily="18" charset="0"/>
+                                  <a:ea typeface="Times New Roman" panose="02020603050405020304" pitchFamily="18" charset="0"/>
+                                  <a:cs typeface="Times New Roman" panose="02020603050405020304" pitchFamily="18" charset="0"/>
+                                </a:rPr>
+                                <m:t>1</m:t>
+                              </m:r>
+                            </m:sub>
+                          </m:sSub>
+                        </m:oMath>
+                      </a14:m>
+                      <a:r>
+                        <a:rPr lang="vi-VN" sz="500" kern="100">
+                          <a:solidFill>
+                            <a:srgbClr val="000000"/>
+                          </a:solidFill>
+                          <a:effectLst/>
+                          <a:ea typeface="Times New Roman" panose="02020603050405020304" pitchFamily="18" charset="0"/>
+                          <a:cs typeface="Times New Roman" panose="02020603050405020304" pitchFamily="18" charset="0"/>
+                        </a:rPr>
+                        <a:t>:</a:t>
+                      </a:r>
+                      <a:endParaRPr lang="en-VN" sz="1200" kern="100">
+                        <a:effectLst/>
+                        <a:ea typeface="Calibri" panose="020F0502020204030204" pitchFamily="34" charset="0"/>
+                        <a:cs typeface="Times New Roman" panose="02020603050405020304" pitchFamily="18" charset="0"/>
+                      </a:endParaRPr>
+                    </a:p>
+                    <a:p>
+                      <a:pPr algn="ctr"/>
+                      <a:r>
+                        <a:rPr lang="vi-VN" sz="500" kern="100">
+                          <a:solidFill>
+                            <a:srgbClr val="000000"/>
+                          </a:solidFill>
+                          <a:effectLst/>
+                          <a:ea typeface="Times New Roman" panose="02020603050405020304" pitchFamily="18" charset="0"/>
+                          <a:cs typeface="Times New Roman" panose="02020603050405020304" pitchFamily="18" charset="0"/>
+                        </a:rPr>
+                        <a:t>Random initilize</a:t>
+                      </a:r>
+                      <a:endParaRPr lang="en-VN" sz="1200" kern="100">
+                        <a:effectLst/>
+                        <a:ea typeface="Calibri" panose="020F0502020204030204" pitchFamily="34" charset="0"/>
+                        <a:cs typeface="Times New Roman" panose="02020603050405020304" pitchFamily="18" charset="0"/>
+                      </a:endParaRPr>
+                    </a:p>
+                  </p:txBody>
+                </p:sp>
+              </mc:Choice>
+              <mc:Fallback xmlns="">
+                <p:sp>
+                  <p:nvSpPr>
+                    <p:cNvPr id="98" name="Rectangle 97">
+                      <a:extLst>
+                        <a:ext uri="{FF2B5EF4-FFF2-40B4-BE49-F238E27FC236}">
+                          <a16:creationId xmlns:a16="http://schemas.microsoft.com/office/drawing/2014/main" id="{27FC90DF-A9C9-12BB-5382-07BB575BB241}"/>
+                        </a:ext>
+                      </a:extLst>
+                    </p:cNvPr>
+                    <p:cNvSpPr>
+                      <a:spLocks noRot="1" noChangeAspect="1" noMove="1" noResize="1" noEditPoints="1" noAdjustHandles="1" noChangeArrowheads="1" noChangeShapeType="1" noTextEdit="1"/>
+                    </p:cNvSpPr>
+                    <p:nvPr/>
+                  </p:nvSpPr>
+                  <p:spPr>
+                    <a:xfrm>
+                      <a:off x="109960" y="1267428"/>
+                      <a:ext cx="1012190" cy="410845"/>
+                    </a:xfrm>
+                    <a:prstGeom prst="rect">
+                      <a:avLst/>
+                    </a:prstGeom>
+                    <a:blipFill>
+                      <a:blip r:embed="rId4"/>
+                      <a:stretch>
+                        <a:fillRect/>
+                      </a:stretch>
+                    </a:blipFill>
+                    <a:ln>
+                      <a:solidFill>
+                        <a:schemeClr val="accent1"/>
+                      </a:solidFill>
+                    </a:ln>
+                  </p:spPr>
+                  <p:txBody>
+                    <a:bodyPr/>
+                    <a:lstStyle/>
+                    <a:p>
+                      <a:r>
+                        <a:rPr lang="en-VN">
+                          <a:noFill/>
+                        </a:rPr>
+                        <a:t> </a:t>
+                      </a:r>
+                    </a:p>
+                  </p:txBody>
+                </p:sp>
+              </mc:Fallback>
+            </mc:AlternateContent>
+            <mc:AlternateContent xmlns:mc="http://schemas.openxmlformats.org/markup-compatibility/2006" xmlns:a14="http://schemas.microsoft.com/office/drawing/2010/main">
+              <mc:Choice Requires="a14">
+                <p:sp>
+                  <p:nvSpPr>
+                    <p:cNvPr id="10" name="Rectangle 9">
+                      <a:extLst>
+                        <a:ext uri="{FF2B5EF4-FFF2-40B4-BE49-F238E27FC236}">
+                          <a16:creationId xmlns:a16="http://schemas.microsoft.com/office/drawing/2014/main" id="{013CAA28-C5A0-1345-5333-53A5D1514B7C}"/>
+                        </a:ext>
+                      </a:extLst>
+                    </p:cNvPr>
+                    <p:cNvSpPr/>
+                    <p:nvPr/>
+                  </p:nvSpPr>
+                  <p:spPr>
+                    <a:xfrm>
+                      <a:off x="109960" y="162046"/>
+                      <a:ext cx="1012785" cy="978061"/>
+                    </a:xfrm>
+                    <a:prstGeom prst="rect">
+                      <a:avLst/>
+                    </a:prstGeom>
+                    <a:ln>
+                      <a:solidFill>
+                        <a:schemeClr val="accent1"/>
+                      </a:solidFill>
+                    </a:ln>
+                  </p:spPr>
+                  <p:style>
+                    <a:lnRef idx="2">
+                      <a:schemeClr val="accent6"/>
+                    </a:lnRef>
+                    <a:fillRef idx="1">
+                      <a:schemeClr val="lt1"/>
+                    </a:fillRef>
+                    <a:effectRef idx="0">
+                      <a:schemeClr val="accent6"/>
+                    </a:effectRef>
+                    <a:fontRef idx="minor">
+                      <a:schemeClr val="dk1"/>
+                    </a:fontRef>
+                  </p:style>
+                  <p:txBody>
+                    <a:bodyPr rot="0" spcFirstLastPara="0" vert="horz" wrap="square" lIns="91440" tIns="45720" rIns="91440" bIns="45720" numCol="1" spcCol="0" rtlCol="0" fromWordArt="0" anchor="t" anchorCtr="0" forceAA="0" compatLnSpc="1">
+                      <a:prstTxWarp prst="textNoShape">
+                        <a:avLst/>
+                      </a:prstTxWarp>
+                      <a:noAutofit/>
+                    </a:bodyPr>
+                    <a:lstStyle/>
+                    <a:p>
+                      <a:pPr/>
+                      <a14:m>
+                        <m:oMathPara xmlns:m="http://schemas.openxmlformats.org/officeDocument/2006/math">
+                          <m:oMathParaPr>
+                            <m:jc m:val="centerGroup"/>
+                          </m:oMathParaPr>
+                          <m:oMath xmlns:m="http://schemas.openxmlformats.org/officeDocument/2006/math">
+                            <m:sSub>
+                              <m:sSubPr>
+                                <m:ctrlPr>
+                                  <a:rPr lang="en-VN" sz="500" i="1" kern="100">
+                                    <a:solidFill>
+                                      <a:srgbClr val="000000"/>
+                                    </a:solidFill>
+                                    <a:effectLst/>
+                                    <a:latin typeface="Cambria Math" panose="02040503050406030204" pitchFamily="18" charset="0"/>
+                                    <a:ea typeface="Times New Roman" panose="02020603050405020304" pitchFamily="18" charset="0"/>
+                                    <a:cs typeface="Times New Roman" panose="02020603050405020304" pitchFamily="18" charset="0"/>
+                                  </a:rPr>
+                                </m:ctrlPr>
+                              </m:sSubPr>
+                              <m:e>
+                                <m:r>
+                                  <m:rPr>
+                                    <m:sty m:val="p"/>
+                                  </m:rPr>
+                                  <a:rPr lang="vi-VN" sz="500" kern="100">
+                                    <a:solidFill>
+                                      <a:srgbClr val="000000"/>
+                                    </a:solidFill>
+                                    <a:effectLst/>
+                                    <a:latin typeface="Cambria Math" panose="02040503050406030204" pitchFamily="18" charset="0"/>
+                                    <a:ea typeface="Times New Roman" panose="02020603050405020304" pitchFamily="18" charset="0"/>
+                                    <a:cs typeface="Times New Roman" panose="02020603050405020304" pitchFamily="18" charset="0"/>
+                                  </a:rPr>
+                                  <m:t>Φ</m:t>
+                                </m:r>
+                              </m:e>
+                              <m:sub>
+                                <m:r>
+                                  <a:rPr lang="vi-VN" sz="500" i="1" kern="100">
+                                    <a:solidFill>
+                                      <a:srgbClr val="000000"/>
+                                    </a:solidFill>
+                                    <a:effectLst/>
+                                    <a:latin typeface="Cambria Math" panose="02040503050406030204" pitchFamily="18" charset="0"/>
+                                    <a:ea typeface="Times New Roman" panose="02020603050405020304" pitchFamily="18" charset="0"/>
+                                    <a:cs typeface="Times New Roman" panose="02020603050405020304" pitchFamily="18" charset="0"/>
+                                  </a:rPr>
+                                  <m:t>1</m:t>
+                                </m:r>
+                              </m:sub>
+                            </m:sSub>
+                            <m:r>
+                              <a:rPr lang="vi-VN" sz="500" i="1" kern="100">
+                                <a:solidFill>
+                                  <a:srgbClr val="000000"/>
+                                </a:solidFill>
+                                <a:effectLst/>
+                                <a:latin typeface="Cambria Math" panose="02040503050406030204" pitchFamily="18" charset="0"/>
+                                <a:ea typeface="Times New Roman" panose="02020603050405020304" pitchFamily="18" charset="0"/>
+                                <a:cs typeface="Times New Roman" panose="02020603050405020304" pitchFamily="18" charset="0"/>
+                              </a:rPr>
+                              <m:t> = </m:t>
+                            </m:r>
+                            <m:d>
+                              <m:dPr>
+                                <m:begChr m:val="["/>
+                                <m:endChr m:val="]"/>
+                                <m:ctrlPr>
+                                  <a:rPr lang="en-VN" sz="500" i="1" kern="100">
+                                    <a:solidFill>
+                                      <a:srgbClr val="000000"/>
+                                    </a:solidFill>
+                                    <a:effectLst/>
+                                    <a:latin typeface="Cambria Math" panose="02040503050406030204" pitchFamily="18" charset="0"/>
+                                    <a:ea typeface="Times New Roman" panose="02020603050405020304" pitchFamily="18" charset="0"/>
+                                    <a:cs typeface="Times New Roman" panose="02020603050405020304" pitchFamily="18" charset="0"/>
+                                  </a:rPr>
+                                </m:ctrlPr>
+                              </m:dPr>
+                              <m:e>
+                                <m:sSub>
+                                  <m:sSubPr>
+                                    <m:ctrlPr>
+                                      <a:rPr lang="en-VN" sz="500" i="1" kern="100">
+                                        <a:solidFill>
+                                          <a:srgbClr val="000000"/>
+                                        </a:solidFill>
+                                        <a:effectLst/>
+                                        <a:latin typeface="Cambria Math" panose="02040503050406030204" pitchFamily="18" charset="0"/>
+                                        <a:ea typeface="Times New Roman" panose="02020603050405020304" pitchFamily="18" charset="0"/>
+                                        <a:cs typeface="Times New Roman" panose="02020603050405020304" pitchFamily="18" charset="0"/>
+                                      </a:rPr>
+                                    </m:ctrlPr>
+                                  </m:sSubPr>
+                                  <m:e>
+                                    <m:r>
+                                      <a:rPr lang="vi-VN" sz="500" i="1" kern="100">
+                                        <a:solidFill>
+                                          <a:srgbClr val="000000"/>
+                                        </a:solidFill>
+                                        <a:effectLst/>
+                                        <a:latin typeface="Cambria Math" panose="02040503050406030204" pitchFamily="18" charset="0"/>
+                                        <a:ea typeface="Times New Roman" panose="02020603050405020304" pitchFamily="18" charset="0"/>
+                                        <a:cs typeface="Times New Roman" panose="02020603050405020304" pitchFamily="18" charset="0"/>
+                                      </a:rPr>
+                                      <m:t>𝐵</m:t>
+                                    </m:r>
+                                  </m:e>
+                                  <m:sub>
+                                    <m:r>
+                                      <a:rPr lang="vi-VN" sz="500" i="1" kern="100">
+                                        <a:solidFill>
+                                          <a:srgbClr val="000000"/>
+                                        </a:solidFill>
+                                        <a:effectLst/>
+                                        <a:latin typeface="Cambria Math" panose="02040503050406030204" pitchFamily="18" charset="0"/>
+                                        <a:ea typeface="Times New Roman" panose="02020603050405020304" pitchFamily="18" charset="0"/>
+                                        <a:cs typeface="Times New Roman" panose="02020603050405020304" pitchFamily="18" charset="0"/>
+                                      </a:rPr>
+                                      <m:t>1</m:t>
+                                    </m:r>
+                                  </m:sub>
+                                </m:sSub>
+                              </m:e>
+                            </m:d>
+                          </m:oMath>
+                        </m:oMathPara>
+                      </a14:m>
+                      <a:endParaRPr lang="en-VN" sz="1200" kern="100">
+                        <a:effectLst/>
+                        <a:ea typeface="Calibri" panose="020F0502020204030204" pitchFamily="34" charset="0"/>
+                        <a:cs typeface="Times New Roman" panose="02020603050405020304" pitchFamily="18" charset="0"/>
+                      </a:endParaRPr>
+                    </a:p>
+                  </p:txBody>
+                </p:sp>
+              </mc:Choice>
+              <mc:Fallback xmlns="">
+                <p:sp>
+                  <p:nvSpPr>
+                    <p:cNvPr id="99" name="Rectangle 98">
+                      <a:extLst>
+                        <a:ext uri="{FF2B5EF4-FFF2-40B4-BE49-F238E27FC236}">
+                          <a16:creationId xmlns:a16="http://schemas.microsoft.com/office/drawing/2014/main" id="{F192B2F3-FD64-F580-E817-4450FCACE882}"/>
+                        </a:ext>
+                      </a:extLst>
+                    </p:cNvPr>
+                    <p:cNvSpPr>
+                      <a:spLocks noRot="1" noChangeAspect="1" noMove="1" noResize="1" noEditPoints="1" noAdjustHandles="1" noChangeArrowheads="1" noChangeShapeType="1" noTextEdit="1"/>
+                    </p:cNvSpPr>
+                    <p:nvPr/>
+                  </p:nvSpPr>
+                  <p:spPr>
+                    <a:xfrm>
+                      <a:off x="109960" y="162046"/>
+                      <a:ext cx="1012785" cy="978061"/>
+                    </a:xfrm>
+                    <a:prstGeom prst="rect">
+                      <a:avLst/>
+                    </a:prstGeom>
+                    <a:blipFill>
+                      <a:blip r:embed="rId5"/>
+                      <a:stretch>
+                        <a:fillRect/>
+                      </a:stretch>
+                    </a:blipFill>
+                    <a:ln>
+                      <a:solidFill>
+                        <a:schemeClr val="accent1"/>
+                      </a:solidFill>
+                    </a:ln>
+                  </p:spPr>
+                  <p:txBody>
+                    <a:bodyPr/>
+                    <a:lstStyle/>
+                    <a:p>
+                      <a:r>
+                        <a:rPr lang="en-VN">
+                          <a:noFill/>
+                        </a:rPr>
+                        <a:t> </a:t>
+                      </a:r>
+                    </a:p>
+                  </p:txBody>
+                </p:sp>
+              </mc:Fallback>
+            </mc:AlternateContent>
+          </p:grpSp>
+        </p:grpSp>
+        <mc:AlternateContent xmlns:mc="http://schemas.openxmlformats.org/markup-compatibility/2006" xmlns:a14="http://schemas.microsoft.com/office/drawing/2010/main">
+          <mc:Choice Requires="a14">
+            <p:sp>
+              <p:nvSpPr>
+                <p:cNvPr id="4" name="Rectangle 3">
+                  <a:extLst>
+                    <a:ext uri="{FF2B5EF4-FFF2-40B4-BE49-F238E27FC236}">
+                      <a16:creationId xmlns:a16="http://schemas.microsoft.com/office/drawing/2014/main" id="{EB2A4DE8-D8A0-4A2F-B2A4-4365C034D575}"/>
+                    </a:ext>
+                  </a:extLst>
+                </p:cNvPr>
+                <p:cNvSpPr/>
+                <p:nvPr/>
+              </p:nvSpPr>
+              <p:spPr>
+                <a:xfrm>
+                  <a:off x="190983" y="1226917"/>
+                  <a:ext cx="857131" cy="567854"/>
+                </a:xfrm>
+                <a:prstGeom prst="rect">
+                  <a:avLst/>
+                </a:prstGeom>
+                <a:ln>
+                  <a:solidFill>
+                    <a:schemeClr val="accent1"/>
+                  </a:solidFill>
+                </a:ln>
+              </p:spPr>
+              <p:style>
+                <a:lnRef idx="2">
+                  <a:schemeClr val="accent6"/>
+                </a:lnRef>
+                <a:fillRef idx="1">
+                  <a:schemeClr val="lt1"/>
+                </a:fillRef>
+                <a:effectRef idx="0">
+                  <a:schemeClr val="accent6"/>
+                </a:effectRef>
+                <a:fontRef idx="minor">
+                  <a:schemeClr val="dk1"/>
+                </a:fontRef>
+              </p:style>
+              <p:txBody>
+                <a:bodyPr rot="0" spcFirstLastPara="0" vert="horz" wrap="square" lIns="91440" tIns="45720" rIns="91440" bIns="45720" numCol="1" spcCol="0" rtlCol="0" fromWordArt="0" anchor="ctr" anchorCtr="0" forceAA="0" compatLnSpc="1">
+                  <a:prstTxWarp prst="textNoShape">
+                    <a:avLst/>
+                  </a:prstTxWarp>
+                  <a:noAutofit/>
+                </a:bodyPr>
+                <a:lstStyle/>
+                <a:p>
+                  <a:pPr algn="ctr"/>
+                  <a:r>
+                    <a:rPr lang="en-US" sz="500" kern="100">
+                      <a:solidFill>
+                        <a:srgbClr val="000000"/>
+                      </a:solidFill>
+                      <a:effectLst/>
+                      <a:ea typeface="Calibri" panose="020F0502020204030204" pitchFamily="34" charset="0"/>
+                      <a:cs typeface="Times New Roman" panose="02020603050405020304" pitchFamily="18" charset="0"/>
+                    </a:rPr>
+                    <a:t>Back bone </a:t>
+                  </a:r>
+                  <a14:m>
+                    <m:oMath xmlns:m="http://schemas.openxmlformats.org/officeDocument/2006/math">
+                      <m:sSub>
+                        <m:sSubPr>
+                          <m:ctrlPr>
+                            <a:rPr lang="en-VN" sz="500" i="1" kern="100">
+                              <a:solidFill>
+                                <a:srgbClr val="000000"/>
+                              </a:solidFill>
+                              <a:effectLst/>
+                              <a:latin typeface="Cambria Math" panose="02040503050406030204" pitchFamily="18" charset="0"/>
+                              <a:ea typeface="Times New Roman" panose="02020603050405020304" pitchFamily="18" charset="0"/>
+                              <a:cs typeface="Times New Roman" panose="02020603050405020304" pitchFamily="18" charset="0"/>
+                            </a:rPr>
+                          </m:ctrlPr>
+                        </m:sSubPr>
+                        <m:e>
+                          <m:r>
+                            <a:rPr lang="vi-VN" sz="500" i="1" kern="100">
+                              <a:solidFill>
+                                <a:srgbClr val="000000"/>
+                              </a:solidFill>
+                              <a:effectLst/>
+                              <a:latin typeface="Cambria Math" panose="02040503050406030204" pitchFamily="18" charset="0"/>
+                              <a:ea typeface="Times New Roman" panose="02020603050405020304" pitchFamily="18" charset="0"/>
+                              <a:cs typeface="Times New Roman" panose="02020603050405020304" pitchFamily="18" charset="0"/>
+                            </a:rPr>
+                            <m:t>𝐵</m:t>
+                          </m:r>
+                        </m:e>
+                        <m:sub>
+                          <m:r>
+                            <a:rPr lang="vi-VN" sz="500" i="1" kern="100">
+                              <a:solidFill>
+                                <a:srgbClr val="000000"/>
+                              </a:solidFill>
+                              <a:effectLst/>
+                              <a:latin typeface="Cambria Math" panose="02040503050406030204" pitchFamily="18" charset="0"/>
+                              <a:ea typeface="Times New Roman" panose="02020603050405020304" pitchFamily="18" charset="0"/>
+                              <a:cs typeface="Times New Roman" panose="02020603050405020304" pitchFamily="18" charset="0"/>
+                            </a:rPr>
+                            <m:t>1</m:t>
+                          </m:r>
+                        </m:sub>
+                      </m:sSub>
+                    </m:oMath>
+                  </a14:m>
+                  <a:r>
+                    <a:rPr lang="vi-VN" sz="500" kern="100">
+                      <a:solidFill>
+                        <a:srgbClr val="000000"/>
+                      </a:solidFill>
+                      <a:effectLst/>
+                      <a:ea typeface="Times New Roman" panose="02020603050405020304" pitchFamily="18" charset="0"/>
+                      <a:cs typeface="Times New Roman" panose="02020603050405020304" pitchFamily="18" charset="0"/>
+                    </a:rPr>
+                    <a:t>:</a:t>
+                  </a:r>
+                  <a:endParaRPr lang="en-VN" sz="1200" kern="100">
+                    <a:effectLst/>
+                    <a:ea typeface="Calibri" panose="020F0502020204030204" pitchFamily="34" charset="0"/>
+                    <a:cs typeface="Times New Roman" panose="02020603050405020304" pitchFamily="18" charset="0"/>
+                  </a:endParaRPr>
+                </a:p>
+                <a:p>
+                  <a:pPr algn="ctr"/>
+                  <a:r>
+                    <a:rPr lang="vi-VN" sz="500" kern="100">
+                      <a:solidFill>
+                        <a:srgbClr val="000000"/>
+                      </a:solidFill>
+                      <a:effectLst/>
+                      <a:ea typeface="Times New Roman" panose="02020603050405020304" pitchFamily="18" charset="0"/>
+                      <a:cs typeface="Times New Roman" panose="02020603050405020304" pitchFamily="18" charset="0"/>
+                    </a:rPr>
+                    <a:t>Random initilize</a:t>
+                  </a:r>
+                  <a:endParaRPr lang="en-VN" sz="1200" kern="100">
+                    <a:effectLst/>
+                    <a:ea typeface="Calibri" panose="020F0502020204030204" pitchFamily="34" charset="0"/>
+                    <a:cs typeface="Times New Roman" panose="02020603050405020304" pitchFamily="18" charset="0"/>
+                  </a:endParaRPr>
+                </a:p>
+              </p:txBody>
+            </p:sp>
+          </mc:Choice>
+          <mc:Fallback xmlns="">
+            <p:sp>
+              <p:nvSpPr>
+                <p:cNvPr id="93" name="Rectangle 92">
+                  <a:extLst>
+                    <a:ext uri="{FF2B5EF4-FFF2-40B4-BE49-F238E27FC236}">
+                      <a16:creationId xmlns:a16="http://schemas.microsoft.com/office/drawing/2014/main" id="{F4943A1B-62A6-3431-4510-BBBD21E1CD39}"/>
+                    </a:ext>
+                  </a:extLst>
+                </p:cNvPr>
+                <p:cNvSpPr>
+                  <a:spLocks noRot="1" noChangeAspect="1" noMove="1" noResize="1" noEditPoints="1" noAdjustHandles="1" noChangeArrowheads="1" noChangeShapeType="1" noTextEdit="1"/>
+                </p:cNvSpPr>
+                <p:nvPr/>
+              </p:nvSpPr>
+              <p:spPr>
+                <a:xfrm>
+                  <a:off x="190983" y="1226917"/>
+                  <a:ext cx="857131" cy="567854"/>
+                </a:xfrm>
+                <a:prstGeom prst="rect">
+                  <a:avLst/>
+                </a:prstGeom>
+                <a:blipFill>
+                  <a:blip r:embed="rId6"/>
+                  <a:stretch>
+                    <a:fillRect/>
+                  </a:stretch>
+                </a:blipFill>
+                <a:ln>
+                  <a:solidFill>
+                    <a:schemeClr val="accent1"/>
+                  </a:solidFill>
+                </a:ln>
+              </p:spPr>
+              <p:txBody>
+                <a:bodyPr/>
+                <a:lstStyle/>
+                <a:p>
+                  <a:r>
+                    <a:rPr lang="en-VN">
+                      <a:noFill/>
+                    </a:rPr>
+                    <a:t> </a:t>
+                  </a:r>
+                </a:p>
+              </p:txBody>
+            </p:sp>
+          </mc:Fallback>
+        </mc:AlternateContent>
+      </p:grpSp>
+      <p:grpSp>
+        <p:nvGrpSpPr>
+          <p:cNvPr id="11" name="Group 10">
+            <a:extLst>
+              <a:ext uri="{FF2B5EF4-FFF2-40B4-BE49-F238E27FC236}">
+                <a16:creationId xmlns:a16="http://schemas.microsoft.com/office/drawing/2014/main" id="{69A8CAFD-1F93-7215-8B9D-E85C56076F4B}"/>
+              </a:ext>
+            </a:extLst>
+          </p:cNvPr>
+          <p:cNvGrpSpPr/>
+          <p:nvPr/>
+        </p:nvGrpSpPr>
+        <p:grpSpPr>
+          <a:xfrm>
+            <a:off x="4679101" y="1841861"/>
+            <a:ext cx="2995614" cy="4169671"/>
+            <a:chOff x="0" y="0"/>
+            <a:chExt cx="2384385" cy="3338195"/>
+          </a:xfrm>
+        </p:grpSpPr>
+        <mc:AlternateContent xmlns:mc="http://schemas.openxmlformats.org/markup-compatibility/2006" xmlns:a14="http://schemas.microsoft.com/office/drawing/2010/main">
+          <mc:Choice Requires="a14">
+            <p:sp>
+              <p:nvSpPr>
+                <p:cNvPr id="12" name="Rectangle 11">
+                  <a:extLst>
+                    <a:ext uri="{FF2B5EF4-FFF2-40B4-BE49-F238E27FC236}">
+                      <a16:creationId xmlns:a16="http://schemas.microsoft.com/office/drawing/2014/main" id="{C9C8CA9A-6E0F-6ECB-0B9F-AE9201EA4ACF}"/>
+                    </a:ext>
+                  </a:extLst>
+                </p:cNvPr>
+                <p:cNvSpPr/>
+                <p:nvPr/>
+              </p:nvSpPr>
+              <p:spPr>
+                <a:xfrm>
+                  <a:off x="0" y="0"/>
+                  <a:ext cx="2383790" cy="658585"/>
+                </a:xfrm>
+                <a:prstGeom prst="rect">
+                  <a:avLst/>
+                </a:prstGeom>
+                <a:ln>
+                  <a:solidFill>
+                    <a:schemeClr val="accent1"/>
+                  </a:solidFill>
+                </a:ln>
+              </p:spPr>
+              <p:style>
+                <a:lnRef idx="2">
+                  <a:schemeClr val="accent6"/>
+                </a:lnRef>
+                <a:fillRef idx="1">
+                  <a:schemeClr val="lt1"/>
+                </a:fillRef>
+                <a:effectRef idx="0">
+                  <a:schemeClr val="accent6"/>
+                </a:effectRef>
+                <a:fontRef idx="minor">
+                  <a:schemeClr val="dk1"/>
+                </a:fontRef>
+              </p:style>
+              <p:txBody>
+                <a:bodyPr rot="0" spcFirstLastPara="0" vert="horz" wrap="square" lIns="91440" tIns="45720" rIns="91440" bIns="45720" numCol="1" spcCol="0" rtlCol="0" fromWordArt="0" anchor="ctr" anchorCtr="0" forceAA="0" compatLnSpc="1">
+                  <a:prstTxWarp prst="textNoShape">
+                    <a:avLst/>
+                  </a:prstTxWarp>
+                  <a:noAutofit/>
+                </a:bodyPr>
+                <a:lstStyle/>
+                <a:p>
+                  <a:pPr algn="ctr"/>
+                  <a:r>
+                    <a:rPr lang="en-US" sz="500" kern="100">
+                      <a:effectLst/>
+                      <a:ea typeface="Calibri" panose="020F0502020204030204" pitchFamily="34" charset="0"/>
+                      <a:cs typeface="Times New Roman" panose="02020603050405020304" pitchFamily="18" charset="0"/>
+                    </a:rPr>
+                    <a:t>Train dataset of current task </a:t>
+                  </a:r>
+                  <a14:m>
+                    <m:oMath xmlns:m="http://schemas.openxmlformats.org/officeDocument/2006/math">
+                      <m:sSup>
+                        <m:sSupPr>
+                          <m:ctrlPr>
+                            <a:rPr lang="en-VN" sz="500" i="1" kern="100">
+                              <a:effectLst/>
+                              <a:latin typeface="Cambria Math" panose="02040503050406030204" pitchFamily="18" charset="0"/>
+                              <a:ea typeface="Calibri" panose="020F0502020204030204" pitchFamily="34" charset="0"/>
+                              <a:cs typeface="Times New Roman" panose="02020603050405020304" pitchFamily="18" charset="0"/>
+                            </a:rPr>
+                          </m:ctrlPr>
+                        </m:sSupPr>
+                        <m:e>
+                          <m:r>
+                            <a:rPr lang="en-US" sz="500" i="1" kern="100">
+                              <a:effectLst/>
+                              <a:latin typeface="Cambria Math" panose="02040503050406030204" pitchFamily="18" charset="0"/>
+                              <a:ea typeface="Calibri" panose="020F0502020204030204" pitchFamily="34" charset="0"/>
+                              <a:cs typeface="Times New Roman" panose="02020603050405020304" pitchFamily="18" charset="0"/>
+                            </a:rPr>
+                            <m:t>𝒟</m:t>
+                          </m:r>
+                        </m:e>
+                        <m:sup>
+                          <m:r>
+                            <a:rPr lang="en-US" sz="500" i="1" kern="100">
+                              <a:effectLst/>
+                              <a:latin typeface="Cambria Math" panose="02040503050406030204" pitchFamily="18" charset="0"/>
+                              <a:ea typeface="Calibri" panose="020F0502020204030204" pitchFamily="34" charset="0"/>
+                              <a:cs typeface="Times New Roman" panose="02020603050405020304" pitchFamily="18" charset="0"/>
+                            </a:rPr>
+                            <m:t>2</m:t>
+                          </m:r>
+                        </m:sup>
+                      </m:sSup>
+                      <m:r>
+                        <a:rPr lang="en-US" sz="500" i="1" kern="100">
+                          <a:effectLst/>
+                          <a:latin typeface="Cambria Math" panose="02040503050406030204" pitchFamily="18" charset="0"/>
+                          <a:ea typeface="Calibri" panose="020F0502020204030204" pitchFamily="34" charset="0"/>
+                          <a:cs typeface="Times New Roman" panose="02020603050405020304" pitchFamily="18" charset="0"/>
+                        </a:rPr>
+                        <m:t> </m:t>
+                      </m:r>
+                      <m:r>
+                        <a:rPr lang="en-US" sz="500" kern="100">
+                          <a:effectLst/>
+                          <a:latin typeface="Cambria Math" panose="02040503050406030204" pitchFamily="18" charset="0"/>
+                          <a:ea typeface="Calibri" panose="020F0502020204030204" pitchFamily="34" charset="0"/>
+                          <a:cs typeface="Times New Roman" panose="02020603050405020304" pitchFamily="18" charset="0"/>
+                        </a:rPr>
+                        <m:t>∪ </m:t>
+                      </m:r>
+                      <m:r>
+                        <a:rPr lang="en-US" sz="500" i="1" kern="100">
+                          <a:effectLst/>
+                          <a:latin typeface="Cambria Math" panose="02040503050406030204" pitchFamily="18" charset="0"/>
+                          <a:ea typeface="Times New Roman" panose="02020603050405020304" pitchFamily="18" charset="0"/>
+                          <a:cs typeface="Times New Roman" panose="02020603050405020304" pitchFamily="18" charset="0"/>
+                        </a:rPr>
+                        <m:t>ℇ</m:t>
+                      </m:r>
+                    </m:oMath>
+                  </a14:m>
+                  <a:endParaRPr lang="en-VN" sz="1200" kern="100">
+                    <a:effectLst/>
+                    <a:ea typeface="Calibri" panose="020F0502020204030204" pitchFamily="34" charset="0"/>
+                    <a:cs typeface="Times New Roman" panose="02020603050405020304" pitchFamily="18" charset="0"/>
+                  </a:endParaRPr>
+                </a:p>
+              </p:txBody>
+            </p:sp>
+          </mc:Choice>
+          <mc:Fallback xmlns="">
+            <p:sp>
+              <p:nvSpPr>
+                <p:cNvPr id="83" name="Rectangle 82">
+                  <a:extLst>
+                    <a:ext uri="{FF2B5EF4-FFF2-40B4-BE49-F238E27FC236}">
+                      <a16:creationId xmlns:a16="http://schemas.microsoft.com/office/drawing/2014/main" id="{D2F78446-2596-4E60-66E2-56E9AF64BBDA}"/>
+                    </a:ext>
+                  </a:extLst>
+                </p:cNvPr>
+                <p:cNvSpPr>
+                  <a:spLocks noRot="1" noChangeAspect="1" noMove="1" noResize="1" noEditPoints="1" noAdjustHandles="1" noChangeArrowheads="1" noChangeShapeType="1" noTextEdit="1"/>
+                </p:cNvSpPr>
+                <p:nvPr/>
+              </p:nvSpPr>
+              <p:spPr>
+                <a:xfrm>
+                  <a:off x="0" y="0"/>
+                  <a:ext cx="2383790" cy="658585"/>
+                </a:xfrm>
+                <a:prstGeom prst="rect">
+                  <a:avLst/>
+                </a:prstGeom>
+                <a:blipFill>
+                  <a:blip r:embed="rId7"/>
+                  <a:stretch>
+                    <a:fillRect/>
+                  </a:stretch>
+                </a:blipFill>
+                <a:ln>
+                  <a:solidFill>
+                    <a:schemeClr val="accent1"/>
+                  </a:solidFill>
+                </a:ln>
+              </p:spPr>
+              <p:txBody>
+                <a:bodyPr/>
+                <a:lstStyle/>
+                <a:p>
+                  <a:r>
+                    <a:rPr lang="en-VN">
+                      <a:noFill/>
+                    </a:rPr>
+                    <a:t> </a:t>
+                  </a:r>
+                </a:p>
+              </p:txBody>
+            </p:sp>
+          </mc:Fallback>
+        </mc:AlternateContent>
+        <mc:AlternateContent xmlns:mc="http://schemas.openxmlformats.org/markup-compatibility/2006" xmlns:a14="http://schemas.microsoft.com/office/drawing/2010/main">
+          <mc:Choice Requires="a14">
+            <p:sp>
+              <p:nvSpPr>
+                <p:cNvPr id="13" name="Rectangle 12">
+                  <a:extLst>
+                    <a:ext uri="{FF2B5EF4-FFF2-40B4-BE49-F238E27FC236}">
+                      <a16:creationId xmlns:a16="http://schemas.microsoft.com/office/drawing/2014/main" id="{ACAE8D62-5B6F-2EC6-D75B-6225EEBC2729}"/>
+                    </a:ext>
+                  </a:extLst>
+                </p:cNvPr>
+                <p:cNvSpPr/>
+                <p:nvPr/>
+              </p:nvSpPr>
+              <p:spPr>
+                <a:xfrm>
+                  <a:off x="0" y="2789498"/>
+                  <a:ext cx="2383790" cy="548697"/>
+                </a:xfrm>
+                <a:prstGeom prst="rect">
+                  <a:avLst/>
+                </a:prstGeom>
+                <a:ln>
+                  <a:solidFill>
+                    <a:schemeClr val="accent1"/>
+                  </a:solidFill>
+                </a:ln>
+              </p:spPr>
+              <p:style>
+                <a:lnRef idx="2">
+                  <a:schemeClr val="accent6"/>
+                </a:lnRef>
+                <a:fillRef idx="1">
+                  <a:schemeClr val="lt1"/>
+                </a:fillRef>
+                <a:effectRef idx="0">
+                  <a:schemeClr val="accent6"/>
+                </a:effectRef>
+                <a:fontRef idx="minor">
+                  <a:schemeClr val="dk1"/>
+                </a:fontRef>
+              </p:style>
+              <p:txBody>
+                <a:bodyPr rot="0" spcFirstLastPara="0" vert="horz" wrap="square" lIns="91440" tIns="45720" rIns="91440" bIns="45720" numCol="1" spcCol="0" rtlCol="0" fromWordArt="0" anchor="ctr" anchorCtr="0" forceAA="0" compatLnSpc="1">
+                  <a:prstTxWarp prst="textNoShape">
+                    <a:avLst/>
+                  </a:prstTxWarp>
+                  <a:noAutofit/>
+                </a:bodyPr>
+                <a:lstStyle/>
+                <a:p>
+                  <a:pPr algn="ctr"/>
+                  <a:r>
+                    <a:rPr lang="en-US" sz="500" kern="100">
+                      <a:effectLst/>
+                      <a:ea typeface="Calibri" panose="020F0502020204030204" pitchFamily="34" charset="0"/>
+                      <a:cs typeface="Times New Roman" panose="02020603050405020304" pitchFamily="18" charset="0"/>
+                    </a:rPr>
+                    <a:t>Exemplar set  </a:t>
+                  </a:r>
+                  <a14:m>
+                    <m:oMath xmlns:m="http://schemas.openxmlformats.org/officeDocument/2006/math">
+                      <m:r>
+                        <a:rPr lang="en-US" sz="500" i="1" kern="100">
+                          <a:effectLst/>
+                          <a:latin typeface="Cambria Math" panose="02040503050406030204" pitchFamily="18" charset="0"/>
+                          <a:ea typeface="Times New Roman" panose="02020603050405020304" pitchFamily="18" charset="0"/>
+                          <a:cs typeface="Times New Roman" panose="02020603050405020304" pitchFamily="18" charset="0"/>
+                        </a:rPr>
+                        <m:t>ℇ</m:t>
+                      </m:r>
+                    </m:oMath>
+                  </a14:m>
+                  <a:endParaRPr lang="en-VN" sz="1200" kern="100">
+                    <a:effectLst/>
+                    <a:ea typeface="Calibri" panose="020F0502020204030204" pitchFamily="34" charset="0"/>
+                    <a:cs typeface="Times New Roman" panose="02020603050405020304" pitchFamily="18" charset="0"/>
+                  </a:endParaRPr>
+                </a:p>
+              </p:txBody>
+            </p:sp>
+          </mc:Choice>
+          <mc:Fallback xmlns="">
+            <p:sp>
+              <p:nvSpPr>
+                <p:cNvPr id="84" name="Rectangle 83">
+                  <a:extLst>
+                    <a:ext uri="{FF2B5EF4-FFF2-40B4-BE49-F238E27FC236}">
+                      <a16:creationId xmlns:a16="http://schemas.microsoft.com/office/drawing/2014/main" id="{B2C5332E-1433-A8D7-1F22-DA3C94AB3649}"/>
+                    </a:ext>
+                  </a:extLst>
+                </p:cNvPr>
+                <p:cNvSpPr>
+                  <a:spLocks noRot="1" noChangeAspect="1" noMove="1" noResize="1" noEditPoints="1" noAdjustHandles="1" noChangeArrowheads="1" noChangeShapeType="1" noTextEdit="1"/>
+                </p:cNvSpPr>
+                <p:nvPr/>
+              </p:nvSpPr>
+              <p:spPr>
+                <a:xfrm>
+                  <a:off x="0" y="2789498"/>
+                  <a:ext cx="2383790" cy="548697"/>
+                </a:xfrm>
+                <a:prstGeom prst="rect">
+                  <a:avLst/>
+                </a:prstGeom>
+                <a:blipFill>
+                  <a:blip r:embed="rId8"/>
+                  <a:stretch>
+                    <a:fillRect/>
+                  </a:stretch>
+                </a:blipFill>
+                <a:ln>
+                  <a:solidFill>
+                    <a:schemeClr val="accent1"/>
+                  </a:solidFill>
+                </a:ln>
+              </p:spPr>
+              <p:txBody>
+                <a:bodyPr/>
+                <a:lstStyle/>
+                <a:p>
+                  <a:r>
+                    <a:rPr lang="en-VN">
+                      <a:noFill/>
+                    </a:rPr>
+                    <a:t> </a:t>
+                  </a:r>
+                </a:p>
+              </p:txBody>
+            </p:sp>
+          </mc:Fallback>
+        </mc:AlternateContent>
+        <p:grpSp>
+          <p:nvGrpSpPr>
+            <p:cNvPr id="14" name="Group 13">
+              <a:extLst>
+                <a:ext uri="{FF2B5EF4-FFF2-40B4-BE49-F238E27FC236}">
+                  <a16:creationId xmlns:a16="http://schemas.microsoft.com/office/drawing/2014/main" id="{65CAAB8C-0C03-30A5-92C6-EF3D266ACF14}"/>
+                </a:ext>
+              </a:extLst>
+            </p:cNvPr>
+            <p:cNvGrpSpPr/>
+            <p:nvPr/>
+          </p:nvGrpSpPr>
+          <p:grpSpPr>
+            <a:xfrm>
+              <a:off x="0" y="798652"/>
+              <a:ext cx="2384385" cy="1822559"/>
+              <a:chOff x="0" y="-1"/>
+              <a:chExt cx="2384385" cy="1822559"/>
+            </a:xfrm>
+          </p:grpSpPr>
+          <p:sp>
+            <p:nvSpPr>
+              <p:cNvPr id="15" name="Rectangle 14">
+                <a:extLst>
+                  <a:ext uri="{FF2B5EF4-FFF2-40B4-BE49-F238E27FC236}">
+                    <a16:creationId xmlns:a16="http://schemas.microsoft.com/office/drawing/2014/main" id="{7F29C714-4A52-C0A5-2039-F9D33CF5E6F0}"/>
+                  </a:ext>
+                </a:extLst>
+              </p:cNvPr>
+              <p:cNvSpPr/>
+              <p:nvPr/>
+            </p:nvSpPr>
+            <p:spPr>
+              <a:xfrm>
+                <a:off x="0" y="-1"/>
+                <a:ext cx="2384385" cy="1822559"/>
+              </a:xfrm>
+              <a:prstGeom prst="rect">
+                <a:avLst/>
+              </a:prstGeom>
+              <a:ln>
+                <a:solidFill>
+                  <a:schemeClr val="accent1"/>
+                </a:solidFill>
+              </a:ln>
+            </p:spPr>
+            <p:style>
+              <a:lnRef idx="2">
+                <a:schemeClr val="accent6"/>
+              </a:lnRef>
+              <a:fillRef idx="1">
+                <a:schemeClr val="lt1"/>
+              </a:fillRef>
+              <a:effectRef idx="0">
+                <a:schemeClr val="accent6"/>
+              </a:effectRef>
+              <a:fontRef idx="minor">
+                <a:schemeClr val="dk1"/>
+              </a:fontRef>
+            </p:style>
+            <p:txBody>
+              <a:bodyPr rot="0" spcFirstLastPara="0" vert="horz" wrap="square" lIns="91440" tIns="45720" rIns="91440" bIns="45720" numCol="1" spcCol="0" rtlCol="0" fromWordArt="0" anchor="t" anchorCtr="0" forceAA="0" compatLnSpc="1">
+                <a:prstTxWarp prst="textNoShape">
+                  <a:avLst/>
+                </a:prstTxWarp>
+                <a:noAutofit/>
+              </a:bodyPr>
+              <a:lstStyle/>
+              <a:p>
+                <a:r>
+                  <a:rPr lang="vi-VN" sz="500" kern="100" dirty="0">
+                    <a:solidFill>
+                      <a:srgbClr val="000000"/>
+                    </a:solidFill>
+                    <a:effectLst/>
+                    <a:ea typeface="Times New Roman" panose="02020603050405020304" pitchFamily="18" charset="0"/>
+                    <a:cs typeface="Times New Roman" panose="02020603050405020304" pitchFamily="18" charset="0"/>
+                  </a:rPr>
+                  <a:t>  </a:t>
+                </a:r>
+                <a:endParaRPr lang="en-VN" sz="1200" kern="100" dirty="0">
+                  <a:effectLst/>
+                  <a:ea typeface="Calibri" panose="020F0502020204030204" pitchFamily="34" charset="0"/>
+                  <a:cs typeface="Times New Roman" panose="02020603050405020304" pitchFamily="18" charset="0"/>
+                </a:endParaRPr>
+              </a:p>
+              <a:p>
+                <a:pPr algn="ctr"/>
+                <a:r>
+                  <a:rPr lang="en-US" sz="500" kern="100" dirty="0">
+                    <a:effectLst/>
+                    <a:ea typeface="Calibri" panose="020F0502020204030204" pitchFamily="34" charset="0"/>
+                    <a:cs typeface="Times New Roman" panose="02020603050405020304" pitchFamily="18" charset="0"/>
+                  </a:rPr>
+                  <a:t> </a:t>
+                </a:r>
+                <a:endParaRPr lang="en-VN" sz="1200" kern="100" dirty="0">
+                  <a:effectLst/>
+                  <a:ea typeface="Calibri" panose="020F0502020204030204" pitchFamily="34" charset="0"/>
+                  <a:cs typeface="Times New Roman" panose="02020603050405020304" pitchFamily="18" charset="0"/>
+                </a:endParaRPr>
+              </a:p>
+              <a:p>
+                <a:pPr algn="ctr"/>
+                <a:r>
+                  <a:rPr lang="en-US" sz="500" kern="100" dirty="0">
+                    <a:effectLst/>
+                    <a:ea typeface="Calibri" panose="020F0502020204030204" pitchFamily="34" charset="0"/>
+                    <a:cs typeface="Times New Roman" panose="02020603050405020304" pitchFamily="18" charset="0"/>
+                  </a:rPr>
+                  <a:t> </a:t>
+                </a:r>
+                <a:endParaRPr lang="en-VN" sz="1200" kern="100" dirty="0">
+                  <a:effectLst/>
+                  <a:ea typeface="Calibri" panose="020F0502020204030204" pitchFamily="34" charset="0"/>
+                  <a:cs typeface="Times New Roman" panose="02020603050405020304" pitchFamily="18" charset="0"/>
+                </a:endParaRPr>
+              </a:p>
+            </p:txBody>
+          </p:sp>
+          <mc:AlternateContent xmlns:mc="http://schemas.openxmlformats.org/markup-compatibility/2006" xmlns:a14="http://schemas.microsoft.com/office/drawing/2010/main">
+            <mc:Choice Requires="a14">
+              <p:sp>
+                <p:nvSpPr>
+                  <p:cNvPr id="16" name="Rectangle 15">
+                    <a:extLst>
+                      <a:ext uri="{FF2B5EF4-FFF2-40B4-BE49-F238E27FC236}">
+                        <a16:creationId xmlns:a16="http://schemas.microsoft.com/office/drawing/2014/main" id="{C8218905-8F4C-B8B6-40BF-4644C35FD873}"/>
+                      </a:ext>
+                    </a:extLst>
+                  </p:cNvPr>
+                  <p:cNvSpPr/>
+                  <p:nvPr/>
+                </p:nvSpPr>
+                <p:spPr>
+                  <a:xfrm>
+                    <a:off x="92598" y="1267428"/>
+                    <a:ext cx="2172970" cy="420370"/>
+                  </a:xfrm>
+                  <a:prstGeom prst="rect">
+                    <a:avLst/>
+                  </a:prstGeom>
+                  <a:ln>
+                    <a:solidFill>
+                      <a:schemeClr val="accent1"/>
+                    </a:solidFill>
+                  </a:ln>
+                </p:spPr>
+                <p:style>
+                  <a:lnRef idx="2">
+                    <a:schemeClr val="accent6"/>
+                  </a:lnRef>
+                  <a:fillRef idx="1">
+                    <a:schemeClr val="lt1"/>
+                  </a:fillRef>
+                  <a:effectRef idx="0">
+                    <a:schemeClr val="accent6"/>
+                  </a:effectRef>
+                  <a:fontRef idx="minor">
+                    <a:schemeClr val="dk1"/>
+                  </a:fontRef>
+                </p:style>
+                <p:txBody>
+                  <a:bodyPr rot="0" spcFirstLastPara="0" vert="horz" wrap="square" lIns="91440" tIns="45720" rIns="91440" bIns="45720" numCol="1" spcCol="0" rtlCol="0" fromWordArt="0" anchor="ctr" anchorCtr="0" forceAA="0" compatLnSpc="1">
+                    <a:prstTxWarp prst="textNoShape">
+                      <a:avLst/>
+                    </a:prstTxWarp>
+                    <a:noAutofit/>
+                  </a:bodyPr>
+                  <a:lstStyle/>
+                  <a:p>
+                    <a:pPr algn="ctr"/>
+                    <a:r>
+                      <a:rPr lang="en-US" sz="500" kern="100">
+                        <a:solidFill>
+                          <a:srgbClr val="000000"/>
+                        </a:solidFill>
+                        <a:effectLst/>
+                        <a:ea typeface="Calibri" panose="020F0502020204030204" pitchFamily="34" charset="0"/>
+                        <a:cs typeface="Times New Roman" panose="02020603050405020304" pitchFamily="18" charset="0"/>
+                      </a:rPr>
+                      <a:t>Classifier </a:t>
+                    </a:r>
+                    <a14:m>
+                      <m:oMath xmlns:m="http://schemas.openxmlformats.org/officeDocument/2006/math">
+                        <m:sSub>
+                          <m:sSubPr>
+                            <m:ctrlPr>
+                              <a:rPr lang="en-VN" sz="500" i="1" kern="100">
+                                <a:solidFill>
+                                  <a:srgbClr val="000000"/>
+                                </a:solidFill>
+                                <a:effectLst/>
+                                <a:latin typeface="Cambria Math" panose="02040503050406030204" pitchFamily="18" charset="0"/>
+                                <a:ea typeface="Times New Roman" panose="02020603050405020304" pitchFamily="18" charset="0"/>
+                                <a:cs typeface="Times New Roman" panose="02020603050405020304" pitchFamily="18" charset="0"/>
+                              </a:rPr>
+                            </m:ctrlPr>
+                          </m:sSubPr>
+                          <m:e>
+                            <m:r>
+                              <a:rPr lang="vi-VN" sz="500" i="1" kern="100">
+                                <a:solidFill>
+                                  <a:srgbClr val="000000"/>
+                                </a:solidFill>
+                                <a:effectLst/>
+                                <a:latin typeface="Cambria Math" panose="02040503050406030204" pitchFamily="18" charset="0"/>
+                                <a:ea typeface="Times New Roman" panose="02020603050405020304" pitchFamily="18" charset="0"/>
+                                <a:cs typeface="Times New Roman" panose="02020603050405020304" pitchFamily="18" charset="0"/>
+                              </a:rPr>
+                              <m:t>𝐹</m:t>
+                            </m:r>
+                          </m:e>
+                          <m:sub>
+                            <m:r>
+                              <a:rPr lang="vi-VN" sz="500" i="1" kern="100">
+                                <a:solidFill>
+                                  <a:srgbClr val="000000"/>
+                                </a:solidFill>
+                                <a:effectLst/>
+                                <a:latin typeface="Cambria Math" panose="02040503050406030204" pitchFamily="18" charset="0"/>
+                                <a:ea typeface="Times New Roman" panose="02020603050405020304" pitchFamily="18" charset="0"/>
+                                <a:cs typeface="Times New Roman" panose="02020603050405020304" pitchFamily="18" charset="0"/>
+                              </a:rPr>
+                              <m:t>2</m:t>
+                            </m:r>
+                          </m:sub>
+                        </m:sSub>
+                      </m:oMath>
+                    </a14:m>
+                    <a:r>
+                      <a:rPr lang="vi-VN" sz="500" kern="100">
+                        <a:solidFill>
+                          <a:srgbClr val="000000"/>
+                        </a:solidFill>
+                        <a:effectLst/>
+                        <a:ea typeface="Times New Roman" panose="02020603050405020304" pitchFamily="18" charset="0"/>
+                        <a:cs typeface="Times New Roman" panose="02020603050405020304" pitchFamily="18" charset="0"/>
+                      </a:rPr>
+                      <a:t>:</a:t>
+                    </a:r>
+                    <a:endParaRPr lang="en-VN" sz="1200" kern="100">
+                      <a:effectLst/>
+                      <a:ea typeface="Calibri" panose="020F0502020204030204" pitchFamily="34" charset="0"/>
+                      <a:cs typeface="Times New Roman" panose="02020603050405020304" pitchFamily="18" charset="0"/>
+                    </a:endParaRPr>
+                  </a:p>
+                  <a:p>
+                    <a:pPr algn="ctr"/>
+                    <a:r>
+                      <a:rPr lang="vi-VN" sz="500" kern="100">
+                        <a:solidFill>
+                          <a:srgbClr val="000000"/>
+                        </a:solidFill>
+                        <a:effectLst/>
+                        <a:ea typeface="Times New Roman" panose="02020603050405020304" pitchFamily="18" charset="0"/>
+                        <a:cs typeface="Times New Roman" panose="02020603050405020304" pitchFamily="18" charset="0"/>
+                      </a:rPr>
+                      <a:t>Random initilize</a:t>
+                    </a:r>
+                    <a:endParaRPr lang="en-VN" sz="1200" kern="100">
+                      <a:effectLst/>
+                      <a:ea typeface="Calibri" panose="020F0502020204030204" pitchFamily="34" charset="0"/>
+                      <a:cs typeface="Times New Roman" panose="02020603050405020304" pitchFamily="18" charset="0"/>
+                    </a:endParaRPr>
+                  </a:p>
+                </p:txBody>
+              </p:sp>
+            </mc:Choice>
+            <mc:Fallback xmlns="">
+              <p:sp>
+                <p:nvSpPr>
+                  <p:cNvPr id="87" name="Rectangle 86">
+                    <a:extLst>
+                      <a:ext uri="{FF2B5EF4-FFF2-40B4-BE49-F238E27FC236}">
+                        <a16:creationId xmlns:a16="http://schemas.microsoft.com/office/drawing/2014/main" id="{8B449E8D-C23D-30E6-3335-C0E0349A98AC}"/>
+                      </a:ext>
+                    </a:extLst>
+                  </p:cNvPr>
+                  <p:cNvSpPr>
+                    <a:spLocks noRot="1" noChangeAspect="1" noMove="1" noResize="1" noEditPoints="1" noAdjustHandles="1" noChangeArrowheads="1" noChangeShapeType="1" noTextEdit="1"/>
+                  </p:cNvSpPr>
+                  <p:nvPr/>
+                </p:nvSpPr>
+                <p:spPr>
+                  <a:xfrm>
+                    <a:off x="92598" y="1267428"/>
+                    <a:ext cx="2172970" cy="420370"/>
+                  </a:xfrm>
+                  <a:prstGeom prst="rect">
+                    <a:avLst/>
+                  </a:prstGeom>
+                  <a:blipFill>
+                    <a:blip r:embed="rId9"/>
+                    <a:stretch>
+                      <a:fillRect/>
+                    </a:stretch>
+                  </a:blipFill>
+                  <a:ln>
+                    <a:solidFill>
+                      <a:schemeClr val="accent1"/>
+                    </a:solidFill>
+                  </a:ln>
+                </p:spPr>
+                <p:txBody>
+                  <a:bodyPr/>
+                  <a:lstStyle/>
+                  <a:p>
+                    <a:r>
+                      <a:rPr lang="en-VN">
+                        <a:noFill/>
+                      </a:rPr>
+                      <a:t> </a:t>
+                    </a:r>
+                  </a:p>
+                </p:txBody>
+              </p:sp>
+            </mc:Fallback>
+          </mc:AlternateContent>
+          <p:grpSp>
+            <p:nvGrpSpPr>
+              <p:cNvPr id="17" name="Group 16">
+                <a:extLst>
+                  <a:ext uri="{FF2B5EF4-FFF2-40B4-BE49-F238E27FC236}">
+                    <a16:creationId xmlns:a16="http://schemas.microsoft.com/office/drawing/2014/main" id="{238C7C32-B6F0-6876-585A-5F4EF1F5A97E}"/>
+                  </a:ext>
+                </a:extLst>
+              </p:cNvPr>
+              <p:cNvGrpSpPr/>
+              <p:nvPr/>
+            </p:nvGrpSpPr>
+            <p:grpSpPr>
+              <a:xfrm>
+                <a:off x="92598" y="162045"/>
+                <a:ext cx="2173524" cy="977725"/>
+                <a:chOff x="0" y="0"/>
+                <a:chExt cx="2173524" cy="977725"/>
+              </a:xfrm>
+            </p:grpSpPr>
+            <mc:AlternateContent xmlns:mc="http://schemas.openxmlformats.org/markup-compatibility/2006" xmlns:a14="http://schemas.microsoft.com/office/drawing/2010/main">
+              <mc:Choice Requires="a14">
+                <p:sp>
+                  <p:nvSpPr>
+                    <p:cNvPr id="18" name="Rectangle 17">
+                      <a:extLst>
+                        <a:ext uri="{FF2B5EF4-FFF2-40B4-BE49-F238E27FC236}">
+                          <a16:creationId xmlns:a16="http://schemas.microsoft.com/office/drawing/2014/main" id="{C71AA90F-9975-1BEC-24ED-8A33FDB25658}"/>
+                        </a:ext>
+                      </a:extLst>
+                    </p:cNvPr>
+                    <p:cNvSpPr/>
+                    <p:nvPr/>
+                  </p:nvSpPr>
+                  <p:spPr>
+                    <a:xfrm>
+                      <a:off x="0" y="0"/>
+                      <a:ext cx="2173524" cy="977725"/>
+                    </a:xfrm>
+                    <a:prstGeom prst="rect">
+                      <a:avLst/>
+                    </a:prstGeom>
+                    <a:ln>
+                      <a:solidFill>
+                        <a:schemeClr val="accent1"/>
+                      </a:solidFill>
+                    </a:ln>
+                  </p:spPr>
+                  <p:style>
+                    <a:lnRef idx="2">
+                      <a:schemeClr val="accent6"/>
+                    </a:lnRef>
+                    <a:fillRef idx="1">
+                      <a:schemeClr val="lt1"/>
+                    </a:fillRef>
+                    <a:effectRef idx="0">
+                      <a:schemeClr val="accent6"/>
+                    </a:effectRef>
+                    <a:fontRef idx="minor">
+                      <a:schemeClr val="dk1"/>
+                    </a:fontRef>
+                  </p:style>
+                  <p:txBody>
+                    <a:bodyPr rot="0" spcFirstLastPara="0" vert="horz" wrap="square" lIns="91440" tIns="45720" rIns="91440" bIns="45720" numCol="1" spcCol="0" rtlCol="0" fromWordArt="0" anchor="t" anchorCtr="0" forceAA="0" compatLnSpc="1">
+                      <a:prstTxWarp prst="textNoShape">
+                        <a:avLst/>
+                      </a:prstTxWarp>
+                      <a:noAutofit/>
+                    </a:bodyPr>
+                    <a:lstStyle/>
+                    <a:p>
+                      <a14:m>
+                        <m:oMath xmlns:m="http://schemas.openxmlformats.org/officeDocument/2006/math">
+                          <m:sSub>
+                            <m:sSubPr>
+                              <m:ctrlPr>
+                                <a:rPr lang="en-VN" sz="500" i="1" kern="100">
+                                  <a:solidFill>
+                                    <a:srgbClr val="000000"/>
+                                  </a:solidFill>
+                                  <a:effectLst/>
+                                  <a:latin typeface="Cambria Math" panose="02040503050406030204" pitchFamily="18" charset="0"/>
+                                  <a:ea typeface="Times New Roman" panose="02020603050405020304" pitchFamily="18" charset="0"/>
+                                  <a:cs typeface="Times New Roman" panose="02020603050405020304" pitchFamily="18" charset="0"/>
+                                </a:rPr>
+                              </m:ctrlPr>
+                            </m:sSubPr>
+                            <m:e>
+                              <m:r>
+                                <m:rPr>
+                                  <m:sty m:val="p"/>
+                                </m:rPr>
+                                <a:rPr lang="vi-VN" sz="500" kern="100">
+                                  <a:solidFill>
+                                    <a:srgbClr val="000000"/>
+                                  </a:solidFill>
+                                  <a:effectLst/>
+                                  <a:latin typeface="Cambria Math" panose="02040503050406030204" pitchFamily="18" charset="0"/>
+                                  <a:ea typeface="Times New Roman" panose="02020603050405020304" pitchFamily="18" charset="0"/>
+                                  <a:cs typeface="Times New Roman" panose="02020603050405020304" pitchFamily="18" charset="0"/>
+                                </a:rPr>
+                                <m:t>Φ</m:t>
+                              </m:r>
+                            </m:e>
+                            <m:sub>
+                              <m:r>
+                                <a:rPr lang="vi-VN" sz="500" i="1" kern="100">
+                                  <a:solidFill>
+                                    <a:srgbClr val="000000"/>
+                                  </a:solidFill>
+                                  <a:effectLst/>
+                                  <a:latin typeface="Cambria Math" panose="02040503050406030204" pitchFamily="18" charset="0"/>
+                                  <a:ea typeface="Times New Roman" panose="02020603050405020304" pitchFamily="18" charset="0"/>
+                                  <a:cs typeface="Times New Roman" panose="02020603050405020304" pitchFamily="18" charset="0"/>
+                                </a:rPr>
+                                <m:t>2</m:t>
+                              </m:r>
+                            </m:sub>
+                          </m:sSub>
+                          <m:r>
+                            <a:rPr lang="vi-VN" sz="500" i="1" kern="100">
+                              <a:solidFill>
+                                <a:srgbClr val="000000"/>
+                              </a:solidFill>
+                              <a:effectLst/>
+                              <a:latin typeface="Cambria Math" panose="02040503050406030204" pitchFamily="18" charset="0"/>
+                              <a:ea typeface="Times New Roman" panose="02020603050405020304" pitchFamily="18" charset="0"/>
+                              <a:cs typeface="Times New Roman" panose="02020603050405020304" pitchFamily="18" charset="0"/>
+                            </a:rPr>
+                            <m:t> = </m:t>
+                          </m:r>
+                          <m:d>
+                            <m:dPr>
+                              <m:begChr m:val="["/>
+                              <m:endChr m:val="]"/>
+                              <m:ctrlPr>
+                                <a:rPr lang="en-VN" sz="500" i="1" kern="100">
+                                  <a:solidFill>
+                                    <a:srgbClr val="000000"/>
+                                  </a:solidFill>
+                                  <a:effectLst/>
+                                  <a:latin typeface="Cambria Math" panose="02040503050406030204" pitchFamily="18" charset="0"/>
+                                  <a:ea typeface="Times New Roman" panose="02020603050405020304" pitchFamily="18" charset="0"/>
+                                  <a:cs typeface="Times New Roman" panose="02020603050405020304" pitchFamily="18" charset="0"/>
+                                </a:rPr>
+                              </m:ctrlPr>
+                            </m:dPr>
+                            <m:e>
+                              <m:sSub>
+                                <m:sSubPr>
+                                  <m:ctrlPr>
+                                    <a:rPr lang="en-VN" sz="500" i="1" kern="100">
+                                      <a:solidFill>
+                                        <a:srgbClr val="000000"/>
+                                      </a:solidFill>
+                                      <a:effectLst/>
+                                      <a:latin typeface="Cambria Math" panose="02040503050406030204" pitchFamily="18" charset="0"/>
+                                      <a:ea typeface="Times New Roman" panose="02020603050405020304" pitchFamily="18" charset="0"/>
+                                      <a:cs typeface="Times New Roman" panose="02020603050405020304" pitchFamily="18" charset="0"/>
+                                    </a:rPr>
+                                  </m:ctrlPr>
+                                </m:sSubPr>
+                                <m:e>
+                                  <m:r>
+                                    <m:rPr>
+                                      <m:sty m:val="p"/>
+                                    </m:rPr>
+                                    <a:rPr lang="vi-VN" sz="500" kern="100">
+                                      <a:solidFill>
+                                        <a:srgbClr val="000000"/>
+                                      </a:solidFill>
+                                      <a:effectLst/>
+                                      <a:latin typeface="Cambria Math" panose="02040503050406030204" pitchFamily="18" charset="0"/>
+                                      <a:ea typeface="Times New Roman" panose="02020603050405020304" pitchFamily="18" charset="0"/>
+                                      <a:cs typeface="Times New Roman" panose="02020603050405020304" pitchFamily="18" charset="0"/>
+                                    </a:rPr>
+                                    <m:t>Φ</m:t>
+                                  </m:r>
+                                </m:e>
+                                <m:sub>
+                                  <m:r>
+                                    <a:rPr lang="vi-VN" sz="500" i="1" kern="100">
+                                      <a:solidFill>
+                                        <a:srgbClr val="000000"/>
+                                      </a:solidFill>
+                                      <a:effectLst/>
+                                      <a:latin typeface="Cambria Math" panose="02040503050406030204" pitchFamily="18" charset="0"/>
+                                      <a:ea typeface="Times New Roman" panose="02020603050405020304" pitchFamily="18" charset="0"/>
+                                      <a:cs typeface="Times New Roman" panose="02020603050405020304" pitchFamily="18" charset="0"/>
+                                    </a:rPr>
+                                    <m:t>1</m:t>
+                                  </m:r>
+                                </m:sub>
+                              </m:sSub>
+                              <m:r>
+                                <a:rPr lang="vi-VN" sz="500" i="1" kern="100">
+                                  <a:solidFill>
+                                    <a:srgbClr val="000000"/>
+                                  </a:solidFill>
+                                  <a:effectLst/>
+                                  <a:latin typeface="Cambria Math" panose="02040503050406030204" pitchFamily="18" charset="0"/>
+                                  <a:ea typeface="Times New Roman" panose="02020603050405020304" pitchFamily="18" charset="0"/>
+                                  <a:cs typeface="Times New Roman" panose="02020603050405020304" pitchFamily="18" charset="0"/>
+                                </a:rPr>
+                                <m:t> ,  </m:t>
+                              </m:r>
+                              <m:sSub>
+                                <m:sSubPr>
+                                  <m:ctrlPr>
+                                    <a:rPr lang="en-VN" sz="500" i="1" kern="100">
+                                      <a:solidFill>
+                                        <a:srgbClr val="000000"/>
+                                      </a:solidFill>
+                                      <a:effectLst/>
+                                      <a:latin typeface="Cambria Math" panose="02040503050406030204" pitchFamily="18" charset="0"/>
+                                      <a:ea typeface="Times New Roman" panose="02020603050405020304" pitchFamily="18" charset="0"/>
+                                      <a:cs typeface="Times New Roman" panose="02020603050405020304" pitchFamily="18" charset="0"/>
+                                    </a:rPr>
+                                  </m:ctrlPr>
+                                </m:sSubPr>
+                                <m:e>
+                                  <m:r>
+                                    <a:rPr lang="vi-VN" sz="500" i="1" kern="100">
+                                      <a:solidFill>
+                                        <a:srgbClr val="000000"/>
+                                      </a:solidFill>
+                                      <a:effectLst/>
+                                      <a:latin typeface="Cambria Math" panose="02040503050406030204" pitchFamily="18" charset="0"/>
+                                      <a:ea typeface="Times New Roman" panose="02020603050405020304" pitchFamily="18" charset="0"/>
+                                      <a:cs typeface="Times New Roman" panose="02020603050405020304" pitchFamily="18" charset="0"/>
+                                    </a:rPr>
+                                    <m:t>𝐵</m:t>
+                                  </m:r>
+                                </m:e>
+                                <m:sub>
+                                  <m:r>
+                                    <a:rPr lang="vi-VN" sz="500" i="1" kern="100">
+                                      <a:solidFill>
+                                        <a:srgbClr val="000000"/>
+                                      </a:solidFill>
+                                      <a:effectLst/>
+                                      <a:latin typeface="Cambria Math" panose="02040503050406030204" pitchFamily="18" charset="0"/>
+                                      <a:ea typeface="Times New Roman" panose="02020603050405020304" pitchFamily="18" charset="0"/>
+                                      <a:cs typeface="Times New Roman" panose="02020603050405020304" pitchFamily="18" charset="0"/>
+                                    </a:rPr>
+                                    <m:t>2</m:t>
+                                  </m:r>
+                                </m:sub>
+                              </m:sSub>
+                            </m:e>
+                          </m:d>
+                        </m:oMath>
+                      </a14:m>
+                      <a:r>
+                        <a:rPr lang="vi-VN" sz="500" kern="100" dirty="0">
+                          <a:solidFill>
+                            <a:srgbClr val="000000"/>
+                          </a:solidFill>
+                          <a:effectLst/>
+                          <a:ea typeface="Times New Roman" panose="02020603050405020304" pitchFamily="18" charset="0"/>
+                          <a:cs typeface="Times New Roman" panose="02020603050405020304" pitchFamily="18" charset="0"/>
+                        </a:rPr>
+                        <a:t>  </a:t>
+                      </a:r>
+                      <a:endParaRPr lang="en-VN" sz="1200" kern="100" dirty="0">
+                        <a:effectLst/>
+                        <a:ea typeface="Calibri" panose="020F0502020204030204" pitchFamily="34" charset="0"/>
+                        <a:cs typeface="Times New Roman" panose="02020603050405020304" pitchFamily="18" charset="0"/>
+                      </a:endParaRPr>
+                    </a:p>
+                    <a:p>
+                      <a:pPr algn="ctr"/>
+                      <a:r>
+                        <a:rPr lang="en-US" sz="500" kern="100" dirty="0">
+                          <a:effectLst/>
+                          <a:ea typeface="Calibri" panose="020F0502020204030204" pitchFamily="34" charset="0"/>
+                          <a:cs typeface="Times New Roman" panose="02020603050405020304" pitchFamily="18" charset="0"/>
+                        </a:rPr>
+                        <a:t> </a:t>
+                      </a:r>
+                      <a:endParaRPr lang="en-VN" sz="1200" kern="100" dirty="0">
+                        <a:effectLst/>
+                        <a:ea typeface="Calibri" panose="020F0502020204030204" pitchFamily="34" charset="0"/>
+                        <a:cs typeface="Times New Roman" panose="02020603050405020304" pitchFamily="18" charset="0"/>
+                      </a:endParaRPr>
+                    </a:p>
+                  </p:txBody>
+                </p:sp>
+              </mc:Choice>
+              <mc:Fallback xmlns="">
+                <p:sp>
+                  <p:nvSpPr>
+                    <p:cNvPr id="89" name="Rectangle 88">
+                      <a:extLst>
+                        <a:ext uri="{FF2B5EF4-FFF2-40B4-BE49-F238E27FC236}">
+                          <a16:creationId xmlns:a16="http://schemas.microsoft.com/office/drawing/2014/main" id="{37417362-3D19-5C31-37AB-2B440FD2A608}"/>
+                        </a:ext>
+                      </a:extLst>
+                    </p:cNvPr>
+                    <p:cNvSpPr>
+                      <a:spLocks noRot="1" noChangeAspect="1" noMove="1" noResize="1" noEditPoints="1" noAdjustHandles="1" noChangeArrowheads="1" noChangeShapeType="1" noTextEdit="1"/>
+                    </p:cNvSpPr>
+                    <p:nvPr/>
+                  </p:nvSpPr>
+                  <p:spPr>
+                    <a:xfrm>
+                      <a:off x="0" y="0"/>
+                      <a:ext cx="2173524" cy="977725"/>
+                    </a:xfrm>
+                    <a:prstGeom prst="rect">
+                      <a:avLst/>
+                    </a:prstGeom>
+                    <a:blipFill>
+                      <a:blip r:embed="rId10"/>
+                      <a:stretch>
+                        <a:fillRect/>
+                      </a:stretch>
+                    </a:blipFill>
+                    <a:ln>
+                      <a:solidFill>
+                        <a:schemeClr val="accent1"/>
+                      </a:solidFill>
+                    </a:ln>
+                  </p:spPr>
+                  <p:txBody>
+                    <a:bodyPr/>
+                    <a:lstStyle/>
+                    <a:p>
+                      <a:r>
+                        <a:rPr lang="en-VN">
+                          <a:noFill/>
+                        </a:rPr>
+                        <a:t> </a:t>
+                      </a:r>
+                    </a:p>
+                  </p:txBody>
+                </p:sp>
+              </mc:Fallback>
+            </mc:AlternateContent>
+            <mc:AlternateContent xmlns:mc="http://schemas.openxmlformats.org/markup-compatibility/2006" xmlns:a14="http://schemas.microsoft.com/office/drawing/2010/main">
+              <mc:Choice Requires="a14">
+                <p:sp>
+                  <p:nvSpPr>
+                    <p:cNvPr id="19" name="Rectangle 18">
+                      <a:extLst>
+                        <a:ext uri="{FF2B5EF4-FFF2-40B4-BE49-F238E27FC236}">
+                          <a16:creationId xmlns:a16="http://schemas.microsoft.com/office/drawing/2014/main" id="{79068838-50BA-030D-D2A3-299002585225}"/>
+                        </a:ext>
+                      </a:extLst>
+                    </p:cNvPr>
+                    <p:cNvSpPr/>
+                    <p:nvPr/>
+                  </p:nvSpPr>
+                  <p:spPr>
+                    <a:xfrm>
+                      <a:off x="86810" y="266218"/>
+                      <a:ext cx="946785" cy="567544"/>
+                    </a:xfrm>
+                    <a:prstGeom prst="rect">
+                      <a:avLst/>
+                    </a:prstGeom>
+                    <a:solidFill>
+                      <a:schemeClr val="accent2"/>
+                    </a:solidFill>
+                    <a:ln>
+                      <a:solidFill>
+                        <a:schemeClr val="accent1"/>
+                      </a:solidFill>
+                    </a:ln>
+                  </p:spPr>
+                  <p:style>
+                    <a:lnRef idx="2">
+                      <a:schemeClr val="accent6"/>
+                    </a:lnRef>
+                    <a:fillRef idx="1">
+                      <a:schemeClr val="lt1"/>
+                    </a:fillRef>
+                    <a:effectRef idx="0">
+                      <a:schemeClr val="accent6"/>
+                    </a:effectRef>
+                    <a:fontRef idx="minor">
+                      <a:schemeClr val="dk1"/>
+                    </a:fontRef>
+                  </p:style>
+                  <p:txBody>
+                    <a:bodyPr rot="0" spcFirstLastPara="0" vert="horz" wrap="square" lIns="91440" tIns="45720" rIns="91440" bIns="45720" numCol="1" spcCol="0" rtlCol="0" fromWordArt="0" anchor="ctr" anchorCtr="0" forceAA="0" compatLnSpc="1">
+                      <a:prstTxWarp prst="textNoShape">
+                        <a:avLst/>
+                      </a:prstTxWarp>
+                      <a:noAutofit/>
+                    </a:bodyPr>
+                    <a:lstStyle/>
+                    <a:p>
+                      <a:pPr algn="ctr"/>
+                      <a:r>
+                        <a:rPr lang="en-US" sz="500" kern="100">
+                          <a:solidFill>
+                            <a:srgbClr val="000000"/>
+                          </a:solidFill>
+                          <a:effectLst/>
+                          <a:ea typeface="Calibri" panose="020F0502020204030204" pitchFamily="34" charset="0"/>
+                          <a:cs typeface="Times New Roman" panose="02020603050405020304" pitchFamily="18" charset="0"/>
+                        </a:rPr>
+                        <a:t>Feature extractor </a:t>
+                      </a:r>
+                      <a14:m>
+                        <m:oMath xmlns:m="http://schemas.openxmlformats.org/officeDocument/2006/math">
+                          <m:sSub>
+                            <m:sSubPr>
+                              <m:ctrlPr>
+                                <a:rPr lang="en-VN" sz="500" i="1" kern="100">
+                                  <a:solidFill>
+                                    <a:srgbClr val="000000"/>
+                                  </a:solidFill>
+                                  <a:effectLst/>
+                                  <a:latin typeface="Cambria Math" panose="02040503050406030204" pitchFamily="18" charset="0"/>
+                                  <a:ea typeface="Times New Roman" panose="02020603050405020304" pitchFamily="18" charset="0"/>
+                                  <a:cs typeface="Times New Roman" panose="02020603050405020304" pitchFamily="18" charset="0"/>
+                                </a:rPr>
+                              </m:ctrlPr>
+                            </m:sSubPr>
+                            <m:e>
+                              <m:r>
+                                <m:rPr>
+                                  <m:sty m:val="p"/>
+                                </m:rPr>
+                                <a:rPr lang="vi-VN" sz="500" kern="100">
+                                  <a:solidFill>
+                                    <a:srgbClr val="000000"/>
+                                  </a:solidFill>
+                                  <a:effectLst/>
+                                  <a:latin typeface="Cambria Math" panose="02040503050406030204" pitchFamily="18" charset="0"/>
+                                  <a:ea typeface="Times New Roman" panose="02020603050405020304" pitchFamily="18" charset="0"/>
+                                  <a:cs typeface="Times New Roman" panose="02020603050405020304" pitchFamily="18" charset="0"/>
+                                </a:rPr>
+                                <m:t>Φ</m:t>
+                              </m:r>
+                            </m:e>
+                            <m:sub>
+                              <m:r>
+                                <a:rPr lang="vi-VN" sz="500" i="1" kern="100">
+                                  <a:solidFill>
+                                    <a:srgbClr val="000000"/>
+                                  </a:solidFill>
+                                  <a:effectLst/>
+                                  <a:latin typeface="Cambria Math" panose="02040503050406030204" pitchFamily="18" charset="0"/>
+                                  <a:ea typeface="Times New Roman" panose="02020603050405020304" pitchFamily="18" charset="0"/>
+                                  <a:cs typeface="Times New Roman" panose="02020603050405020304" pitchFamily="18" charset="0"/>
+                                </a:rPr>
+                                <m:t>1</m:t>
+                              </m:r>
+                            </m:sub>
+                          </m:sSub>
+                        </m:oMath>
+                      </a14:m>
+                      <a:endParaRPr lang="en-VN" sz="1200" kern="100">
+                        <a:effectLst/>
+                        <a:ea typeface="Calibri" panose="020F0502020204030204" pitchFamily="34" charset="0"/>
+                        <a:cs typeface="Times New Roman" panose="02020603050405020304" pitchFamily="18" charset="0"/>
+                      </a:endParaRPr>
+                    </a:p>
+                    <a:p>
+                      <a:pPr algn="ctr"/>
+                      <a:r>
+                        <a:rPr lang="vi-VN" sz="500" kern="100">
+                          <a:solidFill>
+                            <a:srgbClr val="000000"/>
+                          </a:solidFill>
+                          <a:effectLst/>
+                          <a:ea typeface="Times New Roman" panose="02020603050405020304" pitchFamily="18" charset="0"/>
+                          <a:cs typeface="Times New Roman" panose="02020603050405020304" pitchFamily="18" charset="0"/>
+                        </a:rPr>
+                        <a:t>(Freeze)</a:t>
+                      </a:r>
+                      <a:endParaRPr lang="en-VN" sz="1200" kern="100">
+                        <a:effectLst/>
+                        <a:ea typeface="Calibri" panose="020F0502020204030204" pitchFamily="34" charset="0"/>
+                        <a:cs typeface="Times New Roman" panose="02020603050405020304" pitchFamily="18" charset="0"/>
+                      </a:endParaRPr>
+                    </a:p>
+                  </p:txBody>
+                </p:sp>
+              </mc:Choice>
+              <mc:Fallback xmlns="">
+                <p:sp>
+                  <p:nvSpPr>
+                    <p:cNvPr id="90" name="Rectangle 89">
+                      <a:extLst>
+                        <a:ext uri="{FF2B5EF4-FFF2-40B4-BE49-F238E27FC236}">
+                          <a16:creationId xmlns:a16="http://schemas.microsoft.com/office/drawing/2014/main" id="{CAED40B1-A2AE-DE47-1E5C-043C33BB9045}"/>
+                        </a:ext>
+                      </a:extLst>
+                    </p:cNvPr>
+                    <p:cNvSpPr>
+                      <a:spLocks noRot="1" noChangeAspect="1" noMove="1" noResize="1" noEditPoints="1" noAdjustHandles="1" noChangeArrowheads="1" noChangeShapeType="1" noTextEdit="1"/>
+                    </p:cNvSpPr>
+                    <p:nvPr/>
+                  </p:nvSpPr>
+                  <p:spPr>
+                    <a:xfrm>
+                      <a:off x="86810" y="266218"/>
+                      <a:ext cx="946785" cy="567544"/>
+                    </a:xfrm>
+                    <a:prstGeom prst="rect">
+                      <a:avLst/>
+                    </a:prstGeom>
+                    <a:blipFill>
+                      <a:blip r:embed="rId11"/>
+                      <a:stretch>
+                        <a:fillRect/>
+                      </a:stretch>
+                    </a:blipFill>
+                    <a:ln>
+                      <a:solidFill>
+                        <a:schemeClr val="accent1"/>
+                      </a:solidFill>
+                    </a:ln>
+                  </p:spPr>
+                  <p:txBody>
+                    <a:bodyPr/>
+                    <a:lstStyle/>
+                    <a:p>
+                      <a:r>
+                        <a:rPr lang="en-VN">
+                          <a:noFill/>
+                        </a:rPr>
+                        <a:t> </a:t>
+                      </a:r>
+                    </a:p>
+                  </p:txBody>
+                </p:sp>
+              </mc:Fallback>
+            </mc:AlternateContent>
+            <mc:AlternateContent xmlns:mc="http://schemas.openxmlformats.org/markup-compatibility/2006" xmlns:a14="http://schemas.microsoft.com/office/drawing/2010/main">
+              <mc:Choice Requires="a14">
+                <p:sp>
+                  <p:nvSpPr>
+                    <p:cNvPr id="20" name="Rectangle 19">
+                      <a:extLst>
+                        <a:ext uri="{FF2B5EF4-FFF2-40B4-BE49-F238E27FC236}">
+                          <a16:creationId xmlns:a16="http://schemas.microsoft.com/office/drawing/2014/main" id="{EE8FF364-A15E-DAE5-1F1F-96A5658B2D05}"/>
+                        </a:ext>
+                      </a:extLst>
+                    </p:cNvPr>
+                    <p:cNvSpPr/>
+                    <p:nvPr/>
+                  </p:nvSpPr>
+                  <p:spPr>
+                    <a:xfrm>
+                      <a:off x="1132472" y="266218"/>
+                      <a:ext cx="946784" cy="567055"/>
+                    </a:xfrm>
+                    <a:prstGeom prst="rect">
+                      <a:avLst/>
+                    </a:prstGeom>
+                    <a:ln>
+                      <a:solidFill>
+                        <a:schemeClr val="accent1"/>
+                      </a:solidFill>
+                    </a:ln>
+                  </p:spPr>
+                  <p:style>
+                    <a:lnRef idx="2">
+                      <a:schemeClr val="accent6"/>
+                    </a:lnRef>
+                    <a:fillRef idx="1">
+                      <a:schemeClr val="lt1"/>
+                    </a:fillRef>
+                    <a:effectRef idx="0">
+                      <a:schemeClr val="accent6"/>
+                    </a:effectRef>
+                    <a:fontRef idx="minor">
+                      <a:schemeClr val="dk1"/>
+                    </a:fontRef>
+                  </p:style>
+                  <p:txBody>
+                    <a:bodyPr rot="0" spcFirstLastPara="0" vert="horz" wrap="square" lIns="91440" tIns="45720" rIns="91440" bIns="45720" numCol="1" spcCol="0" rtlCol="0" fromWordArt="0" anchor="ctr" anchorCtr="0" forceAA="0" compatLnSpc="1">
+                      <a:prstTxWarp prst="textNoShape">
+                        <a:avLst/>
+                      </a:prstTxWarp>
+                      <a:noAutofit/>
+                    </a:bodyPr>
+                    <a:lstStyle/>
+                    <a:p>
+                      <a:pPr algn="ctr"/>
+                      <a:r>
+                        <a:rPr lang="en-US" sz="500" kern="100">
+                          <a:solidFill>
+                            <a:srgbClr val="000000"/>
+                          </a:solidFill>
+                          <a:effectLst/>
+                          <a:ea typeface="Calibri" panose="020F0502020204030204" pitchFamily="34" charset="0"/>
+                          <a:cs typeface="Times New Roman" panose="02020603050405020304" pitchFamily="18" charset="0"/>
+                        </a:rPr>
+                        <a:t>Back </a:t>
+                      </a:r>
+                      <a:r>
+                        <a:rPr lang="vi-VN" sz="500" kern="100">
+                          <a:solidFill>
+                            <a:srgbClr val="000000"/>
+                          </a:solidFill>
+                          <a:effectLst/>
+                          <a:ea typeface="Calibri" panose="020F0502020204030204" pitchFamily="34" charset="0"/>
+                          <a:cs typeface="Times New Roman" panose="02020603050405020304" pitchFamily="18" charset="0"/>
+                        </a:rPr>
+                        <a:t>bone </a:t>
+                      </a:r>
+                      <a14:m>
+                        <m:oMath xmlns:m="http://schemas.openxmlformats.org/officeDocument/2006/math">
+                          <m:sSub>
+                            <m:sSubPr>
+                              <m:ctrlPr>
+                                <a:rPr lang="en-VN" sz="500" i="1" kern="100">
+                                  <a:solidFill>
+                                    <a:srgbClr val="000000"/>
+                                  </a:solidFill>
+                                  <a:effectLst/>
+                                  <a:latin typeface="Cambria Math" panose="02040503050406030204" pitchFamily="18" charset="0"/>
+                                  <a:ea typeface="Times New Roman" panose="02020603050405020304" pitchFamily="18" charset="0"/>
+                                  <a:cs typeface="Times New Roman" panose="02020603050405020304" pitchFamily="18" charset="0"/>
+                                </a:rPr>
+                              </m:ctrlPr>
+                            </m:sSubPr>
+                            <m:e>
+                              <m:r>
+                                <a:rPr lang="vi-VN" sz="500" i="1" kern="100">
+                                  <a:solidFill>
+                                    <a:srgbClr val="000000"/>
+                                  </a:solidFill>
+                                  <a:effectLst/>
+                                  <a:latin typeface="Cambria Math" panose="02040503050406030204" pitchFamily="18" charset="0"/>
+                                  <a:ea typeface="Times New Roman" panose="02020603050405020304" pitchFamily="18" charset="0"/>
+                                  <a:cs typeface="Times New Roman" panose="02020603050405020304" pitchFamily="18" charset="0"/>
+                                </a:rPr>
+                                <m:t>𝐵</m:t>
+                              </m:r>
+                            </m:e>
+                            <m:sub>
+                              <m:r>
+                                <a:rPr lang="vi-VN" sz="500" i="1" kern="100">
+                                  <a:solidFill>
+                                    <a:srgbClr val="000000"/>
+                                  </a:solidFill>
+                                  <a:effectLst/>
+                                  <a:latin typeface="Cambria Math" panose="02040503050406030204" pitchFamily="18" charset="0"/>
+                                  <a:ea typeface="Times New Roman" panose="02020603050405020304" pitchFamily="18" charset="0"/>
+                                  <a:cs typeface="Times New Roman" panose="02020603050405020304" pitchFamily="18" charset="0"/>
+                                </a:rPr>
+                                <m:t>2</m:t>
+                              </m:r>
+                            </m:sub>
+                          </m:sSub>
+                        </m:oMath>
+                      </a14:m>
+                      <a:r>
+                        <a:rPr lang="vi-VN" sz="500" kern="100">
+                          <a:solidFill>
+                            <a:srgbClr val="000000"/>
+                          </a:solidFill>
+                          <a:effectLst/>
+                          <a:ea typeface="Times New Roman" panose="02020603050405020304" pitchFamily="18" charset="0"/>
+                          <a:cs typeface="Times New Roman" panose="02020603050405020304" pitchFamily="18" charset="0"/>
+                        </a:rPr>
+                        <a:t>:</a:t>
+                      </a:r>
+                      <a:endParaRPr lang="en-VN" sz="1200" kern="100">
+                        <a:effectLst/>
+                        <a:ea typeface="Calibri" panose="020F0502020204030204" pitchFamily="34" charset="0"/>
+                        <a:cs typeface="Times New Roman" panose="02020603050405020304" pitchFamily="18" charset="0"/>
+                      </a:endParaRPr>
+                    </a:p>
+                    <a:p>
+                      <a:pPr algn="ctr"/>
+                      <a:r>
+                        <a:rPr lang="vi-VN" sz="500" kern="100">
+                          <a:solidFill>
+                            <a:srgbClr val="000000"/>
+                          </a:solidFill>
+                          <a:effectLst/>
+                          <a:ea typeface="Times New Roman" panose="02020603050405020304" pitchFamily="18" charset="0"/>
+                          <a:cs typeface="Times New Roman" panose="02020603050405020304" pitchFamily="18" charset="0"/>
+                        </a:rPr>
+                        <a:t>Random initilize</a:t>
+                      </a:r>
+                      <a:endParaRPr lang="en-VN" sz="1200" kern="100">
+                        <a:effectLst/>
+                        <a:ea typeface="Calibri" panose="020F0502020204030204" pitchFamily="34" charset="0"/>
+                        <a:cs typeface="Times New Roman" panose="02020603050405020304" pitchFamily="18" charset="0"/>
+                      </a:endParaRPr>
+                    </a:p>
+                    <a:p>
+                      <a:pPr algn="ctr"/>
+                      <a:r>
+                        <a:rPr lang="vi-VN" sz="500" kern="100">
+                          <a:solidFill>
+                            <a:srgbClr val="000000"/>
+                          </a:solidFill>
+                          <a:effectLst/>
+                          <a:ea typeface="Times New Roman" panose="02020603050405020304" pitchFamily="18" charset="0"/>
+                          <a:cs typeface="Times New Roman" panose="02020603050405020304" pitchFamily="18" charset="0"/>
+                        </a:rPr>
+                        <a:t> </a:t>
+                      </a:r>
+                      <a:endParaRPr lang="en-VN" sz="1200" kern="100">
+                        <a:effectLst/>
+                        <a:ea typeface="Calibri" panose="020F0502020204030204" pitchFamily="34" charset="0"/>
+                        <a:cs typeface="Times New Roman" panose="02020603050405020304" pitchFamily="18" charset="0"/>
+                      </a:endParaRPr>
+                    </a:p>
+                  </p:txBody>
+                </p:sp>
+              </mc:Choice>
+              <mc:Fallback xmlns="">
+                <p:sp>
+                  <p:nvSpPr>
+                    <p:cNvPr id="91" name="Rectangle 90">
+                      <a:extLst>
+                        <a:ext uri="{FF2B5EF4-FFF2-40B4-BE49-F238E27FC236}">
+                          <a16:creationId xmlns:a16="http://schemas.microsoft.com/office/drawing/2014/main" id="{3CD22D66-D150-F7F4-FB92-BF156B2FB339}"/>
+                        </a:ext>
+                      </a:extLst>
+                    </p:cNvPr>
+                    <p:cNvSpPr>
+                      <a:spLocks noRot="1" noChangeAspect="1" noMove="1" noResize="1" noEditPoints="1" noAdjustHandles="1" noChangeArrowheads="1" noChangeShapeType="1" noTextEdit="1"/>
+                    </p:cNvSpPr>
+                    <p:nvPr/>
+                  </p:nvSpPr>
+                  <p:spPr>
+                    <a:xfrm>
+                      <a:off x="1132472" y="266218"/>
+                      <a:ext cx="946784" cy="567055"/>
+                    </a:xfrm>
+                    <a:prstGeom prst="rect">
+                      <a:avLst/>
+                    </a:prstGeom>
+                    <a:blipFill>
+                      <a:blip r:embed="rId12"/>
+                      <a:stretch>
+                        <a:fillRect t="-3030"/>
+                      </a:stretch>
+                    </a:blipFill>
+                    <a:ln>
+                      <a:solidFill>
+                        <a:schemeClr val="accent1"/>
+                      </a:solidFill>
+                    </a:ln>
+                  </p:spPr>
+                  <p:txBody>
+                    <a:bodyPr/>
+                    <a:lstStyle/>
+                    <a:p>
+                      <a:r>
+                        <a:rPr lang="en-VN">
+                          <a:noFill/>
+                        </a:rPr>
+                        <a:t> </a:t>
+                      </a:r>
+                    </a:p>
+                  </p:txBody>
+                </p:sp>
+              </mc:Fallback>
+            </mc:AlternateContent>
+          </p:grpSp>
+        </p:grpSp>
+      </p:grpSp>
+      <p:grpSp>
+        <p:nvGrpSpPr>
+          <p:cNvPr id="21" name="Group 20">
+            <a:extLst>
+              <a:ext uri="{FF2B5EF4-FFF2-40B4-BE49-F238E27FC236}">
+                <a16:creationId xmlns:a16="http://schemas.microsoft.com/office/drawing/2014/main" id="{BEBF6195-F7B3-B17D-60B4-A9CAC61E3E5B}"/>
+              </a:ext>
+            </a:extLst>
+          </p:cNvPr>
+          <p:cNvGrpSpPr/>
+          <p:nvPr/>
+        </p:nvGrpSpPr>
+        <p:grpSpPr>
+          <a:xfrm>
+            <a:off x="6902663" y="1841856"/>
+            <a:ext cx="4613833" cy="4169676"/>
+            <a:chOff x="0" y="0"/>
+            <a:chExt cx="2031357" cy="2349502"/>
+          </a:xfrm>
+        </p:grpSpPr>
+        <p:grpSp>
+          <p:nvGrpSpPr>
+            <p:cNvPr id="22" name="Group 21">
+              <a:extLst>
+                <a:ext uri="{FF2B5EF4-FFF2-40B4-BE49-F238E27FC236}">
+                  <a16:creationId xmlns:a16="http://schemas.microsoft.com/office/drawing/2014/main" id="{9D655543-BFD5-9733-1AD2-A836C1DC9C50}"/>
+                </a:ext>
+              </a:extLst>
+            </p:cNvPr>
+            <p:cNvGrpSpPr/>
+            <p:nvPr/>
+          </p:nvGrpSpPr>
+          <p:grpSpPr>
+            <a:xfrm>
+              <a:off x="711843" y="0"/>
+              <a:ext cx="1319514" cy="2349502"/>
+              <a:chOff x="0" y="0"/>
+              <a:chExt cx="2384385" cy="3338195"/>
+            </a:xfrm>
+          </p:grpSpPr>
+          <mc:AlternateContent xmlns:mc="http://schemas.openxmlformats.org/markup-compatibility/2006" xmlns:a14="http://schemas.microsoft.com/office/drawing/2010/main">
+            <mc:Choice Requires="a14">
+              <p:sp>
+                <p:nvSpPr>
+                  <p:cNvPr id="25" name="Rectangle 24">
+                    <a:extLst>
+                      <a:ext uri="{FF2B5EF4-FFF2-40B4-BE49-F238E27FC236}">
+                        <a16:creationId xmlns:a16="http://schemas.microsoft.com/office/drawing/2014/main" id="{8A23BF42-FE2A-4538-363E-0272C76E01AE}"/>
+                      </a:ext>
+                    </a:extLst>
+                  </p:cNvPr>
+                  <p:cNvSpPr/>
+                  <p:nvPr/>
+                </p:nvSpPr>
+                <p:spPr>
+                  <a:xfrm>
+                    <a:off x="0" y="0"/>
+                    <a:ext cx="2383790" cy="658585"/>
+                  </a:xfrm>
+                  <a:prstGeom prst="rect">
+                    <a:avLst/>
+                  </a:prstGeom>
+                  <a:ln>
+                    <a:solidFill>
+                      <a:schemeClr val="accent1"/>
+                    </a:solidFill>
+                  </a:ln>
+                </p:spPr>
+                <p:style>
+                  <a:lnRef idx="2">
+                    <a:schemeClr val="accent6"/>
+                  </a:lnRef>
+                  <a:fillRef idx="1">
+                    <a:schemeClr val="lt1"/>
+                  </a:fillRef>
+                  <a:effectRef idx="0">
+                    <a:schemeClr val="accent6"/>
+                  </a:effectRef>
+                  <a:fontRef idx="minor">
+                    <a:schemeClr val="dk1"/>
+                  </a:fontRef>
+                </p:style>
+                <p:txBody>
+                  <a:bodyPr rot="0" spcFirstLastPara="0" vert="horz" wrap="square" lIns="91440" tIns="45720" rIns="91440" bIns="45720" numCol="1" spcCol="0" rtlCol="0" fromWordArt="0" anchor="ctr" anchorCtr="0" forceAA="0" compatLnSpc="1">
+                    <a:prstTxWarp prst="textNoShape">
+                      <a:avLst/>
+                    </a:prstTxWarp>
+                    <a:noAutofit/>
+                  </a:bodyPr>
+                  <a:lstStyle/>
+                  <a:p>
+                    <a:pPr algn="ctr"/>
+                    <a:r>
+                      <a:rPr lang="en-US" sz="500" kern="100">
+                        <a:effectLst/>
+                        <a:ea typeface="Calibri" panose="020F0502020204030204" pitchFamily="34" charset="0"/>
+                        <a:cs typeface="Times New Roman" panose="02020603050405020304" pitchFamily="18" charset="0"/>
+                      </a:rPr>
+                      <a:t>Train dataset of current task </a:t>
+                    </a:r>
+                    <a14:m>
+                      <m:oMath xmlns:m="http://schemas.openxmlformats.org/officeDocument/2006/math">
+                        <m:sSup>
+                          <m:sSupPr>
+                            <m:ctrlPr>
+                              <a:rPr lang="en-VN" sz="500" i="1" kern="100">
+                                <a:effectLst/>
+                                <a:latin typeface="Cambria Math" panose="02040503050406030204" pitchFamily="18" charset="0"/>
+                                <a:ea typeface="Calibri" panose="020F0502020204030204" pitchFamily="34" charset="0"/>
+                                <a:cs typeface="Times New Roman" panose="02020603050405020304" pitchFamily="18" charset="0"/>
+                              </a:rPr>
+                            </m:ctrlPr>
+                          </m:sSupPr>
+                          <m:e>
+                            <m:r>
+                              <a:rPr lang="en-US" sz="500" i="1" kern="100">
+                                <a:effectLst/>
+                                <a:latin typeface="Cambria Math" panose="02040503050406030204" pitchFamily="18" charset="0"/>
+                                <a:ea typeface="Calibri" panose="020F0502020204030204" pitchFamily="34" charset="0"/>
+                                <a:cs typeface="Times New Roman" panose="02020603050405020304" pitchFamily="18" charset="0"/>
+                              </a:rPr>
+                              <m:t>𝒟</m:t>
+                            </m:r>
+                          </m:e>
+                          <m:sup>
+                            <m:r>
+                              <a:rPr lang="en-US" sz="500" i="1" kern="100">
+                                <a:effectLst/>
+                                <a:latin typeface="Cambria Math" panose="02040503050406030204" pitchFamily="18" charset="0"/>
+                                <a:ea typeface="Calibri" panose="020F0502020204030204" pitchFamily="34" charset="0"/>
+                                <a:cs typeface="Times New Roman" panose="02020603050405020304" pitchFamily="18" charset="0"/>
+                              </a:rPr>
+                              <m:t>3</m:t>
+                            </m:r>
+                          </m:sup>
+                        </m:sSup>
+                        <m:r>
+                          <a:rPr lang="en-US" sz="500" i="1" kern="100">
+                            <a:effectLst/>
+                            <a:latin typeface="Cambria Math" panose="02040503050406030204" pitchFamily="18" charset="0"/>
+                            <a:ea typeface="Calibri" panose="020F0502020204030204" pitchFamily="34" charset="0"/>
+                            <a:cs typeface="Times New Roman" panose="02020603050405020304" pitchFamily="18" charset="0"/>
+                          </a:rPr>
+                          <m:t> </m:t>
+                        </m:r>
+                        <m:r>
+                          <a:rPr lang="en-US" sz="500" kern="100">
+                            <a:effectLst/>
+                            <a:latin typeface="Cambria Math" panose="02040503050406030204" pitchFamily="18" charset="0"/>
+                            <a:ea typeface="Calibri" panose="020F0502020204030204" pitchFamily="34" charset="0"/>
+                            <a:cs typeface="Times New Roman" panose="02020603050405020304" pitchFamily="18" charset="0"/>
+                          </a:rPr>
+                          <m:t>∪ </m:t>
+                        </m:r>
+                        <m:r>
+                          <a:rPr lang="en-US" sz="500" i="1" kern="100">
+                            <a:effectLst/>
+                            <a:latin typeface="Cambria Math" panose="02040503050406030204" pitchFamily="18" charset="0"/>
+                            <a:ea typeface="Times New Roman" panose="02020603050405020304" pitchFamily="18" charset="0"/>
+                            <a:cs typeface="Times New Roman" panose="02020603050405020304" pitchFamily="18" charset="0"/>
+                          </a:rPr>
+                          <m:t>ℇ</m:t>
+                        </m:r>
+                      </m:oMath>
+                    </a14:m>
+                    <a:endParaRPr lang="en-VN" sz="1200" kern="100">
+                      <a:effectLst/>
+                      <a:ea typeface="Calibri" panose="020F0502020204030204" pitchFamily="34" charset="0"/>
+                      <a:cs typeface="Times New Roman" panose="02020603050405020304" pitchFamily="18" charset="0"/>
+                    </a:endParaRPr>
+                  </a:p>
+                </p:txBody>
+              </p:sp>
+            </mc:Choice>
+            <mc:Fallback xmlns="">
+              <p:sp>
+                <p:nvSpPr>
+                  <p:cNvPr id="74" name="Rectangle 73">
+                    <a:extLst>
+                      <a:ext uri="{FF2B5EF4-FFF2-40B4-BE49-F238E27FC236}">
+                        <a16:creationId xmlns:a16="http://schemas.microsoft.com/office/drawing/2014/main" id="{FAE9BF7F-22F9-3271-D2F6-288B1D41D015}"/>
+                      </a:ext>
+                    </a:extLst>
+                  </p:cNvPr>
+                  <p:cNvSpPr>
+                    <a:spLocks noRot="1" noChangeAspect="1" noMove="1" noResize="1" noEditPoints="1" noAdjustHandles="1" noChangeArrowheads="1" noChangeShapeType="1" noTextEdit="1"/>
+                  </p:cNvSpPr>
+                  <p:nvPr/>
+                </p:nvSpPr>
+                <p:spPr>
+                  <a:xfrm>
+                    <a:off x="0" y="0"/>
+                    <a:ext cx="2383790" cy="658585"/>
+                  </a:xfrm>
+                  <a:prstGeom prst="rect">
+                    <a:avLst/>
+                  </a:prstGeom>
+                  <a:blipFill>
+                    <a:blip r:embed="rId13"/>
+                    <a:stretch>
+                      <a:fillRect/>
+                    </a:stretch>
+                  </a:blipFill>
+                  <a:ln>
+                    <a:solidFill>
+                      <a:schemeClr val="accent1"/>
+                    </a:solidFill>
+                  </a:ln>
+                </p:spPr>
+                <p:txBody>
+                  <a:bodyPr/>
+                  <a:lstStyle/>
+                  <a:p>
+                    <a:r>
+                      <a:rPr lang="en-VN">
+                        <a:noFill/>
+                      </a:rPr>
+                      <a:t> </a:t>
+                    </a:r>
+                  </a:p>
+                </p:txBody>
+              </p:sp>
+            </mc:Fallback>
+          </mc:AlternateContent>
+          <mc:AlternateContent xmlns:mc="http://schemas.openxmlformats.org/markup-compatibility/2006" xmlns:a14="http://schemas.microsoft.com/office/drawing/2010/main">
+            <mc:Choice Requires="a14">
+              <p:sp>
+                <p:nvSpPr>
+                  <p:cNvPr id="26" name="Rectangle 25">
+                    <a:extLst>
+                      <a:ext uri="{FF2B5EF4-FFF2-40B4-BE49-F238E27FC236}">
+                        <a16:creationId xmlns:a16="http://schemas.microsoft.com/office/drawing/2014/main" id="{C3B8934E-F471-61F2-1C64-58A582944FB7}"/>
+                      </a:ext>
+                    </a:extLst>
+                  </p:cNvPr>
+                  <p:cNvSpPr/>
+                  <p:nvPr/>
+                </p:nvSpPr>
+                <p:spPr>
+                  <a:xfrm>
+                    <a:off x="0" y="2789498"/>
+                    <a:ext cx="2383790" cy="548697"/>
+                  </a:xfrm>
+                  <a:prstGeom prst="rect">
+                    <a:avLst/>
+                  </a:prstGeom>
+                  <a:ln>
+                    <a:solidFill>
+                      <a:schemeClr val="accent1"/>
+                    </a:solidFill>
+                  </a:ln>
+                </p:spPr>
+                <p:style>
+                  <a:lnRef idx="2">
+                    <a:schemeClr val="accent6"/>
+                  </a:lnRef>
+                  <a:fillRef idx="1">
+                    <a:schemeClr val="lt1"/>
+                  </a:fillRef>
+                  <a:effectRef idx="0">
+                    <a:schemeClr val="accent6"/>
+                  </a:effectRef>
+                  <a:fontRef idx="minor">
+                    <a:schemeClr val="dk1"/>
+                  </a:fontRef>
+                </p:style>
+                <p:txBody>
+                  <a:bodyPr rot="0" spcFirstLastPara="0" vert="horz" wrap="square" lIns="91440" tIns="45720" rIns="91440" bIns="45720" numCol="1" spcCol="0" rtlCol="0" fromWordArt="0" anchor="ctr" anchorCtr="0" forceAA="0" compatLnSpc="1">
+                    <a:prstTxWarp prst="textNoShape">
+                      <a:avLst/>
+                    </a:prstTxWarp>
+                    <a:noAutofit/>
+                  </a:bodyPr>
+                  <a:lstStyle/>
+                  <a:p>
+                    <a:pPr algn="ctr"/>
+                    <a:r>
+                      <a:rPr lang="en-US" sz="500" kern="100">
+                        <a:effectLst/>
+                        <a:ea typeface="Calibri" panose="020F0502020204030204" pitchFamily="34" charset="0"/>
+                        <a:cs typeface="Times New Roman" panose="02020603050405020304" pitchFamily="18" charset="0"/>
+                      </a:rPr>
+                      <a:t>Exemplar set  </a:t>
+                    </a:r>
+                    <a14:m>
+                      <m:oMath xmlns:m="http://schemas.openxmlformats.org/officeDocument/2006/math">
+                        <m:r>
+                          <a:rPr lang="en-US" sz="500" i="1" kern="100">
+                            <a:effectLst/>
+                            <a:latin typeface="Cambria Math" panose="02040503050406030204" pitchFamily="18" charset="0"/>
+                            <a:ea typeface="Times New Roman" panose="02020603050405020304" pitchFamily="18" charset="0"/>
+                            <a:cs typeface="Times New Roman" panose="02020603050405020304" pitchFamily="18" charset="0"/>
+                          </a:rPr>
+                          <m:t>ℇ</m:t>
+                        </m:r>
+                      </m:oMath>
+                    </a14:m>
+                    <a:endParaRPr lang="en-VN" sz="1200" kern="100">
+                      <a:effectLst/>
+                      <a:ea typeface="Calibri" panose="020F0502020204030204" pitchFamily="34" charset="0"/>
+                      <a:cs typeface="Times New Roman" panose="02020603050405020304" pitchFamily="18" charset="0"/>
+                    </a:endParaRPr>
+                  </a:p>
+                </p:txBody>
+              </p:sp>
+            </mc:Choice>
+            <mc:Fallback xmlns="">
+              <p:sp>
+                <p:nvSpPr>
+                  <p:cNvPr id="75" name="Rectangle 74">
+                    <a:extLst>
+                      <a:ext uri="{FF2B5EF4-FFF2-40B4-BE49-F238E27FC236}">
+                        <a16:creationId xmlns:a16="http://schemas.microsoft.com/office/drawing/2014/main" id="{88FED996-58D5-682C-4A39-F8D927CA6CEF}"/>
+                      </a:ext>
+                    </a:extLst>
+                  </p:cNvPr>
+                  <p:cNvSpPr>
+                    <a:spLocks noRot="1" noChangeAspect="1" noMove="1" noResize="1" noEditPoints="1" noAdjustHandles="1" noChangeArrowheads="1" noChangeShapeType="1" noTextEdit="1"/>
+                  </p:cNvSpPr>
+                  <p:nvPr/>
+                </p:nvSpPr>
+                <p:spPr>
+                  <a:xfrm>
+                    <a:off x="0" y="2789498"/>
+                    <a:ext cx="2383790" cy="548697"/>
+                  </a:xfrm>
+                  <a:prstGeom prst="rect">
+                    <a:avLst/>
+                  </a:prstGeom>
+                  <a:blipFill>
+                    <a:blip r:embed="rId14"/>
+                    <a:stretch>
+                      <a:fillRect/>
+                    </a:stretch>
+                  </a:blipFill>
+                  <a:ln>
+                    <a:solidFill>
+                      <a:schemeClr val="accent1"/>
+                    </a:solidFill>
+                  </a:ln>
+                </p:spPr>
+                <p:txBody>
+                  <a:bodyPr/>
+                  <a:lstStyle/>
+                  <a:p>
+                    <a:r>
+                      <a:rPr lang="en-VN">
+                        <a:noFill/>
+                      </a:rPr>
+                      <a:t> </a:t>
+                    </a:r>
+                  </a:p>
+                </p:txBody>
+              </p:sp>
+            </mc:Fallback>
+          </mc:AlternateContent>
+          <p:grpSp>
+            <p:nvGrpSpPr>
+              <p:cNvPr id="27" name="Group 26">
+                <a:extLst>
+                  <a:ext uri="{FF2B5EF4-FFF2-40B4-BE49-F238E27FC236}">
+                    <a16:creationId xmlns:a16="http://schemas.microsoft.com/office/drawing/2014/main" id="{FADE09EE-C35E-4D12-25F3-0D958EDB3C61}"/>
+                  </a:ext>
+                </a:extLst>
+              </p:cNvPr>
+              <p:cNvGrpSpPr/>
+              <p:nvPr/>
+            </p:nvGrpSpPr>
+            <p:grpSpPr>
+              <a:xfrm>
+                <a:off x="0" y="798653"/>
+                <a:ext cx="2384385" cy="1822559"/>
+                <a:chOff x="0" y="0"/>
+                <a:chExt cx="2384385" cy="1822559"/>
+              </a:xfrm>
+            </p:grpSpPr>
+            <p:sp>
+              <p:nvSpPr>
+                <p:cNvPr id="28" name="Rectangle 27">
+                  <a:extLst>
+                    <a:ext uri="{FF2B5EF4-FFF2-40B4-BE49-F238E27FC236}">
+                      <a16:creationId xmlns:a16="http://schemas.microsoft.com/office/drawing/2014/main" id="{C4C7A3BD-E605-661E-1B29-B6E3FB9AF6CA}"/>
+                    </a:ext>
+                  </a:extLst>
+                </p:cNvPr>
+                <p:cNvSpPr/>
+                <p:nvPr/>
+              </p:nvSpPr>
+              <p:spPr>
+                <a:xfrm>
+                  <a:off x="0" y="0"/>
+                  <a:ext cx="2384385" cy="1822559"/>
+                </a:xfrm>
+                <a:prstGeom prst="rect">
+                  <a:avLst/>
+                </a:prstGeom>
+                <a:ln>
+                  <a:solidFill>
+                    <a:schemeClr val="accent1"/>
+                  </a:solidFill>
+                </a:ln>
+              </p:spPr>
+              <p:style>
+                <a:lnRef idx="2">
+                  <a:schemeClr val="accent6"/>
+                </a:lnRef>
+                <a:fillRef idx="1">
+                  <a:schemeClr val="lt1"/>
+                </a:fillRef>
+                <a:effectRef idx="0">
+                  <a:schemeClr val="accent6"/>
+                </a:effectRef>
+                <a:fontRef idx="minor">
+                  <a:schemeClr val="dk1"/>
+                </a:fontRef>
+              </p:style>
+              <p:txBody>
+                <a:bodyPr rot="0" spcFirstLastPara="0" vert="horz" wrap="square" lIns="91440" tIns="45720" rIns="91440" bIns="45720" numCol="1" spcCol="0" rtlCol="0" fromWordArt="0" anchor="t" anchorCtr="0" forceAA="0" compatLnSpc="1">
+                  <a:prstTxWarp prst="textNoShape">
+                    <a:avLst/>
+                  </a:prstTxWarp>
+                  <a:noAutofit/>
+                </a:bodyPr>
+                <a:lstStyle/>
+                <a:p>
+                  <a:r>
+                    <a:rPr lang="vi-VN" sz="500" kern="100">
+                      <a:solidFill>
+                        <a:srgbClr val="000000"/>
+                      </a:solidFill>
+                      <a:effectLst/>
+                      <a:ea typeface="Times New Roman" panose="02020603050405020304" pitchFamily="18" charset="0"/>
+                      <a:cs typeface="Times New Roman" panose="02020603050405020304" pitchFamily="18" charset="0"/>
+                    </a:rPr>
+                    <a:t>  </a:t>
+                  </a:r>
+                  <a:endParaRPr lang="en-VN" sz="1200" kern="100">
+                    <a:effectLst/>
+                    <a:ea typeface="Calibri" panose="020F0502020204030204" pitchFamily="34" charset="0"/>
+                    <a:cs typeface="Times New Roman" panose="02020603050405020304" pitchFamily="18" charset="0"/>
+                  </a:endParaRPr>
+                </a:p>
+                <a:p>
+                  <a:pPr algn="ctr"/>
+                  <a:r>
+                    <a:rPr lang="en-US" sz="500" kern="100">
+                      <a:effectLst/>
+                      <a:ea typeface="Calibri" panose="020F0502020204030204" pitchFamily="34" charset="0"/>
+                      <a:cs typeface="Times New Roman" panose="02020603050405020304" pitchFamily="18" charset="0"/>
+                    </a:rPr>
+                    <a:t> </a:t>
+                  </a:r>
+                  <a:endParaRPr lang="en-VN" sz="1200" kern="100">
+                    <a:effectLst/>
+                    <a:ea typeface="Calibri" panose="020F0502020204030204" pitchFamily="34" charset="0"/>
+                    <a:cs typeface="Times New Roman" panose="02020603050405020304" pitchFamily="18" charset="0"/>
+                  </a:endParaRPr>
+                </a:p>
+                <a:p>
+                  <a:pPr algn="ctr"/>
+                  <a:r>
+                    <a:rPr lang="en-US" sz="500" kern="100">
+                      <a:effectLst/>
+                      <a:ea typeface="Calibri" panose="020F0502020204030204" pitchFamily="34" charset="0"/>
+                      <a:cs typeface="Times New Roman" panose="02020603050405020304" pitchFamily="18" charset="0"/>
+                    </a:rPr>
+                    <a:t> </a:t>
+                  </a:r>
+                  <a:endParaRPr lang="en-VN" sz="1200" kern="100">
+                    <a:effectLst/>
+                    <a:ea typeface="Calibri" panose="020F0502020204030204" pitchFamily="34" charset="0"/>
+                    <a:cs typeface="Times New Roman" panose="02020603050405020304" pitchFamily="18" charset="0"/>
+                  </a:endParaRPr>
+                </a:p>
+              </p:txBody>
+            </p:sp>
+            <mc:AlternateContent xmlns:mc="http://schemas.openxmlformats.org/markup-compatibility/2006" xmlns:a14="http://schemas.microsoft.com/office/drawing/2010/main">
+              <mc:Choice Requires="a14">
+                <p:sp>
+                  <p:nvSpPr>
+                    <p:cNvPr id="29" name="Rectangle 28">
+                      <a:extLst>
+                        <a:ext uri="{FF2B5EF4-FFF2-40B4-BE49-F238E27FC236}">
+                          <a16:creationId xmlns:a16="http://schemas.microsoft.com/office/drawing/2014/main" id="{5AAF68A6-4C34-B190-619F-3ECB4AB4FE6F}"/>
+                        </a:ext>
+                      </a:extLst>
+                    </p:cNvPr>
+                    <p:cNvSpPr/>
+                    <p:nvPr/>
+                  </p:nvSpPr>
+                  <p:spPr>
+                    <a:xfrm>
+                      <a:off x="92598" y="1267428"/>
+                      <a:ext cx="2172970" cy="420370"/>
+                    </a:xfrm>
+                    <a:prstGeom prst="rect">
+                      <a:avLst/>
+                    </a:prstGeom>
+                    <a:ln>
+                      <a:solidFill>
+                        <a:schemeClr val="accent1"/>
+                      </a:solidFill>
+                    </a:ln>
+                  </p:spPr>
+                  <p:style>
+                    <a:lnRef idx="2">
+                      <a:schemeClr val="accent6"/>
+                    </a:lnRef>
+                    <a:fillRef idx="1">
+                      <a:schemeClr val="lt1"/>
+                    </a:fillRef>
+                    <a:effectRef idx="0">
+                      <a:schemeClr val="accent6"/>
+                    </a:effectRef>
+                    <a:fontRef idx="minor">
+                      <a:schemeClr val="dk1"/>
+                    </a:fontRef>
+                  </p:style>
+                  <p:txBody>
+                    <a:bodyPr rot="0" spcFirstLastPara="0" vert="horz" wrap="square" lIns="91440" tIns="45720" rIns="91440" bIns="45720" numCol="1" spcCol="0" rtlCol="0" fromWordArt="0" anchor="ctr" anchorCtr="0" forceAA="0" compatLnSpc="1">
+                      <a:prstTxWarp prst="textNoShape">
+                        <a:avLst/>
+                      </a:prstTxWarp>
+                      <a:noAutofit/>
+                    </a:bodyPr>
+                    <a:lstStyle/>
+                    <a:p>
+                      <a:pPr algn="ctr"/>
+                      <a:r>
+                        <a:rPr lang="en-US" sz="500" kern="100">
+                          <a:solidFill>
+                            <a:srgbClr val="000000"/>
+                          </a:solidFill>
+                          <a:effectLst/>
+                          <a:ea typeface="Calibri" panose="020F0502020204030204" pitchFamily="34" charset="0"/>
+                          <a:cs typeface="Times New Roman" panose="02020603050405020304" pitchFamily="18" charset="0"/>
+                        </a:rPr>
+                        <a:t>Classifier </a:t>
+                      </a:r>
+                      <a14:m>
+                        <m:oMath xmlns:m="http://schemas.openxmlformats.org/officeDocument/2006/math">
+                          <m:sSub>
+                            <m:sSubPr>
+                              <m:ctrlPr>
+                                <a:rPr lang="en-VN" sz="500" i="1" kern="100">
+                                  <a:solidFill>
+                                    <a:srgbClr val="000000"/>
+                                  </a:solidFill>
+                                  <a:effectLst/>
+                                  <a:latin typeface="Cambria Math" panose="02040503050406030204" pitchFamily="18" charset="0"/>
+                                  <a:ea typeface="Times New Roman" panose="02020603050405020304" pitchFamily="18" charset="0"/>
+                                  <a:cs typeface="Times New Roman" panose="02020603050405020304" pitchFamily="18" charset="0"/>
+                                </a:rPr>
+                              </m:ctrlPr>
+                            </m:sSubPr>
+                            <m:e>
+                              <m:r>
+                                <a:rPr lang="vi-VN" sz="500" i="1" kern="100">
+                                  <a:solidFill>
+                                    <a:srgbClr val="000000"/>
+                                  </a:solidFill>
+                                  <a:effectLst/>
+                                  <a:latin typeface="Cambria Math" panose="02040503050406030204" pitchFamily="18" charset="0"/>
+                                  <a:ea typeface="Times New Roman" panose="02020603050405020304" pitchFamily="18" charset="0"/>
+                                  <a:cs typeface="Times New Roman" panose="02020603050405020304" pitchFamily="18" charset="0"/>
+                                </a:rPr>
+                                <m:t>𝐹</m:t>
+                              </m:r>
+                            </m:e>
+                            <m:sub>
+                              <m:r>
+                                <a:rPr lang="vi-VN" sz="500" i="1" kern="100">
+                                  <a:solidFill>
+                                    <a:srgbClr val="000000"/>
+                                  </a:solidFill>
+                                  <a:effectLst/>
+                                  <a:latin typeface="Cambria Math" panose="02040503050406030204" pitchFamily="18" charset="0"/>
+                                  <a:ea typeface="Times New Roman" panose="02020603050405020304" pitchFamily="18" charset="0"/>
+                                  <a:cs typeface="Times New Roman" panose="02020603050405020304" pitchFamily="18" charset="0"/>
+                                </a:rPr>
+                                <m:t>3</m:t>
+                              </m:r>
+                            </m:sub>
+                          </m:sSub>
+                        </m:oMath>
+                      </a14:m>
+                      <a:r>
+                        <a:rPr lang="vi-VN" sz="500" kern="100">
+                          <a:solidFill>
+                            <a:srgbClr val="000000"/>
+                          </a:solidFill>
+                          <a:effectLst/>
+                          <a:ea typeface="Times New Roman" panose="02020603050405020304" pitchFamily="18" charset="0"/>
+                          <a:cs typeface="Times New Roman" panose="02020603050405020304" pitchFamily="18" charset="0"/>
+                        </a:rPr>
+                        <a:t>:</a:t>
+                      </a:r>
+                      <a:endParaRPr lang="en-VN" sz="1200" kern="100">
+                        <a:effectLst/>
+                        <a:ea typeface="Calibri" panose="020F0502020204030204" pitchFamily="34" charset="0"/>
+                        <a:cs typeface="Times New Roman" panose="02020603050405020304" pitchFamily="18" charset="0"/>
+                      </a:endParaRPr>
+                    </a:p>
+                    <a:p>
+                      <a:pPr algn="ctr"/>
+                      <a:r>
+                        <a:rPr lang="vi-VN" sz="500" kern="100">
+                          <a:solidFill>
+                            <a:srgbClr val="000000"/>
+                          </a:solidFill>
+                          <a:effectLst/>
+                          <a:ea typeface="Times New Roman" panose="02020603050405020304" pitchFamily="18" charset="0"/>
+                          <a:cs typeface="Times New Roman" panose="02020603050405020304" pitchFamily="18" charset="0"/>
+                        </a:rPr>
+                        <a:t>Random initilize</a:t>
+                      </a:r>
+                      <a:endParaRPr lang="en-VN" sz="1200" kern="100">
+                        <a:effectLst/>
+                        <a:ea typeface="Calibri" panose="020F0502020204030204" pitchFamily="34" charset="0"/>
+                        <a:cs typeface="Times New Roman" panose="02020603050405020304" pitchFamily="18" charset="0"/>
+                      </a:endParaRPr>
+                    </a:p>
+                  </p:txBody>
+                </p:sp>
+              </mc:Choice>
+              <mc:Fallback xmlns="">
+                <p:sp>
+                  <p:nvSpPr>
+                    <p:cNvPr id="78" name="Rectangle 77">
+                      <a:extLst>
+                        <a:ext uri="{FF2B5EF4-FFF2-40B4-BE49-F238E27FC236}">
+                          <a16:creationId xmlns:a16="http://schemas.microsoft.com/office/drawing/2014/main" id="{9870ECD1-FEBB-B256-4BD4-AE2D8BA83383}"/>
+                        </a:ext>
+                      </a:extLst>
+                    </p:cNvPr>
+                    <p:cNvSpPr>
+                      <a:spLocks noRot="1" noChangeAspect="1" noMove="1" noResize="1" noEditPoints="1" noAdjustHandles="1" noChangeArrowheads="1" noChangeShapeType="1" noTextEdit="1"/>
+                    </p:cNvSpPr>
+                    <p:nvPr/>
+                  </p:nvSpPr>
+                  <p:spPr>
+                    <a:xfrm>
+                      <a:off x="92598" y="1267428"/>
+                      <a:ext cx="2172970" cy="420370"/>
+                    </a:xfrm>
+                    <a:prstGeom prst="rect">
+                      <a:avLst/>
+                    </a:prstGeom>
+                    <a:blipFill>
+                      <a:blip r:embed="rId15"/>
+                      <a:stretch>
+                        <a:fillRect/>
+                      </a:stretch>
+                    </a:blipFill>
+                    <a:ln>
+                      <a:solidFill>
+                        <a:schemeClr val="accent1"/>
+                      </a:solidFill>
+                    </a:ln>
+                  </p:spPr>
+                  <p:txBody>
+                    <a:bodyPr/>
+                    <a:lstStyle/>
+                    <a:p>
+                      <a:r>
+                        <a:rPr lang="en-VN">
+                          <a:noFill/>
+                        </a:rPr>
+                        <a:t> </a:t>
+                      </a:r>
+                    </a:p>
+                  </p:txBody>
+                </p:sp>
+              </mc:Fallback>
+            </mc:AlternateContent>
+            <p:grpSp>
+              <p:nvGrpSpPr>
+                <p:cNvPr id="30" name="Group 29">
+                  <a:extLst>
+                    <a:ext uri="{FF2B5EF4-FFF2-40B4-BE49-F238E27FC236}">
+                      <a16:creationId xmlns:a16="http://schemas.microsoft.com/office/drawing/2014/main" id="{91D68117-DF77-88D5-DA72-CFDB8F17F38F}"/>
+                    </a:ext>
+                  </a:extLst>
+                </p:cNvPr>
+                <p:cNvGrpSpPr/>
+                <p:nvPr/>
+              </p:nvGrpSpPr>
+              <p:grpSpPr>
+                <a:xfrm>
+                  <a:off x="92598" y="162045"/>
+                  <a:ext cx="2173524" cy="977725"/>
+                  <a:chOff x="0" y="0"/>
+                  <a:chExt cx="2173524" cy="977725"/>
+                </a:xfrm>
+              </p:grpSpPr>
+              <mc:AlternateContent xmlns:mc="http://schemas.openxmlformats.org/markup-compatibility/2006" xmlns:a14="http://schemas.microsoft.com/office/drawing/2010/main">
+                <mc:Choice Requires="a14">
+                  <p:sp>
+                    <p:nvSpPr>
+                      <p:cNvPr id="31" name="Rectangle 30">
+                        <a:extLst>
+                          <a:ext uri="{FF2B5EF4-FFF2-40B4-BE49-F238E27FC236}">
+                            <a16:creationId xmlns:a16="http://schemas.microsoft.com/office/drawing/2014/main" id="{D9C2A69E-6A0B-F56E-7279-F40550039607}"/>
+                          </a:ext>
+                        </a:extLst>
+                      </p:cNvPr>
+                      <p:cNvSpPr/>
+                      <p:nvPr/>
+                    </p:nvSpPr>
+                    <p:spPr>
+                      <a:xfrm>
+                        <a:off x="0" y="0"/>
+                        <a:ext cx="2173524" cy="977725"/>
+                      </a:xfrm>
+                      <a:prstGeom prst="rect">
+                        <a:avLst/>
+                      </a:prstGeom>
+                      <a:ln>
+                        <a:solidFill>
+                          <a:schemeClr val="accent1"/>
+                        </a:solidFill>
+                      </a:ln>
+                    </p:spPr>
+                    <p:style>
+                      <a:lnRef idx="2">
+                        <a:schemeClr val="accent6"/>
+                      </a:lnRef>
+                      <a:fillRef idx="1">
+                        <a:schemeClr val="lt1"/>
+                      </a:fillRef>
+                      <a:effectRef idx="0">
+                        <a:schemeClr val="accent6"/>
+                      </a:effectRef>
+                      <a:fontRef idx="minor">
+                        <a:schemeClr val="dk1"/>
+                      </a:fontRef>
+                    </p:style>
+                    <p:txBody>
+                      <a:bodyPr rot="0" spcFirstLastPara="0" vert="horz" wrap="square" lIns="91440" tIns="45720" rIns="91440" bIns="45720" numCol="1" spcCol="0" rtlCol="0" fromWordArt="0" anchor="t" anchorCtr="0" forceAA="0" compatLnSpc="1">
+                        <a:prstTxWarp prst="textNoShape">
+                          <a:avLst/>
+                        </a:prstTxWarp>
+                        <a:noAutofit/>
+                      </a:bodyPr>
+                      <a:lstStyle/>
+                      <a:p>
+                        <a14:m>
+                          <m:oMath xmlns:m="http://schemas.openxmlformats.org/officeDocument/2006/math">
+                            <m:sSub>
+                              <m:sSubPr>
+                                <m:ctrlPr>
+                                  <a:rPr lang="en-VN" sz="500" i="1" kern="100">
+                                    <a:solidFill>
+                                      <a:srgbClr val="000000"/>
+                                    </a:solidFill>
+                                    <a:effectLst/>
+                                    <a:latin typeface="Cambria Math" panose="02040503050406030204" pitchFamily="18" charset="0"/>
+                                    <a:ea typeface="Times New Roman" panose="02020603050405020304" pitchFamily="18" charset="0"/>
+                                    <a:cs typeface="Times New Roman" panose="02020603050405020304" pitchFamily="18" charset="0"/>
+                                  </a:rPr>
+                                </m:ctrlPr>
+                              </m:sSubPr>
+                              <m:e>
+                                <m:r>
+                                  <m:rPr>
+                                    <m:sty m:val="p"/>
+                                  </m:rPr>
+                                  <a:rPr lang="vi-VN" sz="500" kern="100">
+                                    <a:solidFill>
+                                      <a:srgbClr val="000000"/>
+                                    </a:solidFill>
+                                    <a:effectLst/>
+                                    <a:latin typeface="Cambria Math" panose="02040503050406030204" pitchFamily="18" charset="0"/>
+                                    <a:ea typeface="Times New Roman" panose="02020603050405020304" pitchFamily="18" charset="0"/>
+                                    <a:cs typeface="Times New Roman" panose="02020603050405020304" pitchFamily="18" charset="0"/>
+                                  </a:rPr>
+                                  <m:t>Φ</m:t>
+                                </m:r>
+                              </m:e>
+                              <m:sub>
+                                <m:r>
+                                  <a:rPr lang="vi-VN" sz="500" i="1" kern="100">
+                                    <a:solidFill>
+                                      <a:srgbClr val="000000"/>
+                                    </a:solidFill>
+                                    <a:effectLst/>
+                                    <a:latin typeface="Cambria Math" panose="02040503050406030204" pitchFamily="18" charset="0"/>
+                                    <a:ea typeface="Times New Roman" panose="02020603050405020304" pitchFamily="18" charset="0"/>
+                                    <a:cs typeface="Times New Roman" panose="02020603050405020304" pitchFamily="18" charset="0"/>
+                                  </a:rPr>
+                                  <m:t>3</m:t>
+                                </m:r>
+                              </m:sub>
+                            </m:sSub>
+                            <m:r>
+                              <a:rPr lang="vi-VN" sz="500" i="1" kern="100">
+                                <a:solidFill>
+                                  <a:srgbClr val="000000"/>
+                                </a:solidFill>
+                                <a:effectLst/>
+                                <a:latin typeface="Cambria Math" panose="02040503050406030204" pitchFamily="18" charset="0"/>
+                                <a:ea typeface="Times New Roman" panose="02020603050405020304" pitchFamily="18" charset="0"/>
+                                <a:cs typeface="Times New Roman" panose="02020603050405020304" pitchFamily="18" charset="0"/>
+                              </a:rPr>
+                              <m:t> = </m:t>
+                            </m:r>
+                            <m:d>
+                              <m:dPr>
+                                <m:begChr m:val="["/>
+                                <m:endChr m:val="]"/>
+                                <m:ctrlPr>
+                                  <a:rPr lang="en-VN" sz="500" i="1" kern="100">
+                                    <a:solidFill>
+                                      <a:srgbClr val="000000"/>
+                                    </a:solidFill>
+                                    <a:effectLst/>
+                                    <a:latin typeface="Cambria Math" panose="02040503050406030204" pitchFamily="18" charset="0"/>
+                                    <a:ea typeface="Times New Roman" panose="02020603050405020304" pitchFamily="18" charset="0"/>
+                                    <a:cs typeface="Times New Roman" panose="02020603050405020304" pitchFamily="18" charset="0"/>
+                                  </a:rPr>
+                                </m:ctrlPr>
+                              </m:dPr>
+                              <m:e>
+                                <m:sSub>
+                                  <m:sSubPr>
+                                    <m:ctrlPr>
+                                      <a:rPr lang="en-VN" sz="500" i="1" kern="100">
+                                        <a:solidFill>
+                                          <a:srgbClr val="000000"/>
+                                        </a:solidFill>
+                                        <a:effectLst/>
+                                        <a:latin typeface="Cambria Math" panose="02040503050406030204" pitchFamily="18" charset="0"/>
+                                        <a:ea typeface="Times New Roman" panose="02020603050405020304" pitchFamily="18" charset="0"/>
+                                        <a:cs typeface="Times New Roman" panose="02020603050405020304" pitchFamily="18" charset="0"/>
+                                      </a:rPr>
+                                    </m:ctrlPr>
+                                  </m:sSubPr>
+                                  <m:e>
+                                    <m:r>
+                                      <m:rPr>
+                                        <m:sty m:val="p"/>
+                                      </m:rPr>
+                                      <a:rPr lang="vi-VN" sz="500" kern="100">
+                                        <a:solidFill>
+                                          <a:srgbClr val="000000"/>
+                                        </a:solidFill>
+                                        <a:effectLst/>
+                                        <a:latin typeface="Cambria Math" panose="02040503050406030204" pitchFamily="18" charset="0"/>
+                                        <a:ea typeface="Times New Roman" panose="02020603050405020304" pitchFamily="18" charset="0"/>
+                                        <a:cs typeface="Times New Roman" panose="02020603050405020304" pitchFamily="18" charset="0"/>
+                                      </a:rPr>
+                                      <m:t>Φ</m:t>
+                                    </m:r>
+                                  </m:e>
+                                  <m:sub>
+                                    <m:r>
+                                      <a:rPr lang="vi-VN" sz="500" i="1" kern="100">
+                                        <a:solidFill>
+                                          <a:srgbClr val="000000"/>
+                                        </a:solidFill>
+                                        <a:effectLst/>
+                                        <a:latin typeface="Cambria Math" panose="02040503050406030204" pitchFamily="18" charset="0"/>
+                                        <a:ea typeface="Times New Roman" panose="02020603050405020304" pitchFamily="18" charset="0"/>
+                                        <a:cs typeface="Times New Roman" panose="02020603050405020304" pitchFamily="18" charset="0"/>
+                                      </a:rPr>
+                                      <m:t>2</m:t>
+                                    </m:r>
+                                  </m:sub>
+                                </m:sSub>
+                                <m:r>
+                                  <a:rPr lang="vi-VN" sz="500" i="1" kern="100">
+                                    <a:solidFill>
+                                      <a:srgbClr val="000000"/>
+                                    </a:solidFill>
+                                    <a:effectLst/>
+                                    <a:latin typeface="Cambria Math" panose="02040503050406030204" pitchFamily="18" charset="0"/>
+                                    <a:ea typeface="Times New Roman" panose="02020603050405020304" pitchFamily="18" charset="0"/>
+                                    <a:cs typeface="Times New Roman" panose="02020603050405020304" pitchFamily="18" charset="0"/>
+                                  </a:rPr>
+                                  <m:t> ,  </m:t>
+                                </m:r>
+                                <m:sSub>
+                                  <m:sSubPr>
+                                    <m:ctrlPr>
+                                      <a:rPr lang="en-VN" sz="500" i="1" kern="100">
+                                        <a:solidFill>
+                                          <a:srgbClr val="000000"/>
+                                        </a:solidFill>
+                                        <a:effectLst/>
+                                        <a:latin typeface="Cambria Math" panose="02040503050406030204" pitchFamily="18" charset="0"/>
+                                        <a:ea typeface="Times New Roman" panose="02020603050405020304" pitchFamily="18" charset="0"/>
+                                        <a:cs typeface="Times New Roman" panose="02020603050405020304" pitchFamily="18" charset="0"/>
+                                      </a:rPr>
+                                    </m:ctrlPr>
+                                  </m:sSubPr>
+                                  <m:e>
+                                    <m:r>
+                                      <a:rPr lang="vi-VN" sz="500" i="1" kern="100">
+                                        <a:solidFill>
+                                          <a:srgbClr val="000000"/>
+                                        </a:solidFill>
+                                        <a:effectLst/>
+                                        <a:latin typeface="Cambria Math" panose="02040503050406030204" pitchFamily="18" charset="0"/>
+                                        <a:ea typeface="Times New Roman" panose="02020603050405020304" pitchFamily="18" charset="0"/>
+                                        <a:cs typeface="Times New Roman" panose="02020603050405020304" pitchFamily="18" charset="0"/>
+                                      </a:rPr>
+                                      <m:t>𝐵</m:t>
+                                    </m:r>
+                                  </m:e>
+                                  <m:sub>
+                                    <m:r>
+                                      <a:rPr lang="vi-VN" sz="500" i="1" kern="100">
+                                        <a:solidFill>
+                                          <a:srgbClr val="000000"/>
+                                        </a:solidFill>
+                                        <a:effectLst/>
+                                        <a:latin typeface="Cambria Math" panose="02040503050406030204" pitchFamily="18" charset="0"/>
+                                        <a:ea typeface="Times New Roman" panose="02020603050405020304" pitchFamily="18" charset="0"/>
+                                        <a:cs typeface="Times New Roman" panose="02020603050405020304" pitchFamily="18" charset="0"/>
+                                      </a:rPr>
+                                      <m:t>3</m:t>
+                                    </m:r>
+                                  </m:sub>
+                                </m:sSub>
+                              </m:e>
+                            </m:d>
+                          </m:oMath>
+                        </a14:m>
+                        <a:r>
+                          <a:rPr lang="vi-VN" sz="500" kern="100">
+                            <a:solidFill>
+                              <a:srgbClr val="000000"/>
+                            </a:solidFill>
+                            <a:effectLst/>
+                            <a:ea typeface="Times New Roman" panose="02020603050405020304" pitchFamily="18" charset="0"/>
+                            <a:cs typeface="Times New Roman" panose="02020603050405020304" pitchFamily="18" charset="0"/>
+                          </a:rPr>
+                          <a:t>  </a:t>
+                        </a:r>
+                        <a:endParaRPr lang="en-VN" sz="1200" kern="100">
+                          <a:effectLst/>
+                          <a:ea typeface="Calibri" panose="020F0502020204030204" pitchFamily="34" charset="0"/>
+                          <a:cs typeface="Times New Roman" panose="02020603050405020304" pitchFamily="18" charset="0"/>
+                        </a:endParaRPr>
+                      </a:p>
+                      <a:p>
+                        <a:pPr algn="ctr"/>
+                        <a:r>
+                          <a:rPr lang="en-US" sz="500" kern="100">
+                            <a:effectLst/>
+                            <a:ea typeface="Calibri" panose="020F0502020204030204" pitchFamily="34" charset="0"/>
+                            <a:cs typeface="Times New Roman" panose="02020603050405020304" pitchFamily="18" charset="0"/>
+                          </a:rPr>
+                          <a:t> </a:t>
+                        </a:r>
+                        <a:endParaRPr lang="en-VN" sz="1200" kern="100">
+                          <a:effectLst/>
+                          <a:ea typeface="Calibri" panose="020F0502020204030204" pitchFamily="34" charset="0"/>
+                          <a:cs typeface="Times New Roman" panose="02020603050405020304" pitchFamily="18" charset="0"/>
+                        </a:endParaRPr>
+                      </a:p>
+                    </p:txBody>
+                  </p:sp>
+                </mc:Choice>
+                <mc:Fallback xmlns="">
+                  <p:sp>
+                    <p:nvSpPr>
+                      <p:cNvPr id="80" name="Rectangle 79">
+                        <a:extLst>
+                          <a:ext uri="{FF2B5EF4-FFF2-40B4-BE49-F238E27FC236}">
+                            <a16:creationId xmlns:a16="http://schemas.microsoft.com/office/drawing/2014/main" id="{BE7F212E-892F-8F03-AB18-BF9A9D6E6176}"/>
+                          </a:ext>
+                        </a:extLst>
+                      </p:cNvPr>
+                      <p:cNvSpPr>
+                        <a:spLocks noRot="1" noChangeAspect="1" noMove="1" noResize="1" noEditPoints="1" noAdjustHandles="1" noChangeArrowheads="1" noChangeShapeType="1" noTextEdit="1"/>
+                      </p:cNvSpPr>
+                      <p:nvPr/>
+                    </p:nvSpPr>
+                    <p:spPr>
+                      <a:xfrm>
+                        <a:off x="0" y="0"/>
+                        <a:ext cx="2173524" cy="977725"/>
+                      </a:xfrm>
+                      <a:prstGeom prst="rect">
+                        <a:avLst/>
+                      </a:prstGeom>
+                      <a:blipFill>
+                        <a:blip r:embed="rId16"/>
+                        <a:stretch>
+                          <a:fillRect/>
+                        </a:stretch>
+                      </a:blipFill>
+                      <a:ln>
+                        <a:solidFill>
+                          <a:schemeClr val="accent1"/>
+                        </a:solidFill>
+                      </a:ln>
+                    </p:spPr>
+                    <p:txBody>
+                      <a:bodyPr/>
+                      <a:lstStyle/>
+                      <a:p>
+                        <a:r>
+                          <a:rPr lang="en-VN">
+                            <a:noFill/>
+                          </a:rPr>
+                          <a:t> </a:t>
+                        </a:r>
+                      </a:p>
+                    </p:txBody>
+                  </p:sp>
+                </mc:Fallback>
+              </mc:AlternateContent>
+              <mc:AlternateContent xmlns:mc="http://schemas.openxmlformats.org/markup-compatibility/2006" xmlns:a14="http://schemas.microsoft.com/office/drawing/2010/main">
+                <mc:Choice Requires="a14">
+                  <p:sp>
+                    <p:nvSpPr>
+                      <p:cNvPr id="32" name="Rectangle 31">
+                        <a:extLst>
+                          <a:ext uri="{FF2B5EF4-FFF2-40B4-BE49-F238E27FC236}">
+                            <a16:creationId xmlns:a16="http://schemas.microsoft.com/office/drawing/2014/main" id="{D13D4A68-3DA3-6E38-8098-9C754C37B02B}"/>
+                          </a:ext>
+                        </a:extLst>
+                      </p:cNvPr>
+                      <p:cNvSpPr/>
+                      <p:nvPr/>
+                    </p:nvSpPr>
+                    <p:spPr>
+                      <a:xfrm>
+                        <a:off x="86810" y="266218"/>
+                        <a:ext cx="946785" cy="567544"/>
+                      </a:xfrm>
+                      <a:prstGeom prst="rect">
+                        <a:avLst/>
+                      </a:prstGeom>
+                      <a:solidFill>
+                        <a:schemeClr val="accent2"/>
+                      </a:solidFill>
+                      <a:ln>
+                        <a:solidFill>
+                          <a:schemeClr val="accent1"/>
+                        </a:solidFill>
+                      </a:ln>
+                    </p:spPr>
+                    <p:style>
+                      <a:lnRef idx="2">
+                        <a:schemeClr val="accent6"/>
+                      </a:lnRef>
+                      <a:fillRef idx="1">
+                        <a:schemeClr val="lt1"/>
+                      </a:fillRef>
+                      <a:effectRef idx="0">
+                        <a:schemeClr val="accent6"/>
+                      </a:effectRef>
+                      <a:fontRef idx="minor">
+                        <a:schemeClr val="dk1"/>
+                      </a:fontRef>
+                    </p:style>
+                    <p:txBody>
+                      <a:bodyPr rot="0" spcFirstLastPara="0" vert="horz" wrap="square" lIns="91440" tIns="45720" rIns="91440" bIns="45720" numCol="1" spcCol="0" rtlCol="0" fromWordArt="0" anchor="ctr" anchorCtr="0" forceAA="0" compatLnSpc="1">
+                        <a:prstTxWarp prst="textNoShape">
+                          <a:avLst/>
+                        </a:prstTxWarp>
+                        <a:noAutofit/>
+                      </a:bodyPr>
+                      <a:lstStyle/>
+                      <a:p>
+                        <a:pPr algn="ctr"/>
+                        <a:r>
+                          <a:rPr lang="en-US" sz="500" kern="100">
+                            <a:solidFill>
+                              <a:srgbClr val="000000"/>
+                            </a:solidFill>
+                            <a:effectLst/>
+                            <a:ea typeface="Calibri" panose="020F0502020204030204" pitchFamily="34" charset="0"/>
+                            <a:cs typeface="Times New Roman" panose="02020603050405020304" pitchFamily="18" charset="0"/>
+                          </a:rPr>
+                          <a:t>Feature extractor </a:t>
+                        </a:r>
+                        <a14:m>
+                          <m:oMath xmlns:m="http://schemas.openxmlformats.org/officeDocument/2006/math">
+                            <m:sSub>
+                              <m:sSubPr>
+                                <m:ctrlPr>
+                                  <a:rPr lang="en-VN" sz="500" i="1" kern="100">
+                                    <a:solidFill>
+                                      <a:srgbClr val="000000"/>
+                                    </a:solidFill>
+                                    <a:effectLst/>
+                                    <a:latin typeface="Cambria Math" panose="02040503050406030204" pitchFamily="18" charset="0"/>
+                                    <a:ea typeface="Times New Roman" panose="02020603050405020304" pitchFamily="18" charset="0"/>
+                                    <a:cs typeface="Times New Roman" panose="02020603050405020304" pitchFamily="18" charset="0"/>
+                                  </a:rPr>
+                                </m:ctrlPr>
+                              </m:sSubPr>
+                              <m:e>
+                                <m:r>
+                                  <m:rPr>
+                                    <m:sty m:val="p"/>
+                                  </m:rPr>
+                                  <a:rPr lang="vi-VN" sz="500" kern="100">
+                                    <a:solidFill>
+                                      <a:srgbClr val="000000"/>
+                                    </a:solidFill>
+                                    <a:effectLst/>
+                                    <a:latin typeface="Cambria Math" panose="02040503050406030204" pitchFamily="18" charset="0"/>
+                                    <a:ea typeface="Times New Roman" panose="02020603050405020304" pitchFamily="18" charset="0"/>
+                                    <a:cs typeface="Times New Roman" panose="02020603050405020304" pitchFamily="18" charset="0"/>
+                                  </a:rPr>
+                                  <m:t>Φ</m:t>
+                                </m:r>
+                              </m:e>
+                              <m:sub>
+                                <m:r>
+                                  <a:rPr lang="vi-VN" sz="500" i="1" kern="100">
+                                    <a:solidFill>
+                                      <a:srgbClr val="000000"/>
+                                    </a:solidFill>
+                                    <a:effectLst/>
+                                    <a:latin typeface="Cambria Math" panose="02040503050406030204" pitchFamily="18" charset="0"/>
+                                    <a:ea typeface="Times New Roman" panose="02020603050405020304" pitchFamily="18" charset="0"/>
+                                    <a:cs typeface="Times New Roman" panose="02020603050405020304" pitchFamily="18" charset="0"/>
+                                  </a:rPr>
+                                  <m:t>2</m:t>
+                                </m:r>
+                              </m:sub>
+                            </m:sSub>
+                          </m:oMath>
+                        </a14:m>
+                        <a:endParaRPr lang="en-VN" sz="1200" kern="100">
+                          <a:effectLst/>
+                          <a:ea typeface="Calibri" panose="020F0502020204030204" pitchFamily="34" charset="0"/>
+                          <a:cs typeface="Times New Roman" panose="02020603050405020304" pitchFamily="18" charset="0"/>
+                        </a:endParaRPr>
+                      </a:p>
+                      <a:p>
+                        <a:pPr algn="ctr"/>
+                        <a:r>
+                          <a:rPr lang="vi-VN" sz="500" kern="100">
+                            <a:solidFill>
+                              <a:srgbClr val="000000"/>
+                            </a:solidFill>
+                            <a:effectLst/>
+                            <a:ea typeface="Times New Roman" panose="02020603050405020304" pitchFamily="18" charset="0"/>
+                            <a:cs typeface="Times New Roman" panose="02020603050405020304" pitchFamily="18" charset="0"/>
+                          </a:rPr>
+                          <a:t>(Freeze)</a:t>
+                        </a:r>
+                        <a:endParaRPr lang="en-VN" sz="1200" kern="100">
+                          <a:effectLst/>
+                          <a:ea typeface="Calibri" panose="020F0502020204030204" pitchFamily="34" charset="0"/>
+                          <a:cs typeface="Times New Roman" panose="02020603050405020304" pitchFamily="18" charset="0"/>
+                        </a:endParaRPr>
+                      </a:p>
+                    </p:txBody>
+                  </p:sp>
+                </mc:Choice>
+                <mc:Fallback xmlns="">
+                  <p:sp>
+                    <p:nvSpPr>
+                      <p:cNvPr id="81" name="Rectangle 80">
+                        <a:extLst>
+                          <a:ext uri="{FF2B5EF4-FFF2-40B4-BE49-F238E27FC236}">
+                            <a16:creationId xmlns:a16="http://schemas.microsoft.com/office/drawing/2014/main" id="{A42049C2-7E4E-D851-4CF6-6667543ECACA}"/>
+                          </a:ext>
+                        </a:extLst>
+                      </p:cNvPr>
+                      <p:cNvSpPr>
+                        <a:spLocks noRot="1" noChangeAspect="1" noMove="1" noResize="1" noEditPoints="1" noAdjustHandles="1" noChangeArrowheads="1" noChangeShapeType="1" noTextEdit="1"/>
+                      </p:cNvSpPr>
+                      <p:nvPr/>
+                    </p:nvSpPr>
+                    <p:spPr>
+                      <a:xfrm>
+                        <a:off x="86810" y="266218"/>
+                        <a:ext cx="946785" cy="567544"/>
+                      </a:xfrm>
+                      <a:prstGeom prst="rect">
+                        <a:avLst/>
+                      </a:prstGeom>
+                      <a:blipFill>
+                        <a:blip r:embed="rId17"/>
+                        <a:stretch>
+                          <a:fillRect/>
+                        </a:stretch>
+                      </a:blipFill>
+                      <a:ln>
+                        <a:solidFill>
+                          <a:schemeClr val="accent1"/>
+                        </a:solidFill>
+                      </a:ln>
+                    </p:spPr>
+                    <p:txBody>
+                      <a:bodyPr/>
+                      <a:lstStyle/>
+                      <a:p>
+                        <a:r>
+                          <a:rPr lang="en-VN">
+                            <a:noFill/>
+                          </a:rPr>
+                          <a:t> </a:t>
+                        </a:r>
+                      </a:p>
+                    </p:txBody>
+                  </p:sp>
+                </mc:Fallback>
+              </mc:AlternateContent>
+              <mc:AlternateContent xmlns:mc="http://schemas.openxmlformats.org/markup-compatibility/2006" xmlns:a14="http://schemas.microsoft.com/office/drawing/2010/main">
+                <mc:Choice Requires="a14">
+                  <p:sp>
+                    <p:nvSpPr>
+                      <p:cNvPr id="33" name="Rectangle 32">
+                        <a:extLst>
+                          <a:ext uri="{FF2B5EF4-FFF2-40B4-BE49-F238E27FC236}">
+                            <a16:creationId xmlns:a16="http://schemas.microsoft.com/office/drawing/2014/main" id="{CE687855-01BE-5649-31F2-73CD4F33DA15}"/>
+                          </a:ext>
+                        </a:extLst>
+                      </p:cNvPr>
+                      <p:cNvSpPr/>
+                      <p:nvPr/>
+                    </p:nvSpPr>
+                    <p:spPr>
+                      <a:xfrm>
+                        <a:off x="1122744" y="266218"/>
+                        <a:ext cx="946785" cy="567055"/>
+                      </a:xfrm>
+                      <a:prstGeom prst="rect">
+                        <a:avLst/>
+                      </a:prstGeom>
+                      <a:ln>
+                        <a:solidFill>
+                          <a:schemeClr val="accent1"/>
+                        </a:solidFill>
+                      </a:ln>
+                    </p:spPr>
+                    <p:style>
+                      <a:lnRef idx="2">
+                        <a:schemeClr val="accent6"/>
+                      </a:lnRef>
+                      <a:fillRef idx="1">
+                        <a:schemeClr val="lt1"/>
+                      </a:fillRef>
+                      <a:effectRef idx="0">
+                        <a:schemeClr val="accent6"/>
+                      </a:effectRef>
+                      <a:fontRef idx="minor">
+                        <a:schemeClr val="dk1"/>
+                      </a:fontRef>
+                    </p:style>
+                    <p:txBody>
+                      <a:bodyPr rot="0" spcFirstLastPara="0" vert="horz" wrap="square" lIns="91440" tIns="45720" rIns="91440" bIns="45720" numCol="1" spcCol="0" rtlCol="0" fromWordArt="0" anchor="ctr" anchorCtr="0" forceAA="0" compatLnSpc="1">
+                        <a:prstTxWarp prst="textNoShape">
+                          <a:avLst/>
+                        </a:prstTxWarp>
+                        <a:noAutofit/>
+                      </a:bodyPr>
+                      <a:lstStyle/>
+                      <a:p>
+                        <a:pPr algn="ctr"/>
+                        <a:r>
+                          <a:rPr lang="en-US" sz="500" kern="100">
+                            <a:solidFill>
+                              <a:srgbClr val="000000"/>
+                            </a:solidFill>
+                            <a:effectLst/>
+                            <a:ea typeface="Calibri" panose="020F0502020204030204" pitchFamily="34" charset="0"/>
+                            <a:cs typeface="Times New Roman" panose="02020603050405020304" pitchFamily="18" charset="0"/>
+                          </a:rPr>
+                          <a:t>Back bone </a:t>
+                        </a:r>
+                        <a14:m>
+                          <m:oMath xmlns:m="http://schemas.openxmlformats.org/officeDocument/2006/math">
+                            <m:sSub>
+                              <m:sSubPr>
+                                <m:ctrlPr>
+                                  <a:rPr lang="en-VN" sz="500" i="1" kern="100">
+                                    <a:solidFill>
+                                      <a:srgbClr val="000000"/>
+                                    </a:solidFill>
+                                    <a:effectLst/>
+                                    <a:latin typeface="Cambria Math" panose="02040503050406030204" pitchFamily="18" charset="0"/>
+                                    <a:ea typeface="Times New Roman" panose="02020603050405020304" pitchFamily="18" charset="0"/>
+                                    <a:cs typeface="Times New Roman" panose="02020603050405020304" pitchFamily="18" charset="0"/>
+                                  </a:rPr>
+                                </m:ctrlPr>
+                              </m:sSubPr>
+                              <m:e>
+                                <m:r>
+                                  <a:rPr lang="vi-VN" sz="500" i="1" kern="100">
+                                    <a:solidFill>
+                                      <a:srgbClr val="000000"/>
+                                    </a:solidFill>
+                                    <a:effectLst/>
+                                    <a:latin typeface="Cambria Math" panose="02040503050406030204" pitchFamily="18" charset="0"/>
+                                    <a:ea typeface="Times New Roman" panose="02020603050405020304" pitchFamily="18" charset="0"/>
+                                    <a:cs typeface="Times New Roman" panose="02020603050405020304" pitchFamily="18" charset="0"/>
+                                  </a:rPr>
+                                  <m:t>𝐵</m:t>
+                                </m:r>
+                              </m:e>
+                              <m:sub>
+                                <m:r>
+                                  <a:rPr lang="vi-VN" sz="500" i="1" kern="100">
+                                    <a:solidFill>
+                                      <a:srgbClr val="000000"/>
+                                    </a:solidFill>
+                                    <a:effectLst/>
+                                    <a:latin typeface="Cambria Math" panose="02040503050406030204" pitchFamily="18" charset="0"/>
+                                    <a:ea typeface="Times New Roman" panose="02020603050405020304" pitchFamily="18" charset="0"/>
+                                    <a:cs typeface="Times New Roman" panose="02020603050405020304" pitchFamily="18" charset="0"/>
+                                  </a:rPr>
+                                  <m:t>3</m:t>
+                                </m:r>
+                              </m:sub>
+                            </m:sSub>
+                          </m:oMath>
+                        </a14:m>
+                        <a:r>
+                          <a:rPr lang="vi-VN" sz="500" kern="100">
+                            <a:solidFill>
+                              <a:srgbClr val="000000"/>
+                            </a:solidFill>
+                            <a:effectLst/>
+                            <a:ea typeface="Times New Roman" panose="02020603050405020304" pitchFamily="18" charset="0"/>
+                            <a:cs typeface="Times New Roman" panose="02020603050405020304" pitchFamily="18" charset="0"/>
+                          </a:rPr>
+                          <a:t>:</a:t>
+                        </a:r>
+                        <a:endParaRPr lang="en-VN" sz="1200" kern="100">
+                          <a:effectLst/>
+                          <a:ea typeface="Calibri" panose="020F0502020204030204" pitchFamily="34" charset="0"/>
+                          <a:cs typeface="Times New Roman" panose="02020603050405020304" pitchFamily="18" charset="0"/>
+                        </a:endParaRPr>
+                      </a:p>
+                      <a:p>
+                        <a:pPr algn="ctr"/>
+                        <a:r>
+                          <a:rPr lang="vi-VN" sz="500" kern="100">
+                            <a:solidFill>
+                              <a:srgbClr val="000000"/>
+                            </a:solidFill>
+                            <a:effectLst/>
+                            <a:ea typeface="Times New Roman" panose="02020603050405020304" pitchFamily="18" charset="0"/>
+                            <a:cs typeface="Times New Roman" panose="02020603050405020304" pitchFamily="18" charset="0"/>
+                          </a:rPr>
+                          <a:t>Random initilize</a:t>
+                        </a:r>
+                        <a:endParaRPr lang="en-VN" sz="1200" kern="100">
+                          <a:effectLst/>
+                          <a:ea typeface="Calibri" panose="020F0502020204030204" pitchFamily="34" charset="0"/>
+                          <a:cs typeface="Times New Roman" panose="02020603050405020304" pitchFamily="18" charset="0"/>
+                        </a:endParaRPr>
+                      </a:p>
+                      <a:p>
+                        <a:pPr algn="ctr"/>
+                        <a:r>
+                          <a:rPr lang="vi-VN" sz="500" kern="100">
+                            <a:solidFill>
+                              <a:srgbClr val="000000"/>
+                            </a:solidFill>
+                            <a:effectLst/>
+                            <a:ea typeface="Times New Roman" panose="02020603050405020304" pitchFamily="18" charset="0"/>
+                            <a:cs typeface="Times New Roman" panose="02020603050405020304" pitchFamily="18" charset="0"/>
+                          </a:rPr>
+                          <a:t> </a:t>
+                        </a:r>
+                        <a:endParaRPr lang="en-VN" sz="1200" kern="100">
+                          <a:effectLst/>
+                          <a:ea typeface="Calibri" panose="020F0502020204030204" pitchFamily="34" charset="0"/>
+                          <a:cs typeface="Times New Roman" panose="02020603050405020304" pitchFamily="18" charset="0"/>
+                        </a:endParaRPr>
+                      </a:p>
+                    </p:txBody>
+                  </p:sp>
+                </mc:Choice>
+                <mc:Fallback xmlns="">
+                  <p:sp>
+                    <p:nvSpPr>
+                      <p:cNvPr id="82" name="Rectangle 81">
+                        <a:extLst>
+                          <a:ext uri="{FF2B5EF4-FFF2-40B4-BE49-F238E27FC236}">
+                            <a16:creationId xmlns:a16="http://schemas.microsoft.com/office/drawing/2014/main" id="{75ED3743-49A0-5620-8356-A1FD3F4986E6}"/>
+                          </a:ext>
+                        </a:extLst>
+                      </p:cNvPr>
+                      <p:cNvSpPr>
+                        <a:spLocks noRot="1" noChangeAspect="1" noMove="1" noResize="1" noEditPoints="1" noAdjustHandles="1" noChangeArrowheads="1" noChangeShapeType="1" noTextEdit="1"/>
+                      </p:cNvSpPr>
+                      <p:nvPr/>
+                    </p:nvSpPr>
+                    <p:spPr>
+                      <a:xfrm>
+                        <a:off x="1122744" y="266218"/>
+                        <a:ext cx="946785" cy="567055"/>
+                      </a:xfrm>
+                      <a:prstGeom prst="rect">
+                        <a:avLst/>
+                      </a:prstGeom>
+                      <a:blipFill>
+                        <a:blip r:embed="rId18"/>
+                        <a:stretch>
+                          <a:fillRect t="-3030"/>
+                        </a:stretch>
+                      </a:blipFill>
+                      <a:ln>
+                        <a:solidFill>
+                          <a:schemeClr val="accent1"/>
+                        </a:solidFill>
+                      </a:ln>
+                    </p:spPr>
+                    <p:txBody>
+                      <a:bodyPr/>
+                      <a:lstStyle/>
+                      <a:p>
+                        <a:r>
+                          <a:rPr lang="en-VN">
+                            <a:noFill/>
+                          </a:rPr>
+                          <a:t> </a:t>
+                        </a:r>
+                      </a:p>
+                    </p:txBody>
+                  </p:sp>
+                </mc:Fallback>
+              </mc:AlternateContent>
+            </p:grpSp>
+          </p:grpSp>
+        </p:grpSp>
+        <p:cxnSp>
+          <p:nvCxnSpPr>
+            <p:cNvPr id="23" name="Straight Arrow Connector 22">
+              <a:extLst>
+                <a:ext uri="{FF2B5EF4-FFF2-40B4-BE49-F238E27FC236}">
+                  <a16:creationId xmlns:a16="http://schemas.microsoft.com/office/drawing/2014/main" id="{8DD37DED-0AD0-8B4A-7E12-481BFC12EB77}"/>
+                </a:ext>
+              </a:extLst>
+            </p:cNvPr>
+            <p:cNvCxnSpPr/>
+            <p:nvPr/>
+          </p:nvCxnSpPr>
+          <p:spPr>
+            <a:xfrm>
+              <a:off x="0" y="1070497"/>
+              <a:ext cx="813760" cy="0"/>
+            </a:xfrm>
+            <a:prstGeom prst="straightConnector1">
+              <a:avLst/>
+            </a:prstGeom>
+            <a:ln>
+              <a:tailEnd type="triangle"/>
+            </a:ln>
+          </p:spPr>
+          <p:style>
+            <a:lnRef idx="1">
+              <a:schemeClr val="accent1"/>
+            </a:lnRef>
+            <a:fillRef idx="0">
+              <a:schemeClr val="accent1"/>
+            </a:fillRef>
+            <a:effectRef idx="0">
+              <a:schemeClr val="accent1"/>
+            </a:effectRef>
+            <a:fontRef idx="minor">
+              <a:schemeClr val="tx1"/>
+            </a:fontRef>
+          </p:style>
+        </p:cxnSp>
+      </p:grpSp>
+    </p:spTree>
+    <p:extLst>
+      <p:ext uri="{BB962C8B-B14F-4D97-AF65-F5344CB8AC3E}">
+        <p14:creationId xmlns:p14="http://schemas.microsoft.com/office/powerpoint/2010/main" val="1041926541"/>
+      </p:ext>
+    </p:extLst>
+  </p:cSld>
+  <p:clrMapOvr>
+    <a:masterClrMapping/>
+  </p:clrMapOvr>
+</p:sld>
+</file>
+
+<file path=ppt/slides/slide5.xml><?xml version="1.0" encoding="utf-8"?>
+<p:sld xmlns:a="http://schemas.openxmlformats.org/drawingml/2006/main" xmlns:r="http://schemas.openxmlformats.org/officeDocument/2006/relationships" xmlns:p="http://schemas.openxmlformats.org/presentationml/2006/main">
+  <p:cSld>
+    <p:spTree>
+      <p:nvGrpSpPr>
+        <p:cNvPr id="1" name=""/>
+        <p:cNvGrpSpPr/>
+        <p:nvPr/>
+      </p:nvGrpSpPr>
+      <p:grpSpPr>
+        <a:xfrm>
+          <a:off x="0" y="0"/>
+          <a:ext cx="0" cy="0"/>
+          <a:chOff x="0" y="0"/>
+          <a:chExt cx="0" cy="0"/>
+        </a:xfrm>
+      </p:grpSpPr>
+      <p:grpSp>
+        <p:nvGrpSpPr>
+          <p:cNvPr id="101" name="Group 100">
+            <a:extLst>
+              <a:ext uri="{FF2B5EF4-FFF2-40B4-BE49-F238E27FC236}">
+                <a16:creationId xmlns:a16="http://schemas.microsoft.com/office/drawing/2014/main" id="{30B2DD8F-FF59-C889-1FBB-10CBA16D7B09}"/>
+              </a:ext>
+            </a:extLst>
+          </p:cNvPr>
+          <p:cNvGrpSpPr/>
+          <p:nvPr/>
+        </p:nvGrpSpPr>
+        <p:grpSpPr>
+          <a:xfrm>
+            <a:off x="347603" y="833763"/>
+            <a:ext cx="11711476" cy="4679121"/>
+            <a:chOff x="347603" y="833763"/>
+            <a:chExt cx="11711476" cy="4679121"/>
+          </a:xfrm>
+        </p:grpSpPr>
+        <mc:AlternateContent xmlns:mc="http://schemas.openxmlformats.org/markup-compatibility/2006">
+          <mc:Choice xmlns:a14="http://schemas.microsoft.com/office/drawing/2010/main" Requires="a14">
+            <p:sp>
+              <p:nvSpPr>
+                <p:cNvPr id="13" name="Rounded Rectangle 12">
+                  <a:extLst>
+                    <a:ext uri="{FF2B5EF4-FFF2-40B4-BE49-F238E27FC236}">
+                      <a16:creationId xmlns:a16="http://schemas.microsoft.com/office/drawing/2014/main" id="{C27B93E3-BA36-CAF5-61C0-8D027E573975}"/>
+                    </a:ext>
+                  </a:extLst>
+                </p:cNvPr>
+                <p:cNvSpPr/>
+                <p:nvPr/>
+              </p:nvSpPr>
+              <p:spPr>
+                <a:xfrm>
+                  <a:off x="3579520" y="3958414"/>
+                  <a:ext cx="2160000" cy="360000"/>
+                </a:xfrm>
+                <a:prstGeom prst="roundRect">
+                  <a:avLst/>
+                </a:prstGeom>
+              </p:spPr>
+              <p:style>
+                <a:lnRef idx="2">
+                  <a:schemeClr val="accent1">
+                    <a:shade val="15000"/>
+                  </a:schemeClr>
+                </a:lnRef>
+                <a:fillRef idx="1">
+                  <a:schemeClr val="accent1"/>
+                </a:fillRef>
+                <a:effectRef idx="0">
+                  <a:schemeClr val="accent1"/>
+                </a:effectRef>
+                <a:fontRef idx="minor">
+                  <a:schemeClr val="lt1"/>
+                </a:fontRef>
+              </p:style>
+              <p:txBody>
+                <a:bodyPr rtlCol="0" anchor="ctr"/>
+                <a:lstStyle/>
+                <a:p>
+                  <a:pPr algn="ctr"/>
+                  <a14:m>
+                    <m:oMathPara xmlns:m="http://schemas.openxmlformats.org/officeDocument/2006/math">
+                      <m:oMathParaPr>
+                        <m:jc m:val="centerGroup"/>
+                      </m:oMathParaPr>
+                      <m:oMath xmlns:m="http://schemas.openxmlformats.org/officeDocument/2006/math">
+                        <m:sSub>
+                          <m:sSubPr>
+                            <m:ctrlPr>
+                              <a:rPr lang="en-VN" i="1" smtClean="0">
+                                <a:latin typeface="Cambria Math" panose="02040503050406030204" pitchFamily="18" charset="0"/>
+                                <a:ea typeface="Cambria Math" panose="02040503050406030204" pitchFamily="18" charset="0"/>
+                              </a:rPr>
+                            </m:ctrlPr>
+                          </m:sSubPr>
+                          <m:e>
+                            <m:r>
+                              <a:rPr lang="en-VN" i="1">
+                                <a:latin typeface="Cambria Math" panose="02040503050406030204" pitchFamily="18" charset="0"/>
+                                <a:ea typeface="Cambria Math" panose="02040503050406030204" pitchFamily="18" charset="0"/>
+                              </a:rPr>
+                              <m:t>ℱ</m:t>
+                            </m:r>
+                          </m:e>
+                          <m:sub>
+                            <m:r>
+                              <a:rPr lang="vi-VN" b="0" i="1" smtClean="0">
+                                <a:latin typeface="Cambria Math" panose="02040503050406030204" pitchFamily="18" charset="0"/>
+                                <a:ea typeface="Cambria Math" panose="02040503050406030204" pitchFamily="18" charset="0"/>
+                              </a:rPr>
+                              <m:t>2</m:t>
+                            </m:r>
+                          </m:sub>
+                        </m:sSub>
+                      </m:oMath>
+                    </m:oMathPara>
+                  </a14:m>
+                  <a:endParaRPr lang="en-VN" dirty="0"/>
+                </a:p>
+              </p:txBody>
+            </p:sp>
+          </mc:Choice>
+          <mc:Fallback>
+            <p:sp>
+              <p:nvSpPr>
+                <p:cNvPr id="13" name="Rounded Rectangle 12">
+                  <a:extLst>
+                    <a:ext uri="{FF2B5EF4-FFF2-40B4-BE49-F238E27FC236}">
+                      <a16:creationId xmlns:a16="http://schemas.microsoft.com/office/drawing/2014/main" id="{C27B93E3-BA36-CAF5-61C0-8D027E573975}"/>
+                    </a:ext>
+                  </a:extLst>
+                </p:cNvPr>
+                <p:cNvSpPr>
+                  <a:spLocks noRot="1" noChangeAspect="1" noMove="1" noResize="1" noEditPoints="1" noAdjustHandles="1" noChangeArrowheads="1" noChangeShapeType="1" noTextEdit="1"/>
+                </p:cNvSpPr>
+                <p:nvPr/>
+              </p:nvSpPr>
+              <p:spPr>
+                <a:xfrm>
+                  <a:off x="3579520" y="3958414"/>
+                  <a:ext cx="2160000" cy="360000"/>
+                </a:xfrm>
+                <a:prstGeom prst="roundRect">
+                  <a:avLst/>
+                </a:prstGeom>
+                <a:blipFill>
+                  <a:blip r:embed="rId2"/>
+                  <a:stretch>
+                    <a:fillRect/>
+                  </a:stretch>
+                </a:blipFill>
+              </p:spPr>
+              <p:txBody>
+                <a:bodyPr/>
+                <a:lstStyle/>
+                <a:p>
+                  <a:r>
+                    <a:rPr lang="en-VN">
+                      <a:noFill/>
+                    </a:rPr>
+                    <a:t> </a:t>
+                  </a:r>
+                </a:p>
+              </p:txBody>
+            </p:sp>
+          </mc:Fallback>
+        </mc:AlternateContent>
+        <p:grpSp>
+          <p:nvGrpSpPr>
+            <p:cNvPr id="100" name="Group 99">
+              <a:extLst>
+                <a:ext uri="{FF2B5EF4-FFF2-40B4-BE49-F238E27FC236}">
+                  <a16:creationId xmlns:a16="http://schemas.microsoft.com/office/drawing/2014/main" id="{AD7651BF-68F2-2CC3-ED8F-B976E5C29BCC}"/>
+                </a:ext>
+              </a:extLst>
+            </p:cNvPr>
+            <p:cNvGrpSpPr/>
+            <p:nvPr/>
+          </p:nvGrpSpPr>
+          <p:grpSpPr>
+            <a:xfrm>
+              <a:off x="347603" y="833763"/>
+              <a:ext cx="11711476" cy="4679121"/>
+              <a:chOff x="347603" y="833763"/>
+              <a:chExt cx="11711476" cy="4679121"/>
+            </a:xfrm>
+          </p:grpSpPr>
+          <p:grpSp>
+            <p:nvGrpSpPr>
+              <p:cNvPr id="97" name="Group 96">
+                <a:extLst>
+                  <a:ext uri="{FF2B5EF4-FFF2-40B4-BE49-F238E27FC236}">
+                    <a16:creationId xmlns:a16="http://schemas.microsoft.com/office/drawing/2014/main" id="{8F6927EC-62BD-E3B5-53A6-AF5DBFC3673F}"/>
+                  </a:ext>
+                </a:extLst>
+              </p:cNvPr>
+              <p:cNvGrpSpPr/>
+              <p:nvPr/>
+            </p:nvGrpSpPr>
+            <p:grpSpPr>
+              <a:xfrm>
+                <a:off x="347603" y="1771762"/>
+                <a:ext cx="11711476" cy="1369318"/>
+                <a:chOff x="347603" y="1771762"/>
+                <a:chExt cx="11711476" cy="1369318"/>
+              </a:xfrm>
+            </p:grpSpPr>
+            <p:grpSp>
+              <p:nvGrpSpPr>
+                <p:cNvPr id="33" name="Group 32">
+                  <a:extLst>
+                    <a:ext uri="{FF2B5EF4-FFF2-40B4-BE49-F238E27FC236}">
+                      <a16:creationId xmlns:a16="http://schemas.microsoft.com/office/drawing/2014/main" id="{7FDF9409-FC0B-BBFF-9AD1-52235039F010}"/>
+                    </a:ext>
+                  </a:extLst>
+                </p:cNvPr>
+                <p:cNvGrpSpPr/>
+                <p:nvPr/>
+              </p:nvGrpSpPr>
+              <p:grpSpPr>
+                <a:xfrm>
+                  <a:off x="347603" y="1898644"/>
+                  <a:ext cx="1501347" cy="1090363"/>
+                  <a:chOff x="586945" y="1089437"/>
+                  <a:chExt cx="1501347" cy="1090363"/>
+                </a:xfrm>
+              </p:grpSpPr>
+              <p:sp>
+                <p:nvSpPr>
+                  <p:cNvPr id="9" name="Rounded Rectangle 8">
+                    <a:extLst>
+                      <a:ext uri="{FF2B5EF4-FFF2-40B4-BE49-F238E27FC236}">
+                        <a16:creationId xmlns:a16="http://schemas.microsoft.com/office/drawing/2014/main" id="{CE2898D4-1D4D-1A49-DE7A-4B4BA75F0FC0}"/>
+                      </a:ext>
+                    </a:extLst>
+                  </p:cNvPr>
+                  <p:cNvSpPr/>
+                  <p:nvPr/>
+                </p:nvSpPr>
+                <p:spPr>
+                  <a:xfrm>
+                    <a:off x="586945" y="1089437"/>
+                    <a:ext cx="1501347" cy="1090363"/>
+                  </a:xfrm>
+                  <a:prstGeom prst="roundRect">
+                    <a:avLst/>
+                  </a:prstGeom>
+                  <a:solidFill>
+                    <a:schemeClr val="accent2"/>
+                  </a:solidFill>
+                </p:spPr>
+                <p:style>
+                  <a:lnRef idx="2">
+                    <a:schemeClr val="accent1">
+                      <a:shade val="15000"/>
+                    </a:schemeClr>
+                  </a:lnRef>
+                  <a:fillRef idx="1">
+                    <a:schemeClr val="accent1"/>
+                  </a:fillRef>
+                  <a:effectRef idx="0">
+                    <a:schemeClr val="accent1"/>
+                  </a:effectRef>
+                  <a:fontRef idx="minor">
+                    <a:schemeClr val="lt1"/>
+                  </a:fontRef>
+                </p:style>
+                <p:txBody>
+                  <a:bodyPr rtlCol="0" anchor="ctr"/>
+                  <a:lstStyle/>
+                  <a:p>
+                    <a:pPr algn="ctr"/>
+                    <a:endParaRPr lang="en-VN"/>
+                  </a:p>
+                </p:txBody>
+              </p:sp>
+              <p:sp>
+                <p:nvSpPr>
+                  <p:cNvPr id="4" name="Rounded Rectangle 3">
+                    <a:extLst>
+                      <a:ext uri="{FF2B5EF4-FFF2-40B4-BE49-F238E27FC236}">
+                        <a16:creationId xmlns:a16="http://schemas.microsoft.com/office/drawing/2014/main" id="{575A29BC-A66C-648D-9EC3-C6133AE75380}"/>
+                      </a:ext>
+                    </a:extLst>
+                  </p:cNvPr>
+                  <p:cNvSpPr/>
+                  <p:nvPr/>
+                </p:nvSpPr>
+                <p:spPr>
+                  <a:xfrm>
+                    <a:off x="656705" y="1155795"/>
+                    <a:ext cx="1365424" cy="957648"/>
+                  </a:xfrm>
+                  <a:prstGeom prst="roundRect">
+                    <a:avLst/>
+                  </a:prstGeom>
+                </p:spPr>
+                <p:style>
+                  <a:lnRef idx="2">
+                    <a:schemeClr val="accent1">
+                      <a:shade val="15000"/>
+                    </a:schemeClr>
+                  </a:lnRef>
+                  <a:fillRef idx="1">
+                    <a:schemeClr val="accent1"/>
+                  </a:fillRef>
+                  <a:effectRef idx="0">
+                    <a:schemeClr val="accent1"/>
+                  </a:effectRef>
+                  <a:fontRef idx="minor">
+                    <a:schemeClr val="lt1"/>
+                  </a:fontRef>
+                </p:style>
+                <p:txBody>
+                  <a:bodyPr rtlCol="0" anchor="ctr"/>
+                  <a:lstStyle/>
+                  <a:p>
+                    <a:pPr algn="ctr"/>
+                    <a:r>
+                      <a:rPr lang="en-VN" dirty="0"/>
+                      <a:t>Backbone B: Random Initialize</a:t>
+                    </a:r>
+                  </a:p>
+                </p:txBody>
+              </p:sp>
+            </p:grpSp>
+            <p:grpSp>
+              <p:nvGrpSpPr>
+                <p:cNvPr id="32" name="Group 31">
+                  <a:extLst>
+                    <a:ext uri="{FF2B5EF4-FFF2-40B4-BE49-F238E27FC236}">
+                      <a16:creationId xmlns:a16="http://schemas.microsoft.com/office/drawing/2014/main" id="{3C7B8DC0-1373-AB26-1B07-75BBBE9C826B}"/>
+                    </a:ext>
+                  </a:extLst>
+                </p:cNvPr>
+                <p:cNvGrpSpPr/>
+                <p:nvPr/>
+              </p:nvGrpSpPr>
+              <p:grpSpPr>
+                <a:xfrm>
+                  <a:off x="3151403" y="1854837"/>
+                  <a:ext cx="3016237" cy="1203168"/>
+                  <a:chOff x="2791082" y="1033034"/>
+                  <a:chExt cx="3016237" cy="1203168"/>
+                </a:xfrm>
+              </p:grpSpPr>
+              <p:sp>
+                <p:nvSpPr>
+                  <p:cNvPr id="18" name="Rounded Rectangle 17">
+                    <a:extLst>
+                      <a:ext uri="{FF2B5EF4-FFF2-40B4-BE49-F238E27FC236}">
+                        <a16:creationId xmlns:a16="http://schemas.microsoft.com/office/drawing/2014/main" id="{1CB338DB-7A73-BA7F-DA2E-C313D92146B3}"/>
+                      </a:ext>
+                    </a:extLst>
+                  </p:cNvPr>
+                  <p:cNvSpPr/>
+                  <p:nvPr/>
+                </p:nvSpPr>
+                <p:spPr>
+                  <a:xfrm>
+                    <a:off x="2791082" y="1033034"/>
+                    <a:ext cx="3016237" cy="1203168"/>
+                  </a:xfrm>
+                  <a:prstGeom prst="roundRect">
+                    <a:avLst/>
+                  </a:prstGeom>
+                  <a:solidFill>
+                    <a:schemeClr val="accent2"/>
+                  </a:solidFill>
+                </p:spPr>
+                <p:style>
+                  <a:lnRef idx="2">
+                    <a:schemeClr val="accent1">
+                      <a:shade val="15000"/>
+                    </a:schemeClr>
+                  </a:lnRef>
+                  <a:fillRef idx="1">
+                    <a:schemeClr val="accent1"/>
+                  </a:fillRef>
+                  <a:effectRef idx="0">
+                    <a:schemeClr val="accent1"/>
+                  </a:effectRef>
+                  <a:fontRef idx="minor">
+                    <a:schemeClr val="lt1"/>
+                  </a:fontRef>
+                </p:style>
+                <p:txBody>
+                  <a:bodyPr rtlCol="0" anchor="ctr"/>
+                  <a:lstStyle/>
+                  <a:p>
+                    <a:pPr algn="ctr"/>
+                    <a:endParaRPr lang="en-VN"/>
+                  </a:p>
+                </p:txBody>
+              </p:sp>
+              <mc:AlternateContent xmlns:mc="http://schemas.openxmlformats.org/markup-compatibility/2006">
+                <mc:Choice xmlns:a14="http://schemas.microsoft.com/office/drawing/2010/main" Requires="a14">
+                  <p:sp>
+                    <p:nvSpPr>
+                      <p:cNvPr id="22" name="Rounded Rectangle 21">
+                        <a:extLst>
+                          <a:ext uri="{FF2B5EF4-FFF2-40B4-BE49-F238E27FC236}">
+                            <a16:creationId xmlns:a16="http://schemas.microsoft.com/office/drawing/2014/main" id="{AC92F77D-1723-9CFE-26BC-00195B0DFD83}"/>
+                          </a:ext>
+                        </a:extLst>
+                      </p:cNvPr>
+                      <p:cNvSpPr/>
+                      <p:nvPr/>
+                    </p:nvSpPr>
+                    <p:spPr>
+                      <a:xfrm>
+                        <a:off x="2850288" y="1076643"/>
+                        <a:ext cx="1501347" cy="1090363"/>
+                      </a:xfrm>
+                      <a:prstGeom prst="roundRect">
+                        <a:avLst/>
+                      </a:prstGeom>
+                      <a:solidFill>
+                        <a:schemeClr val="accent6"/>
+                      </a:solidFill>
+                    </p:spPr>
+                    <p:style>
+                      <a:lnRef idx="2">
+                        <a:schemeClr val="accent1">
+                          <a:shade val="15000"/>
+                        </a:schemeClr>
+                      </a:lnRef>
+                      <a:fillRef idx="1">
+                        <a:schemeClr val="accent1"/>
+                      </a:fillRef>
+                      <a:effectRef idx="0">
+                        <a:schemeClr val="accent1"/>
+                      </a:effectRef>
+                      <a:fontRef idx="minor">
+                        <a:schemeClr val="lt1"/>
+                      </a:fontRef>
+                    </p:style>
+                    <p:txBody>
+                      <a:bodyPr rtlCol="0" anchor="ctr"/>
+                      <a:lstStyle/>
+                      <a:p>
+                        <a:pPr algn="ctr"/>
+                        <a:r>
+                          <a:rPr lang="en-VN" dirty="0"/>
+                          <a:t>Feature extractor </a:t>
+                        </a:r>
+                        <a14:m>
+                          <m:oMath xmlns:m="http://schemas.openxmlformats.org/officeDocument/2006/math">
+                            <m:sSub>
+                              <m:sSubPr>
+                                <m:ctrlPr>
+                                  <a:rPr lang="el-GR" i="1" smtClean="0">
+                                    <a:latin typeface="Cambria Math" panose="02040503050406030204" pitchFamily="18" charset="0"/>
+                                    <a:ea typeface="Cambria Math" panose="02040503050406030204" pitchFamily="18" charset="0"/>
+                                  </a:rPr>
+                                </m:ctrlPr>
+                              </m:sSubPr>
+                              <m:e>
+                                <m:r>
+                                  <m:rPr>
+                                    <m:sty m:val="p"/>
+                                  </m:rPr>
+                                  <a:rPr lang="el-GR" i="1">
+                                    <a:latin typeface="Cambria Math" panose="02040503050406030204" pitchFamily="18" charset="0"/>
+                                    <a:ea typeface="Cambria Math" panose="02040503050406030204" pitchFamily="18" charset="0"/>
+                                  </a:rPr>
+                                  <m:t>Φ</m:t>
+                                </m:r>
+                              </m:e>
+                              <m:sub>
+                                <m:r>
+                                  <a:rPr lang="en-US" b="0" i="1" smtClean="0">
+                                    <a:latin typeface="Cambria Math" panose="02040503050406030204" pitchFamily="18" charset="0"/>
+                                    <a:ea typeface="Cambria Math" panose="02040503050406030204" pitchFamily="18" charset="0"/>
+                                  </a:rPr>
+                                  <m:t>1</m:t>
+                                </m:r>
+                              </m:sub>
+                            </m:sSub>
+                          </m:oMath>
+                        </a14:m>
+                        <a:r>
+                          <a:rPr lang="en-VN" dirty="0"/>
+                          <a:t>: Freeze</a:t>
+                        </a:r>
+                      </a:p>
+                    </p:txBody>
+                  </p:sp>
+                </mc:Choice>
+                <mc:Fallback>
+                  <p:sp>
+                    <p:nvSpPr>
+                      <p:cNvPr id="22" name="Rounded Rectangle 21">
+                        <a:extLst>
+                          <a:ext uri="{FF2B5EF4-FFF2-40B4-BE49-F238E27FC236}">
+                            <a16:creationId xmlns:a16="http://schemas.microsoft.com/office/drawing/2014/main" id="{AC92F77D-1723-9CFE-26BC-00195B0DFD83}"/>
+                          </a:ext>
+                        </a:extLst>
+                      </p:cNvPr>
+                      <p:cNvSpPr>
+                        <a:spLocks noRot="1" noChangeAspect="1" noMove="1" noResize="1" noEditPoints="1" noAdjustHandles="1" noChangeArrowheads="1" noChangeShapeType="1" noTextEdit="1"/>
+                      </p:cNvSpPr>
+                      <p:nvPr/>
+                    </p:nvSpPr>
+                    <p:spPr>
+                      <a:xfrm>
+                        <a:off x="2850288" y="1076643"/>
+                        <a:ext cx="1501347" cy="1090363"/>
+                      </a:xfrm>
+                      <a:prstGeom prst="roundRect">
+                        <a:avLst/>
+                      </a:prstGeom>
+                      <a:blipFill>
+                        <a:blip r:embed="rId3"/>
+                        <a:stretch>
+                          <a:fillRect/>
+                        </a:stretch>
+                      </a:blipFill>
+                    </p:spPr>
+                    <p:txBody>
+                      <a:bodyPr/>
+                      <a:lstStyle/>
+                      <a:p>
+                        <a:r>
+                          <a:rPr lang="en-VN">
+                            <a:noFill/>
+                          </a:rPr>
+                          <a:t> </a:t>
+                        </a:r>
+                      </a:p>
+                    </p:txBody>
+                  </p:sp>
+                </mc:Fallback>
+              </mc:AlternateContent>
+              <p:sp>
+                <p:nvSpPr>
+                  <p:cNvPr id="23" name="Rounded Rectangle 22">
+                    <a:extLst>
+                      <a:ext uri="{FF2B5EF4-FFF2-40B4-BE49-F238E27FC236}">
+                        <a16:creationId xmlns:a16="http://schemas.microsoft.com/office/drawing/2014/main" id="{F9D15461-7BE7-178A-FE56-BABD9EEF30FA}"/>
+                      </a:ext>
+                    </a:extLst>
+                  </p:cNvPr>
+                  <p:cNvSpPr/>
+                  <p:nvPr/>
+                </p:nvSpPr>
+                <p:spPr>
+                  <a:xfrm>
+                    <a:off x="4392822" y="1155795"/>
+                    <a:ext cx="1365424" cy="957648"/>
+                  </a:xfrm>
+                  <a:prstGeom prst="roundRect">
+                    <a:avLst/>
+                  </a:prstGeom>
+                </p:spPr>
+                <p:style>
+                  <a:lnRef idx="2">
+                    <a:schemeClr val="accent1">
+                      <a:shade val="15000"/>
+                    </a:schemeClr>
+                  </a:lnRef>
+                  <a:fillRef idx="1">
+                    <a:schemeClr val="accent1"/>
+                  </a:fillRef>
+                  <a:effectRef idx="0">
+                    <a:schemeClr val="accent1"/>
+                  </a:effectRef>
+                  <a:fontRef idx="minor">
+                    <a:schemeClr val="lt1"/>
+                  </a:fontRef>
+                </p:style>
+                <p:txBody>
+                  <a:bodyPr rtlCol="0" anchor="ctr"/>
+                  <a:lstStyle/>
+                  <a:p>
+                    <a:pPr algn="ctr"/>
+                    <a:r>
+                      <a:rPr lang="en-VN" dirty="0"/>
+                      <a:t>BackboneB: Random Initialize</a:t>
+                    </a:r>
+                  </a:p>
+                </p:txBody>
+              </p:sp>
+            </p:grpSp>
+            <p:grpSp>
+              <p:nvGrpSpPr>
+                <p:cNvPr id="31" name="Group 30">
+                  <a:extLst>
+                    <a:ext uri="{FF2B5EF4-FFF2-40B4-BE49-F238E27FC236}">
+                      <a16:creationId xmlns:a16="http://schemas.microsoft.com/office/drawing/2014/main" id="{F078D300-B3A5-58FB-268A-91C9413A51A6}"/>
+                    </a:ext>
+                  </a:extLst>
+                </p:cNvPr>
+                <p:cNvGrpSpPr/>
+                <p:nvPr/>
+              </p:nvGrpSpPr>
+              <p:grpSpPr>
+                <a:xfrm>
+                  <a:off x="7432614" y="1771762"/>
+                  <a:ext cx="4626465" cy="1369318"/>
+                  <a:chOff x="6798619" y="960928"/>
+                  <a:chExt cx="4626465" cy="1369318"/>
+                </a:xfrm>
+              </p:grpSpPr>
+              <p:sp>
+                <p:nvSpPr>
+                  <p:cNvPr id="28" name="Rounded Rectangle 27">
+                    <a:extLst>
+                      <a:ext uri="{FF2B5EF4-FFF2-40B4-BE49-F238E27FC236}">
+                        <a16:creationId xmlns:a16="http://schemas.microsoft.com/office/drawing/2014/main" id="{8D33FC04-097D-5F8E-E03A-0B86CB0368AD}"/>
+                      </a:ext>
+                    </a:extLst>
+                  </p:cNvPr>
+                  <p:cNvSpPr/>
+                  <p:nvPr/>
+                </p:nvSpPr>
+                <p:spPr>
+                  <a:xfrm>
+                    <a:off x="6798619" y="960928"/>
+                    <a:ext cx="4626465" cy="1369318"/>
+                  </a:xfrm>
+                  <a:prstGeom prst="roundRect">
+                    <a:avLst/>
+                  </a:prstGeom>
+                  <a:solidFill>
+                    <a:schemeClr val="accent2"/>
+                  </a:solidFill>
+                </p:spPr>
+                <p:style>
+                  <a:lnRef idx="2">
+                    <a:schemeClr val="accent1">
+                      <a:shade val="15000"/>
+                    </a:schemeClr>
+                  </a:lnRef>
+                  <a:fillRef idx="1">
+                    <a:schemeClr val="accent1"/>
+                  </a:fillRef>
+                  <a:effectRef idx="0">
+                    <a:schemeClr val="accent1"/>
+                  </a:effectRef>
+                  <a:fontRef idx="minor">
+                    <a:schemeClr val="lt1"/>
+                  </a:fontRef>
+                </p:style>
+                <p:txBody>
+                  <a:bodyPr rtlCol="0" anchor="ctr"/>
+                  <a:lstStyle/>
+                  <a:p>
+                    <a:pPr algn="ctr"/>
+                    <a:endParaRPr lang="en-VN"/>
+                  </a:p>
+                </p:txBody>
+              </p:sp>
+              <mc:AlternateContent xmlns:mc="http://schemas.openxmlformats.org/markup-compatibility/2006">
+                <mc:Choice xmlns:a14="http://schemas.microsoft.com/office/drawing/2010/main" Requires="a14">
+                  <p:sp>
+                    <p:nvSpPr>
+                      <p:cNvPr id="24" name="Rounded Rectangle 23">
+                        <a:extLst>
+                          <a:ext uri="{FF2B5EF4-FFF2-40B4-BE49-F238E27FC236}">
+                            <a16:creationId xmlns:a16="http://schemas.microsoft.com/office/drawing/2014/main" id="{9BB44254-4E48-B5F8-B506-02D41CC14012}"/>
+                          </a:ext>
+                        </a:extLst>
+                      </p:cNvPr>
+                      <p:cNvSpPr/>
+                      <p:nvPr/>
+                    </p:nvSpPr>
+                    <p:spPr>
+                      <a:xfrm>
+                        <a:off x="6909426" y="1033034"/>
+                        <a:ext cx="3016237" cy="1203168"/>
+                      </a:xfrm>
+                      <a:prstGeom prst="roundRect">
+                        <a:avLst/>
+                      </a:prstGeom>
+                      <a:solidFill>
+                        <a:schemeClr val="accent6"/>
+                      </a:solidFill>
+                    </p:spPr>
+                    <p:style>
+                      <a:lnRef idx="2">
+                        <a:schemeClr val="accent1">
+                          <a:shade val="15000"/>
+                        </a:schemeClr>
+                      </a:lnRef>
+                      <a:fillRef idx="1">
+                        <a:schemeClr val="accent1"/>
+                      </a:fillRef>
+                      <a:effectRef idx="0">
+                        <a:schemeClr val="accent1"/>
+                      </a:effectRef>
+                      <a:fontRef idx="minor">
+                        <a:schemeClr val="lt1"/>
+                      </a:fontRef>
+                    </p:style>
+                    <p:txBody>
+                      <a:bodyPr rtlCol="0" anchor="ctr"/>
+                      <a:lstStyle/>
+                      <a:p>
+                        <a:pPr algn="ctr"/>
+                        <a:r>
+                          <a:rPr lang="en-VN" dirty="0"/>
+                          <a:t>Feature extractor </a:t>
+                        </a:r>
+                        <a14:m>
+                          <m:oMath xmlns:m="http://schemas.openxmlformats.org/officeDocument/2006/math">
+                            <m:sSub>
+                              <m:sSubPr>
+                                <m:ctrlPr>
+                                  <a:rPr lang="el-GR" i="1" smtClean="0">
+                                    <a:latin typeface="Cambria Math" panose="02040503050406030204" pitchFamily="18" charset="0"/>
+                                    <a:ea typeface="Cambria Math" panose="02040503050406030204" pitchFamily="18" charset="0"/>
+                                  </a:rPr>
+                                </m:ctrlPr>
+                              </m:sSubPr>
+                              <m:e>
+                                <m:r>
+                                  <m:rPr>
+                                    <m:sty m:val="p"/>
+                                  </m:rPr>
+                                  <a:rPr lang="el-GR" i="1">
+                                    <a:latin typeface="Cambria Math" panose="02040503050406030204" pitchFamily="18" charset="0"/>
+                                    <a:ea typeface="Cambria Math" panose="02040503050406030204" pitchFamily="18" charset="0"/>
+                                  </a:rPr>
+                                  <m:t>Φ</m:t>
+                                </m:r>
+                              </m:e>
+                              <m:sub>
+                                <m:r>
+                                  <a:rPr lang="en-US" b="0" i="1" smtClean="0">
+                                    <a:latin typeface="Cambria Math" panose="02040503050406030204" pitchFamily="18" charset="0"/>
+                                    <a:ea typeface="Cambria Math" panose="02040503050406030204" pitchFamily="18" charset="0"/>
+                                  </a:rPr>
+                                  <m:t>2</m:t>
+                                </m:r>
+                              </m:sub>
+                            </m:sSub>
+                          </m:oMath>
+                        </a14:m>
+                        <a:r>
+                          <a:rPr lang="en-VN" dirty="0"/>
+                          <a:t>: Freeze</a:t>
+                        </a:r>
+                      </a:p>
+                    </p:txBody>
+                  </p:sp>
+                </mc:Choice>
+                <mc:Fallback>
+                  <p:sp>
+                    <p:nvSpPr>
+                      <p:cNvPr id="24" name="Rounded Rectangle 23">
+                        <a:extLst>
+                          <a:ext uri="{FF2B5EF4-FFF2-40B4-BE49-F238E27FC236}">
+                            <a16:creationId xmlns:a16="http://schemas.microsoft.com/office/drawing/2014/main" id="{9BB44254-4E48-B5F8-B506-02D41CC14012}"/>
+                          </a:ext>
+                        </a:extLst>
+                      </p:cNvPr>
+                      <p:cNvSpPr>
+                        <a:spLocks noRot="1" noChangeAspect="1" noMove="1" noResize="1" noEditPoints="1" noAdjustHandles="1" noChangeArrowheads="1" noChangeShapeType="1" noTextEdit="1"/>
+                      </p:cNvSpPr>
+                      <p:nvPr/>
+                    </p:nvSpPr>
+                    <p:spPr>
+                      <a:xfrm>
+                        <a:off x="6909426" y="1033034"/>
+                        <a:ext cx="3016237" cy="1203168"/>
+                      </a:xfrm>
+                      <a:prstGeom prst="roundRect">
+                        <a:avLst/>
+                      </a:prstGeom>
+                      <a:blipFill>
+                        <a:blip r:embed="rId4"/>
+                        <a:stretch>
+                          <a:fillRect/>
+                        </a:stretch>
+                      </a:blipFill>
+                    </p:spPr>
+                    <p:txBody>
+                      <a:bodyPr/>
+                      <a:lstStyle/>
+                      <a:p>
+                        <a:r>
+                          <a:rPr lang="en-VN">
+                            <a:noFill/>
+                          </a:rPr>
+                          <a:t> </a:t>
+                        </a:r>
+                      </a:p>
+                    </p:txBody>
+                  </p:sp>
+                </mc:Fallback>
+              </mc:AlternateContent>
+              <p:sp>
+                <p:nvSpPr>
+                  <p:cNvPr id="27" name="Rounded Rectangle 26">
+                    <a:extLst>
+                      <a:ext uri="{FF2B5EF4-FFF2-40B4-BE49-F238E27FC236}">
+                        <a16:creationId xmlns:a16="http://schemas.microsoft.com/office/drawing/2014/main" id="{99A1E6F3-4378-FCC4-FC8A-A01D130B3E11}"/>
+                      </a:ext>
+                    </a:extLst>
+                  </p:cNvPr>
+                  <p:cNvSpPr/>
+                  <p:nvPr/>
+                </p:nvSpPr>
+                <p:spPr>
+                  <a:xfrm>
+                    <a:off x="9964992" y="1155794"/>
+                    <a:ext cx="1365424" cy="957648"/>
+                  </a:xfrm>
+                  <a:prstGeom prst="roundRect">
+                    <a:avLst/>
+                  </a:prstGeom>
+                </p:spPr>
+                <p:style>
+                  <a:lnRef idx="2">
+                    <a:schemeClr val="accent1">
+                      <a:shade val="15000"/>
+                    </a:schemeClr>
+                  </a:lnRef>
+                  <a:fillRef idx="1">
+                    <a:schemeClr val="accent1"/>
+                  </a:fillRef>
+                  <a:effectRef idx="0">
+                    <a:schemeClr val="accent1"/>
+                  </a:effectRef>
+                  <a:fontRef idx="minor">
+                    <a:schemeClr val="lt1"/>
+                  </a:fontRef>
+                </p:style>
+                <p:txBody>
+                  <a:bodyPr rtlCol="0" anchor="ctr"/>
+                  <a:lstStyle/>
+                  <a:p>
+                    <a:pPr algn="ctr"/>
+                    <a:r>
+                      <a:rPr lang="en-VN" dirty="0"/>
+                      <a:t>BackboneB: Random Initialize</a:t>
+                    </a:r>
+                  </a:p>
+                </p:txBody>
+              </p:sp>
+            </p:grpSp>
+            <p:cxnSp>
+              <p:nvCxnSpPr>
+                <p:cNvPr id="38" name="Straight Arrow Connector 37">
+                  <a:extLst>
+                    <a:ext uri="{FF2B5EF4-FFF2-40B4-BE49-F238E27FC236}">
+                      <a16:creationId xmlns:a16="http://schemas.microsoft.com/office/drawing/2014/main" id="{CAE857C7-9EB2-6D07-E9A3-62223D109CF5}"/>
+                    </a:ext>
+                  </a:extLst>
+                </p:cNvPr>
+                <p:cNvCxnSpPr>
+                  <a:cxnSpLocks/>
+                  <a:stCxn id="9" idx="3"/>
+                  <a:endCxn id="22" idx="1"/>
+                </p:cNvCxnSpPr>
+                <p:nvPr/>
+              </p:nvCxnSpPr>
+              <p:spPr>
+                <a:xfrm flipV="1">
+                  <a:off x="1848950" y="2443628"/>
+                  <a:ext cx="1361659" cy="198"/>
+                </a:xfrm>
+                <a:prstGeom prst="straightConnector1">
+                  <a:avLst/>
+                </a:prstGeom>
+                <a:ln>
+                  <a:tailEnd type="triangle"/>
+                </a:ln>
+              </p:spPr>
+              <p:style>
+                <a:lnRef idx="2">
+                  <a:schemeClr val="accent1"/>
+                </a:lnRef>
+                <a:fillRef idx="0">
+                  <a:schemeClr val="accent1"/>
+                </a:fillRef>
+                <a:effectRef idx="1">
+                  <a:schemeClr val="accent1"/>
+                </a:effectRef>
+                <a:fontRef idx="minor">
+                  <a:schemeClr val="tx1"/>
+                </a:fontRef>
+              </p:style>
+            </p:cxnSp>
+            <p:cxnSp>
+              <p:nvCxnSpPr>
+                <p:cNvPr id="40" name="Straight Arrow Connector 39">
+                  <a:extLst>
+                    <a:ext uri="{FF2B5EF4-FFF2-40B4-BE49-F238E27FC236}">
+                      <a16:creationId xmlns:a16="http://schemas.microsoft.com/office/drawing/2014/main" id="{4ADAA369-3F97-8D90-3BFE-33C9D32B34CE}"/>
+                    </a:ext>
+                  </a:extLst>
+                </p:cNvPr>
+                <p:cNvCxnSpPr>
+                  <a:stCxn id="18" idx="3"/>
+                  <a:endCxn id="24" idx="1"/>
+                </p:cNvCxnSpPr>
+                <p:nvPr/>
+              </p:nvCxnSpPr>
+              <p:spPr>
+                <a:xfrm flipV="1">
+                  <a:off x="6167640" y="2445452"/>
+                  <a:ext cx="1375781" cy="10969"/>
+                </a:xfrm>
+                <a:prstGeom prst="straightConnector1">
+                  <a:avLst/>
+                </a:prstGeom>
+                <a:ln>
+                  <a:tailEnd type="triangle"/>
+                </a:ln>
+              </p:spPr>
+              <p:style>
+                <a:lnRef idx="2">
+                  <a:schemeClr val="accent1"/>
+                </a:lnRef>
+                <a:fillRef idx="0">
+                  <a:schemeClr val="accent1"/>
+                </a:fillRef>
+                <a:effectRef idx="1">
+                  <a:schemeClr val="accent1"/>
+                </a:effectRef>
+                <a:fontRef idx="minor">
+                  <a:schemeClr val="tx1"/>
+                </a:fontRef>
+              </p:style>
+            </p:cxnSp>
+            <p:sp>
+              <p:nvSpPr>
+                <p:cNvPr id="46" name="TextBox 45">
+                  <a:extLst>
+                    <a:ext uri="{FF2B5EF4-FFF2-40B4-BE49-F238E27FC236}">
+                      <a16:creationId xmlns:a16="http://schemas.microsoft.com/office/drawing/2014/main" id="{2F848C67-74A1-A04E-E6A3-4821816C7415}"/>
+                    </a:ext>
+                  </a:extLst>
+                </p:cNvPr>
+                <p:cNvSpPr txBox="1"/>
+                <p:nvPr/>
+              </p:nvSpPr>
+              <p:spPr>
+                <a:xfrm>
+                  <a:off x="2180798" y="2081604"/>
+                  <a:ext cx="703398" cy="369332"/>
+                </a:xfrm>
+                <a:prstGeom prst="rect">
+                  <a:avLst/>
+                </a:prstGeom>
+                <a:noFill/>
+              </p:spPr>
+              <p:txBody>
+                <a:bodyPr wrap="none" rtlCol="0">
+                  <a:spAutoFit/>
+                </a:bodyPr>
+                <a:lstStyle/>
+                <a:p>
+                  <a:r>
+                    <a:rPr lang="en-VN" dirty="0"/>
+                    <a:t>Copy</a:t>
+                  </a:r>
+                </a:p>
+              </p:txBody>
+            </p:sp>
+            <p:sp>
+              <p:nvSpPr>
+                <p:cNvPr id="47" name="TextBox 46">
+                  <a:extLst>
+                    <a:ext uri="{FF2B5EF4-FFF2-40B4-BE49-F238E27FC236}">
+                      <a16:creationId xmlns:a16="http://schemas.microsoft.com/office/drawing/2014/main" id="{95D21429-823A-593A-D6D2-18EC7D0A2972}"/>
+                    </a:ext>
+                  </a:extLst>
+                </p:cNvPr>
+                <p:cNvSpPr txBox="1"/>
+                <p:nvPr/>
+              </p:nvSpPr>
+              <p:spPr>
+                <a:xfrm>
+                  <a:off x="6425636" y="2081604"/>
+                  <a:ext cx="703398" cy="369332"/>
+                </a:xfrm>
+                <a:prstGeom prst="rect">
+                  <a:avLst/>
+                </a:prstGeom>
+                <a:noFill/>
+              </p:spPr>
+              <p:txBody>
+                <a:bodyPr wrap="none" rtlCol="0">
+                  <a:spAutoFit/>
+                </a:bodyPr>
+                <a:lstStyle/>
+                <a:p>
+                  <a:r>
+                    <a:rPr lang="en-VN" dirty="0"/>
+                    <a:t>Copy</a:t>
+                  </a:r>
+                </a:p>
+              </p:txBody>
+            </p:sp>
+            <p:sp>
+              <p:nvSpPr>
+                <p:cNvPr id="48" name="TextBox 47">
+                  <a:extLst>
+                    <a:ext uri="{FF2B5EF4-FFF2-40B4-BE49-F238E27FC236}">
+                      <a16:creationId xmlns:a16="http://schemas.microsoft.com/office/drawing/2014/main" id="{CEA62A9A-D085-BE28-B795-DEFEE9F6E707}"/>
+                    </a:ext>
+                  </a:extLst>
+                </p:cNvPr>
+                <p:cNvSpPr txBox="1"/>
+                <p:nvPr/>
+              </p:nvSpPr>
+              <p:spPr>
+                <a:xfrm>
+                  <a:off x="6113755" y="2453771"/>
+                  <a:ext cx="1410001" cy="369332"/>
+                </a:xfrm>
+                <a:prstGeom prst="rect">
+                  <a:avLst/>
+                </a:prstGeom>
+                <a:noFill/>
+              </p:spPr>
+              <p:txBody>
+                <a:bodyPr wrap="square" rtlCol="0">
+                  <a:spAutoFit/>
+                </a:bodyPr>
+                <a:lstStyle/>
+                <a:p>
+                  <a:r>
+                    <a:rPr lang="en-VN" dirty="0"/>
+                    <a:t>Weight Align</a:t>
+                  </a:r>
+                </a:p>
+              </p:txBody>
+            </p:sp>
+          </p:grpSp>
+          <p:grpSp>
+            <p:nvGrpSpPr>
+              <p:cNvPr id="98" name="Group 97">
+                <a:extLst>
+                  <a:ext uri="{FF2B5EF4-FFF2-40B4-BE49-F238E27FC236}">
+                    <a16:creationId xmlns:a16="http://schemas.microsoft.com/office/drawing/2014/main" id="{271B9DC5-B890-A43B-7A3B-97C22B03866E}"/>
+                  </a:ext>
+                </a:extLst>
+              </p:cNvPr>
+              <p:cNvGrpSpPr/>
+              <p:nvPr/>
+            </p:nvGrpSpPr>
+            <p:grpSpPr>
+              <a:xfrm>
+                <a:off x="558276" y="3813952"/>
+                <a:ext cx="10807570" cy="510068"/>
+                <a:chOff x="558276" y="3813952"/>
+                <a:chExt cx="10807570" cy="510068"/>
+              </a:xfrm>
+            </p:grpSpPr>
+            <mc:AlternateContent xmlns:mc="http://schemas.openxmlformats.org/markup-compatibility/2006">
+              <mc:Choice xmlns:a14="http://schemas.microsoft.com/office/drawing/2010/main" Requires="a14">
+                <p:sp>
+                  <p:nvSpPr>
+                    <p:cNvPr id="6" name="Rounded Rectangle 5">
+                      <a:extLst>
+                        <a:ext uri="{FF2B5EF4-FFF2-40B4-BE49-F238E27FC236}">
+                          <a16:creationId xmlns:a16="http://schemas.microsoft.com/office/drawing/2014/main" id="{D3FC8CE7-4CC3-5820-BD6A-92B9645E4457}"/>
+                        </a:ext>
+                      </a:extLst>
+                    </p:cNvPr>
+                    <p:cNvSpPr/>
+                    <p:nvPr/>
+                  </p:nvSpPr>
+                  <p:spPr>
+                    <a:xfrm>
+                      <a:off x="558276" y="3964020"/>
+                      <a:ext cx="1080000" cy="360000"/>
+                    </a:xfrm>
+                    <a:prstGeom prst="roundRect">
+                      <a:avLst/>
+                    </a:prstGeom>
+                  </p:spPr>
+                  <p:style>
+                    <a:lnRef idx="2">
+                      <a:schemeClr val="accent1">
+                        <a:shade val="15000"/>
+                      </a:schemeClr>
+                    </a:lnRef>
+                    <a:fillRef idx="1">
+                      <a:schemeClr val="accent1"/>
+                    </a:fillRef>
+                    <a:effectRef idx="0">
+                      <a:schemeClr val="accent1"/>
+                    </a:effectRef>
+                    <a:fontRef idx="minor">
+                      <a:schemeClr val="lt1"/>
+                    </a:fontRef>
+                  </p:style>
+                  <p:txBody>
+                    <a:bodyPr rtlCol="0" anchor="ctr"/>
+                    <a:lstStyle/>
+                    <a:p>
+                      <a:pPr algn="ctr"/>
+                      <a14:m>
+                        <m:oMathPara xmlns:m="http://schemas.openxmlformats.org/officeDocument/2006/math">
+                          <m:oMathParaPr>
+                            <m:jc m:val="centerGroup"/>
+                          </m:oMathParaPr>
+                          <m:oMath xmlns:m="http://schemas.openxmlformats.org/officeDocument/2006/math">
+                            <m:sSub>
+                              <m:sSubPr>
+                                <m:ctrlPr>
+                                  <a:rPr lang="en-VN" i="1" smtClean="0">
+                                    <a:latin typeface="Cambria Math" panose="02040503050406030204" pitchFamily="18" charset="0"/>
+                                    <a:ea typeface="Cambria Math" panose="02040503050406030204" pitchFamily="18" charset="0"/>
+                                  </a:rPr>
+                                </m:ctrlPr>
+                              </m:sSubPr>
+                              <m:e>
+                                <m:r>
+                                  <a:rPr lang="en-VN" i="1">
+                                    <a:latin typeface="Cambria Math" panose="02040503050406030204" pitchFamily="18" charset="0"/>
+                                    <a:ea typeface="Cambria Math" panose="02040503050406030204" pitchFamily="18" charset="0"/>
+                                  </a:rPr>
+                                  <m:t>ℱ</m:t>
+                                </m:r>
+                              </m:e>
+                              <m:sub>
+                                <m:r>
+                                  <a:rPr lang="en-US" b="0" i="1" smtClean="0">
+                                    <a:latin typeface="Cambria Math" panose="02040503050406030204" pitchFamily="18" charset="0"/>
+                                    <a:ea typeface="Cambria Math" panose="02040503050406030204" pitchFamily="18" charset="0"/>
+                                  </a:rPr>
+                                  <m:t>1</m:t>
+                                </m:r>
+                              </m:sub>
+                            </m:sSub>
+                          </m:oMath>
+                        </m:oMathPara>
+                      </a14:m>
+                      <a:endParaRPr lang="en-VN" dirty="0"/>
+                    </a:p>
+                  </p:txBody>
+                </p:sp>
+              </mc:Choice>
+              <mc:Fallback>
+                <p:sp>
+                  <p:nvSpPr>
+                    <p:cNvPr id="6" name="Rounded Rectangle 5">
+                      <a:extLst>
+                        <a:ext uri="{FF2B5EF4-FFF2-40B4-BE49-F238E27FC236}">
+                          <a16:creationId xmlns:a16="http://schemas.microsoft.com/office/drawing/2014/main" id="{D3FC8CE7-4CC3-5820-BD6A-92B9645E4457}"/>
+                        </a:ext>
+                      </a:extLst>
+                    </p:cNvPr>
+                    <p:cNvSpPr>
+                      <a:spLocks noRot="1" noChangeAspect="1" noMove="1" noResize="1" noEditPoints="1" noAdjustHandles="1" noChangeArrowheads="1" noChangeShapeType="1" noTextEdit="1"/>
+                    </p:cNvSpPr>
+                    <p:nvPr/>
+                  </p:nvSpPr>
+                  <p:spPr>
+                    <a:xfrm>
+                      <a:off x="558276" y="3964020"/>
+                      <a:ext cx="1080000" cy="360000"/>
+                    </a:xfrm>
+                    <a:prstGeom prst="roundRect">
+                      <a:avLst/>
+                    </a:prstGeom>
+                    <a:blipFill>
+                      <a:blip r:embed="rId5"/>
+                      <a:stretch>
+                        <a:fillRect/>
+                      </a:stretch>
+                    </a:blipFill>
+                  </p:spPr>
+                  <p:txBody>
+                    <a:bodyPr/>
+                    <a:lstStyle/>
+                    <a:p>
+                      <a:r>
+                        <a:rPr lang="en-VN">
+                          <a:noFill/>
+                        </a:rPr>
+                        <a:t> </a:t>
+                      </a:r>
+                    </a:p>
+                  </p:txBody>
+                </p:sp>
+              </mc:Fallback>
+            </mc:AlternateContent>
+            <mc:AlternateContent xmlns:mc="http://schemas.openxmlformats.org/markup-compatibility/2006">
+              <mc:Choice xmlns:a14="http://schemas.microsoft.com/office/drawing/2010/main" Requires="a14">
+                <p:sp>
+                  <p:nvSpPr>
+                    <p:cNvPr id="30" name="Rounded Rectangle 29">
+                      <a:extLst>
+                        <a:ext uri="{FF2B5EF4-FFF2-40B4-BE49-F238E27FC236}">
+                          <a16:creationId xmlns:a16="http://schemas.microsoft.com/office/drawing/2014/main" id="{A7083DCE-48C1-600A-B5F9-D01283BC9E81}"/>
+                        </a:ext>
+                      </a:extLst>
+                    </p:cNvPr>
+                    <p:cNvSpPr/>
+                    <p:nvPr/>
+                  </p:nvSpPr>
+                  <p:spPr>
+                    <a:xfrm>
+                      <a:off x="8125846" y="3964020"/>
+                      <a:ext cx="3240000" cy="360000"/>
+                    </a:xfrm>
+                    <a:prstGeom prst="roundRect">
+                      <a:avLst/>
+                    </a:prstGeom>
+                  </p:spPr>
+                  <p:style>
+                    <a:lnRef idx="2">
+                      <a:schemeClr val="accent1">
+                        <a:shade val="15000"/>
+                      </a:schemeClr>
+                    </a:lnRef>
+                    <a:fillRef idx="1">
+                      <a:schemeClr val="accent1"/>
+                    </a:fillRef>
+                    <a:effectRef idx="0">
+                      <a:schemeClr val="accent1"/>
+                    </a:effectRef>
+                    <a:fontRef idx="minor">
+                      <a:schemeClr val="lt1"/>
+                    </a:fontRef>
+                  </p:style>
+                  <p:txBody>
+                    <a:bodyPr rtlCol="0" anchor="ctr"/>
+                    <a:lstStyle/>
+                    <a:p>
+                      <a:pPr algn="ctr"/>
+                      <a14:m>
+                        <m:oMathPara xmlns:m="http://schemas.openxmlformats.org/officeDocument/2006/math">
+                          <m:oMathParaPr>
+                            <m:jc m:val="centerGroup"/>
+                          </m:oMathParaPr>
+                          <m:oMath xmlns:m="http://schemas.openxmlformats.org/officeDocument/2006/math">
+                            <m:sSub>
+                              <m:sSubPr>
+                                <m:ctrlPr>
+                                  <a:rPr lang="en-VN" i="1" smtClean="0">
+                                    <a:latin typeface="Cambria Math" panose="02040503050406030204" pitchFamily="18" charset="0"/>
+                                    <a:ea typeface="Cambria Math" panose="02040503050406030204" pitchFamily="18" charset="0"/>
+                                  </a:rPr>
+                                </m:ctrlPr>
+                              </m:sSubPr>
+                              <m:e>
+                                <m:r>
+                                  <a:rPr lang="en-VN" i="1">
+                                    <a:latin typeface="Cambria Math" panose="02040503050406030204" pitchFamily="18" charset="0"/>
+                                    <a:ea typeface="Cambria Math" panose="02040503050406030204" pitchFamily="18" charset="0"/>
+                                  </a:rPr>
+                                  <m:t>ℱ</m:t>
+                                </m:r>
+                              </m:e>
+                              <m:sub>
+                                <m:r>
+                                  <a:rPr lang="vi-VN" b="0" i="1" smtClean="0">
+                                    <a:latin typeface="Cambria Math" panose="02040503050406030204" pitchFamily="18" charset="0"/>
+                                    <a:ea typeface="Cambria Math" panose="02040503050406030204" pitchFamily="18" charset="0"/>
+                                  </a:rPr>
+                                  <m:t>3</m:t>
+                                </m:r>
+                              </m:sub>
+                            </m:sSub>
+                          </m:oMath>
+                        </m:oMathPara>
+                      </a14:m>
+                      <a:endParaRPr lang="en-VN" dirty="0"/>
+                    </a:p>
+                  </p:txBody>
+                </p:sp>
+              </mc:Choice>
+              <mc:Fallback>
+                <p:sp>
+                  <p:nvSpPr>
+                    <p:cNvPr id="30" name="Rounded Rectangle 29">
+                      <a:extLst>
+                        <a:ext uri="{FF2B5EF4-FFF2-40B4-BE49-F238E27FC236}">
+                          <a16:creationId xmlns:a16="http://schemas.microsoft.com/office/drawing/2014/main" id="{A7083DCE-48C1-600A-B5F9-D01283BC9E81}"/>
+                        </a:ext>
+                      </a:extLst>
+                    </p:cNvPr>
+                    <p:cNvSpPr>
+                      <a:spLocks noRot="1" noChangeAspect="1" noMove="1" noResize="1" noEditPoints="1" noAdjustHandles="1" noChangeArrowheads="1" noChangeShapeType="1" noTextEdit="1"/>
+                    </p:cNvSpPr>
+                    <p:nvPr/>
+                  </p:nvSpPr>
+                  <p:spPr>
+                    <a:xfrm>
+                      <a:off x="8125846" y="3964020"/>
+                      <a:ext cx="3240000" cy="360000"/>
+                    </a:xfrm>
+                    <a:prstGeom prst="roundRect">
+                      <a:avLst/>
+                    </a:prstGeom>
+                    <a:blipFill>
+                      <a:blip r:embed="rId6"/>
+                      <a:stretch>
+                        <a:fillRect/>
+                      </a:stretch>
+                    </a:blipFill>
+                  </p:spPr>
+                  <p:txBody>
+                    <a:bodyPr/>
+                    <a:lstStyle/>
+                    <a:p>
+                      <a:r>
+                        <a:rPr lang="en-VN">
+                          <a:noFill/>
+                        </a:rPr>
+                        <a:t> </a:t>
+                      </a:r>
+                    </a:p>
+                  </p:txBody>
+                </p:sp>
+              </mc:Fallback>
+            </mc:AlternateContent>
+            <p:cxnSp>
+              <p:nvCxnSpPr>
+                <p:cNvPr id="43" name="Straight Arrow Connector 42">
+                  <a:extLst>
+                    <a:ext uri="{FF2B5EF4-FFF2-40B4-BE49-F238E27FC236}">
+                      <a16:creationId xmlns:a16="http://schemas.microsoft.com/office/drawing/2014/main" id="{0CF08673-21D2-8038-D763-E5CBDC2DC0F7}"/>
+                    </a:ext>
+                  </a:extLst>
+                </p:cNvPr>
+                <p:cNvCxnSpPr>
+                  <a:stCxn id="6" idx="3"/>
+                  <a:endCxn id="13" idx="1"/>
+                </p:cNvCxnSpPr>
+                <p:nvPr/>
+              </p:nvCxnSpPr>
+              <p:spPr>
+                <a:xfrm flipV="1">
+                  <a:off x="1638276" y="4138414"/>
+                  <a:ext cx="1941244" cy="5606"/>
+                </a:xfrm>
+                <a:prstGeom prst="straightConnector1">
+                  <a:avLst/>
+                </a:prstGeom>
+                <a:ln>
+                  <a:tailEnd type="triangle"/>
+                </a:ln>
+              </p:spPr>
+              <p:style>
+                <a:lnRef idx="2">
+                  <a:schemeClr val="accent1"/>
+                </a:lnRef>
+                <a:fillRef idx="0">
+                  <a:schemeClr val="accent1"/>
+                </a:fillRef>
+                <a:effectRef idx="1">
+                  <a:schemeClr val="accent1"/>
+                </a:effectRef>
+                <a:fontRef idx="minor">
+                  <a:schemeClr val="tx1"/>
+                </a:fontRef>
+              </p:style>
+            </p:cxnSp>
+            <p:cxnSp>
+              <p:nvCxnSpPr>
+                <p:cNvPr id="45" name="Straight Arrow Connector 44">
+                  <a:extLst>
+                    <a:ext uri="{FF2B5EF4-FFF2-40B4-BE49-F238E27FC236}">
+                      <a16:creationId xmlns:a16="http://schemas.microsoft.com/office/drawing/2014/main" id="{A0C20000-56BF-EBB6-9735-B4CF7C020600}"/>
+                    </a:ext>
+                  </a:extLst>
+                </p:cNvPr>
+                <p:cNvCxnSpPr>
+                  <a:stCxn id="13" idx="3"/>
+                  <a:endCxn id="30" idx="1"/>
+                </p:cNvCxnSpPr>
+                <p:nvPr/>
+              </p:nvCxnSpPr>
+              <p:spPr>
+                <a:xfrm>
+                  <a:off x="5739520" y="4138414"/>
+                  <a:ext cx="2386326" cy="5606"/>
+                </a:xfrm>
+                <a:prstGeom prst="straightConnector1">
+                  <a:avLst/>
+                </a:prstGeom>
+                <a:ln>
+                  <a:tailEnd type="triangle"/>
+                </a:ln>
+              </p:spPr>
+              <p:style>
+                <a:lnRef idx="2">
+                  <a:schemeClr val="accent1"/>
+                </a:lnRef>
+                <a:fillRef idx="0">
+                  <a:schemeClr val="accent1"/>
+                </a:fillRef>
+                <a:effectRef idx="1">
+                  <a:schemeClr val="accent1"/>
+                </a:effectRef>
+                <a:fontRef idx="minor">
+                  <a:schemeClr val="tx1"/>
+                </a:fontRef>
+              </p:style>
+            </p:cxnSp>
+            <p:sp>
+              <p:nvSpPr>
+                <p:cNvPr id="49" name="TextBox 48">
+                  <a:extLst>
+                    <a:ext uri="{FF2B5EF4-FFF2-40B4-BE49-F238E27FC236}">
+                      <a16:creationId xmlns:a16="http://schemas.microsoft.com/office/drawing/2014/main" id="{03EB8F1D-325D-7CA7-673D-7B4990BC8330}"/>
+                    </a:ext>
+                  </a:extLst>
+                </p:cNvPr>
+                <p:cNvSpPr txBox="1"/>
+                <p:nvPr/>
+              </p:nvSpPr>
+              <p:spPr>
+                <a:xfrm>
+                  <a:off x="2283417" y="3813952"/>
+                  <a:ext cx="703398" cy="369332"/>
+                </a:xfrm>
+                <a:prstGeom prst="rect">
+                  <a:avLst/>
+                </a:prstGeom>
+                <a:noFill/>
+              </p:spPr>
+              <p:txBody>
+                <a:bodyPr wrap="none" rtlCol="0">
+                  <a:spAutoFit/>
+                </a:bodyPr>
+                <a:lstStyle/>
+                <a:p>
+                  <a:r>
+                    <a:rPr lang="en-VN" dirty="0"/>
+                    <a:t>Copy</a:t>
+                  </a:r>
+                </a:p>
+              </p:txBody>
+            </p:sp>
+            <p:sp>
+              <p:nvSpPr>
+                <p:cNvPr id="50" name="TextBox 49">
+                  <a:extLst>
+                    <a:ext uri="{FF2B5EF4-FFF2-40B4-BE49-F238E27FC236}">
+                      <a16:creationId xmlns:a16="http://schemas.microsoft.com/office/drawing/2014/main" id="{F4011E79-5A15-6134-A722-3AED073654C6}"/>
+                    </a:ext>
+                  </a:extLst>
+                </p:cNvPr>
+                <p:cNvSpPr txBox="1"/>
+                <p:nvPr/>
+              </p:nvSpPr>
+              <p:spPr>
+                <a:xfrm>
+                  <a:off x="6503831" y="3813952"/>
+                  <a:ext cx="703398" cy="369332"/>
+                </a:xfrm>
+                <a:prstGeom prst="rect">
+                  <a:avLst/>
+                </a:prstGeom>
+                <a:noFill/>
+              </p:spPr>
+              <p:txBody>
+                <a:bodyPr wrap="none" rtlCol="0">
+                  <a:spAutoFit/>
+                </a:bodyPr>
+                <a:lstStyle/>
+                <a:p>
+                  <a:r>
+                    <a:rPr lang="en-VN" dirty="0"/>
+                    <a:t>Copy</a:t>
+                  </a:r>
+                </a:p>
+              </p:txBody>
+            </p:sp>
+          </p:grpSp>
+          <p:grpSp>
+            <p:nvGrpSpPr>
+              <p:cNvPr id="96" name="Group 95">
+                <a:extLst>
+                  <a:ext uri="{FF2B5EF4-FFF2-40B4-BE49-F238E27FC236}">
+                    <a16:creationId xmlns:a16="http://schemas.microsoft.com/office/drawing/2014/main" id="{0EDFB0C4-F300-1A18-95D5-710BF08DB38A}"/>
+                  </a:ext>
+                </a:extLst>
+              </p:cNvPr>
+              <p:cNvGrpSpPr/>
+              <p:nvPr/>
+            </p:nvGrpSpPr>
+            <p:grpSpPr>
+              <a:xfrm>
+                <a:off x="487819" y="833763"/>
+                <a:ext cx="9868483" cy="429881"/>
+                <a:chOff x="487819" y="833763"/>
+                <a:chExt cx="9868483" cy="429881"/>
+              </a:xfrm>
+            </p:grpSpPr>
+            <p:sp>
+              <p:nvSpPr>
+                <p:cNvPr id="51" name="Rounded Rectangle 50">
+                  <a:extLst>
+                    <a:ext uri="{FF2B5EF4-FFF2-40B4-BE49-F238E27FC236}">
+                      <a16:creationId xmlns:a16="http://schemas.microsoft.com/office/drawing/2014/main" id="{8F3D6FB7-C518-9944-98AB-8FC256517B85}"/>
+                    </a:ext>
+                  </a:extLst>
+                </p:cNvPr>
+                <p:cNvSpPr/>
+                <p:nvPr/>
+              </p:nvSpPr>
+              <p:spPr>
+                <a:xfrm>
+                  <a:off x="487819" y="835941"/>
+                  <a:ext cx="1220913" cy="427703"/>
+                </a:xfrm>
+                <a:prstGeom prst="roundRect">
+                  <a:avLst/>
+                </a:prstGeom>
+              </p:spPr>
+              <p:style>
+                <a:lnRef idx="2">
+                  <a:schemeClr val="accent1">
+                    <a:shade val="15000"/>
+                  </a:schemeClr>
+                </a:lnRef>
+                <a:fillRef idx="1">
+                  <a:schemeClr val="accent1"/>
+                </a:fillRef>
+                <a:effectRef idx="0">
+                  <a:schemeClr val="accent1"/>
+                </a:effectRef>
+                <a:fontRef idx="minor">
+                  <a:schemeClr val="lt1"/>
+                </a:fontRef>
+              </p:style>
+              <p:txBody>
+                <a:bodyPr rtlCol="0" anchor="ctr"/>
+                <a:lstStyle/>
+                <a:p>
+                  <a:pPr algn="ctr"/>
+                  <a:r>
+                    <a:rPr lang="en-VN" dirty="0"/>
+                    <a:t>Input</a:t>
+                  </a:r>
+                </a:p>
+              </p:txBody>
+            </p:sp>
+            <p:sp>
+              <p:nvSpPr>
+                <p:cNvPr id="52" name="Rounded Rectangle 51">
+                  <a:extLst>
+                    <a:ext uri="{FF2B5EF4-FFF2-40B4-BE49-F238E27FC236}">
+                      <a16:creationId xmlns:a16="http://schemas.microsoft.com/office/drawing/2014/main" id="{8EA9FC9C-A6A3-1797-6C10-2D6B5EBA6B62}"/>
+                    </a:ext>
+                  </a:extLst>
+                </p:cNvPr>
+                <p:cNvSpPr/>
+                <p:nvPr/>
+              </p:nvSpPr>
+              <p:spPr>
+                <a:xfrm>
+                  <a:off x="4049064" y="833763"/>
+                  <a:ext cx="1220913" cy="427703"/>
+                </a:xfrm>
+                <a:prstGeom prst="roundRect">
+                  <a:avLst/>
+                </a:prstGeom>
+              </p:spPr>
+              <p:style>
+                <a:lnRef idx="2">
+                  <a:schemeClr val="accent1">
+                    <a:shade val="15000"/>
+                  </a:schemeClr>
+                </a:lnRef>
+                <a:fillRef idx="1">
+                  <a:schemeClr val="accent1"/>
+                </a:fillRef>
+                <a:effectRef idx="0">
+                  <a:schemeClr val="accent1"/>
+                </a:effectRef>
+                <a:fontRef idx="minor">
+                  <a:schemeClr val="lt1"/>
+                </a:fontRef>
+              </p:style>
+              <p:txBody>
+                <a:bodyPr rtlCol="0" anchor="ctr"/>
+                <a:lstStyle/>
+                <a:p>
+                  <a:pPr algn="ctr"/>
+                  <a:r>
+                    <a:rPr lang="en-VN" dirty="0"/>
+                    <a:t>Input</a:t>
+                  </a:r>
+                </a:p>
+              </p:txBody>
+            </p:sp>
+            <p:sp>
+              <p:nvSpPr>
+                <p:cNvPr id="53" name="Rounded Rectangle 52">
+                  <a:extLst>
+                    <a:ext uri="{FF2B5EF4-FFF2-40B4-BE49-F238E27FC236}">
+                      <a16:creationId xmlns:a16="http://schemas.microsoft.com/office/drawing/2014/main" id="{6BB83B10-5068-E473-0BCC-FC69F8226BB1}"/>
+                    </a:ext>
+                  </a:extLst>
+                </p:cNvPr>
+                <p:cNvSpPr/>
+                <p:nvPr/>
+              </p:nvSpPr>
+              <p:spPr>
+                <a:xfrm>
+                  <a:off x="9135389" y="835940"/>
+                  <a:ext cx="1220913" cy="427703"/>
+                </a:xfrm>
+                <a:prstGeom prst="roundRect">
+                  <a:avLst/>
+                </a:prstGeom>
+              </p:spPr>
+              <p:style>
+                <a:lnRef idx="2">
+                  <a:schemeClr val="accent1">
+                    <a:shade val="15000"/>
+                  </a:schemeClr>
+                </a:lnRef>
+                <a:fillRef idx="1">
+                  <a:schemeClr val="accent1"/>
+                </a:fillRef>
+                <a:effectRef idx="0">
+                  <a:schemeClr val="accent1"/>
+                </a:effectRef>
+                <a:fontRef idx="minor">
+                  <a:schemeClr val="lt1"/>
+                </a:fontRef>
+              </p:style>
+              <p:txBody>
+                <a:bodyPr rtlCol="0" anchor="ctr"/>
+                <a:lstStyle/>
+                <a:p>
+                  <a:pPr algn="ctr"/>
+                  <a:r>
+                    <a:rPr lang="en-VN" dirty="0"/>
+                    <a:t>Input</a:t>
+                  </a:r>
+                </a:p>
+              </p:txBody>
+            </p:sp>
+          </p:grpSp>
+          <p:grpSp>
+            <p:nvGrpSpPr>
+              <p:cNvPr id="99" name="Group 98">
+                <a:extLst>
+                  <a:ext uri="{FF2B5EF4-FFF2-40B4-BE49-F238E27FC236}">
+                    <a16:creationId xmlns:a16="http://schemas.microsoft.com/office/drawing/2014/main" id="{B6AE461D-13B9-9C06-3D1C-6A4716F6F47A}"/>
+                  </a:ext>
+                </a:extLst>
+              </p:cNvPr>
+              <p:cNvGrpSpPr/>
+              <p:nvPr/>
+            </p:nvGrpSpPr>
+            <p:grpSpPr>
+              <a:xfrm>
+                <a:off x="487819" y="5085180"/>
+                <a:ext cx="9868483" cy="427704"/>
+                <a:chOff x="487819" y="5085180"/>
+                <a:chExt cx="9868483" cy="427704"/>
+              </a:xfrm>
+            </p:grpSpPr>
+            <p:sp>
+              <p:nvSpPr>
+                <p:cNvPr id="54" name="Rounded Rectangle 53">
+                  <a:extLst>
+                    <a:ext uri="{FF2B5EF4-FFF2-40B4-BE49-F238E27FC236}">
+                      <a16:creationId xmlns:a16="http://schemas.microsoft.com/office/drawing/2014/main" id="{2CB5E9C0-3154-6666-E706-CCCE32625DB2}"/>
+                    </a:ext>
+                  </a:extLst>
+                </p:cNvPr>
+                <p:cNvSpPr/>
+                <p:nvPr/>
+              </p:nvSpPr>
+              <p:spPr>
+                <a:xfrm>
+                  <a:off x="487819" y="5085181"/>
+                  <a:ext cx="1220913" cy="427703"/>
+                </a:xfrm>
+                <a:prstGeom prst="roundRect">
+                  <a:avLst/>
+                </a:prstGeom>
+              </p:spPr>
+              <p:style>
+                <a:lnRef idx="2">
+                  <a:schemeClr val="accent1">
+                    <a:shade val="15000"/>
+                  </a:schemeClr>
+                </a:lnRef>
+                <a:fillRef idx="1">
+                  <a:schemeClr val="accent1"/>
+                </a:fillRef>
+                <a:effectRef idx="0">
+                  <a:schemeClr val="accent1"/>
+                </a:effectRef>
+                <a:fontRef idx="minor">
+                  <a:schemeClr val="lt1"/>
+                </a:fontRef>
+              </p:style>
+              <p:txBody>
+                <a:bodyPr rtlCol="0" anchor="ctr"/>
+                <a:lstStyle/>
+                <a:p>
+                  <a:pPr algn="ctr"/>
+                  <a:r>
+                    <a:rPr lang="en-VN" dirty="0"/>
+                    <a:t>Output</a:t>
+                  </a:r>
+                </a:p>
+              </p:txBody>
+            </p:sp>
+            <p:sp>
+              <p:nvSpPr>
+                <p:cNvPr id="55" name="Rounded Rectangle 54">
+                  <a:extLst>
+                    <a:ext uri="{FF2B5EF4-FFF2-40B4-BE49-F238E27FC236}">
+                      <a16:creationId xmlns:a16="http://schemas.microsoft.com/office/drawing/2014/main" id="{0734D332-4017-F604-6936-39D5FE5828E9}"/>
+                    </a:ext>
+                  </a:extLst>
+                </p:cNvPr>
+                <p:cNvSpPr/>
+                <p:nvPr/>
+              </p:nvSpPr>
+              <p:spPr>
+                <a:xfrm>
+                  <a:off x="4049064" y="5085180"/>
+                  <a:ext cx="1220913" cy="427703"/>
+                </a:xfrm>
+                <a:prstGeom prst="roundRect">
+                  <a:avLst/>
+                </a:prstGeom>
+              </p:spPr>
+              <p:style>
+                <a:lnRef idx="2">
+                  <a:schemeClr val="accent1">
+                    <a:shade val="15000"/>
+                  </a:schemeClr>
+                </a:lnRef>
+                <a:fillRef idx="1">
+                  <a:schemeClr val="accent1"/>
+                </a:fillRef>
+                <a:effectRef idx="0">
+                  <a:schemeClr val="accent1"/>
+                </a:effectRef>
+                <a:fontRef idx="minor">
+                  <a:schemeClr val="lt1"/>
+                </a:fontRef>
+              </p:style>
+              <p:txBody>
+                <a:bodyPr rtlCol="0" anchor="ctr"/>
+                <a:lstStyle/>
+                <a:p>
+                  <a:pPr algn="ctr"/>
+                  <a:r>
+                    <a:rPr lang="en-VN" dirty="0"/>
+                    <a:t>Output</a:t>
+                  </a:r>
+                </a:p>
+              </p:txBody>
+            </p:sp>
+            <p:sp>
+              <p:nvSpPr>
+                <p:cNvPr id="56" name="Rounded Rectangle 55">
+                  <a:extLst>
+                    <a:ext uri="{FF2B5EF4-FFF2-40B4-BE49-F238E27FC236}">
+                      <a16:creationId xmlns:a16="http://schemas.microsoft.com/office/drawing/2014/main" id="{93E9E34B-3B0F-1E1C-22CE-C4CA4C5A2529}"/>
+                    </a:ext>
+                  </a:extLst>
+                </p:cNvPr>
+                <p:cNvSpPr/>
+                <p:nvPr/>
+              </p:nvSpPr>
+              <p:spPr>
+                <a:xfrm>
+                  <a:off x="9135389" y="5085181"/>
+                  <a:ext cx="1220913" cy="427703"/>
+                </a:xfrm>
+                <a:prstGeom prst="roundRect">
+                  <a:avLst/>
+                </a:prstGeom>
+              </p:spPr>
+              <p:style>
+                <a:lnRef idx="2">
+                  <a:schemeClr val="accent1">
+                    <a:shade val="15000"/>
+                  </a:schemeClr>
+                </a:lnRef>
+                <a:fillRef idx="1">
+                  <a:schemeClr val="accent1"/>
+                </a:fillRef>
+                <a:effectRef idx="0">
+                  <a:schemeClr val="accent1"/>
+                </a:effectRef>
+                <a:fontRef idx="minor">
+                  <a:schemeClr val="lt1"/>
+                </a:fontRef>
+              </p:style>
+              <p:txBody>
+                <a:bodyPr rtlCol="0" anchor="ctr"/>
+                <a:lstStyle/>
+                <a:p>
+                  <a:pPr algn="ctr"/>
+                  <a:r>
+                    <a:rPr lang="en-VN" dirty="0"/>
+                    <a:t>Output</a:t>
+                  </a:r>
+                </a:p>
+              </p:txBody>
+            </p:sp>
+          </p:grpSp>
+          <p:cxnSp>
+            <p:nvCxnSpPr>
+              <p:cNvPr id="58" name="Straight Arrow Connector 57">
+                <a:extLst>
+                  <a:ext uri="{FF2B5EF4-FFF2-40B4-BE49-F238E27FC236}">
+                    <a16:creationId xmlns:a16="http://schemas.microsoft.com/office/drawing/2014/main" id="{7A254E67-52D2-B3B0-314A-0243676E23EA}"/>
+                  </a:ext>
+                </a:extLst>
+              </p:cNvPr>
+              <p:cNvCxnSpPr>
+                <a:stCxn id="51" idx="2"/>
+                <a:endCxn id="9" idx="0"/>
+              </p:cNvCxnSpPr>
+              <p:nvPr/>
+            </p:nvCxnSpPr>
+            <p:spPr>
+              <a:xfrm>
+                <a:off x="1098276" y="1263644"/>
+                <a:ext cx="1" cy="635000"/>
+              </a:xfrm>
+              <a:prstGeom prst="straightConnector1">
+                <a:avLst/>
+              </a:prstGeom>
+              <a:ln>
+                <a:tailEnd type="triangle"/>
+              </a:ln>
+            </p:spPr>
+            <p:style>
+              <a:lnRef idx="2">
+                <a:schemeClr val="accent1"/>
+              </a:lnRef>
+              <a:fillRef idx="0">
+                <a:schemeClr val="accent1"/>
+              </a:fillRef>
+              <a:effectRef idx="1">
+                <a:schemeClr val="accent1"/>
+              </a:effectRef>
+              <a:fontRef idx="minor">
+                <a:schemeClr val="tx1"/>
+              </a:fontRef>
+            </p:style>
+          </p:cxnSp>
+          <p:cxnSp>
+            <p:nvCxnSpPr>
+              <p:cNvPr id="60" name="Straight Arrow Connector 59">
+                <a:extLst>
+                  <a:ext uri="{FF2B5EF4-FFF2-40B4-BE49-F238E27FC236}">
+                    <a16:creationId xmlns:a16="http://schemas.microsoft.com/office/drawing/2014/main" id="{05037386-95CC-5A86-22DC-68FDE251B2A1}"/>
+                  </a:ext>
+                </a:extLst>
+              </p:cNvPr>
+              <p:cNvCxnSpPr>
+                <a:stCxn id="9" idx="2"/>
+                <a:endCxn id="6" idx="0"/>
+              </p:cNvCxnSpPr>
+              <p:nvPr/>
+            </p:nvCxnSpPr>
+            <p:spPr>
+              <a:xfrm flipH="1">
+                <a:off x="1098276" y="2989007"/>
+                <a:ext cx="1" cy="975013"/>
+              </a:xfrm>
+              <a:prstGeom prst="straightConnector1">
+                <a:avLst/>
+              </a:prstGeom>
+              <a:ln>
+                <a:tailEnd type="triangle"/>
+              </a:ln>
+            </p:spPr>
+            <p:style>
+              <a:lnRef idx="2">
+                <a:schemeClr val="accent1"/>
+              </a:lnRef>
+              <a:fillRef idx="0">
+                <a:schemeClr val="accent1"/>
+              </a:fillRef>
+              <a:effectRef idx="1">
+                <a:schemeClr val="accent1"/>
+              </a:effectRef>
+              <a:fontRef idx="minor">
+                <a:schemeClr val="tx1"/>
+              </a:fontRef>
+            </p:style>
+          </p:cxnSp>
+          <p:cxnSp>
+            <p:nvCxnSpPr>
+              <p:cNvPr id="62" name="Straight Arrow Connector 61">
+                <a:extLst>
+                  <a:ext uri="{FF2B5EF4-FFF2-40B4-BE49-F238E27FC236}">
+                    <a16:creationId xmlns:a16="http://schemas.microsoft.com/office/drawing/2014/main" id="{B51B0826-ED68-FEA3-78BB-88112331A0F4}"/>
+                  </a:ext>
+                </a:extLst>
+              </p:cNvPr>
+              <p:cNvCxnSpPr>
+                <a:stCxn id="6" idx="2"/>
+                <a:endCxn id="54" idx="0"/>
+              </p:cNvCxnSpPr>
+              <p:nvPr/>
+            </p:nvCxnSpPr>
+            <p:spPr>
+              <a:xfrm>
+                <a:off x="1098276" y="4324020"/>
+                <a:ext cx="0" cy="761161"/>
+              </a:xfrm>
+              <a:prstGeom prst="straightConnector1">
+                <a:avLst/>
+              </a:prstGeom>
+              <a:ln>
+                <a:tailEnd type="triangle"/>
+              </a:ln>
+            </p:spPr>
+            <p:style>
+              <a:lnRef idx="2">
+                <a:schemeClr val="accent1"/>
+              </a:lnRef>
+              <a:fillRef idx="0">
+                <a:schemeClr val="accent1"/>
+              </a:fillRef>
+              <a:effectRef idx="1">
+                <a:schemeClr val="accent1"/>
+              </a:effectRef>
+              <a:fontRef idx="minor">
+                <a:schemeClr val="tx1"/>
+              </a:fontRef>
+            </p:style>
+          </p:cxnSp>
+          <p:cxnSp>
+            <p:nvCxnSpPr>
+              <p:cNvPr id="78" name="Straight Arrow Connector 77">
+                <a:extLst>
+                  <a:ext uri="{FF2B5EF4-FFF2-40B4-BE49-F238E27FC236}">
+                    <a16:creationId xmlns:a16="http://schemas.microsoft.com/office/drawing/2014/main" id="{4E0DA025-6DB9-FC3B-E5F1-D9CCC6BFB735}"/>
+                  </a:ext>
+                </a:extLst>
+              </p:cNvPr>
+              <p:cNvCxnSpPr>
+                <a:stCxn id="52" idx="2"/>
+                <a:endCxn id="18" idx="0"/>
+              </p:cNvCxnSpPr>
+              <p:nvPr/>
+            </p:nvCxnSpPr>
+            <p:spPr>
+              <a:xfrm>
+                <a:off x="4659521" y="1261466"/>
+                <a:ext cx="1" cy="593371"/>
+              </a:xfrm>
+              <a:prstGeom prst="straightConnector1">
+                <a:avLst/>
+              </a:prstGeom>
+              <a:ln>
+                <a:tailEnd type="triangle"/>
+              </a:ln>
+            </p:spPr>
+            <p:style>
+              <a:lnRef idx="2">
+                <a:schemeClr val="accent1"/>
+              </a:lnRef>
+              <a:fillRef idx="0">
+                <a:schemeClr val="accent1"/>
+              </a:fillRef>
+              <a:effectRef idx="1">
+                <a:schemeClr val="accent1"/>
+              </a:effectRef>
+              <a:fontRef idx="minor">
+                <a:schemeClr val="tx1"/>
+              </a:fontRef>
+            </p:style>
+          </p:cxnSp>
+          <p:cxnSp>
+            <p:nvCxnSpPr>
+              <p:cNvPr id="85" name="Straight Arrow Connector 84">
+                <a:extLst>
+                  <a:ext uri="{FF2B5EF4-FFF2-40B4-BE49-F238E27FC236}">
+                    <a16:creationId xmlns:a16="http://schemas.microsoft.com/office/drawing/2014/main" id="{CF55A5AB-5E38-92F6-848F-072B42595ABE}"/>
+                  </a:ext>
+                </a:extLst>
+              </p:cNvPr>
+              <p:cNvCxnSpPr>
+                <a:stCxn id="18" idx="2"/>
+                <a:endCxn id="13" idx="0"/>
+              </p:cNvCxnSpPr>
+              <p:nvPr/>
+            </p:nvCxnSpPr>
+            <p:spPr>
+              <a:xfrm flipH="1">
+                <a:off x="4659520" y="3058005"/>
+                <a:ext cx="2" cy="900409"/>
+              </a:xfrm>
+              <a:prstGeom prst="straightConnector1">
+                <a:avLst/>
+              </a:prstGeom>
+              <a:ln>
+                <a:tailEnd type="triangle"/>
+              </a:ln>
+            </p:spPr>
+            <p:style>
+              <a:lnRef idx="2">
+                <a:schemeClr val="accent1"/>
+              </a:lnRef>
+              <a:fillRef idx="0">
+                <a:schemeClr val="accent1"/>
+              </a:fillRef>
+              <a:effectRef idx="1">
+                <a:schemeClr val="accent1"/>
+              </a:effectRef>
+              <a:fontRef idx="minor">
+                <a:schemeClr val="tx1"/>
+              </a:fontRef>
+            </p:style>
+          </p:cxnSp>
+          <p:cxnSp>
+            <p:nvCxnSpPr>
+              <p:cNvPr id="87" name="Straight Arrow Connector 86">
+                <a:extLst>
+                  <a:ext uri="{FF2B5EF4-FFF2-40B4-BE49-F238E27FC236}">
+                    <a16:creationId xmlns:a16="http://schemas.microsoft.com/office/drawing/2014/main" id="{F3DA74F7-4540-56BC-8B60-B75B6FD3C7A4}"/>
+                  </a:ext>
+                </a:extLst>
+              </p:cNvPr>
+              <p:cNvCxnSpPr>
+                <a:stCxn id="13" idx="2"/>
+                <a:endCxn id="55" idx="0"/>
+              </p:cNvCxnSpPr>
+              <p:nvPr/>
+            </p:nvCxnSpPr>
+            <p:spPr>
+              <a:xfrm>
+                <a:off x="4659520" y="4318414"/>
+                <a:ext cx="1" cy="766766"/>
+              </a:xfrm>
+              <a:prstGeom prst="straightConnector1">
+                <a:avLst/>
+              </a:prstGeom>
+              <a:ln>
+                <a:tailEnd type="triangle"/>
+              </a:ln>
+            </p:spPr>
+            <p:style>
+              <a:lnRef idx="2">
+                <a:schemeClr val="accent1"/>
+              </a:lnRef>
+              <a:fillRef idx="0">
+                <a:schemeClr val="accent1"/>
+              </a:fillRef>
+              <a:effectRef idx="1">
+                <a:schemeClr val="accent1"/>
+              </a:effectRef>
+              <a:fontRef idx="minor">
+                <a:schemeClr val="tx1"/>
+              </a:fontRef>
+            </p:style>
+          </p:cxnSp>
+          <p:cxnSp>
+            <p:nvCxnSpPr>
+              <p:cNvPr id="89" name="Straight Arrow Connector 88">
+                <a:extLst>
+                  <a:ext uri="{FF2B5EF4-FFF2-40B4-BE49-F238E27FC236}">
+                    <a16:creationId xmlns:a16="http://schemas.microsoft.com/office/drawing/2014/main" id="{11516B74-D46A-94AF-969E-FF67543635A8}"/>
+                  </a:ext>
+                </a:extLst>
+              </p:cNvPr>
+              <p:cNvCxnSpPr>
+                <a:stCxn id="53" idx="2"/>
+                <a:endCxn id="28" idx="0"/>
+              </p:cNvCxnSpPr>
+              <p:nvPr/>
+            </p:nvCxnSpPr>
+            <p:spPr>
+              <a:xfrm>
+                <a:off x="9745846" y="1263643"/>
+                <a:ext cx="1" cy="508119"/>
+              </a:xfrm>
+              <a:prstGeom prst="straightConnector1">
+                <a:avLst/>
+              </a:prstGeom>
+              <a:ln>
+                <a:tailEnd type="triangle"/>
+              </a:ln>
+            </p:spPr>
+            <p:style>
+              <a:lnRef idx="2">
+                <a:schemeClr val="accent1"/>
+              </a:lnRef>
+              <a:fillRef idx="0">
+                <a:schemeClr val="accent1"/>
+              </a:fillRef>
+              <a:effectRef idx="1">
+                <a:schemeClr val="accent1"/>
+              </a:effectRef>
+              <a:fontRef idx="minor">
+                <a:schemeClr val="tx1"/>
+              </a:fontRef>
+            </p:style>
+          </p:cxnSp>
+          <p:cxnSp>
+            <p:nvCxnSpPr>
+              <p:cNvPr id="93" name="Straight Arrow Connector 92">
+                <a:extLst>
+                  <a:ext uri="{FF2B5EF4-FFF2-40B4-BE49-F238E27FC236}">
+                    <a16:creationId xmlns:a16="http://schemas.microsoft.com/office/drawing/2014/main" id="{29153E38-1E9E-AD2C-1856-472C2D07D446}"/>
+                  </a:ext>
+                </a:extLst>
+              </p:cNvPr>
+              <p:cNvCxnSpPr>
+                <a:stCxn id="28" idx="2"/>
+                <a:endCxn id="30" idx="0"/>
+              </p:cNvCxnSpPr>
+              <p:nvPr/>
+            </p:nvCxnSpPr>
+            <p:spPr>
+              <a:xfrm flipH="1">
+                <a:off x="9745846" y="3141080"/>
+                <a:ext cx="1" cy="822940"/>
+              </a:xfrm>
+              <a:prstGeom prst="straightConnector1">
+                <a:avLst/>
+              </a:prstGeom>
+              <a:ln>
+                <a:tailEnd type="triangle"/>
+              </a:ln>
+            </p:spPr>
+            <p:style>
+              <a:lnRef idx="2">
+                <a:schemeClr val="accent1"/>
+              </a:lnRef>
+              <a:fillRef idx="0">
+                <a:schemeClr val="accent1"/>
+              </a:fillRef>
+              <a:effectRef idx="1">
+                <a:schemeClr val="accent1"/>
+              </a:effectRef>
+              <a:fontRef idx="minor">
+                <a:schemeClr val="tx1"/>
+              </a:fontRef>
+            </p:style>
+          </p:cxnSp>
+          <p:cxnSp>
+            <p:nvCxnSpPr>
+              <p:cNvPr id="95" name="Straight Arrow Connector 94">
+                <a:extLst>
+                  <a:ext uri="{FF2B5EF4-FFF2-40B4-BE49-F238E27FC236}">
+                    <a16:creationId xmlns:a16="http://schemas.microsoft.com/office/drawing/2014/main" id="{A3E4150F-DC94-1BB2-5063-4B092B69CEAD}"/>
+                  </a:ext>
+                </a:extLst>
+              </p:cNvPr>
+              <p:cNvCxnSpPr>
+                <a:stCxn id="30" idx="2"/>
+                <a:endCxn id="56" idx="0"/>
+              </p:cNvCxnSpPr>
+              <p:nvPr/>
+            </p:nvCxnSpPr>
+            <p:spPr>
+              <a:xfrm>
+                <a:off x="9745846" y="4324020"/>
+                <a:ext cx="0" cy="761161"/>
+              </a:xfrm>
+              <a:prstGeom prst="straightConnector1">
+                <a:avLst/>
+              </a:prstGeom>
+              <a:ln>
+                <a:tailEnd type="triangle"/>
+              </a:ln>
+            </p:spPr>
+            <p:style>
+              <a:lnRef idx="2">
+                <a:schemeClr val="accent1"/>
+              </a:lnRef>
+              <a:fillRef idx="0">
+                <a:schemeClr val="accent1"/>
+              </a:fillRef>
+              <a:effectRef idx="1">
+                <a:schemeClr val="accent1"/>
+              </a:effectRef>
+              <a:fontRef idx="minor">
+                <a:schemeClr val="tx1"/>
+              </a:fontRef>
+            </p:style>
+          </p:cxnSp>
+        </p:grpSp>
+      </p:grpSp>
+    </p:spTree>
+    <p:extLst>
+      <p:ext uri="{BB962C8B-B14F-4D97-AF65-F5344CB8AC3E}">
+        <p14:creationId xmlns:p14="http://schemas.microsoft.com/office/powerpoint/2010/main" val="651709819"/>
       </p:ext>
     </p:extLst>
   </p:cSld>

--- a/Media/Figure.pptx
+++ b/Media/Figure.pptx
@@ -10,6 +10,7 @@
     <p:sldId id="259" r:id="rId4"/>
     <p:sldId id="260" r:id="rId5"/>
     <p:sldId id="261" r:id="rId6"/>
+    <p:sldId id="262" r:id="rId7"/>
   </p:sldIdLst>
   <p:sldSz cx="12192000" cy="6858000"/>
   <p:notesSz cx="6858000" cy="9144000"/>
@@ -265,7 +266,7 @@
           <a:p>
             <a:fld id="{7959E98B-ABE6-5D43-AAFE-9F5C8C770207}" type="datetimeFigureOut">
               <a:rPr lang="en-VN" smtClean="0"/>
-              <a:t>13/03/2024</a:t>
+              <a:t>16/03/2024</a:t>
             </a:fld>
             <a:endParaRPr lang="en-VN"/>
           </a:p>
@@ -465,7 +466,7 @@
           <a:p>
             <a:fld id="{7959E98B-ABE6-5D43-AAFE-9F5C8C770207}" type="datetimeFigureOut">
               <a:rPr lang="en-VN" smtClean="0"/>
-              <a:t>13/03/2024</a:t>
+              <a:t>16/03/2024</a:t>
             </a:fld>
             <a:endParaRPr lang="en-VN"/>
           </a:p>
@@ -675,7 +676,7 @@
           <a:p>
             <a:fld id="{7959E98B-ABE6-5D43-AAFE-9F5C8C770207}" type="datetimeFigureOut">
               <a:rPr lang="en-VN" smtClean="0"/>
-              <a:t>13/03/2024</a:t>
+              <a:t>16/03/2024</a:t>
             </a:fld>
             <a:endParaRPr lang="en-VN"/>
           </a:p>
@@ -875,7 +876,7 @@
           <a:p>
             <a:fld id="{7959E98B-ABE6-5D43-AAFE-9F5C8C770207}" type="datetimeFigureOut">
               <a:rPr lang="en-VN" smtClean="0"/>
-              <a:t>13/03/2024</a:t>
+              <a:t>16/03/2024</a:t>
             </a:fld>
             <a:endParaRPr lang="en-VN"/>
           </a:p>
@@ -1151,7 +1152,7 @@
           <a:p>
             <a:fld id="{7959E98B-ABE6-5D43-AAFE-9F5C8C770207}" type="datetimeFigureOut">
               <a:rPr lang="en-VN" smtClean="0"/>
-              <a:t>13/03/2024</a:t>
+              <a:t>16/03/2024</a:t>
             </a:fld>
             <a:endParaRPr lang="en-VN"/>
           </a:p>
@@ -1419,7 +1420,7 @@
           <a:p>
             <a:fld id="{7959E98B-ABE6-5D43-AAFE-9F5C8C770207}" type="datetimeFigureOut">
               <a:rPr lang="en-VN" smtClean="0"/>
-              <a:t>13/03/2024</a:t>
+              <a:t>16/03/2024</a:t>
             </a:fld>
             <a:endParaRPr lang="en-VN"/>
           </a:p>
@@ -1834,7 +1835,7 @@
           <a:p>
             <a:fld id="{7959E98B-ABE6-5D43-AAFE-9F5C8C770207}" type="datetimeFigureOut">
               <a:rPr lang="en-VN" smtClean="0"/>
-              <a:t>13/03/2024</a:t>
+              <a:t>16/03/2024</a:t>
             </a:fld>
             <a:endParaRPr lang="en-VN"/>
           </a:p>
@@ -1976,7 +1977,7 @@
           <a:p>
             <a:fld id="{7959E98B-ABE6-5D43-AAFE-9F5C8C770207}" type="datetimeFigureOut">
               <a:rPr lang="en-VN" smtClean="0"/>
-              <a:t>13/03/2024</a:t>
+              <a:t>16/03/2024</a:t>
             </a:fld>
             <a:endParaRPr lang="en-VN"/>
           </a:p>
@@ -2089,7 +2090,7 @@
           <a:p>
             <a:fld id="{7959E98B-ABE6-5D43-AAFE-9F5C8C770207}" type="datetimeFigureOut">
               <a:rPr lang="en-VN" smtClean="0"/>
-              <a:t>13/03/2024</a:t>
+              <a:t>16/03/2024</a:t>
             </a:fld>
             <a:endParaRPr lang="en-VN"/>
           </a:p>
@@ -2402,7 +2403,7 @@
           <a:p>
             <a:fld id="{7959E98B-ABE6-5D43-AAFE-9F5C8C770207}" type="datetimeFigureOut">
               <a:rPr lang="en-VN" smtClean="0"/>
-              <a:t>13/03/2024</a:t>
+              <a:t>16/03/2024</a:t>
             </a:fld>
             <a:endParaRPr lang="en-VN"/>
           </a:p>
@@ -2691,7 +2692,7 @@
           <a:p>
             <a:fld id="{7959E98B-ABE6-5D43-AAFE-9F5C8C770207}" type="datetimeFigureOut">
               <a:rPr lang="en-VN" smtClean="0"/>
-              <a:t>13/03/2024</a:t>
+              <a:t>16/03/2024</a:t>
             </a:fld>
             <a:endParaRPr lang="en-VN"/>
           </a:p>
@@ -2934,7 +2935,7 @@
           <a:p>
             <a:fld id="{7959E98B-ABE6-5D43-AAFE-9F5C8C770207}" type="datetimeFigureOut">
               <a:rPr lang="en-VN" smtClean="0"/>
-              <a:t>13/03/2024</a:t>
+              <a:t>16/03/2024</a:t>
             </a:fld>
             <a:endParaRPr lang="en-VN"/>
           </a:p>
@@ -9781,8 +9782,8 @@
             <a:chExt cx="11711476" cy="4679121"/>
           </a:xfrm>
         </p:grpSpPr>
-        <mc:AlternateContent xmlns:mc="http://schemas.openxmlformats.org/markup-compatibility/2006">
-          <mc:Choice xmlns:a14="http://schemas.microsoft.com/office/drawing/2010/main" Requires="a14">
+        <mc:AlternateContent xmlns:mc="http://schemas.openxmlformats.org/markup-compatibility/2006" xmlns:a14="http://schemas.microsoft.com/office/drawing/2010/main">
+          <mc:Choice Requires="a14">
             <p:sp>
               <p:nvSpPr>
                 <p:cNvPr id="13" name="Rounded Rectangle 12">
@@ -9867,7 +9868,7 @@
               </p:txBody>
             </p:sp>
           </mc:Choice>
-          <mc:Fallback>
+          <mc:Fallback xmlns="">
             <p:sp>
               <p:nvSpPr>
                 <p:cNvPr id="13" name="Rounded Rectangle 12">
@@ -10140,8 +10141,8 @@
                   </a:p>
                 </p:txBody>
               </p:sp>
-              <mc:AlternateContent xmlns:mc="http://schemas.openxmlformats.org/markup-compatibility/2006">
-                <mc:Choice xmlns:a14="http://schemas.microsoft.com/office/drawing/2010/main" Requires="a14">
+              <mc:AlternateContent xmlns:mc="http://schemas.openxmlformats.org/markup-compatibility/2006" xmlns:a14="http://schemas.microsoft.com/office/drawing/2010/main">
+                <mc:Choice Requires="a14">
                   <p:sp>
                     <p:nvSpPr>
                       <p:cNvPr id="22" name="Rounded Rectangle 21">
@@ -10234,7 +10235,7 @@
                     </p:txBody>
                   </p:sp>
                 </mc:Choice>
-                <mc:Fallback>
+                <mc:Fallback xmlns="">
                   <p:sp>
                     <p:nvSpPr>
                       <p:cNvPr id="22" name="Rounded Rectangle 21">
@@ -10398,8 +10399,8 @@
                   </a:p>
                 </p:txBody>
               </p:sp>
-              <mc:AlternateContent xmlns:mc="http://schemas.openxmlformats.org/markup-compatibility/2006">
-                <mc:Choice xmlns:a14="http://schemas.microsoft.com/office/drawing/2010/main" Requires="a14">
+              <mc:AlternateContent xmlns:mc="http://schemas.openxmlformats.org/markup-compatibility/2006" xmlns:a14="http://schemas.microsoft.com/office/drawing/2010/main">
+                <mc:Choice Requires="a14">
                   <p:sp>
                     <p:nvSpPr>
                       <p:cNvPr id="24" name="Rounded Rectangle 23">
@@ -10492,7 +10493,7 @@
                     </p:txBody>
                   </p:sp>
                 </mc:Choice>
-                <mc:Fallback>
+                <mc:Fallback xmlns="">
                   <p:sp>
                     <p:nvSpPr>
                       <p:cNvPr id="24" name="Rounded Rectangle 23">
@@ -10798,8 +10799,8 @@
                 <a:chExt cx="10807570" cy="510068"/>
               </a:xfrm>
             </p:grpSpPr>
-            <mc:AlternateContent xmlns:mc="http://schemas.openxmlformats.org/markup-compatibility/2006">
-              <mc:Choice xmlns:a14="http://schemas.microsoft.com/office/drawing/2010/main" Requires="a14">
+            <mc:AlternateContent xmlns:mc="http://schemas.openxmlformats.org/markup-compatibility/2006" xmlns:a14="http://schemas.microsoft.com/office/drawing/2010/main">
+              <mc:Choice Requires="a14">
                 <p:sp>
                   <p:nvSpPr>
                     <p:cNvPr id="6" name="Rounded Rectangle 5">
@@ -10884,7 +10885,7 @@
                   </p:txBody>
                 </p:sp>
               </mc:Choice>
-              <mc:Fallback>
+              <mc:Fallback xmlns="">
                 <p:sp>
                   <p:nvSpPr>
                     <p:cNvPr id="6" name="Rounded Rectangle 5">
@@ -10929,8 +10930,8 @@
                 </p:sp>
               </mc:Fallback>
             </mc:AlternateContent>
-            <mc:AlternateContent xmlns:mc="http://schemas.openxmlformats.org/markup-compatibility/2006">
-              <mc:Choice xmlns:a14="http://schemas.microsoft.com/office/drawing/2010/main" Requires="a14">
+            <mc:AlternateContent xmlns:mc="http://schemas.openxmlformats.org/markup-compatibility/2006" xmlns:a14="http://schemas.microsoft.com/office/drawing/2010/main">
+              <mc:Choice Requires="a14">
                 <p:sp>
                   <p:nvSpPr>
                     <p:cNvPr id="30" name="Rounded Rectangle 29">
@@ -11015,7 +11016,7 @@
                   </p:txBody>
                 </p:sp>
               </mc:Choice>
-              <mc:Fallback>
+              <mc:Fallback xmlns="">
                 <p:sp>
                   <p:nvSpPr>
                     <p:cNvPr id="30" name="Rounded Rectangle 29">
@@ -11944,6 +11945,2164 @@
 </p:sld>
 </file>
 
+<file path=ppt/slides/slide6.xml><?xml version="1.0" encoding="utf-8"?>
+<p:sld xmlns:a="http://schemas.openxmlformats.org/drawingml/2006/main" xmlns:r="http://schemas.openxmlformats.org/officeDocument/2006/relationships" xmlns:p="http://schemas.openxmlformats.org/presentationml/2006/main">
+  <p:cSld>
+    <p:spTree>
+      <p:nvGrpSpPr>
+        <p:cNvPr id="1" name=""/>
+        <p:cNvGrpSpPr/>
+        <p:nvPr/>
+      </p:nvGrpSpPr>
+      <p:grpSpPr>
+        <a:xfrm>
+          <a:off x="0" y="0"/>
+          <a:ext cx="0" cy="0"/>
+          <a:chOff x="0" y="0"/>
+          <a:chExt cx="0" cy="0"/>
+        </a:xfrm>
+      </p:grpSpPr>
+      <mc:AlternateContent xmlns:mc="http://schemas.openxmlformats.org/markup-compatibility/2006">
+        <mc:Choice xmlns:a14="http://schemas.microsoft.com/office/drawing/2010/main" Requires="a14">
+          <p:sp>
+            <p:nvSpPr>
+              <p:cNvPr id="13" name="Rounded Rectangle 12">
+                <a:extLst>
+                  <a:ext uri="{FF2B5EF4-FFF2-40B4-BE49-F238E27FC236}">
+                    <a16:creationId xmlns:a16="http://schemas.microsoft.com/office/drawing/2014/main" id="{C27B93E3-BA36-CAF5-61C0-8D027E573975}"/>
+                  </a:ext>
+                </a:extLst>
+              </p:cNvPr>
+              <p:cNvSpPr/>
+              <p:nvPr/>
+            </p:nvSpPr>
+            <p:spPr>
+              <a:xfrm>
+                <a:off x="3579520" y="3958414"/>
+                <a:ext cx="2160000" cy="360000"/>
+              </a:xfrm>
+              <a:prstGeom prst="roundRect">
+                <a:avLst/>
+              </a:prstGeom>
+            </p:spPr>
+            <p:style>
+              <a:lnRef idx="2">
+                <a:schemeClr val="accent1">
+                  <a:shade val="15000"/>
+                </a:schemeClr>
+              </a:lnRef>
+              <a:fillRef idx="1">
+                <a:schemeClr val="accent1"/>
+              </a:fillRef>
+              <a:effectRef idx="0">
+                <a:schemeClr val="accent1"/>
+              </a:effectRef>
+              <a:fontRef idx="minor">
+                <a:schemeClr val="lt1"/>
+              </a:fontRef>
+            </p:style>
+            <p:txBody>
+              <a:bodyPr rtlCol="0" anchor="ctr"/>
+              <a:lstStyle/>
+              <a:p>
+                <a:pPr algn="ctr"/>
+                <a14:m>
+                  <m:oMathPara xmlns:m="http://schemas.openxmlformats.org/officeDocument/2006/math">
+                    <m:oMathParaPr>
+                      <m:jc m:val="centerGroup"/>
+                    </m:oMathParaPr>
+                    <m:oMath xmlns:m="http://schemas.openxmlformats.org/officeDocument/2006/math">
+                      <m:sSub>
+                        <m:sSubPr>
+                          <m:ctrlPr>
+                            <a:rPr lang="en-VN" i="1" smtClean="0">
+                              <a:latin typeface="Cambria Math" panose="02040503050406030204" pitchFamily="18" charset="0"/>
+                              <a:ea typeface="Cambria Math" panose="02040503050406030204" pitchFamily="18" charset="0"/>
+                            </a:rPr>
+                          </m:ctrlPr>
+                        </m:sSubPr>
+                        <m:e>
+                          <m:r>
+                            <a:rPr lang="en-VN" i="1">
+                              <a:latin typeface="Cambria Math" panose="02040503050406030204" pitchFamily="18" charset="0"/>
+                              <a:ea typeface="Cambria Math" panose="02040503050406030204" pitchFamily="18" charset="0"/>
+                            </a:rPr>
+                            <m:t>ℱ</m:t>
+                          </m:r>
+                        </m:e>
+                        <m:sub>
+                          <m:r>
+                            <a:rPr lang="vi-VN" b="0" i="1" smtClean="0">
+                              <a:latin typeface="Cambria Math" panose="02040503050406030204" pitchFamily="18" charset="0"/>
+                              <a:ea typeface="Cambria Math" panose="02040503050406030204" pitchFamily="18" charset="0"/>
+                            </a:rPr>
+                            <m:t>2</m:t>
+                          </m:r>
+                        </m:sub>
+                      </m:sSub>
+                    </m:oMath>
+                  </m:oMathPara>
+                </a14:m>
+                <a:endParaRPr lang="en-VN" dirty="0"/>
+              </a:p>
+            </p:txBody>
+          </p:sp>
+        </mc:Choice>
+        <mc:Fallback>
+          <p:sp>
+            <p:nvSpPr>
+              <p:cNvPr id="13" name="Rounded Rectangle 12">
+                <a:extLst>
+                  <a:ext uri="{FF2B5EF4-FFF2-40B4-BE49-F238E27FC236}">
+                    <a16:creationId xmlns:a16="http://schemas.microsoft.com/office/drawing/2014/main" id="{C27B93E3-BA36-CAF5-61C0-8D027E573975}"/>
+                  </a:ext>
+                </a:extLst>
+              </p:cNvPr>
+              <p:cNvSpPr>
+                <a:spLocks noRot="1" noChangeAspect="1" noMove="1" noResize="1" noEditPoints="1" noAdjustHandles="1" noChangeArrowheads="1" noChangeShapeType="1" noTextEdit="1"/>
+              </p:cNvSpPr>
+              <p:nvPr/>
+            </p:nvSpPr>
+            <p:spPr>
+              <a:xfrm>
+                <a:off x="3579520" y="3958414"/>
+                <a:ext cx="2160000" cy="360000"/>
+              </a:xfrm>
+              <a:prstGeom prst="roundRect">
+                <a:avLst/>
+              </a:prstGeom>
+              <a:blipFill>
+                <a:blip r:embed="rId2"/>
+                <a:stretch>
+                  <a:fillRect/>
+                </a:stretch>
+              </a:blipFill>
+            </p:spPr>
+            <p:txBody>
+              <a:bodyPr/>
+              <a:lstStyle/>
+              <a:p>
+                <a:r>
+                  <a:rPr lang="en-VN">
+                    <a:noFill/>
+                  </a:rPr>
+                  <a:t> </a:t>
+                </a:r>
+              </a:p>
+            </p:txBody>
+          </p:sp>
+        </mc:Fallback>
+      </mc:AlternateContent>
+      <p:grpSp>
+        <p:nvGrpSpPr>
+          <p:cNvPr id="97" name="Group 96">
+            <a:extLst>
+              <a:ext uri="{FF2B5EF4-FFF2-40B4-BE49-F238E27FC236}">
+                <a16:creationId xmlns:a16="http://schemas.microsoft.com/office/drawing/2014/main" id="{8F6927EC-62BD-E3B5-53A6-AF5DBFC3673F}"/>
+              </a:ext>
+            </a:extLst>
+          </p:cNvPr>
+          <p:cNvGrpSpPr/>
+          <p:nvPr/>
+        </p:nvGrpSpPr>
+        <p:grpSpPr>
+          <a:xfrm>
+            <a:off x="347603" y="1771762"/>
+            <a:ext cx="11711476" cy="1369318"/>
+            <a:chOff x="347603" y="1771762"/>
+            <a:chExt cx="11711476" cy="1369318"/>
+          </a:xfrm>
+        </p:grpSpPr>
+        <p:grpSp>
+          <p:nvGrpSpPr>
+            <p:cNvPr id="33" name="Group 32">
+              <a:extLst>
+                <a:ext uri="{FF2B5EF4-FFF2-40B4-BE49-F238E27FC236}">
+                  <a16:creationId xmlns:a16="http://schemas.microsoft.com/office/drawing/2014/main" id="{7FDF9409-FC0B-BBFF-9AD1-52235039F010}"/>
+                </a:ext>
+              </a:extLst>
+            </p:cNvPr>
+            <p:cNvGrpSpPr/>
+            <p:nvPr/>
+          </p:nvGrpSpPr>
+          <p:grpSpPr>
+            <a:xfrm>
+              <a:off x="347603" y="1898644"/>
+              <a:ext cx="1501347" cy="1090363"/>
+              <a:chOff x="586945" y="1089437"/>
+              <a:chExt cx="1501347" cy="1090363"/>
+            </a:xfrm>
+          </p:grpSpPr>
+          <p:sp>
+            <p:nvSpPr>
+              <p:cNvPr id="9" name="Rounded Rectangle 8">
+                <a:extLst>
+                  <a:ext uri="{FF2B5EF4-FFF2-40B4-BE49-F238E27FC236}">
+                    <a16:creationId xmlns:a16="http://schemas.microsoft.com/office/drawing/2014/main" id="{CE2898D4-1D4D-1A49-DE7A-4B4BA75F0FC0}"/>
+                  </a:ext>
+                </a:extLst>
+              </p:cNvPr>
+              <p:cNvSpPr/>
+              <p:nvPr/>
+            </p:nvSpPr>
+            <p:spPr>
+              <a:xfrm>
+                <a:off x="586945" y="1089437"/>
+                <a:ext cx="1501347" cy="1090363"/>
+              </a:xfrm>
+              <a:prstGeom prst="roundRect">
+                <a:avLst/>
+              </a:prstGeom>
+              <a:solidFill>
+                <a:schemeClr val="accent2"/>
+              </a:solidFill>
+            </p:spPr>
+            <p:style>
+              <a:lnRef idx="2">
+                <a:schemeClr val="accent1">
+                  <a:shade val="15000"/>
+                </a:schemeClr>
+              </a:lnRef>
+              <a:fillRef idx="1">
+                <a:schemeClr val="accent1"/>
+              </a:fillRef>
+              <a:effectRef idx="0">
+                <a:schemeClr val="accent1"/>
+              </a:effectRef>
+              <a:fontRef idx="minor">
+                <a:schemeClr val="lt1"/>
+              </a:fontRef>
+            </p:style>
+            <p:txBody>
+              <a:bodyPr rtlCol="0" anchor="ctr"/>
+              <a:lstStyle/>
+              <a:p>
+                <a:pPr algn="ctr"/>
+                <a:endParaRPr lang="en-VN"/>
+              </a:p>
+            </p:txBody>
+          </p:sp>
+          <p:sp>
+            <p:nvSpPr>
+              <p:cNvPr id="4" name="Rounded Rectangle 3">
+                <a:extLst>
+                  <a:ext uri="{FF2B5EF4-FFF2-40B4-BE49-F238E27FC236}">
+                    <a16:creationId xmlns:a16="http://schemas.microsoft.com/office/drawing/2014/main" id="{575A29BC-A66C-648D-9EC3-C6133AE75380}"/>
+                  </a:ext>
+                </a:extLst>
+              </p:cNvPr>
+              <p:cNvSpPr/>
+              <p:nvPr/>
+            </p:nvSpPr>
+            <p:spPr>
+              <a:xfrm>
+                <a:off x="656705" y="1155795"/>
+                <a:ext cx="1365424" cy="957648"/>
+              </a:xfrm>
+              <a:prstGeom prst="roundRect">
+                <a:avLst/>
+              </a:prstGeom>
+            </p:spPr>
+            <p:style>
+              <a:lnRef idx="2">
+                <a:schemeClr val="accent1">
+                  <a:shade val="15000"/>
+                </a:schemeClr>
+              </a:lnRef>
+              <a:fillRef idx="1">
+                <a:schemeClr val="accent1"/>
+              </a:fillRef>
+              <a:effectRef idx="0">
+                <a:schemeClr val="accent1"/>
+              </a:effectRef>
+              <a:fontRef idx="minor">
+                <a:schemeClr val="lt1"/>
+              </a:fontRef>
+            </p:style>
+            <p:txBody>
+              <a:bodyPr rtlCol="0" anchor="ctr"/>
+              <a:lstStyle/>
+              <a:p>
+                <a:pPr algn="ctr"/>
+                <a:r>
+                  <a:rPr lang="en-VN" dirty="0"/>
+                  <a:t>Backbone B: Random Initialize</a:t>
+                </a:r>
+              </a:p>
+            </p:txBody>
+          </p:sp>
+        </p:grpSp>
+        <p:grpSp>
+          <p:nvGrpSpPr>
+            <p:cNvPr id="32" name="Group 31">
+              <a:extLst>
+                <a:ext uri="{FF2B5EF4-FFF2-40B4-BE49-F238E27FC236}">
+                  <a16:creationId xmlns:a16="http://schemas.microsoft.com/office/drawing/2014/main" id="{3C7B8DC0-1373-AB26-1B07-75BBBE9C826B}"/>
+                </a:ext>
+              </a:extLst>
+            </p:cNvPr>
+            <p:cNvGrpSpPr/>
+            <p:nvPr/>
+          </p:nvGrpSpPr>
+          <p:grpSpPr>
+            <a:xfrm>
+              <a:off x="3151403" y="1854837"/>
+              <a:ext cx="3016237" cy="1203168"/>
+              <a:chOff x="2791082" y="1033034"/>
+              <a:chExt cx="3016237" cy="1203168"/>
+            </a:xfrm>
+          </p:grpSpPr>
+          <p:sp>
+            <p:nvSpPr>
+              <p:cNvPr id="18" name="Rounded Rectangle 17">
+                <a:extLst>
+                  <a:ext uri="{FF2B5EF4-FFF2-40B4-BE49-F238E27FC236}">
+                    <a16:creationId xmlns:a16="http://schemas.microsoft.com/office/drawing/2014/main" id="{1CB338DB-7A73-BA7F-DA2E-C313D92146B3}"/>
+                  </a:ext>
+                </a:extLst>
+              </p:cNvPr>
+              <p:cNvSpPr/>
+              <p:nvPr/>
+            </p:nvSpPr>
+            <p:spPr>
+              <a:xfrm>
+                <a:off x="2791082" y="1033034"/>
+                <a:ext cx="3016237" cy="1203168"/>
+              </a:xfrm>
+              <a:prstGeom prst="roundRect">
+                <a:avLst/>
+              </a:prstGeom>
+              <a:solidFill>
+                <a:schemeClr val="accent2"/>
+              </a:solidFill>
+            </p:spPr>
+            <p:style>
+              <a:lnRef idx="2">
+                <a:schemeClr val="accent1">
+                  <a:shade val="15000"/>
+                </a:schemeClr>
+              </a:lnRef>
+              <a:fillRef idx="1">
+                <a:schemeClr val="accent1"/>
+              </a:fillRef>
+              <a:effectRef idx="0">
+                <a:schemeClr val="accent1"/>
+              </a:effectRef>
+              <a:fontRef idx="minor">
+                <a:schemeClr val="lt1"/>
+              </a:fontRef>
+            </p:style>
+            <p:txBody>
+              <a:bodyPr rtlCol="0" anchor="ctr"/>
+              <a:lstStyle/>
+              <a:p>
+                <a:pPr algn="ctr"/>
+                <a:endParaRPr lang="en-VN"/>
+              </a:p>
+            </p:txBody>
+          </p:sp>
+          <mc:AlternateContent xmlns:mc="http://schemas.openxmlformats.org/markup-compatibility/2006">
+            <mc:Choice xmlns:a14="http://schemas.microsoft.com/office/drawing/2010/main" Requires="a14">
+              <p:sp>
+                <p:nvSpPr>
+                  <p:cNvPr id="22" name="Rounded Rectangle 21">
+                    <a:extLst>
+                      <a:ext uri="{FF2B5EF4-FFF2-40B4-BE49-F238E27FC236}">
+                        <a16:creationId xmlns:a16="http://schemas.microsoft.com/office/drawing/2014/main" id="{AC92F77D-1723-9CFE-26BC-00195B0DFD83}"/>
+                      </a:ext>
+                    </a:extLst>
+                  </p:cNvPr>
+                  <p:cNvSpPr/>
+                  <p:nvPr/>
+                </p:nvSpPr>
+                <p:spPr>
+                  <a:xfrm>
+                    <a:off x="2850288" y="1076643"/>
+                    <a:ext cx="1501347" cy="1090363"/>
+                  </a:xfrm>
+                  <a:prstGeom prst="roundRect">
+                    <a:avLst/>
+                  </a:prstGeom>
+                  <a:solidFill>
+                    <a:schemeClr val="accent6"/>
+                  </a:solidFill>
+                </p:spPr>
+                <p:style>
+                  <a:lnRef idx="2">
+                    <a:schemeClr val="accent1">
+                      <a:shade val="15000"/>
+                    </a:schemeClr>
+                  </a:lnRef>
+                  <a:fillRef idx="1">
+                    <a:schemeClr val="accent1"/>
+                  </a:fillRef>
+                  <a:effectRef idx="0">
+                    <a:schemeClr val="accent1"/>
+                  </a:effectRef>
+                  <a:fontRef idx="minor">
+                    <a:schemeClr val="lt1"/>
+                  </a:fontRef>
+                </p:style>
+                <p:txBody>
+                  <a:bodyPr rtlCol="0" anchor="ctr"/>
+                  <a:lstStyle/>
+                  <a:p>
+                    <a:pPr algn="ctr"/>
+                    <a:r>
+                      <a:rPr lang="en-VN" dirty="0"/>
+                      <a:t>Feature extractor </a:t>
+                    </a:r>
+                    <a14:m>
+                      <m:oMath xmlns:m="http://schemas.openxmlformats.org/officeDocument/2006/math">
+                        <m:sSub>
+                          <m:sSubPr>
+                            <m:ctrlPr>
+                              <a:rPr lang="el-GR" i="1" smtClean="0">
+                                <a:latin typeface="Cambria Math" panose="02040503050406030204" pitchFamily="18" charset="0"/>
+                                <a:ea typeface="Cambria Math" panose="02040503050406030204" pitchFamily="18" charset="0"/>
+                              </a:rPr>
+                            </m:ctrlPr>
+                          </m:sSubPr>
+                          <m:e>
+                            <m:r>
+                              <m:rPr>
+                                <m:sty m:val="p"/>
+                              </m:rPr>
+                              <a:rPr lang="el-GR" i="1">
+                                <a:latin typeface="Cambria Math" panose="02040503050406030204" pitchFamily="18" charset="0"/>
+                                <a:ea typeface="Cambria Math" panose="02040503050406030204" pitchFamily="18" charset="0"/>
+                              </a:rPr>
+                              <m:t>Φ</m:t>
+                            </m:r>
+                          </m:e>
+                          <m:sub>
+                            <m:r>
+                              <a:rPr lang="en-US" b="0" i="1" smtClean="0">
+                                <a:latin typeface="Cambria Math" panose="02040503050406030204" pitchFamily="18" charset="0"/>
+                                <a:ea typeface="Cambria Math" panose="02040503050406030204" pitchFamily="18" charset="0"/>
+                              </a:rPr>
+                              <m:t>1</m:t>
+                            </m:r>
+                          </m:sub>
+                        </m:sSub>
+                      </m:oMath>
+                    </a14:m>
+                    <a:r>
+                      <a:rPr lang="en-VN" dirty="0"/>
+                      <a:t>: Freeze</a:t>
+                    </a:r>
+                  </a:p>
+                </p:txBody>
+              </p:sp>
+            </mc:Choice>
+            <mc:Fallback>
+              <p:sp>
+                <p:nvSpPr>
+                  <p:cNvPr id="22" name="Rounded Rectangle 21">
+                    <a:extLst>
+                      <a:ext uri="{FF2B5EF4-FFF2-40B4-BE49-F238E27FC236}">
+                        <a16:creationId xmlns:a16="http://schemas.microsoft.com/office/drawing/2014/main" id="{AC92F77D-1723-9CFE-26BC-00195B0DFD83}"/>
+                      </a:ext>
+                    </a:extLst>
+                  </p:cNvPr>
+                  <p:cNvSpPr>
+                    <a:spLocks noRot="1" noChangeAspect="1" noMove="1" noResize="1" noEditPoints="1" noAdjustHandles="1" noChangeArrowheads="1" noChangeShapeType="1" noTextEdit="1"/>
+                  </p:cNvSpPr>
+                  <p:nvPr/>
+                </p:nvSpPr>
+                <p:spPr>
+                  <a:xfrm>
+                    <a:off x="2850288" y="1076643"/>
+                    <a:ext cx="1501347" cy="1090363"/>
+                  </a:xfrm>
+                  <a:prstGeom prst="roundRect">
+                    <a:avLst/>
+                  </a:prstGeom>
+                  <a:blipFill>
+                    <a:blip r:embed="rId3"/>
+                    <a:stretch>
+                      <a:fillRect/>
+                    </a:stretch>
+                  </a:blipFill>
+                </p:spPr>
+                <p:txBody>
+                  <a:bodyPr/>
+                  <a:lstStyle/>
+                  <a:p>
+                    <a:r>
+                      <a:rPr lang="en-VN">
+                        <a:noFill/>
+                      </a:rPr>
+                      <a:t> </a:t>
+                    </a:r>
+                  </a:p>
+                </p:txBody>
+              </p:sp>
+            </mc:Fallback>
+          </mc:AlternateContent>
+          <p:sp>
+            <p:nvSpPr>
+              <p:cNvPr id="23" name="Rounded Rectangle 22">
+                <a:extLst>
+                  <a:ext uri="{FF2B5EF4-FFF2-40B4-BE49-F238E27FC236}">
+                    <a16:creationId xmlns:a16="http://schemas.microsoft.com/office/drawing/2014/main" id="{F9D15461-7BE7-178A-FE56-BABD9EEF30FA}"/>
+                  </a:ext>
+                </a:extLst>
+              </p:cNvPr>
+              <p:cNvSpPr/>
+              <p:nvPr/>
+            </p:nvSpPr>
+            <p:spPr>
+              <a:xfrm>
+                <a:off x="4392822" y="1155795"/>
+                <a:ext cx="1365424" cy="957648"/>
+              </a:xfrm>
+              <a:prstGeom prst="roundRect">
+                <a:avLst/>
+              </a:prstGeom>
+            </p:spPr>
+            <p:style>
+              <a:lnRef idx="2">
+                <a:schemeClr val="accent1">
+                  <a:shade val="15000"/>
+                </a:schemeClr>
+              </a:lnRef>
+              <a:fillRef idx="1">
+                <a:schemeClr val="accent1"/>
+              </a:fillRef>
+              <a:effectRef idx="0">
+                <a:schemeClr val="accent1"/>
+              </a:effectRef>
+              <a:fontRef idx="minor">
+                <a:schemeClr val="lt1"/>
+              </a:fontRef>
+            </p:style>
+            <p:txBody>
+              <a:bodyPr rtlCol="0" anchor="ctr"/>
+              <a:lstStyle/>
+              <a:p>
+                <a:pPr algn="ctr"/>
+                <a:r>
+                  <a:rPr lang="en-VN" dirty="0"/>
+                  <a:t>BackboneB: Random Initialize</a:t>
+                </a:r>
+              </a:p>
+            </p:txBody>
+          </p:sp>
+        </p:grpSp>
+        <p:grpSp>
+          <p:nvGrpSpPr>
+            <p:cNvPr id="31" name="Group 30">
+              <a:extLst>
+                <a:ext uri="{FF2B5EF4-FFF2-40B4-BE49-F238E27FC236}">
+                  <a16:creationId xmlns:a16="http://schemas.microsoft.com/office/drawing/2014/main" id="{F078D300-B3A5-58FB-268A-91C9413A51A6}"/>
+                </a:ext>
+              </a:extLst>
+            </p:cNvPr>
+            <p:cNvGrpSpPr/>
+            <p:nvPr/>
+          </p:nvGrpSpPr>
+          <p:grpSpPr>
+            <a:xfrm>
+              <a:off x="7432614" y="1771762"/>
+              <a:ext cx="4626465" cy="1369318"/>
+              <a:chOff x="6798619" y="960928"/>
+              <a:chExt cx="4626465" cy="1369318"/>
+            </a:xfrm>
+          </p:grpSpPr>
+          <p:sp>
+            <p:nvSpPr>
+              <p:cNvPr id="28" name="Rounded Rectangle 27">
+                <a:extLst>
+                  <a:ext uri="{FF2B5EF4-FFF2-40B4-BE49-F238E27FC236}">
+                    <a16:creationId xmlns:a16="http://schemas.microsoft.com/office/drawing/2014/main" id="{8D33FC04-097D-5F8E-E03A-0B86CB0368AD}"/>
+                  </a:ext>
+                </a:extLst>
+              </p:cNvPr>
+              <p:cNvSpPr/>
+              <p:nvPr/>
+            </p:nvSpPr>
+            <p:spPr>
+              <a:xfrm>
+                <a:off x="6798619" y="960928"/>
+                <a:ext cx="4626465" cy="1369318"/>
+              </a:xfrm>
+              <a:prstGeom prst="roundRect">
+                <a:avLst/>
+              </a:prstGeom>
+              <a:solidFill>
+                <a:schemeClr val="accent2"/>
+              </a:solidFill>
+            </p:spPr>
+            <p:style>
+              <a:lnRef idx="2">
+                <a:schemeClr val="accent1">
+                  <a:shade val="15000"/>
+                </a:schemeClr>
+              </a:lnRef>
+              <a:fillRef idx="1">
+                <a:schemeClr val="accent1"/>
+              </a:fillRef>
+              <a:effectRef idx="0">
+                <a:schemeClr val="accent1"/>
+              </a:effectRef>
+              <a:fontRef idx="minor">
+                <a:schemeClr val="lt1"/>
+              </a:fontRef>
+            </p:style>
+            <p:txBody>
+              <a:bodyPr rtlCol="0" anchor="ctr"/>
+              <a:lstStyle/>
+              <a:p>
+                <a:pPr algn="ctr"/>
+                <a:endParaRPr lang="en-VN"/>
+              </a:p>
+            </p:txBody>
+          </p:sp>
+          <mc:AlternateContent xmlns:mc="http://schemas.openxmlformats.org/markup-compatibility/2006">
+            <mc:Choice xmlns:a14="http://schemas.microsoft.com/office/drawing/2010/main" Requires="a14">
+              <p:sp>
+                <p:nvSpPr>
+                  <p:cNvPr id="24" name="Rounded Rectangle 23">
+                    <a:extLst>
+                      <a:ext uri="{FF2B5EF4-FFF2-40B4-BE49-F238E27FC236}">
+                        <a16:creationId xmlns:a16="http://schemas.microsoft.com/office/drawing/2014/main" id="{9BB44254-4E48-B5F8-B506-02D41CC14012}"/>
+                      </a:ext>
+                    </a:extLst>
+                  </p:cNvPr>
+                  <p:cNvSpPr/>
+                  <p:nvPr/>
+                </p:nvSpPr>
+                <p:spPr>
+                  <a:xfrm>
+                    <a:off x="6909426" y="1033034"/>
+                    <a:ext cx="3016237" cy="1203168"/>
+                  </a:xfrm>
+                  <a:prstGeom prst="roundRect">
+                    <a:avLst/>
+                  </a:prstGeom>
+                  <a:solidFill>
+                    <a:schemeClr val="accent6"/>
+                  </a:solidFill>
+                </p:spPr>
+                <p:style>
+                  <a:lnRef idx="2">
+                    <a:schemeClr val="accent1">
+                      <a:shade val="15000"/>
+                    </a:schemeClr>
+                  </a:lnRef>
+                  <a:fillRef idx="1">
+                    <a:schemeClr val="accent1"/>
+                  </a:fillRef>
+                  <a:effectRef idx="0">
+                    <a:schemeClr val="accent1"/>
+                  </a:effectRef>
+                  <a:fontRef idx="minor">
+                    <a:schemeClr val="lt1"/>
+                  </a:fontRef>
+                </p:style>
+                <p:txBody>
+                  <a:bodyPr rtlCol="0" anchor="ctr"/>
+                  <a:lstStyle/>
+                  <a:p>
+                    <a:pPr algn="ctr"/>
+                    <a:r>
+                      <a:rPr lang="en-VN" dirty="0"/>
+                      <a:t>Feature extractor </a:t>
+                    </a:r>
+                    <a14:m>
+                      <m:oMath xmlns:m="http://schemas.openxmlformats.org/officeDocument/2006/math">
+                        <m:sSub>
+                          <m:sSubPr>
+                            <m:ctrlPr>
+                              <a:rPr lang="el-GR" i="1" smtClean="0">
+                                <a:latin typeface="Cambria Math" panose="02040503050406030204" pitchFamily="18" charset="0"/>
+                                <a:ea typeface="Cambria Math" panose="02040503050406030204" pitchFamily="18" charset="0"/>
+                              </a:rPr>
+                            </m:ctrlPr>
+                          </m:sSubPr>
+                          <m:e>
+                            <m:r>
+                              <m:rPr>
+                                <m:sty m:val="p"/>
+                              </m:rPr>
+                              <a:rPr lang="el-GR" i="1">
+                                <a:latin typeface="Cambria Math" panose="02040503050406030204" pitchFamily="18" charset="0"/>
+                                <a:ea typeface="Cambria Math" panose="02040503050406030204" pitchFamily="18" charset="0"/>
+                              </a:rPr>
+                              <m:t>Φ</m:t>
+                            </m:r>
+                          </m:e>
+                          <m:sub>
+                            <m:r>
+                              <a:rPr lang="en-US" b="0" i="1" smtClean="0">
+                                <a:latin typeface="Cambria Math" panose="02040503050406030204" pitchFamily="18" charset="0"/>
+                                <a:ea typeface="Cambria Math" panose="02040503050406030204" pitchFamily="18" charset="0"/>
+                              </a:rPr>
+                              <m:t>2</m:t>
+                            </m:r>
+                          </m:sub>
+                        </m:sSub>
+                      </m:oMath>
+                    </a14:m>
+                    <a:r>
+                      <a:rPr lang="en-VN" dirty="0"/>
+                      <a:t>: Freeze</a:t>
+                    </a:r>
+                  </a:p>
+                </p:txBody>
+              </p:sp>
+            </mc:Choice>
+            <mc:Fallback>
+              <p:sp>
+                <p:nvSpPr>
+                  <p:cNvPr id="24" name="Rounded Rectangle 23">
+                    <a:extLst>
+                      <a:ext uri="{FF2B5EF4-FFF2-40B4-BE49-F238E27FC236}">
+                        <a16:creationId xmlns:a16="http://schemas.microsoft.com/office/drawing/2014/main" id="{9BB44254-4E48-B5F8-B506-02D41CC14012}"/>
+                      </a:ext>
+                    </a:extLst>
+                  </p:cNvPr>
+                  <p:cNvSpPr>
+                    <a:spLocks noRot="1" noChangeAspect="1" noMove="1" noResize="1" noEditPoints="1" noAdjustHandles="1" noChangeArrowheads="1" noChangeShapeType="1" noTextEdit="1"/>
+                  </p:cNvSpPr>
+                  <p:nvPr/>
+                </p:nvSpPr>
+                <p:spPr>
+                  <a:xfrm>
+                    <a:off x="6909426" y="1033034"/>
+                    <a:ext cx="3016237" cy="1203168"/>
+                  </a:xfrm>
+                  <a:prstGeom prst="roundRect">
+                    <a:avLst/>
+                  </a:prstGeom>
+                  <a:blipFill>
+                    <a:blip r:embed="rId4"/>
+                    <a:stretch>
+                      <a:fillRect/>
+                    </a:stretch>
+                  </a:blipFill>
+                </p:spPr>
+                <p:txBody>
+                  <a:bodyPr/>
+                  <a:lstStyle/>
+                  <a:p>
+                    <a:r>
+                      <a:rPr lang="en-VN">
+                        <a:noFill/>
+                      </a:rPr>
+                      <a:t> </a:t>
+                    </a:r>
+                  </a:p>
+                </p:txBody>
+              </p:sp>
+            </mc:Fallback>
+          </mc:AlternateContent>
+          <p:sp>
+            <p:nvSpPr>
+              <p:cNvPr id="27" name="Rounded Rectangle 26">
+                <a:extLst>
+                  <a:ext uri="{FF2B5EF4-FFF2-40B4-BE49-F238E27FC236}">
+                    <a16:creationId xmlns:a16="http://schemas.microsoft.com/office/drawing/2014/main" id="{99A1E6F3-4378-FCC4-FC8A-A01D130B3E11}"/>
+                  </a:ext>
+                </a:extLst>
+              </p:cNvPr>
+              <p:cNvSpPr/>
+              <p:nvPr/>
+            </p:nvSpPr>
+            <p:spPr>
+              <a:xfrm>
+                <a:off x="9964992" y="1155794"/>
+                <a:ext cx="1365424" cy="957648"/>
+              </a:xfrm>
+              <a:prstGeom prst="roundRect">
+                <a:avLst/>
+              </a:prstGeom>
+            </p:spPr>
+            <p:style>
+              <a:lnRef idx="2">
+                <a:schemeClr val="accent1">
+                  <a:shade val="15000"/>
+                </a:schemeClr>
+              </a:lnRef>
+              <a:fillRef idx="1">
+                <a:schemeClr val="accent1"/>
+              </a:fillRef>
+              <a:effectRef idx="0">
+                <a:schemeClr val="accent1"/>
+              </a:effectRef>
+              <a:fontRef idx="minor">
+                <a:schemeClr val="lt1"/>
+              </a:fontRef>
+            </p:style>
+            <p:txBody>
+              <a:bodyPr rtlCol="0" anchor="ctr"/>
+              <a:lstStyle/>
+              <a:p>
+                <a:pPr algn="ctr"/>
+                <a:r>
+                  <a:rPr lang="en-VN" dirty="0"/>
+                  <a:t>BackboneB: Random Initialize</a:t>
+                </a:r>
+              </a:p>
+            </p:txBody>
+          </p:sp>
+        </p:grpSp>
+        <p:cxnSp>
+          <p:nvCxnSpPr>
+            <p:cNvPr id="38" name="Straight Arrow Connector 37">
+              <a:extLst>
+                <a:ext uri="{FF2B5EF4-FFF2-40B4-BE49-F238E27FC236}">
+                  <a16:creationId xmlns:a16="http://schemas.microsoft.com/office/drawing/2014/main" id="{CAE857C7-9EB2-6D07-E9A3-62223D109CF5}"/>
+                </a:ext>
+              </a:extLst>
+            </p:cNvPr>
+            <p:cNvCxnSpPr>
+              <a:cxnSpLocks/>
+              <a:stCxn id="9" idx="3"/>
+              <a:endCxn id="22" idx="1"/>
+            </p:cNvCxnSpPr>
+            <p:nvPr/>
+          </p:nvCxnSpPr>
+          <p:spPr>
+            <a:xfrm flipV="1">
+              <a:off x="1848950" y="2443628"/>
+              <a:ext cx="1361659" cy="198"/>
+            </a:xfrm>
+            <a:prstGeom prst="straightConnector1">
+              <a:avLst/>
+            </a:prstGeom>
+            <a:ln>
+              <a:tailEnd type="triangle"/>
+            </a:ln>
+          </p:spPr>
+          <p:style>
+            <a:lnRef idx="2">
+              <a:schemeClr val="accent1"/>
+            </a:lnRef>
+            <a:fillRef idx="0">
+              <a:schemeClr val="accent1"/>
+            </a:fillRef>
+            <a:effectRef idx="1">
+              <a:schemeClr val="accent1"/>
+            </a:effectRef>
+            <a:fontRef idx="minor">
+              <a:schemeClr val="tx1"/>
+            </a:fontRef>
+          </p:style>
+        </p:cxnSp>
+        <p:cxnSp>
+          <p:nvCxnSpPr>
+            <p:cNvPr id="40" name="Straight Arrow Connector 39">
+              <a:extLst>
+                <a:ext uri="{FF2B5EF4-FFF2-40B4-BE49-F238E27FC236}">
+                  <a16:creationId xmlns:a16="http://schemas.microsoft.com/office/drawing/2014/main" id="{4ADAA369-3F97-8D90-3BFE-33C9D32B34CE}"/>
+                </a:ext>
+              </a:extLst>
+            </p:cNvPr>
+            <p:cNvCxnSpPr>
+              <a:stCxn id="18" idx="3"/>
+              <a:endCxn id="24" idx="1"/>
+            </p:cNvCxnSpPr>
+            <p:nvPr/>
+          </p:nvCxnSpPr>
+          <p:spPr>
+            <a:xfrm flipV="1">
+              <a:off x="6167640" y="2445452"/>
+              <a:ext cx="1375781" cy="10969"/>
+            </a:xfrm>
+            <a:prstGeom prst="straightConnector1">
+              <a:avLst/>
+            </a:prstGeom>
+            <a:ln>
+              <a:tailEnd type="triangle"/>
+            </a:ln>
+          </p:spPr>
+          <p:style>
+            <a:lnRef idx="2">
+              <a:schemeClr val="accent1"/>
+            </a:lnRef>
+            <a:fillRef idx="0">
+              <a:schemeClr val="accent1"/>
+            </a:fillRef>
+            <a:effectRef idx="1">
+              <a:schemeClr val="accent1"/>
+            </a:effectRef>
+            <a:fontRef idx="minor">
+              <a:schemeClr val="tx1"/>
+            </a:fontRef>
+          </p:style>
+        </p:cxnSp>
+        <p:sp>
+          <p:nvSpPr>
+            <p:cNvPr id="46" name="TextBox 45">
+              <a:extLst>
+                <a:ext uri="{FF2B5EF4-FFF2-40B4-BE49-F238E27FC236}">
+                  <a16:creationId xmlns:a16="http://schemas.microsoft.com/office/drawing/2014/main" id="{2F848C67-74A1-A04E-E6A3-4821816C7415}"/>
+                </a:ext>
+              </a:extLst>
+            </p:cNvPr>
+            <p:cNvSpPr txBox="1"/>
+            <p:nvPr/>
+          </p:nvSpPr>
+          <p:spPr>
+            <a:xfrm>
+              <a:off x="2180798" y="2081604"/>
+              <a:ext cx="703398" cy="369332"/>
+            </a:xfrm>
+            <a:prstGeom prst="rect">
+              <a:avLst/>
+            </a:prstGeom>
+            <a:noFill/>
+          </p:spPr>
+          <p:txBody>
+            <a:bodyPr wrap="none" rtlCol="0">
+              <a:spAutoFit/>
+            </a:bodyPr>
+            <a:lstStyle/>
+            <a:p>
+              <a:r>
+                <a:rPr lang="en-VN" dirty="0"/>
+                <a:t>Copy</a:t>
+              </a:r>
+            </a:p>
+          </p:txBody>
+        </p:sp>
+        <p:sp>
+          <p:nvSpPr>
+            <p:cNvPr id="47" name="TextBox 46">
+              <a:extLst>
+                <a:ext uri="{FF2B5EF4-FFF2-40B4-BE49-F238E27FC236}">
+                  <a16:creationId xmlns:a16="http://schemas.microsoft.com/office/drawing/2014/main" id="{95D21429-823A-593A-D6D2-18EC7D0A2972}"/>
+                </a:ext>
+              </a:extLst>
+            </p:cNvPr>
+            <p:cNvSpPr txBox="1"/>
+            <p:nvPr/>
+          </p:nvSpPr>
+          <p:spPr>
+            <a:xfrm>
+              <a:off x="6425636" y="2081604"/>
+              <a:ext cx="703398" cy="369332"/>
+            </a:xfrm>
+            <a:prstGeom prst="rect">
+              <a:avLst/>
+            </a:prstGeom>
+            <a:noFill/>
+          </p:spPr>
+          <p:txBody>
+            <a:bodyPr wrap="none" rtlCol="0">
+              <a:spAutoFit/>
+            </a:bodyPr>
+            <a:lstStyle/>
+            <a:p>
+              <a:r>
+                <a:rPr lang="en-VN" dirty="0"/>
+                <a:t>Copy</a:t>
+              </a:r>
+            </a:p>
+          </p:txBody>
+        </p:sp>
+        <p:sp>
+          <p:nvSpPr>
+            <p:cNvPr id="48" name="TextBox 47">
+              <a:extLst>
+                <a:ext uri="{FF2B5EF4-FFF2-40B4-BE49-F238E27FC236}">
+                  <a16:creationId xmlns:a16="http://schemas.microsoft.com/office/drawing/2014/main" id="{CEA62A9A-D085-BE28-B795-DEFEE9F6E707}"/>
+                </a:ext>
+              </a:extLst>
+            </p:cNvPr>
+            <p:cNvSpPr txBox="1"/>
+            <p:nvPr/>
+          </p:nvSpPr>
+          <p:spPr>
+            <a:xfrm>
+              <a:off x="6113755" y="2453771"/>
+              <a:ext cx="1410001" cy="369332"/>
+            </a:xfrm>
+            <a:prstGeom prst="rect">
+              <a:avLst/>
+            </a:prstGeom>
+            <a:noFill/>
+          </p:spPr>
+          <p:txBody>
+            <a:bodyPr wrap="square" rtlCol="0">
+              <a:spAutoFit/>
+            </a:bodyPr>
+            <a:lstStyle/>
+            <a:p>
+              <a:r>
+                <a:rPr lang="en-VN" dirty="0"/>
+                <a:t>Weight Align</a:t>
+              </a:r>
+            </a:p>
+          </p:txBody>
+        </p:sp>
+      </p:grpSp>
+      <p:grpSp>
+        <p:nvGrpSpPr>
+          <p:cNvPr id="98" name="Group 97">
+            <a:extLst>
+              <a:ext uri="{FF2B5EF4-FFF2-40B4-BE49-F238E27FC236}">
+                <a16:creationId xmlns:a16="http://schemas.microsoft.com/office/drawing/2014/main" id="{271B9DC5-B890-A43B-7A3B-97C22B03866E}"/>
+              </a:ext>
+            </a:extLst>
+          </p:cNvPr>
+          <p:cNvGrpSpPr/>
+          <p:nvPr/>
+        </p:nvGrpSpPr>
+        <p:grpSpPr>
+          <a:xfrm>
+            <a:off x="558276" y="3813952"/>
+            <a:ext cx="10807570" cy="510068"/>
+            <a:chOff x="558276" y="3813952"/>
+            <a:chExt cx="10807570" cy="510068"/>
+          </a:xfrm>
+        </p:grpSpPr>
+        <mc:AlternateContent xmlns:mc="http://schemas.openxmlformats.org/markup-compatibility/2006">
+          <mc:Choice xmlns:a14="http://schemas.microsoft.com/office/drawing/2010/main" Requires="a14">
+            <p:sp>
+              <p:nvSpPr>
+                <p:cNvPr id="6" name="Rounded Rectangle 5">
+                  <a:extLst>
+                    <a:ext uri="{FF2B5EF4-FFF2-40B4-BE49-F238E27FC236}">
+                      <a16:creationId xmlns:a16="http://schemas.microsoft.com/office/drawing/2014/main" id="{D3FC8CE7-4CC3-5820-BD6A-92B9645E4457}"/>
+                    </a:ext>
+                  </a:extLst>
+                </p:cNvPr>
+                <p:cNvSpPr/>
+                <p:nvPr/>
+              </p:nvSpPr>
+              <p:spPr>
+                <a:xfrm>
+                  <a:off x="558276" y="3964020"/>
+                  <a:ext cx="1080000" cy="360000"/>
+                </a:xfrm>
+                <a:prstGeom prst="roundRect">
+                  <a:avLst/>
+                </a:prstGeom>
+              </p:spPr>
+              <p:style>
+                <a:lnRef idx="2">
+                  <a:schemeClr val="accent1">
+                    <a:shade val="15000"/>
+                  </a:schemeClr>
+                </a:lnRef>
+                <a:fillRef idx="1">
+                  <a:schemeClr val="accent1"/>
+                </a:fillRef>
+                <a:effectRef idx="0">
+                  <a:schemeClr val="accent1"/>
+                </a:effectRef>
+                <a:fontRef idx="minor">
+                  <a:schemeClr val="lt1"/>
+                </a:fontRef>
+              </p:style>
+              <p:txBody>
+                <a:bodyPr rtlCol="0" anchor="ctr"/>
+                <a:lstStyle/>
+                <a:p>
+                  <a:pPr algn="ctr"/>
+                  <a14:m>
+                    <m:oMathPara xmlns:m="http://schemas.openxmlformats.org/officeDocument/2006/math">
+                      <m:oMathParaPr>
+                        <m:jc m:val="centerGroup"/>
+                      </m:oMathParaPr>
+                      <m:oMath xmlns:m="http://schemas.openxmlformats.org/officeDocument/2006/math">
+                        <m:sSub>
+                          <m:sSubPr>
+                            <m:ctrlPr>
+                              <a:rPr lang="en-VN" i="1" smtClean="0">
+                                <a:latin typeface="Cambria Math" panose="02040503050406030204" pitchFamily="18" charset="0"/>
+                                <a:ea typeface="Cambria Math" panose="02040503050406030204" pitchFamily="18" charset="0"/>
+                              </a:rPr>
+                            </m:ctrlPr>
+                          </m:sSubPr>
+                          <m:e>
+                            <m:r>
+                              <a:rPr lang="en-VN" i="1">
+                                <a:latin typeface="Cambria Math" panose="02040503050406030204" pitchFamily="18" charset="0"/>
+                                <a:ea typeface="Cambria Math" panose="02040503050406030204" pitchFamily="18" charset="0"/>
+                              </a:rPr>
+                              <m:t>ℱ</m:t>
+                            </m:r>
+                          </m:e>
+                          <m:sub>
+                            <m:r>
+                              <a:rPr lang="en-US" b="0" i="1" smtClean="0">
+                                <a:latin typeface="Cambria Math" panose="02040503050406030204" pitchFamily="18" charset="0"/>
+                                <a:ea typeface="Cambria Math" panose="02040503050406030204" pitchFamily="18" charset="0"/>
+                              </a:rPr>
+                              <m:t>1</m:t>
+                            </m:r>
+                          </m:sub>
+                        </m:sSub>
+                      </m:oMath>
+                    </m:oMathPara>
+                  </a14:m>
+                  <a:endParaRPr lang="en-VN" dirty="0"/>
+                </a:p>
+              </p:txBody>
+            </p:sp>
+          </mc:Choice>
+          <mc:Fallback>
+            <p:sp>
+              <p:nvSpPr>
+                <p:cNvPr id="6" name="Rounded Rectangle 5">
+                  <a:extLst>
+                    <a:ext uri="{FF2B5EF4-FFF2-40B4-BE49-F238E27FC236}">
+                      <a16:creationId xmlns:a16="http://schemas.microsoft.com/office/drawing/2014/main" id="{D3FC8CE7-4CC3-5820-BD6A-92B9645E4457}"/>
+                    </a:ext>
+                  </a:extLst>
+                </p:cNvPr>
+                <p:cNvSpPr>
+                  <a:spLocks noRot="1" noChangeAspect="1" noMove="1" noResize="1" noEditPoints="1" noAdjustHandles="1" noChangeArrowheads="1" noChangeShapeType="1" noTextEdit="1"/>
+                </p:cNvSpPr>
+                <p:nvPr/>
+              </p:nvSpPr>
+              <p:spPr>
+                <a:xfrm>
+                  <a:off x="558276" y="3964020"/>
+                  <a:ext cx="1080000" cy="360000"/>
+                </a:xfrm>
+                <a:prstGeom prst="roundRect">
+                  <a:avLst/>
+                </a:prstGeom>
+                <a:blipFill>
+                  <a:blip r:embed="rId5"/>
+                  <a:stretch>
+                    <a:fillRect/>
+                  </a:stretch>
+                </a:blipFill>
+              </p:spPr>
+              <p:txBody>
+                <a:bodyPr/>
+                <a:lstStyle/>
+                <a:p>
+                  <a:r>
+                    <a:rPr lang="en-VN">
+                      <a:noFill/>
+                    </a:rPr>
+                    <a:t> </a:t>
+                  </a:r>
+                </a:p>
+              </p:txBody>
+            </p:sp>
+          </mc:Fallback>
+        </mc:AlternateContent>
+        <mc:AlternateContent xmlns:mc="http://schemas.openxmlformats.org/markup-compatibility/2006">
+          <mc:Choice xmlns:a14="http://schemas.microsoft.com/office/drawing/2010/main" Requires="a14">
+            <p:sp>
+              <p:nvSpPr>
+                <p:cNvPr id="30" name="Rounded Rectangle 29">
+                  <a:extLst>
+                    <a:ext uri="{FF2B5EF4-FFF2-40B4-BE49-F238E27FC236}">
+                      <a16:creationId xmlns:a16="http://schemas.microsoft.com/office/drawing/2014/main" id="{A7083DCE-48C1-600A-B5F9-D01283BC9E81}"/>
+                    </a:ext>
+                  </a:extLst>
+                </p:cNvPr>
+                <p:cNvSpPr/>
+                <p:nvPr/>
+              </p:nvSpPr>
+              <p:spPr>
+                <a:xfrm>
+                  <a:off x="8125846" y="3964020"/>
+                  <a:ext cx="3240000" cy="360000"/>
+                </a:xfrm>
+                <a:prstGeom prst="roundRect">
+                  <a:avLst/>
+                </a:prstGeom>
+              </p:spPr>
+              <p:style>
+                <a:lnRef idx="2">
+                  <a:schemeClr val="accent1">
+                    <a:shade val="15000"/>
+                  </a:schemeClr>
+                </a:lnRef>
+                <a:fillRef idx="1">
+                  <a:schemeClr val="accent1"/>
+                </a:fillRef>
+                <a:effectRef idx="0">
+                  <a:schemeClr val="accent1"/>
+                </a:effectRef>
+                <a:fontRef idx="minor">
+                  <a:schemeClr val="lt1"/>
+                </a:fontRef>
+              </p:style>
+              <p:txBody>
+                <a:bodyPr rtlCol="0" anchor="ctr"/>
+                <a:lstStyle/>
+                <a:p>
+                  <a:pPr algn="ctr"/>
+                  <a14:m>
+                    <m:oMathPara xmlns:m="http://schemas.openxmlformats.org/officeDocument/2006/math">
+                      <m:oMathParaPr>
+                        <m:jc m:val="centerGroup"/>
+                      </m:oMathParaPr>
+                      <m:oMath xmlns:m="http://schemas.openxmlformats.org/officeDocument/2006/math">
+                        <m:sSub>
+                          <m:sSubPr>
+                            <m:ctrlPr>
+                              <a:rPr lang="en-VN" i="1" smtClean="0">
+                                <a:latin typeface="Cambria Math" panose="02040503050406030204" pitchFamily="18" charset="0"/>
+                                <a:ea typeface="Cambria Math" panose="02040503050406030204" pitchFamily="18" charset="0"/>
+                              </a:rPr>
+                            </m:ctrlPr>
+                          </m:sSubPr>
+                          <m:e>
+                            <m:r>
+                              <a:rPr lang="en-VN" i="1">
+                                <a:latin typeface="Cambria Math" panose="02040503050406030204" pitchFamily="18" charset="0"/>
+                                <a:ea typeface="Cambria Math" panose="02040503050406030204" pitchFamily="18" charset="0"/>
+                              </a:rPr>
+                              <m:t>ℱ</m:t>
+                            </m:r>
+                          </m:e>
+                          <m:sub>
+                            <m:r>
+                              <a:rPr lang="vi-VN" b="0" i="1" smtClean="0">
+                                <a:latin typeface="Cambria Math" panose="02040503050406030204" pitchFamily="18" charset="0"/>
+                                <a:ea typeface="Cambria Math" panose="02040503050406030204" pitchFamily="18" charset="0"/>
+                              </a:rPr>
+                              <m:t>3</m:t>
+                            </m:r>
+                          </m:sub>
+                        </m:sSub>
+                      </m:oMath>
+                    </m:oMathPara>
+                  </a14:m>
+                  <a:endParaRPr lang="en-VN" dirty="0"/>
+                </a:p>
+              </p:txBody>
+            </p:sp>
+          </mc:Choice>
+          <mc:Fallback>
+            <p:sp>
+              <p:nvSpPr>
+                <p:cNvPr id="30" name="Rounded Rectangle 29">
+                  <a:extLst>
+                    <a:ext uri="{FF2B5EF4-FFF2-40B4-BE49-F238E27FC236}">
+                      <a16:creationId xmlns:a16="http://schemas.microsoft.com/office/drawing/2014/main" id="{A7083DCE-48C1-600A-B5F9-D01283BC9E81}"/>
+                    </a:ext>
+                  </a:extLst>
+                </p:cNvPr>
+                <p:cNvSpPr>
+                  <a:spLocks noRot="1" noChangeAspect="1" noMove="1" noResize="1" noEditPoints="1" noAdjustHandles="1" noChangeArrowheads="1" noChangeShapeType="1" noTextEdit="1"/>
+                </p:cNvSpPr>
+                <p:nvPr/>
+              </p:nvSpPr>
+              <p:spPr>
+                <a:xfrm>
+                  <a:off x="8125846" y="3964020"/>
+                  <a:ext cx="3240000" cy="360000"/>
+                </a:xfrm>
+                <a:prstGeom prst="roundRect">
+                  <a:avLst/>
+                </a:prstGeom>
+                <a:blipFill>
+                  <a:blip r:embed="rId6"/>
+                  <a:stretch>
+                    <a:fillRect/>
+                  </a:stretch>
+                </a:blipFill>
+              </p:spPr>
+              <p:txBody>
+                <a:bodyPr/>
+                <a:lstStyle/>
+                <a:p>
+                  <a:r>
+                    <a:rPr lang="en-VN">
+                      <a:noFill/>
+                    </a:rPr>
+                    <a:t> </a:t>
+                  </a:r>
+                </a:p>
+              </p:txBody>
+            </p:sp>
+          </mc:Fallback>
+        </mc:AlternateContent>
+        <p:cxnSp>
+          <p:nvCxnSpPr>
+            <p:cNvPr id="43" name="Straight Arrow Connector 42">
+              <a:extLst>
+                <a:ext uri="{FF2B5EF4-FFF2-40B4-BE49-F238E27FC236}">
+                  <a16:creationId xmlns:a16="http://schemas.microsoft.com/office/drawing/2014/main" id="{0CF08673-21D2-8038-D763-E5CBDC2DC0F7}"/>
+                </a:ext>
+              </a:extLst>
+            </p:cNvPr>
+            <p:cNvCxnSpPr>
+              <a:stCxn id="6" idx="3"/>
+              <a:endCxn id="13" idx="1"/>
+            </p:cNvCxnSpPr>
+            <p:nvPr/>
+          </p:nvCxnSpPr>
+          <p:spPr>
+            <a:xfrm flipV="1">
+              <a:off x="1638276" y="4138414"/>
+              <a:ext cx="1941244" cy="5606"/>
+            </a:xfrm>
+            <a:prstGeom prst="straightConnector1">
+              <a:avLst/>
+            </a:prstGeom>
+            <a:ln>
+              <a:tailEnd type="triangle"/>
+            </a:ln>
+          </p:spPr>
+          <p:style>
+            <a:lnRef idx="2">
+              <a:schemeClr val="accent1"/>
+            </a:lnRef>
+            <a:fillRef idx="0">
+              <a:schemeClr val="accent1"/>
+            </a:fillRef>
+            <a:effectRef idx="1">
+              <a:schemeClr val="accent1"/>
+            </a:effectRef>
+            <a:fontRef idx="minor">
+              <a:schemeClr val="tx1"/>
+            </a:fontRef>
+          </p:style>
+        </p:cxnSp>
+        <p:cxnSp>
+          <p:nvCxnSpPr>
+            <p:cNvPr id="45" name="Straight Arrow Connector 44">
+              <a:extLst>
+                <a:ext uri="{FF2B5EF4-FFF2-40B4-BE49-F238E27FC236}">
+                  <a16:creationId xmlns:a16="http://schemas.microsoft.com/office/drawing/2014/main" id="{A0C20000-56BF-EBB6-9735-B4CF7C020600}"/>
+                </a:ext>
+              </a:extLst>
+            </p:cNvPr>
+            <p:cNvCxnSpPr>
+              <a:stCxn id="13" idx="3"/>
+              <a:endCxn id="30" idx="1"/>
+            </p:cNvCxnSpPr>
+            <p:nvPr/>
+          </p:nvCxnSpPr>
+          <p:spPr>
+            <a:xfrm>
+              <a:off x="5739520" y="4138414"/>
+              <a:ext cx="2386326" cy="5606"/>
+            </a:xfrm>
+            <a:prstGeom prst="straightConnector1">
+              <a:avLst/>
+            </a:prstGeom>
+            <a:ln>
+              <a:tailEnd type="triangle"/>
+            </a:ln>
+          </p:spPr>
+          <p:style>
+            <a:lnRef idx="2">
+              <a:schemeClr val="accent1"/>
+            </a:lnRef>
+            <a:fillRef idx="0">
+              <a:schemeClr val="accent1"/>
+            </a:fillRef>
+            <a:effectRef idx="1">
+              <a:schemeClr val="accent1"/>
+            </a:effectRef>
+            <a:fontRef idx="minor">
+              <a:schemeClr val="tx1"/>
+            </a:fontRef>
+          </p:style>
+        </p:cxnSp>
+        <p:sp>
+          <p:nvSpPr>
+            <p:cNvPr id="49" name="TextBox 48">
+              <a:extLst>
+                <a:ext uri="{FF2B5EF4-FFF2-40B4-BE49-F238E27FC236}">
+                  <a16:creationId xmlns:a16="http://schemas.microsoft.com/office/drawing/2014/main" id="{03EB8F1D-325D-7CA7-673D-7B4990BC8330}"/>
+                </a:ext>
+              </a:extLst>
+            </p:cNvPr>
+            <p:cNvSpPr txBox="1"/>
+            <p:nvPr/>
+          </p:nvSpPr>
+          <p:spPr>
+            <a:xfrm>
+              <a:off x="2283417" y="3813952"/>
+              <a:ext cx="703398" cy="369332"/>
+            </a:xfrm>
+            <a:prstGeom prst="rect">
+              <a:avLst/>
+            </a:prstGeom>
+            <a:noFill/>
+          </p:spPr>
+          <p:txBody>
+            <a:bodyPr wrap="none" rtlCol="0">
+              <a:spAutoFit/>
+            </a:bodyPr>
+            <a:lstStyle/>
+            <a:p>
+              <a:r>
+                <a:rPr lang="en-VN" dirty="0"/>
+                <a:t>Copy</a:t>
+              </a:r>
+            </a:p>
+          </p:txBody>
+        </p:sp>
+        <p:sp>
+          <p:nvSpPr>
+            <p:cNvPr id="50" name="TextBox 49">
+              <a:extLst>
+                <a:ext uri="{FF2B5EF4-FFF2-40B4-BE49-F238E27FC236}">
+                  <a16:creationId xmlns:a16="http://schemas.microsoft.com/office/drawing/2014/main" id="{F4011E79-5A15-6134-A722-3AED073654C6}"/>
+                </a:ext>
+              </a:extLst>
+            </p:cNvPr>
+            <p:cNvSpPr txBox="1"/>
+            <p:nvPr/>
+          </p:nvSpPr>
+          <p:spPr>
+            <a:xfrm>
+              <a:off x="6503831" y="3813952"/>
+              <a:ext cx="703398" cy="369332"/>
+            </a:xfrm>
+            <a:prstGeom prst="rect">
+              <a:avLst/>
+            </a:prstGeom>
+            <a:noFill/>
+          </p:spPr>
+          <p:txBody>
+            <a:bodyPr wrap="none" rtlCol="0">
+              <a:spAutoFit/>
+            </a:bodyPr>
+            <a:lstStyle/>
+            <a:p>
+              <a:r>
+                <a:rPr lang="en-VN" dirty="0"/>
+                <a:t>Copy</a:t>
+              </a:r>
+            </a:p>
+          </p:txBody>
+        </p:sp>
+      </p:grpSp>
+      <p:grpSp>
+        <p:nvGrpSpPr>
+          <p:cNvPr id="96" name="Group 95">
+            <a:extLst>
+              <a:ext uri="{FF2B5EF4-FFF2-40B4-BE49-F238E27FC236}">
+                <a16:creationId xmlns:a16="http://schemas.microsoft.com/office/drawing/2014/main" id="{0EDFB0C4-F300-1A18-95D5-710BF08DB38A}"/>
+              </a:ext>
+            </a:extLst>
+          </p:cNvPr>
+          <p:cNvGrpSpPr/>
+          <p:nvPr/>
+        </p:nvGrpSpPr>
+        <p:grpSpPr>
+          <a:xfrm>
+            <a:off x="487819" y="833763"/>
+            <a:ext cx="9868483" cy="429881"/>
+            <a:chOff x="487819" y="833763"/>
+            <a:chExt cx="9868483" cy="429881"/>
+          </a:xfrm>
+        </p:grpSpPr>
+        <p:sp>
+          <p:nvSpPr>
+            <p:cNvPr id="51" name="Rounded Rectangle 50">
+              <a:extLst>
+                <a:ext uri="{FF2B5EF4-FFF2-40B4-BE49-F238E27FC236}">
+                  <a16:creationId xmlns:a16="http://schemas.microsoft.com/office/drawing/2014/main" id="{8F3D6FB7-C518-9944-98AB-8FC256517B85}"/>
+                </a:ext>
+              </a:extLst>
+            </p:cNvPr>
+            <p:cNvSpPr/>
+            <p:nvPr/>
+          </p:nvSpPr>
+          <p:spPr>
+            <a:xfrm>
+              <a:off x="487819" y="835941"/>
+              <a:ext cx="1220913" cy="427703"/>
+            </a:xfrm>
+            <a:prstGeom prst="roundRect">
+              <a:avLst/>
+            </a:prstGeom>
+          </p:spPr>
+          <p:style>
+            <a:lnRef idx="2">
+              <a:schemeClr val="accent1">
+                <a:shade val="15000"/>
+              </a:schemeClr>
+            </a:lnRef>
+            <a:fillRef idx="1">
+              <a:schemeClr val="accent1"/>
+            </a:fillRef>
+            <a:effectRef idx="0">
+              <a:schemeClr val="accent1"/>
+            </a:effectRef>
+            <a:fontRef idx="minor">
+              <a:schemeClr val="lt1"/>
+            </a:fontRef>
+          </p:style>
+          <p:txBody>
+            <a:bodyPr rtlCol="0" anchor="ctr"/>
+            <a:lstStyle/>
+            <a:p>
+              <a:pPr algn="ctr"/>
+              <a:r>
+                <a:rPr lang="en-VN" dirty="0"/>
+                <a:t>Input</a:t>
+              </a:r>
+            </a:p>
+          </p:txBody>
+        </p:sp>
+        <p:sp>
+          <p:nvSpPr>
+            <p:cNvPr id="52" name="Rounded Rectangle 51">
+              <a:extLst>
+                <a:ext uri="{FF2B5EF4-FFF2-40B4-BE49-F238E27FC236}">
+                  <a16:creationId xmlns:a16="http://schemas.microsoft.com/office/drawing/2014/main" id="{8EA9FC9C-A6A3-1797-6C10-2D6B5EBA6B62}"/>
+                </a:ext>
+              </a:extLst>
+            </p:cNvPr>
+            <p:cNvSpPr/>
+            <p:nvPr/>
+          </p:nvSpPr>
+          <p:spPr>
+            <a:xfrm>
+              <a:off x="4049064" y="833763"/>
+              <a:ext cx="1220913" cy="427703"/>
+            </a:xfrm>
+            <a:prstGeom prst="roundRect">
+              <a:avLst/>
+            </a:prstGeom>
+          </p:spPr>
+          <p:style>
+            <a:lnRef idx="2">
+              <a:schemeClr val="accent1">
+                <a:shade val="15000"/>
+              </a:schemeClr>
+            </a:lnRef>
+            <a:fillRef idx="1">
+              <a:schemeClr val="accent1"/>
+            </a:fillRef>
+            <a:effectRef idx="0">
+              <a:schemeClr val="accent1"/>
+            </a:effectRef>
+            <a:fontRef idx="minor">
+              <a:schemeClr val="lt1"/>
+            </a:fontRef>
+          </p:style>
+          <p:txBody>
+            <a:bodyPr rtlCol="0" anchor="ctr"/>
+            <a:lstStyle/>
+            <a:p>
+              <a:pPr algn="ctr"/>
+              <a:r>
+                <a:rPr lang="en-VN" dirty="0"/>
+                <a:t>Input</a:t>
+              </a:r>
+            </a:p>
+          </p:txBody>
+        </p:sp>
+        <p:sp>
+          <p:nvSpPr>
+            <p:cNvPr id="53" name="Rounded Rectangle 52">
+              <a:extLst>
+                <a:ext uri="{FF2B5EF4-FFF2-40B4-BE49-F238E27FC236}">
+                  <a16:creationId xmlns:a16="http://schemas.microsoft.com/office/drawing/2014/main" id="{6BB83B10-5068-E473-0BCC-FC69F8226BB1}"/>
+                </a:ext>
+              </a:extLst>
+            </p:cNvPr>
+            <p:cNvSpPr/>
+            <p:nvPr/>
+          </p:nvSpPr>
+          <p:spPr>
+            <a:xfrm>
+              <a:off x="9135389" y="835940"/>
+              <a:ext cx="1220913" cy="427703"/>
+            </a:xfrm>
+            <a:prstGeom prst="roundRect">
+              <a:avLst/>
+            </a:prstGeom>
+          </p:spPr>
+          <p:style>
+            <a:lnRef idx="2">
+              <a:schemeClr val="accent1">
+                <a:shade val="15000"/>
+              </a:schemeClr>
+            </a:lnRef>
+            <a:fillRef idx="1">
+              <a:schemeClr val="accent1"/>
+            </a:fillRef>
+            <a:effectRef idx="0">
+              <a:schemeClr val="accent1"/>
+            </a:effectRef>
+            <a:fontRef idx="minor">
+              <a:schemeClr val="lt1"/>
+            </a:fontRef>
+          </p:style>
+          <p:txBody>
+            <a:bodyPr rtlCol="0" anchor="ctr"/>
+            <a:lstStyle/>
+            <a:p>
+              <a:pPr algn="ctr"/>
+              <a:r>
+                <a:rPr lang="en-VN" dirty="0"/>
+                <a:t>Input</a:t>
+              </a:r>
+            </a:p>
+          </p:txBody>
+        </p:sp>
+      </p:grpSp>
+      <p:grpSp>
+        <p:nvGrpSpPr>
+          <p:cNvPr id="99" name="Group 98">
+            <a:extLst>
+              <a:ext uri="{FF2B5EF4-FFF2-40B4-BE49-F238E27FC236}">
+                <a16:creationId xmlns:a16="http://schemas.microsoft.com/office/drawing/2014/main" id="{B6AE461D-13B9-9C06-3D1C-6A4716F6F47A}"/>
+              </a:ext>
+            </a:extLst>
+          </p:cNvPr>
+          <p:cNvGrpSpPr/>
+          <p:nvPr/>
+        </p:nvGrpSpPr>
+        <p:grpSpPr>
+          <a:xfrm>
+            <a:off x="487819" y="5085180"/>
+            <a:ext cx="9868483" cy="427704"/>
+            <a:chOff x="487819" y="5085180"/>
+            <a:chExt cx="9868483" cy="427704"/>
+          </a:xfrm>
+        </p:grpSpPr>
+        <p:sp>
+          <p:nvSpPr>
+            <p:cNvPr id="54" name="Rounded Rectangle 53">
+              <a:extLst>
+                <a:ext uri="{FF2B5EF4-FFF2-40B4-BE49-F238E27FC236}">
+                  <a16:creationId xmlns:a16="http://schemas.microsoft.com/office/drawing/2014/main" id="{2CB5E9C0-3154-6666-E706-CCCE32625DB2}"/>
+                </a:ext>
+              </a:extLst>
+            </p:cNvPr>
+            <p:cNvSpPr/>
+            <p:nvPr/>
+          </p:nvSpPr>
+          <p:spPr>
+            <a:xfrm>
+              <a:off x="487819" y="5085181"/>
+              <a:ext cx="1220913" cy="427703"/>
+            </a:xfrm>
+            <a:prstGeom prst="roundRect">
+              <a:avLst/>
+            </a:prstGeom>
+          </p:spPr>
+          <p:style>
+            <a:lnRef idx="2">
+              <a:schemeClr val="accent1">
+                <a:shade val="15000"/>
+              </a:schemeClr>
+            </a:lnRef>
+            <a:fillRef idx="1">
+              <a:schemeClr val="accent1"/>
+            </a:fillRef>
+            <a:effectRef idx="0">
+              <a:schemeClr val="accent1"/>
+            </a:effectRef>
+            <a:fontRef idx="minor">
+              <a:schemeClr val="lt1"/>
+            </a:fontRef>
+          </p:style>
+          <p:txBody>
+            <a:bodyPr rtlCol="0" anchor="ctr"/>
+            <a:lstStyle/>
+            <a:p>
+              <a:pPr algn="ctr"/>
+              <a:r>
+                <a:rPr lang="en-VN" dirty="0"/>
+                <a:t>Output</a:t>
+              </a:r>
+            </a:p>
+          </p:txBody>
+        </p:sp>
+        <p:sp>
+          <p:nvSpPr>
+            <p:cNvPr id="55" name="Rounded Rectangle 54">
+              <a:extLst>
+                <a:ext uri="{FF2B5EF4-FFF2-40B4-BE49-F238E27FC236}">
+                  <a16:creationId xmlns:a16="http://schemas.microsoft.com/office/drawing/2014/main" id="{0734D332-4017-F604-6936-39D5FE5828E9}"/>
+                </a:ext>
+              </a:extLst>
+            </p:cNvPr>
+            <p:cNvSpPr/>
+            <p:nvPr/>
+          </p:nvSpPr>
+          <p:spPr>
+            <a:xfrm>
+              <a:off x="4049064" y="5085180"/>
+              <a:ext cx="1220913" cy="427703"/>
+            </a:xfrm>
+            <a:prstGeom prst="roundRect">
+              <a:avLst/>
+            </a:prstGeom>
+          </p:spPr>
+          <p:style>
+            <a:lnRef idx="2">
+              <a:schemeClr val="accent1">
+                <a:shade val="15000"/>
+              </a:schemeClr>
+            </a:lnRef>
+            <a:fillRef idx="1">
+              <a:schemeClr val="accent1"/>
+            </a:fillRef>
+            <a:effectRef idx="0">
+              <a:schemeClr val="accent1"/>
+            </a:effectRef>
+            <a:fontRef idx="minor">
+              <a:schemeClr val="lt1"/>
+            </a:fontRef>
+          </p:style>
+          <p:txBody>
+            <a:bodyPr rtlCol="0" anchor="ctr"/>
+            <a:lstStyle/>
+            <a:p>
+              <a:pPr algn="ctr"/>
+              <a:r>
+                <a:rPr lang="en-VN" dirty="0"/>
+                <a:t>Output</a:t>
+              </a:r>
+            </a:p>
+          </p:txBody>
+        </p:sp>
+        <p:sp>
+          <p:nvSpPr>
+            <p:cNvPr id="56" name="Rounded Rectangle 55">
+              <a:extLst>
+                <a:ext uri="{FF2B5EF4-FFF2-40B4-BE49-F238E27FC236}">
+                  <a16:creationId xmlns:a16="http://schemas.microsoft.com/office/drawing/2014/main" id="{93E9E34B-3B0F-1E1C-22CE-C4CA4C5A2529}"/>
+                </a:ext>
+              </a:extLst>
+            </p:cNvPr>
+            <p:cNvSpPr/>
+            <p:nvPr/>
+          </p:nvSpPr>
+          <p:spPr>
+            <a:xfrm>
+              <a:off x="9135389" y="5085181"/>
+              <a:ext cx="1220913" cy="427703"/>
+            </a:xfrm>
+            <a:prstGeom prst="roundRect">
+              <a:avLst/>
+            </a:prstGeom>
+          </p:spPr>
+          <p:style>
+            <a:lnRef idx="2">
+              <a:schemeClr val="accent1">
+                <a:shade val="15000"/>
+              </a:schemeClr>
+            </a:lnRef>
+            <a:fillRef idx="1">
+              <a:schemeClr val="accent1"/>
+            </a:fillRef>
+            <a:effectRef idx="0">
+              <a:schemeClr val="accent1"/>
+            </a:effectRef>
+            <a:fontRef idx="minor">
+              <a:schemeClr val="lt1"/>
+            </a:fontRef>
+          </p:style>
+          <p:txBody>
+            <a:bodyPr rtlCol="0" anchor="ctr"/>
+            <a:lstStyle/>
+            <a:p>
+              <a:pPr algn="ctr"/>
+              <a:r>
+                <a:rPr lang="en-VN" dirty="0"/>
+                <a:t>Output</a:t>
+              </a:r>
+            </a:p>
+          </p:txBody>
+        </p:sp>
+      </p:grpSp>
+      <p:cxnSp>
+        <p:nvCxnSpPr>
+          <p:cNvPr id="58" name="Straight Arrow Connector 57">
+            <a:extLst>
+              <a:ext uri="{FF2B5EF4-FFF2-40B4-BE49-F238E27FC236}">
+                <a16:creationId xmlns:a16="http://schemas.microsoft.com/office/drawing/2014/main" id="{7A254E67-52D2-B3B0-314A-0243676E23EA}"/>
+              </a:ext>
+            </a:extLst>
+          </p:cNvPr>
+          <p:cNvCxnSpPr>
+            <a:stCxn id="51" idx="2"/>
+            <a:endCxn id="9" idx="0"/>
+          </p:cNvCxnSpPr>
+          <p:nvPr/>
+        </p:nvCxnSpPr>
+        <p:spPr>
+          <a:xfrm>
+            <a:off x="1098276" y="1263644"/>
+            <a:ext cx="1" cy="635000"/>
+          </a:xfrm>
+          <a:prstGeom prst="straightConnector1">
+            <a:avLst/>
+          </a:prstGeom>
+          <a:ln>
+            <a:tailEnd type="triangle"/>
+          </a:ln>
+        </p:spPr>
+        <p:style>
+          <a:lnRef idx="2">
+            <a:schemeClr val="accent1"/>
+          </a:lnRef>
+          <a:fillRef idx="0">
+            <a:schemeClr val="accent1"/>
+          </a:fillRef>
+          <a:effectRef idx="1">
+            <a:schemeClr val="accent1"/>
+          </a:effectRef>
+          <a:fontRef idx="minor">
+            <a:schemeClr val="tx1"/>
+          </a:fontRef>
+        </p:style>
+      </p:cxnSp>
+      <p:cxnSp>
+        <p:nvCxnSpPr>
+          <p:cNvPr id="60" name="Straight Arrow Connector 59">
+            <a:extLst>
+              <a:ext uri="{FF2B5EF4-FFF2-40B4-BE49-F238E27FC236}">
+                <a16:creationId xmlns:a16="http://schemas.microsoft.com/office/drawing/2014/main" id="{05037386-95CC-5A86-22DC-68FDE251B2A1}"/>
+              </a:ext>
+            </a:extLst>
+          </p:cNvPr>
+          <p:cNvCxnSpPr>
+            <a:stCxn id="9" idx="2"/>
+            <a:endCxn id="6" idx="0"/>
+          </p:cNvCxnSpPr>
+          <p:nvPr/>
+        </p:nvCxnSpPr>
+        <p:spPr>
+          <a:xfrm flipH="1">
+            <a:off x="1098276" y="2989007"/>
+            <a:ext cx="1" cy="975013"/>
+          </a:xfrm>
+          <a:prstGeom prst="straightConnector1">
+            <a:avLst/>
+          </a:prstGeom>
+          <a:ln>
+            <a:tailEnd type="triangle"/>
+          </a:ln>
+        </p:spPr>
+        <p:style>
+          <a:lnRef idx="2">
+            <a:schemeClr val="accent1"/>
+          </a:lnRef>
+          <a:fillRef idx="0">
+            <a:schemeClr val="accent1"/>
+          </a:fillRef>
+          <a:effectRef idx="1">
+            <a:schemeClr val="accent1"/>
+          </a:effectRef>
+          <a:fontRef idx="minor">
+            <a:schemeClr val="tx1"/>
+          </a:fontRef>
+        </p:style>
+      </p:cxnSp>
+      <p:cxnSp>
+        <p:nvCxnSpPr>
+          <p:cNvPr id="62" name="Straight Arrow Connector 61">
+            <a:extLst>
+              <a:ext uri="{FF2B5EF4-FFF2-40B4-BE49-F238E27FC236}">
+                <a16:creationId xmlns:a16="http://schemas.microsoft.com/office/drawing/2014/main" id="{B51B0826-ED68-FEA3-78BB-88112331A0F4}"/>
+              </a:ext>
+            </a:extLst>
+          </p:cNvPr>
+          <p:cNvCxnSpPr>
+            <a:stCxn id="6" idx="2"/>
+            <a:endCxn id="54" idx="0"/>
+          </p:cNvCxnSpPr>
+          <p:nvPr/>
+        </p:nvCxnSpPr>
+        <p:spPr>
+          <a:xfrm>
+            <a:off x="1098276" y="4324020"/>
+            <a:ext cx="0" cy="761161"/>
+          </a:xfrm>
+          <a:prstGeom prst="straightConnector1">
+            <a:avLst/>
+          </a:prstGeom>
+          <a:ln>
+            <a:tailEnd type="triangle"/>
+          </a:ln>
+        </p:spPr>
+        <p:style>
+          <a:lnRef idx="2">
+            <a:schemeClr val="accent1"/>
+          </a:lnRef>
+          <a:fillRef idx="0">
+            <a:schemeClr val="accent1"/>
+          </a:fillRef>
+          <a:effectRef idx="1">
+            <a:schemeClr val="accent1"/>
+          </a:effectRef>
+          <a:fontRef idx="minor">
+            <a:schemeClr val="tx1"/>
+          </a:fontRef>
+        </p:style>
+      </p:cxnSp>
+      <p:cxnSp>
+        <p:nvCxnSpPr>
+          <p:cNvPr id="78" name="Straight Arrow Connector 77">
+            <a:extLst>
+              <a:ext uri="{FF2B5EF4-FFF2-40B4-BE49-F238E27FC236}">
+                <a16:creationId xmlns:a16="http://schemas.microsoft.com/office/drawing/2014/main" id="{4E0DA025-6DB9-FC3B-E5F1-D9CCC6BFB735}"/>
+              </a:ext>
+            </a:extLst>
+          </p:cNvPr>
+          <p:cNvCxnSpPr>
+            <a:stCxn id="52" idx="2"/>
+            <a:endCxn id="18" idx="0"/>
+          </p:cNvCxnSpPr>
+          <p:nvPr/>
+        </p:nvCxnSpPr>
+        <p:spPr>
+          <a:xfrm>
+            <a:off x="4659521" y="1261466"/>
+            <a:ext cx="1" cy="593371"/>
+          </a:xfrm>
+          <a:prstGeom prst="straightConnector1">
+            <a:avLst/>
+          </a:prstGeom>
+          <a:ln>
+            <a:tailEnd type="triangle"/>
+          </a:ln>
+        </p:spPr>
+        <p:style>
+          <a:lnRef idx="2">
+            <a:schemeClr val="accent1"/>
+          </a:lnRef>
+          <a:fillRef idx="0">
+            <a:schemeClr val="accent1"/>
+          </a:fillRef>
+          <a:effectRef idx="1">
+            <a:schemeClr val="accent1"/>
+          </a:effectRef>
+          <a:fontRef idx="minor">
+            <a:schemeClr val="tx1"/>
+          </a:fontRef>
+        </p:style>
+      </p:cxnSp>
+      <p:cxnSp>
+        <p:nvCxnSpPr>
+          <p:cNvPr id="85" name="Straight Arrow Connector 84">
+            <a:extLst>
+              <a:ext uri="{FF2B5EF4-FFF2-40B4-BE49-F238E27FC236}">
+                <a16:creationId xmlns:a16="http://schemas.microsoft.com/office/drawing/2014/main" id="{CF55A5AB-5E38-92F6-848F-072B42595ABE}"/>
+              </a:ext>
+            </a:extLst>
+          </p:cNvPr>
+          <p:cNvCxnSpPr>
+            <a:stCxn id="18" idx="2"/>
+            <a:endCxn id="13" idx="0"/>
+          </p:cNvCxnSpPr>
+          <p:nvPr/>
+        </p:nvCxnSpPr>
+        <p:spPr>
+          <a:xfrm flipH="1">
+            <a:off x="4659520" y="3058005"/>
+            <a:ext cx="2" cy="900409"/>
+          </a:xfrm>
+          <a:prstGeom prst="straightConnector1">
+            <a:avLst/>
+          </a:prstGeom>
+          <a:ln>
+            <a:tailEnd type="triangle"/>
+          </a:ln>
+        </p:spPr>
+        <p:style>
+          <a:lnRef idx="2">
+            <a:schemeClr val="accent1"/>
+          </a:lnRef>
+          <a:fillRef idx="0">
+            <a:schemeClr val="accent1"/>
+          </a:fillRef>
+          <a:effectRef idx="1">
+            <a:schemeClr val="accent1"/>
+          </a:effectRef>
+          <a:fontRef idx="minor">
+            <a:schemeClr val="tx1"/>
+          </a:fontRef>
+        </p:style>
+      </p:cxnSp>
+      <p:cxnSp>
+        <p:nvCxnSpPr>
+          <p:cNvPr id="87" name="Straight Arrow Connector 86">
+            <a:extLst>
+              <a:ext uri="{FF2B5EF4-FFF2-40B4-BE49-F238E27FC236}">
+                <a16:creationId xmlns:a16="http://schemas.microsoft.com/office/drawing/2014/main" id="{F3DA74F7-4540-56BC-8B60-B75B6FD3C7A4}"/>
+              </a:ext>
+            </a:extLst>
+          </p:cNvPr>
+          <p:cNvCxnSpPr>
+            <a:stCxn id="13" idx="2"/>
+            <a:endCxn id="55" idx="0"/>
+          </p:cNvCxnSpPr>
+          <p:nvPr/>
+        </p:nvCxnSpPr>
+        <p:spPr>
+          <a:xfrm>
+            <a:off x="4659520" y="4318414"/>
+            <a:ext cx="1" cy="766766"/>
+          </a:xfrm>
+          <a:prstGeom prst="straightConnector1">
+            <a:avLst/>
+          </a:prstGeom>
+          <a:ln>
+            <a:tailEnd type="triangle"/>
+          </a:ln>
+        </p:spPr>
+        <p:style>
+          <a:lnRef idx="2">
+            <a:schemeClr val="accent1"/>
+          </a:lnRef>
+          <a:fillRef idx="0">
+            <a:schemeClr val="accent1"/>
+          </a:fillRef>
+          <a:effectRef idx="1">
+            <a:schemeClr val="accent1"/>
+          </a:effectRef>
+          <a:fontRef idx="minor">
+            <a:schemeClr val="tx1"/>
+          </a:fontRef>
+        </p:style>
+      </p:cxnSp>
+      <p:cxnSp>
+        <p:nvCxnSpPr>
+          <p:cNvPr id="89" name="Straight Arrow Connector 88">
+            <a:extLst>
+              <a:ext uri="{FF2B5EF4-FFF2-40B4-BE49-F238E27FC236}">
+                <a16:creationId xmlns:a16="http://schemas.microsoft.com/office/drawing/2014/main" id="{11516B74-D46A-94AF-969E-FF67543635A8}"/>
+              </a:ext>
+            </a:extLst>
+          </p:cNvPr>
+          <p:cNvCxnSpPr>
+            <a:stCxn id="53" idx="2"/>
+            <a:endCxn id="28" idx="0"/>
+          </p:cNvCxnSpPr>
+          <p:nvPr/>
+        </p:nvCxnSpPr>
+        <p:spPr>
+          <a:xfrm>
+            <a:off x="9745846" y="1263643"/>
+            <a:ext cx="1" cy="508119"/>
+          </a:xfrm>
+          <a:prstGeom prst="straightConnector1">
+            <a:avLst/>
+          </a:prstGeom>
+          <a:ln>
+            <a:tailEnd type="triangle"/>
+          </a:ln>
+        </p:spPr>
+        <p:style>
+          <a:lnRef idx="2">
+            <a:schemeClr val="accent1"/>
+          </a:lnRef>
+          <a:fillRef idx="0">
+            <a:schemeClr val="accent1"/>
+          </a:fillRef>
+          <a:effectRef idx="1">
+            <a:schemeClr val="accent1"/>
+          </a:effectRef>
+          <a:fontRef idx="minor">
+            <a:schemeClr val="tx1"/>
+          </a:fontRef>
+        </p:style>
+      </p:cxnSp>
+      <p:cxnSp>
+        <p:nvCxnSpPr>
+          <p:cNvPr id="93" name="Straight Arrow Connector 92">
+            <a:extLst>
+              <a:ext uri="{FF2B5EF4-FFF2-40B4-BE49-F238E27FC236}">
+                <a16:creationId xmlns:a16="http://schemas.microsoft.com/office/drawing/2014/main" id="{29153E38-1E9E-AD2C-1856-472C2D07D446}"/>
+              </a:ext>
+            </a:extLst>
+          </p:cNvPr>
+          <p:cNvCxnSpPr>
+            <a:stCxn id="28" idx="2"/>
+            <a:endCxn id="30" idx="0"/>
+          </p:cNvCxnSpPr>
+          <p:nvPr/>
+        </p:nvCxnSpPr>
+        <p:spPr>
+          <a:xfrm flipH="1">
+            <a:off x="9745846" y="3141080"/>
+            <a:ext cx="1" cy="822940"/>
+          </a:xfrm>
+          <a:prstGeom prst="straightConnector1">
+            <a:avLst/>
+          </a:prstGeom>
+          <a:ln>
+            <a:tailEnd type="triangle"/>
+          </a:ln>
+        </p:spPr>
+        <p:style>
+          <a:lnRef idx="2">
+            <a:schemeClr val="accent1"/>
+          </a:lnRef>
+          <a:fillRef idx="0">
+            <a:schemeClr val="accent1"/>
+          </a:fillRef>
+          <a:effectRef idx="1">
+            <a:schemeClr val="accent1"/>
+          </a:effectRef>
+          <a:fontRef idx="minor">
+            <a:schemeClr val="tx1"/>
+          </a:fontRef>
+        </p:style>
+      </p:cxnSp>
+      <p:cxnSp>
+        <p:nvCxnSpPr>
+          <p:cNvPr id="95" name="Straight Arrow Connector 94">
+            <a:extLst>
+              <a:ext uri="{FF2B5EF4-FFF2-40B4-BE49-F238E27FC236}">
+                <a16:creationId xmlns:a16="http://schemas.microsoft.com/office/drawing/2014/main" id="{A3E4150F-DC94-1BB2-5063-4B092B69CEAD}"/>
+              </a:ext>
+            </a:extLst>
+          </p:cNvPr>
+          <p:cNvCxnSpPr>
+            <a:stCxn id="30" idx="2"/>
+            <a:endCxn id="56" idx="0"/>
+          </p:cNvCxnSpPr>
+          <p:nvPr/>
+        </p:nvCxnSpPr>
+        <p:spPr>
+          <a:xfrm>
+            <a:off x="9745846" y="4324020"/>
+            <a:ext cx="0" cy="761161"/>
+          </a:xfrm>
+          <a:prstGeom prst="straightConnector1">
+            <a:avLst/>
+          </a:prstGeom>
+          <a:ln>
+            <a:tailEnd type="triangle"/>
+          </a:ln>
+        </p:spPr>
+        <p:style>
+          <a:lnRef idx="2">
+            <a:schemeClr val="accent1"/>
+          </a:lnRef>
+          <a:fillRef idx="0">
+            <a:schemeClr val="accent1"/>
+          </a:fillRef>
+          <a:effectRef idx="1">
+            <a:schemeClr val="accent1"/>
+          </a:effectRef>
+          <a:fontRef idx="minor">
+            <a:schemeClr val="tx1"/>
+          </a:fontRef>
+        </p:style>
+      </p:cxnSp>
+    </p:spTree>
+    <p:extLst>
+      <p:ext uri="{BB962C8B-B14F-4D97-AF65-F5344CB8AC3E}">
+        <p14:creationId xmlns:p14="http://schemas.microsoft.com/office/powerpoint/2010/main" val="3569123707"/>
+      </p:ext>
+    </p:extLst>
+  </p:cSld>
+  <p:clrMapOvr>
+    <a:masterClrMapping/>
+  </p:clrMapOvr>
+</p:sld>
+</file>
+
 <file path=ppt/theme/theme1.xml><?xml version="1.0" encoding="utf-8"?>
 <a:theme xmlns:a="http://schemas.openxmlformats.org/drawingml/2006/main" name="Office Theme">
   <a:themeElements>

--- a/Media/Figure.pptx
+++ b/Media/Figure.pptx
@@ -266,7 +266,7 @@
           <a:p>
             <a:fld id="{7959E98B-ABE6-5D43-AAFE-9F5C8C770207}" type="datetimeFigureOut">
               <a:rPr lang="en-VN" smtClean="0"/>
-              <a:t>16/03/2024</a:t>
+              <a:t>17/03/2024</a:t>
             </a:fld>
             <a:endParaRPr lang="en-VN"/>
           </a:p>
@@ -466,7 +466,7 @@
           <a:p>
             <a:fld id="{7959E98B-ABE6-5D43-AAFE-9F5C8C770207}" type="datetimeFigureOut">
               <a:rPr lang="en-VN" smtClean="0"/>
-              <a:t>16/03/2024</a:t>
+              <a:t>17/03/2024</a:t>
             </a:fld>
             <a:endParaRPr lang="en-VN"/>
           </a:p>
@@ -676,7 +676,7 @@
           <a:p>
             <a:fld id="{7959E98B-ABE6-5D43-AAFE-9F5C8C770207}" type="datetimeFigureOut">
               <a:rPr lang="en-VN" smtClean="0"/>
-              <a:t>16/03/2024</a:t>
+              <a:t>17/03/2024</a:t>
             </a:fld>
             <a:endParaRPr lang="en-VN"/>
           </a:p>
@@ -876,7 +876,7 @@
           <a:p>
             <a:fld id="{7959E98B-ABE6-5D43-AAFE-9F5C8C770207}" type="datetimeFigureOut">
               <a:rPr lang="en-VN" smtClean="0"/>
-              <a:t>16/03/2024</a:t>
+              <a:t>17/03/2024</a:t>
             </a:fld>
             <a:endParaRPr lang="en-VN"/>
           </a:p>
@@ -1152,7 +1152,7 @@
           <a:p>
             <a:fld id="{7959E98B-ABE6-5D43-AAFE-9F5C8C770207}" type="datetimeFigureOut">
               <a:rPr lang="en-VN" smtClean="0"/>
-              <a:t>16/03/2024</a:t>
+              <a:t>17/03/2024</a:t>
             </a:fld>
             <a:endParaRPr lang="en-VN"/>
           </a:p>
@@ -1420,7 +1420,7 @@
           <a:p>
             <a:fld id="{7959E98B-ABE6-5D43-AAFE-9F5C8C770207}" type="datetimeFigureOut">
               <a:rPr lang="en-VN" smtClean="0"/>
-              <a:t>16/03/2024</a:t>
+              <a:t>17/03/2024</a:t>
             </a:fld>
             <a:endParaRPr lang="en-VN"/>
           </a:p>
@@ -1835,7 +1835,7 @@
           <a:p>
             <a:fld id="{7959E98B-ABE6-5D43-AAFE-9F5C8C770207}" type="datetimeFigureOut">
               <a:rPr lang="en-VN" smtClean="0"/>
-              <a:t>16/03/2024</a:t>
+              <a:t>17/03/2024</a:t>
             </a:fld>
             <a:endParaRPr lang="en-VN"/>
           </a:p>
@@ -1977,7 +1977,7 @@
           <a:p>
             <a:fld id="{7959E98B-ABE6-5D43-AAFE-9F5C8C770207}" type="datetimeFigureOut">
               <a:rPr lang="en-VN" smtClean="0"/>
-              <a:t>16/03/2024</a:t>
+              <a:t>17/03/2024</a:t>
             </a:fld>
             <a:endParaRPr lang="en-VN"/>
           </a:p>
@@ -2090,7 +2090,7 @@
           <a:p>
             <a:fld id="{7959E98B-ABE6-5D43-AAFE-9F5C8C770207}" type="datetimeFigureOut">
               <a:rPr lang="en-VN" smtClean="0"/>
-              <a:t>16/03/2024</a:t>
+              <a:t>17/03/2024</a:t>
             </a:fld>
             <a:endParaRPr lang="en-VN"/>
           </a:p>
@@ -2403,7 +2403,7 @@
           <a:p>
             <a:fld id="{7959E98B-ABE6-5D43-AAFE-9F5C8C770207}" type="datetimeFigureOut">
               <a:rPr lang="en-VN" smtClean="0"/>
-              <a:t>16/03/2024</a:t>
+              <a:t>17/03/2024</a:t>
             </a:fld>
             <a:endParaRPr lang="en-VN"/>
           </a:p>
@@ -2692,7 +2692,7 @@
           <a:p>
             <a:fld id="{7959E98B-ABE6-5D43-AAFE-9F5C8C770207}" type="datetimeFigureOut">
               <a:rPr lang="en-VN" smtClean="0"/>
-              <a:t>16/03/2024</a:t>
+              <a:t>17/03/2024</a:t>
             </a:fld>
             <a:endParaRPr lang="en-VN"/>
           </a:p>
@@ -2935,7 +2935,7 @@
           <a:p>
             <a:fld id="{7959E98B-ABE6-5D43-AAFE-9F5C8C770207}" type="datetimeFigureOut">
               <a:rPr lang="en-VN" smtClean="0"/>
-              <a:t>16/03/2024</a:t>
+              <a:t>17/03/2024</a:t>
             </a:fld>
             <a:endParaRPr lang="en-VN"/>
           </a:p>
@@ -11962,8 +11962,57 @@
           <a:chExt cx="0" cy="0"/>
         </a:xfrm>
       </p:grpSpPr>
-      <mc:AlternateContent xmlns:mc="http://schemas.openxmlformats.org/markup-compatibility/2006">
-        <mc:Choice xmlns:a14="http://schemas.microsoft.com/office/drawing/2010/main" Requires="a14">
+      <p:sp>
+        <p:nvSpPr>
+          <p:cNvPr id="28" name="Rounded Rectangle 27">
+            <a:extLst>
+              <a:ext uri="{FF2B5EF4-FFF2-40B4-BE49-F238E27FC236}">
+                <a16:creationId xmlns:a16="http://schemas.microsoft.com/office/drawing/2014/main" id="{8D33FC04-097D-5F8E-E03A-0B86CB0368AD}"/>
+              </a:ext>
+            </a:extLst>
+          </p:cNvPr>
+          <p:cNvSpPr/>
+          <p:nvPr/>
+        </p:nvSpPr>
+        <p:spPr>
+          <a:xfrm>
+            <a:off x="8013545" y="1771762"/>
+            <a:ext cx="3478822" cy="1369318"/>
+          </a:xfrm>
+          <a:prstGeom prst="roundRect">
+            <a:avLst/>
+          </a:prstGeom>
+          <a:solidFill>
+            <a:schemeClr val="accent2"/>
+          </a:solidFill>
+        </p:spPr>
+        <p:style>
+          <a:lnRef idx="2">
+            <a:schemeClr val="accent1">
+              <a:shade val="15000"/>
+            </a:schemeClr>
+          </a:lnRef>
+          <a:fillRef idx="1">
+            <a:schemeClr val="accent1"/>
+          </a:fillRef>
+          <a:effectRef idx="0">
+            <a:schemeClr val="accent1"/>
+          </a:effectRef>
+          <a:fontRef idx="minor">
+            <a:schemeClr val="lt1"/>
+          </a:fontRef>
+        </p:style>
+        <p:txBody>
+          <a:bodyPr rtlCol="0" anchor="ctr"/>
+          <a:lstStyle/>
+          <a:p>
+            <a:pPr algn="ctr"/>
+            <a:endParaRPr lang="en-VN"/>
+          </a:p>
+        </p:txBody>
+      </p:sp>
+      <mc:AlternateContent xmlns:mc="http://schemas.openxmlformats.org/markup-compatibility/2006" xmlns:a14="http://schemas.microsoft.com/office/drawing/2010/main">
+        <mc:Choice Requires="a14">
           <p:sp>
             <p:nvSpPr>
               <p:cNvPr id="13" name="Rounded Rectangle 12">
@@ -12048,7 +12097,7 @@
             </p:txBody>
           </p:sp>
         </mc:Choice>
-        <mc:Fallback>
+        <mc:Fallback xmlns="">
           <p:sp>
             <p:nvSpPr>
               <p:cNvPr id="13" name="Rounded Rectangle 12">
@@ -12093,852 +12142,104 @@
           </p:sp>
         </mc:Fallback>
       </mc:AlternateContent>
-      <p:grpSp>
-        <p:nvGrpSpPr>
-          <p:cNvPr id="97" name="Group 96">
+      <p:sp>
+        <p:nvSpPr>
+          <p:cNvPr id="9" name="Rounded Rectangle 8">
             <a:extLst>
               <a:ext uri="{FF2B5EF4-FFF2-40B4-BE49-F238E27FC236}">
-                <a16:creationId xmlns:a16="http://schemas.microsoft.com/office/drawing/2014/main" id="{8F6927EC-62BD-E3B5-53A6-AF5DBFC3673F}"/>
+                <a16:creationId xmlns:a16="http://schemas.microsoft.com/office/drawing/2014/main" id="{CE2898D4-1D4D-1A49-DE7A-4B4BA75F0FC0}"/>
               </a:ext>
             </a:extLst>
           </p:cNvPr>
-          <p:cNvGrpSpPr/>
+          <p:cNvSpPr/>
           <p:nvPr/>
-        </p:nvGrpSpPr>
-        <p:grpSpPr>
+        </p:nvSpPr>
+        <p:spPr>
           <a:xfrm>
-            <a:off x="347603" y="1771762"/>
-            <a:ext cx="11711476" cy="1369318"/>
-            <a:chOff x="347603" y="1771762"/>
-            <a:chExt cx="11711476" cy="1369318"/>
+            <a:off x="558274" y="1914935"/>
+            <a:ext cx="1080001" cy="1090363"/>
           </a:xfrm>
-        </p:grpSpPr>
-        <p:grpSp>
-          <p:nvGrpSpPr>
-            <p:cNvPr id="33" name="Group 32">
-              <a:extLst>
-                <a:ext uri="{FF2B5EF4-FFF2-40B4-BE49-F238E27FC236}">
-                  <a16:creationId xmlns:a16="http://schemas.microsoft.com/office/drawing/2014/main" id="{7FDF9409-FC0B-BBFF-9AD1-52235039F010}"/>
-                </a:ext>
-              </a:extLst>
-            </p:cNvPr>
-            <p:cNvGrpSpPr/>
-            <p:nvPr/>
-          </p:nvGrpSpPr>
-          <p:grpSpPr>
-            <a:xfrm>
-              <a:off x="347603" y="1898644"/>
-              <a:ext cx="1501347" cy="1090363"/>
-              <a:chOff x="586945" y="1089437"/>
-              <a:chExt cx="1501347" cy="1090363"/>
-            </a:xfrm>
-          </p:grpSpPr>
-          <p:sp>
-            <p:nvSpPr>
-              <p:cNvPr id="9" name="Rounded Rectangle 8">
-                <a:extLst>
-                  <a:ext uri="{FF2B5EF4-FFF2-40B4-BE49-F238E27FC236}">
-                    <a16:creationId xmlns:a16="http://schemas.microsoft.com/office/drawing/2014/main" id="{CE2898D4-1D4D-1A49-DE7A-4B4BA75F0FC0}"/>
-                  </a:ext>
-                </a:extLst>
-              </p:cNvPr>
-              <p:cNvSpPr/>
-              <p:nvPr/>
-            </p:nvSpPr>
-            <p:spPr>
-              <a:xfrm>
-                <a:off x="586945" y="1089437"/>
-                <a:ext cx="1501347" cy="1090363"/>
-              </a:xfrm>
-              <a:prstGeom prst="roundRect">
-                <a:avLst/>
-              </a:prstGeom>
-              <a:solidFill>
-                <a:schemeClr val="accent2"/>
-              </a:solidFill>
-            </p:spPr>
-            <p:style>
-              <a:lnRef idx="2">
-                <a:schemeClr val="accent1">
-                  <a:shade val="15000"/>
-                </a:schemeClr>
-              </a:lnRef>
-              <a:fillRef idx="1">
-                <a:schemeClr val="accent1"/>
-              </a:fillRef>
-              <a:effectRef idx="0">
-                <a:schemeClr val="accent1"/>
-              </a:effectRef>
-              <a:fontRef idx="minor">
-                <a:schemeClr val="lt1"/>
-              </a:fontRef>
-            </p:style>
-            <p:txBody>
-              <a:bodyPr rtlCol="0" anchor="ctr"/>
-              <a:lstStyle/>
-              <a:p>
-                <a:pPr algn="ctr"/>
-                <a:endParaRPr lang="en-VN"/>
-              </a:p>
-            </p:txBody>
-          </p:sp>
-          <p:sp>
-            <p:nvSpPr>
-              <p:cNvPr id="4" name="Rounded Rectangle 3">
-                <a:extLst>
-                  <a:ext uri="{FF2B5EF4-FFF2-40B4-BE49-F238E27FC236}">
-                    <a16:creationId xmlns:a16="http://schemas.microsoft.com/office/drawing/2014/main" id="{575A29BC-A66C-648D-9EC3-C6133AE75380}"/>
-                  </a:ext>
-                </a:extLst>
-              </p:cNvPr>
-              <p:cNvSpPr/>
-              <p:nvPr/>
-            </p:nvSpPr>
-            <p:spPr>
-              <a:xfrm>
-                <a:off x="656705" y="1155795"/>
-                <a:ext cx="1365424" cy="957648"/>
-              </a:xfrm>
-              <a:prstGeom prst="roundRect">
-                <a:avLst/>
-              </a:prstGeom>
-            </p:spPr>
-            <p:style>
-              <a:lnRef idx="2">
-                <a:schemeClr val="accent1">
-                  <a:shade val="15000"/>
-                </a:schemeClr>
-              </a:lnRef>
-              <a:fillRef idx="1">
-                <a:schemeClr val="accent1"/>
-              </a:fillRef>
-              <a:effectRef idx="0">
-                <a:schemeClr val="accent1"/>
-              </a:effectRef>
-              <a:fontRef idx="minor">
-                <a:schemeClr val="lt1"/>
-              </a:fontRef>
-            </p:style>
-            <p:txBody>
-              <a:bodyPr rtlCol="0" anchor="ctr"/>
-              <a:lstStyle/>
-              <a:p>
-                <a:pPr algn="ctr"/>
-                <a:r>
-                  <a:rPr lang="en-VN" dirty="0"/>
-                  <a:t>Backbone B: Random Initialize</a:t>
-                </a:r>
-              </a:p>
-            </p:txBody>
-          </p:sp>
-        </p:grpSp>
-        <p:grpSp>
-          <p:nvGrpSpPr>
-            <p:cNvPr id="32" name="Group 31">
-              <a:extLst>
-                <a:ext uri="{FF2B5EF4-FFF2-40B4-BE49-F238E27FC236}">
-                  <a16:creationId xmlns:a16="http://schemas.microsoft.com/office/drawing/2014/main" id="{3C7B8DC0-1373-AB26-1B07-75BBBE9C826B}"/>
-                </a:ext>
-              </a:extLst>
-            </p:cNvPr>
-            <p:cNvGrpSpPr/>
-            <p:nvPr/>
-          </p:nvGrpSpPr>
-          <p:grpSpPr>
-            <a:xfrm>
-              <a:off x="3151403" y="1854837"/>
-              <a:ext cx="3016237" cy="1203168"/>
-              <a:chOff x="2791082" y="1033034"/>
-              <a:chExt cx="3016237" cy="1203168"/>
-            </a:xfrm>
-          </p:grpSpPr>
-          <p:sp>
-            <p:nvSpPr>
-              <p:cNvPr id="18" name="Rounded Rectangle 17">
-                <a:extLst>
-                  <a:ext uri="{FF2B5EF4-FFF2-40B4-BE49-F238E27FC236}">
-                    <a16:creationId xmlns:a16="http://schemas.microsoft.com/office/drawing/2014/main" id="{1CB338DB-7A73-BA7F-DA2E-C313D92146B3}"/>
-                  </a:ext>
-                </a:extLst>
-              </p:cNvPr>
-              <p:cNvSpPr/>
-              <p:nvPr/>
-            </p:nvSpPr>
-            <p:spPr>
-              <a:xfrm>
-                <a:off x="2791082" y="1033034"/>
-                <a:ext cx="3016237" cy="1203168"/>
-              </a:xfrm>
-              <a:prstGeom prst="roundRect">
-                <a:avLst/>
-              </a:prstGeom>
-              <a:solidFill>
-                <a:schemeClr val="accent2"/>
-              </a:solidFill>
-            </p:spPr>
-            <p:style>
-              <a:lnRef idx="2">
-                <a:schemeClr val="accent1">
-                  <a:shade val="15000"/>
-                </a:schemeClr>
-              </a:lnRef>
-              <a:fillRef idx="1">
-                <a:schemeClr val="accent1"/>
-              </a:fillRef>
-              <a:effectRef idx="0">
-                <a:schemeClr val="accent1"/>
-              </a:effectRef>
-              <a:fontRef idx="minor">
-                <a:schemeClr val="lt1"/>
-              </a:fontRef>
-            </p:style>
-            <p:txBody>
-              <a:bodyPr rtlCol="0" anchor="ctr"/>
-              <a:lstStyle/>
-              <a:p>
-                <a:pPr algn="ctr"/>
-                <a:endParaRPr lang="en-VN"/>
-              </a:p>
-            </p:txBody>
-          </p:sp>
-          <mc:AlternateContent xmlns:mc="http://schemas.openxmlformats.org/markup-compatibility/2006">
-            <mc:Choice xmlns:a14="http://schemas.microsoft.com/office/drawing/2010/main" Requires="a14">
-              <p:sp>
-                <p:nvSpPr>
-                  <p:cNvPr id="22" name="Rounded Rectangle 21">
-                    <a:extLst>
-                      <a:ext uri="{FF2B5EF4-FFF2-40B4-BE49-F238E27FC236}">
-                        <a16:creationId xmlns:a16="http://schemas.microsoft.com/office/drawing/2014/main" id="{AC92F77D-1723-9CFE-26BC-00195B0DFD83}"/>
-                      </a:ext>
-                    </a:extLst>
-                  </p:cNvPr>
-                  <p:cNvSpPr/>
-                  <p:nvPr/>
-                </p:nvSpPr>
-                <p:spPr>
-                  <a:xfrm>
-                    <a:off x="2850288" y="1076643"/>
-                    <a:ext cx="1501347" cy="1090363"/>
-                  </a:xfrm>
-                  <a:prstGeom prst="roundRect">
-                    <a:avLst/>
-                  </a:prstGeom>
-                  <a:solidFill>
-                    <a:schemeClr val="accent6"/>
-                  </a:solidFill>
-                </p:spPr>
-                <p:style>
-                  <a:lnRef idx="2">
-                    <a:schemeClr val="accent1">
-                      <a:shade val="15000"/>
-                    </a:schemeClr>
-                  </a:lnRef>
-                  <a:fillRef idx="1">
-                    <a:schemeClr val="accent1"/>
-                  </a:fillRef>
-                  <a:effectRef idx="0">
-                    <a:schemeClr val="accent1"/>
-                  </a:effectRef>
-                  <a:fontRef idx="minor">
-                    <a:schemeClr val="lt1"/>
-                  </a:fontRef>
-                </p:style>
-                <p:txBody>
-                  <a:bodyPr rtlCol="0" anchor="ctr"/>
-                  <a:lstStyle/>
-                  <a:p>
-                    <a:pPr algn="ctr"/>
-                    <a:r>
-                      <a:rPr lang="en-VN" dirty="0"/>
-                      <a:t>Feature extractor </a:t>
-                    </a:r>
-                    <a14:m>
-                      <m:oMath xmlns:m="http://schemas.openxmlformats.org/officeDocument/2006/math">
-                        <m:sSub>
-                          <m:sSubPr>
-                            <m:ctrlPr>
-                              <a:rPr lang="el-GR" i="1" smtClean="0">
-                                <a:latin typeface="Cambria Math" panose="02040503050406030204" pitchFamily="18" charset="0"/>
-                                <a:ea typeface="Cambria Math" panose="02040503050406030204" pitchFamily="18" charset="0"/>
-                              </a:rPr>
-                            </m:ctrlPr>
-                          </m:sSubPr>
-                          <m:e>
-                            <m:r>
-                              <m:rPr>
-                                <m:sty m:val="p"/>
-                              </m:rPr>
-                              <a:rPr lang="el-GR" i="1">
-                                <a:latin typeface="Cambria Math" panose="02040503050406030204" pitchFamily="18" charset="0"/>
-                                <a:ea typeface="Cambria Math" panose="02040503050406030204" pitchFamily="18" charset="0"/>
-                              </a:rPr>
-                              <m:t>Φ</m:t>
-                            </m:r>
-                          </m:e>
-                          <m:sub>
-                            <m:r>
-                              <a:rPr lang="en-US" b="0" i="1" smtClean="0">
-                                <a:latin typeface="Cambria Math" panose="02040503050406030204" pitchFamily="18" charset="0"/>
-                                <a:ea typeface="Cambria Math" panose="02040503050406030204" pitchFamily="18" charset="0"/>
-                              </a:rPr>
-                              <m:t>1</m:t>
-                            </m:r>
-                          </m:sub>
-                        </m:sSub>
-                      </m:oMath>
-                    </a14:m>
-                    <a:r>
-                      <a:rPr lang="en-VN" dirty="0"/>
-                      <a:t>: Freeze</a:t>
-                    </a:r>
-                  </a:p>
-                </p:txBody>
-              </p:sp>
-            </mc:Choice>
-            <mc:Fallback>
-              <p:sp>
-                <p:nvSpPr>
-                  <p:cNvPr id="22" name="Rounded Rectangle 21">
-                    <a:extLst>
-                      <a:ext uri="{FF2B5EF4-FFF2-40B4-BE49-F238E27FC236}">
-                        <a16:creationId xmlns:a16="http://schemas.microsoft.com/office/drawing/2014/main" id="{AC92F77D-1723-9CFE-26BC-00195B0DFD83}"/>
-                      </a:ext>
-                    </a:extLst>
-                  </p:cNvPr>
-                  <p:cNvSpPr>
-                    <a:spLocks noRot="1" noChangeAspect="1" noMove="1" noResize="1" noEditPoints="1" noAdjustHandles="1" noChangeArrowheads="1" noChangeShapeType="1" noTextEdit="1"/>
-                  </p:cNvSpPr>
-                  <p:nvPr/>
-                </p:nvSpPr>
-                <p:spPr>
-                  <a:xfrm>
-                    <a:off x="2850288" y="1076643"/>
-                    <a:ext cx="1501347" cy="1090363"/>
-                  </a:xfrm>
-                  <a:prstGeom prst="roundRect">
-                    <a:avLst/>
-                  </a:prstGeom>
-                  <a:blipFill>
-                    <a:blip r:embed="rId3"/>
-                    <a:stretch>
-                      <a:fillRect/>
-                    </a:stretch>
-                  </a:blipFill>
-                </p:spPr>
-                <p:txBody>
-                  <a:bodyPr/>
-                  <a:lstStyle/>
-                  <a:p>
-                    <a:r>
-                      <a:rPr lang="en-VN">
-                        <a:noFill/>
-                      </a:rPr>
-                      <a:t> </a:t>
-                    </a:r>
-                  </a:p>
-                </p:txBody>
-              </p:sp>
-            </mc:Fallback>
-          </mc:AlternateContent>
-          <p:sp>
-            <p:nvSpPr>
-              <p:cNvPr id="23" name="Rounded Rectangle 22">
-                <a:extLst>
-                  <a:ext uri="{FF2B5EF4-FFF2-40B4-BE49-F238E27FC236}">
-                    <a16:creationId xmlns:a16="http://schemas.microsoft.com/office/drawing/2014/main" id="{F9D15461-7BE7-178A-FE56-BABD9EEF30FA}"/>
-                  </a:ext>
-                </a:extLst>
-              </p:cNvPr>
-              <p:cNvSpPr/>
-              <p:nvPr/>
-            </p:nvSpPr>
-            <p:spPr>
-              <a:xfrm>
-                <a:off x="4392822" y="1155795"/>
-                <a:ext cx="1365424" cy="957648"/>
-              </a:xfrm>
-              <a:prstGeom prst="roundRect">
-                <a:avLst/>
-              </a:prstGeom>
-            </p:spPr>
-            <p:style>
-              <a:lnRef idx="2">
-                <a:schemeClr val="accent1">
-                  <a:shade val="15000"/>
-                </a:schemeClr>
-              </a:lnRef>
-              <a:fillRef idx="1">
-                <a:schemeClr val="accent1"/>
-              </a:fillRef>
-              <a:effectRef idx="0">
-                <a:schemeClr val="accent1"/>
-              </a:effectRef>
-              <a:fontRef idx="minor">
-                <a:schemeClr val="lt1"/>
-              </a:fontRef>
-            </p:style>
-            <p:txBody>
-              <a:bodyPr rtlCol="0" anchor="ctr"/>
-              <a:lstStyle/>
-              <a:p>
-                <a:pPr algn="ctr"/>
-                <a:r>
-                  <a:rPr lang="en-VN" dirty="0"/>
-                  <a:t>BackboneB: Random Initialize</a:t>
-                </a:r>
-              </a:p>
-            </p:txBody>
-          </p:sp>
-        </p:grpSp>
-        <p:grpSp>
-          <p:nvGrpSpPr>
-            <p:cNvPr id="31" name="Group 30">
-              <a:extLst>
-                <a:ext uri="{FF2B5EF4-FFF2-40B4-BE49-F238E27FC236}">
-                  <a16:creationId xmlns:a16="http://schemas.microsoft.com/office/drawing/2014/main" id="{F078D300-B3A5-58FB-268A-91C9413A51A6}"/>
-                </a:ext>
-              </a:extLst>
-            </p:cNvPr>
-            <p:cNvGrpSpPr/>
-            <p:nvPr/>
-          </p:nvGrpSpPr>
-          <p:grpSpPr>
-            <a:xfrm>
-              <a:off x="7432614" y="1771762"/>
-              <a:ext cx="4626465" cy="1369318"/>
-              <a:chOff x="6798619" y="960928"/>
-              <a:chExt cx="4626465" cy="1369318"/>
-            </a:xfrm>
-          </p:grpSpPr>
-          <p:sp>
-            <p:nvSpPr>
-              <p:cNvPr id="28" name="Rounded Rectangle 27">
-                <a:extLst>
-                  <a:ext uri="{FF2B5EF4-FFF2-40B4-BE49-F238E27FC236}">
-                    <a16:creationId xmlns:a16="http://schemas.microsoft.com/office/drawing/2014/main" id="{8D33FC04-097D-5F8E-E03A-0B86CB0368AD}"/>
-                  </a:ext>
-                </a:extLst>
-              </p:cNvPr>
-              <p:cNvSpPr/>
-              <p:nvPr/>
-            </p:nvSpPr>
-            <p:spPr>
-              <a:xfrm>
-                <a:off x="6798619" y="960928"/>
-                <a:ext cx="4626465" cy="1369318"/>
-              </a:xfrm>
-              <a:prstGeom prst="roundRect">
-                <a:avLst/>
-              </a:prstGeom>
-              <a:solidFill>
-                <a:schemeClr val="accent2"/>
-              </a:solidFill>
-            </p:spPr>
-            <p:style>
-              <a:lnRef idx="2">
-                <a:schemeClr val="accent1">
-                  <a:shade val="15000"/>
-                </a:schemeClr>
-              </a:lnRef>
-              <a:fillRef idx="1">
-                <a:schemeClr val="accent1"/>
-              </a:fillRef>
-              <a:effectRef idx="0">
-                <a:schemeClr val="accent1"/>
-              </a:effectRef>
-              <a:fontRef idx="minor">
-                <a:schemeClr val="lt1"/>
-              </a:fontRef>
-            </p:style>
-            <p:txBody>
-              <a:bodyPr rtlCol="0" anchor="ctr"/>
-              <a:lstStyle/>
-              <a:p>
-                <a:pPr algn="ctr"/>
-                <a:endParaRPr lang="en-VN"/>
-              </a:p>
-            </p:txBody>
-          </p:sp>
-          <mc:AlternateContent xmlns:mc="http://schemas.openxmlformats.org/markup-compatibility/2006">
-            <mc:Choice xmlns:a14="http://schemas.microsoft.com/office/drawing/2010/main" Requires="a14">
-              <p:sp>
-                <p:nvSpPr>
-                  <p:cNvPr id="24" name="Rounded Rectangle 23">
-                    <a:extLst>
-                      <a:ext uri="{FF2B5EF4-FFF2-40B4-BE49-F238E27FC236}">
-                        <a16:creationId xmlns:a16="http://schemas.microsoft.com/office/drawing/2014/main" id="{9BB44254-4E48-B5F8-B506-02D41CC14012}"/>
-                      </a:ext>
-                    </a:extLst>
-                  </p:cNvPr>
-                  <p:cNvSpPr/>
-                  <p:nvPr/>
-                </p:nvSpPr>
-                <p:spPr>
-                  <a:xfrm>
-                    <a:off x="6909426" y="1033034"/>
-                    <a:ext cx="3016237" cy="1203168"/>
-                  </a:xfrm>
-                  <a:prstGeom prst="roundRect">
-                    <a:avLst/>
-                  </a:prstGeom>
-                  <a:solidFill>
-                    <a:schemeClr val="accent6"/>
-                  </a:solidFill>
-                </p:spPr>
-                <p:style>
-                  <a:lnRef idx="2">
-                    <a:schemeClr val="accent1">
-                      <a:shade val="15000"/>
-                    </a:schemeClr>
-                  </a:lnRef>
-                  <a:fillRef idx="1">
-                    <a:schemeClr val="accent1"/>
-                  </a:fillRef>
-                  <a:effectRef idx="0">
-                    <a:schemeClr val="accent1"/>
-                  </a:effectRef>
-                  <a:fontRef idx="minor">
-                    <a:schemeClr val="lt1"/>
-                  </a:fontRef>
-                </p:style>
-                <p:txBody>
-                  <a:bodyPr rtlCol="0" anchor="ctr"/>
-                  <a:lstStyle/>
-                  <a:p>
-                    <a:pPr algn="ctr"/>
-                    <a:r>
-                      <a:rPr lang="en-VN" dirty="0"/>
-                      <a:t>Feature extractor </a:t>
-                    </a:r>
-                    <a14:m>
-                      <m:oMath xmlns:m="http://schemas.openxmlformats.org/officeDocument/2006/math">
-                        <m:sSub>
-                          <m:sSubPr>
-                            <m:ctrlPr>
-                              <a:rPr lang="el-GR" i="1" smtClean="0">
-                                <a:latin typeface="Cambria Math" panose="02040503050406030204" pitchFamily="18" charset="0"/>
-                                <a:ea typeface="Cambria Math" panose="02040503050406030204" pitchFamily="18" charset="0"/>
-                              </a:rPr>
-                            </m:ctrlPr>
-                          </m:sSubPr>
-                          <m:e>
-                            <m:r>
-                              <m:rPr>
-                                <m:sty m:val="p"/>
-                              </m:rPr>
-                              <a:rPr lang="el-GR" i="1">
-                                <a:latin typeface="Cambria Math" panose="02040503050406030204" pitchFamily="18" charset="0"/>
-                                <a:ea typeface="Cambria Math" panose="02040503050406030204" pitchFamily="18" charset="0"/>
-                              </a:rPr>
-                              <m:t>Φ</m:t>
-                            </m:r>
-                          </m:e>
-                          <m:sub>
-                            <m:r>
-                              <a:rPr lang="en-US" b="0" i="1" smtClean="0">
-                                <a:latin typeface="Cambria Math" panose="02040503050406030204" pitchFamily="18" charset="0"/>
-                                <a:ea typeface="Cambria Math" panose="02040503050406030204" pitchFamily="18" charset="0"/>
-                              </a:rPr>
-                              <m:t>2</m:t>
-                            </m:r>
-                          </m:sub>
-                        </m:sSub>
-                      </m:oMath>
-                    </a14:m>
-                    <a:r>
-                      <a:rPr lang="en-VN" dirty="0"/>
-                      <a:t>: Freeze</a:t>
-                    </a:r>
-                  </a:p>
-                </p:txBody>
-              </p:sp>
-            </mc:Choice>
-            <mc:Fallback>
-              <p:sp>
-                <p:nvSpPr>
-                  <p:cNvPr id="24" name="Rounded Rectangle 23">
-                    <a:extLst>
-                      <a:ext uri="{FF2B5EF4-FFF2-40B4-BE49-F238E27FC236}">
-                        <a16:creationId xmlns:a16="http://schemas.microsoft.com/office/drawing/2014/main" id="{9BB44254-4E48-B5F8-B506-02D41CC14012}"/>
-                      </a:ext>
-                    </a:extLst>
-                  </p:cNvPr>
-                  <p:cNvSpPr>
-                    <a:spLocks noRot="1" noChangeAspect="1" noMove="1" noResize="1" noEditPoints="1" noAdjustHandles="1" noChangeArrowheads="1" noChangeShapeType="1" noTextEdit="1"/>
-                  </p:cNvSpPr>
-                  <p:nvPr/>
-                </p:nvSpPr>
-                <p:spPr>
-                  <a:xfrm>
-                    <a:off x="6909426" y="1033034"/>
-                    <a:ext cx="3016237" cy="1203168"/>
-                  </a:xfrm>
-                  <a:prstGeom prst="roundRect">
-                    <a:avLst/>
-                  </a:prstGeom>
-                  <a:blipFill>
-                    <a:blip r:embed="rId4"/>
-                    <a:stretch>
-                      <a:fillRect/>
-                    </a:stretch>
-                  </a:blipFill>
-                </p:spPr>
-                <p:txBody>
-                  <a:bodyPr/>
-                  <a:lstStyle/>
-                  <a:p>
-                    <a:r>
-                      <a:rPr lang="en-VN">
-                        <a:noFill/>
-                      </a:rPr>
-                      <a:t> </a:t>
-                    </a:r>
-                  </a:p>
-                </p:txBody>
-              </p:sp>
-            </mc:Fallback>
-          </mc:AlternateContent>
-          <p:sp>
-            <p:nvSpPr>
-              <p:cNvPr id="27" name="Rounded Rectangle 26">
-                <a:extLst>
-                  <a:ext uri="{FF2B5EF4-FFF2-40B4-BE49-F238E27FC236}">
-                    <a16:creationId xmlns:a16="http://schemas.microsoft.com/office/drawing/2014/main" id="{99A1E6F3-4378-FCC4-FC8A-A01D130B3E11}"/>
-                  </a:ext>
-                </a:extLst>
-              </p:cNvPr>
-              <p:cNvSpPr/>
-              <p:nvPr/>
-            </p:nvSpPr>
-            <p:spPr>
-              <a:xfrm>
-                <a:off x="9964992" y="1155794"/>
-                <a:ext cx="1365424" cy="957648"/>
-              </a:xfrm>
-              <a:prstGeom prst="roundRect">
-                <a:avLst/>
-              </a:prstGeom>
-            </p:spPr>
-            <p:style>
-              <a:lnRef idx="2">
-                <a:schemeClr val="accent1">
-                  <a:shade val="15000"/>
-                </a:schemeClr>
-              </a:lnRef>
-              <a:fillRef idx="1">
-                <a:schemeClr val="accent1"/>
-              </a:fillRef>
-              <a:effectRef idx="0">
-                <a:schemeClr val="accent1"/>
-              </a:effectRef>
-              <a:fontRef idx="minor">
-                <a:schemeClr val="lt1"/>
-              </a:fontRef>
-            </p:style>
-            <p:txBody>
-              <a:bodyPr rtlCol="0" anchor="ctr"/>
-              <a:lstStyle/>
-              <a:p>
-                <a:pPr algn="ctr"/>
-                <a:r>
-                  <a:rPr lang="en-VN" dirty="0"/>
-                  <a:t>BackboneB: Random Initialize</a:t>
-                </a:r>
-              </a:p>
-            </p:txBody>
-          </p:sp>
-        </p:grpSp>
-        <p:cxnSp>
-          <p:nvCxnSpPr>
-            <p:cNvPr id="38" name="Straight Arrow Connector 37">
-              <a:extLst>
-                <a:ext uri="{FF2B5EF4-FFF2-40B4-BE49-F238E27FC236}">
-                  <a16:creationId xmlns:a16="http://schemas.microsoft.com/office/drawing/2014/main" id="{CAE857C7-9EB2-6D07-E9A3-62223D109CF5}"/>
-                </a:ext>
-              </a:extLst>
-            </p:cNvPr>
-            <p:cNvCxnSpPr>
-              <a:cxnSpLocks/>
-              <a:stCxn id="9" idx="3"/>
-              <a:endCxn id="22" idx="1"/>
-            </p:cNvCxnSpPr>
-            <p:nvPr/>
-          </p:nvCxnSpPr>
-          <p:spPr>
-            <a:xfrm flipV="1">
-              <a:off x="1848950" y="2443628"/>
-              <a:ext cx="1361659" cy="198"/>
-            </a:xfrm>
-            <a:prstGeom prst="straightConnector1">
-              <a:avLst/>
-            </a:prstGeom>
-            <a:ln>
-              <a:tailEnd type="triangle"/>
-            </a:ln>
-          </p:spPr>
-          <p:style>
-            <a:lnRef idx="2">
-              <a:schemeClr val="accent1"/>
-            </a:lnRef>
-            <a:fillRef idx="0">
-              <a:schemeClr val="accent1"/>
-            </a:fillRef>
-            <a:effectRef idx="1">
-              <a:schemeClr val="accent1"/>
-            </a:effectRef>
-            <a:fontRef idx="minor">
-              <a:schemeClr val="tx1"/>
-            </a:fontRef>
-          </p:style>
-        </p:cxnSp>
-        <p:cxnSp>
-          <p:nvCxnSpPr>
-            <p:cNvPr id="40" name="Straight Arrow Connector 39">
-              <a:extLst>
-                <a:ext uri="{FF2B5EF4-FFF2-40B4-BE49-F238E27FC236}">
-                  <a16:creationId xmlns:a16="http://schemas.microsoft.com/office/drawing/2014/main" id="{4ADAA369-3F97-8D90-3BFE-33C9D32B34CE}"/>
-                </a:ext>
-              </a:extLst>
-            </p:cNvPr>
-            <p:cNvCxnSpPr>
-              <a:stCxn id="18" idx="3"/>
-              <a:endCxn id="24" idx="1"/>
-            </p:cNvCxnSpPr>
-            <p:nvPr/>
-          </p:nvCxnSpPr>
-          <p:spPr>
-            <a:xfrm flipV="1">
-              <a:off x="6167640" y="2445452"/>
-              <a:ext cx="1375781" cy="10969"/>
-            </a:xfrm>
-            <a:prstGeom prst="straightConnector1">
-              <a:avLst/>
-            </a:prstGeom>
-            <a:ln>
-              <a:tailEnd type="triangle"/>
-            </a:ln>
-          </p:spPr>
-          <p:style>
-            <a:lnRef idx="2">
-              <a:schemeClr val="accent1"/>
-            </a:lnRef>
-            <a:fillRef idx="0">
-              <a:schemeClr val="accent1"/>
-            </a:fillRef>
-            <a:effectRef idx="1">
-              <a:schemeClr val="accent1"/>
-            </a:effectRef>
-            <a:fontRef idx="minor">
-              <a:schemeClr val="tx1"/>
-            </a:fontRef>
-          </p:style>
-        </p:cxnSp>
-        <p:sp>
-          <p:nvSpPr>
-            <p:cNvPr id="46" name="TextBox 45">
-              <a:extLst>
-                <a:ext uri="{FF2B5EF4-FFF2-40B4-BE49-F238E27FC236}">
-                  <a16:creationId xmlns:a16="http://schemas.microsoft.com/office/drawing/2014/main" id="{2F848C67-74A1-A04E-E6A3-4821816C7415}"/>
-                </a:ext>
-              </a:extLst>
-            </p:cNvPr>
-            <p:cNvSpPr txBox="1"/>
-            <p:nvPr/>
-          </p:nvSpPr>
-          <p:spPr>
-            <a:xfrm>
-              <a:off x="2180798" y="2081604"/>
-              <a:ext cx="703398" cy="369332"/>
-            </a:xfrm>
-            <a:prstGeom prst="rect">
-              <a:avLst/>
-            </a:prstGeom>
-            <a:noFill/>
-          </p:spPr>
-          <p:txBody>
-            <a:bodyPr wrap="none" rtlCol="0">
-              <a:spAutoFit/>
-            </a:bodyPr>
-            <a:lstStyle/>
-            <a:p>
-              <a:r>
-                <a:rPr lang="en-VN" dirty="0"/>
-                <a:t>Copy</a:t>
-              </a:r>
-            </a:p>
-          </p:txBody>
-        </p:sp>
-        <p:sp>
-          <p:nvSpPr>
-            <p:cNvPr id="47" name="TextBox 46">
-              <a:extLst>
-                <a:ext uri="{FF2B5EF4-FFF2-40B4-BE49-F238E27FC236}">
-                  <a16:creationId xmlns:a16="http://schemas.microsoft.com/office/drawing/2014/main" id="{95D21429-823A-593A-D6D2-18EC7D0A2972}"/>
-                </a:ext>
-              </a:extLst>
-            </p:cNvPr>
-            <p:cNvSpPr txBox="1"/>
-            <p:nvPr/>
-          </p:nvSpPr>
-          <p:spPr>
-            <a:xfrm>
-              <a:off x="6425636" y="2081604"/>
-              <a:ext cx="703398" cy="369332"/>
-            </a:xfrm>
-            <a:prstGeom prst="rect">
-              <a:avLst/>
-            </a:prstGeom>
-            <a:noFill/>
-          </p:spPr>
-          <p:txBody>
-            <a:bodyPr wrap="none" rtlCol="0">
-              <a:spAutoFit/>
-            </a:bodyPr>
-            <a:lstStyle/>
-            <a:p>
-              <a:r>
-                <a:rPr lang="en-VN" dirty="0"/>
-                <a:t>Copy</a:t>
-              </a:r>
-            </a:p>
-          </p:txBody>
-        </p:sp>
-        <p:sp>
-          <p:nvSpPr>
-            <p:cNvPr id="48" name="TextBox 47">
-              <a:extLst>
-                <a:ext uri="{FF2B5EF4-FFF2-40B4-BE49-F238E27FC236}">
-                  <a16:creationId xmlns:a16="http://schemas.microsoft.com/office/drawing/2014/main" id="{CEA62A9A-D085-BE28-B795-DEFEE9F6E707}"/>
-                </a:ext>
-              </a:extLst>
-            </p:cNvPr>
-            <p:cNvSpPr txBox="1"/>
-            <p:nvPr/>
-          </p:nvSpPr>
-          <p:spPr>
-            <a:xfrm>
-              <a:off x="6113755" y="2453771"/>
-              <a:ext cx="1410001" cy="369332"/>
-            </a:xfrm>
-            <a:prstGeom prst="rect">
-              <a:avLst/>
-            </a:prstGeom>
-            <a:noFill/>
-          </p:spPr>
-          <p:txBody>
-            <a:bodyPr wrap="square" rtlCol="0">
-              <a:spAutoFit/>
-            </a:bodyPr>
-            <a:lstStyle/>
-            <a:p>
-              <a:r>
-                <a:rPr lang="en-VN" dirty="0"/>
-                <a:t>Weight Align</a:t>
-              </a:r>
-            </a:p>
-          </p:txBody>
-        </p:sp>
-      </p:grpSp>
+          <a:prstGeom prst="roundRect">
+            <a:avLst/>
+          </a:prstGeom>
+          <a:solidFill>
+            <a:schemeClr val="accent2"/>
+          </a:solidFill>
+        </p:spPr>
+        <p:style>
+          <a:lnRef idx="2">
+            <a:schemeClr val="accent1">
+              <a:shade val="15000"/>
+            </a:schemeClr>
+          </a:lnRef>
+          <a:fillRef idx="1">
+            <a:schemeClr val="accent1"/>
+          </a:fillRef>
+          <a:effectRef idx="0">
+            <a:schemeClr val="accent1"/>
+          </a:effectRef>
+          <a:fontRef idx="minor">
+            <a:schemeClr val="lt1"/>
+          </a:fontRef>
+        </p:style>
+        <p:txBody>
+          <a:bodyPr rtlCol="0" anchor="ctr"/>
+          <a:lstStyle/>
+          <a:p>
+            <a:pPr algn="ctr"/>
+            <a:endParaRPr lang="en-VN"/>
+          </a:p>
+        </p:txBody>
+      </p:sp>
+      <p:sp>
+        <p:nvSpPr>
+          <p:cNvPr id="18" name="Rounded Rectangle 17">
+            <a:extLst>
+              <a:ext uri="{FF2B5EF4-FFF2-40B4-BE49-F238E27FC236}">
+                <a16:creationId xmlns:a16="http://schemas.microsoft.com/office/drawing/2014/main" id="{1CB338DB-7A73-BA7F-DA2E-C313D92146B3}"/>
+              </a:ext>
+            </a:extLst>
+          </p:cNvPr>
+          <p:cNvSpPr/>
+          <p:nvPr/>
+        </p:nvSpPr>
+        <p:spPr>
+          <a:xfrm>
+            <a:off x="3498411" y="1864298"/>
+            <a:ext cx="2310282" cy="1203168"/>
+          </a:xfrm>
+          <a:prstGeom prst="roundRect">
+            <a:avLst/>
+          </a:prstGeom>
+          <a:solidFill>
+            <a:schemeClr val="accent2"/>
+          </a:solidFill>
+        </p:spPr>
+        <p:style>
+          <a:lnRef idx="2">
+            <a:schemeClr val="accent1">
+              <a:shade val="15000"/>
+            </a:schemeClr>
+          </a:lnRef>
+          <a:fillRef idx="1">
+            <a:schemeClr val="accent1"/>
+          </a:fillRef>
+          <a:effectRef idx="0">
+            <a:schemeClr val="accent1"/>
+          </a:effectRef>
+          <a:fontRef idx="minor">
+            <a:schemeClr val="lt1"/>
+          </a:fontRef>
+        </p:style>
+        <p:txBody>
+          <a:bodyPr rtlCol="0" anchor="ctr"/>
+          <a:lstStyle/>
+          <a:p>
+            <a:pPr algn="ctr"/>
+            <a:endParaRPr lang="en-VN"/>
+          </a:p>
+        </p:txBody>
+      </p:sp>
       <p:grpSp>
         <p:nvGrpSpPr>
           <p:cNvPr id="98" name="Group 97">
@@ -12959,8 +12260,8 @@
             <a:chExt cx="10807570" cy="510068"/>
           </a:xfrm>
         </p:grpSpPr>
-        <mc:AlternateContent xmlns:mc="http://schemas.openxmlformats.org/markup-compatibility/2006">
-          <mc:Choice xmlns:a14="http://schemas.microsoft.com/office/drawing/2010/main" Requires="a14">
+        <mc:AlternateContent xmlns:mc="http://schemas.openxmlformats.org/markup-compatibility/2006" xmlns:a14="http://schemas.microsoft.com/office/drawing/2010/main">
+          <mc:Choice Requires="a14">
             <p:sp>
               <p:nvSpPr>
                 <p:cNvPr id="6" name="Rounded Rectangle 5">
@@ -13045,7 +12346,7 @@
               </p:txBody>
             </p:sp>
           </mc:Choice>
-          <mc:Fallback>
+          <mc:Fallback xmlns="">
             <p:sp>
               <p:nvSpPr>
                 <p:cNvPr id="6" name="Rounded Rectangle 5">
@@ -13090,8 +12391,8 @@
             </p:sp>
           </mc:Fallback>
         </mc:AlternateContent>
-        <mc:AlternateContent xmlns:mc="http://schemas.openxmlformats.org/markup-compatibility/2006">
-          <mc:Choice xmlns:a14="http://schemas.microsoft.com/office/drawing/2010/main" Requires="a14">
+        <mc:AlternateContent xmlns:mc="http://schemas.openxmlformats.org/markup-compatibility/2006" xmlns:a14="http://schemas.microsoft.com/office/drawing/2010/main">
+          <mc:Choice Requires="a14">
             <p:sp>
               <p:nvSpPr>
                 <p:cNvPr id="30" name="Rounded Rectangle 29">
@@ -13176,7 +12477,7 @@
               </p:txBody>
             </p:sp>
           </mc:Choice>
-          <mc:Fallback>
+          <mc:Fallback xmlns="">
             <p:sp>
               <p:nvSpPr>
                 <p:cNvPr id="30" name="Rounded Rectangle 29">
@@ -13722,15 +13023,16 @@
             </a:extLst>
           </p:cNvPr>
           <p:cNvCxnSpPr>
+            <a:cxnSpLocks/>
             <a:stCxn id="51" idx="2"/>
             <a:endCxn id="9" idx="0"/>
           </p:cNvCxnSpPr>
           <p:nvPr/>
         </p:nvCxnSpPr>
         <p:spPr>
-          <a:xfrm>
-            <a:off x="1098276" y="1263644"/>
-            <a:ext cx="1" cy="635000"/>
+          <a:xfrm flipH="1">
+            <a:off x="1098275" y="1263644"/>
+            <a:ext cx="1" cy="651291"/>
           </a:xfrm>
           <a:prstGeom prst="straightConnector1">
             <a:avLst/>
@@ -13764,15 +13066,16 @@
             </a:extLst>
           </p:cNvPr>
           <p:cNvCxnSpPr>
+            <a:cxnSpLocks/>
             <a:stCxn id="9" idx="2"/>
             <a:endCxn id="6" idx="0"/>
           </p:cNvCxnSpPr>
           <p:nvPr/>
         </p:nvCxnSpPr>
         <p:spPr>
-          <a:xfrm flipH="1">
-            <a:off x="1098276" y="2989007"/>
-            <a:ext cx="1" cy="975013"/>
+          <a:xfrm>
+            <a:off x="1098275" y="3005298"/>
+            <a:ext cx="1" cy="958722"/>
           </a:xfrm>
           <a:prstGeom prst="straightConnector1">
             <a:avLst/>
@@ -13848,15 +13151,16 @@
             </a:extLst>
           </p:cNvPr>
           <p:cNvCxnSpPr>
+            <a:cxnSpLocks/>
             <a:stCxn id="52" idx="2"/>
             <a:endCxn id="18" idx="0"/>
           </p:cNvCxnSpPr>
           <p:nvPr/>
         </p:nvCxnSpPr>
         <p:spPr>
-          <a:xfrm>
-            <a:off x="4659521" y="1261466"/>
-            <a:ext cx="1" cy="593371"/>
+          <a:xfrm flipH="1">
+            <a:off x="4653552" y="1261466"/>
+            <a:ext cx="5969" cy="602832"/>
           </a:xfrm>
           <a:prstGeom prst="straightConnector1">
             <a:avLst/>
@@ -13890,15 +13194,16 @@
             </a:extLst>
           </p:cNvPr>
           <p:cNvCxnSpPr>
+            <a:cxnSpLocks/>
             <a:stCxn id="18" idx="2"/>
             <a:endCxn id="13" idx="0"/>
           </p:cNvCxnSpPr>
           <p:nvPr/>
         </p:nvCxnSpPr>
         <p:spPr>
-          <a:xfrm flipH="1">
-            <a:off x="4659520" y="3058005"/>
-            <a:ext cx="2" cy="900409"/>
+          <a:xfrm>
+            <a:off x="4653552" y="3067466"/>
+            <a:ext cx="5968" cy="890948"/>
           </a:xfrm>
           <a:prstGeom prst="straightConnector1">
             <a:avLst/>
@@ -13974,6 +13279,7 @@
             </a:extLst>
           </p:cNvPr>
           <p:cNvCxnSpPr>
+            <a:cxnSpLocks/>
             <a:stCxn id="53" idx="2"/>
             <a:endCxn id="28" idx="0"/>
           </p:cNvCxnSpPr>
@@ -13982,7 +13288,7 @@
         <p:spPr>
           <a:xfrm>
             <a:off x="9745846" y="1263643"/>
-            <a:ext cx="1" cy="508119"/>
+            <a:ext cx="7110" cy="508119"/>
           </a:xfrm>
           <a:prstGeom prst="straightConnector1">
             <a:avLst/>
@@ -14016,6 +13322,7 @@
             </a:extLst>
           </p:cNvPr>
           <p:cNvCxnSpPr>
+            <a:cxnSpLocks/>
             <a:stCxn id="28" idx="2"/>
             <a:endCxn id="30" idx="0"/>
           </p:cNvCxnSpPr>
@@ -14024,7 +13331,7 @@
         <p:spPr>
           <a:xfrm flipH="1">
             <a:off x="9745846" y="3141080"/>
-            <a:ext cx="1" cy="822940"/>
+            <a:ext cx="7110" cy="822940"/>
           </a:xfrm>
           <a:prstGeom prst="straightConnector1">
             <a:avLst/>
@@ -14090,6 +13397,1378 @@
           </a:fontRef>
         </p:style>
       </p:cxnSp>
+      <mc:AlternateContent xmlns:mc="http://schemas.openxmlformats.org/markup-compatibility/2006">
+        <mc:Choice xmlns:a14="http://schemas.microsoft.com/office/drawing/2010/main" Requires="a14">
+          <p:sp>
+            <p:nvSpPr>
+              <p:cNvPr id="2" name="Rounded Rectangle 1">
+                <a:extLst>
+                  <a:ext uri="{FF2B5EF4-FFF2-40B4-BE49-F238E27FC236}">
+                    <a16:creationId xmlns:a16="http://schemas.microsoft.com/office/drawing/2014/main" id="{EBFB2573-7A9C-F8BC-F40B-5925F4E414BA}"/>
+                  </a:ext>
+                </a:extLst>
+              </p:cNvPr>
+              <p:cNvSpPr/>
+              <p:nvPr/>
+            </p:nvSpPr>
+            <p:spPr>
+              <a:xfrm>
+                <a:off x="699633" y="1986522"/>
+                <a:ext cx="797281" cy="407773"/>
+              </a:xfrm>
+              <a:prstGeom prst="roundRect">
+                <a:avLst/>
+              </a:prstGeom>
+            </p:spPr>
+            <p:style>
+              <a:lnRef idx="2">
+                <a:schemeClr val="accent1">
+                  <a:shade val="15000"/>
+                </a:schemeClr>
+              </a:lnRef>
+              <a:fillRef idx="1">
+                <a:schemeClr val="accent1"/>
+              </a:fillRef>
+              <a:effectRef idx="0">
+                <a:schemeClr val="accent1"/>
+              </a:effectRef>
+              <a:fontRef idx="minor">
+                <a:schemeClr val="lt1"/>
+              </a:fontRef>
+            </p:style>
+            <p:txBody>
+              <a:bodyPr rtlCol="0" anchor="ctr"/>
+              <a:lstStyle/>
+              <a:p>
+                <a:pPr algn="ctr"/>
+                <a14:m>
+                  <m:oMathPara xmlns:m="http://schemas.openxmlformats.org/officeDocument/2006/math">
+                    <m:oMathParaPr>
+                      <m:jc m:val="centerGroup"/>
+                    </m:oMathParaPr>
+                    <m:oMath xmlns:m="http://schemas.openxmlformats.org/officeDocument/2006/math">
+                      <m:sSub>
+                        <m:sSubPr>
+                          <m:ctrlPr>
+                            <a:rPr lang="en-VN" i="1" smtClean="0">
+                              <a:latin typeface="Cambria Math" panose="02040503050406030204" pitchFamily="18" charset="0"/>
+                            </a:rPr>
+                          </m:ctrlPr>
+                        </m:sSubPr>
+                        <m:e>
+                          <m:r>
+                            <m:rPr>
+                              <m:sty m:val="p"/>
+                            </m:rPr>
+                            <a:rPr lang="el-GR" i="1" smtClean="0">
+                              <a:latin typeface="Cambria Math" panose="02040503050406030204" pitchFamily="18" charset="0"/>
+                              <a:ea typeface="Cambria Math" panose="02040503050406030204" pitchFamily="18" charset="0"/>
+                            </a:rPr>
+                            <m:t>Φ</m:t>
+                          </m:r>
+                        </m:e>
+                        <m:sub>
+                          <m:r>
+                            <a:rPr lang="en-US" b="0" i="1" smtClean="0">
+                              <a:latin typeface="Cambria Math" panose="02040503050406030204" pitchFamily="18" charset="0"/>
+                            </a:rPr>
+                            <m:t>𝑔</m:t>
+                          </m:r>
+                        </m:sub>
+                      </m:sSub>
+                    </m:oMath>
+                  </m:oMathPara>
+                </a14:m>
+                <a:endParaRPr lang="en-VN" dirty="0"/>
+              </a:p>
+            </p:txBody>
+          </p:sp>
+        </mc:Choice>
+        <mc:Fallback>
+          <p:sp>
+            <p:nvSpPr>
+              <p:cNvPr id="2" name="Rounded Rectangle 1">
+                <a:extLst>
+                  <a:ext uri="{FF2B5EF4-FFF2-40B4-BE49-F238E27FC236}">
+                    <a16:creationId xmlns:a16="http://schemas.microsoft.com/office/drawing/2014/main" id="{EBFB2573-7A9C-F8BC-F40B-5925F4E414BA}"/>
+                  </a:ext>
+                </a:extLst>
+              </p:cNvPr>
+              <p:cNvSpPr>
+                <a:spLocks noRot="1" noChangeAspect="1" noMove="1" noResize="1" noEditPoints="1" noAdjustHandles="1" noChangeArrowheads="1" noChangeShapeType="1" noTextEdit="1"/>
+              </p:cNvSpPr>
+              <p:nvPr/>
+            </p:nvSpPr>
+            <p:spPr>
+              <a:xfrm>
+                <a:off x="699633" y="1986522"/>
+                <a:ext cx="797281" cy="407773"/>
+              </a:xfrm>
+              <a:prstGeom prst="roundRect">
+                <a:avLst/>
+              </a:prstGeom>
+              <a:blipFill>
+                <a:blip r:embed="rId7"/>
+                <a:stretch>
+                  <a:fillRect/>
+                </a:stretch>
+              </a:blipFill>
+            </p:spPr>
+            <p:txBody>
+              <a:bodyPr/>
+              <a:lstStyle/>
+              <a:p>
+                <a:r>
+                  <a:rPr lang="en-VN">
+                    <a:noFill/>
+                  </a:rPr>
+                  <a:t> </a:t>
+                </a:r>
+              </a:p>
+            </p:txBody>
+          </p:sp>
+        </mc:Fallback>
+      </mc:AlternateContent>
+      <mc:AlternateContent xmlns:mc="http://schemas.openxmlformats.org/markup-compatibility/2006">
+        <mc:Choice xmlns:a14="http://schemas.microsoft.com/office/drawing/2010/main" Requires="a14">
+          <p:sp>
+            <p:nvSpPr>
+              <p:cNvPr id="3" name="Rounded Rectangle 2">
+                <a:extLst>
+                  <a:ext uri="{FF2B5EF4-FFF2-40B4-BE49-F238E27FC236}">
+                    <a16:creationId xmlns:a16="http://schemas.microsoft.com/office/drawing/2014/main" id="{87B1B1D5-E602-E503-32FA-AF0E08B613FF}"/>
+                  </a:ext>
+                </a:extLst>
+              </p:cNvPr>
+              <p:cNvSpPr/>
+              <p:nvPr/>
+            </p:nvSpPr>
+            <p:spPr>
+              <a:xfrm>
+                <a:off x="699632" y="2465882"/>
+                <a:ext cx="797282" cy="407773"/>
+              </a:xfrm>
+              <a:prstGeom prst="roundRect">
+                <a:avLst/>
+              </a:prstGeom>
+            </p:spPr>
+            <p:style>
+              <a:lnRef idx="2">
+                <a:schemeClr val="accent1">
+                  <a:shade val="15000"/>
+                </a:schemeClr>
+              </a:lnRef>
+              <a:fillRef idx="1">
+                <a:schemeClr val="accent1"/>
+              </a:fillRef>
+              <a:effectRef idx="0">
+                <a:schemeClr val="accent1"/>
+              </a:effectRef>
+              <a:fontRef idx="minor">
+                <a:schemeClr val="lt1"/>
+              </a:fontRef>
+            </p:style>
+            <p:txBody>
+              <a:bodyPr rtlCol="0" anchor="ctr"/>
+              <a:lstStyle/>
+              <a:p>
+                <a:pPr algn="ctr"/>
+                <a14:m>
+                  <m:oMathPara xmlns:m="http://schemas.openxmlformats.org/officeDocument/2006/math">
+                    <m:oMathParaPr>
+                      <m:jc m:val="centerGroup"/>
+                    </m:oMathParaPr>
+                    <m:oMath xmlns:m="http://schemas.openxmlformats.org/officeDocument/2006/math">
+                      <m:sSub>
+                        <m:sSubPr>
+                          <m:ctrlPr>
+                            <a:rPr lang="en-VN" i="1" smtClean="0">
+                              <a:latin typeface="Cambria Math" panose="02040503050406030204" pitchFamily="18" charset="0"/>
+                            </a:rPr>
+                          </m:ctrlPr>
+                        </m:sSubPr>
+                        <m:e>
+                          <m:r>
+                            <m:rPr>
+                              <m:sty m:val="p"/>
+                            </m:rPr>
+                            <a:rPr lang="el-GR" i="1" smtClean="0">
+                              <a:latin typeface="Cambria Math" panose="02040503050406030204" pitchFamily="18" charset="0"/>
+                              <a:ea typeface="Cambria Math" panose="02040503050406030204" pitchFamily="18" charset="0"/>
+                            </a:rPr>
+                            <m:t>Φ</m:t>
+                          </m:r>
+                        </m:e>
+                        <m:sub>
+                          <m:sSub>
+                            <m:sSubPr>
+                              <m:ctrlPr>
+                                <a:rPr lang="en-VN" i="1" smtClean="0">
+                                  <a:latin typeface="Cambria Math" panose="02040503050406030204" pitchFamily="18" charset="0"/>
+                                </a:rPr>
+                              </m:ctrlPr>
+                            </m:sSubPr>
+                            <m:e>
+                              <m:r>
+                                <a:rPr lang="en-US" b="0" i="1" smtClean="0">
+                                  <a:latin typeface="Cambria Math" panose="02040503050406030204" pitchFamily="18" charset="0"/>
+                                </a:rPr>
+                                <m:t>𝑠</m:t>
+                              </m:r>
+                            </m:e>
+                            <m:sub>
+                              <m:r>
+                                <a:rPr lang="en-US" b="0" i="1" smtClean="0">
+                                  <a:latin typeface="Cambria Math" panose="02040503050406030204" pitchFamily="18" charset="0"/>
+                                </a:rPr>
+                                <m:t>1</m:t>
+                              </m:r>
+                            </m:sub>
+                          </m:sSub>
+                        </m:sub>
+                      </m:sSub>
+                    </m:oMath>
+                  </m:oMathPara>
+                </a14:m>
+                <a:endParaRPr lang="en-VN" dirty="0"/>
+              </a:p>
+            </p:txBody>
+          </p:sp>
+        </mc:Choice>
+        <mc:Fallback>
+          <p:sp>
+            <p:nvSpPr>
+              <p:cNvPr id="3" name="Rounded Rectangle 2">
+                <a:extLst>
+                  <a:ext uri="{FF2B5EF4-FFF2-40B4-BE49-F238E27FC236}">
+                    <a16:creationId xmlns:a16="http://schemas.microsoft.com/office/drawing/2014/main" id="{87B1B1D5-E602-E503-32FA-AF0E08B613FF}"/>
+                  </a:ext>
+                </a:extLst>
+              </p:cNvPr>
+              <p:cNvSpPr>
+                <a:spLocks noRot="1" noChangeAspect="1" noMove="1" noResize="1" noEditPoints="1" noAdjustHandles="1" noChangeArrowheads="1" noChangeShapeType="1" noTextEdit="1"/>
+              </p:cNvSpPr>
+              <p:nvPr/>
+            </p:nvSpPr>
+            <p:spPr>
+              <a:xfrm>
+                <a:off x="699632" y="2465882"/>
+                <a:ext cx="797282" cy="407773"/>
+              </a:xfrm>
+              <a:prstGeom prst="roundRect">
+                <a:avLst/>
+              </a:prstGeom>
+              <a:blipFill>
+                <a:blip r:embed="rId8"/>
+                <a:stretch>
+                  <a:fillRect/>
+                </a:stretch>
+              </a:blipFill>
+            </p:spPr>
+            <p:txBody>
+              <a:bodyPr/>
+              <a:lstStyle/>
+              <a:p>
+                <a:r>
+                  <a:rPr lang="en-VN">
+                    <a:noFill/>
+                  </a:rPr>
+                  <a:t> </a:t>
+                </a:r>
+              </a:p>
+            </p:txBody>
+          </p:sp>
+        </mc:Fallback>
+      </mc:AlternateContent>
+      <mc:AlternateContent xmlns:mc="http://schemas.openxmlformats.org/markup-compatibility/2006">
+        <mc:Choice xmlns:a14="http://schemas.microsoft.com/office/drawing/2010/main" Requires="a14">
+          <p:sp>
+            <p:nvSpPr>
+              <p:cNvPr id="7" name="Rounded Rectangle 6">
+                <a:extLst>
+                  <a:ext uri="{FF2B5EF4-FFF2-40B4-BE49-F238E27FC236}">
+                    <a16:creationId xmlns:a16="http://schemas.microsoft.com/office/drawing/2014/main" id="{96309B5D-333A-8074-8499-AE0F7326E465}"/>
+                  </a:ext>
+                </a:extLst>
+              </p:cNvPr>
+              <p:cNvSpPr/>
+              <p:nvPr/>
+            </p:nvSpPr>
+            <p:spPr>
+              <a:xfrm>
+                <a:off x="4185725" y="1986521"/>
+                <a:ext cx="797282" cy="407773"/>
+              </a:xfrm>
+              <a:prstGeom prst="roundRect">
+                <a:avLst/>
+              </a:prstGeom>
+            </p:spPr>
+            <p:style>
+              <a:lnRef idx="2">
+                <a:schemeClr val="accent1">
+                  <a:shade val="15000"/>
+                </a:schemeClr>
+              </a:lnRef>
+              <a:fillRef idx="1">
+                <a:schemeClr val="accent1"/>
+              </a:fillRef>
+              <a:effectRef idx="0">
+                <a:schemeClr val="accent1"/>
+              </a:effectRef>
+              <a:fontRef idx="minor">
+                <a:schemeClr val="lt1"/>
+              </a:fontRef>
+            </p:style>
+            <p:txBody>
+              <a:bodyPr rtlCol="0" anchor="ctr"/>
+              <a:lstStyle/>
+              <a:p>
+                <a:pPr algn="ctr"/>
+                <a14:m>
+                  <m:oMathPara xmlns:m="http://schemas.openxmlformats.org/officeDocument/2006/math">
+                    <m:oMathParaPr>
+                      <m:jc m:val="centerGroup"/>
+                    </m:oMathParaPr>
+                    <m:oMath xmlns:m="http://schemas.openxmlformats.org/officeDocument/2006/math">
+                      <m:sSub>
+                        <m:sSubPr>
+                          <m:ctrlPr>
+                            <a:rPr lang="en-VN" i="1" smtClean="0">
+                              <a:latin typeface="Cambria Math" panose="02040503050406030204" pitchFamily="18" charset="0"/>
+                            </a:rPr>
+                          </m:ctrlPr>
+                        </m:sSubPr>
+                        <m:e>
+                          <m:r>
+                            <m:rPr>
+                              <m:sty m:val="p"/>
+                            </m:rPr>
+                            <a:rPr lang="el-GR" i="1" smtClean="0">
+                              <a:latin typeface="Cambria Math" panose="02040503050406030204" pitchFamily="18" charset="0"/>
+                              <a:ea typeface="Cambria Math" panose="02040503050406030204" pitchFamily="18" charset="0"/>
+                            </a:rPr>
+                            <m:t>Φ</m:t>
+                          </m:r>
+                        </m:e>
+                        <m:sub>
+                          <m:r>
+                            <a:rPr lang="en-US" b="0" i="1" smtClean="0">
+                              <a:latin typeface="Cambria Math" panose="02040503050406030204" pitchFamily="18" charset="0"/>
+                            </a:rPr>
+                            <m:t>𝑔</m:t>
+                          </m:r>
+                        </m:sub>
+                      </m:sSub>
+                    </m:oMath>
+                  </m:oMathPara>
+                </a14:m>
+                <a:endParaRPr lang="en-VN" dirty="0"/>
+              </a:p>
+            </p:txBody>
+          </p:sp>
+        </mc:Choice>
+        <mc:Fallback>
+          <p:sp>
+            <p:nvSpPr>
+              <p:cNvPr id="7" name="Rounded Rectangle 6">
+                <a:extLst>
+                  <a:ext uri="{FF2B5EF4-FFF2-40B4-BE49-F238E27FC236}">
+                    <a16:creationId xmlns:a16="http://schemas.microsoft.com/office/drawing/2014/main" id="{96309B5D-333A-8074-8499-AE0F7326E465}"/>
+                  </a:ext>
+                </a:extLst>
+              </p:cNvPr>
+              <p:cNvSpPr>
+                <a:spLocks noRot="1" noChangeAspect="1" noMove="1" noResize="1" noEditPoints="1" noAdjustHandles="1" noChangeArrowheads="1" noChangeShapeType="1" noTextEdit="1"/>
+              </p:cNvSpPr>
+              <p:nvPr/>
+            </p:nvSpPr>
+            <p:spPr>
+              <a:xfrm>
+                <a:off x="4185725" y="1986521"/>
+                <a:ext cx="797282" cy="407773"/>
+              </a:xfrm>
+              <a:prstGeom prst="roundRect">
+                <a:avLst/>
+              </a:prstGeom>
+              <a:blipFill>
+                <a:blip r:embed="rId9"/>
+                <a:stretch>
+                  <a:fillRect/>
+                </a:stretch>
+              </a:blipFill>
+            </p:spPr>
+            <p:txBody>
+              <a:bodyPr/>
+              <a:lstStyle/>
+              <a:p>
+                <a:r>
+                  <a:rPr lang="en-VN">
+                    <a:noFill/>
+                  </a:rPr>
+                  <a:t> </a:t>
+                </a:r>
+              </a:p>
+            </p:txBody>
+          </p:sp>
+        </mc:Fallback>
+      </mc:AlternateContent>
+      <mc:AlternateContent xmlns:mc="http://schemas.openxmlformats.org/markup-compatibility/2006">
+        <mc:Choice xmlns:a14="http://schemas.microsoft.com/office/drawing/2010/main" Requires="a14">
+          <p:sp>
+            <p:nvSpPr>
+              <p:cNvPr id="8" name="Rounded Rectangle 7">
+                <a:extLst>
+                  <a:ext uri="{FF2B5EF4-FFF2-40B4-BE49-F238E27FC236}">
+                    <a16:creationId xmlns:a16="http://schemas.microsoft.com/office/drawing/2014/main" id="{18A7F0F1-D3B1-741E-C623-436F122C38FE}"/>
+                  </a:ext>
+                </a:extLst>
+              </p:cNvPr>
+              <p:cNvSpPr/>
+              <p:nvPr/>
+            </p:nvSpPr>
+            <p:spPr>
+              <a:xfrm>
+                <a:off x="4727573" y="2476731"/>
+                <a:ext cx="797283" cy="401142"/>
+              </a:xfrm>
+              <a:prstGeom prst="roundRect">
+                <a:avLst/>
+              </a:prstGeom>
+            </p:spPr>
+            <p:style>
+              <a:lnRef idx="2">
+                <a:schemeClr val="accent1">
+                  <a:shade val="15000"/>
+                </a:schemeClr>
+              </a:lnRef>
+              <a:fillRef idx="1">
+                <a:schemeClr val="accent1"/>
+              </a:fillRef>
+              <a:effectRef idx="0">
+                <a:schemeClr val="accent1"/>
+              </a:effectRef>
+              <a:fontRef idx="minor">
+                <a:schemeClr val="lt1"/>
+              </a:fontRef>
+            </p:style>
+            <p:txBody>
+              <a:bodyPr rtlCol="0" anchor="ctr"/>
+              <a:lstStyle/>
+              <a:p>
+                <a:pPr algn="ctr"/>
+                <a14:m>
+                  <m:oMathPara xmlns:m="http://schemas.openxmlformats.org/officeDocument/2006/math">
+                    <m:oMathParaPr>
+                      <m:jc m:val="centerGroup"/>
+                    </m:oMathParaPr>
+                    <m:oMath xmlns:m="http://schemas.openxmlformats.org/officeDocument/2006/math">
+                      <m:sSub>
+                        <m:sSubPr>
+                          <m:ctrlPr>
+                            <a:rPr lang="en-VN" i="1" smtClean="0">
+                              <a:latin typeface="Cambria Math" panose="02040503050406030204" pitchFamily="18" charset="0"/>
+                            </a:rPr>
+                          </m:ctrlPr>
+                        </m:sSubPr>
+                        <m:e>
+                          <m:r>
+                            <m:rPr>
+                              <m:sty m:val="p"/>
+                            </m:rPr>
+                            <a:rPr lang="el-GR" i="1" smtClean="0">
+                              <a:latin typeface="Cambria Math" panose="02040503050406030204" pitchFamily="18" charset="0"/>
+                              <a:ea typeface="Cambria Math" panose="02040503050406030204" pitchFamily="18" charset="0"/>
+                            </a:rPr>
+                            <m:t>Φ</m:t>
+                          </m:r>
+                        </m:e>
+                        <m:sub>
+                          <m:sSub>
+                            <m:sSubPr>
+                              <m:ctrlPr>
+                                <a:rPr lang="en-VN" i="1" smtClean="0">
+                                  <a:latin typeface="Cambria Math" panose="02040503050406030204" pitchFamily="18" charset="0"/>
+                                </a:rPr>
+                              </m:ctrlPr>
+                            </m:sSubPr>
+                            <m:e>
+                              <m:r>
+                                <a:rPr lang="en-US" b="0" i="1" smtClean="0">
+                                  <a:latin typeface="Cambria Math" panose="02040503050406030204" pitchFamily="18" charset="0"/>
+                                </a:rPr>
+                                <m:t>𝑠</m:t>
+                              </m:r>
+                            </m:e>
+                            <m:sub>
+                              <m:r>
+                                <a:rPr lang="en-US" b="0" i="1" smtClean="0">
+                                  <a:latin typeface="Cambria Math" panose="02040503050406030204" pitchFamily="18" charset="0"/>
+                                </a:rPr>
+                                <m:t>2</m:t>
+                              </m:r>
+                            </m:sub>
+                          </m:sSub>
+                        </m:sub>
+                      </m:sSub>
+                    </m:oMath>
+                  </m:oMathPara>
+                </a14:m>
+                <a:endParaRPr lang="en-VN" dirty="0"/>
+              </a:p>
+            </p:txBody>
+          </p:sp>
+        </mc:Choice>
+        <mc:Fallback>
+          <p:sp>
+            <p:nvSpPr>
+              <p:cNvPr id="8" name="Rounded Rectangle 7">
+                <a:extLst>
+                  <a:ext uri="{FF2B5EF4-FFF2-40B4-BE49-F238E27FC236}">
+                    <a16:creationId xmlns:a16="http://schemas.microsoft.com/office/drawing/2014/main" id="{18A7F0F1-D3B1-741E-C623-436F122C38FE}"/>
+                  </a:ext>
+                </a:extLst>
+              </p:cNvPr>
+              <p:cNvSpPr>
+                <a:spLocks noRot="1" noChangeAspect="1" noMove="1" noResize="1" noEditPoints="1" noAdjustHandles="1" noChangeArrowheads="1" noChangeShapeType="1" noTextEdit="1"/>
+              </p:cNvSpPr>
+              <p:nvPr/>
+            </p:nvSpPr>
+            <p:spPr>
+              <a:xfrm>
+                <a:off x="4727573" y="2476731"/>
+                <a:ext cx="797283" cy="401142"/>
+              </a:xfrm>
+              <a:prstGeom prst="roundRect">
+                <a:avLst/>
+              </a:prstGeom>
+              <a:blipFill>
+                <a:blip r:embed="rId10"/>
+                <a:stretch>
+                  <a:fillRect/>
+                </a:stretch>
+              </a:blipFill>
+            </p:spPr>
+            <p:txBody>
+              <a:bodyPr/>
+              <a:lstStyle/>
+              <a:p>
+                <a:r>
+                  <a:rPr lang="en-VN">
+                    <a:noFill/>
+                  </a:rPr>
+                  <a:t> </a:t>
+                </a:r>
+              </a:p>
+            </p:txBody>
+          </p:sp>
+        </mc:Fallback>
+      </mc:AlternateContent>
+      <p:grpSp>
+        <p:nvGrpSpPr>
+          <p:cNvPr id="59" name="Group 58">
+            <a:extLst>
+              <a:ext uri="{FF2B5EF4-FFF2-40B4-BE49-F238E27FC236}">
+                <a16:creationId xmlns:a16="http://schemas.microsoft.com/office/drawing/2014/main" id="{0CA66EDA-45B3-CD9D-4D84-95A01CA523FE}"/>
+              </a:ext>
+            </a:extLst>
+          </p:cNvPr>
+          <p:cNvGrpSpPr/>
+          <p:nvPr/>
+        </p:nvGrpSpPr>
+        <p:grpSpPr>
+          <a:xfrm>
+            <a:off x="8208828" y="2432536"/>
+            <a:ext cx="1971282" cy="565726"/>
+            <a:chOff x="7543421" y="2460117"/>
+            <a:chExt cx="1971282" cy="565726"/>
+          </a:xfrm>
+        </p:grpSpPr>
+        <p:sp>
+          <p:nvSpPr>
+            <p:cNvPr id="15" name="Rounded Rectangle 14">
+              <a:extLst>
+                <a:ext uri="{FF2B5EF4-FFF2-40B4-BE49-F238E27FC236}">
+                  <a16:creationId xmlns:a16="http://schemas.microsoft.com/office/drawing/2014/main" id="{02C1BFAA-83CE-C950-EBF3-3C87615464D7}"/>
+                </a:ext>
+              </a:extLst>
+            </p:cNvPr>
+            <p:cNvSpPr/>
+            <p:nvPr/>
+          </p:nvSpPr>
+          <p:spPr>
+            <a:xfrm>
+              <a:off x="7543421" y="2460117"/>
+              <a:ext cx="1971282" cy="565726"/>
+            </a:xfrm>
+            <a:prstGeom prst="roundRect">
+              <a:avLst/>
+            </a:prstGeom>
+            <a:solidFill>
+              <a:schemeClr val="accent6"/>
+            </a:solidFill>
+          </p:spPr>
+          <p:style>
+            <a:lnRef idx="2">
+              <a:schemeClr val="accent1">
+                <a:shade val="15000"/>
+              </a:schemeClr>
+            </a:lnRef>
+            <a:fillRef idx="1">
+              <a:schemeClr val="accent1"/>
+            </a:fillRef>
+            <a:effectRef idx="0">
+              <a:schemeClr val="accent1"/>
+            </a:effectRef>
+            <a:fontRef idx="minor">
+              <a:schemeClr val="lt1"/>
+            </a:fontRef>
+          </p:style>
+          <p:txBody>
+            <a:bodyPr rtlCol="0" anchor="ctr"/>
+            <a:lstStyle/>
+            <a:p>
+              <a:pPr algn="ctr"/>
+              <a:endParaRPr lang="en-VN"/>
+            </a:p>
+          </p:txBody>
+        </p:sp>
+        <mc:AlternateContent xmlns:mc="http://schemas.openxmlformats.org/markup-compatibility/2006">
+          <mc:Choice xmlns:a14="http://schemas.microsoft.com/office/drawing/2010/main" Requires="a14">
+            <p:sp>
+              <p:nvSpPr>
+                <p:cNvPr id="11" name="Rounded Rectangle 10">
+                  <a:extLst>
+                    <a:ext uri="{FF2B5EF4-FFF2-40B4-BE49-F238E27FC236}">
+                      <a16:creationId xmlns:a16="http://schemas.microsoft.com/office/drawing/2014/main" id="{246528CD-07F2-5D58-9ABF-6BF197BEC073}"/>
+                    </a:ext>
+                  </a:extLst>
+                </p:cNvPr>
+                <p:cNvSpPr/>
+                <p:nvPr/>
+              </p:nvSpPr>
+              <p:spPr>
+                <a:xfrm>
+                  <a:off x="7602599" y="2525722"/>
+                  <a:ext cx="798523" cy="407773"/>
+                </a:xfrm>
+                <a:prstGeom prst="roundRect">
+                  <a:avLst/>
+                </a:prstGeom>
+              </p:spPr>
+              <p:style>
+                <a:lnRef idx="2">
+                  <a:schemeClr val="accent1">
+                    <a:shade val="15000"/>
+                  </a:schemeClr>
+                </a:lnRef>
+                <a:fillRef idx="1">
+                  <a:schemeClr val="accent1"/>
+                </a:fillRef>
+                <a:effectRef idx="0">
+                  <a:schemeClr val="accent1"/>
+                </a:effectRef>
+                <a:fontRef idx="minor">
+                  <a:schemeClr val="lt1"/>
+                </a:fontRef>
+              </p:style>
+              <p:txBody>
+                <a:bodyPr rtlCol="0" anchor="ctr"/>
+                <a:lstStyle/>
+                <a:p>
+                  <a:pPr algn="ctr"/>
+                  <a14:m>
+                    <m:oMathPara xmlns:m="http://schemas.openxmlformats.org/officeDocument/2006/math">
+                      <m:oMathParaPr>
+                        <m:jc m:val="centerGroup"/>
+                      </m:oMathParaPr>
+                      <m:oMath xmlns:m="http://schemas.openxmlformats.org/officeDocument/2006/math">
+                        <m:sSub>
+                          <m:sSubPr>
+                            <m:ctrlPr>
+                              <a:rPr lang="en-VN" i="1" smtClean="0">
+                                <a:latin typeface="Cambria Math" panose="02040503050406030204" pitchFamily="18" charset="0"/>
+                              </a:rPr>
+                            </m:ctrlPr>
+                          </m:sSubPr>
+                          <m:e>
+                            <m:r>
+                              <m:rPr>
+                                <m:sty m:val="p"/>
+                              </m:rPr>
+                              <a:rPr lang="el-GR" i="1" smtClean="0">
+                                <a:latin typeface="Cambria Math" panose="02040503050406030204" pitchFamily="18" charset="0"/>
+                                <a:ea typeface="Cambria Math" panose="02040503050406030204" pitchFamily="18" charset="0"/>
+                              </a:rPr>
+                              <m:t>Φ</m:t>
+                            </m:r>
+                          </m:e>
+                          <m:sub>
+                            <m:sSub>
+                              <m:sSubPr>
+                                <m:ctrlPr>
+                                  <a:rPr lang="en-VN" i="1" smtClean="0">
+                                    <a:latin typeface="Cambria Math" panose="02040503050406030204" pitchFamily="18" charset="0"/>
+                                  </a:rPr>
+                                </m:ctrlPr>
+                              </m:sSubPr>
+                              <m:e>
+                                <m:r>
+                                  <a:rPr lang="en-US" b="0" i="1" smtClean="0">
+                                    <a:latin typeface="Cambria Math" panose="02040503050406030204" pitchFamily="18" charset="0"/>
+                                  </a:rPr>
+                                  <m:t>𝑠</m:t>
+                                </m:r>
+                              </m:e>
+                              <m:sub>
+                                <m:r>
+                                  <a:rPr lang="en-US" b="0" i="1" smtClean="0">
+                                    <a:latin typeface="Cambria Math" panose="02040503050406030204" pitchFamily="18" charset="0"/>
+                                  </a:rPr>
+                                  <m:t>1</m:t>
+                                </m:r>
+                              </m:sub>
+                            </m:sSub>
+                          </m:sub>
+                        </m:sSub>
+                      </m:oMath>
+                    </m:oMathPara>
+                  </a14:m>
+                  <a:endParaRPr lang="en-VN" dirty="0"/>
+                </a:p>
+              </p:txBody>
+            </p:sp>
+          </mc:Choice>
+          <mc:Fallback>
+            <p:sp>
+              <p:nvSpPr>
+                <p:cNvPr id="11" name="Rounded Rectangle 10">
+                  <a:extLst>
+                    <a:ext uri="{FF2B5EF4-FFF2-40B4-BE49-F238E27FC236}">
+                      <a16:creationId xmlns:a16="http://schemas.microsoft.com/office/drawing/2014/main" id="{246528CD-07F2-5D58-9ABF-6BF197BEC073}"/>
+                    </a:ext>
+                  </a:extLst>
+                </p:cNvPr>
+                <p:cNvSpPr>
+                  <a:spLocks noRot="1" noChangeAspect="1" noMove="1" noResize="1" noEditPoints="1" noAdjustHandles="1" noChangeArrowheads="1" noChangeShapeType="1" noTextEdit="1"/>
+                </p:cNvSpPr>
+                <p:nvPr/>
+              </p:nvSpPr>
+              <p:spPr>
+                <a:xfrm>
+                  <a:off x="7602599" y="2525722"/>
+                  <a:ext cx="798523" cy="407773"/>
+                </a:xfrm>
+                <a:prstGeom prst="roundRect">
+                  <a:avLst/>
+                </a:prstGeom>
+                <a:blipFill>
+                  <a:blip r:embed="rId11"/>
+                  <a:stretch>
+                    <a:fillRect/>
+                  </a:stretch>
+                </a:blipFill>
+              </p:spPr>
+              <p:txBody>
+                <a:bodyPr/>
+                <a:lstStyle/>
+                <a:p>
+                  <a:r>
+                    <a:rPr lang="en-VN">
+                      <a:noFill/>
+                    </a:rPr>
+                    <a:t> </a:t>
+                  </a:r>
+                </a:p>
+              </p:txBody>
+            </p:sp>
+          </mc:Fallback>
+        </mc:AlternateContent>
+        <mc:AlternateContent xmlns:mc="http://schemas.openxmlformats.org/markup-compatibility/2006">
+          <mc:Choice xmlns:a14="http://schemas.microsoft.com/office/drawing/2010/main" Requires="a14">
+            <p:sp>
+              <p:nvSpPr>
+                <p:cNvPr id="12" name="Rounded Rectangle 11">
+                  <a:extLst>
+                    <a:ext uri="{FF2B5EF4-FFF2-40B4-BE49-F238E27FC236}">
+                      <a16:creationId xmlns:a16="http://schemas.microsoft.com/office/drawing/2014/main" id="{9E004C94-397F-CB6A-D124-031AD6EF17ED}"/>
+                    </a:ext>
+                  </a:extLst>
+                </p:cNvPr>
+                <p:cNvSpPr/>
+                <p:nvPr/>
+              </p:nvSpPr>
+              <p:spPr>
+                <a:xfrm>
+                  <a:off x="8621472" y="2539093"/>
+                  <a:ext cx="798523" cy="407773"/>
+                </a:xfrm>
+                <a:prstGeom prst="roundRect">
+                  <a:avLst/>
+                </a:prstGeom>
+              </p:spPr>
+              <p:style>
+                <a:lnRef idx="2">
+                  <a:schemeClr val="accent1">
+                    <a:shade val="15000"/>
+                  </a:schemeClr>
+                </a:lnRef>
+                <a:fillRef idx="1">
+                  <a:schemeClr val="accent1"/>
+                </a:fillRef>
+                <a:effectRef idx="0">
+                  <a:schemeClr val="accent1"/>
+                </a:effectRef>
+                <a:fontRef idx="minor">
+                  <a:schemeClr val="lt1"/>
+                </a:fontRef>
+              </p:style>
+              <p:txBody>
+                <a:bodyPr rtlCol="0" anchor="ctr"/>
+                <a:lstStyle/>
+                <a:p>
+                  <a:pPr algn="ctr"/>
+                  <a14:m>
+                    <m:oMathPara xmlns:m="http://schemas.openxmlformats.org/officeDocument/2006/math">
+                      <m:oMathParaPr>
+                        <m:jc m:val="centerGroup"/>
+                      </m:oMathParaPr>
+                      <m:oMath xmlns:m="http://schemas.openxmlformats.org/officeDocument/2006/math">
+                        <m:sSub>
+                          <m:sSubPr>
+                            <m:ctrlPr>
+                              <a:rPr lang="en-VN" i="1" smtClean="0">
+                                <a:latin typeface="Cambria Math" panose="02040503050406030204" pitchFamily="18" charset="0"/>
+                              </a:rPr>
+                            </m:ctrlPr>
+                          </m:sSubPr>
+                          <m:e>
+                            <m:r>
+                              <m:rPr>
+                                <m:sty m:val="p"/>
+                              </m:rPr>
+                              <a:rPr lang="el-GR" i="1" smtClean="0">
+                                <a:latin typeface="Cambria Math" panose="02040503050406030204" pitchFamily="18" charset="0"/>
+                                <a:ea typeface="Cambria Math" panose="02040503050406030204" pitchFamily="18" charset="0"/>
+                              </a:rPr>
+                              <m:t>Φ</m:t>
+                            </m:r>
+                          </m:e>
+                          <m:sub>
+                            <m:sSub>
+                              <m:sSubPr>
+                                <m:ctrlPr>
+                                  <a:rPr lang="en-VN" i="1" smtClean="0">
+                                    <a:latin typeface="Cambria Math" panose="02040503050406030204" pitchFamily="18" charset="0"/>
+                                  </a:rPr>
+                                </m:ctrlPr>
+                              </m:sSubPr>
+                              <m:e>
+                                <m:r>
+                                  <a:rPr lang="en-US" b="0" i="1" smtClean="0">
+                                    <a:latin typeface="Cambria Math" panose="02040503050406030204" pitchFamily="18" charset="0"/>
+                                  </a:rPr>
+                                  <m:t>𝑠</m:t>
+                                </m:r>
+                              </m:e>
+                              <m:sub>
+                                <m:r>
+                                  <a:rPr lang="en-US" b="0" i="1" smtClean="0">
+                                    <a:latin typeface="Cambria Math" panose="02040503050406030204" pitchFamily="18" charset="0"/>
+                                  </a:rPr>
+                                  <m:t>2</m:t>
+                                </m:r>
+                              </m:sub>
+                            </m:sSub>
+                          </m:sub>
+                        </m:sSub>
+                      </m:oMath>
+                    </m:oMathPara>
+                  </a14:m>
+                  <a:endParaRPr lang="en-VN" dirty="0"/>
+                </a:p>
+              </p:txBody>
+            </p:sp>
+          </mc:Choice>
+          <mc:Fallback>
+            <p:sp>
+              <p:nvSpPr>
+                <p:cNvPr id="12" name="Rounded Rectangle 11">
+                  <a:extLst>
+                    <a:ext uri="{FF2B5EF4-FFF2-40B4-BE49-F238E27FC236}">
+                      <a16:creationId xmlns:a16="http://schemas.microsoft.com/office/drawing/2014/main" id="{9E004C94-397F-CB6A-D124-031AD6EF17ED}"/>
+                    </a:ext>
+                  </a:extLst>
+                </p:cNvPr>
+                <p:cNvSpPr>
+                  <a:spLocks noRot="1" noChangeAspect="1" noMove="1" noResize="1" noEditPoints="1" noAdjustHandles="1" noChangeArrowheads="1" noChangeShapeType="1" noTextEdit="1"/>
+                </p:cNvSpPr>
+                <p:nvPr/>
+              </p:nvSpPr>
+              <p:spPr>
+                <a:xfrm>
+                  <a:off x="8621472" y="2539093"/>
+                  <a:ext cx="798523" cy="407773"/>
+                </a:xfrm>
+                <a:prstGeom prst="roundRect">
+                  <a:avLst/>
+                </a:prstGeom>
+                <a:blipFill>
+                  <a:blip r:embed="rId12"/>
+                  <a:stretch>
+                    <a:fillRect/>
+                  </a:stretch>
+                </a:blipFill>
+              </p:spPr>
+              <p:txBody>
+                <a:bodyPr/>
+                <a:lstStyle/>
+                <a:p>
+                  <a:r>
+                    <a:rPr lang="en-VN">
+                      <a:noFill/>
+                    </a:rPr>
+                    <a:t> </a:t>
+                  </a:r>
+                </a:p>
+              </p:txBody>
+            </p:sp>
+          </mc:Fallback>
+        </mc:AlternateContent>
+      </p:grpSp>
+      <mc:AlternateContent xmlns:mc="http://schemas.openxmlformats.org/markup-compatibility/2006">
+        <mc:Choice xmlns:a14="http://schemas.microsoft.com/office/drawing/2010/main" Requires="a14">
+          <p:sp>
+            <p:nvSpPr>
+              <p:cNvPr id="26" name="Rounded Rectangle 25">
+                <a:extLst>
+                  <a:ext uri="{FF2B5EF4-FFF2-40B4-BE49-F238E27FC236}">
+                    <a16:creationId xmlns:a16="http://schemas.microsoft.com/office/drawing/2014/main" id="{2825FB1E-2C49-E1A7-2DBC-D3C23179CEE8}"/>
+                  </a:ext>
+                </a:extLst>
+              </p:cNvPr>
+              <p:cNvSpPr/>
+              <p:nvPr/>
+            </p:nvSpPr>
+            <p:spPr>
+              <a:xfrm>
+                <a:off x="3787084" y="2476731"/>
+                <a:ext cx="797282" cy="407773"/>
+              </a:xfrm>
+              <a:prstGeom prst="roundRect">
+                <a:avLst/>
+              </a:prstGeom>
+            </p:spPr>
+            <p:style>
+              <a:lnRef idx="2">
+                <a:schemeClr val="accent1">
+                  <a:shade val="15000"/>
+                </a:schemeClr>
+              </a:lnRef>
+              <a:fillRef idx="1">
+                <a:schemeClr val="accent1"/>
+              </a:fillRef>
+              <a:effectRef idx="0">
+                <a:schemeClr val="accent1"/>
+              </a:effectRef>
+              <a:fontRef idx="minor">
+                <a:schemeClr val="lt1"/>
+              </a:fontRef>
+            </p:style>
+            <p:txBody>
+              <a:bodyPr rtlCol="0" anchor="ctr"/>
+              <a:lstStyle/>
+              <a:p>
+                <a:pPr algn="ctr"/>
+                <a14:m>
+                  <m:oMathPara xmlns:m="http://schemas.openxmlformats.org/officeDocument/2006/math">
+                    <m:oMathParaPr>
+                      <m:jc m:val="centerGroup"/>
+                    </m:oMathParaPr>
+                    <m:oMath xmlns:m="http://schemas.openxmlformats.org/officeDocument/2006/math">
+                      <m:sSub>
+                        <m:sSubPr>
+                          <m:ctrlPr>
+                            <a:rPr lang="en-VN" i="1" smtClean="0">
+                              <a:latin typeface="Cambria Math" panose="02040503050406030204" pitchFamily="18" charset="0"/>
+                            </a:rPr>
+                          </m:ctrlPr>
+                        </m:sSubPr>
+                        <m:e>
+                          <m:r>
+                            <m:rPr>
+                              <m:sty m:val="p"/>
+                            </m:rPr>
+                            <a:rPr lang="el-GR" i="1" smtClean="0">
+                              <a:latin typeface="Cambria Math" panose="02040503050406030204" pitchFamily="18" charset="0"/>
+                              <a:ea typeface="Cambria Math" panose="02040503050406030204" pitchFamily="18" charset="0"/>
+                            </a:rPr>
+                            <m:t>Φ</m:t>
+                          </m:r>
+                        </m:e>
+                        <m:sub>
+                          <m:sSub>
+                            <m:sSubPr>
+                              <m:ctrlPr>
+                                <a:rPr lang="en-VN" i="1" smtClean="0">
+                                  <a:latin typeface="Cambria Math" panose="02040503050406030204" pitchFamily="18" charset="0"/>
+                                </a:rPr>
+                              </m:ctrlPr>
+                            </m:sSubPr>
+                            <m:e>
+                              <m:r>
+                                <a:rPr lang="en-US" b="0" i="1" smtClean="0">
+                                  <a:latin typeface="Cambria Math" panose="02040503050406030204" pitchFamily="18" charset="0"/>
+                                </a:rPr>
+                                <m:t>𝑠</m:t>
+                              </m:r>
+                            </m:e>
+                            <m:sub>
+                              <m:r>
+                                <a:rPr lang="en-US" b="0" i="1" smtClean="0">
+                                  <a:latin typeface="Cambria Math" panose="02040503050406030204" pitchFamily="18" charset="0"/>
+                                </a:rPr>
+                                <m:t>1</m:t>
+                              </m:r>
+                            </m:sub>
+                          </m:sSub>
+                        </m:sub>
+                      </m:sSub>
+                    </m:oMath>
+                  </m:oMathPara>
+                </a14:m>
+                <a:endParaRPr lang="en-VN" dirty="0"/>
+              </a:p>
+            </p:txBody>
+          </p:sp>
+        </mc:Choice>
+        <mc:Fallback>
+          <p:sp>
+            <p:nvSpPr>
+              <p:cNvPr id="26" name="Rounded Rectangle 25">
+                <a:extLst>
+                  <a:ext uri="{FF2B5EF4-FFF2-40B4-BE49-F238E27FC236}">
+                    <a16:creationId xmlns:a16="http://schemas.microsoft.com/office/drawing/2014/main" id="{2825FB1E-2C49-E1A7-2DBC-D3C23179CEE8}"/>
+                  </a:ext>
+                </a:extLst>
+              </p:cNvPr>
+              <p:cNvSpPr>
+                <a:spLocks noRot="1" noChangeAspect="1" noMove="1" noResize="1" noEditPoints="1" noAdjustHandles="1" noChangeArrowheads="1" noChangeShapeType="1" noTextEdit="1"/>
+              </p:cNvSpPr>
+              <p:nvPr/>
+            </p:nvSpPr>
+            <p:spPr>
+              <a:xfrm>
+                <a:off x="3787084" y="2476731"/>
+                <a:ext cx="797282" cy="407773"/>
+              </a:xfrm>
+              <a:prstGeom prst="roundRect">
+                <a:avLst/>
+              </a:prstGeom>
+              <a:blipFill>
+                <a:blip r:embed="rId13"/>
+                <a:stretch>
+                  <a:fillRect/>
+                </a:stretch>
+              </a:blipFill>
+            </p:spPr>
+            <p:txBody>
+              <a:bodyPr/>
+              <a:lstStyle/>
+              <a:p>
+                <a:r>
+                  <a:rPr lang="en-VN">
+                    <a:noFill/>
+                  </a:rPr>
+                  <a:t> </a:t>
+                </a:r>
+              </a:p>
+            </p:txBody>
+          </p:sp>
+        </mc:Fallback>
+      </mc:AlternateContent>
+      <mc:AlternateContent xmlns:mc="http://schemas.openxmlformats.org/markup-compatibility/2006">
+        <mc:Choice xmlns:a14="http://schemas.microsoft.com/office/drawing/2010/main" Requires="a14">
+          <p:sp>
+            <p:nvSpPr>
+              <p:cNvPr id="37" name="Rounded Rectangle 36">
+                <a:extLst>
+                  <a:ext uri="{FF2B5EF4-FFF2-40B4-BE49-F238E27FC236}">
+                    <a16:creationId xmlns:a16="http://schemas.microsoft.com/office/drawing/2014/main" id="{EC490640-5A4D-E891-F5D5-5A7AC825167F}"/>
+                  </a:ext>
+                </a:extLst>
+              </p:cNvPr>
+              <p:cNvSpPr/>
+              <p:nvPr/>
+            </p:nvSpPr>
+            <p:spPr>
+              <a:xfrm>
+                <a:off x="9347204" y="1919219"/>
+                <a:ext cx="797282" cy="407773"/>
+              </a:xfrm>
+              <a:prstGeom prst="roundRect">
+                <a:avLst/>
+              </a:prstGeom>
+            </p:spPr>
+            <p:style>
+              <a:lnRef idx="2">
+                <a:schemeClr val="accent1">
+                  <a:shade val="15000"/>
+                </a:schemeClr>
+              </a:lnRef>
+              <a:fillRef idx="1">
+                <a:schemeClr val="accent1"/>
+              </a:fillRef>
+              <a:effectRef idx="0">
+                <a:schemeClr val="accent1"/>
+              </a:effectRef>
+              <a:fontRef idx="minor">
+                <a:schemeClr val="lt1"/>
+              </a:fontRef>
+            </p:style>
+            <p:txBody>
+              <a:bodyPr rtlCol="0" anchor="ctr"/>
+              <a:lstStyle/>
+              <a:p>
+                <a:pPr algn="ctr"/>
+                <a14:m>
+                  <m:oMathPara xmlns:m="http://schemas.openxmlformats.org/officeDocument/2006/math">
+                    <m:oMathParaPr>
+                      <m:jc m:val="centerGroup"/>
+                    </m:oMathParaPr>
+                    <m:oMath xmlns:m="http://schemas.openxmlformats.org/officeDocument/2006/math">
+                      <m:sSub>
+                        <m:sSubPr>
+                          <m:ctrlPr>
+                            <a:rPr lang="en-VN" i="1" smtClean="0">
+                              <a:latin typeface="Cambria Math" panose="02040503050406030204" pitchFamily="18" charset="0"/>
+                            </a:rPr>
+                          </m:ctrlPr>
+                        </m:sSubPr>
+                        <m:e>
+                          <m:r>
+                            <m:rPr>
+                              <m:sty m:val="p"/>
+                            </m:rPr>
+                            <a:rPr lang="el-GR" i="1" smtClean="0">
+                              <a:latin typeface="Cambria Math" panose="02040503050406030204" pitchFamily="18" charset="0"/>
+                              <a:ea typeface="Cambria Math" panose="02040503050406030204" pitchFamily="18" charset="0"/>
+                            </a:rPr>
+                            <m:t>Φ</m:t>
+                          </m:r>
+                        </m:e>
+                        <m:sub>
+                          <m:r>
+                            <a:rPr lang="en-US" b="0" i="1" smtClean="0">
+                              <a:latin typeface="Cambria Math" panose="02040503050406030204" pitchFamily="18" charset="0"/>
+                            </a:rPr>
+                            <m:t>𝑔</m:t>
+                          </m:r>
+                        </m:sub>
+                      </m:sSub>
+                    </m:oMath>
+                  </m:oMathPara>
+                </a14:m>
+                <a:endParaRPr lang="en-VN" dirty="0"/>
+              </a:p>
+            </p:txBody>
+          </p:sp>
+        </mc:Choice>
+        <mc:Fallback>
+          <p:sp>
+            <p:nvSpPr>
+              <p:cNvPr id="37" name="Rounded Rectangle 36">
+                <a:extLst>
+                  <a:ext uri="{FF2B5EF4-FFF2-40B4-BE49-F238E27FC236}">
+                    <a16:creationId xmlns:a16="http://schemas.microsoft.com/office/drawing/2014/main" id="{EC490640-5A4D-E891-F5D5-5A7AC825167F}"/>
+                  </a:ext>
+                </a:extLst>
+              </p:cNvPr>
+              <p:cNvSpPr>
+                <a:spLocks noRot="1" noChangeAspect="1" noMove="1" noResize="1" noEditPoints="1" noAdjustHandles="1" noChangeArrowheads="1" noChangeShapeType="1" noTextEdit="1"/>
+              </p:cNvSpPr>
+              <p:nvPr/>
+            </p:nvSpPr>
+            <p:spPr>
+              <a:xfrm>
+                <a:off x="9347204" y="1919219"/>
+                <a:ext cx="797282" cy="407773"/>
+              </a:xfrm>
+              <a:prstGeom prst="roundRect">
+                <a:avLst/>
+              </a:prstGeom>
+              <a:blipFill>
+                <a:blip r:embed="rId14"/>
+                <a:stretch>
+                  <a:fillRect/>
+                </a:stretch>
+              </a:blipFill>
+            </p:spPr>
+            <p:txBody>
+              <a:bodyPr/>
+              <a:lstStyle/>
+              <a:p>
+                <a:r>
+                  <a:rPr lang="en-VN">
+                    <a:noFill/>
+                  </a:rPr>
+                  <a:t> </a:t>
+                </a:r>
+              </a:p>
+            </p:txBody>
+          </p:sp>
+        </mc:Fallback>
+      </mc:AlternateContent>
+      <mc:AlternateContent xmlns:mc="http://schemas.openxmlformats.org/markup-compatibility/2006">
+        <mc:Choice xmlns:a14="http://schemas.microsoft.com/office/drawing/2010/main" Requires="a14">
+          <p:sp>
+            <p:nvSpPr>
+              <p:cNvPr id="39" name="Rounded Rectangle 38">
+                <a:extLst>
+                  <a:ext uri="{FF2B5EF4-FFF2-40B4-BE49-F238E27FC236}">
+                    <a16:creationId xmlns:a16="http://schemas.microsoft.com/office/drawing/2014/main" id="{0F648C87-5B96-ED32-9DA4-C47C78508001}"/>
+                  </a:ext>
+                </a:extLst>
+              </p:cNvPr>
+              <p:cNvSpPr/>
+              <p:nvPr/>
+            </p:nvSpPr>
+            <p:spPr>
+              <a:xfrm>
+                <a:off x="10305752" y="2513588"/>
+                <a:ext cx="792555" cy="407773"/>
+              </a:xfrm>
+              <a:prstGeom prst="roundRect">
+                <a:avLst/>
+              </a:prstGeom>
+            </p:spPr>
+            <p:style>
+              <a:lnRef idx="2">
+                <a:schemeClr val="accent1">
+                  <a:shade val="15000"/>
+                </a:schemeClr>
+              </a:lnRef>
+              <a:fillRef idx="1">
+                <a:schemeClr val="accent1"/>
+              </a:fillRef>
+              <a:effectRef idx="0">
+                <a:schemeClr val="accent1"/>
+              </a:effectRef>
+              <a:fontRef idx="minor">
+                <a:schemeClr val="lt1"/>
+              </a:fontRef>
+            </p:style>
+            <p:txBody>
+              <a:bodyPr rtlCol="0" anchor="ctr"/>
+              <a:lstStyle/>
+              <a:p>
+                <a:pPr algn="ctr"/>
+                <a14:m>
+                  <m:oMathPara xmlns:m="http://schemas.openxmlformats.org/officeDocument/2006/math">
+                    <m:oMathParaPr>
+                      <m:jc m:val="centerGroup"/>
+                    </m:oMathParaPr>
+                    <m:oMath xmlns:m="http://schemas.openxmlformats.org/officeDocument/2006/math">
+                      <m:sSub>
+                        <m:sSubPr>
+                          <m:ctrlPr>
+                            <a:rPr lang="en-VN" i="1" smtClean="0">
+                              <a:latin typeface="Cambria Math" panose="02040503050406030204" pitchFamily="18" charset="0"/>
+                            </a:rPr>
+                          </m:ctrlPr>
+                        </m:sSubPr>
+                        <m:e>
+                          <m:r>
+                            <m:rPr>
+                              <m:sty m:val="p"/>
+                            </m:rPr>
+                            <a:rPr lang="el-GR" i="1" smtClean="0">
+                              <a:latin typeface="Cambria Math" panose="02040503050406030204" pitchFamily="18" charset="0"/>
+                              <a:ea typeface="Cambria Math" panose="02040503050406030204" pitchFamily="18" charset="0"/>
+                            </a:rPr>
+                            <m:t>Φ</m:t>
+                          </m:r>
+                        </m:e>
+                        <m:sub>
+                          <m:sSub>
+                            <m:sSubPr>
+                              <m:ctrlPr>
+                                <a:rPr lang="en-VN" i="1" smtClean="0">
+                                  <a:latin typeface="Cambria Math" panose="02040503050406030204" pitchFamily="18" charset="0"/>
+                                </a:rPr>
+                              </m:ctrlPr>
+                            </m:sSubPr>
+                            <m:e>
+                              <m:r>
+                                <a:rPr lang="en-US" b="0" i="1" smtClean="0">
+                                  <a:latin typeface="Cambria Math" panose="02040503050406030204" pitchFamily="18" charset="0"/>
+                                </a:rPr>
+                                <m:t>𝑠</m:t>
+                              </m:r>
+                            </m:e>
+                            <m:sub>
+                              <m:r>
+                                <a:rPr lang="en-US" b="0" i="1" smtClean="0">
+                                  <a:latin typeface="Cambria Math" panose="02040503050406030204" pitchFamily="18" charset="0"/>
+                                </a:rPr>
+                                <m:t>3</m:t>
+                              </m:r>
+                            </m:sub>
+                          </m:sSub>
+                        </m:sub>
+                      </m:sSub>
+                    </m:oMath>
+                  </m:oMathPara>
+                </a14:m>
+                <a:endParaRPr lang="en-VN" dirty="0"/>
+              </a:p>
+            </p:txBody>
+          </p:sp>
+        </mc:Choice>
+        <mc:Fallback>
+          <p:sp>
+            <p:nvSpPr>
+              <p:cNvPr id="39" name="Rounded Rectangle 38">
+                <a:extLst>
+                  <a:ext uri="{FF2B5EF4-FFF2-40B4-BE49-F238E27FC236}">
+                    <a16:creationId xmlns:a16="http://schemas.microsoft.com/office/drawing/2014/main" id="{0F648C87-5B96-ED32-9DA4-C47C78508001}"/>
+                  </a:ext>
+                </a:extLst>
+              </p:cNvPr>
+              <p:cNvSpPr>
+                <a:spLocks noRot="1" noChangeAspect="1" noMove="1" noResize="1" noEditPoints="1" noAdjustHandles="1" noChangeArrowheads="1" noChangeShapeType="1" noTextEdit="1"/>
+              </p:cNvSpPr>
+              <p:nvPr/>
+            </p:nvSpPr>
+            <p:spPr>
+              <a:xfrm>
+                <a:off x="10305752" y="2513588"/>
+                <a:ext cx="792555" cy="407773"/>
+              </a:xfrm>
+              <a:prstGeom prst="roundRect">
+                <a:avLst/>
+              </a:prstGeom>
+              <a:blipFill>
+                <a:blip r:embed="rId15"/>
+                <a:stretch>
+                  <a:fillRect/>
+                </a:stretch>
+              </a:blipFill>
+            </p:spPr>
+            <p:txBody>
+              <a:bodyPr/>
+              <a:lstStyle/>
+              <a:p>
+                <a:r>
+                  <a:rPr lang="en-VN">
+                    <a:noFill/>
+                  </a:rPr>
+                  <a:t> </a:t>
+                </a:r>
+              </a:p>
+            </p:txBody>
+          </p:sp>
+        </mc:Fallback>
+      </mc:AlternateContent>
     </p:spTree>
     <p:extLst>
       <p:ext uri="{BB962C8B-B14F-4D97-AF65-F5344CB8AC3E}">

--- a/Media/Figure.pptx
+++ b/Media/Figure.pptx
@@ -11976,8 +11976,57 @@
         </p:nvSpPr>
         <p:spPr>
           <a:xfrm>
-            <a:off x="8013545" y="1771762"/>
-            <a:ext cx="3478822" cy="1369318"/>
+            <a:off x="7971019" y="1850579"/>
+            <a:ext cx="3549652" cy="1495453"/>
+          </a:xfrm>
+          <a:prstGeom prst="roundRect">
+            <a:avLst/>
+          </a:prstGeom>
+          <a:solidFill>
+            <a:schemeClr val="accent2"/>
+          </a:solidFill>
+        </p:spPr>
+        <p:style>
+          <a:lnRef idx="2">
+            <a:schemeClr val="accent1">
+              <a:shade val="15000"/>
+            </a:schemeClr>
+          </a:lnRef>
+          <a:fillRef idx="1">
+            <a:schemeClr val="accent1"/>
+          </a:fillRef>
+          <a:effectRef idx="0">
+            <a:schemeClr val="accent1"/>
+          </a:effectRef>
+          <a:fontRef idx="minor">
+            <a:schemeClr val="lt1"/>
+          </a:fontRef>
+        </p:style>
+        <p:txBody>
+          <a:bodyPr rtlCol="0" anchor="ctr"/>
+          <a:lstStyle/>
+          <a:p>
+            <a:pPr algn="ctr"/>
+            <a:endParaRPr lang="en-VN"/>
+          </a:p>
+        </p:txBody>
+      </p:sp>
+      <p:sp>
+        <p:nvSpPr>
+          <p:cNvPr id="34" name="Rounded Rectangle 33">
+            <a:extLst>
+              <a:ext uri="{FF2B5EF4-FFF2-40B4-BE49-F238E27FC236}">
+                <a16:creationId xmlns:a16="http://schemas.microsoft.com/office/drawing/2014/main" id="{ADA6805B-66F6-A087-C89E-C33BBEE90E4C}"/>
+              </a:ext>
+            </a:extLst>
+          </p:cNvPr>
+          <p:cNvSpPr/>
+          <p:nvPr/>
+        </p:nvSpPr>
+        <p:spPr>
+          <a:xfrm>
+            <a:off x="8050190" y="2471139"/>
+            <a:ext cx="3240000" cy="657012"/>
           </a:xfrm>
           <a:prstGeom prst="roundRect">
             <a:avLst/>
@@ -12156,8 +12205,8 @@
         </p:nvSpPr>
         <p:spPr>
           <a:xfrm>
-            <a:off x="558274" y="1914935"/>
-            <a:ext cx="1080001" cy="1090363"/>
+            <a:off x="558274" y="1914934"/>
+            <a:ext cx="1080001" cy="1366741"/>
           </a:xfrm>
           <a:prstGeom prst="roundRect">
             <a:avLst/>
@@ -12205,8 +12254,8 @@
         </p:nvSpPr>
         <p:spPr>
           <a:xfrm>
-            <a:off x="3498411" y="1864298"/>
-            <a:ext cx="2310282" cy="1203168"/>
+            <a:off x="3304716" y="1850579"/>
+            <a:ext cx="2697671" cy="1431097"/>
           </a:xfrm>
           <a:prstGeom prst="roundRect">
             <a:avLst/>
@@ -13032,7 +13081,7 @@
         <p:spPr>
           <a:xfrm flipH="1">
             <a:off x="1098275" y="1263644"/>
-            <a:ext cx="1" cy="651291"/>
+            <a:ext cx="1" cy="651290"/>
           </a:xfrm>
           <a:prstGeom prst="straightConnector1">
             <a:avLst/>
@@ -13074,8 +13123,8 @@
         </p:nvCxnSpPr>
         <p:spPr>
           <a:xfrm>
-            <a:off x="1098275" y="3005298"/>
-            <a:ext cx="1" cy="958722"/>
+            <a:off x="1098275" y="3281675"/>
+            <a:ext cx="1" cy="682345"/>
           </a:xfrm>
           <a:prstGeom prst="straightConnector1">
             <a:avLst/>
@@ -13160,7 +13209,7 @@
         <p:spPr>
           <a:xfrm flipH="1">
             <a:off x="4653552" y="1261466"/>
-            <a:ext cx="5969" cy="602832"/>
+            <a:ext cx="5969" cy="589113"/>
           </a:xfrm>
           <a:prstGeom prst="straightConnector1">
             <a:avLst/>
@@ -13202,8 +13251,8 @@
         </p:nvCxnSpPr>
         <p:spPr>
           <a:xfrm>
-            <a:off x="4653552" y="3067466"/>
-            <a:ext cx="5968" cy="890948"/>
+            <a:off x="4653552" y="3281676"/>
+            <a:ext cx="5968" cy="676738"/>
           </a:xfrm>
           <a:prstGeom prst="straightConnector1">
             <a:avLst/>
@@ -13286,9 +13335,9 @@
           <p:nvPr/>
         </p:nvCxnSpPr>
         <p:spPr>
-          <a:xfrm>
-            <a:off x="9745846" y="1263643"/>
-            <a:ext cx="7110" cy="508119"/>
+          <a:xfrm flipH="1">
+            <a:off x="9745845" y="1263643"/>
+            <a:ext cx="1" cy="586936"/>
           </a:xfrm>
           <a:prstGeom prst="straightConnector1">
             <a:avLst/>
@@ -13329,9 +13378,9 @@
           <p:nvPr/>
         </p:nvCxnSpPr>
         <p:spPr>
-          <a:xfrm flipH="1">
-            <a:off x="9745846" y="3141080"/>
-            <a:ext cx="7110" cy="822940"/>
+          <a:xfrm>
+            <a:off x="9745845" y="3346032"/>
+            <a:ext cx="1" cy="617988"/>
           </a:xfrm>
           <a:prstGeom prst="straightConnector1">
             <a:avLst/>
@@ -13397,8 +13446,8 @@
           </a:fontRef>
         </p:style>
       </p:cxnSp>
-      <mc:AlternateContent xmlns:mc="http://schemas.openxmlformats.org/markup-compatibility/2006">
-        <mc:Choice xmlns:a14="http://schemas.microsoft.com/office/drawing/2010/main" Requires="a14">
+      <mc:AlternateContent xmlns:mc="http://schemas.openxmlformats.org/markup-compatibility/2006" xmlns:a14="http://schemas.microsoft.com/office/drawing/2010/main">
+        <mc:Choice Requires="a14">
           <p:sp>
             <p:nvSpPr>
               <p:cNvPr id="2" name="Rounded Rectangle 1">
@@ -13484,7 +13533,7 @@
             </p:txBody>
           </p:sp>
         </mc:Choice>
-        <mc:Fallback>
+        <mc:Fallback xmlns="">
           <p:sp>
             <p:nvSpPr>
               <p:cNvPr id="2" name="Rounded Rectangle 1">
@@ -13545,7 +13594,7 @@
             </p:nvSpPr>
             <p:spPr>
               <a:xfrm>
-                <a:off x="699632" y="2465882"/>
+                <a:off x="697719" y="2576801"/>
                 <a:ext cx="797282" cy="407773"/>
               </a:xfrm>
               <a:prstGeom prst="roundRect">
@@ -13652,7 +13701,7 @@
             </p:nvSpPr>
             <p:spPr>
               <a:xfrm>
-                <a:off x="699632" y="2465882"/>
+                <a:off x="697719" y="2576801"/>
                 <a:ext cx="797282" cy="407773"/>
               </a:xfrm>
               <a:prstGeom prst="roundRect">
@@ -13680,8 +13729,8 @@
           </p:sp>
         </mc:Fallback>
       </mc:AlternateContent>
-      <mc:AlternateContent xmlns:mc="http://schemas.openxmlformats.org/markup-compatibility/2006">
-        <mc:Choice xmlns:a14="http://schemas.microsoft.com/office/drawing/2010/main" Requires="a14">
+      <mc:AlternateContent xmlns:mc="http://schemas.openxmlformats.org/markup-compatibility/2006" xmlns:a14="http://schemas.microsoft.com/office/drawing/2010/main">
+        <mc:Choice Requires="a14">
           <p:sp>
             <p:nvSpPr>
               <p:cNvPr id="7" name="Rounded Rectangle 6">
@@ -13767,7 +13816,7 @@
             </p:txBody>
           </p:sp>
         </mc:Choice>
-        <mc:Fallback>
+        <mc:Fallback xmlns="">
           <p:sp>
             <p:nvSpPr>
               <p:cNvPr id="7" name="Rounded Rectangle 6">
@@ -13812,6 +13861,55 @@
           </p:sp>
         </mc:Fallback>
       </mc:AlternateContent>
+      <p:sp>
+        <p:nvSpPr>
+          <p:cNvPr id="24" name="Rounded Rectangle 23">
+            <a:extLst>
+              <a:ext uri="{FF2B5EF4-FFF2-40B4-BE49-F238E27FC236}">
+                <a16:creationId xmlns:a16="http://schemas.microsoft.com/office/drawing/2014/main" id="{B753941A-10A3-2229-4BB5-0DB50837772F}"/>
+              </a:ext>
+            </a:extLst>
+          </p:cNvPr>
+          <p:cNvSpPr/>
+          <p:nvPr/>
+        </p:nvSpPr>
+        <p:spPr>
+          <a:xfrm>
+            <a:off x="3453914" y="2490804"/>
+            <a:ext cx="2399276" cy="640523"/>
+          </a:xfrm>
+          <a:prstGeom prst="roundRect">
+            <a:avLst/>
+          </a:prstGeom>
+          <a:solidFill>
+            <a:schemeClr val="accent2"/>
+          </a:solidFill>
+        </p:spPr>
+        <p:style>
+          <a:lnRef idx="2">
+            <a:schemeClr val="accent1">
+              <a:shade val="15000"/>
+            </a:schemeClr>
+          </a:lnRef>
+          <a:fillRef idx="1">
+            <a:schemeClr val="accent1"/>
+          </a:fillRef>
+          <a:effectRef idx="0">
+            <a:schemeClr val="accent1"/>
+          </a:effectRef>
+          <a:fontRef idx="minor">
+            <a:schemeClr val="lt1"/>
+          </a:fontRef>
+        </p:style>
+        <p:txBody>
+          <a:bodyPr rtlCol="0" anchor="ctr"/>
+          <a:lstStyle/>
+          <a:p>
+            <a:pPr algn="ctr"/>
+            <a:endParaRPr lang="en-VN"/>
+          </a:p>
+        </p:txBody>
+      </p:sp>
       <mc:AlternateContent xmlns:mc="http://schemas.openxmlformats.org/markup-compatibility/2006">
         <mc:Choice xmlns:a14="http://schemas.microsoft.com/office/drawing/2010/main" Requires="a14">
           <p:sp>
@@ -13828,7 +13926,7 @@
             </p:nvSpPr>
             <p:spPr>
               <a:xfrm>
-                <a:off x="4727573" y="2476731"/>
+                <a:off x="4865134" y="2599074"/>
                 <a:ext cx="797283" cy="401142"/>
               </a:xfrm>
               <a:prstGeom prst="roundRect">
@@ -13935,7 +14033,7 @@
             </p:nvSpPr>
             <p:spPr>
               <a:xfrm>
-                <a:off x="4727573" y="2476731"/>
+                <a:off x="4865134" y="2599074"/>
                 <a:ext cx="797283" cy="401142"/>
               </a:xfrm>
               <a:prstGeom prst="roundRect">
@@ -13977,7 +14075,7 @@
         </p:nvGrpSpPr>
         <p:grpSpPr>
           <a:xfrm>
-            <a:off x="8208828" y="2432536"/>
+            <a:off x="8149748" y="2523509"/>
             <a:ext cx="1971282" cy="565726"/>
             <a:chOff x="7543421" y="2460117"/>
             <a:chExt cx="1971282" cy="565726"/>
@@ -14032,8 +14130,8 @@
             </a:p>
           </p:txBody>
         </p:sp>
-        <mc:AlternateContent xmlns:mc="http://schemas.openxmlformats.org/markup-compatibility/2006">
-          <mc:Choice xmlns:a14="http://schemas.microsoft.com/office/drawing/2010/main" Requires="a14">
+        <mc:AlternateContent xmlns:mc="http://schemas.openxmlformats.org/markup-compatibility/2006" xmlns:a14="http://schemas.microsoft.com/office/drawing/2010/main">
+          <mc:Choice Requires="a14">
             <p:sp>
               <p:nvSpPr>
                 <p:cNvPr id="11" name="Rounded Rectangle 10">
@@ -14138,7 +14236,7 @@
               </p:txBody>
             </p:sp>
           </mc:Choice>
-          <mc:Fallback>
+          <mc:Fallback xmlns="">
             <p:sp>
               <p:nvSpPr>
                 <p:cNvPr id="11" name="Rounded Rectangle 10">
@@ -14183,8 +14281,8 @@
             </p:sp>
           </mc:Fallback>
         </mc:AlternateContent>
-        <mc:AlternateContent xmlns:mc="http://schemas.openxmlformats.org/markup-compatibility/2006">
-          <mc:Choice xmlns:a14="http://schemas.microsoft.com/office/drawing/2010/main" Requires="a14">
+        <mc:AlternateContent xmlns:mc="http://schemas.openxmlformats.org/markup-compatibility/2006" xmlns:a14="http://schemas.microsoft.com/office/drawing/2010/main">
+          <mc:Choice Requires="a14">
             <p:sp>
               <p:nvSpPr>
                 <p:cNvPr id="12" name="Rounded Rectangle 11">
@@ -14289,7 +14387,7 @@
               </p:txBody>
             </p:sp>
           </mc:Choice>
-          <mc:Fallback>
+          <mc:Fallback xmlns="">
             <p:sp>
               <p:nvSpPr>
                 <p:cNvPr id="12" name="Rounded Rectangle 11">
@@ -14335,157 +14433,227 @@
           </mc:Fallback>
         </mc:AlternateContent>
       </p:grpSp>
-      <mc:AlternateContent xmlns:mc="http://schemas.openxmlformats.org/markup-compatibility/2006">
-        <mc:Choice xmlns:a14="http://schemas.microsoft.com/office/drawing/2010/main" Requires="a14">
-          <p:sp>
-            <p:nvSpPr>
-              <p:cNvPr id="26" name="Rounded Rectangle 25">
-                <a:extLst>
-                  <a:ext uri="{FF2B5EF4-FFF2-40B4-BE49-F238E27FC236}">
-                    <a16:creationId xmlns:a16="http://schemas.microsoft.com/office/drawing/2014/main" id="{2825FB1E-2C49-E1A7-2DBC-D3C23179CEE8}"/>
-                  </a:ext>
-                </a:extLst>
-              </p:cNvPr>
-              <p:cNvSpPr/>
-              <p:nvPr/>
-            </p:nvSpPr>
-            <p:spPr>
-              <a:xfrm>
-                <a:off x="3787084" y="2476731"/>
-                <a:ext cx="797282" cy="407773"/>
-              </a:xfrm>
-              <a:prstGeom prst="roundRect">
-                <a:avLst/>
-              </a:prstGeom>
-            </p:spPr>
-            <p:style>
-              <a:lnRef idx="2">
-                <a:schemeClr val="accent1">
-                  <a:shade val="15000"/>
-                </a:schemeClr>
-              </a:lnRef>
-              <a:fillRef idx="1">
-                <a:schemeClr val="accent1"/>
-              </a:fillRef>
-              <a:effectRef idx="0">
-                <a:schemeClr val="accent1"/>
-              </a:effectRef>
-              <a:fontRef idx="minor">
-                <a:schemeClr val="lt1"/>
-              </a:fontRef>
-            </p:style>
-            <p:txBody>
-              <a:bodyPr rtlCol="0" anchor="ctr"/>
-              <a:lstStyle/>
-              <a:p>
-                <a:pPr algn="ctr"/>
-                <a14:m>
-                  <m:oMathPara xmlns:m="http://schemas.openxmlformats.org/officeDocument/2006/math">
-                    <m:oMathParaPr>
-                      <m:jc m:val="centerGroup"/>
-                    </m:oMathParaPr>
-                    <m:oMath xmlns:m="http://schemas.openxmlformats.org/officeDocument/2006/math">
-                      <m:sSub>
-                        <m:sSubPr>
-                          <m:ctrlPr>
-                            <a:rPr lang="en-VN" i="1" smtClean="0">
-                              <a:latin typeface="Cambria Math" panose="02040503050406030204" pitchFamily="18" charset="0"/>
-                            </a:rPr>
-                          </m:ctrlPr>
-                        </m:sSubPr>
-                        <m:e>
-                          <m:r>
-                            <m:rPr>
-                              <m:sty m:val="p"/>
-                            </m:rPr>
-                            <a:rPr lang="el-GR" i="1" smtClean="0">
-                              <a:latin typeface="Cambria Math" panose="02040503050406030204" pitchFamily="18" charset="0"/>
-                              <a:ea typeface="Cambria Math" panose="02040503050406030204" pitchFamily="18" charset="0"/>
-                            </a:rPr>
-                            <m:t>Φ</m:t>
-                          </m:r>
-                        </m:e>
-                        <m:sub>
-                          <m:sSub>
-                            <m:sSubPr>
-                              <m:ctrlPr>
-                                <a:rPr lang="en-VN" i="1" smtClean="0">
-                                  <a:latin typeface="Cambria Math" panose="02040503050406030204" pitchFamily="18" charset="0"/>
-                                </a:rPr>
-                              </m:ctrlPr>
-                            </m:sSubPr>
-                            <m:e>
-                              <m:r>
-                                <a:rPr lang="en-US" b="0" i="1" smtClean="0">
-                                  <a:latin typeface="Cambria Math" panose="02040503050406030204" pitchFamily="18" charset="0"/>
-                                </a:rPr>
-                                <m:t>𝑠</m:t>
-                              </m:r>
-                            </m:e>
-                            <m:sub>
-                              <m:r>
-                                <a:rPr lang="en-US" b="0" i="1" smtClean="0">
-                                  <a:latin typeface="Cambria Math" panose="02040503050406030204" pitchFamily="18" charset="0"/>
-                                </a:rPr>
-                                <m:t>1</m:t>
-                              </m:r>
-                            </m:sub>
-                          </m:sSub>
-                        </m:sub>
-                      </m:sSub>
-                    </m:oMath>
-                  </m:oMathPara>
-                </a14:m>
-                <a:endParaRPr lang="en-VN" dirty="0"/>
-              </a:p>
-            </p:txBody>
-          </p:sp>
-        </mc:Choice>
-        <mc:Fallback>
-          <p:sp>
-            <p:nvSpPr>
-              <p:cNvPr id="26" name="Rounded Rectangle 25">
-                <a:extLst>
-                  <a:ext uri="{FF2B5EF4-FFF2-40B4-BE49-F238E27FC236}">
-                    <a16:creationId xmlns:a16="http://schemas.microsoft.com/office/drawing/2014/main" id="{2825FB1E-2C49-E1A7-2DBC-D3C23179CEE8}"/>
-                  </a:ext>
-                </a:extLst>
-              </p:cNvPr>
-              <p:cNvSpPr>
-                <a:spLocks noRot="1" noChangeAspect="1" noMove="1" noResize="1" noEditPoints="1" noAdjustHandles="1" noChangeArrowheads="1" noChangeShapeType="1" noTextEdit="1"/>
-              </p:cNvSpPr>
-              <p:nvPr/>
-            </p:nvSpPr>
-            <p:spPr>
-              <a:xfrm>
-                <a:off x="3787084" y="2476731"/>
-                <a:ext cx="797282" cy="407773"/>
-              </a:xfrm>
-              <a:prstGeom prst="roundRect">
-                <a:avLst/>
-              </a:prstGeom>
-              <a:blipFill>
-                <a:blip r:embed="rId13"/>
-                <a:stretch>
-                  <a:fillRect/>
-                </a:stretch>
-              </a:blipFill>
-            </p:spPr>
-            <p:txBody>
-              <a:bodyPr/>
-              <a:lstStyle/>
-              <a:p>
-                <a:r>
-                  <a:rPr lang="en-VN">
-                    <a:noFill/>
-                  </a:rPr>
-                  <a:t> </a:t>
-                </a:r>
-              </a:p>
-            </p:txBody>
-          </p:sp>
-        </mc:Fallback>
-      </mc:AlternateContent>
+      <p:grpSp>
+        <p:nvGrpSpPr>
+          <p:cNvPr id="46" name="Group 45">
+            <a:extLst>
+              <a:ext uri="{FF2B5EF4-FFF2-40B4-BE49-F238E27FC236}">
+                <a16:creationId xmlns:a16="http://schemas.microsoft.com/office/drawing/2014/main" id="{8BF77A60-17E0-DDFA-D940-D769C273F248}"/>
+              </a:ext>
+            </a:extLst>
+          </p:cNvPr>
+          <p:cNvGrpSpPr/>
+          <p:nvPr/>
+        </p:nvGrpSpPr>
+        <p:grpSpPr>
+          <a:xfrm>
+            <a:off x="3512048" y="2530236"/>
+            <a:ext cx="1074032" cy="510194"/>
+            <a:chOff x="3579520" y="2556094"/>
+            <a:chExt cx="1074032" cy="510194"/>
+          </a:xfrm>
+        </p:grpSpPr>
+        <p:sp>
+          <p:nvSpPr>
+            <p:cNvPr id="19" name="Rounded Rectangle 18">
+              <a:extLst>
+                <a:ext uri="{FF2B5EF4-FFF2-40B4-BE49-F238E27FC236}">
+                  <a16:creationId xmlns:a16="http://schemas.microsoft.com/office/drawing/2014/main" id="{5F25B3E8-2997-4EFB-673F-F9CA48A77945}"/>
+                </a:ext>
+              </a:extLst>
+            </p:cNvPr>
+            <p:cNvSpPr/>
+            <p:nvPr/>
+          </p:nvSpPr>
+          <p:spPr>
+            <a:xfrm>
+              <a:off x="3579520" y="2556094"/>
+              <a:ext cx="1074032" cy="510194"/>
+            </a:xfrm>
+            <a:prstGeom prst="roundRect">
+              <a:avLst/>
+            </a:prstGeom>
+            <a:solidFill>
+              <a:schemeClr val="accent6"/>
+            </a:solidFill>
+          </p:spPr>
+          <p:style>
+            <a:lnRef idx="2">
+              <a:schemeClr val="accent1">
+                <a:shade val="15000"/>
+              </a:schemeClr>
+            </a:lnRef>
+            <a:fillRef idx="1">
+              <a:schemeClr val="accent1"/>
+            </a:fillRef>
+            <a:effectRef idx="0">
+              <a:schemeClr val="accent1"/>
+            </a:effectRef>
+            <a:fontRef idx="minor">
+              <a:schemeClr val="lt1"/>
+            </a:fontRef>
+          </p:style>
+          <p:txBody>
+            <a:bodyPr rtlCol="0" anchor="ctr"/>
+            <a:lstStyle/>
+            <a:p>
+              <a:pPr algn="ctr"/>
+              <a:endParaRPr lang="en-VN"/>
+            </a:p>
+          </p:txBody>
+        </p:sp>
+        <mc:AlternateContent xmlns:mc="http://schemas.openxmlformats.org/markup-compatibility/2006">
+          <mc:Choice xmlns:a14="http://schemas.microsoft.com/office/drawing/2010/main" Requires="a14">
+            <p:sp>
+              <p:nvSpPr>
+                <p:cNvPr id="26" name="Rounded Rectangle 25">
+                  <a:extLst>
+                    <a:ext uri="{FF2B5EF4-FFF2-40B4-BE49-F238E27FC236}">
+                      <a16:creationId xmlns:a16="http://schemas.microsoft.com/office/drawing/2014/main" id="{2825FB1E-2C49-E1A7-2DBC-D3C23179CEE8}"/>
+                    </a:ext>
+                  </a:extLst>
+                </p:cNvPr>
+                <p:cNvSpPr/>
+                <p:nvPr/>
+              </p:nvSpPr>
+              <p:spPr>
+                <a:xfrm>
+                  <a:off x="3701853" y="2602659"/>
+                  <a:ext cx="797282" cy="407773"/>
+                </a:xfrm>
+                <a:prstGeom prst="roundRect">
+                  <a:avLst/>
+                </a:prstGeom>
+              </p:spPr>
+              <p:style>
+                <a:lnRef idx="2">
+                  <a:schemeClr val="accent1">
+                    <a:shade val="15000"/>
+                  </a:schemeClr>
+                </a:lnRef>
+                <a:fillRef idx="1">
+                  <a:schemeClr val="accent1"/>
+                </a:fillRef>
+                <a:effectRef idx="0">
+                  <a:schemeClr val="accent1"/>
+                </a:effectRef>
+                <a:fontRef idx="minor">
+                  <a:schemeClr val="lt1"/>
+                </a:fontRef>
+              </p:style>
+              <p:txBody>
+                <a:bodyPr rtlCol="0" anchor="ctr"/>
+                <a:lstStyle/>
+                <a:p>
+                  <a:pPr algn="ctr"/>
+                  <a14:m>
+                    <m:oMathPara xmlns:m="http://schemas.openxmlformats.org/officeDocument/2006/math">
+                      <m:oMathParaPr>
+                        <m:jc m:val="centerGroup"/>
+                      </m:oMathParaPr>
+                      <m:oMath xmlns:m="http://schemas.openxmlformats.org/officeDocument/2006/math">
+                        <m:sSub>
+                          <m:sSubPr>
+                            <m:ctrlPr>
+                              <a:rPr lang="en-VN" i="1" smtClean="0">
+                                <a:latin typeface="Cambria Math" panose="02040503050406030204" pitchFamily="18" charset="0"/>
+                              </a:rPr>
+                            </m:ctrlPr>
+                          </m:sSubPr>
+                          <m:e>
+                            <m:r>
+                              <m:rPr>
+                                <m:sty m:val="p"/>
+                              </m:rPr>
+                              <a:rPr lang="el-GR" i="1" smtClean="0">
+                                <a:latin typeface="Cambria Math" panose="02040503050406030204" pitchFamily="18" charset="0"/>
+                                <a:ea typeface="Cambria Math" panose="02040503050406030204" pitchFamily="18" charset="0"/>
+                              </a:rPr>
+                              <m:t>Φ</m:t>
+                            </m:r>
+                          </m:e>
+                          <m:sub>
+                            <m:sSub>
+                              <m:sSubPr>
+                                <m:ctrlPr>
+                                  <a:rPr lang="en-VN" i="1" smtClean="0">
+                                    <a:latin typeface="Cambria Math" panose="02040503050406030204" pitchFamily="18" charset="0"/>
+                                  </a:rPr>
+                                </m:ctrlPr>
+                              </m:sSubPr>
+                              <m:e>
+                                <m:r>
+                                  <a:rPr lang="en-US" b="0" i="1" smtClean="0">
+                                    <a:latin typeface="Cambria Math" panose="02040503050406030204" pitchFamily="18" charset="0"/>
+                                  </a:rPr>
+                                  <m:t>𝑠</m:t>
+                                </m:r>
+                              </m:e>
+                              <m:sub>
+                                <m:r>
+                                  <a:rPr lang="en-US" b="0" i="1" smtClean="0">
+                                    <a:latin typeface="Cambria Math" panose="02040503050406030204" pitchFamily="18" charset="0"/>
+                                  </a:rPr>
+                                  <m:t>1</m:t>
+                                </m:r>
+                              </m:sub>
+                            </m:sSub>
+                          </m:sub>
+                        </m:sSub>
+                      </m:oMath>
+                    </m:oMathPara>
+                  </a14:m>
+                  <a:endParaRPr lang="en-VN" dirty="0"/>
+                </a:p>
+              </p:txBody>
+            </p:sp>
+          </mc:Choice>
+          <mc:Fallback>
+            <p:sp>
+              <p:nvSpPr>
+                <p:cNvPr id="26" name="Rounded Rectangle 25">
+                  <a:extLst>
+                    <a:ext uri="{FF2B5EF4-FFF2-40B4-BE49-F238E27FC236}">
+                      <a16:creationId xmlns:a16="http://schemas.microsoft.com/office/drawing/2014/main" id="{2825FB1E-2C49-E1A7-2DBC-D3C23179CEE8}"/>
+                    </a:ext>
+                  </a:extLst>
+                </p:cNvPr>
+                <p:cNvSpPr>
+                  <a:spLocks noRot="1" noChangeAspect="1" noMove="1" noResize="1" noEditPoints="1" noAdjustHandles="1" noChangeArrowheads="1" noChangeShapeType="1" noTextEdit="1"/>
+                </p:cNvSpPr>
+                <p:nvPr/>
+              </p:nvSpPr>
+              <p:spPr>
+                <a:xfrm>
+                  <a:off x="3701853" y="2602659"/>
+                  <a:ext cx="797282" cy="407773"/>
+                </a:xfrm>
+                <a:prstGeom prst="roundRect">
+                  <a:avLst/>
+                </a:prstGeom>
+                <a:blipFill>
+                  <a:blip r:embed="rId13"/>
+                  <a:stretch>
+                    <a:fillRect/>
+                  </a:stretch>
+                </a:blipFill>
+              </p:spPr>
+              <p:txBody>
+                <a:bodyPr/>
+                <a:lstStyle/>
+                <a:p>
+                  <a:r>
+                    <a:rPr lang="en-VN">
+                      <a:noFill/>
+                    </a:rPr>
+                    <a:t> </a:t>
+                  </a:r>
+                </a:p>
+              </p:txBody>
+            </p:sp>
+          </mc:Fallback>
+        </mc:AlternateContent>
+      </p:grpSp>
       <mc:AlternateContent xmlns:mc="http://schemas.openxmlformats.org/markup-compatibility/2006">
         <mc:Choice xmlns:a14="http://schemas.microsoft.com/office/drawing/2010/main" Requires="a14">
           <p:sp>
@@ -14502,7 +14670,7 @@
             </p:nvSpPr>
             <p:spPr>
               <a:xfrm>
-                <a:off x="9347204" y="1919219"/>
+                <a:off x="9356411" y="1921472"/>
                 <a:ext cx="797282" cy="407773"/>
               </a:xfrm>
               <a:prstGeom prst="roundRect">
@@ -14590,7 +14758,7 @@
             </p:nvSpPr>
             <p:spPr>
               <a:xfrm>
-                <a:off x="9347204" y="1919219"/>
+                <a:off x="9356411" y="1921472"/>
                 <a:ext cx="797282" cy="407773"/>
               </a:xfrm>
               <a:prstGeom prst="roundRect">
@@ -14634,7 +14802,7 @@
             </p:nvSpPr>
             <p:spPr>
               <a:xfrm>
-                <a:off x="10305752" y="2513588"/>
+                <a:off x="10366795" y="2633051"/>
                 <a:ext cx="792555" cy="407773"/>
               </a:xfrm>
               <a:prstGeom prst="roundRect">
@@ -14741,7 +14909,7 @@
             </p:nvSpPr>
             <p:spPr>
               <a:xfrm>
-                <a:off x="10305752" y="2513588"/>
+                <a:off x="10366795" y="2633051"/>
                 <a:ext cx="792555" cy="407773"/>
               </a:xfrm>
               <a:prstGeom prst="roundRect">
@@ -14769,6 +14937,195 @@
           </p:sp>
         </mc:Fallback>
       </mc:AlternateContent>
+      <p:sp>
+        <p:nvSpPr>
+          <p:cNvPr id="41" name="TextBox 40">
+            <a:extLst>
+              <a:ext uri="{FF2B5EF4-FFF2-40B4-BE49-F238E27FC236}">
+                <a16:creationId xmlns:a16="http://schemas.microsoft.com/office/drawing/2014/main" id="{A8A23A6F-8F72-8412-8689-842BE185D68E}"/>
+              </a:ext>
+            </a:extLst>
+          </p:cNvPr>
+          <p:cNvSpPr txBox="1"/>
+          <p:nvPr/>
+        </p:nvSpPr>
+        <p:spPr>
+          <a:xfrm>
+            <a:off x="2093853" y="2430313"/>
+            <a:ext cx="703398" cy="369332"/>
+          </a:xfrm>
+          <a:prstGeom prst="rect">
+            <a:avLst/>
+          </a:prstGeom>
+          <a:noFill/>
+        </p:spPr>
+        <p:txBody>
+          <a:bodyPr wrap="none" rtlCol="0">
+            <a:spAutoFit/>
+          </a:bodyPr>
+          <a:lstStyle/>
+          <a:p>
+            <a:r>
+              <a:rPr lang="en-VN" dirty="0"/>
+              <a:t>Copy</a:t>
+            </a:r>
+          </a:p>
+        </p:txBody>
+      </p:sp>
+      <p:cxnSp>
+        <p:nvCxnSpPr>
+          <p:cNvPr id="48" name="Straight Arrow Connector 47">
+            <a:extLst>
+              <a:ext uri="{FF2B5EF4-FFF2-40B4-BE49-F238E27FC236}">
+                <a16:creationId xmlns:a16="http://schemas.microsoft.com/office/drawing/2014/main" id="{82040BCE-2A94-50A0-581B-9000136B1C5E}"/>
+              </a:ext>
+            </a:extLst>
+          </p:cNvPr>
+          <p:cNvCxnSpPr>
+            <a:stCxn id="3" idx="3"/>
+            <a:endCxn id="19" idx="1"/>
+          </p:cNvCxnSpPr>
+          <p:nvPr/>
+        </p:nvCxnSpPr>
+        <p:spPr>
+          <a:xfrm>
+            <a:off x="1495001" y="2780688"/>
+            <a:ext cx="2017047" cy="4645"/>
+          </a:xfrm>
+          <a:prstGeom prst="straightConnector1">
+            <a:avLst/>
+          </a:prstGeom>
+          <a:ln>
+            <a:tailEnd type="triangle"/>
+          </a:ln>
+        </p:spPr>
+        <p:style>
+          <a:lnRef idx="2">
+            <a:schemeClr val="accent1"/>
+          </a:lnRef>
+          <a:fillRef idx="0">
+            <a:schemeClr val="accent1"/>
+          </a:fillRef>
+          <a:effectRef idx="1">
+            <a:schemeClr val="accent1"/>
+          </a:effectRef>
+          <a:fontRef idx="minor">
+            <a:schemeClr val="tx1"/>
+          </a:fontRef>
+        </p:style>
+      </p:cxnSp>
+      <p:cxnSp>
+        <p:nvCxnSpPr>
+          <p:cNvPr id="61" name="Straight Arrow Connector 60">
+            <a:extLst>
+              <a:ext uri="{FF2B5EF4-FFF2-40B4-BE49-F238E27FC236}">
+                <a16:creationId xmlns:a16="http://schemas.microsoft.com/office/drawing/2014/main" id="{5242500F-859C-DC1F-D936-1657831779E6}"/>
+              </a:ext>
+            </a:extLst>
+          </p:cNvPr>
+          <p:cNvCxnSpPr>
+            <a:stCxn id="24" idx="3"/>
+            <a:endCxn id="15" idx="1"/>
+          </p:cNvCxnSpPr>
+          <p:nvPr/>
+        </p:nvCxnSpPr>
+        <p:spPr>
+          <a:xfrm flipV="1">
+            <a:off x="5853190" y="2806372"/>
+            <a:ext cx="2296558" cy="4694"/>
+          </a:xfrm>
+          <a:prstGeom prst="straightConnector1">
+            <a:avLst/>
+          </a:prstGeom>
+          <a:ln>
+            <a:tailEnd type="triangle"/>
+          </a:ln>
+        </p:spPr>
+        <p:style>
+          <a:lnRef idx="2">
+            <a:schemeClr val="accent1"/>
+          </a:lnRef>
+          <a:fillRef idx="0">
+            <a:schemeClr val="accent1"/>
+          </a:fillRef>
+          <a:effectRef idx="1">
+            <a:schemeClr val="accent1"/>
+          </a:effectRef>
+          <a:fontRef idx="minor">
+            <a:schemeClr val="tx1"/>
+          </a:fontRef>
+        </p:style>
+      </p:cxnSp>
+      <p:sp>
+        <p:nvSpPr>
+          <p:cNvPr id="75" name="TextBox 74">
+            <a:extLst>
+              <a:ext uri="{FF2B5EF4-FFF2-40B4-BE49-F238E27FC236}">
+                <a16:creationId xmlns:a16="http://schemas.microsoft.com/office/drawing/2014/main" id="{5F883FF1-AF71-9E50-36FF-2A1596F0015D}"/>
+              </a:ext>
+            </a:extLst>
+          </p:cNvPr>
+          <p:cNvSpPr txBox="1"/>
+          <p:nvPr/>
+        </p:nvSpPr>
+        <p:spPr>
+          <a:xfrm>
+            <a:off x="6503831" y="2448385"/>
+            <a:ext cx="703398" cy="369332"/>
+          </a:xfrm>
+          <a:prstGeom prst="rect">
+            <a:avLst/>
+          </a:prstGeom>
+          <a:noFill/>
+        </p:spPr>
+        <p:txBody>
+          <a:bodyPr wrap="none" rtlCol="0">
+            <a:spAutoFit/>
+          </a:bodyPr>
+          <a:lstStyle/>
+          <a:p>
+            <a:r>
+              <a:rPr lang="en-VN" dirty="0"/>
+              <a:t>Copy</a:t>
+            </a:r>
+          </a:p>
+        </p:txBody>
+      </p:sp>
+      <p:sp>
+        <p:nvSpPr>
+          <p:cNvPr id="76" name="TextBox 75">
+            <a:extLst>
+              <a:ext uri="{FF2B5EF4-FFF2-40B4-BE49-F238E27FC236}">
+                <a16:creationId xmlns:a16="http://schemas.microsoft.com/office/drawing/2014/main" id="{A120BF77-76E3-6D79-07AE-00574B02DFEE}"/>
+              </a:ext>
+            </a:extLst>
+          </p:cNvPr>
+          <p:cNvSpPr txBox="1"/>
+          <p:nvPr/>
+        </p:nvSpPr>
+        <p:spPr>
+          <a:xfrm>
+            <a:off x="6151585" y="2831585"/>
+            <a:ext cx="1410001" cy="369332"/>
+          </a:xfrm>
+          <a:prstGeom prst="rect">
+            <a:avLst/>
+          </a:prstGeom>
+          <a:noFill/>
+        </p:spPr>
+        <p:txBody>
+          <a:bodyPr wrap="square" rtlCol="0">
+            <a:spAutoFit/>
+          </a:bodyPr>
+          <a:lstStyle/>
+          <a:p>
+            <a:r>
+              <a:rPr lang="en-VN" dirty="0"/>
+              <a:t>Weight Align</a:t>
+            </a:r>
+          </a:p>
+        </p:txBody>
+      </p:sp>
     </p:spTree>
     <p:extLst>
       <p:ext uri="{BB962C8B-B14F-4D97-AF65-F5344CB8AC3E}">

--- a/Media/Figure.pptx
+++ b/Media/Figure.pptx
@@ -11962,339 +11962,12 @@
           <a:chExt cx="0" cy="0"/>
         </a:xfrm>
       </p:grpSpPr>
-      <p:sp>
-        <p:nvSpPr>
-          <p:cNvPr id="28" name="Rounded Rectangle 27">
+      <p:grpSp>
+        <p:nvGrpSpPr>
+          <p:cNvPr id="81" name="Group 80">
             <a:extLst>
               <a:ext uri="{FF2B5EF4-FFF2-40B4-BE49-F238E27FC236}">
-                <a16:creationId xmlns:a16="http://schemas.microsoft.com/office/drawing/2014/main" id="{8D33FC04-097D-5F8E-E03A-0B86CB0368AD}"/>
-              </a:ext>
-            </a:extLst>
-          </p:cNvPr>
-          <p:cNvSpPr/>
-          <p:nvPr/>
-        </p:nvSpPr>
-        <p:spPr>
-          <a:xfrm>
-            <a:off x="7971019" y="1850579"/>
-            <a:ext cx="3549652" cy="1495453"/>
-          </a:xfrm>
-          <a:prstGeom prst="roundRect">
-            <a:avLst/>
-          </a:prstGeom>
-          <a:solidFill>
-            <a:schemeClr val="accent2"/>
-          </a:solidFill>
-        </p:spPr>
-        <p:style>
-          <a:lnRef idx="2">
-            <a:schemeClr val="accent1">
-              <a:shade val="15000"/>
-            </a:schemeClr>
-          </a:lnRef>
-          <a:fillRef idx="1">
-            <a:schemeClr val="accent1"/>
-          </a:fillRef>
-          <a:effectRef idx="0">
-            <a:schemeClr val="accent1"/>
-          </a:effectRef>
-          <a:fontRef idx="minor">
-            <a:schemeClr val="lt1"/>
-          </a:fontRef>
-        </p:style>
-        <p:txBody>
-          <a:bodyPr rtlCol="0" anchor="ctr"/>
-          <a:lstStyle/>
-          <a:p>
-            <a:pPr algn="ctr"/>
-            <a:endParaRPr lang="en-VN"/>
-          </a:p>
-        </p:txBody>
-      </p:sp>
-      <p:sp>
-        <p:nvSpPr>
-          <p:cNvPr id="34" name="Rounded Rectangle 33">
-            <a:extLst>
-              <a:ext uri="{FF2B5EF4-FFF2-40B4-BE49-F238E27FC236}">
-                <a16:creationId xmlns:a16="http://schemas.microsoft.com/office/drawing/2014/main" id="{ADA6805B-66F6-A087-C89E-C33BBEE90E4C}"/>
-              </a:ext>
-            </a:extLst>
-          </p:cNvPr>
-          <p:cNvSpPr/>
-          <p:nvPr/>
-        </p:nvSpPr>
-        <p:spPr>
-          <a:xfrm>
-            <a:off x="8050190" y="2471139"/>
-            <a:ext cx="3240000" cy="657012"/>
-          </a:xfrm>
-          <a:prstGeom prst="roundRect">
-            <a:avLst/>
-          </a:prstGeom>
-          <a:solidFill>
-            <a:schemeClr val="accent2"/>
-          </a:solidFill>
-        </p:spPr>
-        <p:style>
-          <a:lnRef idx="2">
-            <a:schemeClr val="accent1">
-              <a:shade val="15000"/>
-            </a:schemeClr>
-          </a:lnRef>
-          <a:fillRef idx="1">
-            <a:schemeClr val="accent1"/>
-          </a:fillRef>
-          <a:effectRef idx="0">
-            <a:schemeClr val="accent1"/>
-          </a:effectRef>
-          <a:fontRef idx="minor">
-            <a:schemeClr val="lt1"/>
-          </a:fontRef>
-        </p:style>
-        <p:txBody>
-          <a:bodyPr rtlCol="0" anchor="ctr"/>
-          <a:lstStyle/>
-          <a:p>
-            <a:pPr algn="ctr"/>
-            <a:endParaRPr lang="en-VN"/>
-          </a:p>
-        </p:txBody>
-      </p:sp>
-      <mc:AlternateContent xmlns:mc="http://schemas.openxmlformats.org/markup-compatibility/2006" xmlns:a14="http://schemas.microsoft.com/office/drawing/2010/main">
-        <mc:Choice Requires="a14">
-          <p:sp>
-            <p:nvSpPr>
-              <p:cNvPr id="13" name="Rounded Rectangle 12">
-                <a:extLst>
-                  <a:ext uri="{FF2B5EF4-FFF2-40B4-BE49-F238E27FC236}">
-                    <a16:creationId xmlns:a16="http://schemas.microsoft.com/office/drawing/2014/main" id="{C27B93E3-BA36-CAF5-61C0-8D027E573975}"/>
-                  </a:ext>
-                </a:extLst>
-              </p:cNvPr>
-              <p:cNvSpPr/>
-              <p:nvPr/>
-            </p:nvSpPr>
-            <p:spPr>
-              <a:xfrm>
-                <a:off x="3579520" y="3958414"/>
-                <a:ext cx="2160000" cy="360000"/>
-              </a:xfrm>
-              <a:prstGeom prst="roundRect">
-                <a:avLst/>
-              </a:prstGeom>
-            </p:spPr>
-            <p:style>
-              <a:lnRef idx="2">
-                <a:schemeClr val="accent1">
-                  <a:shade val="15000"/>
-                </a:schemeClr>
-              </a:lnRef>
-              <a:fillRef idx="1">
-                <a:schemeClr val="accent1"/>
-              </a:fillRef>
-              <a:effectRef idx="0">
-                <a:schemeClr val="accent1"/>
-              </a:effectRef>
-              <a:fontRef idx="minor">
-                <a:schemeClr val="lt1"/>
-              </a:fontRef>
-            </p:style>
-            <p:txBody>
-              <a:bodyPr rtlCol="0" anchor="ctr"/>
-              <a:lstStyle/>
-              <a:p>
-                <a:pPr algn="ctr"/>
-                <a14:m>
-                  <m:oMathPara xmlns:m="http://schemas.openxmlformats.org/officeDocument/2006/math">
-                    <m:oMathParaPr>
-                      <m:jc m:val="centerGroup"/>
-                    </m:oMathParaPr>
-                    <m:oMath xmlns:m="http://schemas.openxmlformats.org/officeDocument/2006/math">
-                      <m:sSub>
-                        <m:sSubPr>
-                          <m:ctrlPr>
-                            <a:rPr lang="en-VN" i="1" smtClean="0">
-                              <a:latin typeface="Cambria Math" panose="02040503050406030204" pitchFamily="18" charset="0"/>
-                              <a:ea typeface="Cambria Math" panose="02040503050406030204" pitchFamily="18" charset="0"/>
-                            </a:rPr>
-                          </m:ctrlPr>
-                        </m:sSubPr>
-                        <m:e>
-                          <m:r>
-                            <a:rPr lang="en-VN" i="1">
-                              <a:latin typeface="Cambria Math" panose="02040503050406030204" pitchFamily="18" charset="0"/>
-                              <a:ea typeface="Cambria Math" panose="02040503050406030204" pitchFamily="18" charset="0"/>
-                            </a:rPr>
-                            <m:t>ℱ</m:t>
-                          </m:r>
-                        </m:e>
-                        <m:sub>
-                          <m:r>
-                            <a:rPr lang="vi-VN" b="0" i="1" smtClean="0">
-                              <a:latin typeface="Cambria Math" panose="02040503050406030204" pitchFamily="18" charset="0"/>
-                              <a:ea typeface="Cambria Math" panose="02040503050406030204" pitchFamily="18" charset="0"/>
-                            </a:rPr>
-                            <m:t>2</m:t>
-                          </m:r>
-                        </m:sub>
-                      </m:sSub>
-                    </m:oMath>
-                  </m:oMathPara>
-                </a14:m>
-                <a:endParaRPr lang="en-VN" dirty="0"/>
-              </a:p>
-            </p:txBody>
-          </p:sp>
-        </mc:Choice>
-        <mc:Fallback xmlns="">
-          <p:sp>
-            <p:nvSpPr>
-              <p:cNvPr id="13" name="Rounded Rectangle 12">
-                <a:extLst>
-                  <a:ext uri="{FF2B5EF4-FFF2-40B4-BE49-F238E27FC236}">
-                    <a16:creationId xmlns:a16="http://schemas.microsoft.com/office/drawing/2014/main" id="{C27B93E3-BA36-CAF5-61C0-8D027E573975}"/>
-                  </a:ext>
-                </a:extLst>
-              </p:cNvPr>
-              <p:cNvSpPr>
-                <a:spLocks noRot="1" noChangeAspect="1" noMove="1" noResize="1" noEditPoints="1" noAdjustHandles="1" noChangeArrowheads="1" noChangeShapeType="1" noTextEdit="1"/>
-              </p:cNvSpPr>
-              <p:nvPr/>
-            </p:nvSpPr>
-            <p:spPr>
-              <a:xfrm>
-                <a:off x="3579520" y="3958414"/>
-                <a:ext cx="2160000" cy="360000"/>
-              </a:xfrm>
-              <a:prstGeom prst="roundRect">
-                <a:avLst/>
-              </a:prstGeom>
-              <a:blipFill>
-                <a:blip r:embed="rId2"/>
-                <a:stretch>
-                  <a:fillRect/>
-                </a:stretch>
-              </a:blipFill>
-            </p:spPr>
-            <p:txBody>
-              <a:bodyPr/>
-              <a:lstStyle/>
-              <a:p>
-                <a:r>
-                  <a:rPr lang="en-VN">
-                    <a:noFill/>
-                  </a:rPr>
-                  <a:t> </a:t>
-                </a:r>
-              </a:p>
-            </p:txBody>
-          </p:sp>
-        </mc:Fallback>
-      </mc:AlternateContent>
-      <p:sp>
-        <p:nvSpPr>
-          <p:cNvPr id="9" name="Rounded Rectangle 8">
-            <a:extLst>
-              <a:ext uri="{FF2B5EF4-FFF2-40B4-BE49-F238E27FC236}">
-                <a16:creationId xmlns:a16="http://schemas.microsoft.com/office/drawing/2014/main" id="{CE2898D4-1D4D-1A49-DE7A-4B4BA75F0FC0}"/>
-              </a:ext>
-            </a:extLst>
-          </p:cNvPr>
-          <p:cNvSpPr/>
-          <p:nvPr/>
-        </p:nvSpPr>
-        <p:spPr>
-          <a:xfrm>
-            <a:off x="558274" y="1914934"/>
-            <a:ext cx="1080001" cy="1366741"/>
-          </a:xfrm>
-          <a:prstGeom prst="roundRect">
-            <a:avLst/>
-          </a:prstGeom>
-          <a:solidFill>
-            <a:schemeClr val="accent2"/>
-          </a:solidFill>
-        </p:spPr>
-        <p:style>
-          <a:lnRef idx="2">
-            <a:schemeClr val="accent1">
-              <a:shade val="15000"/>
-            </a:schemeClr>
-          </a:lnRef>
-          <a:fillRef idx="1">
-            <a:schemeClr val="accent1"/>
-          </a:fillRef>
-          <a:effectRef idx="0">
-            <a:schemeClr val="accent1"/>
-          </a:effectRef>
-          <a:fontRef idx="minor">
-            <a:schemeClr val="lt1"/>
-          </a:fontRef>
-        </p:style>
-        <p:txBody>
-          <a:bodyPr rtlCol="0" anchor="ctr"/>
-          <a:lstStyle/>
-          <a:p>
-            <a:pPr algn="ctr"/>
-            <a:endParaRPr lang="en-VN"/>
-          </a:p>
-        </p:txBody>
-      </p:sp>
-      <p:sp>
-        <p:nvSpPr>
-          <p:cNvPr id="18" name="Rounded Rectangle 17">
-            <a:extLst>
-              <a:ext uri="{FF2B5EF4-FFF2-40B4-BE49-F238E27FC236}">
-                <a16:creationId xmlns:a16="http://schemas.microsoft.com/office/drawing/2014/main" id="{1CB338DB-7A73-BA7F-DA2E-C313D92146B3}"/>
-              </a:ext>
-            </a:extLst>
-          </p:cNvPr>
-          <p:cNvSpPr/>
-          <p:nvPr/>
-        </p:nvSpPr>
-        <p:spPr>
-          <a:xfrm>
-            <a:off x="3304716" y="1850579"/>
-            <a:ext cx="2697671" cy="1431097"/>
-          </a:xfrm>
-          <a:prstGeom prst="roundRect">
-            <a:avLst/>
-          </a:prstGeom>
-          <a:solidFill>
-            <a:schemeClr val="accent2"/>
-          </a:solidFill>
-        </p:spPr>
-        <p:style>
-          <a:lnRef idx="2">
-            <a:schemeClr val="accent1">
-              <a:shade val="15000"/>
-            </a:schemeClr>
-          </a:lnRef>
-          <a:fillRef idx="1">
-            <a:schemeClr val="accent1"/>
-          </a:fillRef>
-          <a:effectRef idx="0">
-            <a:schemeClr val="accent1"/>
-          </a:effectRef>
-          <a:fontRef idx="minor">
-            <a:schemeClr val="lt1"/>
-          </a:fontRef>
-        </p:style>
-        <p:txBody>
-          <a:bodyPr rtlCol="0" anchor="ctr"/>
-          <a:lstStyle/>
-          <a:p>
-            <a:pPr algn="ctr"/>
-            <a:endParaRPr lang="en-VN"/>
-          </a:p>
-        </p:txBody>
-      </p:sp>
-      <p:grpSp>
-        <p:nvGrpSpPr>
-          <p:cNvPr id="98" name="Group 97">
-            <a:extLst>
-              <a:ext uri="{FF2B5EF4-FFF2-40B4-BE49-F238E27FC236}">
-                <a16:creationId xmlns:a16="http://schemas.microsoft.com/office/drawing/2014/main" id="{271B9DC5-B890-A43B-7A3B-97C22B03866E}"/>
+                <a16:creationId xmlns:a16="http://schemas.microsoft.com/office/drawing/2014/main" id="{8DD45960-6B8C-943E-BF6C-8F6873D38B65}"/>
               </a:ext>
             </a:extLst>
           </p:cNvPr>
@@ -12303,20 +11976,118 @@
         </p:nvGrpSpPr>
         <p:grpSpPr>
           <a:xfrm>
-            <a:off x="558276" y="3813952"/>
-            <a:ext cx="10807570" cy="510068"/>
-            <a:chOff x="558276" y="3813952"/>
-            <a:chExt cx="10807570" cy="510068"/>
+            <a:off x="487819" y="833763"/>
+            <a:ext cx="11032852" cy="4679121"/>
+            <a:chOff x="487819" y="833763"/>
+            <a:chExt cx="11032852" cy="4679121"/>
           </a:xfrm>
         </p:grpSpPr>
-        <mc:AlternateContent xmlns:mc="http://schemas.openxmlformats.org/markup-compatibility/2006" xmlns:a14="http://schemas.microsoft.com/office/drawing/2010/main">
-          <mc:Choice Requires="a14">
+        <p:sp>
+          <p:nvSpPr>
+            <p:cNvPr id="28" name="Rounded Rectangle 27">
+              <a:extLst>
+                <a:ext uri="{FF2B5EF4-FFF2-40B4-BE49-F238E27FC236}">
+                  <a16:creationId xmlns:a16="http://schemas.microsoft.com/office/drawing/2014/main" id="{8D33FC04-097D-5F8E-E03A-0B86CB0368AD}"/>
+                </a:ext>
+              </a:extLst>
+            </p:cNvPr>
+            <p:cNvSpPr/>
+            <p:nvPr/>
+          </p:nvSpPr>
+          <p:spPr>
+            <a:xfrm>
+              <a:off x="7971019" y="1850579"/>
+              <a:ext cx="3549652" cy="1495453"/>
+            </a:xfrm>
+            <a:prstGeom prst="roundRect">
+              <a:avLst/>
+            </a:prstGeom>
+            <a:solidFill>
+              <a:schemeClr val="accent2"/>
+            </a:solidFill>
+          </p:spPr>
+          <p:style>
+            <a:lnRef idx="2">
+              <a:schemeClr val="accent1">
+                <a:shade val="15000"/>
+              </a:schemeClr>
+            </a:lnRef>
+            <a:fillRef idx="1">
+              <a:schemeClr val="accent1"/>
+            </a:fillRef>
+            <a:effectRef idx="0">
+              <a:schemeClr val="accent1"/>
+            </a:effectRef>
+            <a:fontRef idx="minor">
+              <a:schemeClr val="lt1"/>
+            </a:fontRef>
+          </p:style>
+          <p:txBody>
+            <a:bodyPr rtlCol="0" anchor="ctr"/>
+            <a:lstStyle/>
+            <a:p>
+              <a:pPr algn="ctr"/>
+              <a:endParaRPr lang="en-VN"/>
+            </a:p>
+          </p:txBody>
+        </p:sp>
+        <p:sp>
+          <p:nvSpPr>
+            <p:cNvPr id="34" name="Rounded Rectangle 33">
+              <a:extLst>
+                <a:ext uri="{FF2B5EF4-FFF2-40B4-BE49-F238E27FC236}">
+                  <a16:creationId xmlns:a16="http://schemas.microsoft.com/office/drawing/2014/main" id="{ADA6805B-66F6-A087-C89E-C33BBEE90E4C}"/>
+                </a:ext>
+              </a:extLst>
+            </p:cNvPr>
+            <p:cNvSpPr/>
+            <p:nvPr/>
+          </p:nvSpPr>
+          <p:spPr>
+            <a:xfrm>
+              <a:off x="8050190" y="2471139"/>
+              <a:ext cx="3240000" cy="657012"/>
+            </a:xfrm>
+            <a:prstGeom prst="roundRect">
+              <a:avLst/>
+            </a:prstGeom>
+            <a:solidFill>
+              <a:schemeClr val="accent2"/>
+            </a:solidFill>
+          </p:spPr>
+          <p:style>
+            <a:lnRef idx="2">
+              <a:schemeClr val="accent1">
+                <a:shade val="15000"/>
+              </a:schemeClr>
+            </a:lnRef>
+            <a:fillRef idx="1">
+              <a:schemeClr val="accent1"/>
+            </a:fillRef>
+            <a:effectRef idx="0">
+              <a:schemeClr val="accent1"/>
+            </a:effectRef>
+            <a:fontRef idx="minor">
+              <a:schemeClr val="lt1"/>
+            </a:fontRef>
+          </p:style>
+          <p:txBody>
+            <a:bodyPr rtlCol="0" anchor="ctr"/>
+            <a:lstStyle/>
+            <a:p>
+              <a:pPr algn="ctr"/>
+              <a:endParaRPr lang="en-VN"/>
+            </a:p>
+          </p:txBody>
+        </p:sp>
+        <mc:AlternateContent xmlns:mc="http://schemas.openxmlformats.org/markup-compatibility/2006">
+          <mc:Choice xmlns:a14="http://schemas.microsoft.com/office/drawing/2010/main" Requires="a14">
             <p:sp>
               <p:nvSpPr>
-                <p:cNvPr id="6" name="Rounded Rectangle 5">
+                <p:cNvPr id="13" name="Rounded Rectangle 12">
                   <a:extLst>
                     <a:ext uri="{FF2B5EF4-FFF2-40B4-BE49-F238E27FC236}">
-                      <a16:creationId xmlns:a16="http://schemas.microsoft.com/office/drawing/2014/main" id="{D3FC8CE7-4CC3-5820-BD6A-92B9645E4457}"/>
+                      <a16:creationId xmlns:a16="http://schemas.microsoft.com/office/drawing/2014/main" id="{C27B93E3-BA36-CAF5-61C0-8D027E573975}"/>
                     </a:ext>
                   </a:extLst>
                 </p:cNvPr>
@@ -12325,139 +12096,8 @@
               </p:nvSpPr>
               <p:spPr>
                 <a:xfrm>
-                  <a:off x="558276" y="3964020"/>
-                  <a:ext cx="1080000" cy="360000"/>
-                </a:xfrm>
-                <a:prstGeom prst="roundRect">
-                  <a:avLst/>
-                </a:prstGeom>
-              </p:spPr>
-              <p:style>
-                <a:lnRef idx="2">
-                  <a:schemeClr val="accent1">
-                    <a:shade val="15000"/>
-                  </a:schemeClr>
-                </a:lnRef>
-                <a:fillRef idx="1">
-                  <a:schemeClr val="accent1"/>
-                </a:fillRef>
-                <a:effectRef idx="0">
-                  <a:schemeClr val="accent1"/>
-                </a:effectRef>
-                <a:fontRef idx="minor">
-                  <a:schemeClr val="lt1"/>
-                </a:fontRef>
-              </p:style>
-              <p:txBody>
-                <a:bodyPr rtlCol="0" anchor="ctr"/>
-                <a:lstStyle/>
-                <a:p>
-                  <a:pPr algn="ctr"/>
-                  <a14:m>
-                    <m:oMathPara xmlns:m="http://schemas.openxmlformats.org/officeDocument/2006/math">
-                      <m:oMathParaPr>
-                        <m:jc m:val="centerGroup"/>
-                      </m:oMathParaPr>
-                      <m:oMath xmlns:m="http://schemas.openxmlformats.org/officeDocument/2006/math">
-                        <m:sSub>
-                          <m:sSubPr>
-                            <m:ctrlPr>
-                              <a:rPr lang="en-VN" i="1" smtClean="0">
-                                <a:latin typeface="Cambria Math" panose="02040503050406030204" pitchFamily="18" charset="0"/>
-                                <a:ea typeface="Cambria Math" panose="02040503050406030204" pitchFamily="18" charset="0"/>
-                              </a:rPr>
-                            </m:ctrlPr>
-                          </m:sSubPr>
-                          <m:e>
-                            <m:r>
-                              <a:rPr lang="en-VN" i="1">
-                                <a:latin typeface="Cambria Math" panose="02040503050406030204" pitchFamily="18" charset="0"/>
-                                <a:ea typeface="Cambria Math" panose="02040503050406030204" pitchFamily="18" charset="0"/>
-                              </a:rPr>
-                              <m:t>ℱ</m:t>
-                            </m:r>
-                          </m:e>
-                          <m:sub>
-                            <m:r>
-                              <a:rPr lang="en-US" b="0" i="1" smtClean="0">
-                                <a:latin typeface="Cambria Math" panose="02040503050406030204" pitchFamily="18" charset="0"/>
-                                <a:ea typeface="Cambria Math" panose="02040503050406030204" pitchFamily="18" charset="0"/>
-                              </a:rPr>
-                              <m:t>1</m:t>
-                            </m:r>
-                          </m:sub>
-                        </m:sSub>
-                      </m:oMath>
-                    </m:oMathPara>
-                  </a14:m>
-                  <a:endParaRPr lang="en-VN" dirty="0"/>
-                </a:p>
-              </p:txBody>
-            </p:sp>
-          </mc:Choice>
-          <mc:Fallback xmlns="">
-            <p:sp>
-              <p:nvSpPr>
-                <p:cNvPr id="6" name="Rounded Rectangle 5">
-                  <a:extLst>
-                    <a:ext uri="{FF2B5EF4-FFF2-40B4-BE49-F238E27FC236}">
-                      <a16:creationId xmlns:a16="http://schemas.microsoft.com/office/drawing/2014/main" id="{D3FC8CE7-4CC3-5820-BD6A-92B9645E4457}"/>
-                    </a:ext>
-                  </a:extLst>
-                </p:cNvPr>
-                <p:cNvSpPr>
-                  <a:spLocks noRot="1" noChangeAspect="1" noMove="1" noResize="1" noEditPoints="1" noAdjustHandles="1" noChangeArrowheads="1" noChangeShapeType="1" noTextEdit="1"/>
-                </p:cNvSpPr>
-                <p:nvPr/>
-              </p:nvSpPr>
-              <p:spPr>
-                <a:xfrm>
-                  <a:off x="558276" y="3964020"/>
-                  <a:ext cx="1080000" cy="360000"/>
-                </a:xfrm>
-                <a:prstGeom prst="roundRect">
-                  <a:avLst/>
-                </a:prstGeom>
-                <a:blipFill>
-                  <a:blip r:embed="rId5"/>
-                  <a:stretch>
-                    <a:fillRect/>
-                  </a:stretch>
-                </a:blipFill>
-              </p:spPr>
-              <p:txBody>
-                <a:bodyPr/>
-                <a:lstStyle/>
-                <a:p>
-                  <a:r>
-                    <a:rPr lang="en-VN">
-                      <a:noFill/>
-                    </a:rPr>
-                    <a:t> </a:t>
-                  </a:r>
-                </a:p>
-              </p:txBody>
-            </p:sp>
-          </mc:Fallback>
-        </mc:AlternateContent>
-        <mc:AlternateContent xmlns:mc="http://schemas.openxmlformats.org/markup-compatibility/2006" xmlns:a14="http://schemas.microsoft.com/office/drawing/2010/main">
-          <mc:Choice Requires="a14">
-            <p:sp>
-              <p:nvSpPr>
-                <p:cNvPr id="30" name="Rounded Rectangle 29">
-                  <a:extLst>
-                    <a:ext uri="{FF2B5EF4-FFF2-40B4-BE49-F238E27FC236}">
-                      <a16:creationId xmlns:a16="http://schemas.microsoft.com/office/drawing/2014/main" id="{A7083DCE-48C1-600A-B5F9-D01283BC9E81}"/>
-                    </a:ext>
-                  </a:extLst>
-                </p:cNvPr>
-                <p:cNvSpPr/>
-                <p:nvPr/>
-              </p:nvSpPr>
-              <p:spPr>
-                <a:xfrm>
-                  <a:off x="8125846" y="3964020"/>
-                  <a:ext cx="3240000" cy="360000"/>
+                  <a:off x="3579520" y="3958414"/>
+                  <a:ext cx="2160000" cy="360000"/>
                 </a:xfrm>
                 <a:prstGeom prst="roundRect">
                   <a:avLst/>
@@ -12514,7 +12154,7 @@
                                 <a:latin typeface="Cambria Math" panose="02040503050406030204" pitchFamily="18" charset="0"/>
                                 <a:ea typeface="Cambria Math" panose="02040503050406030204" pitchFamily="18" charset="0"/>
                               </a:rPr>
-                              <m:t>3</m:t>
+                              <m:t>2</m:t>
                             </m:r>
                           </m:sub>
                         </m:sSub>
@@ -12526,13 +12166,13 @@
               </p:txBody>
             </p:sp>
           </mc:Choice>
-          <mc:Fallback xmlns="">
+          <mc:Fallback>
             <p:sp>
               <p:nvSpPr>
-                <p:cNvPr id="30" name="Rounded Rectangle 29">
+                <p:cNvPr id="13" name="Rounded Rectangle 12">
                   <a:extLst>
                     <a:ext uri="{FF2B5EF4-FFF2-40B4-BE49-F238E27FC236}">
-                      <a16:creationId xmlns:a16="http://schemas.microsoft.com/office/drawing/2014/main" id="{A7083DCE-48C1-600A-B5F9-D01283BC9E81}"/>
+                      <a16:creationId xmlns:a16="http://schemas.microsoft.com/office/drawing/2014/main" id="{C27B93E3-BA36-CAF5-61C0-8D027E573975}"/>
                     </a:ext>
                   </a:extLst>
                 </p:cNvPr>
@@ -12543,14 +12183,14 @@
               </p:nvSpPr>
               <p:spPr>
                 <a:xfrm>
-                  <a:off x="8125846" y="3964020"/>
-                  <a:ext cx="3240000" cy="360000"/>
+                  <a:off x="3579520" y="3958414"/>
+                  <a:ext cx="2160000" cy="360000"/>
                 </a:xfrm>
                 <a:prstGeom prst="roundRect">
                   <a:avLst/>
                 </a:prstGeom>
                 <a:blipFill>
-                  <a:blip r:embed="rId6"/>
+                  <a:blip r:embed="rId2"/>
                   <a:stretch>
                     <a:fillRect/>
                   </a:stretch>
@@ -12571,187 +12211,12 @@
             </p:sp>
           </mc:Fallback>
         </mc:AlternateContent>
-        <p:cxnSp>
-          <p:nvCxnSpPr>
-            <p:cNvPr id="43" name="Straight Arrow Connector 42">
+        <p:sp>
+          <p:nvSpPr>
+            <p:cNvPr id="9" name="Rounded Rectangle 8">
               <a:extLst>
                 <a:ext uri="{FF2B5EF4-FFF2-40B4-BE49-F238E27FC236}">
-                  <a16:creationId xmlns:a16="http://schemas.microsoft.com/office/drawing/2014/main" id="{0CF08673-21D2-8038-D763-E5CBDC2DC0F7}"/>
-                </a:ext>
-              </a:extLst>
-            </p:cNvPr>
-            <p:cNvCxnSpPr>
-              <a:stCxn id="6" idx="3"/>
-              <a:endCxn id="13" idx="1"/>
-            </p:cNvCxnSpPr>
-            <p:nvPr/>
-          </p:nvCxnSpPr>
-          <p:spPr>
-            <a:xfrm flipV="1">
-              <a:off x="1638276" y="4138414"/>
-              <a:ext cx="1941244" cy="5606"/>
-            </a:xfrm>
-            <a:prstGeom prst="straightConnector1">
-              <a:avLst/>
-            </a:prstGeom>
-            <a:ln>
-              <a:tailEnd type="triangle"/>
-            </a:ln>
-          </p:spPr>
-          <p:style>
-            <a:lnRef idx="2">
-              <a:schemeClr val="accent1"/>
-            </a:lnRef>
-            <a:fillRef idx="0">
-              <a:schemeClr val="accent1"/>
-            </a:fillRef>
-            <a:effectRef idx="1">
-              <a:schemeClr val="accent1"/>
-            </a:effectRef>
-            <a:fontRef idx="minor">
-              <a:schemeClr val="tx1"/>
-            </a:fontRef>
-          </p:style>
-        </p:cxnSp>
-        <p:cxnSp>
-          <p:nvCxnSpPr>
-            <p:cNvPr id="45" name="Straight Arrow Connector 44">
-              <a:extLst>
-                <a:ext uri="{FF2B5EF4-FFF2-40B4-BE49-F238E27FC236}">
-                  <a16:creationId xmlns:a16="http://schemas.microsoft.com/office/drawing/2014/main" id="{A0C20000-56BF-EBB6-9735-B4CF7C020600}"/>
-                </a:ext>
-              </a:extLst>
-            </p:cNvPr>
-            <p:cNvCxnSpPr>
-              <a:stCxn id="13" idx="3"/>
-              <a:endCxn id="30" idx="1"/>
-            </p:cNvCxnSpPr>
-            <p:nvPr/>
-          </p:nvCxnSpPr>
-          <p:spPr>
-            <a:xfrm>
-              <a:off x="5739520" y="4138414"/>
-              <a:ext cx="2386326" cy="5606"/>
-            </a:xfrm>
-            <a:prstGeom prst="straightConnector1">
-              <a:avLst/>
-            </a:prstGeom>
-            <a:ln>
-              <a:tailEnd type="triangle"/>
-            </a:ln>
-          </p:spPr>
-          <p:style>
-            <a:lnRef idx="2">
-              <a:schemeClr val="accent1"/>
-            </a:lnRef>
-            <a:fillRef idx="0">
-              <a:schemeClr val="accent1"/>
-            </a:fillRef>
-            <a:effectRef idx="1">
-              <a:schemeClr val="accent1"/>
-            </a:effectRef>
-            <a:fontRef idx="minor">
-              <a:schemeClr val="tx1"/>
-            </a:fontRef>
-          </p:style>
-        </p:cxnSp>
-        <p:sp>
-          <p:nvSpPr>
-            <p:cNvPr id="49" name="TextBox 48">
-              <a:extLst>
-                <a:ext uri="{FF2B5EF4-FFF2-40B4-BE49-F238E27FC236}">
-                  <a16:creationId xmlns:a16="http://schemas.microsoft.com/office/drawing/2014/main" id="{03EB8F1D-325D-7CA7-673D-7B4990BC8330}"/>
-                </a:ext>
-              </a:extLst>
-            </p:cNvPr>
-            <p:cNvSpPr txBox="1"/>
-            <p:nvPr/>
-          </p:nvSpPr>
-          <p:spPr>
-            <a:xfrm>
-              <a:off x="2283417" y="3813952"/>
-              <a:ext cx="703398" cy="369332"/>
-            </a:xfrm>
-            <a:prstGeom prst="rect">
-              <a:avLst/>
-            </a:prstGeom>
-            <a:noFill/>
-          </p:spPr>
-          <p:txBody>
-            <a:bodyPr wrap="none" rtlCol="0">
-              <a:spAutoFit/>
-            </a:bodyPr>
-            <a:lstStyle/>
-            <a:p>
-              <a:r>
-                <a:rPr lang="en-VN" dirty="0"/>
-                <a:t>Copy</a:t>
-              </a:r>
-            </a:p>
-          </p:txBody>
-        </p:sp>
-        <p:sp>
-          <p:nvSpPr>
-            <p:cNvPr id="50" name="TextBox 49">
-              <a:extLst>
-                <a:ext uri="{FF2B5EF4-FFF2-40B4-BE49-F238E27FC236}">
-                  <a16:creationId xmlns:a16="http://schemas.microsoft.com/office/drawing/2014/main" id="{F4011E79-5A15-6134-A722-3AED073654C6}"/>
-                </a:ext>
-              </a:extLst>
-            </p:cNvPr>
-            <p:cNvSpPr txBox="1"/>
-            <p:nvPr/>
-          </p:nvSpPr>
-          <p:spPr>
-            <a:xfrm>
-              <a:off x="6503831" y="3813952"/>
-              <a:ext cx="703398" cy="369332"/>
-            </a:xfrm>
-            <a:prstGeom prst="rect">
-              <a:avLst/>
-            </a:prstGeom>
-            <a:noFill/>
-          </p:spPr>
-          <p:txBody>
-            <a:bodyPr wrap="none" rtlCol="0">
-              <a:spAutoFit/>
-            </a:bodyPr>
-            <a:lstStyle/>
-            <a:p>
-              <a:r>
-                <a:rPr lang="en-VN" dirty="0"/>
-                <a:t>Copy</a:t>
-              </a:r>
-            </a:p>
-          </p:txBody>
-        </p:sp>
-      </p:grpSp>
-      <p:grpSp>
-        <p:nvGrpSpPr>
-          <p:cNvPr id="96" name="Group 95">
-            <a:extLst>
-              <a:ext uri="{FF2B5EF4-FFF2-40B4-BE49-F238E27FC236}">
-                <a16:creationId xmlns:a16="http://schemas.microsoft.com/office/drawing/2014/main" id="{0EDFB0C4-F300-1A18-95D5-710BF08DB38A}"/>
-              </a:ext>
-            </a:extLst>
-          </p:cNvPr>
-          <p:cNvGrpSpPr/>
-          <p:nvPr/>
-        </p:nvGrpSpPr>
-        <p:grpSpPr>
-          <a:xfrm>
-            <a:off x="487819" y="833763"/>
-            <a:ext cx="9868483" cy="429881"/>
-            <a:chOff x="487819" y="833763"/>
-            <a:chExt cx="9868483" cy="429881"/>
-          </a:xfrm>
-        </p:grpSpPr>
-        <p:sp>
-          <p:nvSpPr>
-            <p:cNvPr id="51" name="Rounded Rectangle 50">
-              <a:extLst>
-                <a:ext uri="{FF2B5EF4-FFF2-40B4-BE49-F238E27FC236}">
-                  <a16:creationId xmlns:a16="http://schemas.microsoft.com/office/drawing/2014/main" id="{8F3D6FB7-C518-9944-98AB-8FC256517B85}"/>
+                  <a16:creationId xmlns:a16="http://schemas.microsoft.com/office/drawing/2014/main" id="{CE2898D4-1D4D-1A49-DE7A-4B4BA75F0FC0}"/>
                 </a:ext>
               </a:extLst>
             </p:cNvPr>
@@ -12760,1349 +12225,14 @@
           </p:nvSpPr>
           <p:spPr>
             <a:xfrm>
-              <a:off x="487819" y="835941"/>
-              <a:ext cx="1220913" cy="427703"/>
-            </a:xfrm>
-            <a:prstGeom prst="roundRect">
-              <a:avLst/>
-            </a:prstGeom>
-          </p:spPr>
-          <p:style>
-            <a:lnRef idx="2">
-              <a:schemeClr val="accent1">
-                <a:shade val="15000"/>
-              </a:schemeClr>
-            </a:lnRef>
-            <a:fillRef idx="1">
-              <a:schemeClr val="accent1"/>
-            </a:fillRef>
-            <a:effectRef idx="0">
-              <a:schemeClr val="accent1"/>
-            </a:effectRef>
-            <a:fontRef idx="minor">
-              <a:schemeClr val="lt1"/>
-            </a:fontRef>
-          </p:style>
-          <p:txBody>
-            <a:bodyPr rtlCol="0" anchor="ctr"/>
-            <a:lstStyle/>
-            <a:p>
-              <a:pPr algn="ctr"/>
-              <a:r>
-                <a:rPr lang="en-VN" dirty="0"/>
-                <a:t>Input</a:t>
-              </a:r>
-            </a:p>
-          </p:txBody>
-        </p:sp>
-        <p:sp>
-          <p:nvSpPr>
-            <p:cNvPr id="52" name="Rounded Rectangle 51">
-              <a:extLst>
-                <a:ext uri="{FF2B5EF4-FFF2-40B4-BE49-F238E27FC236}">
-                  <a16:creationId xmlns:a16="http://schemas.microsoft.com/office/drawing/2014/main" id="{8EA9FC9C-A6A3-1797-6C10-2D6B5EBA6B62}"/>
-                </a:ext>
-              </a:extLst>
-            </p:cNvPr>
-            <p:cNvSpPr/>
-            <p:nvPr/>
-          </p:nvSpPr>
-          <p:spPr>
-            <a:xfrm>
-              <a:off x="4049064" y="833763"/>
-              <a:ext cx="1220913" cy="427703"/>
-            </a:xfrm>
-            <a:prstGeom prst="roundRect">
-              <a:avLst/>
-            </a:prstGeom>
-          </p:spPr>
-          <p:style>
-            <a:lnRef idx="2">
-              <a:schemeClr val="accent1">
-                <a:shade val="15000"/>
-              </a:schemeClr>
-            </a:lnRef>
-            <a:fillRef idx="1">
-              <a:schemeClr val="accent1"/>
-            </a:fillRef>
-            <a:effectRef idx="0">
-              <a:schemeClr val="accent1"/>
-            </a:effectRef>
-            <a:fontRef idx="minor">
-              <a:schemeClr val="lt1"/>
-            </a:fontRef>
-          </p:style>
-          <p:txBody>
-            <a:bodyPr rtlCol="0" anchor="ctr"/>
-            <a:lstStyle/>
-            <a:p>
-              <a:pPr algn="ctr"/>
-              <a:r>
-                <a:rPr lang="en-VN" dirty="0"/>
-                <a:t>Input</a:t>
-              </a:r>
-            </a:p>
-          </p:txBody>
-        </p:sp>
-        <p:sp>
-          <p:nvSpPr>
-            <p:cNvPr id="53" name="Rounded Rectangle 52">
-              <a:extLst>
-                <a:ext uri="{FF2B5EF4-FFF2-40B4-BE49-F238E27FC236}">
-                  <a16:creationId xmlns:a16="http://schemas.microsoft.com/office/drawing/2014/main" id="{6BB83B10-5068-E473-0BCC-FC69F8226BB1}"/>
-                </a:ext>
-              </a:extLst>
-            </p:cNvPr>
-            <p:cNvSpPr/>
-            <p:nvPr/>
-          </p:nvSpPr>
-          <p:spPr>
-            <a:xfrm>
-              <a:off x="9135389" y="835940"/>
-              <a:ext cx="1220913" cy="427703"/>
-            </a:xfrm>
-            <a:prstGeom prst="roundRect">
-              <a:avLst/>
-            </a:prstGeom>
-          </p:spPr>
-          <p:style>
-            <a:lnRef idx="2">
-              <a:schemeClr val="accent1">
-                <a:shade val="15000"/>
-              </a:schemeClr>
-            </a:lnRef>
-            <a:fillRef idx="1">
-              <a:schemeClr val="accent1"/>
-            </a:fillRef>
-            <a:effectRef idx="0">
-              <a:schemeClr val="accent1"/>
-            </a:effectRef>
-            <a:fontRef idx="minor">
-              <a:schemeClr val="lt1"/>
-            </a:fontRef>
-          </p:style>
-          <p:txBody>
-            <a:bodyPr rtlCol="0" anchor="ctr"/>
-            <a:lstStyle/>
-            <a:p>
-              <a:pPr algn="ctr"/>
-              <a:r>
-                <a:rPr lang="en-VN" dirty="0"/>
-                <a:t>Input</a:t>
-              </a:r>
-            </a:p>
-          </p:txBody>
-        </p:sp>
-      </p:grpSp>
-      <p:grpSp>
-        <p:nvGrpSpPr>
-          <p:cNvPr id="99" name="Group 98">
-            <a:extLst>
-              <a:ext uri="{FF2B5EF4-FFF2-40B4-BE49-F238E27FC236}">
-                <a16:creationId xmlns:a16="http://schemas.microsoft.com/office/drawing/2014/main" id="{B6AE461D-13B9-9C06-3D1C-6A4716F6F47A}"/>
-              </a:ext>
-            </a:extLst>
-          </p:cNvPr>
-          <p:cNvGrpSpPr/>
-          <p:nvPr/>
-        </p:nvGrpSpPr>
-        <p:grpSpPr>
-          <a:xfrm>
-            <a:off x="487819" y="5085180"/>
-            <a:ext cx="9868483" cy="427704"/>
-            <a:chOff x="487819" y="5085180"/>
-            <a:chExt cx="9868483" cy="427704"/>
-          </a:xfrm>
-        </p:grpSpPr>
-        <p:sp>
-          <p:nvSpPr>
-            <p:cNvPr id="54" name="Rounded Rectangle 53">
-              <a:extLst>
-                <a:ext uri="{FF2B5EF4-FFF2-40B4-BE49-F238E27FC236}">
-                  <a16:creationId xmlns:a16="http://schemas.microsoft.com/office/drawing/2014/main" id="{2CB5E9C0-3154-6666-E706-CCCE32625DB2}"/>
-                </a:ext>
-              </a:extLst>
-            </p:cNvPr>
-            <p:cNvSpPr/>
-            <p:nvPr/>
-          </p:nvSpPr>
-          <p:spPr>
-            <a:xfrm>
-              <a:off x="487819" y="5085181"/>
-              <a:ext cx="1220913" cy="427703"/>
-            </a:xfrm>
-            <a:prstGeom prst="roundRect">
-              <a:avLst/>
-            </a:prstGeom>
-          </p:spPr>
-          <p:style>
-            <a:lnRef idx="2">
-              <a:schemeClr val="accent1">
-                <a:shade val="15000"/>
-              </a:schemeClr>
-            </a:lnRef>
-            <a:fillRef idx="1">
-              <a:schemeClr val="accent1"/>
-            </a:fillRef>
-            <a:effectRef idx="0">
-              <a:schemeClr val="accent1"/>
-            </a:effectRef>
-            <a:fontRef idx="minor">
-              <a:schemeClr val="lt1"/>
-            </a:fontRef>
-          </p:style>
-          <p:txBody>
-            <a:bodyPr rtlCol="0" anchor="ctr"/>
-            <a:lstStyle/>
-            <a:p>
-              <a:pPr algn="ctr"/>
-              <a:r>
-                <a:rPr lang="en-VN" dirty="0"/>
-                <a:t>Output</a:t>
-              </a:r>
-            </a:p>
-          </p:txBody>
-        </p:sp>
-        <p:sp>
-          <p:nvSpPr>
-            <p:cNvPr id="55" name="Rounded Rectangle 54">
-              <a:extLst>
-                <a:ext uri="{FF2B5EF4-FFF2-40B4-BE49-F238E27FC236}">
-                  <a16:creationId xmlns:a16="http://schemas.microsoft.com/office/drawing/2014/main" id="{0734D332-4017-F604-6936-39D5FE5828E9}"/>
-                </a:ext>
-              </a:extLst>
-            </p:cNvPr>
-            <p:cNvSpPr/>
-            <p:nvPr/>
-          </p:nvSpPr>
-          <p:spPr>
-            <a:xfrm>
-              <a:off x="4049064" y="5085180"/>
-              <a:ext cx="1220913" cy="427703"/>
-            </a:xfrm>
-            <a:prstGeom prst="roundRect">
-              <a:avLst/>
-            </a:prstGeom>
-          </p:spPr>
-          <p:style>
-            <a:lnRef idx="2">
-              <a:schemeClr val="accent1">
-                <a:shade val="15000"/>
-              </a:schemeClr>
-            </a:lnRef>
-            <a:fillRef idx="1">
-              <a:schemeClr val="accent1"/>
-            </a:fillRef>
-            <a:effectRef idx="0">
-              <a:schemeClr val="accent1"/>
-            </a:effectRef>
-            <a:fontRef idx="minor">
-              <a:schemeClr val="lt1"/>
-            </a:fontRef>
-          </p:style>
-          <p:txBody>
-            <a:bodyPr rtlCol="0" anchor="ctr"/>
-            <a:lstStyle/>
-            <a:p>
-              <a:pPr algn="ctr"/>
-              <a:r>
-                <a:rPr lang="en-VN" dirty="0"/>
-                <a:t>Output</a:t>
-              </a:r>
-            </a:p>
-          </p:txBody>
-        </p:sp>
-        <p:sp>
-          <p:nvSpPr>
-            <p:cNvPr id="56" name="Rounded Rectangle 55">
-              <a:extLst>
-                <a:ext uri="{FF2B5EF4-FFF2-40B4-BE49-F238E27FC236}">
-                  <a16:creationId xmlns:a16="http://schemas.microsoft.com/office/drawing/2014/main" id="{93E9E34B-3B0F-1E1C-22CE-C4CA4C5A2529}"/>
-                </a:ext>
-              </a:extLst>
-            </p:cNvPr>
-            <p:cNvSpPr/>
-            <p:nvPr/>
-          </p:nvSpPr>
-          <p:spPr>
-            <a:xfrm>
-              <a:off x="9135389" y="5085181"/>
-              <a:ext cx="1220913" cy="427703"/>
-            </a:xfrm>
-            <a:prstGeom prst="roundRect">
-              <a:avLst/>
-            </a:prstGeom>
-          </p:spPr>
-          <p:style>
-            <a:lnRef idx="2">
-              <a:schemeClr val="accent1">
-                <a:shade val="15000"/>
-              </a:schemeClr>
-            </a:lnRef>
-            <a:fillRef idx="1">
-              <a:schemeClr val="accent1"/>
-            </a:fillRef>
-            <a:effectRef idx="0">
-              <a:schemeClr val="accent1"/>
-            </a:effectRef>
-            <a:fontRef idx="minor">
-              <a:schemeClr val="lt1"/>
-            </a:fontRef>
-          </p:style>
-          <p:txBody>
-            <a:bodyPr rtlCol="0" anchor="ctr"/>
-            <a:lstStyle/>
-            <a:p>
-              <a:pPr algn="ctr"/>
-              <a:r>
-                <a:rPr lang="en-VN" dirty="0"/>
-                <a:t>Output</a:t>
-              </a:r>
-            </a:p>
-          </p:txBody>
-        </p:sp>
-      </p:grpSp>
-      <p:cxnSp>
-        <p:nvCxnSpPr>
-          <p:cNvPr id="58" name="Straight Arrow Connector 57">
-            <a:extLst>
-              <a:ext uri="{FF2B5EF4-FFF2-40B4-BE49-F238E27FC236}">
-                <a16:creationId xmlns:a16="http://schemas.microsoft.com/office/drawing/2014/main" id="{7A254E67-52D2-B3B0-314A-0243676E23EA}"/>
-              </a:ext>
-            </a:extLst>
-          </p:cNvPr>
-          <p:cNvCxnSpPr>
-            <a:cxnSpLocks/>
-            <a:stCxn id="51" idx="2"/>
-            <a:endCxn id="9" idx="0"/>
-          </p:cNvCxnSpPr>
-          <p:nvPr/>
-        </p:nvCxnSpPr>
-        <p:spPr>
-          <a:xfrm flipH="1">
-            <a:off x="1098275" y="1263644"/>
-            <a:ext cx="1" cy="651290"/>
-          </a:xfrm>
-          <a:prstGeom prst="straightConnector1">
-            <a:avLst/>
-          </a:prstGeom>
-          <a:ln>
-            <a:tailEnd type="triangle"/>
-          </a:ln>
-        </p:spPr>
-        <p:style>
-          <a:lnRef idx="2">
-            <a:schemeClr val="accent1"/>
-          </a:lnRef>
-          <a:fillRef idx="0">
-            <a:schemeClr val="accent1"/>
-          </a:fillRef>
-          <a:effectRef idx="1">
-            <a:schemeClr val="accent1"/>
-          </a:effectRef>
-          <a:fontRef idx="minor">
-            <a:schemeClr val="tx1"/>
-          </a:fontRef>
-        </p:style>
-      </p:cxnSp>
-      <p:cxnSp>
-        <p:nvCxnSpPr>
-          <p:cNvPr id="60" name="Straight Arrow Connector 59">
-            <a:extLst>
-              <a:ext uri="{FF2B5EF4-FFF2-40B4-BE49-F238E27FC236}">
-                <a16:creationId xmlns:a16="http://schemas.microsoft.com/office/drawing/2014/main" id="{05037386-95CC-5A86-22DC-68FDE251B2A1}"/>
-              </a:ext>
-            </a:extLst>
-          </p:cNvPr>
-          <p:cNvCxnSpPr>
-            <a:cxnSpLocks/>
-            <a:stCxn id="9" idx="2"/>
-            <a:endCxn id="6" idx="0"/>
-          </p:cNvCxnSpPr>
-          <p:nvPr/>
-        </p:nvCxnSpPr>
-        <p:spPr>
-          <a:xfrm>
-            <a:off x="1098275" y="3281675"/>
-            <a:ext cx="1" cy="682345"/>
-          </a:xfrm>
-          <a:prstGeom prst="straightConnector1">
-            <a:avLst/>
-          </a:prstGeom>
-          <a:ln>
-            <a:tailEnd type="triangle"/>
-          </a:ln>
-        </p:spPr>
-        <p:style>
-          <a:lnRef idx="2">
-            <a:schemeClr val="accent1"/>
-          </a:lnRef>
-          <a:fillRef idx="0">
-            <a:schemeClr val="accent1"/>
-          </a:fillRef>
-          <a:effectRef idx="1">
-            <a:schemeClr val="accent1"/>
-          </a:effectRef>
-          <a:fontRef idx="minor">
-            <a:schemeClr val="tx1"/>
-          </a:fontRef>
-        </p:style>
-      </p:cxnSp>
-      <p:cxnSp>
-        <p:nvCxnSpPr>
-          <p:cNvPr id="62" name="Straight Arrow Connector 61">
-            <a:extLst>
-              <a:ext uri="{FF2B5EF4-FFF2-40B4-BE49-F238E27FC236}">
-                <a16:creationId xmlns:a16="http://schemas.microsoft.com/office/drawing/2014/main" id="{B51B0826-ED68-FEA3-78BB-88112331A0F4}"/>
-              </a:ext>
-            </a:extLst>
-          </p:cNvPr>
-          <p:cNvCxnSpPr>
-            <a:stCxn id="6" idx="2"/>
-            <a:endCxn id="54" idx="0"/>
-          </p:cNvCxnSpPr>
-          <p:nvPr/>
-        </p:nvCxnSpPr>
-        <p:spPr>
-          <a:xfrm>
-            <a:off x="1098276" y="4324020"/>
-            <a:ext cx="0" cy="761161"/>
-          </a:xfrm>
-          <a:prstGeom prst="straightConnector1">
-            <a:avLst/>
-          </a:prstGeom>
-          <a:ln>
-            <a:tailEnd type="triangle"/>
-          </a:ln>
-        </p:spPr>
-        <p:style>
-          <a:lnRef idx="2">
-            <a:schemeClr val="accent1"/>
-          </a:lnRef>
-          <a:fillRef idx="0">
-            <a:schemeClr val="accent1"/>
-          </a:fillRef>
-          <a:effectRef idx="1">
-            <a:schemeClr val="accent1"/>
-          </a:effectRef>
-          <a:fontRef idx="minor">
-            <a:schemeClr val="tx1"/>
-          </a:fontRef>
-        </p:style>
-      </p:cxnSp>
-      <p:cxnSp>
-        <p:nvCxnSpPr>
-          <p:cNvPr id="78" name="Straight Arrow Connector 77">
-            <a:extLst>
-              <a:ext uri="{FF2B5EF4-FFF2-40B4-BE49-F238E27FC236}">
-                <a16:creationId xmlns:a16="http://schemas.microsoft.com/office/drawing/2014/main" id="{4E0DA025-6DB9-FC3B-E5F1-D9CCC6BFB735}"/>
-              </a:ext>
-            </a:extLst>
-          </p:cNvPr>
-          <p:cNvCxnSpPr>
-            <a:cxnSpLocks/>
-            <a:stCxn id="52" idx="2"/>
-            <a:endCxn id="18" idx="0"/>
-          </p:cNvCxnSpPr>
-          <p:nvPr/>
-        </p:nvCxnSpPr>
-        <p:spPr>
-          <a:xfrm flipH="1">
-            <a:off x="4653552" y="1261466"/>
-            <a:ext cx="5969" cy="589113"/>
-          </a:xfrm>
-          <a:prstGeom prst="straightConnector1">
-            <a:avLst/>
-          </a:prstGeom>
-          <a:ln>
-            <a:tailEnd type="triangle"/>
-          </a:ln>
-        </p:spPr>
-        <p:style>
-          <a:lnRef idx="2">
-            <a:schemeClr val="accent1"/>
-          </a:lnRef>
-          <a:fillRef idx="0">
-            <a:schemeClr val="accent1"/>
-          </a:fillRef>
-          <a:effectRef idx="1">
-            <a:schemeClr val="accent1"/>
-          </a:effectRef>
-          <a:fontRef idx="minor">
-            <a:schemeClr val="tx1"/>
-          </a:fontRef>
-        </p:style>
-      </p:cxnSp>
-      <p:cxnSp>
-        <p:nvCxnSpPr>
-          <p:cNvPr id="85" name="Straight Arrow Connector 84">
-            <a:extLst>
-              <a:ext uri="{FF2B5EF4-FFF2-40B4-BE49-F238E27FC236}">
-                <a16:creationId xmlns:a16="http://schemas.microsoft.com/office/drawing/2014/main" id="{CF55A5AB-5E38-92F6-848F-072B42595ABE}"/>
-              </a:ext>
-            </a:extLst>
-          </p:cNvPr>
-          <p:cNvCxnSpPr>
-            <a:cxnSpLocks/>
-            <a:stCxn id="18" idx="2"/>
-            <a:endCxn id="13" idx="0"/>
-          </p:cNvCxnSpPr>
-          <p:nvPr/>
-        </p:nvCxnSpPr>
-        <p:spPr>
-          <a:xfrm>
-            <a:off x="4653552" y="3281676"/>
-            <a:ext cx="5968" cy="676738"/>
-          </a:xfrm>
-          <a:prstGeom prst="straightConnector1">
-            <a:avLst/>
-          </a:prstGeom>
-          <a:ln>
-            <a:tailEnd type="triangle"/>
-          </a:ln>
-        </p:spPr>
-        <p:style>
-          <a:lnRef idx="2">
-            <a:schemeClr val="accent1"/>
-          </a:lnRef>
-          <a:fillRef idx="0">
-            <a:schemeClr val="accent1"/>
-          </a:fillRef>
-          <a:effectRef idx="1">
-            <a:schemeClr val="accent1"/>
-          </a:effectRef>
-          <a:fontRef idx="minor">
-            <a:schemeClr val="tx1"/>
-          </a:fontRef>
-        </p:style>
-      </p:cxnSp>
-      <p:cxnSp>
-        <p:nvCxnSpPr>
-          <p:cNvPr id="87" name="Straight Arrow Connector 86">
-            <a:extLst>
-              <a:ext uri="{FF2B5EF4-FFF2-40B4-BE49-F238E27FC236}">
-                <a16:creationId xmlns:a16="http://schemas.microsoft.com/office/drawing/2014/main" id="{F3DA74F7-4540-56BC-8B60-B75B6FD3C7A4}"/>
-              </a:ext>
-            </a:extLst>
-          </p:cNvPr>
-          <p:cNvCxnSpPr>
-            <a:stCxn id="13" idx="2"/>
-            <a:endCxn id="55" idx="0"/>
-          </p:cNvCxnSpPr>
-          <p:nvPr/>
-        </p:nvCxnSpPr>
-        <p:spPr>
-          <a:xfrm>
-            <a:off x="4659520" y="4318414"/>
-            <a:ext cx="1" cy="766766"/>
-          </a:xfrm>
-          <a:prstGeom prst="straightConnector1">
-            <a:avLst/>
-          </a:prstGeom>
-          <a:ln>
-            <a:tailEnd type="triangle"/>
-          </a:ln>
-        </p:spPr>
-        <p:style>
-          <a:lnRef idx="2">
-            <a:schemeClr val="accent1"/>
-          </a:lnRef>
-          <a:fillRef idx="0">
-            <a:schemeClr val="accent1"/>
-          </a:fillRef>
-          <a:effectRef idx="1">
-            <a:schemeClr val="accent1"/>
-          </a:effectRef>
-          <a:fontRef idx="minor">
-            <a:schemeClr val="tx1"/>
-          </a:fontRef>
-        </p:style>
-      </p:cxnSp>
-      <p:cxnSp>
-        <p:nvCxnSpPr>
-          <p:cNvPr id="89" name="Straight Arrow Connector 88">
-            <a:extLst>
-              <a:ext uri="{FF2B5EF4-FFF2-40B4-BE49-F238E27FC236}">
-                <a16:creationId xmlns:a16="http://schemas.microsoft.com/office/drawing/2014/main" id="{11516B74-D46A-94AF-969E-FF67543635A8}"/>
-              </a:ext>
-            </a:extLst>
-          </p:cNvPr>
-          <p:cNvCxnSpPr>
-            <a:cxnSpLocks/>
-            <a:stCxn id="53" idx="2"/>
-            <a:endCxn id="28" idx="0"/>
-          </p:cNvCxnSpPr>
-          <p:nvPr/>
-        </p:nvCxnSpPr>
-        <p:spPr>
-          <a:xfrm flipH="1">
-            <a:off x="9745845" y="1263643"/>
-            <a:ext cx="1" cy="586936"/>
-          </a:xfrm>
-          <a:prstGeom prst="straightConnector1">
-            <a:avLst/>
-          </a:prstGeom>
-          <a:ln>
-            <a:tailEnd type="triangle"/>
-          </a:ln>
-        </p:spPr>
-        <p:style>
-          <a:lnRef idx="2">
-            <a:schemeClr val="accent1"/>
-          </a:lnRef>
-          <a:fillRef idx="0">
-            <a:schemeClr val="accent1"/>
-          </a:fillRef>
-          <a:effectRef idx="1">
-            <a:schemeClr val="accent1"/>
-          </a:effectRef>
-          <a:fontRef idx="minor">
-            <a:schemeClr val="tx1"/>
-          </a:fontRef>
-        </p:style>
-      </p:cxnSp>
-      <p:cxnSp>
-        <p:nvCxnSpPr>
-          <p:cNvPr id="93" name="Straight Arrow Connector 92">
-            <a:extLst>
-              <a:ext uri="{FF2B5EF4-FFF2-40B4-BE49-F238E27FC236}">
-                <a16:creationId xmlns:a16="http://schemas.microsoft.com/office/drawing/2014/main" id="{29153E38-1E9E-AD2C-1856-472C2D07D446}"/>
-              </a:ext>
-            </a:extLst>
-          </p:cNvPr>
-          <p:cNvCxnSpPr>
-            <a:cxnSpLocks/>
-            <a:stCxn id="28" idx="2"/>
-            <a:endCxn id="30" idx="0"/>
-          </p:cNvCxnSpPr>
-          <p:nvPr/>
-        </p:nvCxnSpPr>
-        <p:spPr>
-          <a:xfrm>
-            <a:off x="9745845" y="3346032"/>
-            <a:ext cx="1" cy="617988"/>
-          </a:xfrm>
-          <a:prstGeom prst="straightConnector1">
-            <a:avLst/>
-          </a:prstGeom>
-          <a:ln>
-            <a:tailEnd type="triangle"/>
-          </a:ln>
-        </p:spPr>
-        <p:style>
-          <a:lnRef idx="2">
-            <a:schemeClr val="accent1"/>
-          </a:lnRef>
-          <a:fillRef idx="0">
-            <a:schemeClr val="accent1"/>
-          </a:fillRef>
-          <a:effectRef idx="1">
-            <a:schemeClr val="accent1"/>
-          </a:effectRef>
-          <a:fontRef idx="minor">
-            <a:schemeClr val="tx1"/>
-          </a:fontRef>
-        </p:style>
-      </p:cxnSp>
-      <p:cxnSp>
-        <p:nvCxnSpPr>
-          <p:cNvPr id="95" name="Straight Arrow Connector 94">
-            <a:extLst>
-              <a:ext uri="{FF2B5EF4-FFF2-40B4-BE49-F238E27FC236}">
-                <a16:creationId xmlns:a16="http://schemas.microsoft.com/office/drawing/2014/main" id="{A3E4150F-DC94-1BB2-5063-4B092B69CEAD}"/>
-              </a:ext>
-            </a:extLst>
-          </p:cNvPr>
-          <p:cNvCxnSpPr>
-            <a:stCxn id="30" idx="2"/>
-            <a:endCxn id="56" idx="0"/>
-          </p:cNvCxnSpPr>
-          <p:nvPr/>
-        </p:nvCxnSpPr>
-        <p:spPr>
-          <a:xfrm>
-            <a:off x="9745846" y="4324020"/>
-            <a:ext cx="0" cy="761161"/>
-          </a:xfrm>
-          <a:prstGeom prst="straightConnector1">
-            <a:avLst/>
-          </a:prstGeom>
-          <a:ln>
-            <a:tailEnd type="triangle"/>
-          </a:ln>
-        </p:spPr>
-        <p:style>
-          <a:lnRef idx="2">
-            <a:schemeClr val="accent1"/>
-          </a:lnRef>
-          <a:fillRef idx="0">
-            <a:schemeClr val="accent1"/>
-          </a:fillRef>
-          <a:effectRef idx="1">
-            <a:schemeClr val="accent1"/>
-          </a:effectRef>
-          <a:fontRef idx="minor">
-            <a:schemeClr val="tx1"/>
-          </a:fontRef>
-        </p:style>
-      </p:cxnSp>
-      <mc:AlternateContent xmlns:mc="http://schemas.openxmlformats.org/markup-compatibility/2006" xmlns:a14="http://schemas.microsoft.com/office/drawing/2010/main">
-        <mc:Choice Requires="a14">
-          <p:sp>
-            <p:nvSpPr>
-              <p:cNvPr id="2" name="Rounded Rectangle 1">
-                <a:extLst>
-                  <a:ext uri="{FF2B5EF4-FFF2-40B4-BE49-F238E27FC236}">
-                    <a16:creationId xmlns:a16="http://schemas.microsoft.com/office/drawing/2014/main" id="{EBFB2573-7A9C-F8BC-F40B-5925F4E414BA}"/>
-                  </a:ext>
-                </a:extLst>
-              </p:cNvPr>
-              <p:cNvSpPr/>
-              <p:nvPr/>
-            </p:nvSpPr>
-            <p:spPr>
-              <a:xfrm>
-                <a:off x="699633" y="1986522"/>
-                <a:ext cx="797281" cy="407773"/>
-              </a:xfrm>
-              <a:prstGeom prst="roundRect">
-                <a:avLst/>
-              </a:prstGeom>
-            </p:spPr>
-            <p:style>
-              <a:lnRef idx="2">
-                <a:schemeClr val="accent1">
-                  <a:shade val="15000"/>
-                </a:schemeClr>
-              </a:lnRef>
-              <a:fillRef idx="1">
-                <a:schemeClr val="accent1"/>
-              </a:fillRef>
-              <a:effectRef idx="0">
-                <a:schemeClr val="accent1"/>
-              </a:effectRef>
-              <a:fontRef idx="minor">
-                <a:schemeClr val="lt1"/>
-              </a:fontRef>
-            </p:style>
-            <p:txBody>
-              <a:bodyPr rtlCol="0" anchor="ctr"/>
-              <a:lstStyle/>
-              <a:p>
-                <a:pPr algn="ctr"/>
-                <a14:m>
-                  <m:oMathPara xmlns:m="http://schemas.openxmlformats.org/officeDocument/2006/math">
-                    <m:oMathParaPr>
-                      <m:jc m:val="centerGroup"/>
-                    </m:oMathParaPr>
-                    <m:oMath xmlns:m="http://schemas.openxmlformats.org/officeDocument/2006/math">
-                      <m:sSub>
-                        <m:sSubPr>
-                          <m:ctrlPr>
-                            <a:rPr lang="en-VN" i="1" smtClean="0">
-                              <a:latin typeface="Cambria Math" panose="02040503050406030204" pitchFamily="18" charset="0"/>
-                            </a:rPr>
-                          </m:ctrlPr>
-                        </m:sSubPr>
-                        <m:e>
-                          <m:r>
-                            <m:rPr>
-                              <m:sty m:val="p"/>
-                            </m:rPr>
-                            <a:rPr lang="el-GR" i="1" smtClean="0">
-                              <a:latin typeface="Cambria Math" panose="02040503050406030204" pitchFamily="18" charset="0"/>
-                              <a:ea typeface="Cambria Math" panose="02040503050406030204" pitchFamily="18" charset="0"/>
-                            </a:rPr>
-                            <m:t>Φ</m:t>
-                          </m:r>
-                        </m:e>
-                        <m:sub>
-                          <m:r>
-                            <a:rPr lang="en-US" b="0" i="1" smtClean="0">
-                              <a:latin typeface="Cambria Math" panose="02040503050406030204" pitchFamily="18" charset="0"/>
-                            </a:rPr>
-                            <m:t>𝑔</m:t>
-                          </m:r>
-                        </m:sub>
-                      </m:sSub>
-                    </m:oMath>
-                  </m:oMathPara>
-                </a14:m>
-                <a:endParaRPr lang="en-VN" dirty="0"/>
-              </a:p>
-            </p:txBody>
-          </p:sp>
-        </mc:Choice>
-        <mc:Fallback xmlns="">
-          <p:sp>
-            <p:nvSpPr>
-              <p:cNvPr id="2" name="Rounded Rectangle 1">
-                <a:extLst>
-                  <a:ext uri="{FF2B5EF4-FFF2-40B4-BE49-F238E27FC236}">
-                    <a16:creationId xmlns:a16="http://schemas.microsoft.com/office/drawing/2014/main" id="{EBFB2573-7A9C-F8BC-F40B-5925F4E414BA}"/>
-                  </a:ext>
-                </a:extLst>
-              </p:cNvPr>
-              <p:cNvSpPr>
-                <a:spLocks noRot="1" noChangeAspect="1" noMove="1" noResize="1" noEditPoints="1" noAdjustHandles="1" noChangeArrowheads="1" noChangeShapeType="1" noTextEdit="1"/>
-              </p:cNvSpPr>
-              <p:nvPr/>
-            </p:nvSpPr>
-            <p:spPr>
-              <a:xfrm>
-                <a:off x="699633" y="1986522"/>
-                <a:ext cx="797281" cy="407773"/>
-              </a:xfrm>
-              <a:prstGeom prst="roundRect">
-                <a:avLst/>
-              </a:prstGeom>
-              <a:blipFill>
-                <a:blip r:embed="rId7"/>
-                <a:stretch>
-                  <a:fillRect/>
-                </a:stretch>
-              </a:blipFill>
-            </p:spPr>
-            <p:txBody>
-              <a:bodyPr/>
-              <a:lstStyle/>
-              <a:p>
-                <a:r>
-                  <a:rPr lang="en-VN">
-                    <a:noFill/>
-                  </a:rPr>
-                  <a:t> </a:t>
-                </a:r>
-              </a:p>
-            </p:txBody>
-          </p:sp>
-        </mc:Fallback>
-      </mc:AlternateContent>
-      <mc:AlternateContent xmlns:mc="http://schemas.openxmlformats.org/markup-compatibility/2006">
-        <mc:Choice xmlns:a14="http://schemas.microsoft.com/office/drawing/2010/main" Requires="a14">
-          <p:sp>
-            <p:nvSpPr>
-              <p:cNvPr id="3" name="Rounded Rectangle 2">
-                <a:extLst>
-                  <a:ext uri="{FF2B5EF4-FFF2-40B4-BE49-F238E27FC236}">
-                    <a16:creationId xmlns:a16="http://schemas.microsoft.com/office/drawing/2014/main" id="{87B1B1D5-E602-E503-32FA-AF0E08B613FF}"/>
-                  </a:ext>
-                </a:extLst>
-              </p:cNvPr>
-              <p:cNvSpPr/>
-              <p:nvPr/>
-            </p:nvSpPr>
-            <p:spPr>
-              <a:xfrm>
-                <a:off x="697719" y="2576801"/>
-                <a:ext cx="797282" cy="407773"/>
-              </a:xfrm>
-              <a:prstGeom prst="roundRect">
-                <a:avLst/>
-              </a:prstGeom>
-            </p:spPr>
-            <p:style>
-              <a:lnRef idx="2">
-                <a:schemeClr val="accent1">
-                  <a:shade val="15000"/>
-                </a:schemeClr>
-              </a:lnRef>
-              <a:fillRef idx="1">
-                <a:schemeClr val="accent1"/>
-              </a:fillRef>
-              <a:effectRef idx="0">
-                <a:schemeClr val="accent1"/>
-              </a:effectRef>
-              <a:fontRef idx="minor">
-                <a:schemeClr val="lt1"/>
-              </a:fontRef>
-            </p:style>
-            <p:txBody>
-              <a:bodyPr rtlCol="0" anchor="ctr"/>
-              <a:lstStyle/>
-              <a:p>
-                <a:pPr algn="ctr"/>
-                <a14:m>
-                  <m:oMathPara xmlns:m="http://schemas.openxmlformats.org/officeDocument/2006/math">
-                    <m:oMathParaPr>
-                      <m:jc m:val="centerGroup"/>
-                    </m:oMathParaPr>
-                    <m:oMath xmlns:m="http://schemas.openxmlformats.org/officeDocument/2006/math">
-                      <m:sSub>
-                        <m:sSubPr>
-                          <m:ctrlPr>
-                            <a:rPr lang="en-VN" i="1" smtClean="0">
-                              <a:latin typeface="Cambria Math" panose="02040503050406030204" pitchFamily="18" charset="0"/>
-                            </a:rPr>
-                          </m:ctrlPr>
-                        </m:sSubPr>
-                        <m:e>
-                          <m:r>
-                            <m:rPr>
-                              <m:sty m:val="p"/>
-                            </m:rPr>
-                            <a:rPr lang="el-GR" i="1" smtClean="0">
-                              <a:latin typeface="Cambria Math" panose="02040503050406030204" pitchFamily="18" charset="0"/>
-                              <a:ea typeface="Cambria Math" panose="02040503050406030204" pitchFamily="18" charset="0"/>
-                            </a:rPr>
-                            <m:t>Φ</m:t>
-                          </m:r>
-                        </m:e>
-                        <m:sub>
-                          <m:sSub>
-                            <m:sSubPr>
-                              <m:ctrlPr>
-                                <a:rPr lang="en-VN" i="1" smtClean="0">
-                                  <a:latin typeface="Cambria Math" panose="02040503050406030204" pitchFamily="18" charset="0"/>
-                                </a:rPr>
-                              </m:ctrlPr>
-                            </m:sSubPr>
-                            <m:e>
-                              <m:r>
-                                <a:rPr lang="en-US" b="0" i="1" smtClean="0">
-                                  <a:latin typeface="Cambria Math" panose="02040503050406030204" pitchFamily="18" charset="0"/>
-                                </a:rPr>
-                                <m:t>𝑠</m:t>
-                              </m:r>
-                            </m:e>
-                            <m:sub>
-                              <m:r>
-                                <a:rPr lang="en-US" b="0" i="1" smtClean="0">
-                                  <a:latin typeface="Cambria Math" panose="02040503050406030204" pitchFamily="18" charset="0"/>
-                                </a:rPr>
-                                <m:t>1</m:t>
-                              </m:r>
-                            </m:sub>
-                          </m:sSub>
-                        </m:sub>
-                      </m:sSub>
-                    </m:oMath>
-                  </m:oMathPara>
-                </a14:m>
-                <a:endParaRPr lang="en-VN" dirty="0"/>
-              </a:p>
-            </p:txBody>
-          </p:sp>
-        </mc:Choice>
-        <mc:Fallback>
-          <p:sp>
-            <p:nvSpPr>
-              <p:cNvPr id="3" name="Rounded Rectangle 2">
-                <a:extLst>
-                  <a:ext uri="{FF2B5EF4-FFF2-40B4-BE49-F238E27FC236}">
-                    <a16:creationId xmlns:a16="http://schemas.microsoft.com/office/drawing/2014/main" id="{87B1B1D5-E602-E503-32FA-AF0E08B613FF}"/>
-                  </a:ext>
-                </a:extLst>
-              </p:cNvPr>
-              <p:cNvSpPr>
-                <a:spLocks noRot="1" noChangeAspect="1" noMove="1" noResize="1" noEditPoints="1" noAdjustHandles="1" noChangeArrowheads="1" noChangeShapeType="1" noTextEdit="1"/>
-              </p:cNvSpPr>
-              <p:nvPr/>
-            </p:nvSpPr>
-            <p:spPr>
-              <a:xfrm>
-                <a:off x="697719" y="2576801"/>
-                <a:ext cx="797282" cy="407773"/>
-              </a:xfrm>
-              <a:prstGeom prst="roundRect">
-                <a:avLst/>
-              </a:prstGeom>
-              <a:blipFill>
-                <a:blip r:embed="rId8"/>
-                <a:stretch>
-                  <a:fillRect/>
-                </a:stretch>
-              </a:blipFill>
-            </p:spPr>
-            <p:txBody>
-              <a:bodyPr/>
-              <a:lstStyle/>
-              <a:p>
-                <a:r>
-                  <a:rPr lang="en-VN">
-                    <a:noFill/>
-                  </a:rPr>
-                  <a:t> </a:t>
-                </a:r>
-              </a:p>
-            </p:txBody>
-          </p:sp>
-        </mc:Fallback>
-      </mc:AlternateContent>
-      <mc:AlternateContent xmlns:mc="http://schemas.openxmlformats.org/markup-compatibility/2006" xmlns:a14="http://schemas.microsoft.com/office/drawing/2010/main">
-        <mc:Choice Requires="a14">
-          <p:sp>
-            <p:nvSpPr>
-              <p:cNvPr id="7" name="Rounded Rectangle 6">
-                <a:extLst>
-                  <a:ext uri="{FF2B5EF4-FFF2-40B4-BE49-F238E27FC236}">
-                    <a16:creationId xmlns:a16="http://schemas.microsoft.com/office/drawing/2014/main" id="{96309B5D-333A-8074-8499-AE0F7326E465}"/>
-                  </a:ext>
-                </a:extLst>
-              </p:cNvPr>
-              <p:cNvSpPr/>
-              <p:nvPr/>
-            </p:nvSpPr>
-            <p:spPr>
-              <a:xfrm>
-                <a:off x="4185725" y="1986521"/>
-                <a:ext cx="797282" cy="407773"/>
-              </a:xfrm>
-              <a:prstGeom prst="roundRect">
-                <a:avLst/>
-              </a:prstGeom>
-            </p:spPr>
-            <p:style>
-              <a:lnRef idx="2">
-                <a:schemeClr val="accent1">
-                  <a:shade val="15000"/>
-                </a:schemeClr>
-              </a:lnRef>
-              <a:fillRef idx="1">
-                <a:schemeClr val="accent1"/>
-              </a:fillRef>
-              <a:effectRef idx="0">
-                <a:schemeClr val="accent1"/>
-              </a:effectRef>
-              <a:fontRef idx="minor">
-                <a:schemeClr val="lt1"/>
-              </a:fontRef>
-            </p:style>
-            <p:txBody>
-              <a:bodyPr rtlCol="0" anchor="ctr"/>
-              <a:lstStyle/>
-              <a:p>
-                <a:pPr algn="ctr"/>
-                <a14:m>
-                  <m:oMathPara xmlns:m="http://schemas.openxmlformats.org/officeDocument/2006/math">
-                    <m:oMathParaPr>
-                      <m:jc m:val="centerGroup"/>
-                    </m:oMathParaPr>
-                    <m:oMath xmlns:m="http://schemas.openxmlformats.org/officeDocument/2006/math">
-                      <m:sSub>
-                        <m:sSubPr>
-                          <m:ctrlPr>
-                            <a:rPr lang="en-VN" i="1" smtClean="0">
-                              <a:latin typeface="Cambria Math" panose="02040503050406030204" pitchFamily="18" charset="0"/>
-                            </a:rPr>
-                          </m:ctrlPr>
-                        </m:sSubPr>
-                        <m:e>
-                          <m:r>
-                            <m:rPr>
-                              <m:sty m:val="p"/>
-                            </m:rPr>
-                            <a:rPr lang="el-GR" i="1" smtClean="0">
-                              <a:latin typeface="Cambria Math" panose="02040503050406030204" pitchFamily="18" charset="0"/>
-                              <a:ea typeface="Cambria Math" panose="02040503050406030204" pitchFamily="18" charset="0"/>
-                            </a:rPr>
-                            <m:t>Φ</m:t>
-                          </m:r>
-                        </m:e>
-                        <m:sub>
-                          <m:r>
-                            <a:rPr lang="en-US" b="0" i="1" smtClean="0">
-                              <a:latin typeface="Cambria Math" panose="02040503050406030204" pitchFamily="18" charset="0"/>
-                            </a:rPr>
-                            <m:t>𝑔</m:t>
-                          </m:r>
-                        </m:sub>
-                      </m:sSub>
-                    </m:oMath>
-                  </m:oMathPara>
-                </a14:m>
-                <a:endParaRPr lang="en-VN" dirty="0"/>
-              </a:p>
-            </p:txBody>
-          </p:sp>
-        </mc:Choice>
-        <mc:Fallback xmlns="">
-          <p:sp>
-            <p:nvSpPr>
-              <p:cNvPr id="7" name="Rounded Rectangle 6">
-                <a:extLst>
-                  <a:ext uri="{FF2B5EF4-FFF2-40B4-BE49-F238E27FC236}">
-                    <a16:creationId xmlns:a16="http://schemas.microsoft.com/office/drawing/2014/main" id="{96309B5D-333A-8074-8499-AE0F7326E465}"/>
-                  </a:ext>
-                </a:extLst>
-              </p:cNvPr>
-              <p:cNvSpPr>
-                <a:spLocks noRot="1" noChangeAspect="1" noMove="1" noResize="1" noEditPoints="1" noAdjustHandles="1" noChangeArrowheads="1" noChangeShapeType="1" noTextEdit="1"/>
-              </p:cNvSpPr>
-              <p:nvPr/>
-            </p:nvSpPr>
-            <p:spPr>
-              <a:xfrm>
-                <a:off x="4185725" y="1986521"/>
-                <a:ext cx="797282" cy="407773"/>
-              </a:xfrm>
-              <a:prstGeom prst="roundRect">
-                <a:avLst/>
-              </a:prstGeom>
-              <a:blipFill>
-                <a:blip r:embed="rId9"/>
-                <a:stretch>
-                  <a:fillRect/>
-                </a:stretch>
-              </a:blipFill>
-            </p:spPr>
-            <p:txBody>
-              <a:bodyPr/>
-              <a:lstStyle/>
-              <a:p>
-                <a:r>
-                  <a:rPr lang="en-VN">
-                    <a:noFill/>
-                  </a:rPr>
-                  <a:t> </a:t>
-                </a:r>
-              </a:p>
-            </p:txBody>
-          </p:sp>
-        </mc:Fallback>
-      </mc:AlternateContent>
-      <p:sp>
-        <p:nvSpPr>
-          <p:cNvPr id="24" name="Rounded Rectangle 23">
-            <a:extLst>
-              <a:ext uri="{FF2B5EF4-FFF2-40B4-BE49-F238E27FC236}">
-                <a16:creationId xmlns:a16="http://schemas.microsoft.com/office/drawing/2014/main" id="{B753941A-10A3-2229-4BB5-0DB50837772F}"/>
-              </a:ext>
-            </a:extLst>
-          </p:cNvPr>
-          <p:cNvSpPr/>
-          <p:nvPr/>
-        </p:nvSpPr>
-        <p:spPr>
-          <a:xfrm>
-            <a:off x="3453914" y="2490804"/>
-            <a:ext cx="2399276" cy="640523"/>
-          </a:xfrm>
-          <a:prstGeom prst="roundRect">
-            <a:avLst/>
-          </a:prstGeom>
-          <a:solidFill>
-            <a:schemeClr val="accent2"/>
-          </a:solidFill>
-        </p:spPr>
-        <p:style>
-          <a:lnRef idx="2">
-            <a:schemeClr val="accent1">
-              <a:shade val="15000"/>
-            </a:schemeClr>
-          </a:lnRef>
-          <a:fillRef idx="1">
-            <a:schemeClr val="accent1"/>
-          </a:fillRef>
-          <a:effectRef idx="0">
-            <a:schemeClr val="accent1"/>
-          </a:effectRef>
-          <a:fontRef idx="minor">
-            <a:schemeClr val="lt1"/>
-          </a:fontRef>
-        </p:style>
-        <p:txBody>
-          <a:bodyPr rtlCol="0" anchor="ctr"/>
-          <a:lstStyle/>
-          <a:p>
-            <a:pPr algn="ctr"/>
-            <a:endParaRPr lang="en-VN"/>
-          </a:p>
-        </p:txBody>
-      </p:sp>
-      <mc:AlternateContent xmlns:mc="http://schemas.openxmlformats.org/markup-compatibility/2006">
-        <mc:Choice xmlns:a14="http://schemas.microsoft.com/office/drawing/2010/main" Requires="a14">
-          <p:sp>
-            <p:nvSpPr>
-              <p:cNvPr id="8" name="Rounded Rectangle 7">
-                <a:extLst>
-                  <a:ext uri="{FF2B5EF4-FFF2-40B4-BE49-F238E27FC236}">
-                    <a16:creationId xmlns:a16="http://schemas.microsoft.com/office/drawing/2014/main" id="{18A7F0F1-D3B1-741E-C623-436F122C38FE}"/>
-                  </a:ext>
-                </a:extLst>
-              </p:cNvPr>
-              <p:cNvSpPr/>
-              <p:nvPr/>
-            </p:nvSpPr>
-            <p:spPr>
-              <a:xfrm>
-                <a:off x="4865134" y="2599074"/>
-                <a:ext cx="797283" cy="401142"/>
-              </a:xfrm>
-              <a:prstGeom prst="roundRect">
-                <a:avLst/>
-              </a:prstGeom>
-            </p:spPr>
-            <p:style>
-              <a:lnRef idx="2">
-                <a:schemeClr val="accent1">
-                  <a:shade val="15000"/>
-                </a:schemeClr>
-              </a:lnRef>
-              <a:fillRef idx="1">
-                <a:schemeClr val="accent1"/>
-              </a:fillRef>
-              <a:effectRef idx="0">
-                <a:schemeClr val="accent1"/>
-              </a:effectRef>
-              <a:fontRef idx="minor">
-                <a:schemeClr val="lt1"/>
-              </a:fontRef>
-            </p:style>
-            <p:txBody>
-              <a:bodyPr rtlCol="0" anchor="ctr"/>
-              <a:lstStyle/>
-              <a:p>
-                <a:pPr algn="ctr"/>
-                <a14:m>
-                  <m:oMathPara xmlns:m="http://schemas.openxmlformats.org/officeDocument/2006/math">
-                    <m:oMathParaPr>
-                      <m:jc m:val="centerGroup"/>
-                    </m:oMathParaPr>
-                    <m:oMath xmlns:m="http://schemas.openxmlformats.org/officeDocument/2006/math">
-                      <m:sSub>
-                        <m:sSubPr>
-                          <m:ctrlPr>
-                            <a:rPr lang="en-VN" i="1" smtClean="0">
-                              <a:latin typeface="Cambria Math" panose="02040503050406030204" pitchFamily="18" charset="0"/>
-                            </a:rPr>
-                          </m:ctrlPr>
-                        </m:sSubPr>
-                        <m:e>
-                          <m:r>
-                            <m:rPr>
-                              <m:sty m:val="p"/>
-                            </m:rPr>
-                            <a:rPr lang="el-GR" i="1" smtClean="0">
-                              <a:latin typeface="Cambria Math" panose="02040503050406030204" pitchFamily="18" charset="0"/>
-                              <a:ea typeface="Cambria Math" panose="02040503050406030204" pitchFamily="18" charset="0"/>
-                            </a:rPr>
-                            <m:t>Φ</m:t>
-                          </m:r>
-                        </m:e>
-                        <m:sub>
-                          <m:sSub>
-                            <m:sSubPr>
-                              <m:ctrlPr>
-                                <a:rPr lang="en-VN" i="1" smtClean="0">
-                                  <a:latin typeface="Cambria Math" panose="02040503050406030204" pitchFamily="18" charset="0"/>
-                                </a:rPr>
-                              </m:ctrlPr>
-                            </m:sSubPr>
-                            <m:e>
-                              <m:r>
-                                <a:rPr lang="en-US" b="0" i="1" smtClean="0">
-                                  <a:latin typeface="Cambria Math" panose="02040503050406030204" pitchFamily="18" charset="0"/>
-                                </a:rPr>
-                                <m:t>𝑠</m:t>
-                              </m:r>
-                            </m:e>
-                            <m:sub>
-                              <m:r>
-                                <a:rPr lang="en-US" b="0" i="1" smtClean="0">
-                                  <a:latin typeface="Cambria Math" panose="02040503050406030204" pitchFamily="18" charset="0"/>
-                                </a:rPr>
-                                <m:t>2</m:t>
-                              </m:r>
-                            </m:sub>
-                          </m:sSub>
-                        </m:sub>
-                      </m:sSub>
-                    </m:oMath>
-                  </m:oMathPara>
-                </a14:m>
-                <a:endParaRPr lang="en-VN" dirty="0"/>
-              </a:p>
-            </p:txBody>
-          </p:sp>
-        </mc:Choice>
-        <mc:Fallback>
-          <p:sp>
-            <p:nvSpPr>
-              <p:cNvPr id="8" name="Rounded Rectangle 7">
-                <a:extLst>
-                  <a:ext uri="{FF2B5EF4-FFF2-40B4-BE49-F238E27FC236}">
-                    <a16:creationId xmlns:a16="http://schemas.microsoft.com/office/drawing/2014/main" id="{18A7F0F1-D3B1-741E-C623-436F122C38FE}"/>
-                  </a:ext>
-                </a:extLst>
-              </p:cNvPr>
-              <p:cNvSpPr>
-                <a:spLocks noRot="1" noChangeAspect="1" noMove="1" noResize="1" noEditPoints="1" noAdjustHandles="1" noChangeArrowheads="1" noChangeShapeType="1" noTextEdit="1"/>
-              </p:cNvSpPr>
-              <p:nvPr/>
-            </p:nvSpPr>
-            <p:spPr>
-              <a:xfrm>
-                <a:off x="4865134" y="2599074"/>
-                <a:ext cx="797283" cy="401142"/>
-              </a:xfrm>
-              <a:prstGeom prst="roundRect">
-                <a:avLst/>
-              </a:prstGeom>
-              <a:blipFill>
-                <a:blip r:embed="rId10"/>
-                <a:stretch>
-                  <a:fillRect/>
-                </a:stretch>
-              </a:blipFill>
-            </p:spPr>
-            <p:txBody>
-              <a:bodyPr/>
-              <a:lstStyle/>
-              <a:p>
-                <a:r>
-                  <a:rPr lang="en-VN">
-                    <a:noFill/>
-                  </a:rPr>
-                  <a:t> </a:t>
-                </a:r>
-              </a:p>
-            </p:txBody>
-          </p:sp>
-        </mc:Fallback>
-      </mc:AlternateContent>
-      <p:grpSp>
-        <p:nvGrpSpPr>
-          <p:cNvPr id="59" name="Group 58">
-            <a:extLst>
-              <a:ext uri="{FF2B5EF4-FFF2-40B4-BE49-F238E27FC236}">
-                <a16:creationId xmlns:a16="http://schemas.microsoft.com/office/drawing/2014/main" id="{0CA66EDA-45B3-CD9D-4D84-95A01CA523FE}"/>
-              </a:ext>
-            </a:extLst>
-          </p:cNvPr>
-          <p:cNvGrpSpPr/>
-          <p:nvPr/>
-        </p:nvGrpSpPr>
-        <p:grpSpPr>
-          <a:xfrm>
-            <a:off x="8149748" y="2523509"/>
-            <a:ext cx="1971282" cy="565726"/>
-            <a:chOff x="7543421" y="2460117"/>
-            <a:chExt cx="1971282" cy="565726"/>
-          </a:xfrm>
-        </p:grpSpPr>
-        <p:sp>
-          <p:nvSpPr>
-            <p:cNvPr id="15" name="Rounded Rectangle 14">
-              <a:extLst>
-                <a:ext uri="{FF2B5EF4-FFF2-40B4-BE49-F238E27FC236}">
-                  <a16:creationId xmlns:a16="http://schemas.microsoft.com/office/drawing/2014/main" id="{02C1BFAA-83CE-C950-EBF3-3C87615464D7}"/>
-                </a:ext>
-              </a:extLst>
-            </p:cNvPr>
-            <p:cNvSpPr/>
-            <p:nvPr/>
-          </p:nvSpPr>
-          <p:spPr>
-            <a:xfrm>
-              <a:off x="7543421" y="2460117"/>
-              <a:ext cx="1971282" cy="565726"/>
+              <a:off x="558274" y="1914934"/>
+              <a:ext cx="1080001" cy="1366741"/>
             </a:xfrm>
             <a:prstGeom prst="roundRect">
               <a:avLst/>
             </a:prstGeom>
             <a:solidFill>
-              <a:schemeClr val="accent6"/>
+              <a:schemeClr val="accent2"/>
             </a:solidFill>
           </p:spPr>
           <p:style>
@@ -14130,14 +12260,1171 @@
             </a:p>
           </p:txBody>
         </p:sp>
-        <mc:AlternateContent xmlns:mc="http://schemas.openxmlformats.org/markup-compatibility/2006" xmlns:a14="http://schemas.microsoft.com/office/drawing/2010/main">
-          <mc:Choice Requires="a14">
+        <p:grpSp>
+          <p:nvGrpSpPr>
+            <p:cNvPr id="98" name="Group 97">
+              <a:extLst>
+                <a:ext uri="{FF2B5EF4-FFF2-40B4-BE49-F238E27FC236}">
+                  <a16:creationId xmlns:a16="http://schemas.microsoft.com/office/drawing/2014/main" id="{271B9DC5-B890-A43B-7A3B-97C22B03866E}"/>
+                </a:ext>
+              </a:extLst>
+            </p:cNvPr>
+            <p:cNvGrpSpPr/>
+            <p:nvPr/>
+          </p:nvGrpSpPr>
+          <p:grpSpPr>
+            <a:xfrm>
+              <a:off x="558276" y="3813952"/>
+              <a:ext cx="10807570" cy="510068"/>
+              <a:chOff x="558276" y="3813952"/>
+              <a:chExt cx="10807570" cy="510068"/>
+            </a:xfrm>
+          </p:grpSpPr>
+          <mc:AlternateContent xmlns:mc="http://schemas.openxmlformats.org/markup-compatibility/2006" xmlns:a14="http://schemas.microsoft.com/office/drawing/2010/main">
+            <mc:Choice Requires="a14">
+              <p:sp>
+                <p:nvSpPr>
+                  <p:cNvPr id="6" name="Rounded Rectangle 5">
+                    <a:extLst>
+                      <a:ext uri="{FF2B5EF4-FFF2-40B4-BE49-F238E27FC236}">
+                        <a16:creationId xmlns:a16="http://schemas.microsoft.com/office/drawing/2014/main" id="{D3FC8CE7-4CC3-5820-BD6A-92B9645E4457}"/>
+                      </a:ext>
+                    </a:extLst>
+                  </p:cNvPr>
+                  <p:cNvSpPr/>
+                  <p:nvPr/>
+                </p:nvSpPr>
+                <p:spPr>
+                  <a:xfrm>
+                    <a:off x="558276" y="3964020"/>
+                    <a:ext cx="1080000" cy="360000"/>
+                  </a:xfrm>
+                  <a:prstGeom prst="roundRect">
+                    <a:avLst/>
+                  </a:prstGeom>
+                </p:spPr>
+                <p:style>
+                  <a:lnRef idx="2">
+                    <a:schemeClr val="accent1">
+                      <a:shade val="15000"/>
+                    </a:schemeClr>
+                  </a:lnRef>
+                  <a:fillRef idx="1">
+                    <a:schemeClr val="accent1"/>
+                  </a:fillRef>
+                  <a:effectRef idx="0">
+                    <a:schemeClr val="accent1"/>
+                  </a:effectRef>
+                  <a:fontRef idx="minor">
+                    <a:schemeClr val="lt1"/>
+                  </a:fontRef>
+                </p:style>
+                <p:txBody>
+                  <a:bodyPr rtlCol="0" anchor="ctr"/>
+                  <a:lstStyle/>
+                  <a:p>
+                    <a:pPr algn="ctr"/>
+                    <a14:m>
+                      <m:oMathPara xmlns:m="http://schemas.openxmlformats.org/officeDocument/2006/math">
+                        <m:oMathParaPr>
+                          <m:jc m:val="centerGroup"/>
+                        </m:oMathParaPr>
+                        <m:oMath xmlns:m="http://schemas.openxmlformats.org/officeDocument/2006/math">
+                          <m:sSub>
+                            <m:sSubPr>
+                              <m:ctrlPr>
+                                <a:rPr lang="en-VN" i="1" smtClean="0">
+                                  <a:latin typeface="Cambria Math" panose="02040503050406030204" pitchFamily="18" charset="0"/>
+                                  <a:ea typeface="Cambria Math" panose="02040503050406030204" pitchFamily="18" charset="0"/>
+                                </a:rPr>
+                              </m:ctrlPr>
+                            </m:sSubPr>
+                            <m:e>
+                              <m:r>
+                                <a:rPr lang="en-VN" i="1">
+                                  <a:latin typeface="Cambria Math" panose="02040503050406030204" pitchFamily="18" charset="0"/>
+                                  <a:ea typeface="Cambria Math" panose="02040503050406030204" pitchFamily="18" charset="0"/>
+                                </a:rPr>
+                                <m:t>ℱ</m:t>
+                              </m:r>
+                            </m:e>
+                            <m:sub>
+                              <m:r>
+                                <a:rPr lang="en-US" b="0" i="1" smtClean="0">
+                                  <a:latin typeface="Cambria Math" panose="02040503050406030204" pitchFamily="18" charset="0"/>
+                                  <a:ea typeface="Cambria Math" panose="02040503050406030204" pitchFamily="18" charset="0"/>
+                                </a:rPr>
+                                <m:t>1</m:t>
+                              </m:r>
+                            </m:sub>
+                          </m:sSub>
+                        </m:oMath>
+                      </m:oMathPara>
+                    </a14:m>
+                    <a:endParaRPr lang="en-VN" dirty="0"/>
+                  </a:p>
+                </p:txBody>
+              </p:sp>
+            </mc:Choice>
+            <mc:Fallback xmlns="">
+              <p:sp>
+                <p:nvSpPr>
+                  <p:cNvPr id="6" name="Rounded Rectangle 5">
+                    <a:extLst>
+                      <a:ext uri="{FF2B5EF4-FFF2-40B4-BE49-F238E27FC236}">
+                        <a16:creationId xmlns:a16="http://schemas.microsoft.com/office/drawing/2014/main" id="{D3FC8CE7-4CC3-5820-BD6A-92B9645E4457}"/>
+                      </a:ext>
+                    </a:extLst>
+                  </p:cNvPr>
+                  <p:cNvSpPr>
+                    <a:spLocks noRot="1" noChangeAspect="1" noMove="1" noResize="1" noEditPoints="1" noAdjustHandles="1" noChangeArrowheads="1" noChangeShapeType="1" noTextEdit="1"/>
+                  </p:cNvSpPr>
+                  <p:nvPr/>
+                </p:nvSpPr>
+                <p:spPr>
+                  <a:xfrm>
+                    <a:off x="558276" y="3964020"/>
+                    <a:ext cx="1080000" cy="360000"/>
+                  </a:xfrm>
+                  <a:prstGeom prst="roundRect">
+                    <a:avLst/>
+                  </a:prstGeom>
+                  <a:blipFill>
+                    <a:blip r:embed="rId5"/>
+                    <a:stretch>
+                      <a:fillRect/>
+                    </a:stretch>
+                  </a:blipFill>
+                </p:spPr>
+                <p:txBody>
+                  <a:bodyPr/>
+                  <a:lstStyle/>
+                  <a:p>
+                    <a:r>
+                      <a:rPr lang="en-VN">
+                        <a:noFill/>
+                      </a:rPr>
+                      <a:t> </a:t>
+                    </a:r>
+                  </a:p>
+                </p:txBody>
+              </p:sp>
+            </mc:Fallback>
+          </mc:AlternateContent>
+          <mc:AlternateContent xmlns:mc="http://schemas.openxmlformats.org/markup-compatibility/2006" xmlns:a14="http://schemas.microsoft.com/office/drawing/2010/main">
+            <mc:Choice Requires="a14">
+              <p:sp>
+                <p:nvSpPr>
+                  <p:cNvPr id="30" name="Rounded Rectangle 29">
+                    <a:extLst>
+                      <a:ext uri="{FF2B5EF4-FFF2-40B4-BE49-F238E27FC236}">
+                        <a16:creationId xmlns:a16="http://schemas.microsoft.com/office/drawing/2014/main" id="{A7083DCE-48C1-600A-B5F9-D01283BC9E81}"/>
+                      </a:ext>
+                    </a:extLst>
+                  </p:cNvPr>
+                  <p:cNvSpPr/>
+                  <p:nvPr/>
+                </p:nvSpPr>
+                <p:spPr>
+                  <a:xfrm>
+                    <a:off x="8125846" y="3964020"/>
+                    <a:ext cx="3240000" cy="360000"/>
+                  </a:xfrm>
+                  <a:prstGeom prst="roundRect">
+                    <a:avLst/>
+                  </a:prstGeom>
+                </p:spPr>
+                <p:style>
+                  <a:lnRef idx="2">
+                    <a:schemeClr val="accent1">
+                      <a:shade val="15000"/>
+                    </a:schemeClr>
+                  </a:lnRef>
+                  <a:fillRef idx="1">
+                    <a:schemeClr val="accent1"/>
+                  </a:fillRef>
+                  <a:effectRef idx="0">
+                    <a:schemeClr val="accent1"/>
+                  </a:effectRef>
+                  <a:fontRef idx="minor">
+                    <a:schemeClr val="lt1"/>
+                  </a:fontRef>
+                </p:style>
+                <p:txBody>
+                  <a:bodyPr rtlCol="0" anchor="ctr"/>
+                  <a:lstStyle/>
+                  <a:p>
+                    <a:pPr algn="ctr"/>
+                    <a14:m>
+                      <m:oMathPara xmlns:m="http://schemas.openxmlformats.org/officeDocument/2006/math">
+                        <m:oMathParaPr>
+                          <m:jc m:val="centerGroup"/>
+                        </m:oMathParaPr>
+                        <m:oMath xmlns:m="http://schemas.openxmlformats.org/officeDocument/2006/math">
+                          <m:sSub>
+                            <m:sSubPr>
+                              <m:ctrlPr>
+                                <a:rPr lang="en-VN" i="1" smtClean="0">
+                                  <a:latin typeface="Cambria Math" panose="02040503050406030204" pitchFamily="18" charset="0"/>
+                                  <a:ea typeface="Cambria Math" panose="02040503050406030204" pitchFamily="18" charset="0"/>
+                                </a:rPr>
+                              </m:ctrlPr>
+                            </m:sSubPr>
+                            <m:e>
+                              <m:r>
+                                <a:rPr lang="en-VN" i="1">
+                                  <a:latin typeface="Cambria Math" panose="02040503050406030204" pitchFamily="18" charset="0"/>
+                                  <a:ea typeface="Cambria Math" panose="02040503050406030204" pitchFamily="18" charset="0"/>
+                                </a:rPr>
+                                <m:t>ℱ</m:t>
+                              </m:r>
+                            </m:e>
+                            <m:sub>
+                              <m:r>
+                                <a:rPr lang="vi-VN" b="0" i="1" smtClean="0">
+                                  <a:latin typeface="Cambria Math" panose="02040503050406030204" pitchFamily="18" charset="0"/>
+                                  <a:ea typeface="Cambria Math" panose="02040503050406030204" pitchFamily="18" charset="0"/>
+                                </a:rPr>
+                                <m:t>3</m:t>
+                              </m:r>
+                            </m:sub>
+                          </m:sSub>
+                        </m:oMath>
+                      </m:oMathPara>
+                    </a14:m>
+                    <a:endParaRPr lang="en-VN" dirty="0"/>
+                  </a:p>
+                </p:txBody>
+              </p:sp>
+            </mc:Choice>
+            <mc:Fallback xmlns="">
+              <p:sp>
+                <p:nvSpPr>
+                  <p:cNvPr id="30" name="Rounded Rectangle 29">
+                    <a:extLst>
+                      <a:ext uri="{FF2B5EF4-FFF2-40B4-BE49-F238E27FC236}">
+                        <a16:creationId xmlns:a16="http://schemas.microsoft.com/office/drawing/2014/main" id="{A7083DCE-48C1-600A-B5F9-D01283BC9E81}"/>
+                      </a:ext>
+                    </a:extLst>
+                  </p:cNvPr>
+                  <p:cNvSpPr>
+                    <a:spLocks noRot="1" noChangeAspect="1" noMove="1" noResize="1" noEditPoints="1" noAdjustHandles="1" noChangeArrowheads="1" noChangeShapeType="1" noTextEdit="1"/>
+                  </p:cNvSpPr>
+                  <p:nvPr/>
+                </p:nvSpPr>
+                <p:spPr>
+                  <a:xfrm>
+                    <a:off x="8125846" y="3964020"/>
+                    <a:ext cx="3240000" cy="360000"/>
+                  </a:xfrm>
+                  <a:prstGeom prst="roundRect">
+                    <a:avLst/>
+                  </a:prstGeom>
+                  <a:blipFill>
+                    <a:blip r:embed="rId6"/>
+                    <a:stretch>
+                      <a:fillRect/>
+                    </a:stretch>
+                  </a:blipFill>
+                </p:spPr>
+                <p:txBody>
+                  <a:bodyPr/>
+                  <a:lstStyle/>
+                  <a:p>
+                    <a:r>
+                      <a:rPr lang="en-VN">
+                        <a:noFill/>
+                      </a:rPr>
+                      <a:t> </a:t>
+                    </a:r>
+                  </a:p>
+                </p:txBody>
+              </p:sp>
+            </mc:Fallback>
+          </mc:AlternateContent>
+          <p:cxnSp>
+            <p:nvCxnSpPr>
+              <p:cNvPr id="43" name="Straight Arrow Connector 42">
+                <a:extLst>
+                  <a:ext uri="{FF2B5EF4-FFF2-40B4-BE49-F238E27FC236}">
+                    <a16:creationId xmlns:a16="http://schemas.microsoft.com/office/drawing/2014/main" id="{0CF08673-21D2-8038-D763-E5CBDC2DC0F7}"/>
+                  </a:ext>
+                </a:extLst>
+              </p:cNvPr>
+              <p:cNvCxnSpPr>
+                <a:stCxn id="6" idx="3"/>
+                <a:endCxn id="13" idx="1"/>
+              </p:cNvCxnSpPr>
+              <p:nvPr/>
+            </p:nvCxnSpPr>
+            <p:spPr>
+              <a:xfrm flipV="1">
+                <a:off x="1638276" y="4138414"/>
+                <a:ext cx="1941244" cy="5606"/>
+              </a:xfrm>
+              <a:prstGeom prst="straightConnector1">
+                <a:avLst/>
+              </a:prstGeom>
+              <a:ln>
+                <a:tailEnd type="triangle"/>
+              </a:ln>
+            </p:spPr>
+            <p:style>
+              <a:lnRef idx="2">
+                <a:schemeClr val="accent1"/>
+              </a:lnRef>
+              <a:fillRef idx="0">
+                <a:schemeClr val="accent1"/>
+              </a:fillRef>
+              <a:effectRef idx="1">
+                <a:schemeClr val="accent1"/>
+              </a:effectRef>
+              <a:fontRef idx="minor">
+                <a:schemeClr val="tx1"/>
+              </a:fontRef>
+            </p:style>
+          </p:cxnSp>
+          <p:cxnSp>
+            <p:nvCxnSpPr>
+              <p:cNvPr id="45" name="Straight Arrow Connector 44">
+                <a:extLst>
+                  <a:ext uri="{FF2B5EF4-FFF2-40B4-BE49-F238E27FC236}">
+                    <a16:creationId xmlns:a16="http://schemas.microsoft.com/office/drawing/2014/main" id="{A0C20000-56BF-EBB6-9735-B4CF7C020600}"/>
+                  </a:ext>
+                </a:extLst>
+              </p:cNvPr>
+              <p:cNvCxnSpPr>
+                <a:stCxn id="13" idx="3"/>
+                <a:endCxn id="30" idx="1"/>
+              </p:cNvCxnSpPr>
+              <p:nvPr/>
+            </p:nvCxnSpPr>
+            <p:spPr>
+              <a:xfrm>
+                <a:off x="5739520" y="4138414"/>
+                <a:ext cx="2386326" cy="5606"/>
+              </a:xfrm>
+              <a:prstGeom prst="straightConnector1">
+                <a:avLst/>
+              </a:prstGeom>
+              <a:ln>
+                <a:tailEnd type="triangle"/>
+              </a:ln>
+            </p:spPr>
+            <p:style>
+              <a:lnRef idx="2">
+                <a:schemeClr val="accent1"/>
+              </a:lnRef>
+              <a:fillRef idx="0">
+                <a:schemeClr val="accent1"/>
+              </a:fillRef>
+              <a:effectRef idx="1">
+                <a:schemeClr val="accent1"/>
+              </a:effectRef>
+              <a:fontRef idx="minor">
+                <a:schemeClr val="tx1"/>
+              </a:fontRef>
+            </p:style>
+          </p:cxnSp>
+          <p:sp>
+            <p:nvSpPr>
+              <p:cNvPr id="49" name="TextBox 48">
+                <a:extLst>
+                  <a:ext uri="{FF2B5EF4-FFF2-40B4-BE49-F238E27FC236}">
+                    <a16:creationId xmlns:a16="http://schemas.microsoft.com/office/drawing/2014/main" id="{03EB8F1D-325D-7CA7-673D-7B4990BC8330}"/>
+                  </a:ext>
+                </a:extLst>
+              </p:cNvPr>
+              <p:cNvSpPr txBox="1"/>
+              <p:nvPr/>
+            </p:nvSpPr>
+            <p:spPr>
+              <a:xfrm>
+                <a:off x="2283417" y="3813952"/>
+                <a:ext cx="703398" cy="369332"/>
+              </a:xfrm>
+              <a:prstGeom prst="rect">
+                <a:avLst/>
+              </a:prstGeom>
+              <a:noFill/>
+            </p:spPr>
+            <p:txBody>
+              <a:bodyPr wrap="none" rtlCol="0">
+                <a:spAutoFit/>
+              </a:bodyPr>
+              <a:lstStyle/>
+              <a:p>
+                <a:r>
+                  <a:rPr lang="en-VN" dirty="0"/>
+                  <a:t>Copy</a:t>
+                </a:r>
+              </a:p>
+            </p:txBody>
+          </p:sp>
+          <p:sp>
+            <p:nvSpPr>
+              <p:cNvPr id="50" name="TextBox 49">
+                <a:extLst>
+                  <a:ext uri="{FF2B5EF4-FFF2-40B4-BE49-F238E27FC236}">
+                    <a16:creationId xmlns:a16="http://schemas.microsoft.com/office/drawing/2014/main" id="{F4011E79-5A15-6134-A722-3AED073654C6}"/>
+                  </a:ext>
+                </a:extLst>
+              </p:cNvPr>
+              <p:cNvSpPr txBox="1"/>
+              <p:nvPr/>
+            </p:nvSpPr>
+            <p:spPr>
+              <a:xfrm>
+                <a:off x="6503831" y="3813952"/>
+                <a:ext cx="703398" cy="369332"/>
+              </a:xfrm>
+              <a:prstGeom prst="rect">
+                <a:avLst/>
+              </a:prstGeom>
+              <a:noFill/>
+            </p:spPr>
+            <p:txBody>
+              <a:bodyPr wrap="none" rtlCol="0">
+                <a:spAutoFit/>
+              </a:bodyPr>
+              <a:lstStyle/>
+              <a:p>
+                <a:r>
+                  <a:rPr lang="en-VN" dirty="0"/>
+                  <a:t>Copy</a:t>
+                </a:r>
+              </a:p>
+            </p:txBody>
+          </p:sp>
+        </p:grpSp>
+        <p:grpSp>
+          <p:nvGrpSpPr>
+            <p:cNvPr id="96" name="Group 95">
+              <a:extLst>
+                <a:ext uri="{FF2B5EF4-FFF2-40B4-BE49-F238E27FC236}">
+                  <a16:creationId xmlns:a16="http://schemas.microsoft.com/office/drawing/2014/main" id="{0EDFB0C4-F300-1A18-95D5-710BF08DB38A}"/>
+                </a:ext>
+              </a:extLst>
+            </p:cNvPr>
+            <p:cNvGrpSpPr/>
+            <p:nvPr/>
+          </p:nvGrpSpPr>
+          <p:grpSpPr>
+            <a:xfrm>
+              <a:off x="487819" y="833763"/>
+              <a:ext cx="9868483" cy="429881"/>
+              <a:chOff x="487819" y="833763"/>
+              <a:chExt cx="9868483" cy="429881"/>
+            </a:xfrm>
+          </p:grpSpPr>
+          <p:sp>
+            <p:nvSpPr>
+              <p:cNvPr id="51" name="Rounded Rectangle 50">
+                <a:extLst>
+                  <a:ext uri="{FF2B5EF4-FFF2-40B4-BE49-F238E27FC236}">
+                    <a16:creationId xmlns:a16="http://schemas.microsoft.com/office/drawing/2014/main" id="{8F3D6FB7-C518-9944-98AB-8FC256517B85}"/>
+                  </a:ext>
+                </a:extLst>
+              </p:cNvPr>
+              <p:cNvSpPr/>
+              <p:nvPr/>
+            </p:nvSpPr>
+            <p:spPr>
+              <a:xfrm>
+                <a:off x="487819" y="835941"/>
+                <a:ext cx="1220913" cy="427703"/>
+              </a:xfrm>
+              <a:prstGeom prst="roundRect">
+                <a:avLst/>
+              </a:prstGeom>
+            </p:spPr>
+            <p:style>
+              <a:lnRef idx="2">
+                <a:schemeClr val="accent1">
+                  <a:shade val="15000"/>
+                </a:schemeClr>
+              </a:lnRef>
+              <a:fillRef idx="1">
+                <a:schemeClr val="accent1"/>
+              </a:fillRef>
+              <a:effectRef idx="0">
+                <a:schemeClr val="accent1"/>
+              </a:effectRef>
+              <a:fontRef idx="minor">
+                <a:schemeClr val="lt1"/>
+              </a:fontRef>
+            </p:style>
+            <p:txBody>
+              <a:bodyPr rtlCol="0" anchor="ctr"/>
+              <a:lstStyle/>
+              <a:p>
+                <a:pPr algn="ctr"/>
+                <a:r>
+                  <a:rPr lang="en-VN" dirty="0"/>
+                  <a:t>Input</a:t>
+                </a:r>
+              </a:p>
+            </p:txBody>
+          </p:sp>
+          <p:sp>
+            <p:nvSpPr>
+              <p:cNvPr id="52" name="Rounded Rectangle 51">
+                <a:extLst>
+                  <a:ext uri="{FF2B5EF4-FFF2-40B4-BE49-F238E27FC236}">
+                    <a16:creationId xmlns:a16="http://schemas.microsoft.com/office/drawing/2014/main" id="{8EA9FC9C-A6A3-1797-6C10-2D6B5EBA6B62}"/>
+                  </a:ext>
+                </a:extLst>
+              </p:cNvPr>
+              <p:cNvSpPr/>
+              <p:nvPr/>
+            </p:nvSpPr>
+            <p:spPr>
+              <a:xfrm>
+                <a:off x="4049064" y="833763"/>
+                <a:ext cx="1220913" cy="427703"/>
+              </a:xfrm>
+              <a:prstGeom prst="roundRect">
+                <a:avLst/>
+              </a:prstGeom>
+            </p:spPr>
+            <p:style>
+              <a:lnRef idx="2">
+                <a:schemeClr val="accent1">
+                  <a:shade val="15000"/>
+                </a:schemeClr>
+              </a:lnRef>
+              <a:fillRef idx="1">
+                <a:schemeClr val="accent1"/>
+              </a:fillRef>
+              <a:effectRef idx="0">
+                <a:schemeClr val="accent1"/>
+              </a:effectRef>
+              <a:fontRef idx="minor">
+                <a:schemeClr val="lt1"/>
+              </a:fontRef>
+            </p:style>
+            <p:txBody>
+              <a:bodyPr rtlCol="0" anchor="ctr"/>
+              <a:lstStyle/>
+              <a:p>
+                <a:pPr algn="ctr"/>
+                <a:r>
+                  <a:rPr lang="en-VN" dirty="0"/>
+                  <a:t>Input</a:t>
+                </a:r>
+              </a:p>
+            </p:txBody>
+          </p:sp>
+          <p:sp>
+            <p:nvSpPr>
+              <p:cNvPr id="53" name="Rounded Rectangle 52">
+                <a:extLst>
+                  <a:ext uri="{FF2B5EF4-FFF2-40B4-BE49-F238E27FC236}">
+                    <a16:creationId xmlns:a16="http://schemas.microsoft.com/office/drawing/2014/main" id="{6BB83B10-5068-E473-0BCC-FC69F8226BB1}"/>
+                  </a:ext>
+                </a:extLst>
+              </p:cNvPr>
+              <p:cNvSpPr/>
+              <p:nvPr/>
+            </p:nvSpPr>
+            <p:spPr>
+              <a:xfrm>
+                <a:off x="9135389" y="835940"/>
+                <a:ext cx="1220913" cy="427703"/>
+              </a:xfrm>
+              <a:prstGeom prst="roundRect">
+                <a:avLst/>
+              </a:prstGeom>
+            </p:spPr>
+            <p:style>
+              <a:lnRef idx="2">
+                <a:schemeClr val="accent1">
+                  <a:shade val="15000"/>
+                </a:schemeClr>
+              </a:lnRef>
+              <a:fillRef idx="1">
+                <a:schemeClr val="accent1"/>
+              </a:fillRef>
+              <a:effectRef idx="0">
+                <a:schemeClr val="accent1"/>
+              </a:effectRef>
+              <a:fontRef idx="minor">
+                <a:schemeClr val="lt1"/>
+              </a:fontRef>
+            </p:style>
+            <p:txBody>
+              <a:bodyPr rtlCol="0" anchor="ctr"/>
+              <a:lstStyle/>
+              <a:p>
+                <a:pPr algn="ctr"/>
+                <a:r>
+                  <a:rPr lang="en-VN" dirty="0"/>
+                  <a:t>Input</a:t>
+                </a:r>
+              </a:p>
+            </p:txBody>
+          </p:sp>
+        </p:grpSp>
+        <p:grpSp>
+          <p:nvGrpSpPr>
+            <p:cNvPr id="99" name="Group 98">
+              <a:extLst>
+                <a:ext uri="{FF2B5EF4-FFF2-40B4-BE49-F238E27FC236}">
+                  <a16:creationId xmlns:a16="http://schemas.microsoft.com/office/drawing/2014/main" id="{B6AE461D-13B9-9C06-3D1C-6A4716F6F47A}"/>
+                </a:ext>
+              </a:extLst>
+            </p:cNvPr>
+            <p:cNvGrpSpPr/>
+            <p:nvPr/>
+          </p:nvGrpSpPr>
+          <p:grpSpPr>
+            <a:xfrm>
+              <a:off x="487819" y="5085180"/>
+              <a:ext cx="9868483" cy="427704"/>
+              <a:chOff x="487819" y="5085180"/>
+              <a:chExt cx="9868483" cy="427704"/>
+            </a:xfrm>
+          </p:grpSpPr>
+          <p:sp>
+            <p:nvSpPr>
+              <p:cNvPr id="54" name="Rounded Rectangle 53">
+                <a:extLst>
+                  <a:ext uri="{FF2B5EF4-FFF2-40B4-BE49-F238E27FC236}">
+                    <a16:creationId xmlns:a16="http://schemas.microsoft.com/office/drawing/2014/main" id="{2CB5E9C0-3154-6666-E706-CCCE32625DB2}"/>
+                  </a:ext>
+                </a:extLst>
+              </p:cNvPr>
+              <p:cNvSpPr/>
+              <p:nvPr/>
+            </p:nvSpPr>
+            <p:spPr>
+              <a:xfrm>
+                <a:off x="487819" y="5085181"/>
+                <a:ext cx="1220913" cy="427703"/>
+              </a:xfrm>
+              <a:prstGeom prst="roundRect">
+                <a:avLst/>
+              </a:prstGeom>
+            </p:spPr>
+            <p:style>
+              <a:lnRef idx="2">
+                <a:schemeClr val="accent1">
+                  <a:shade val="15000"/>
+                </a:schemeClr>
+              </a:lnRef>
+              <a:fillRef idx="1">
+                <a:schemeClr val="accent1"/>
+              </a:fillRef>
+              <a:effectRef idx="0">
+                <a:schemeClr val="accent1"/>
+              </a:effectRef>
+              <a:fontRef idx="minor">
+                <a:schemeClr val="lt1"/>
+              </a:fontRef>
+            </p:style>
+            <p:txBody>
+              <a:bodyPr rtlCol="0" anchor="ctr"/>
+              <a:lstStyle/>
+              <a:p>
+                <a:pPr algn="ctr"/>
+                <a:r>
+                  <a:rPr lang="en-VN" dirty="0"/>
+                  <a:t>Output</a:t>
+                </a:r>
+              </a:p>
+            </p:txBody>
+          </p:sp>
+          <p:sp>
+            <p:nvSpPr>
+              <p:cNvPr id="55" name="Rounded Rectangle 54">
+                <a:extLst>
+                  <a:ext uri="{FF2B5EF4-FFF2-40B4-BE49-F238E27FC236}">
+                    <a16:creationId xmlns:a16="http://schemas.microsoft.com/office/drawing/2014/main" id="{0734D332-4017-F604-6936-39D5FE5828E9}"/>
+                  </a:ext>
+                </a:extLst>
+              </p:cNvPr>
+              <p:cNvSpPr/>
+              <p:nvPr/>
+            </p:nvSpPr>
+            <p:spPr>
+              <a:xfrm>
+                <a:off x="4049064" y="5085180"/>
+                <a:ext cx="1220913" cy="427703"/>
+              </a:xfrm>
+              <a:prstGeom prst="roundRect">
+                <a:avLst/>
+              </a:prstGeom>
+            </p:spPr>
+            <p:style>
+              <a:lnRef idx="2">
+                <a:schemeClr val="accent1">
+                  <a:shade val="15000"/>
+                </a:schemeClr>
+              </a:lnRef>
+              <a:fillRef idx="1">
+                <a:schemeClr val="accent1"/>
+              </a:fillRef>
+              <a:effectRef idx="0">
+                <a:schemeClr val="accent1"/>
+              </a:effectRef>
+              <a:fontRef idx="minor">
+                <a:schemeClr val="lt1"/>
+              </a:fontRef>
+            </p:style>
+            <p:txBody>
+              <a:bodyPr rtlCol="0" anchor="ctr"/>
+              <a:lstStyle/>
+              <a:p>
+                <a:pPr algn="ctr"/>
+                <a:r>
+                  <a:rPr lang="en-VN" dirty="0"/>
+                  <a:t>Output</a:t>
+                </a:r>
+              </a:p>
+            </p:txBody>
+          </p:sp>
+          <p:sp>
+            <p:nvSpPr>
+              <p:cNvPr id="56" name="Rounded Rectangle 55">
+                <a:extLst>
+                  <a:ext uri="{FF2B5EF4-FFF2-40B4-BE49-F238E27FC236}">
+                    <a16:creationId xmlns:a16="http://schemas.microsoft.com/office/drawing/2014/main" id="{93E9E34B-3B0F-1E1C-22CE-C4CA4C5A2529}"/>
+                  </a:ext>
+                </a:extLst>
+              </p:cNvPr>
+              <p:cNvSpPr/>
+              <p:nvPr/>
+            </p:nvSpPr>
+            <p:spPr>
+              <a:xfrm>
+                <a:off x="9135389" y="5085181"/>
+                <a:ext cx="1220913" cy="427703"/>
+              </a:xfrm>
+              <a:prstGeom prst="roundRect">
+                <a:avLst/>
+              </a:prstGeom>
+            </p:spPr>
+            <p:style>
+              <a:lnRef idx="2">
+                <a:schemeClr val="accent1">
+                  <a:shade val="15000"/>
+                </a:schemeClr>
+              </a:lnRef>
+              <a:fillRef idx="1">
+                <a:schemeClr val="accent1"/>
+              </a:fillRef>
+              <a:effectRef idx="0">
+                <a:schemeClr val="accent1"/>
+              </a:effectRef>
+              <a:fontRef idx="minor">
+                <a:schemeClr val="lt1"/>
+              </a:fontRef>
+            </p:style>
+            <p:txBody>
+              <a:bodyPr rtlCol="0" anchor="ctr"/>
+              <a:lstStyle/>
+              <a:p>
+                <a:pPr algn="ctr"/>
+                <a:r>
+                  <a:rPr lang="en-VN" dirty="0"/>
+                  <a:t>Output</a:t>
+                </a:r>
+              </a:p>
+            </p:txBody>
+          </p:sp>
+        </p:grpSp>
+        <p:cxnSp>
+          <p:nvCxnSpPr>
+            <p:cNvPr id="58" name="Straight Arrow Connector 57">
+              <a:extLst>
+                <a:ext uri="{FF2B5EF4-FFF2-40B4-BE49-F238E27FC236}">
+                  <a16:creationId xmlns:a16="http://schemas.microsoft.com/office/drawing/2014/main" id="{7A254E67-52D2-B3B0-314A-0243676E23EA}"/>
+                </a:ext>
+              </a:extLst>
+            </p:cNvPr>
+            <p:cNvCxnSpPr>
+              <a:cxnSpLocks/>
+              <a:stCxn id="51" idx="2"/>
+              <a:endCxn id="9" idx="0"/>
+            </p:cNvCxnSpPr>
+            <p:nvPr/>
+          </p:nvCxnSpPr>
+          <p:spPr>
+            <a:xfrm flipH="1">
+              <a:off x="1098275" y="1263644"/>
+              <a:ext cx="1" cy="651290"/>
+            </a:xfrm>
+            <a:prstGeom prst="straightConnector1">
+              <a:avLst/>
+            </a:prstGeom>
+            <a:ln>
+              <a:tailEnd type="triangle"/>
+            </a:ln>
+          </p:spPr>
+          <p:style>
+            <a:lnRef idx="2">
+              <a:schemeClr val="accent1"/>
+            </a:lnRef>
+            <a:fillRef idx="0">
+              <a:schemeClr val="accent1"/>
+            </a:fillRef>
+            <a:effectRef idx="1">
+              <a:schemeClr val="accent1"/>
+            </a:effectRef>
+            <a:fontRef idx="minor">
+              <a:schemeClr val="tx1"/>
+            </a:fontRef>
+          </p:style>
+        </p:cxnSp>
+        <p:cxnSp>
+          <p:nvCxnSpPr>
+            <p:cNvPr id="60" name="Straight Arrow Connector 59">
+              <a:extLst>
+                <a:ext uri="{FF2B5EF4-FFF2-40B4-BE49-F238E27FC236}">
+                  <a16:creationId xmlns:a16="http://schemas.microsoft.com/office/drawing/2014/main" id="{05037386-95CC-5A86-22DC-68FDE251B2A1}"/>
+                </a:ext>
+              </a:extLst>
+            </p:cNvPr>
+            <p:cNvCxnSpPr>
+              <a:cxnSpLocks/>
+              <a:stCxn id="9" idx="2"/>
+              <a:endCxn id="6" idx="0"/>
+            </p:cNvCxnSpPr>
+            <p:nvPr/>
+          </p:nvCxnSpPr>
+          <p:spPr>
+            <a:xfrm>
+              <a:off x="1098275" y="3281675"/>
+              <a:ext cx="1" cy="682345"/>
+            </a:xfrm>
+            <a:prstGeom prst="straightConnector1">
+              <a:avLst/>
+            </a:prstGeom>
+            <a:ln>
+              <a:tailEnd type="triangle"/>
+            </a:ln>
+          </p:spPr>
+          <p:style>
+            <a:lnRef idx="2">
+              <a:schemeClr val="accent1"/>
+            </a:lnRef>
+            <a:fillRef idx="0">
+              <a:schemeClr val="accent1"/>
+            </a:fillRef>
+            <a:effectRef idx="1">
+              <a:schemeClr val="accent1"/>
+            </a:effectRef>
+            <a:fontRef idx="minor">
+              <a:schemeClr val="tx1"/>
+            </a:fontRef>
+          </p:style>
+        </p:cxnSp>
+        <p:cxnSp>
+          <p:nvCxnSpPr>
+            <p:cNvPr id="62" name="Straight Arrow Connector 61">
+              <a:extLst>
+                <a:ext uri="{FF2B5EF4-FFF2-40B4-BE49-F238E27FC236}">
+                  <a16:creationId xmlns:a16="http://schemas.microsoft.com/office/drawing/2014/main" id="{B51B0826-ED68-FEA3-78BB-88112331A0F4}"/>
+                </a:ext>
+              </a:extLst>
+            </p:cNvPr>
+            <p:cNvCxnSpPr>
+              <a:stCxn id="6" idx="2"/>
+              <a:endCxn id="54" idx="0"/>
+            </p:cNvCxnSpPr>
+            <p:nvPr/>
+          </p:nvCxnSpPr>
+          <p:spPr>
+            <a:xfrm>
+              <a:off x="1098276" y="4324020"/>
+              <a:ext cx="0" cy="761161"/>
+            </a:xfrm>
+            <a:prstGeom prst="straightConnector1">
+              <a:avLst/>
+            </a:prstGeom>
+            <a:ln>
+              <a:tailEnd type="triangle"/>
+            </a:ln>
+          </p:spPr>
+          <p:style>
+            <a:lnRef idx="2">
+              <a:schemeClr val="accent1"/>
+            </a:lnRef>
+            <a:fillRef idx="0">
+              <a:schemeClr val="accent1"/>
+            </a:fillRef>
+            <a:effectRef idx="1">
+              <a:schemeClr val="accent1"/>
+            </a:effectRef>
+            <a:fontRef idx="minor">
+              <a:schemeClr val="tx1"/>
+            </a:fontRef>
+          </p:style>
+        </p:cxnSp>
+        <p:cxnSp>
+          <p:nvCxnSpPr>
+            <p:cNvPr id="78" name="Straight Arrow Connector 77">
+              <a:extLst>
+                <a:ext uri="{FF2B5EF4-FFF2-40B4-BE49-F238E27FC236}">
+                  <a16:creationId xmlns:a16="http://schemas.microsoft.com/office/drawing/2014/main" id="{4E0DA025-6DB9-FC3B-E5F1-D9CCC6BFB735}"/>
+                </a:ext>
+              </a:extLst>
+            </p:cNvPr>
+            <p:cNvCxnSpPr>
+              <a:cxnSpLocks/>
+              <a:stCxn id="52" idx="2"/>
+              <a:endCxn id="18" idx="0"/>
+            </p:cNvCxnSpPr>
+            <p:nvPr/>
+          </p:nvCxnSpPr>
+          <p:spPr>
+            <a:xfrm flipH="1">
+              <a:off x="4653552" y="1261466"/>
+              <a:ext cx="5969" cy="589113"/>
+            </a:xfrm>
+            <a:prstGeom prst="straightConnector1">
+              <a:avLst/>
+            </a:prstGeom>
+            <a:ln>
+              <a:tailEnd type="triangle"/>
+            </a:ln>
+          </p:spPr>
+          <p:style>
+            <a:lnRef idx="2">
+              <a:schemeClr val="accent1"/>
+            </a:lnRef>
+            <a:fillRef idx="0">
+              <a:schemeClr val="accent1"/>
+            </a:fillRef>
+            <a:effectRef idx="1">
+              <a:schemeClr val="accent1"/>
+            </a:effectRef>
+            <a:fontRef idx="minor">
+              <a:schemeClr val="tx1"/>
+            </a:fontRef>
+          </p:style>
+        </p:cxnSp>
+        <p:cxnSp>
+          <p:nvCxnSpPr>
+            <p:cNvPr id="85" name="Straight Arrow Connector 84">
+              <a:extLst>
+                <a:ext uri="{FF2B5EF4-FFF2-40B4-BE49-F238E27FC236}">
+                  <a16:creationId xmlns:a16="http://schemas.microsoft.com/office/drawing/2014/main" id="{CF55A5AB-5E38-92F6-848F-072B42595ABE}"/>
+                </a:ext>
+              </a:extLst>
+            </p:cNvPr>
+            <p:cNvCxnSpPr>
+              <a:cxnSpLocks/>
+              <a:stCxn id="18" idx="2"/>
+              <a:endCxn id="13" idx="0"/>
+            </p:cNvCxnSpPr>
+            <p:nvPr/>
+          </p:nvCxnSpPr>
+          <p:spPr>
+            <a:xfrm>
+              <a:off x="4653552" y="3281676"/>
+              <a:ext cx="5968" cy="676738"/>
+            </a:xfrm>
+            <a:prstGeom prst="straightConnector1">
+              <a:avLst/>
+            </a:prstGeom>
+            <a:ln>
+              <a:tailEnd type="triangle"/>
+            </a:ln>
+          </p:spPr>
+          <p:style>
+            <a:lnRef idx="2">
+              <a:schemeClr val="accent1"/>
+            </a:lnRef>
+            <a:fillRef idx="0">
+              <a:schemeClr val="accent1"/>
+            </a:fillRef>
+            <a:effectRef idx="1">
+              <a:schemeClr val="accent1"/>
+            </a:effectRef>
+            <a:fontRef idx="minor">
+              <a:schemeClr val="tx1"/>
+            </a:fontRef>
+          </p:style>
+        </p:cxnSp>
+        <p:cxnSp>
+          <p:nvCxnSpPr>
+            <p:cNvPr id="87" name="Straight Arrow Connector 86">
+              <a:extLst>
+                <a:ext uri="{FF2B5EF4-FFF2-40B4-BE49-F238E27FC236}">
+                  <a16:creationId xmlns:a16="http://schemas.microsoft.com/office/drawing/2014/main" id="{F3DA74F7-4540-56BC-8B60-B75B6FD3C7A4}"/>
+                </a:ext>
+              </a:extLst>
+            </p:cNvPr>
+            <p:cNvCxnSpPr>
+              <a:stCxn id="13" idx="2"/>
+              <a:endCxn id="55" idx="0"/>
+            </p:cNvCxnSpPr>
+            <p:nvPr/>
+          </p:nvCxnSpPr>
+          <p:spPr>
+            <a:xfrm>
+              <a:off x="4659520" y="4318414"/>
+              <a:ext cx="1" cy="766766"/>
+            </a:xfrm>
+            <a:prstGeom prst="straightConnector1">
+              <a:avLst/>
+            </a:prstGeom>
+            <a:ln>
+              <a:tailEnd type="triangle"/>
+            </a:ln>
+          </p:spPr>
+          <p:style>
+            <a:lnRef idx="2">
+              <a:schemeClr val="accent1"/>
+            </a:lnRef>
+            <a:fillRef idx="0">
+              <a:schemeClr val="accent1"/>
+            </a:fillRef>
+            <a:effectRef idx="1">
+              <a:schemeClr val="accent1"/>
+            </a:effectRef>
+            <a:fontRef idx="minor">
+              <a:schemeClr val="tx1"/>
+            </a:fontRef>
+          </p:style>
+        </p:cxnSp>
+        <p:cxnSp>
+          <p:nvCxnSpPr>
+            <p:cNvPr id="89" name="Straight Arrow Connector 88">
+              <a:extLst>
+                <a:ext uri="{FF2B5EF4-FFF2-40B4-BE49-F238E27FC236}">
+                  <a16:creationId xmlns:a16="http://schemas.microsoft.com/office/drawing/2014/main" id="{11516B74-D46A-94AF-969E-FF67543635A8}"/>
+                </a:ext>
+              </a:extLst>
+            </p:cNvPr>
+            <p:cNvCxnSpPr>
+              <a:cxnSpLocks/>
+              <a:stCxn id="53" idx="2"/>
+              <a:endCxn id="28" idx="0"/>
+            </p:cNvCxnSpPr>
+            <p:nvPr/>
+          </p:nvCxnSpPr>
+          <p:spPr>
+            <a:xfrm flipH="1">
+              <a:off x="9745845" y="1263643"/>
+              <a:ext cx="1" cy="586936"/>
+            </a:xfrm>
+            <a:prstGeom prst="straightConnector1">
+              <a:avLst/>
+            </a:prstGeom>
+            <a:ln>
+              <a:tailEnd type="triangle"/>
+            </a:ln>
+          </p:spPr>
+          <p:style>
+            <a:lnRef idx="2">
+              <a:schemeClr val="accent1"/>
+            </a:lnRef>
+            <a:fillRef idx="0">
+              <a:schemeClr val="accent1"/>
+            </a:fillRef>
+            <a:effectRef idx="1">
+              <a:schemeClr val="accent1"/>
+            </a:effectRef>
+            <a:fontRef idx="minor">
+              <a:schemeClr val="tx1"/>
+            </a:fontRef>
+          </p:style>
+        </p:cxnSp>
+        <p:cxnSp>
+          <p:nvCxnSpPr>
+            <p:cNvPr id="93" name="Straight Arrow Connector 92">
+              <a:extLst>
+                <a:ext uri="{FF2B5EF4-FFF2-40B4-BE49-F238E27FC236}">
+                  <a16:creationId xmlns:a16="http://schemas.microsoft.com/office/drawing/2014/main" id="{29153E38-1E9E-AD2C-1856-472C2D07D446}"/>
+                </a:ext>
+              </a:extLst>
+            </p:cNvPr>
+            <p:cNvCxnSpPr>
+              <a:cxnSpLocks/>
+              <a:stCxn id="28" idx="2"/>
+              <a:endCxn id="30" idx="0"/>
+            </p:cNvCxnSpPr>
+            <p:nvPr/>
+          </p:nvCxnSpPr>
+          <p:spPr>
+            <a:xfrm>
+              <a:off x="9745845" y="3346032"/>
+              <a:ext cx="1" cy="617988"/>
+            </a:xfrm>
+            <a:prstGeom prst="straightConnector1">
+              <a:avLst/>
+            </a:prstGeom>
+            <a:ln>
+              <a:tailEnd type="triangle"/>
+            </a:ln>
+          </p:spPr>
+          <p:style>
+            <a:lnRef idx="2">
+              <a:schemeClr val="accent1"/>
+            </a:lnRef>
+            <a:fillRef idx="0">
+              <a:schemeClr val="accent1"/>
+            </a:fillRef>
+            <a:effectRef idx="1">
+              <a:schemeClr val="accent1"/>
+            </a:effectRef>
+            <a:fontRef idx="minor">
+              <a:schemeClr val="tx1"/>
+            </a:fontRef>
+          </p:style>
+        </p:cxnSp>
+        <p:cxnSp>
+          <p:nvCxnSpPr>
+            <p:cNvPr id="95" name="Straight Arrow Connector 94">
+              <a:extLst>
+                <a:ext uri="{FF2B5EF4-FFF2-40B4-BE49-F238E27FC236}">
+                  <a16:creationId xmlns:a16="http://schemas.microsoft.com/office/drawing/2014/main" id="{A3E4150F-DC94-1BB2-5063-4B092B69CEAD}"/>
+                </a:ext>
+              </a:extLst>
+            </p:cNvPr>
+            <p:cNvCxnSpPr>
+              <a:stCxn id="30" idx="2"/>
+              <a:endCxn id="56" idx="0"/>
+            </p:cNvCxnSpPr>
+            <p:nvPr/>
+          </p:nvCxnSpPr>
+          <p:spPr>
+            <a:xfrm>
+              <a:off x="9745846" y="4324020"/>
+              <a:ext cx="0" cy="761161"/>
+            </a:xfrm>
+            <a:prstGeom prst="straightConnector1">
+              <a:avLst/>
+            </a:prstGeom>
+            <a:ln>
+              <a:tailEnd type="triangle"/>
+            </a:ln>
+          </p:spPr>
+          <p:style>
+            <a:lnRef idx="2">
+              <a:schemeClr val="accent1"/>
+            </a:lnRef>
+            <a:fillRef idx="0">
+              <a:schemeClr val="accent1"/>
+            </a:fillRef>
+            <a:effectRef idx="1">
+              <a:schemeClr val="accent1"/>
+            </a:effectRef>
+            <a:fontRef idx="minor">
+              <a:schemeClr val="tx1"/>
+            </a:fontRef>
+          </p:style>
+        </p:cxnSp>
+        <mc:AlternateContent xmlns:mc="http://schemas.openxmlformats.org/markup-compatibility/2006">
+          <mc:Choice xmlns:a14="http://schemas.microsoft.com/office/drawing/2010/main" Requires="a14">
             <p:sp>
               <p:nvSpPr>
-                <p:cNvPr id="11" name="Rounded Rectangle 10">
+                <p:cNvPr id="2" name="Rounded Rectangle 1">
                   <a:extLst>
                     <a:ext uri="{FF2B5EF4-FFF2-40B4-BE49-F238E27FC236}">
-                      <a16:creationId xmlns:a16="http://schemas.microsoft.com/office/drawing/2014/main" id="{246528CD-07F2-5D58-9ABF-6BF197BEC073}"/>
+                      <a16:creationId xmlns:a16="http://schemas.microsoft.com/office/drawing/2014/main" id="{EBFB2573-7A9C-F8BC-F40B-5925F4E414BA}"/>
                     </a:ext>
                   </a:extLst>
                 </p:cNvPr>
@@ -14146,8 +13433,8 @@
               </p:nvSpPr>
               <p:spPr>
                 <a:xfrm>
-                  <a:off x="7602599" y="2525722"/>
-                  <a:ext cx="798523" cy="407773"/>
+                  <a:off x="699633" y="1986522"/>
+                  <a:ext cx="797281" cy="407773"/>
                 </a:xfrm>
                 <a:prstGeom prst="roundRect">
                   <a:avLst/>
@@ -14201,31 +13488,12 @@
                             </m:r>
                           </m:e>
                           <m:sub>
-                            <m:sSub>
-                              <m:sSubPr>
-                                <m:ctrlPr>
-                                  <a:rPr lang="en-VN" i="1" smtClean="0">
-                                    <a:latin typeface="Cambria Math" panose="02040503050406030204" pitchFamily="18" charset="0"/>
-                                  </a:rPr>
-                                </m:ctrlPr>
-                              </m:sSubPr>
-                              <m:e>
-                                <m:r>
-                                  <a:rPr lang="en-US" b="0" i="1" smtClean="0">
-                                    <a:latin typeface="Cambria Math" panose="02040503050406030204" pitchFamily="18" charset="0"/>
-                                  </a:rPr>
-                                  <m:t>𝑠</m:t>
-                                </m:r>
-                              </m:e>
-                              <m:sub>
-                                <m:r>
-                                  <a:rPr lang="en-US" b="0" i="1" smtClean="0">
-                                    <a:latin typeface="Cambria Math" panose="02040503050406030204" pitchFamily="18" charset="0"/>
-                                  </a:rPr>
-                                  <m:t>1</m:t>
-                                </m:r>
-                              </m:sub>
-                            </m:sSub>
+                            <m:r>
+                              <a:rPr lang="en-US" b="0" i="1" smtClean="0">
+                                <a:latin typeface="Cambria Math" panose="02040503050406030204" pitchFamily="18" charset="0"/>
+                              </a:rPr>
+                              <m:t>𝑔</m:t>
+                            </m:r>
                           </m:sub>
                         </m:sSub>
                       </m:oMath>
@@ -14236,13 +13504,13 @@
               </p:txBody>
             </p:sp>
           </mc:Choice>
-          <mc:Fallback xmlns="">
+          <mc:Fallback>
             <p:sp>
               <p:nvSpPr>
-                <p:cNvPr id="11" name="Rounded Rectangle 10">
+                <p:cNvPr id="2" name="Rounded Rectangle 1">
                   <a:extLst>
                     <a:ext uri="{FF2B5EF4-FFF2-40B4-BE49-F238E27FC236}">
-                      <a16:creationId xmlns:a16="http://schemas.microsoft.com/office/drawing/2014/main" id="{246528CD-07F2-5D58-9ABF-6BF197BEC073}"/>
+                      <a16:creationId xmlns:a16="http://schemas.microsoft.com/office/drawing/2014/main" id="{EBFB2573-7A9C-F8BC-F40B-5925F4E414BA}"/>
                     </a:ext>
                   </a:extLst>
                 </p:cNvPr>
@@ -14253,14 +13521,14 @@
               </p:nvSpPr>
               <p:spPr>
                 <a:xfrm>
-                  <a:off x="7602599" y="2525722"/>
-                  <a:ext cx="798523" cy="407773"/>
+                  <a:off x="699633" y="1986522"/>
+                  <a:ext cx="797281" cy="407773"/>
                 </a:xfrm>
                 <a:prstGeom prst="roundRect">
                   <a:avLst/>
                 </a:prstGeom>
                 <a:blipFill>
-                  <a:blip r:embed="rId11"/>
+                  <a:blip r:embed="rId7"/>
                   <a:stretch>
                     <a:fillRect/>
                   </a:stretch>
@@ -14281,14 +13549,14 @@
             </p:sp>
           </mc:Fallback>
         </mc:AlternateContent>
-        <mc:AlternateContent xmlns:mc="http://schemas.openxmlformats.org/markup-compatibility/2006" xmlns:a14="http://schemas.microsoft.com/office/drawing/2010/main">
-          <mc:Choice Requires="a14">
+        <mc:AlternateContent xmlns:mc="http://schemas.openxmlformats.org/markup-compatibility/2006">
+          <mc:Choice xmlns:a14="http://schemas.microsoft.com/office/drawing/2010/main" Requires="a14">
             <p:sp>
               <p:nvSpPr>
-                <p:cNvPr id="12" name="Rounded Rectangle 11">
+                <p:cNvPr id="3" name="Rounded Rectangle 2">
                   <a:extLst>
                     <a:ext uri="{FF2B5EF4-FFF2-40B4-BE49-F238E27FC236}">
-                      <a16:creationId xmlns:a16="http://schemas.microsoft.com/office/drawing/2014/main" id="{9E004C94-397F-CB6A-D124-031AD6EF17ED}"/>
+                      <a16:creationId xmlns:a16="http://schemas.microsoft.com/office/drawing/2014/main" id="{87B1B1D5-E602-E503-32FA-AF0E08B613FF}"/>
                     </a:ext>
                   </a:extLst>
                 </p:cNvPr>
@@ -14297,228 +13565,7 @@
               </p:nvSpPr>
               <p:spPr>
                 <a:xfrm>
-                  <a:off x="8621472" y="2539093"/>
-                  <a:ext cx="798523" cy="407773"/>
-                </a:xfrm>
-                <a:prstGeom prst="roundRect">
-                  <a:avLst/>
-                </a:prstGeom>
-              </p:spPr>
-              <p:style>
-                <a:lnRef idx="2">
-                  <a:schemeClr val="accent1">
-                    <a:shade val="15000"/>
-                  </a:schemeClr>
-                </a:lnRef>
-                <a:fillRef idx="1">
-                  <a:schemeClr val="accent1"/>
-                </a:fillRef>
-                <a:effectRef idx="0">
-                  <a:schemeClr val="accent1"/>
-                </a:effectRef>
-                <a:fontRef idx="minor">
-                  <a:schemeClr val="lt1"/>
-                </a:fontRef>
-              </p:style>
-              <p:txBody>
-                <a:bodyPr rtlCol="0" anchor="ctr"/>
-                <a:lstStyle/>
-                <a:p>
-                  <a:pPr algn="ctr"/>
-                  <a14:m>
-                    <m:oMathPara xmlns:m="http://schemas.openxmlformats.org/officeDocument/2006/math">
-                      <m:oMathParaPr>
-                        <m:jc m:val="centerGroup"/>
-                      </m:oMathParaPr>
-                      <m:oMath xmlns:m="http://schemas.openxmlformats.org/officeDocument/2006/math">
-                        <m:sSub>
-                          <m:sSubPr>
-                            <m:ctrlPr>
-                              <a:rPr lang="en-VN" i="1" smtClean="0">
-                                <a:latin typeface="Cambria Math" panose="02040503050406030204" pitchFamily="18" charset="0"/>
-                              </a:rPr>
-                            </m:ctrlPr>
-                          </m:sSubPr>
-                          <m:e>
-                            <m:r>
-                              <m:rPr>
-                                <m:sty m:val="p"/>
-                              </m:rPr>
-                              <a:rPr lang="el-GR" i="1" smtClean="0">
-                                <a:latin typeface="Cambria Math" panose="02040503050406030204" pitchFamily="18" charset="0"/>
-                                <a:ea typeface="Cambria Math" panose="02040503050406030204" pitchFamily="18" charset="0"/>
-                              </a:rPr>
-                              <m:t>Φ</m:t>
-                            </m:r>
-                          </m:e>
-                          <m:sub>
-                            <m:sSub>
-                              <m:sSubPr>
-                                <m:ctrlPr>
-                                  <a:rPr lang="en-VN" i="1" smtClean="0">
-                                    <a:latin typeface="Cambria Math" panose="02040503050406030204" pitchFamily="18" charset="0"/>
-                                  </a:rPr>
-                                </m:ctrlPr>
-                              </m:sSubPr>
-                              <m:e>
-                                <m:r>
-                                  <a:rPr lang="en-US" b="0" i="1" smtClean="0">
-                                    <a:latin typeface="Cambria Math" panose="02040503050406030204" pitchFamily="18" charset="0"/>
-                                  </a:rPr>
-                                  <m:t>𝑠</m:t>
-                                </m:r>
-                              </m:e>
-                              <m:sub>
-                                <m:r>
-                                  <a:rPr lang="en-US" b="0" i="1" smtClean="0">
-                                    <a:latin typeface="Cambria Math" panose="02040503050406030204" pitchFamily="18" charset="0"/>
-                                  </a:rPr>
-                                  <m:t>2</m:t>
-                                </m:r>
-                              </m:sub>
-                            </m:sSub>
-                          </m:sub>
-                        </m:sSub>
-                      </m:oMath>
-                    </m:oMathPara>
-                  </a14:m>
-                  <a:endParaRPr lang="en-VN" dirty="0"/>
-                </a:p>
-              </p:txBody>
-            </p:sp>
-          </mc:Choice>
-          <mc:Fallback xmlns="">
-            <p:sp>
-              <p:nvSpPr>
-                <p:cNvPr id="12" name="Rounded Rectangle 11">
-                  <a:extLst>
-                    <a:ext uri="{FF2B5EF4-FFF2-40B4-BE49-F238E27FC236}">
-                      <a16:creationId xmlns:a16="http://schemas.microsoft.com/office/drawing/2014/main" id="{9E004C94-397F-CB6A-D124-031AD6EF17ED}"/>
-                    </a:ext>
-                  </a:extLst>
-                </p:cNvPr>
-                <p:cNvSpPr>
-                  <a:spLocks noRot="1" noChangeAspect="1" noMove="1" noResize="1" noEditPoints="1" noAdjustHandles="1" noChangeArrowheads="1" noChangeShapeType="1" noTextEdit="1"/>
-                </p:cNvSpPr>
-                <p:nvPr/>
-              </p:nvSpPr>
-              <p:spPr>
-                <a:xfrm>
-                  <a:off x="8621472" y="2539093"/>
-                  <a:ext cx="798523" cy="407773"/>
-                </a:xfrm>
-                <a:prstGeom prst="roundRect">
-                  <a:avLst/>
-                </a:prstGeom>
-                <a:blipFill>
-                  <a:blip r:embed="rId12"/>
-                  <a:stretch>
-                    <a:fillRect/>
-                  </a:stretch>
-                </a:blipFill>
-              </p:spPr>
-              <p:txBody>
-                <a:bodyPr/>
-                <a:lstStyle/>
-                <a:p>
-                  <a:r>
-                    <a:rPr lang="en-VN">
-                      <a:noFill/>
-                    </a:rPr>
-                    <a:t> </a:t>
-                  </a:r>
-                </a:p>
-              </p:txBody>
-            </p:sp>
-          </mc:Fallback>
-        </mc:AlternateContent>
-      </p:grpSp>
-      <p:grpSp>
-        <p:nvGrpSpPr>
-          <p:cNvPr id="46" name="Group 45">
-            <a:extLst>
-              <a:ext uri="{FF2B5EF4-FFF2-40B4-BE49-F238E27FC236}">
-                <a16:creationId xmlns:a16="http://schemas.microsoft.com/office/drawing/2014/main" id="{8BF77A60-17E0-DDFA-D940-D769C273F248}"/>
-              </a:ext>
-            </a:extLst>
-          </p:cNvPr>
-          <p:cNvGrpSpPr/>
-          <p:nvPr/>
-        </p:nvGrpSpPr>
-        <p:grpSpPr>
-          <a:xfrm>
-            <a:off x="3512048" y="2530236"/>
-            <a:ext cx="1074032" cy="510194"/>
-            <a:chOff x="3579520" y="2556094"/>
-            <a:chExt cx="1074032" cy="510194"/>
-          </a:xfrm>
-        </p:grpSpPr>
-        <p:sp>
-          <p:nvSpPr>
-            <p:cNvPr id="19" name="Rounded Rectangle 18">
-              <a:extLst>
-                <a:ext uri="{FF2B5EF4-FFF2-40B4-BE49-F238E27FC236}">
-                  <a16:creationId xmlns:a16="http://schemas.microsoft.com/office/drawing/2014/main" id="{5F25B3E8-2997-4EFB-673F-F9CA48A77945}"/>
-                </a:ext>
-              </a:extLst>
-            </p:cNvPr>
-            <p:cNvSpPr/>
-            <p:nvPr/>
-          </p:nvSpPr>
-          <p:spPr>
-            <a:xfrm>
-              <a:off x="3579520" y="2556094"/>
-              <a:ext cx="1074032" cy="510194"/>
-            </a:xfrm>
-            <a:prstGeom prst="roundRect">
-              <a:avLst/>
-            </a:prstGeom>
-            <a:solidFill>
-              <a:schemeClr val="accent6"/>
-            </a:solidFill>
-          </p:spPr>
-          <p:style>
-            <a:lnRef idx="2">
-              <a:schemeClr val="accent1">
-                <a:shade val="15000"/>
-              </a:schemeClr>
-            </a:lnRef>
-            <a:fillRef idx="1">
-              <a:schemeClr val="accent1"/>
-            </a:fillRef>
-            <a:effectRef idx="0">
-              <a:schemeClr val="accent1"/>
-            </a:effectRef>
-            <a:fontRef idx="minor">
-              <a:schemeClr val="lt1"/>
-            </a:fontRef>
-          </p:style>
-          <p:txBody>
-            <a:bodyPr rtlCol="0" anchor="ctr"/>
-            <a:lstStyle/>
-            <a:p>
-              <a:pPr algn="ctr"/>
-              <a:endParaRPr lang="en-VN"/>
-            </a:p>
-          </p:txBody>
-        </p:sp>
-        <mc:AlternateContent xmlns:mc="http://schemas.openxmlformats.org/markup-compatibility/2006">
-          <mc:Choice xmlns:a14="http://schemas.microsoft.com/office/drawing/2010/main" Requires="a14">
-            <p:sp>
-              <p:nvSpPr>
-                <p:cNvPr id="26" name="Rounded Rectangle 25">
-                  <a:extLst>
-                    <a:ext uri="{FF2B5EF4-FFF2-40B4-BE49-F238E27FC236}">
-                      <a16:creationId xmlns:a16="http://schemas.microsoft.com/office/drawing/2014/main" id="{2825FB1E-2C49-E1A7-2DBC-D3C23179CEE8}"/>
-                    </a:ext>
-                  </a:extLst>
-                </p:cNvPr>
-                <p:cNvSpPr/>
-                <p:nvPr/>
-              </p:nvSpPr>
-              <p:spPr>
-                <a:xfrm>
-                  <a:off x="3701853" y="2602659"/>
+                  <a:off x="697719" y="2576801"/>
                   <a:ext cx="797282" cy="407773"/>
                 </a:xfrm>
                 <a:prstGeom prst="roundRect">
@@ -14611,10 +13658,10 @@
           <mc:Fallback>
             <p:sp>
               <p:nvSpPr>
-                <p:cNvPr id="26" name="Rounded Rectangle 25">
+                <p:cNvPr id="3" name="Rounded Rectangle 2">
                   <a:extLst>
                     <a:ext uri="{FF2B5EF4-FFF2-40B4-BE49-F238E27FC236}">
-                      <a16:creationId xmlns:a16="http://schemas.microsoft.com/office/drawing/2014/main" id="{2825FB1E-2C49-E1A7-2DBC-D3C23179CEE8}"/>
+                      <a16:creationId xmlns:a16="http://schemas.microsoft.com/office/drawing/2014/main" id="{87B1B1D5-E602-E503-32FA-AF0E08B613FF}"/>
                     </a:ext>
                   </a:extLst>
                 </p:cNvPr>
@@ -14625,14 +13672,14 @@
               </p:nvSpPr>
               <p:spPr>
                 <a:xfrm>
-                  <a:off x="3701853" y="2602659"/>
+                  <a:off x="697719" y="2576801"/>
                   <a:ext cx="797282" cy="407773"/>
                 </a:xfrm>
                 <a:prstGeom prst="roundRect">
                   <a:avLst/>
                 </a:prstGeom>
                 <a:blipFill>
-                  <a:blip r:embed="rId13"/>
+                  <a:blip r:embed="rId8"/>
                   <a:stretch>
                     <a:fillRect/>
                   </a:stretch>
@@ -14653,15 +13700,32 @@
             </p:sp>
           </mc:Fallback>
         </mc:AlternateContent>
-      </p:grpSp>
-      <mc:AlternateContent xmlns:mc="http://schemas.openxmlformats.org/markup-compatibility/2006">
-        <mc:Choice xmlns:a14="http://schemas.microsoft.com/office/drawing/2010/main" Requires="a14">
+        <p:grpSp>
+          <p:nvGrpSpPr>
+            <p:cNvPr id="77" name="Group 76">
+              <a:extLst>
+                <a:ext uri="{FF2B5EF4-FFF2-40B4-BE49-F238E27FC236}">
+                  <a16:creationId xmlns:a16="http://schemas.microsoft.com/office/drawing/2014/main" id="{2D866F8B-8279-6C57-66FA-8FFD69183B67}"/>
+                </a:ext>
+              </a:extLst>
+            </p:cNvPr>
+            <p:cNvGrpSpPr/>
+            <p:nvPr/>
+          </p:nvGrpSpPr>
+          <p:grpSpPr>
+            <a:xfrm>
+              <a:off x="3304716" y="1850579"/>
+              <a:ext cx="2697671" cy="1431097"/>
+              <a:chOff x="3304716" y="1850579"/>
+              <a:chExt cx="2697671" cy="1431097"/>
+            </a:xfrm>
+          </p:grpSpPr>
           <p:sp>
             <p:nvSpPr>
-              <p:cNvPr id="37" name="Rounded Rectangle 36">
+              <p:cNvPr id="18" name="Rounded Rectangle 17">
                 <a:extLst>
                   <a:ext uri="{FF2B5EF4-FFF2-40B4-BE49-F238E27FC236}">
-                    <a16:creationId xmlns:a16="http://schemas.microsoft.com/office/drawing/2014/main" id="{EC490640-5A4D-E891-F5D5-5A7AC825167F}"/>
+                    <a16:creationId xmlns:a16="http://schemas.microsoft.com/office/drawing/2014/main" id="{1CB338DB-7A73-BA7F-DA2E-C313D92146B3}"/>
                   </a:ext>
                 </a:extLst>
               </p:cNvPr>
@@ -14670,12 +13734,15 @@
             </p:nvSpPr>
             <p:spPr>
               <a:xfrm>
-                <a:off x="9356411" y="1921472"/>
-                <a:ext cx="797282" cy="407773"/>
+                <a:off x="3304716" y="1850579"/>
+                <a:ext cx="2697671" cy="1431097"/>
               </a:xfrm>
               <a:prstGeom prst="roundRect">
                 <a:avLst/>
               </a:prstGeom>
+              <a:solidFill>
+                <a:schemeClr val="accent2"/>
+              </a:solidFill>
             </p:spPr>
             <p:style>
               <a:lnRef idx="2">
@@ -14698,102 +13765,148 @@
               <a:lstStyle/>
               <a:p>
                 <a:pPr algn="ctr"/>
-                <a14:m>
-                  <m:oMathPara xmlns:m="http://schemas.openxmlformats.org/officeDocument/2006/math">
-                    <m:oMathParaPr>
-                      <m:jc m:val="centerGroup"/>
-                    </m:oMathParaPr>
-                    <m:oMath xmlns:m="http://schemas.openxmlformats.org/officeDocument/2006/math">
-                      <m:sSub>
-                        <m:sSubPr>
-                          <m:ctrlPr>
-                            <a:rPr lang="en-VN" i="1" smtClean="0">
-                              <a:latin typeface="Cambria Math" panose="02040503050406030204" pitchFamily="18" charset="0"/>
-                            </a:rPr>
-                          </m:ctrlPr>
-                        </m:sSubPr>
-                        <m:e>
-                          <m:r>
-                            <m:rPr>
-                              <m:sty m:val="p"/>
-                            </m:rPr>
-                            <a:rPr lang="el-GR" i="1" smtClean="0">
-                              <a:latin typeface="Cambria Math" panose="02040503050406030204" pitchFamily="18" charset="0"/>
-                              <a:ea typeface="Cambria Math" panose="02040503050406030204" pitchFamily="18" charset="0"/>
-                            </a:rPr>
-                            <m:t>Φ</m:t>
-                          </m:r>
-                        </m:e>
-                        <m:sub>
-                          <m:r>
-                            <a:rPr lang="en-US" b="0" i="1" smtClean="0">
-                              <a:latin typeface="Cambria Math" panose="02040503050406030204" pitchFamily="18" charset="0"/>
-                            </a:rPr>
-                            <m:t>𝑔</m:t>
-                          </m:r>
-                        </m:sub>
-                      </m:sSub>
-                    </m:oMath>
-                  </m:oMathPara>
-                </a14:m>
                 <a:endParaRPr lang="en-VN" dirty="0"/>
               </a:p>
             </p:txBody>
           </p:sp>
-        </mc:Choice>
-        <mc:Fallback>
+          <mc:AlternateContent xmlns:mc="http://schemas.openxmlformats.org/markup-compatibility/2006">
+            <mc:Choice xmlns:a14="http://schemas.microsoft.com/office/drawing/2010/main" Requires="a14">
+              <p:sp>
+                <p:nvSpPr>
+                  <p:cNvPr id="7" name="Rounded Rectangle 6">
+                    <a:extLst>
+                      <a:ext uri="{FF2B5EF4-FFF2-40B4-BE49-F238E27FC236}">
+                        <a16:creationId xmlns:a16="http://schemas.microsoft.com/office/drawing/2014/main" id="{96309B5D-333A-8074-8499-AE0F7326E465}"/>
+                      </a:ext>
+                    </a:extLst>
+                  </p:cNvPr>
+                  <p:cNvSpPr/>
+                  <p:nvPr/>
+                </p:nvSpPr>
+                <p:spPr>
+                  <a:xfrm>
+                    <a:off x="4185725" y="1986521"/>
+                    <a:ext cx="797282" cy="407773"/>
+                  </a:xfrm>
+                  <a:prstGeom prst="roundRect">
+                    <a:avLst/>
+                  </a:prstGeom>
+                </p:spPr>
+                <p:style>
+                  <a:lnRef idx="2">
+                    <a:schemeClr val="accent1">
+                      <a:shade val="15000"/>
+                    </a:schemeClr>
+                  </a:lnRef>
+                  <a:fillRef idx="1">
+                    <a:schemeClr val="accent1"/>
+                  </a:fillRef>
+                  <a:effectRef idx="0">
+                    <a:schemeClr val="accent1"/>
+                  </a:effectRef>
+                  <a:fontRef idx="minor">
+                    <a:schemeClr val="lt1"/>
+                  </a:fontRef>
+                </p:style>
+                <p:txBody>
+                  <a:bodyPr rtlCol="0" anchor="ctr"/>
+                  <a:lstStyle/>
+                  <a:p>
+                    <a:pPr algn="ctr"/>
+                    <a14:m>
+                      <m:oMathPara xmlns:m="http://schemas.openxmlformats.org/officeDocument/2006/math">
+                        <m:oMathParaPr>
+                          <m:jc m:val="centerGroup"/>
+                        </m:oMathParaPr>
+                        <m:oMath xmlns:m="http://schemas.openxmlformats.org/officeDocument/2006/math">
+                          <m:sSub>
+                            <m:sSubPr>
+                              <m:ctrlPr>
+                                <a:rPr lang="en-VN" i="1" smtClean="0">
+                                  <a:latin typeface="Cambria Math" panose="02040503050406030204" pitchFamily="18" charset="0"/>
+                                </a:rPr>
+                              </m:ctrlPr>
+                            </m:sSubPr>
+                            <m:e>
+                              <m:r>
+                                <m:rPr>
+                                  <m:sty m:val="p"/>
+                                </m:rPr>
+                                <a:rPr lang="el-GR" i="1" smtClean="0">
+                                  <a:latin typeface="Cambria Math" panose="02040503050406030204" pitchFamily="18" charset="0"/>
+                                  <a:ea typeface="Cambria Math" panose="02040503050406030204" pitchFamily="18" charset="0"/>
+                                </a:rPr>
+                                <m:t>Φ</m:t>
+                              </m:r>
+                            </m:e>
+                            <m:sub>
+                              <m:r>
+                                <a:rPr lang="en-US" b="0" i="1" smtClean="0">
+                                  <a:latin typeface="Cambria Math" panose="02040503050406030204" pitchFamily="18" charset="0"/>
+                                </a:rPr>
+                                <m:t>𝑔</m:t>
+                              </m:r>
+                            </m:sub>
+                          </m:sSub>
+                        </m:oMath>
+                      </m:oMathPara>
+                    </a14:m>
+                    <a:endParaRPr lang="en-VN" dirty="0"/>
+                  </a:p>
+                </p:txBody>
+              </p:sp>
+            </mc:Choice>
+            <mc:Fallback>
+              <p:sp>
+                <p:nvSpPr>
+                  <p:cNvPr id="7" name="Rounded Rectangle 6">
+                    <a:extLst>
+                      <a:ext uri="{FF2B5EF4-FFF2-40B4-BE49-F238E27FC236}">
+                        <a16:creationId xmlns:a16="http://schemas.microsoft.com/office/drawing/2014/main" id="{96309B5D-333A-8074-8499-AE0F7326E465}"/>
+                      </a:ext>
+                    </a:extLst>
+                  </p:cNvPr>
+                  <p:cNvSpPr>
+                    <a:spLocks noRot="1" noChangeAspect="1" noMove="1" noResize="1" noEditPoints="1" noAdjustHandles="1" noChangeArrowheads="1" noChangeShapeType="1" noTextEdit="1"/>
+                  </p:cNvSpPr>
+                  <p:nvPr/>
+                </p:nvSpPr>
+                <p:spPr>
+                  <a:xfrm>
+                    <a:off x="4185725" y="1986521"/>
+                    <a:ext cx="797282" cy="407773"/>
+                  </a:xfrm>
+                  <a:prstGeom prst="roundRect">
+                    <a:avLst/>
+                  </a:prstGeom>
+                  <a:blipFill>
+                    <a:blip r:embed="rId9"/>
+                    <a:stretch>
+                      <a:fillRect/>
+                    </a:stretch>
+                  </a:blipFill>
+                </p:spPr>
+                <p:txBody>
+                  <a:bodyPr/>
+                  <a:lstStyle/>
+                  <a:p>
+                    <a:r>
+                      <a:rPr lang="en-VN">
+                        <a:noFill/>
+                      </a:rPr>
+                      <a:t> </a:t>
+                    </a:r>
+                  </a:p>
+                </p:txBody>
+              </p:sp>
+            </mc:Fallback>
+          </mc:AlternateContent>
           <p:sp>
             <p:nvSpPr>
-              <p:cNvPr id="37" name="Rounded Rectangle 36">
+              <p:cNvPr id="24" name="Rounded Rectangle 23">
                 <a:extLst>
                   <a:ext uri="{FF2B5EF4-FFF2-40B4-BE49-F238E27FC236}">
-                    <a16:creationId xmlns:a16="http://schemas.microsoft.com/office/drawing/2014/main" id="{EC490640-5A4D-E891-F5D5-5A7AC825167F}"/>
-                  </a:ext>
-                </a:extLst>
-              </p:cNvPr>
-              <p:cNvSpPr>
-                <a:spLocks noRot="1" noChangeAspect="1" noMove="1" noResize="1" noEditPoints="1" noAdjustHandles="1" noChangeArrowheads="1" noChangeShapeType="1" noTextEdit="1"/>
-              </p:cNvSpPr>
-              <p:nvPr/>
-            </p:nvSpPr>
-            <p:spPr>
-              <a:xfrm>
-                <a:off x="9356411" y="1921472"/>
-                <a:ext cx="797282" cy="407773"/>
-              </a:xfrm>
-              <a:prstGeom prst="roundRect">
-                <a:avLst/>
-              </a:prstGeom>
-              <a:blipFill>
-                <a:blip r:embed="rId14"/>
-                <a:stretch>
-                  <a:fillRect/>
-                </a:stretch>
-              </a:blipFill>
-            </p:spPr>
-            <p:txBody>
-              <a:bodyPr/>
-              <a:lstStyle/>
-              <a:p>
-                <a:r>
-                  <a:rPr lang="en-VN">
-                    <a:noFill/>
-                  </a:rPr>
-                  <a:t> </a:t>
-                </a:r>
-              </a:p>
-            </p:txBody>
-          </p:sp>
-        </mc:Fallback>
-      </mc:AlternateContent>
-      <mc:AlternateContent xmlns:mc="http://schemas.openxmlformats.org/markup-compatibility/2006">
-        <mc:Choice xmlns:a14="http://schemas.microsoft.com/office/drawing/2010/main" Requires="a14">
-          <p:sp>
-            <p:nvSpPr>
-              <p:cNvPr id="39" name="Rounded Rectangle 38">
-                <a:extLst>
-                  <a:ext uri="{FF2B5EF4-FFF2-40B4-BE49-F238E27FC236}">
-                    <a16:creationId xmlns:a16="http://schemas.microsoft.com/office/drawing/2014/main" id="{0F648C87-5B96-ED32-9DA4-C47C78508001}"/>
+                    <a16:creationId xmlns:a16="http://schemas.microsoft.com/office/drawing/2014/main" id="{B753941A-10A3-2229-4BB5-0DB50837772F}"/>
                   </a:ext>
                 </a:extLst>
               </p:cNvPr>
@@ -14802,12 +13915,15 @@
             </p:nvSpPr>
             <p:spPr>
               <a:xfrm>
-                <a:off x="10366795" y="2633051"/>
-                <a:ext cx="792555" cy="407773"/>
+                <a:off x="3453914" y="2490804"/>
+                <a:ext cx="2399276" cy="640523"/>
               </a:xfrm>
               <a:prstGeom prst="roundRect">
                 <a:avLst/>
               </a:prstGeom>
+              <a:solidFill>
+                <a:schemeClr val="accent2"/>
+              </a:solidFill>
             </p:spPr>
             <p:style>
               <a:lnRef idx="2">
@@ -14830,33 +13946,60 @@
               <a:lstStyle/>
               <a:p>
                 <a:pPr algn="ctr"/>
-                <a14:m>
-                  <m:oMathPara xmlns:m="http://schemas.openxmlformats.org/officeDocument/2006/math">
-                    <m:oMathParaPr>
-                      <m:jc m:val="centerGroup"/>
-                    </m:oMathParaPr>
-                    <m:oMath xmlns:m="http://schemas.openxmlformats.org/officeDocument/2006/math">
-                      <m:sSub>
-                        <m:sSubPr>
-                          <m:ctrlPr>
-                            <a:rPr lang="en-VN" i="1" smtClean="0">
-                              <a:latin typeface="Cambria Math" panose="02040503050406030204" pitchFamily="18" charset="0"/>
-                            </a:rPr>
-                          </m:ctrlPr>
-                        </m:sSubPr>
-                        <m:e>
-                          <m:r>
-                            <m:rPr>
-                              <m:sty m:val="p"/>
-                            </m:rPr>
-                            <a:rPr lang="el-GR" i="1" smtClean="0">
-                              <a:latin typeface="Cambria Math" panose="02040503050406030204" pitchFamily="18" charset="0"/>
-                              <a:ea typeface="Cambria Math" panose="02040503050406030204" pitchFamily="18" charset="0"/>
-                            </a:rPr>
-                            <m:t>Φ</m:t>
-                          </m:r>
-                        </m:e>
-                        <m:sub>
+                <a:endParaRPr lang="en-VN"/>
+              </a:p>
+            </p:txBody>
+          </p:sp>
+          <mc:AlternateContent xmlns:mc="http://schemas.openxmlformats.org/markup-compatibility/2006">
+            <mc:Choice xmlns:a14="http://schemas.microsoft.com/office/drawing/2010/main" Requires="a14">
+              <p:sp>
+                <p:nvSpPr>
+                  <p:cNvPr id="8" name="Rounded Rectangle 7">
+                    <a:extLst>
+                      <a:ext uri="{FF2B5EF4-FFF2-40B4-BE49-F238E27FC236}">
+                        <a16:creationId xmlns:a16="http://schemas.microsoft.com/office/drawing/2014/main" id="{18A7F0F1-D3B1-741E-C623-436F122C38FE}"/>
+                      </a:ext>
+                    </a:extLst>
+                  </p:cNvPr>
+                  <p:cNvSpPr/>
+                  <p:nvPr/>
+                </p:nvSpPr>
+                <p:spPr>
+                  <a:xfrm>
+                    <a:off x="4865134" y="2599074"/>
+                    <a:ext cx="797283" cy="401142"/>
+                  </a:xfrm>
+                  <a:prstGeom prst="roundRect">
+                    <a:avLst/>
+                  </a:prstGeom>
+                </p:spPr>
+                <p:style>
+                  <a:lnRef idx="2">
+                    <a:schemeClr val="accent1">
+                      <a:shade val="15000"/>
+                    </a:schemeClr>
+                  </a:lnRef>
+                  <a:fillRef idx="1">
+                    <a:schemeClr val="accent1"/>
+                  </a:fillRef>
+                  <a:effectRef idx="0">
+                    <a:schemeClr val="accent1"/>
+                  </a:effectRef>
+                  <a:fontRef idx="minor">
+                    <a:schemeClr val="lt1"/>
+                  </a:fontRef>
+                </p:style>
+                <p:txBody>
+                  <a:bodyPr rtlCol="0" anchor="ctr"/>
+                  <a:lstStyle/>
+                  <a:p>
+                    <a:pPr algn="ctr"/>
+                    <a14:m>
+                      <m:oMathPara xmlns:m="http://schemas.openxmlformats.org/officeDocument/2006/math">
+                        <m:oMathParaPr>
+                          <m:jc m:val="centerGroup"/>
+                        </m:oMathParaPr>
+                        <m:oMath xmlns:m="http://schemas.openxmlformats.org/officeDocument/2006/math">
                           <m:sSub>
                             <m:sSubPr>
                               <m:ctrlPr>
@@ -14867,265 +14010,1164 @@
                             </m:sSubPr>
                             <m:e>
                               <m:r>
-                                <a:rPr lang="en-US" b="0" i="1" smtClean="0">
+                                <m:rPr>
+                                  <m:sty m:val="p"/>
+                                </m:rPr>
+                                <a:rPr lang="el-GR" i="1" smtClean="0">
                                   <a:latin typeface="Cambria Math" panose="02040503050406030204" pitchFamily="18" charset="0"/>
+                                  <a:ea typeface="Cambria Math" panose="02040503050406030204" pitchFamily="18" charset="0"/>
                                 </a:rPr>
-                                <m:t>𝑠</m:t>
+                                <m:t>Φ</m:t>
                               </m:r>
                             </m:e>
                             <m:sub>
-                              <m:r>
-                                <a:rPr lang="en-US" b="0" i="1" smtClean="0">
-                                  <a:latin typeface="Cambria Math" panose="02040503050406030204" pitchFamily="18" charset="0"/>
-                                </a:rPr>
-                                <m:t>3</m:t>
-                              </m:r>
+                              <m:sSub>
+                                <m:sSubPr>
+                                  <m:ctrlPr>
+                                    <a:rPr lang="en-VN" i="1" smtClean="0">
+                                      <a:latin typeface="Cambria Math" panose="02040503050406030204" pitchFamily="18" charset="0"/>
+                                    </a:rPr>
+                                  </m:ctrlPr>
+                                </m:sSubPr>
+                                <m:e>
+                                  <m:r>
+                                    <a:rPr lang="en-US" b="0" i="1" smtClean="0">
+                                      <a:latin typeface="Cambria Math" panose="02040503050406030204" pitchFamily="18" charset="0"/>
+                                    </a:rPr>
+                                    <m:t>𝑠</m:t>
+                                  </m:r>
+                                </m:e>
+                                <m:sub>
+                                  <m:r>
+                                    <a:rPr lang="en-US" b="0" i="1" smtClean="0">
+                                      <a:latin typeface="Cambria Math" panose="02040503050406030204" pitchFamily="18" charset="0"/>
+                                    </a:rPr>
+                                    <m:t>2</m:t>
+                                  </m:r>
+                                </m:sub>
+                              </m:sSub>
                             </m:sub>
                           </m:sSub>
-                        </m:sub>
-                      </m:sSub>
-                    </m:oMath>
-                  </m:oMathPara>
-                </a14:m>
-                <a:endParaRPr lang="en-VN" dirty="0"/>
-              </a:p>
-            </p:txBody>
-          </p:sp>
-        </mc:Choice>
-        <mc:Fallback>
+                        </m:oMath>
+                      </m:oMathPara>
+                    </a14:m>
+                    <a:endParaRPr lang="en-VN" dirty="0"/>
+                  </a:p>
+                </p:txBody>
+              </p:sp>
+            </mc:Choice>
+            <mc:Fallback>
+              <p:sp>
+                <p:nvSpPr>
+                  <p:cNvPr id="8" name="Rounded Rectangle 7">
+                    <a:extLst>
+                      <a:ext uri="{FF2B5EF4-FFF2-40B4-BE49-F238E27FC236}">
+                        <a16:creationId xmlns:a16="http://schemas.microsoft.com/office/drawing/2014/main" id="{18A7F0F1-D3B1-741E-C623-436F122C38FE}"/>
+                      </a:ext>
+                    </a:extLst>
+                  </p:cNvPr>
+                  <p:cNvSpPr>
+                    <a:spLocks noRot="1" noChangeAspect="1" noMove="1" noResize="1" noEditPoints="1" noAdjustHandles="1" noChangeArrowheads="1" noChangeShapeType="1" noTextEdit="1"/>
+                  </p:cNvSpPr>
+                  <p:nvPr/>
+                </p:nvSpPr>
+                <p:spPr>
+                  <a:xfrm>
+                    <a:off x="4865134" y="2599074"/>
+                    <a:ext cx="797283" cy="401142"/>
+                  </a:xfrm>
+                  <a:prstGeom prst="roundRect">
+                    <a:avLst/>
+                  </a:prstGeom>
+                  <a:blipFill>
+                    <a:blip r:embed="rId10"/>
+                    <a:stretch>
+                      <a:fillRect/>
+                    </a:stretch>
+                  </a:blipFill>
+                </p:spPr>
+                <p:txBody>
+                  <a:bodyPr/>
+                  <a:lstStyle/>
+                  <a:p>
+                    <a:r>
+                      <a:rPr lang="en-VN">
+                        <a:noFill/>
+                      </a:rPr>
+                      <a:t> </a:t>
+                    </a:r>
+                  </a:p>
+                </p:txBody>
+              </p:sp>
+            </mc:Fallback>
+          </mc:AlternateContent>
+        </p:grpSp>
+        <p:grpSp>
+          <p:nvGrpSpPr>
+            <p:cNvPr id="59" name="Group 58">
+              <a:extLst>
+                <a:ext uri="{FF2B5EF4-FFF2-40B4-BE49-F238E27FC236}">
+                  <a16:creationId xmlns:a16="http://schemas.microsoft.com/office/drawing/2014/main" id="{0CA66EDA-45B3-CD9D-4D84-95A01CA523FE}"/>
+                </a:ext>
+              </a:extLst>
+            </p:cNvPr>
+            <p:cNvGrpSpPr/>
+            <p:nvPr/>
+          </p:nvGrpSpPr>
+          <p:grpSpPr>
+            <a:xfrm>
+              <a:off x="8149748" y="2523509"/>
+              <a:ext cx="1971282" cy="565726"/>
+              <a:chOff x="7543421" y="2460117"/>
+              <a:chExt cx="1971282" cy="565726"/>
+            </a:xfrm>
+          </p:grpSpPr>
           <p:sp>
             <p:nvSpPr>
-              <p:cNvPr id="39" name="Rounded Rectangle 38">
+              <p:cNvPr id="15" name="Rounded Rectangle 14">
                 <a:extLst>
                   <a:ext uri="{FF2B5EF4-FFF2-40B4-BE49-F238E27FC236}">
-                    <a16:creationId xmlns:a16="http://schemas.microsoft.com/office/drawing/2014/main" id="{0F648C87-5B96-ED32-9DA4-C47C78508001}"/>
+                    <a16:creationId xmlns:a16="http://schemas.microsoft.com/office/drawing/2014/main" id="{02C1BFAA-83CE-C950-EBF3-3C87615464D7}"/>
                   </a:ext>
                 </a:extLst>
               </p:cNvPr>
-              <p:cNvSpPr>
-                <a:spLocks noRot="1" noChangeAspect="1" noMove="1" noResize="1" noEditPoints="1" noAdjustHandles="1" noChangeArrowheads="1" noChangeShapeType="1" noTextEdit="1"/>
-              </p:cNvSpPr>
+              <p:cNvSpPr/>
               <p:nvPr/>
             </p:nvSpPr>
             <p:spPr>
               <a:xfrm>
-                <a:off x="10366795" y="2633051"/>
-                <a:ext cx="792555" cy="407773"/>
+                <a:off x="7543421" y="2460117"/>
+                <a:ext cx="1971282" cy="565726"/>
               </a:xfrm>
               <a:prstGeom prst="roundRect">
                 <a:avLst/>
               </a:prstGeom>
-              <a:blipFill>
-                <a:blip r:embed="rId15"/>
-                <a:stretch>
-                  <a:fillRect/>
-                </a:stretch>
-              </a:blipFill>
+              <a:solidFill>
+                <a:schemeClr val="accent6"/>
+              </a:solidFill>
             </p:spPr>
+            <p:style>
+              <a:lnRef idx="2">
+                <a:schemeClr val="accent1">
+                  <a:shade val="15000"/>
+                </a:schemeClr>
+              </a:lnRef>
+              <a:fillRef idx="1">
+                <a:schemeClr val="accent1"/>
+              </a:fillRef>
+              <a:effectRef idx="0">
+                <a:schemeClr val="accent1"/>
+              </a:effectRef>
+              <a:fontRef idx="minor">
+                <a:schemeClr val="lt1"/>
+              </a:fontRef>
+            </p:style>
             <p:txBody>
-              <a:bodyPr/>
+              <a:bodyPr rtlCol="0" anchor="ctr"/>
               <a:lstStyle/>
               <a:p>
-                <a:r>
-                  <a:rPr lang="en-VN">
-                    <a:noFill/>
-                  </a:rPr>
-                  <a:t> </a:t>
-                </a:r>
+                <a:pPr algn="ctr"/>
+                <a:endParaRPr lang="en-VN"/>
               </a:p>
             </p:txBody>
           </p:sp>
-        </mc:Fallback>
-      </mc:AlternateContent>
-      <p:sp>
-        <p:nvSpPr>
-          <p:cNvPr id="41" name="TextBox 40">
-            <a:extLst>
-              <a:ext uri="{FF2B5EF4-FFF2-40B4-BE49-F238E27FC236}">
-                <a16:creationId xmlns:a16="http://schemas.microsoft.com/office/drawing/2014/main" id="{A8A23A6F-8F72-8412-8689-842BE185D68E}"/>
-              </a:ext>
-            </a:extLst>
-          </p:cNvPr>
-          <p:cNvSpPr txBox="1"/>
-          <p:nvPr/>
-        </p:nvSpPr>
-        <p:spPr>
-          <a:xfrm>
-            <a:off x="2093853" y="2430313"/>
-            <a:ext cx="703398" cy="369332"/>
-          </a:xfrm>
-          <a:prstGeom prst="rect">
-            <a:avLst/>
-          </a:prstGeom>
-          <a:noFill/>
-        </p:spPr>
-        <p:txBody>
-          <a:bodyPr wrap="none" rtlCol="0">
-            <a:spAutoFit/>
-          </a:bodyPr>
-          <a:lstStyle/>
-          <a:p>
-            <a:r>
-              <a:rPr lang="en-VN" dirty="0"/>
-              <a:t>Copy</a:t>
-            </a:r>
-          </a:p>
-        </p:txBody>
-      </p:sp>
-      <p:cxnSp>
-        <p:nvCxnSpPr>
-          <p:cNvPr id="48" name="Straight Arrow Connector 47">
-            <a:extLst>
-              <a:ext uri="{FF2B5EF4-FFF2-40B4-BE49-F238E27FC236}">
-                <a16:creationId xmlns:a16="http://schemas.microsoft.com/office/drawing/2014/main" id="{82040BCE-2A94-50A0-581B-9000136B1C5E}"/>
-              </a:ext>
-            </a:extLst>
-          </p:cNvPr>
-          <p:cNvCxnSpPr>
-            <a:stCxn id="3" idx="3"/>
-            <a:endCxn id="19" idx="1"/>
-          </p:cNvCxnSpPr>
-          <p:nvPr/>
-        </p:nvCxnSpPr>
-        <p:spPr>
-          <a:xfrm>
-            <a:off x="1495001" y="2780688"/>
-            <a:ext cx="2017047" cy="4645"/>
-          </a:xfrm>
-          <a:prstGeom prst="straightConnector1">
-            <a:avLst/>
-          </a:prstGeom>
-          <a:ln>
-            <a:tailEnd type="triangle"/>
-          </a:ln>
-        </p:spPr>
-        <p:style>
-          <a:lnRef idx="2">
-            <a:schemeClr val="accent1"/>
-          </a:lnRef>
-          <a:fillRef idx="0">
-            <a:schemeClr val="accent1"/>
-          </a:fillRef>
-          <a:effectRef idx="1">
-            <a:schemeClr val="accent1"/>
-          </a:effectRef>
-          <a:fontRef idx="minor">
-            <a:schemeClr val="tx1"/>
-          </a:fontRef>
-        </p:style>
-      </p:cxnSp>
-      <p:cxnSp>
-        <p:nvCxnSpPr>
-          <p:cNvPr id="61" name="Straight Arrow Connector 60">
-            <a:extLst>
-              <a:ext uri="{FF2B5EF4-FFF2-40B4-BE49-F238E27FC236}">
-                <a16:creationId xmlns:a16="http://schemas.microsoft.com/office/drawing/2014/main" id="{5242500F-859C-DC1F-D936-1657831779E6}"/>
-              </a:ext>
-            </a:extLst>
-          </p:cNvPr>
-          <p:cNvCxnSpPr>
-            <a:stCxn id="24" idx="3"/>
-            <a:endCxn id="15" idx="1"/>
-          </p:cNvCxnSpPr>
-          <p:nvPr/>
-        </p:nvCxnSpPr>
-        <p:spPr>
-          <a:xfrm flipV="1">
-            <a:off x="5853190" y="2806372"/>
-            <a:ext cx="2296558" cy="4694"/>
-          </a:xfrm>
-          <a:prstGeom prst="straightConnector1">
-            <a:avLst/>
-          </a:prstGeom>
-          <a:ln>
-            <a:tailEnd type="triangle"/>
-          </a:ln>
-        </p:spPr>
-        <p:style>
-          <a:lnRef idx="2">
-            <a:schemeClr val="accent1"/>
-          </a:lnRef>
-          <a:fillRef idx="0">
-            <a:schemeClr val="accent1"/>
-          </a:fillRef>
-          <a:effectRef idx="1">
-            <a:schemeClr val="accent1"/>
-          </a:effectRef>
-          <a:fontRef idx="minor">
-            <a:schemeClr val="tx1"/>
-          </a:fontRef>
-        </p:style>
-      </p:cxnSp>
-      <p:sp>
-        <p:nvSpPr>
-          <p:cNvPr id="75" name="TextBox 74">
-            <a:extLst>
-              <a:ext uri="{FF2B5EF4-FFF2-40B4-BE49-F238E27FC236}">
-                <a16:creationId xmlns:a16="http://schemas.microsoft.com/office/drawing/2014/main" id="{5F883FF1-AF71-9E50-36FF-2A1596F0015D}"/>
-              </a:ext>
-            </a:extLst>
-          </p:cNvPr>
-          <p:cNvSpPr txBox="1"/>
-          <p:nvPr/>
-        </p:nvSpPr>
-        <p:spPr>
-          <a:xfrm>
-            <a:off x="6503831" y="2448385"/>
-            <a:ext cx="703398" cy="369332"/>
-          </a:xfrm>
-          <a:prstGeom prst="rect">
-            <a:avLst/>
-          </a:prstGeom>
-          <a:noFill/>
-        </p:spPr>
-        <p:txBody>
-          <a:bodyPr wrap="none" rtlCol="0">
-            <a:spAutoFit/>
-          </a:bodyPr>
-          <a:lstStyle/>
-          <a:p>
-            <a:r>
-              <a:rPr lang="en-VN" dirty="0"/>
-              <a:t>Copy</a:t>
-            </a:r>
-          </a:p>
-        </p:txBody>
-      </p:sp>
-      <p:sp>
-        <p:nvSpPr>
-          <p:cNvPr id="76" name="TextBox 75">
-            <a:extLst>
-              <a:ext uri="{FF2B5EF4-FFF2-40B4-BE49-F238E27FC236}">
-                <a16:creationId xmlns:a16="http://schemas.microsoft.com/office/drawing/2014/main" id="{A120BF77-76E3-6D79-07AE-00574B02DFEE}"/>
-              </a:ext>
-            </a:extLst>
-          </p:cNvPr>
-          <p:cNvSpPr txBox="1"/>
-          <p:nvPr/>
-        </p:nvSpPr>
-        <p:spPr>
-          <a:xfrm>
-            <a:off x="6151585" y="2831585"/>
-            <a:ext cx="1410001" cy="369332"/>
-          </a:xfrm>
-          <a:prstGeom prst="rect">
-            <a:avLst/>
-          </a:prstGeom>
-          <a:noFill/>
-        </p:spPr>
-        <p:txBody>
-          <a:bodyPr wrap="square" rtlCol="0">
-            <a:spAutoFit/>
-          </a:bodyPr>
-          <a:lstStyle/>
-          <a:p>
-            <a:r>
-              <a:rPr lang="en-VN" dirty="0"/>
-              <a:t>Weight Align</a:t>
-            </a:r>
-          </a:p>
-        </p:txBody>
-      </p:sp>
+          <mc:AlternateContent xmlns:mc="http://schemas.openxmlformats.org/markup-compatibility/2006" xmlns:a14="http://schemas.microsoft.com/office/drawing/2010/main">
+            <mc:Choice Requires="a14">
+              <p:sp>
+                <p:nvSpPr>
+                  <p:cNvPr id="11" name="Rounded Rectangle 10">
+                    <a:extLst>
+                      <a:ext uri="{FF2B5EF4-FFF2-40B4-BE49-F238E27FC236}">
+                        <a16:creationId xmlns:a16="http://schemas.microsoft.com/office/drawing/2014/main" id="{246528CD-07F2-5D58-9ABF-6BF197BEC073}"/>
+                      </a:ext>
+                    </a:extLst>
+                  </p:cNvPr>
+                  <p:cNvSpPr/>
+                  <p:nvPr/>
+                </p:nvSpPr>
+                <p:spPr>
+                  <a:xfrm>
+                    <a:off x="7602599" y="2525722"/>
+                    <a:ext cx="798523" cy="407773"/>
+                  </a:xfrm>
+                  <a:prstGeom prst="roundRect">
+                    <a:avLst/>
+                  </a:prstGeom>
+                </p:spPr>
+                <p:style>
+                  <a:lnRef idx="2">
+                    <a:schemeClr val="accent1">
+                      <a:shade val="15000"/>
+                    </a:schemeClr>
+                  </a:lnRef>
+                  <a:fillRef idx="1">
+                    <a:schemeClr val="accent1"/>
+                  </a:fillRef>
+                  <a:effectRef idx="0">
+                    <a:schemeClr val="accent1"/>
+                  </a:effectRef>
+                  <a:fontRef idx="minor">
+                    <a:schemeClr val="lt1"/>
+                  </a:fontRef>
+                </p:style>
+                <p:txBody>
+                  <a:bodyPr rtlCol="0" anchor="ctr"/>
+                  <a:lstStyle/>
+                  <a:p>
+                    <a:pPr algn="ctr"/>
+                    <a14:m>
+                      <m:oMathPara xmlns:m="http://schemas.openxmlformats.org/officeDocument/2006/math">
+                        <m:oMathParaPr>
+                          <m:jc m:val="centerGroup"/>
+                        </m:oMathParaPr>
+                        <m:oMath xmlns:m="http://schemas.openxmlformats.org/officeDocument/2006/math">
+                          <m:sSub>
+                            <m:sSubPr>
+                              <m:ctrlPr>
+                                <a:rPr lang="en-VN" i="1" smtClean="0">
+                                  <a:latin typeface="Cambria Math" panose="02040503050406030204" pitchFamily="18" charset="0"/>
+                                </a:rPr>
+                              </m:ctrlPr>
+                            </m:sSubPr>
+                            <m:e>
+                              <m:r>
+                                <m:rPr>
+                                  <m:sty m:val="p"/>
+                                </m:rPr>
+                                <a:rPr lang="el-GR" i="1" smtClean="0">
+                                  <a:latin typeface="Cambria Math" panose="02040503050406030204" pitchFamily="18" charset="0"/>
+                                  <a:ea typeface="Cambria Math" panose="02040503050406030204" pitchFamily="18" charset="0"/>
+                                </a:rPr>
+                                <m:t>Φ</m:t>
+                              </m:r>
+                            </m:e>
+                            <m:sub>
+                              <m:sSub>
+                                <m:sSubPr>
+                                  <m:ctrlPr>
+                                    <a:rPr lang="en-VN" i="1" smtClean="0">
+                                      <a:latin typeface="Cambria Math" panose="02040503050406030204" pitchFamily="18" charset="0"/>
+                                    </a:rPr>
+                                  </m:ctrlPr>
+                                </m:sSubPr>
+                                <m:e>
+                                  <m:r>
+                                    <a:rPr lang="en-US" b="0" i="1" smtClean="0">
+                                      <a:latin typeface="Cambria Math" panose="02040503050406030204" pitchFamily="18" charset="0"/>
+                                    </a:rPr>
+                                    <m:t>𝑠</m:t>
+                                  </m:r>
+                                </m:e>
+                                <m:sub>
+                                  <m:r>
+                                    <a:rPr lang="en-US" b="0" i="1" smtClean="0">
+                                      <a:latin typeface="Cambria Math" panose="02040503050406030204" pitchFamily="18" charset="0"/>
+                                    </a:rPr>
+                                    <m:t>1</m:t>
+                                  </m:r>
+                                </m:sub>
+                              </m:sSub>
+                            </m:sub>
+                          </m:sSub>
+                        </m:oMath>
+                      </m:oMathPara>
+                    </a14:m>
+                    <a:endParaRPr lang="en-VN" dirty="0"/>
+                  </a:p>
+                </p:txBody>
+              </p:sp>
+            </mc:Choice>
+            <mc:Fallback xmlns="">
+              <p:sp>
+                <p:nvSpPr>
+                  <p:cNvPr id="11" name="Rounded Rectangle 10">
+                    <a:extLst>
+                      <a:ext uri="{FF2B5EF4-FFF2-40B4-BE49-F238E27FC236}">
+                        <a16:creationId xmlns:a16="http://schemas.microsoft.com/office/drawing/2014/main" id="{246528CD-07F2-5D58-9ABF-6BF197BEC073}"/>
+                      </a:ext>
+                    </a:extLst>
+                  </p:cNvPr>
+                  <p:cNvSpPr>
+                    <a:spLocks noRot="1" noChangeAspect="1" noMove="1" noResize="1" noEditPoints="1" noAdjustHandles="1" noChangeArrowheads="1" noChangeShapeType="1" noTextEdit="1"/>
+                  </p:cNvSpPr>
+                  <p:nvPr/>
+                </p:nvSpPr>
+                <p:spPr>
+                  <a:xfrm>
+                    <a:off x="7602599" y="2525722"/>
+                    <a:ext cx="798523" cy="407773"/>
+                  </a:xfrm>
+                  <a:prstGeom prst="roundRect">
+                    <a:avLst/>
+                  </a:prstGeom>
+                  <a:blipFill>
+                    <a:blip r:embed="rId11"/>
+                    <a:stretch>
+                      <a:fillRect/>
+                    </a:stretch>
+                  </a:blipFill>
+                </p:spPr>
+                <p:txBody>
+                  <a:bodyPr/>
+                  <a:lstStyle/>
+                  <a:p>
+                    <a:r>
+                      <a:rPr lang="en-VN">
+                        <a:noFill/>
+                      </a:rPr>
+                      <a:t> </a:t>
+                    </a:r>
+                  </a:p>
+                </p:txBody>
+              </p:sp>
+            </mc:Fallback>
+          </mc:AlternateContent>
+          <mc:AlternateContent xmlns:mc="http://schemas.openxmlformats.org/markup-compatibility/2006" xmlns:a14="http://schemas.microsoft.com/office/drawing/2010/main">
+            <mc:Choice Requires="a14">
+              <p:sp>
+                <p:nvSpPr>
+                  <p:cNvPr id="12" name="Rounded Rectangle 11">
+                    <a:extLst>
+                      <a:ext uri="{FF2B5EF4-FFF2-40B4-BE49-F238E27FC236}">
+                        <a16:creationId xmlns:a16="http://schemas.microsoft.com/office/drawing/2014/main" id="{9E004C94-397F-CB6A-D124-031AD6EF17ED}"/>
+                      </a:ext>
+                    </a:extLst>
+                  </p:cNvPr>
+                  <p:cNvSpPr/>
+                  <p:nvPr/>
+                </p:nvSpPr>
+                <p:spPr>
+                  <a:xfrm>
+                    <a:off x="8621472" y="2539093"/>
+                    <a:ext cx="798523" cy="407773"/>
+                  </a:xfrm>
+                  <a:prstGeom prst="roundRect">
+                    <a:avLst/>
+                  </a:prstGeom>
+                </p:spPr>
+                <p:style>
+                  <a:lnRef idx="2">
+                    <a:schemeClr val="accent1">
+                      <a:shade val="15000"/>
+                    </a:schemeClr>
+                  </a:lnRef>
+                  <a:fillRef idx="1">
+                    <a:schemeClr val="accent1"/>
+                  </a:fillRef>
+                  <a:effectRef idx="0">
+                    <a:schemeClr val="accent1"/>
+                  </a:effectRef>
+                  <a:fontRef idx="minor">
+                    <a:schemeClr val="lt1"/>
+                  </a:fontRef>
+                </p:style>
+                <p:txBody>
+                  <a:bodyPr rtlCol="0" anchor="ctr"/>
+                  <a:lstStyle/>
+                  <a:p>
+                    <a:pPr algn="ctr"/>
+                    <a14:m>
+                      <m:oMathPara xmlns:m="http://schemas.openxmlformats.org/officeDocument/2006/math">
+                        <m:oMathParaPr>
+                          <m:jc m:val="centerGroup"/>
+                        </m:oMathParaPr>
+                        <m:oMath xmlns:m="http://schemas.openxmlformats.org/officeDocument/2006/math">
+                          <m:sSub>
+                            <m:sSubPr>
+                              <m:ctrlPr>
+                                <a:rPr lang="en-VN" i="1" smtClean="0">
+                                  <a:latin typeface="Cambria Math" panose="02040503050406030204" pitchFamily="18" charset="0"/>
+                                </a:rPr>
+                              </m:ctrlPr>
+                            </m:sSubPr>
+                            <m:e>
+                              <m:r>
+                                <m:rPr>
+                                  <m:sty m:val="p"/>
+                                </m:rPr>
+                                <a:rPr lang="el-GR" i="1" smtClean="0">
+                                  <a:latin typeface="Cambria Math" panose="02040503050406030204" pitchFamily="18" charset="0"/>
+                                  <a:ea typeface="Cambria Math" panose="02040503050406030204" pitchFamily="18" charset="0"/>
+                                </a:rPr>
+                                <m:t>Φ</m:t>
+                              </m:r>
+                            </m:e>
+                            <m:sub>
+                              <m:sSub>
+                                <m:sSubPr>
+                                  <m:ctrlPr>
+                                    <a:rPr lang="en-VN" i="1" smtClean="0">
+                                      <a:latin typeface="Cambria Math" panose="02040503050406030204" pitchFamily="18" charset="0"/>
+                                    </a:rPr>
+                                  </m:ctrlPr>
+                                </m:sSubPr>
+                                <m:e>
+                                  <m:r>
+                                    <a:rPr lang="en-US" b="0" i="1" smtClean="0">
+                                      <a:latin typeface="Cambria Math" panose="02040503050406030204" pitchFamily="18" charset="0"/>
+                                    </a:rPr>
+                                    <m:t>𝑠</m:t>
+                                  </m:r>
+                                </m:e>
+                                <m:sub>
+                                  <m:r>
+                                    <a:rPr lang="en-US" b="0" i="1" smtClean="0">
+                                      <a:latin typeface="Cambria Math" panose="02040503050406030204" pitchFamily="18" charset="0"/>
+                                    </a:rPr>
+                                    <m:t>2</m:t>
+                                  </m:r>
+                                </m:sub>
+                              </m:sSub>
+                            </m:sub>
+                          </m:sSub>
+                        </m:oMath>
+                      </m:oMathPara>
+                    </a14:m>
+                    <a:endParaRPr lang="en-VN" dirty="0"/>
+                  </a:p>
+                </p:txBody>
+              </p:sp>
+            </mc:Choice>
+            <mc:Fallback xmlns="">
+              <p:sp>
+                <p:nvSpPr>
+                  <p:cNvPr id="12" name="Rounded Rectangle 11">
+                    <a:extLst>
+                      <a:ext uri="{FF2B5EF4-FFF2-40B4-BE49-F238E27FC236}">
+                        <a16:creationId xmlns:a16="http://schemas.microsoft.com/office/drawing/2014/main" id="{9E004C94-397F-CB6A-D124-031AD6EF17ED}"/>
+                      </a:ext>
+                    </a:extLst>
+                  </p:cNvPr>
+                  <p:cNvSpPr>
+                    <a:spLocks noRot="1" noChangeAspect="1" noMove="1" noResize="1" noEditPoints="1" noAdjustHandles="1" noChangeArrowheads="1" noChangeShapeType="1" noTextEdit="1"/>
+                  </p:cNvSpPr>
+                  <p:nvPr/>
+                </p:nvSpPr>
+                <p:spPr>
+                  <a:xfrm>
+                    <a:off x="8621472" y="2539093"/>
+                    <a:ext cx="798523" cy="407773"/>
+                  </a:xfrm>
+                  <a:prstGeom prst="roundRect">
+                    <a:avLst/>
+                  </a:prstGeom>
+                  <a:blipFill>
+                    <a:blip r:embed="rId12"/>
+                    <a:stretch>
+                      <a:fillRect/>
+                    </a:stretch>
+                  </a:blipFill>
+                </p:spPr>
+                <p:txBody>
+                  <a:bodyPr/>
+                  <a:lstStyle/>
+                  <a:p>
+                    <a:r>
+                      <a:rPr lang="en-VN">
+                        <a:noFill/>
+                      </a:rPr>
+                      <a:t> </a:t>
+                    </a:r>
+                  </a:p>
+                </p:txBody>
+              </p:sp>
+            </mc:Fallback>
+          </mc:AlternateContent>
+        </p:grpSp>
+        <p:grpSp>
+          <p:nvGrpSpPr>
+            <p:cNvPr id="46" name="Group 45">
+              <a:extLst>
+                <a:ext uri="{FF2B5EF4-FFF2-40B4-BE49-F238E27FC236}">
+                  <a16:creationId xmlns:a16="http://schemas.microsoft.com/office/drawing/2014/main" id="{8BF77A60-17E0-DDFA-D940-D769C273F248}"/>
+                </a:ext>
+              </a:extLst>
+            </p:cNvPr>
+            <p:cNvGrpSpPr/>
+            <p:nvPr/>
+          </p:nvGrpSpPr>
+          <p:grpSpPr>
+            <a:xfrm>
+              <a:off x="3512048" y="2530236"/>
+              <a:ext cx="1074032" cy="510194"/>
+              <a:chOff x="3579520" y="2556094"/>
+              <a:chExt cx="1074032" cy="510194"/>
+            </a:xfrm>
+          </p:grpSpPr>
+          <p:sp>
+            <p:nvSpPr>
+              <p:cNvPr id="19" name="Rounded Rectangle 18">
+                <a:extLst>
+                  <a:ext uri="{FF2B5EF4-FFF2-40B4-BE49-F238E27FC236}">
+                    <a16:creationId xmlns:a16="http://schemas.microsoft.com/office/drawing/2014/main" id="{5F25B3E8-2997-4EFB-673F-F9CA48A77945}"/>
+                  </a:ext>
+                </a:extLst>
+              </p:cNvPr>
+              <p:cNvSpPr/>
+              <p:nvPr/>
+            </p:nvSpPr>
+            <p:spPr>
+              <a:xfrm>
+                <a:off x="3579520" y="2556094"/>
+                <a:ext cx="1074032" cy="510194"/>
+              </a:xfrm>
+              <a:prstGeom prst="roundRect">
+                <a:avLst/>
+              </a:prstGeom>
+              <a:solidFill>
+                <a:schemeClr val="accent6"/>
+              </a:solidFill>
+            </p:spPr>
+            <p:style>
+              <a:lnRef idx="2">
+                <a:schemeClr val="accent1">
+                  <a:shade val="15000"/>
+                </a:schemeClr>
+              </a:lnRef>
+              <a:fillRef idx="1">
+                <a:schemeClr val="accent1"/>
+              </a:fillRef>
+              <a:effectRef idx="0">
+                <a:schemeClr val="accent1"/>
+              </a:effectRef>
+              <a:fontRef idx="minor">
+                <a:schemeClr val="lt1"/>
+              </a:fontRef>
+            </p:style>
+            <p:txBody>
+              <a:bodyPr rtlCol="0" anchor="ctr"/>
+              <a:lstStyle/>
+              <a:p>
+                <a:pPr algn="ctr"/>
+                <a:endParaRPr lang="en-VN"/>
+              </a:p>
+            </p:txBody>
+          </p:sp>
+          <mc:AlternateContent xmlns:mc="http://schemas.openxmlformats.org/markup-compatibility/2006">
+            <mc:Choice xmlns:a14="http://schemas.microsoft.com/office/drawing/2010/main" Requires="a14">
+              <p:sp>
+                <p:nvSpPr>
+                  <p:cNvPr id="26" name="Rounded Rectangle 25">
+                    <a:extLst>
+                      <a:ext uri="{FF2B5EF4-FFF2-40B4-BE49-F238E27FC236}">
+                        <a16:creationId xmlns:a16="http://schemas.microsoft.com/office/drawing/2014/main" id="{2825FB1E-2C49-E1A7-2DBC-D3C23179CEE8}"/>
+                      </a:ext>
+                    </a:extLst>
+                  </p:cNvPr>
+                  <p:cNvSpPr/>
+                  <p:nvPr/>
+                </p:nvSpPr>
+                <p:spPr>
+                  <a:xfrm>
+                    <a:off x="3701853" y="2602659"/>
+                    <a:ext cx="797282" cy="407773"/>
+                  </a:xfrm>
+                  <a:prstGeom prst="roundRect">
+                    <a:avLst/>
+                  </a:prstGeom>
+                </p:spPr>
+                <p:style>
+                  <a:lnRef idx="2">
+                    <a:schemeClr val="accent1">
+                      <a:shade val="15000"/>
+                    </a:schemeClr>
+                  </a:lnRef>
+                  <a:fillRef idx="1">
+                    <a:schemeClr val="accent1"/>
+                  </a:fillRef>
+                  <a:effectRef idx="0">
+                    <a:schemeClr val="accent1"/>
+                  </a:effectRef>
+                  <a:fontRef idx="minor">
+                    <a:schemeClr val="lt1"/>
+                  </a:fontRef>
+                </p:style>
+                <p:txBody>
+                  <a:bodyPr rtlCol="0" anchor="ctr"/>
+                  <a:lstStyle/>
+                  <a:p>
+                    <a:pPr algn="ctr"/>
+                    <a14:m>
+                      <m:oMathPara xmlns:m="http://schemas.openxmlformats.org/officeDocument/2006/math">
+                        <m:oMathParaPr>
+                          <m:jc m:val="centerGroup"/>
+                        </m:oMathParaPr>
+                        <m:oMath xmlns:m="http://schemas.openxmlformats.org/officeDocument/2006/math">
+                          <m:sSub>
+                            <m:sSubPr>
+                              <m:ctrlPr>
+                                <a:rPr lang="en-VN" i="1" smtClean="0">
+                                  <a:latin typeface="Cambria Math" panose="02040503050406030204" pitchFamily="18" charset="0"/>
+                                </a:rPr>
+                              </m:ctrlPr>
+                            </m:sSubPr>
+                            <m:e>
+                              <m:r>
+                                <m:rPr>
+                                  <m:sty m:val="p"/>
+                                </m:rPr>
+                                <a:rPr lang="el-GR" i="1" smtClean="0">
+                                  <a:latin typeface="Cambria Math" panose="02040503050406030204" pitchFamily="18" charset="0"/>
+                                  <a:ea typeface="Cambria Math" panose="02040503050406030204" pitchFamily="18" charset="0"/>
+                                </a:rPr>
+                                <m:t>Φ</m:t>
+                              </m:r>
+                            </m:e>
+                            <m:sub>
+                              <m:sSub>
+                                <m:sSubPr>
+                                  <m:ctrlPr>
+                                    <a:rPr lang="en-VN" i="1" smtClean="0">
+                                      <a:latin typeface="Cambria Math" panose="02040503050406030204" pitchFamily="18" charset="0"/>
+                                    </a:rPr>
+                                  </m:ctrlPr>
+                                </m:sSubPr>
+                                <m:e>
+                                  <m:r>
+                                    <a:rPr lang="en-US" b="0" i="1" smtClean="0">
+                                      <a:latin typeface="Cambria Math" panose="02040503050406030204" pitchFamily="18" charset="0"/>
+                                    </a:rPr>
+                                    <m:t>𝑠</m:t>
+                                  </m:r>
+                                </m:e>
+                                <m:sub>
+                                  <m:r>
+                                    <a:rPr lang="en-US" b="0" i="1" smtClean="0">
+                                      <a:latin typeface="Cambria Math" panose="02040503050406030204" pitchFamily="18" charset="0"/>
+                                    </a:rPr>
+                                    <m:t>1</m:t>
+                                  </m:r>
+                                </m:sub>
+                              </m:sSub>
+                            </m:sub>
+                          </m:sSub>
+                        </m:oMath>
+                      </m:oMathPara>
+                    </a14:m>
+                    <a:endParaRPr lang="en-VN" dirty="0"/>
+                  </a:p>
+                </p:txBody>
+              </p:sp>
+            </mc:Choice>
+            <mc:Fallback>
+              <p:sp>
+                <p:nvSpPr>
+                  <p:cNvPr id="26" name="Rounded Rectangle 25">
+                    <a:extLst>
+                      <a:ext uri="{FF2B5EF4-FFF2-40B4-BE49-F238E27FC236}">
+                        <a16:creationId xmlns:a16="http://schemas.microsoft.com/office/drawing/2014/main" id="{2825FB1E-2C49-E1A7-2DBC-D3C23179CEE8}"/>
+                      </a:ext>
+                    </a:extLst>
+                  </p:cNvPr>
+                  <p:cNvSpPr>
+                    <a:spLocks noRot="1" noChangeAspect="1" noMove="1" noResize="1" noEditPoints="1" noAdjustHandles="1" noChangeArrowheads="1" noChangeShapeType="1" noTextEdit="1"/>
+                  </p:cNvSpPr>
+                  <p:nvPr/>
+                </p:nvSpPr>
+                <p:spPr>
+                  <a:xfrm>
+                    <a:off x="3701853" y="2602659"/>
+                    <a:ext cx="797282" cy="407773"/>
+                  </a:xfrm>
+                  <a:prstGeom prst="roundRect">
+                    <a:avLst/>
+                  </a:prstGeom>
+                  <a:blipFill>
+                    <a:blip r:embed="rId13"/>
+                    <a:stretch>
+                      <a:fillRect/>
+                    </a:stretch>
+                  </a:blipFill>
+                </p:spPr>
+                <p:txBody>
+                  <a:bodyPr/>
+                  <a:lstStyle/>
+                  <a:p>
+                    <a:r>
+                      <a:rPr lang="en-VN">
+                        <a:noFill/>
+                      </a:rPr>
+                      <a:t> </a:t>
+                    </a:r>
+                  </a:p>
+                </p:txBody>
+              </p:sp>
+            </mc:Fallback>
+          </mc:AlternateContent>
+        </p:grpSp>
+        <mc:AlternateContent xmlns:mc="http://schemas.openxmlformats.org/markup-compatibility/2006">
+          <mc:Choice xmlns:a14="http://schemas.microsoft.com/office/drawing/2010/main" Requires="a14">
+            <p:sp>
+              <p:nvSpPr>
+                <p:cNvPr id="37" name="Rounded Rectangle 36">
+                  <a:extLst>
+                    <a:ext uri="{FF2B5EF4-FFF2-40B4-BE49-F238E27FC236}">
+                      <a16:creationId xmlns:a16="http://schemas.microsoft.com/office/drawing/2014/main" id="{EC490640-5A4D-E891-F5D5-5A7AC825167F}"/>
+                    </a:ext>
+                  </a:extLst>
+                </p:cNvPr>
+                <p:cNvSpPr/>
+                <p:nvPr/>
+              </p:nvSpPr>
+              <p:spPr>
+                <a:xfrm>
+                  <a:off x="9356411" y="1921472"/>
+                  <a:ext cx="797282" cy="407773"/>
+                </a:xfrm>
+                <a:prstGeom prst="roundRect">
+                  <a:avLst/>
+                </a:prstGeom>
+              </p:spPr>
+              <p:style>
+                <a:lnRef idx="2">
+                  <a:schemeClr val="accent1">
+                    <a:shade val="15000"/>
+                  </a:schemeClr>
+                </a:lnRef>
+                <a:fillRef idx="1">
+                  <a:schemeClr val="accent1"/>
+                </a:fillRef>
+                <a:effectRef idx="0">
+                  <a:schemeClr val="accent1"/>
+                </a:effectRef>
+                <a:fontRef idx="minor">
+                  <a:schemeClr val="lt1"/>
+                </a:fontRef>
+              </p:style>
+              <p:txBody>
+                <a:bodyPr rtlCol="0" anchor="ctr"/>
+                <a:lstStyle/>
+                <a:p>
+                  <a:pPr algn="ctr"/>
+                  <a14:m>
+                    <m:oMathPara xmlns:m="http://schemas.openxmlformats.org/officeDocument/2006/math">
+                      <m:oMathParaPr>
+                        <m:jc m:val="centerGroup"/>
+                      </m:oMathParaPr>
+                      <m:oMath xmlns:m="http://schemas.openxmlformats.org/officeDocument/2006/math">
+                        <m:sSub>
+                          <m:sSubPr>
+                            <m:ctrlPr>
+                              <a:rPr lang="en-VN" i="1" smtClean="0">
+                                <a:latin typeface="Cambria Math" panose="02040503050406030204" pitchFamily="18" charset="0"/>
+                              </a:rPr>
+                            </m:ctrlPr>
+                          </m:sSubPr>
+                          <m:e>
+                            <m:r>
+                              <m:rPr>
+                                <m:sty m:val="p"/>
+                              </m:rPr>
+                              <a:rPr lang="el-GR" i="1" smtClean="0">
+                                <a:latin typeface="Cambria Math" panose="02040503050406030204" pitchFamily="18" charset="0"/>
+                                <a:ea typeface="Cambria Math" panose="02040503050406030204" pitchFamily="18" charset="0"/>
+                              </a:rPr>
+                              <m:t>Φ</m:t>
+                            </m:r>
+                          </m:e>
+                          <m:sub>
+                            <m:r>
+                              <a:rPr lang="en-US" b="0" i="1" smtClean="0">
+                                <a:latin typeface="Cambria Math" panose="02040503050406030204" pitchFamily="18" charset="0"/>
+                              </a:rPr>
+                              <m:t>𝑔</m:t>
+                            </m:r>
+                          </m:sub>
+                        </m:sSub>
+                      </m:oMath>
+                    </m:oMathPara>
+                  </a14:m>
+                  <a:endParaRPr lang="en-VN" dirty="0"/>
+                </a:p>
+              </p:txBody>
+            </p:sp>
+          </mc:Choice>
+          <mc:Fallback>
+            <p:sp>
+              <p:nvSpPr>
+                <p:cNvPr id="37" name="Rounded Rectangle 36">
+                  <a:extLst>
+                    <a:ext uri="{FF2B5EF4-FFF2-40B4-BE49-F238E27FC236}">
+                      <a16:creationId xmlns:a16="http://schemas.microsoft.com/office/drawing/2014/main" id="{EC490640-5A4D-E891-F5D5-5A7AC825167F}"/>
+                    </a:ext>
+                  </a:extLst>
+                </p:cNvPr>
+                <p:cNvSpPr>
+                  <a:spLocks noRot="1" noChangeAspect="1" noMove="1" noResize="1" noEditPoints="1" noAdjustHandles="1" noChangeArrowheads="1" noChangeShapeType="1" noTextEdit="1"/>
+                </p:cNvSpPr>
+                <p:nvPr/>
+              </p:nvSpPr>
+              <p:spPr>
+                <a:xfrm>
+                  <a:off x="9356411" y="1921472"/>
+                  <a:ext cx="797282" cy="407773"/>
+                </a:xfrm>
+                <a:prstGeom prst="roundRect">
+                  <a:avLst/>
+                </a:prstGeom>
+                <a:blipFill>
+                  <a:blip r:embed="rId14"/>
+                  <a:stretch>
+                    <a:fillRect/>
+                  </a:stretch>
+                </a:blipFill>
+              </p:spPr>
+              <p:txBody>
+                <a:bodyPr/>
+                <a:lstStyle/>
+                <a:p>
+                  <a:r>
+                    <a:rPr lang="en-VN">
+                      <a:noFill/>
+                    </a:rPr>
+                    <a:t> </a:t>
+                  </a:r>
+                </a:p>
+              </p:txBody>
+            </p:sp>
+          </mc:Fallback>
+        </mc:AlternateContent>
+        <mc:AlternateContent xmlns:mc="http://schemas.openxmlformats.org/markup-compatibility/2006">
+          <mc:Choice xmlns:a14="http://schemas.microsoft.com/office/drawing/2010/main" Requires="a14">
+            <p:sp>
+              <p:nvSpPr>
+                <p:cNvPr id="39" name="Rounded Rectangle 38">
+                  <a:extLst>
+                    <a:ext uri="{FF2B5EF4-FFF2-40B4-BE49-F238E27FC236}">
+                      <a16:creationId xmlns:a16="http://schemas.microsoft.com/office/drawing/2014/main" id="{0F648C87-5B96-ED32-9DA4-C47C78508001}"/>
+                    </a:ext>
+                  </a:extLst>
+                </p:cNvPr>
+                <p:cNvSpPr/>
+                <p:nvPr/>
+              </p:nvSpPr>
+              <p:spPr>
+                <a:xfrm>
+                  <a:off x="10366795" y="2633051"/>
+                  <a:ext cx="792555" cy="407773"/>
+                </a:xfrm>
+                <a:prstGeom prst="roundRect">
+                  <a:avLst/>
+                </a:prstGeom>
+              </p:spPr>
+              <p:style>
+                <a:lnRef idx="2">
+                  <a:schemeClr val="accent1">
+                    <a:shade val="15000"/>
+                  </a:schemeClr>
+                </a:lnRef>
+                <a:fillRef idx="1">
+                  <a:schemeClr val="accent1"/>
+                </a:fillRef>
+                <a:effectRef idx="0">
+                  <a:schemeClr val="accent1"/>
+                </a:effectRef>
+                <a:fontRef idx="minor">
+                  <a:schemeClr val="lt1"/>
+                </a:fontRef>
+              </p:style>
+              <p:txBody>
+                <a:bodyPr rtlCol="0" anchor="ctr"/>
+                <a:lstStyle/>
+                <a:p>
+                  <a:pPr algn="ctr"/>
+                  <a14:m>
+                    <m:oMathPara xmlns:m="http://schemas.openxmlformats.org/officeDocument/2006/math">
+                      <m:oMathParaPr>
+                        <m:jc m:val="centerGroup"/>
+                      </m:oMathParaPr>
+                      <m:oMath xmlns:m="http://schemas.openxmlformats.org/officeDocument/2006/math">
+                        <m:sSub>
+                          <m:sSubPr>
+                            <m:ctrlPr>
+                              <a:rPr lang="en-VN" i="1" smtClean="0">
+                                <a:latin typeface="Cambria Math" panose="02040503050406030204" pitchFamily="18" charset="0"/>
+                              </a:rPr>
+                            </m:ctrlPr>
+                          </m:sSubPr>
+                          <m:e>
+                            <m:r>
+                              <m:rPr>
+                                <m:sty m:val="p"/>
+                              </m:rPr>
+                              <a:rPr lang="el-GR" i="1" smtClean="0">
+                                <a:latin typeface="Cambria Math" panose="02040503050406030204" pitchFamily="18" charset="0"/>
+                                <a:ea typeface="Cambria Math" panose="02040503050406030204" pitchFamily="18" charset="0"/>
+                              </a:rPr>
+                              <m:t>Φ</m:t>
+                            </m:r>
+                          </m:e>
+                          <m:sub>
+                            <m:sSub>
+                              <m:sSubPr>
+                                <m:ctrlPr>
+                                  <a:rPr lang="en-VN" i="1" smtClean="0">
+                                    <a:latin typeface="Cambria Math" panose="02040503050406030204" pitchFamily="18" charset="0"/>
+                                  </a:rPr>
+                                </m:ctrlPr>
+                              </m:sSubPr>
+                              <m:e>
+                                <m:r>
+                                  <a:rPr lang="en-US" b="0" i="1" smtClean="0">
+                                    <a:latin typeface="Cambria Math" panose="02040503050406030204" pitchFamily="18" charset="0"/>
+                                  </a:rPr>
+                                  <m:t>𝑠</m:t>
+                                </m:r>
+                              </m:e>
+                              <m:sub>
+                                <m:r>
+                                  <a:rPr lang="en-US" b="0" i="1" smtClean="0">
+                                    <a:latin typeface="Cambria Math" panose="02040503050406030204" pitchFamily="18" charset="0"/>
+                                  </a:rPr>
+                                  <m:t>3</m:t>
+                                </m:r>
+                              </m:sub>
+                            </m:sSub>
+                          </m:sub>
+                        </m:sSub>
+                      </m:oMath>
+                    </m:oMathPara>
+                  </a14:m>
+                  <a:endParaRPr lang="en-VN" dirty="0"/>
+                </a:p>
+              </p:txBody>
+            </p:sp>
+          </mc:Choice>
+          <mc:Fallback>
+            <p:sp>
+              <p:nvSpPr>
+                <p:cNvPr id="39" name="Rounded Rectangle 38">
+                  <a:extLst>
+                    <a:ext uri="{FF2B5EF4-FFF2-40B4-BE49-F238E27FC236}">
+                      <a16:creationId xmlns:a16="http://schemas.microsoft.com/office/drawing/2014/main" id="{0F648C87-5B96-ED32-9DA4-C47C78508001}"/>
+                    </a:ext>
+                  </a:extLst>
+                </p:cNvPr>
+                <p:cNvSpPr>
+                  <a:spLocks noRot="1" noChangeAspect="1" noMove="1" noResize="1" noEditPoints="1" noAdjustHandles="1" noChangeArrowheads="1" noChangeShapeType="1" noTextEdit="1"/>
+                </p:cNvSpPr>
+                <p:nvPr/>
+              </p:nvSpPr>
+              <p:spPr>
+                <a:xfrm>
+                  <a:off x="10366795" y="2633051"/>
+                  <a:ext cx="792555" cy="407773"/>
+                </a:xfrm>
+                <a:prstGeom prst="roundRect">
+                  <a:avLst/>
+                </a:prstGeom>
+                <a:blipFill>
+                  <a:blip r:embed="rId15"/>
+                  <a:stretch>
+                    <a:fillRect/>
+                  </a:stretch>
+                </a:blipFill>
+              </p:spPr>
+              <p:txBody>
+                <a:bodyPr/>
+                <a:lstStyle/>
+                <a:p>
+                  <a:r>
+                    <a:rPr lang="en-VN">
+                      <a:noFill/>
+                    </a:rPr>
+                    <a:t> </a:t>
+                  </a:r>
+                </a:p>
+              </p:txBody>
+            </p:sp>
+          </mc:Fallback>
+        </mc:AlternateContent>
+        <p:sp>
+          <p:nvSpPr>
+            <p:cNvPr id="41" name="TextBox 40">
+              <a:extLst>
+                <a:ext uri="{FF2B5EF4-FFF2-40B4-BE49-F238E27FC236}">
+                  <a16:creationId xmlns:a16="http://schemas.microsoft.com/office/drawing/2014/main" id="{A8A23A6F-8F72-8412-8689-842BE185D68E}"/>
+                </a:ext>
+              </a:extLst>
+            </p:cNvPr>
+            <p:cNvSpPr txBox="1"/>
+            <p:nvPr/>
+          </p:nvSpPr>
+          <p:spPr>
+            <a:xfrm>
+              <a:off x="2093853" y="2430313"/>
+              <a:ext cx="703398" cy="369332"/>
+            </a:xfrm>
+            <a:prstGeom prst="rect">
+              <a:avLst/>
+            </a:prstGeom>
+            <a:noFill/>
+          </p:spPr>
+          <p:txBody>
+            <a:bodyPr wrap="none" rtlCol="0">
+              <a:spAutoFit/>
+            </a:bodyPr>
+            <a:lstStyle/>
+            <a:p>
+              <a:r>
+                <a:rPr lang="en-VN" dirty="0"/>
+                <a:t>Copy</a:t>
+              </a:r>
+            </a:p>
+          </p:txBody>
+        </p:sp>
+        <p:cxnSp>
+          <p:nvCxnSpPr>
+            <p:cNvPr id="48" name="Straight Arrow Connector 47">
+              <a:extLst>
+                <a:ext uri="{FF2B5EF4-FFF2-40B4-BE49-F238E27FC236}">
+                  <a16:creationId xmlns:a16="http://schemas.microsoft.com/office/drawing/2014/main" id="{82040BCE-2A94-50A0-581B-9000136B1C5E}"/>
+                </a:ext>
+              </a:extLst>
+            </p:cNvPr>
+            <p:cNvCxnSpPr>
+              <a:stCxn id="3" idx="3"/>
+              <a:endCxn id="19" idx="1"/>
+            </p:cNvCxnSpPr>
+            <p:nvPr/>
+          </p:nvCxnSpPr>
+          <p:spPr>
+            <a:xfrm>
+              <a:off x="1495001" y="2780688"/>
+              <a:ext cx="2017047" cy="4645"/>
+            </a:xfrm>
+            <a:prstGeom prst="straightConnector1">
+              <a:avLst/>
+            </a:prstGeom>
+            <a:ln>
+              <a:tailEnd type="triangle"/>
+            </a:ln>
+          </p:spPr>
+          <p:style>
+            <a:lnRef idx="2">
+              <a:schemeClr val="accent1"/>
+            </a:lnRef>
+            <a:fillRef idx="0">
+              <a:schemeClr val="accent1"/>
+            </a:fillRef>
+            <a:effectRef idx="1">
+              <a:schemeClr val="accent1"/>
+            </a:effectRef>
+            <a:fontRef idx="minor">
+              <a:schemeClr val="tx1"/>
+            </a:fontRef>
+          </p:style>
+        </p:cxnSp>
+        <p:cxnSp>
+          <p:nvCxnSpPr>
+            <p:cNvPr id="61" name="Straight Arrow Connector 60">
+              <a:extLst>
+                <a:ext uri="{FF2B5EF4-FFF2-40B4-BE49-F238E27FC236}">
+                  <a16:creationId xmlns:a16="http://schemas.microsoft.com/office/drawing/2014/main" id="{5242500F-859C-DC1F-D936-1657831779E6}"/>
+                </a:ext>
+              </a:extLst>
+            </p:cNvPr>
+            <p:cNvCxnSpPr>
+              <a:stCxn id="24" idx="3"/>
+              <a:endCxn id="15" idx="1"/>
+            </p:cNvCxnSpPr>
+            <p:nvPr/>
+          </p:nvCxnSpPr>
+          <p:spPr>
+            <a:xfrm flipV="1">
+              <a:off x="5853190" y="2806372"/>
+              <a:ext cx="2296558" cy="4694"/>
+            </a:xfrm>
+            <a:prstGeom prst="straightConnector1">
+              <a:avLst/>
+            </a:prstGeom>
+            <a:ln>
+              <a:tailEnd type="triangle"/>
+            </a:ln>
+          </p:spPr>
+          <p:style>
+            <a:lnRef idx="2">
+              <a:schemeClr val="accent1"/>
+            </a:lnRef>
+            <a:fillRef idx="0">
+              <a:schemeClr val="accent1"/>
+            </a:fillRef>
+            <a:effectRef idx="1">
+              <a:schemeClr val="accent1"/>
+            </a:effectRef>
+            <a:fontRef idx="minor">
+              <a:schemeClr val="tx1"/>
+            </a:fontRef>
+          </p:style>
+        </p:cxnSp>
+        <p:sp>
+          <p:nvSpPr>
+            <p:cNvPr id="75" name="TextBox 74">
+              <a:extLst>
+                <a:ext uri="{FF2B5EF4-FFF2-40B4-BE49-F238E27FC236}">
+                  <a16:creationId xmlns:a16="http://schemas.microsoft.com/office/drawing/2014/main" id="{5F883FF1-AF71-9E50-36FF-2A1596F0015D}"/>
+                </a:ext>
+              </a:extLst>
+            </p:cNvPr>
+            <p:cNvSpPr txBox="1"/>
+            <p:nvPr/>
+          </p:nvSpPr>
+          <p:spPr>
+            <a:xfrm>
+              <a:off x="6503831" y="2448385"/>
+              <a:ext cx="703398" cy="369332"/>
+            </a:xfrm>
+            <a:prstGeom prst="rect">
+              <a:avLst/>
+            </a:prstGeom>
+            <a:noFill/>
+          </p:spPr>
+          <p:txBody>
+            <a:bodyPr wrap="none" rtlCol="0">
+              <a:spAutoFit/>
+            </a:bodyPr>
+            <a:lstStyle/>
+            <a:p>
+              <a:r>
+                <a:rPr lang="en-VN" dirty="0"/>
+                <a:t>Copy</a:t>
+              </a:r>
+            </a:p>
+          </p:txBody>
+        </p:sp>
+        <p:sp>
+          <p:nvSpPr>
+            <p:cNvPr id="76" name="TextBox 75">
+              <a:extLst>
+                <a:ext uri="{FF2B5EF4-FFF2-40B4-BE49-F238E27FC236}">
+                  <a16:creationId xmlns:a16="http://schemas.microsoft.com/office/drawing/2014/main" id="{A120BF77-76E3-6D79-07AE-00574B02DFEE}"/>
+                </a:ext>
+              </a:extLst>
+            </p:cNvPr>
+            <p:cNvSpPr txBox="1"/>
+            <p:nvPr/>
+          </p:nvSpPr>
+          <p:spPr>
+            <a:xfrm>
+              <a:off x="6151585" y="2831585"/>
+              <a:ext cx="1410001" cy="369332"/>
+            </a:xfrm>
+            <a:prstGeom prst="rect">
+              <a:avLst/>
+            </a:prstGeom>
+            <a:noFill/>
+          </p:spPr>
+          <p:txBody>
+            <a:bodyPr wrap="square" rtlCol="0">
+              <a:spAutoFit/>
+            </a:bodyPr>
+            <a:lstStyle/>
+            <a:p>
+              <a:r>
+                <a:rPr lang="en-VN" dirty="0"/>
+                <a:t>Weight Align</a:t>
+              </a:r>
+            </a:p>
+          </p:txBody>
+        </p:sp>
+      </p:grpSp>
     </p:spTree>
     <p:extLst>
       <p:ext uri="{BB962C8B-B14F-4D97-AF65-F5344CB8AC3E}">

--- a/Media/Figure.pptx
+++ b/Media/Figure.pptx
@@ -7,10 +7,11 @@
   <p:sldIdLst>
     <p:sldId id="257" r:id="rId2"/>
     <p:sldId id="258" r:id="rId3"/>
-    <p:sldId id="259" r:id="rId4"/>
-    <p:sldId id="260" r:id="rId5"/>
-    <p:sldId id="261" r:id="rId6"/>
-    <p:sldId id="262" r:id="rId7"/>
+    <p:sldId id="263" r:id="rId4"/>
+    <p:sldId id="259" r:id="rId5"/>
+    <p:sldId id="260" r:id="rId6"/>
+    <p:sldId id="261" r:id="rId7"/>
+    <p:sldId id="262" r:id="rId8"/>
   </p:sldIdLst>
   <p:sldSz cx="12192000" cy="6858000"/>
   <p:notesSz cx="6858000" cy="9144000"/>
@@ -266,7 +267,7 @@
           <a:p>
             <a:fld id="{7959E98B-ABE6-5D43-AAFE-9F5C8C770207}" type="datetimeFigureOut">
               <a:rPr lang="en-VN" smtClean="0"/>
-              <a:t>17/03/2024</a:t>
+              <a:t>13/06/2024</a:t>
             </a:fld>
             <a:endParaRPr lang="en-VN"/>
           </a:p>
@@ -466,7 +467,7 @@
           <a:p>
             <a:fld id="{7959E98B-ABE6-5D43-AAFE-9F5C8C770207}" type="datetimeFigureOut">
               <a:rPr lang="en-VN" smtClean="0"/>
-              <a:t>17/03/2024</a:t>
+              <a:t>13/06/2024</a:t>
             </a:fld>
             <a:endParaRPr lang="en-VN"/>
           </a:p>
@@ -676,7 +677,7 @@
           <a:p>
             <a:fld id="{7959E98B-ABE6-5D43-AAFE-9F5C8C770207}" type="datetimeFigureOut">
               <a:rPr lang="en-VN" smtClean="0"/>
-              <a:t>17/03/2024</a:t>
+              <a:t>13/06/2024</a:t>
             </a:fld>
             <a:endParaRPr lang="en-VN"/>
           </a:p>
@@ -876,7 +877,7 @@
           <a:p>
             <a:fld id="{7959E98B-ABE6-5D43-AAFE-9F5C8C770207}" type="datetimeFigureOut">
               <a:rPr lang="en-VN" smtClean="0"/>
-              <a:t>17/03/2024</a:t>
+              <a:t>13/06/2024</a:t>
             </a:fld>
             <a:endParaRPr lang="en-VN"/>
           </a:p>
@@ -1152,7 +1153,7 @@
           <a:p>
             <a:fld id="{7959E98B-ABE6-5D43-AAFE-9F5C8C770207}" type="datetimeFigureOut">
               <a:rPr lang="en-VN" smtClean="0"/>
-              <a:t>17/03/2024</a:t>
+              <a:t>13/06/2024</a:t>
             </a:fld>
             <a:endParaRPr lang="en-VN"/>
           </a:p>
@@ -1420,7 +1421,7 @@
           <a:p>
             <a:fld id="{7959E98B-ABE6-5D43-AAFE-9F5C8C770207}" type="datetimeFigureOut">
               <a:rPr lang="en-VN" smtClean="0"/>
-              <a:t>17/03/2024</a:t>
+              <a:t>13/06/2024</a:t>
             </a:fld>
             <a:endParaRPr lang="en-VN"/>
           </a:p>
@@ -1835,7 +1836,7 @@
           <a:p>
             <a:fld id="{7959E98B-ABE6-5D43-AAFE-9F5C8C770207}" type="datetimeFigureOut">
               <a:rPr lang="en-VN" smtClean="0"/>
-              <a:t>17/03/2024</a:t>
+              <a:t>13/06/2024</a:t>
             </a:fld>
             <a:endParaRPr lang="en-VN"/>
           </a:p>
@@ -1977,7 +1978,7 @@
           <a:p>
             <a:fld id="{7959E98B-ABE6-5D43-AAFE-9F5C8C770207}" type="datetimeFigureOut">
               <a:rPr lang="en-VN" smtClean="0"/>
-              <a:t>17/03/2024</a:t>
+              <a:t>13/06/2024</a:t>
             </a:fld>
             <a:endParaRPr lang="en-VN"/>
           </a:p>
@@ -2090,7 +2091,7 @@
           <a:p>
             <a:fld id="{7959E98B-ABE6-5D43-AAFE-9F5C8C770207}" type="datetimeFigureOut">
               <a:rPr lang="en-VN" smtClean="0"/>
-              <a:t>17/03/2024</a:t>
+              <a:t>13/06/2024</a:t>
             </a:fld>
             <a:endParaRPr lang="en-VN"/>
           </a:p>
@@ -2403,7 +2404,7 @@
           <a:p>
             <a:fld id="{7959E98B-ABE6-5D43-AAFE-9F5C8C770207}" type="datetimeFigureOut">
               <a:rPr lang="en-VN" smtClean="0"/>
-              <a:t>17/03/2024</a:t>
+              <a:t>13/06/2024</a:t>
             </a:fld>
             <a:endParaRPr lang="en-VN"/>
           </a:p>
@@ -2692,7 +2693,7 @@
           <a:p>
             <a:fld id="{7959E98B-ABE6-5D43-AAFE-9F5C8C770207}" type="datetimeFigureOut">
               <a:rPr lang="en-VN" smtClean="0"/>
-              <a:t>17/03/2024</a:t>
+              <a:t>13/06/2024</a:t>
             </a:fld>
             <a:endParaRPr lang="en-VN"/>
           </a:p>
@@ -2935,7 +2936,7 @@
           <a:p>
             <a:fld id="{7959E98B-ABE6-5D43-AAFE-9F5C8C770207}" type="datetimeFigureOut">
               <a:rPr lang="en-VN" smtClean="0"/>
-              <a:t>17/03/2024</a:t>
+              <a:t>13/06/2024</a:t>
             </a:fld>
             <a:endParaRPr lang="en-VN"/>
           </a:p>
@@ -5025,6 +5026,830 @@
           <a:chExt cx="0" cy="0"/>
         </a:xfrm>
       </p:grpSpPr>
+      <p:grpSp>
+        <p:nvGrpSpPr>
+          <p:cNvPr id="29" name="Group 28">
+            <a:extLst>
+              <a:ext uri="{FF2B5EF4-FFF2-40B4-BE49-F238E27FC236}">
+                <a16:creationId xmlns:a16="http://schemas.microsoft.com/office/drawing/2014/main" id="{33A84B34-E446-098C-2095-1BC0199518AF}"/>
+              </a:ext>
+            </a:extLst>
+          </p:cNvPr>
+          <p:cNvGrpSpPr/>
+          <p:nvPr/>
+        </p:nvGrpSpPr>
+        <p:grpSpPr>
+          <a:xfrm>
+            <a:off x="843148" y="201881"/>
+            <a:ext cx="10067791" cy="6424623"/>
+            <a:chOff x="843148" y="201881"/>
+            <a:chExt cx="10067791" cy="6424623"/>
+          </a:xfrm>
+        </p:grpSpPr>
+        <p:sp>
+          <p:nvSpPr>
+            <p:cNvPr id="22" name="Down Arrow 21">
+              <a:extLst>
+                <a:ext uri="{FF2B5EF4-FFF2-40B4-BE49-F238E27FC236}">
+                  <a16:creationId xmlns:a16="http://schemas.microsoft.com/office/drawing/2014/main" id="{853C7CBD-E0BC-5157-4A28-9B9646D18CD3}"/>
+                </a:ext>
+              </a:extLst>
+            </p:cNvPr>
+            <p:cNvSpPr/>
+            <p:nvPr/>
+          </p:nvSpPr>
+          <p:spPr>
+            <a:xfrm>
+              <a:off x="843148" y="201881"/>
+              <a:ext cx="1947554" cy="6163292"/>
+            </a:xfrm>
+            <a:prstGeom prst="downArrow">
+              <a:avLst/>
+            </a:prstGeom>
+          </p:spPr>
+          <p:style>
+            <a:lnRef idx="2">
+              <a:schemeClr val="accent1">
+                <a:shade val="15000"/>
+              </a:schemeClr>
+            </a:lnRef>
+            <a:fillRef idx="1">
+              <a:schemeClr val="accent1"/>
+            </a:fillRef>
+            <a:effectRef idx="0">
+              <a:schemeClr val="accent1"/>
+            </a:effectRef>
+            <a:fontRef idx="minor">
+              <a:schemeClr val="lt1"/>
+            </a:fontRef>
+          </p:style>
+          <p:txBody>
+            <a:bodyPr rtlCol="0" anchor="ctr"/>
+            <a:lstStyle/>
+            <a:p>
+              <a:pPr algn="ctr"/>
+              <a:r>
+                <a:rPr lang="en-VN" dirty="0"/>
+                <a:t>Training Task</a:t>
+              </a:r>
+            </a:p>
+          </p:txBody>
+        </p:sp>
+        <p:grpSp>
+          <p:nvGrpSpPr>
+            <p:cNvPr id="28" name="Group 27">
+              <a:extLst>
+                <a:ext uri="{FF2B5EF4-FFF2-40B4-BE49-F238E27FC236}">
+                  <a16:creationId xmlns:a16="http://schemas.microsoft.com/office/drawing/2014/main" id="{48A6BA4B-B157-FDCF-8934-4120DA41F389}"/>
+                </a:ext>
+              </a:extLst>
+            </p:cNvPr>
+            <p:cNvGrpSpPr/>
+            <p:nvPr/>
+          </p:nvGrpSpPr>
+          <p:grpSpPr>
+            <a:xfrm>
+              <a:off x="3443416" y="552041"/>
+              <a:ext cx="2652584" cy="6074463"/>
+              <a:chOff x="3443416" y="552041"/>
+              <a:chExt cx="2652584" cy="6074463"/>
+            </a:xfrm>
+          </p:grpSpPr>
+          <p:grpSp>
+            <p:nvGrpSpPr>
+              <p:cNvPr id="26" name="Group 25">
+                <a:extLst>
+                  <a:ext uri="{FF2B5EF4-FFF2-40B4-BE49-F238E27FC236}">
+                    <a16:creationId xmlns:a16="http://schemas.microsoft.com/office/drawing/2014/main" id="{1806FDC6-C2B6-1AF1-87BC-D76D3C93BFCB}"/>
+                  </a:ext>
+                </a:extLst>
+              </p:cNvPr>
+              <p:cNvGrpSpPr/>
+              <p:nvPr/>
+            </p:nvGrpSpPr>
+            <p:grpSpPr>
+              <a:xfrm>
+                <a:off x="3443416" y="552041"/>
+                <a:ext cx="2652584" cy="5445211"/>
+                <a:chOff x="3443416" y="552041"/>
+                <a:chExt cx="2652584" cy="5445211"/>
+              </a:xfrm>
+            </p:grpSpPr>
+            <p:sp>
+              <p:nvSpPr>
+                <p:cNvPr id="4" name="Rectangle 3">
+                  <a:extLst>
+                    <a:ext uri="{FF2B5EF4-FFF2-40B4-BE49-F238E27FC236}">
+                      <a16:creationId xmlns:a16="http://schemas.microsoft.com/office/drawing/2014/main" id="{53C089D4-1E52-5D04-866B-9A2C2C1521E0}"/>
+                    </a:ext>
+                  </a:extLst>
+                </p:cNvPr>
+                <p:cNvSpPr/>
+                <p:nvPr/>
+              </p:nvSpPr>
+              <p:spPr>
+                <a:xfrm>
+                  <a:off x="3443416" y="552041"/>
+                  <a:ext cx="790832" cy="1705233"/>
+                </a:xfrm>
+                <a:prstGeom prst="rect">
+                  <a:avLst/>
+                </a:prstGeom>
+              </p:spPr>
+              <p:style>
+                <a:lnRef idx="2">
+                  <a:schemeClr val="accent1">
+                    <a:shade val="15000"/>
+                  </a:schemeClr>
+                </a:lnRef>
+                <a:fillRef idx="1">
+                  <a:schemeClr val="accent1"/>
+                </a:fillRef>
+                <a:effectRef idx="0">
+                  <a:schemeClr val="accent1"/>
+                </a:effectRef>
+                <a:fontRef idx="minor">
+                  <a:schemeClr val="lt1"/>
+                </a:fontRef>
+              </p:style>
+              <p:txBody>
+                <a:bodyPr rtlCol="0" anchor="ctr"/>
+                <a:lstStyle/>
+                <a:p>
+                  <a:pPr algn="ctr"/>
+                  <a:endParaRPr lang="en-VN"/>
+                </a:p>
+              </p:txBody>
+            </p:sp>
+            <p:sp>
+              <p:nvSpPr>
+                <p:cNvPr id="5" name="Rectangle 4">
+                  <a:extLst>
+                    <a:ext uri="{FF2B5EF4-FFF2-40B4-BE49-F238E27FC236}">
+                      <a16:creationId xmlns:a16="http://schemas.microsoft.com/office/drawing/2014/main" id="{5EE946B0-E4FF-B58F-91A3-C1C0BE6A1F65}"/>
+                    </a:ext>
+                  </a:extLst>
+                </p:cNvPr>
+                <p:cNvSpPr/>
+                <p:nvPr/>
+              </p:nvSpPr>
+              <p:spPr>
+                <a:xfrm>
+                  <a:off x="4374292" y="4292019"/>
+                  <a:ext cx="790832" cy="1705233"/>
+                </a:xfrm>
+                <a:prstGeom prst="rect">
+                  <a:avLst/>
+                </a:prstGeom>
+                <a:solidFill>
+                  <a:schemeClr val="accent2"/>
+                </a:solidFill>
+              </p:spPr>
+              <p:style>
+                <a:lnRef idx="2">
+                  <a:schemeClr val="accent1">
+                    <a:shade val="15000"/>
+                  </a:schemeClr>
+                </a:lnRef>
+                <a:fillRef idx="1">
+                  <a:schemeClr val="accent1"/>
+                </a:fillRef>
+                <a:effectRef idx="0">
+                  <a:schemeClr val="accent1"/>
+                </a:effectRef>
+                <a:fontRef idx="minor">
+                  <a:schemeClr val="lt1"/>
+                </a:fontRef>
+              </p:style>
+              <p:txBody>
+                <a:bodyPr rtlCol="0" anchor="ctr"/>
+                <a:lstStyle/>
+                <a:p>
+                  <a:pPr algn="ctr"/>
+                  <a:endParaRPr lang="en-VN"/>
+                </a:p>
+              </p:txBody>
+            </p:sp>
+            <p:sp>
+              <p:nvSpPr>
+                <p:cNvPr id="6" name="Rectangle 5">
+                  <a:extLst>
+                    <a:ext uri="{FF2B5EF4-FFF2-40B4-BE49-F238E27FC236}">
+                      <a16:creationId xmlns:a16="http://schemas.microsoft.com/office/drawing/2014/main" id="{EE3B3FB8-F797-00A6-24BB-B3FC28C2EB93}"/>
+                    </a:ext>
+                  </a:extLst>
+                </p:cNvPr>
+                <p:cNvSpPr/>
+                <p:nvPr/>
+              </p:nvSpPr>
+              <p:spPr>
+                <a:xfrm>
+                  <a:off x="5305168" y="4292019"/>
+                  <a:ext cx="790832" cy="1705233"/>
+                </a:xfrm>
+                <a:prstGeom prst="rect">
+                  <a:avLst/>
+                </a:prstGeom>
+                <a:solidFill>
+                  <a:schemeClr val="accent6"/>
+                </a:solidFill>
+              </p:spPr>
+              <p:style>
+                <a:lnRef idx="2">
+                  <a:schemeClr val="accent1">
+                    <a:shade val="15000"/>
+                  </a:schemeClr>
+                </a:lnRef>
+                <a:fillRef idx="1">
+                  <a:schemeClr val="accent1"/>
+                </a:fillRef>
+                <a:effectRef idx="0">
+                  <a:schemeClr val="accent1"/>
+                </a:effectRef>
+                <a:fontRef idx="minor">
+                  <a:schemeClr val="lt1"/>
+                </a:fontRef>
+              </p:style>
+              <p:txBody>
+                <a:bodyPr rtlCol="0" anchor="ctr"/>
+                <a:lstStyle/>
+                <a:p>
+                  <a:pPr algn="ctr"/>
+                  <a:endParaRPr lang="en-VN"/>
+                </a:p>
+              </p:txBody>
+            </p:sp>
+            <p:sp>
+              <p:nvSpPr>
+                <p:cNvPr id="8" name="Rectangle 7">
+                  <a:extLst>
+                    <a:ext uri="{FF2B5EF4-FFF2-40B4-BE49-F238E27FC236}">
+                      <a16:creationId xmlns:a16="http://schemas.microsoft.com/office/drawing/2014/main" id="{19913881-21C9-1CA1-CED7-15536403A673}"/>
+                    </a:ext>
+                  </a:extLst>
+                </p:cNvPr>
+                <p:cNvSpPr/>
+                <p:nvPr/>
+              </p:nvSpPr>
+              <p:spPr>
+                <a:xfrm>
+                  <a:off x="3443416" y="4292019"/>
+                  <a:ext cx="790832" cy="1705233"/>
+                </a:xfrm>
+                <a:prstGeom prst="rect">
+                  <a:avLst/>
+                </a:prstGeom>
+              </p:spPr>
+              <p:style>
+                <a:lnRef idx="2">
+                  <a:schemeClr val="accent1">
+                    <a:shade val="15000"/>
+                  </a:schemeClr>
+                </a:lnRef>
+                <a:fillRef idx="1">
+                  <a:schemeClr val="accent1"/>
+                </a:fillRef>
+                <a:effectRef idx="0">
+                  <a:schemeClr val="accent1"/>
+                </a:effectRef>
+                <a:fontRef idx="minor">
+                  <a:schemeClr val="lt1"/>
+                </a:fontRef>
+              </p:style>
+              <p:txBody>
+                <a:bodyPr rtlCol="0" anchor="ctr"/>
+                <a:lstStyle/>
+                <a:p>
+                  <a:pPr algn="ctr"/>
+                  <a:endParaRPr lang="en-VN"/>
+                </a:p>
+              </p:txBody>
+            </p:sp>
+            <p:sp>
+              <p:nvSpPr>
+                <p:cNvPr id="9" name="Rectangle 8">
+                  <a:extLst>
+                    <a:ext uri="{FF2B5EF4-FFF2-40B4-BE49-F238E27FC236}">
+                      <a16:creationId xmlns:a16="http://schemas.microsoft.com/office/drawing/2014/main" id="{1C6E1F67-3525-C788-A9FD-BB926C361748}"/>
+                    </a:ext>
+                  </a:extLst>
+                </p:cNvPr>
+                <p:cNvSpPr/>
+                <p:nvPr/>
+              </p:nvSpPr>
+              <p:spPr>
+                <a:xfrm>
+                  <a:off x="3443416" y="2422030"/>
+                  <a:ext cx="790832" cy="1705233"/>
+                </a:xfrm>
+                <a:prstGeom prst="rect">
+                  <a:avLst/>
+                </a:prstGeom>
+              </p:spPr>
+              <p:style>
+                <a:lnRef idx="2">
+                  <a:schemeClr val="accent1">
+                    <a:shade val="15000"/>
+                  </a:schemeClr>
+                </a:lnRef>
+                <a:fillRef idx="1">
+                  <a:schemeClr val="accent1"/>
+                </a:fillRef>
+                <a:effectRef idx="0">
+                  <a:schemeClr val="accent1"/>
+                </a:effectRef>
+                <a:fontRef idx="minor">
+                  <a:schemeClr val="lt1"/>
+                </a:fontRef>
+              </p:style>
+              <p:txBody>
+                <a:bodyPr rtlCol="0" anchor="ctr"/>
+                <a:lstStyle/>
+                <a:p>
+                  <a:pPr algn="ctr"/>
+                  <a:endParaRPr lang="en-VN"/>
+                </a:p>
+              </p:txBody>
+            </p:sp>
+            <p:sp>
+              <p:nvSpPr>
+                <p:cNvPr id="10" name="Rectangle 9">
+                  <a:extLst>
+                    <a:ext uri="{FF2B5EF4-FFF2-40B4-BE49-F238E27FC236}">
+                      <a16:creationId xmlns:a16="http://schemas.microsoft.com/office/drawing/2014/main" id="{A1C738F6-855A-789A-C2E7-54B1C053C199}"/>
+                    </a:ext>
+                  </a:extLst>
+                </p:cNvPr>
+                <p:cNvSpPr/>
+                <p:nvPr/>
+              </p:nvSpPr>
+              <p:spPr>
+                <a:xfrm>
+                  <a:off x="4374292" y="2422029"/>
+                  <a:ext cx="790832" cy="1705233"/>
+                </a:xfrm>
+                <a:prstGeom prst="rect">
+                  <a:avLst/>
+                </a:prstGeom>
+                <a:solidFill>
+                  <a:schemeClr val="accent2"/>
+                </a:solidFill>
+              </p:spPr>
+              <p:style>
+                <a:lnRef idx="2">
+                  <a:schemeClr val="accent1">
+                    <a:shade val="15000"/>
+                  </a:schemeClr>
+                </a:lnRef>
+                <a:fillRef idx="1">
+                  <a:schemeClr val="accent1"/>
+                </a:fillRef>
+                <a:effectRef idx="0">
+                  <a:schemeClr val="accent1"/>
+                </a:effectRef>
+                <a:fontRef idx="minor">
+                  <a:schemeClr val="lt1"/>
+                </a:fontRef>
+              </p:style>
+              <p:txBody>
+                <a:bodyPr rtlCol="0" anchor="ctr"/>
+                <a:lstStyle/>
+                <a:p>
+                  <a:pPr algn="ctr"/>
+                  <a:endParaRPr lang="en-VN" dirty="0"/>
+                </a:p>
+              </p:txBody>
+            </p:sp>
+          </p:grpSp>
+          <p:sp>
+            <p:nvSpPr>
+              <p:cNvPr id="23" name="TextBox 22">
+                <a:extLst>
+                  <a:ext uri="{FF2B5EF4-FFF2-40B4-BE49-F238E27FC236}">
+                    <a16:creationId xmlns:a16="http://schemas.microsoft.com/office/drawing/2014/main" id="{360D95E1-D9E0-31D4-0667-7C1C24E7DA9D}"/>
+                  </a:ext>
+                </a:extLst>
+              </p:cNvPr>
+              <p:cNvSpPr txBox="1"/>
+              <p:nvPr/>
+            </p:nvSpPr>
+            <p:spPr>
+              <a:xfrm>
+                <a:off x="3503221" y="6257172"/>
+                <a:ext cx="2533403" cy="369332"/>
+              </a:xfrm>
+              <a:prstGeom prst="rect">
+                <a:avLst/>
+              </a:prstGeom>
+              <a:noFill/>
+            </p:spPr>
+            <p:txBody>
+              <a:bodyPr wrap="square" rtlCol="0">
+                <a:spAutoFit/>
+              </a:bodyPr>
+              <a:lstStyle/>
+              <a:p>
+                <a:r>
+                  <a:rPr lang="en-VN" dirty="0"/>
+                  <a:t>Fix Exemplar Per Class</a:t>
+                </a:r>
+              </a:p>
+            </p:txBody>
+          </p:sp>
+        </p:grpSp>
+        <p:grpSp>
+          <p:nvGrpSpPr>
+            <p:cNvPr id="27" name="Group 26">
+              <a:extLst>
+                <a:ext uri="{FF2B5EF4-FFF2-40B4-BE49-F238E27FC236}">
+                  <a16:creationId xmlns:a16="http://schemas.microsoft.com/office/drawing/2014/main" id="{3F73F34E-1632-65F6-9972-5D275C6414DA}"/>
+                </a:ext>
+              </a:extLst>
+            </p:cNvPr>
+            <p:cNvGrpSpPr/>
+            <p:nvPr/>
+          </p:nvGrpSpPr>
+          <p:grpSpPr>
+            <a:xfrm>
+              <a:off x="7212819" y="552039"/>
+              <a:ext cx="3698120" cy="6073341"/>
+              <a:chOff x="7212819" y="552039"/>
+              <a:chExt cx="3698120" cy="6073341"/>
+            </a:xfrm>
+          </p:grpSpPr>
+          <p:grpSp>
+            <p:nvGrpSpPr>
+              <p:cNvPr id="25" name="Group 24">
+                <a:extLst>
+                  <a:ext uri="{FF2B5EF4-FFF2-40B4-BE49-F238E27FC236}">
+                    <a16:creationId xmlns:a16="http://schemas.microsoft.com/office/drawing/2014/main" id="{C5BC23AD-249B-83FB-3D33-82C4F23095E5}"/>
+                  </a:ext>
+                </a:extLst>
+              </p:cNvPr>
+              <p:cNvGrpSpPr/>
+              <p:nvPr/>
+            </p:nvGrpSpPr>
+            <p:grpSpPr>
+              <a:xfrm>
+                <a:off x="7212819" y="552039"/>
+                <a:ext cx="3583460" cy="5445212"/>
+                <a:chOff x="7212819" y="552039"/>
+                <a:chExt cx="3583460" cy="5445212"/>
+              </a:xfrm>
+            </p:grpSpPr>
+            <p:sp>
+              <p:nvSpPr>
+                <p:cNvPr id="2" name="Rectangle 1">
+                  <a:extLst>
+                    <a:ext uri="{FF2B5EF4-FFF2-40B4-BE49-F238E27FC236}">
+                      <a16:creationId xmlns:a16="http://schemas.microsoft.com/office/drawing/2014/main" id="{9EEAE2B7-CB9C-5B51-258B-95C948476174}"/>
+                    </a:ext>
+                  </a:extLst>
+                </p:cNvPr>
+                <p:cNvSpPr/>
+                <p:nvPr/>
+              </p:nvSpPr>
+              <p:spPr>
+                <a:xfrm>
+                  <a:off x="7212819" y="552039"/>
+                  <a:ext cx="3583460" cy="1705233"/>
+                </a:xfrm>
+                <a:prstGeom prst="rect">
+                  <a:avLst/>
+                </a:prstGeom>
+              </p:spPr>
+              <p:style>
+                <a:lnRef idx="2">
+                  <a:schemeClr val="accent1">
+                    <a:shade val="15000"/>
+                  </a:schemeClr>
+                </a:lnRef>
+                <a:fillRef idx="1">
+                  <a:schemeClr val="accent1"/>
+                </a:fillRef>
+                <a:effectRef idx="0">
+                  <a:schemeClr val="accent1"/>
+                </a:effectRef>
+                <a:fontRef idx="minor">
+                  <a:schemeClr val="lt1"/>
+                </a:fontRef>
+              </p:style>
+              <p:txBody>
+                <a:bodyPr rtlCol="0" anchor="ctr"/>
+                <a:lstStyle/>
+                <a:p>
+                  <a:pPr algn="ctr"/>
+                  <a:endParaRPr lang="en-VN" dirty="0"/>
+                </a:p>
+              </p:txBody>
+            </p:sp>
+            <p:sp>
+              <p:nvSpPr>
+                <p:cNvPr id="11" name="Rectangle 10">
+                  <a:extLst>
+                    <a:ext uri="{FF2B5EF4-FFF2-40B4-BE49-F238E27FC236}">
+                      <a16:creationId xmlns:a16="http://schemas.microsoft.com/office/drawing/2014/main" id="{A11B65E7-6BC1-1C4A-C3DD-E2127ADCE793}"/>
+                    </a:ext>
+                  </a:extLst>
+                </p:cNvPr>
+                <p:cNvSpPr/>
+                <p:nvPr/>
+              </p:nvSpPr>
+              <p:spPr>
+                <a:xfrm>
+                  <a:off x="7212819" y="4292018"/>
+                  <a:ext cx="1099284" cy="1705233"/>
+                </a:xfrm>
+                <a:prstGeom prst="rect">
+                  <a:avLst/>
+                </a:prstGeom>
+              </p:spPr>
+              <p:style>
+                <a:lnRef idx="2">
+                  <a:schemeClr val="accent1">
+                    <a:shade val="15000"/>
+                  </a:schemeClr>
+                </a:lnRef>
+                <a:fillRef idx="1">
+                  <a:schemeClr val="accent1"/>
+                </a:fillRef>
+                <a:effectRef idx="0">
+                  <a:schemeClr val="accent1"/>
+                </a:effectRef>
+                <a:fontRef idx="minor">
+                  <a:schemeClr val="lt1"/>
+                </a:fontRef>
+              </p:style>
+              <p:txBody>
+                <a:bodyPr rtlCol="0" anchor="ctr"/>
+                <a:lstStyle/>
+                <a:p>
+                  <a:pPr algn="ctr"/>
+                  <a:endParaRPr lang="en-VN"/>
+                </a:p>
+              </p:txBody>
+            </p:sp>
+            <p:sp>
+              <p:nvSpPr>
+                <p:cNvPr id="12" name="Rectangle 11">
+                  <a:extLst>
+                    <a:ext uri="{FF2B5EF4-FFF2-40B4-BE49-F238E27FC236}">
+                      <a16:creationId xmlns:a16="http://schemas.microsoft.com/office/drawing/2014/main" id="{901B7FF3-879C-457F-5BC9-AE912AB977F8}"/>
+                    </a:ext>
+                  </a:extLst>
+                </p:cNvPr>
+                <p:cNvSpPr/>
+                <p:nvPr/>
+              </p:nvSpPr>
+              <p:spPr>
+                <a:xfrm>
+                  <a:off x="7212819" y="2422029"/>
+                  <a:ext cx="1721708" cy="1705233"/>
+                </a:xfrm>
+                <a:prstGeom prst="rect">
+                  <a:avLst/>
+                </a:prstGeom>
+              </p:spPr>
+              <p:style>
+                <a:lnRef idx="2">
+                  <a:schemeClr val="accent1">
+                    <a:shade val="15000"/>
+                  </a:schemeClr>
+                </a:lnRef>
+                <a:fillRef idx="1">
+                  <a:schemeClr val="accent1"/>
+                </a:fillRef>
+                <a:effectRef idx="0">
+                  <a:schemeClr val="accent1"/>
+                </a:effectRef>
+                <a:fontRef idx="minor">
+                  <a:schemeClr val="lt1"/>
+                </a:fontRef>
+              </p:style>
+              <p:txBody>
+                <a:bodyPr rtlCol="0" anchor="ctr"/>
+                <a:lstStyle/>
+                <a:p>
+                  <a:pPr algn="ctr"/>
+                  <a:endParaRPr lang="en-VN"/>
+                </a:p>
+              </p:txBody>
+            </p:sp>
+            <p:sp>
+              <p:nvSpPr>
+                <p:cNvPr id="13" name="Rectangle 12">
+                  <a:extLst>
+                    <a:ext uri="{FF2B5EF4-FFF2-40B4-BE49-F238E27FC236}">
+                      <a16:creationId xmlns:a16="http://schemas.microsoft.com/office/drawing/2014/main" id="{C28B0064-2C53-BA08-D0E3-5144C447A229}"/>
+                    </a:ext>
+                  </a:extLst>
+                </p:cNvPr>
+                <p:cNvSpPr/>
+                <p:nvPr/>
+              </p:nvSpPr>
+              <p:spPr>
+                <a:xfrm>
+                  <a:off x="9074571" y="2422029"/>
+                  <a:ext cx="1721708" cy="1705233"/>
+                </a:xfrm>
+                <a:prstGeom prst="rect">
+                  <a:avLst/>
+                </a:prstGeom>
+                <a:solidFill>
+                  <a:schemeClr val="accent2"/>
+                </a:solidFill>
+              </p:spPr>
+              <p:style>
+                <a:lnRef idx="2">
+                  <a:schemeClr val="accent1">
+                    <a:shade val="15000"/>
+                  </a:schemeClr>
+                </a:lnRef>
+                <a:fillRef idx="1">
+                  <a:schemeClr val="accent1"/>
+                </a:fillRef>
+                <a:effectRef idx="0">
+                  <a:schemeClr val="accent1"/>
+                </a:effectRef>
+                <a:fontRef idx="minor">
+                  <a:schemeClr val="lt1"/>
+                </a:fontRef>
+              </p:style>
+              <p:txBody>
+                <a:bodyPr rtlCol="0" anchor="ctr"/>
+                <a:lstStyle/>
+                <a:p>
+                  <a:pPr algn="ctr"/>
+                  <a:endParaRPr lang="en-VN"/>
+                </a:p>
+              </p:txBody>
+            </p:sp>
+            <p:sp>
+              <p:nvSpPr>
+                <p:cNvPr id="20" name="Rectangle 19">
+                  <a:extLst>
+                    <a:ext uri="{FF2B5EF4-FFF2-40B4-BE49-F238E27FC236}">
+                      <a16:creationId xmlns:a16="http://schemas.microsoft.com/office/drawing/2014/main" id="{783E3F46-C3FB-ED1E-B052-C918DFA3CDBC}"/>
+                    </a:ext>
+                  </a:extLst>
+                </p:cNvPr>
+                <p:cNvSpPr/>
+                <p:nvPr/>
+              </p:nvSpPr>
+              <p:spPr>
+                <a:xfrm>
+                  <a:off x="8454907" y="4292018"/>
+                  <a:ext cx="1099284" cy="1705233"/>
+                </a:xfrm>
+                <a:prstGeom prst="rect">
+                  <a:avLst/>
+                </a:prstGeom>
+                <a:solidFill>
+                  <a:schemeClr val="accent2"/>
+                </a:solidFill>
+              </p:spPr>
+              <p:style>
+                <a:lnRef idx="2">
+                  <a:schemeClr val="accent1">
+                    <a:shade val="15000"/>
+                  </a:schemeClr>
+                </a:lnRef>
+                <a:fillRef idx="1">
+                  <a:schemeClr val="accent1"/>
+                </a:fillRef>
+                <a:effectRef idx="0">
+                  <a:schemeClr val="accent1"/>
+                </a:effectRef>
+                <a:fontRef idx="minor">
+                  <a:schemeClr val="lt1"/>
+                </a:fontRef>
+              </p:style>
+              <p:txBody>
+                <a:bodyPr rtlCol="0" anchor="ctr"/>
+                <a:lstStyle/>
+                <a:p>
+                  <a:pPr algn="ctr"/>
+                  <a:endParaRPr lang="en-VN"/>
+                </a:p>
+              </p:txBody>
+            </p:sp>
+            <p:sp>
+              <p:nvSpPr>
+                <p:cNvPr id="21" name="Rectangle 20">
+                  <a:extLst>
+                    <a:ext uri="{FF2B5EF4-FFF2-40B4-BE49-F238E27FC236}">
+                      <a16:creationId xmlns:a16="http://schemas.microsoft.com/office/drawing/2014/main" id="{1DAEDAD9-146F-BE60-C07A-9DCDAE5887B4}"/>
+                    </a:ext>
+                  </a:extLst>
+                </p:cNvPr>
+                <p:cNvSpPr/>
+                <p:nvPr/>
+              </p:nvSpPr>
+              <p:spPr>
+                <a:xfrm>
+                  <a:off x="9696995" y="4292018"/>
+                  <a:ext cx="1099284" cy="1705233"/>
+                </a:xfrm>
+                <a:prstGeom prst="rect">
+                  <a:avLst/>
+                </a:prstGeom>
+                <a:solidFill>
+                  <a:schemeClr val="accent6"/>
+                </a:solidFill>
+              </p:spPr>
+              <p:style>
+                <a:lnRef idx="2">
+                  <a:schemeClr val="accent1">
+                    <a:shade val="15000"/>
+                  </a:schemeClr>
+                </a:lnRef>
+                <a:fillRef idx="1">
+                  <a:schemeClr val="accent1"/>
+                </a:fillRef>
+                <a:effectRef idx="0">
+                  <a:schemeClr val="accent1"/>
+                </a:effectRef>
+                <a:fontRef idx="minor">
+                  <a:schemeClr val="lt1"/>
+                </a:fontRef>
+              </p:style>
+              <p:txBody>
+                <a:bodyPr rtlCol="0" anchor="ctr"/>
+                <a:lstStyle/>
+                <a:p>
+                  <a:pPr algn="ctr"/>
+                  <a:endParaRPr lang="en-VN"/>
+                </a:p>
+              </p:txBody>
+            </p:sp>
+          </p:grpSp>
+          <p:sp>
+            <p:nvSpPr>
+              <p:cNvPr id="24" name="TextBox 23">
+                <a:extLst>
+                  <a:ext uri="{FF2B5EF4-FFF2-40B4-BE49-F238E27FC236}">
+                    <a16:creationId xmlns:a16="http://schemas.microsoft.com/office/drawing/2014/main" id="{21FC3F4E-989C-25CA-7604-18CF75CCDC9B}"/>
+                  </a:ext>
+                </a:extLst>
+              </p:cNvPr>
+              <p:cNvSpPr txBox="1"/>
+              <p:nvPr/>
+            </p:nvSpPr>
+            <p:spPr>
+              <a:xfrm>
+                <a:off x="7238202" y="6256048"/>
+                <a:ext cx="3672737" cy="369332"/>
+              </a:xfrm>
+              <a:prstGeom prst="rect">
+                <a:avLst/>
+              </a:prstGeom>
+              <a:noFill/>
+            </p:spPr>
+            <p:txBody>
+              <a:bodyPr wrap="none" rtlCol="0">
+                <a:spAutoFit/>
+              </a:bodyPr>
+              <a:lstStyle/>
+              <a:p>
+                <a:r>
+                  <a:rPr lang="en-VN" dirty="0"/>
+                  <a:t>ICARL Fixed Number of Exemplars</a:t>
+                </a:r>
+              </a:p>
+            </p:txBody>
+          </p:sp>
+        </p:grpSp>
+      </p:grpSp>
+    </p:spTree>
+    <p:extLst>
+      <p:ext uri="{BB962C8B-B14F-4D97-AF65-F5344CB8AC3E}">
+        <p14:creationId xmlns:p14="http://schemas.microsoft.com/office/powerpoint/2010/main" val="921079708"/>
+      </p:ext>
+    </p:extLst>
+  </p:cSld>
+  <p:clrMapOvr>
+    <a:masterClrMapping/>
+  </p:clrMapOvr>
+</p:sld>
+</file>
+
+<file path=ppt/slides/slide4.xml><?xml version="1.0" encoding="utf-8"?>
+<p:sld xmlns:a="http://schemas.openxmlformats.org/drawingml/2006/main" xmlns:r="http://schemas.openxmlformats.org/officeDocument/2006/relationships" xmlns:p="http://schemas.openxmlformats.org/presentationml/2006/main">
+  <p:cSld>
+    <p:spTree>
+      <p:nvGrpSpPr>
+        <p:cNvPr id="1" name=""/>
+        <p:cNvGrpSpPr/>
+        <p:nvPr/>
+      </p:nvGrpSpPr>
+      <p:grpSpPr>
+        <a:xfrm>
+          <a:off x="0" y="0"/>
+          <a:ext cx="0" cy="0"/>
+          <a:chOff x="0" y="0"/>
+          <a:chExt cx="0" cy="0"/>
+        </a:xfrm>
+      </p:grpSpPr>
       <p:graphicFrame>
         <p:nvGraphicFramePr>
           <p:cNvPr id="4" name="Table 3">
@@ -5723,7 +6548,7 @@
 </p:sld>
 </file>
 
-<file path=ppt/slides/slide4.xml><?xml version="1.0" encoding="utf-8"?>
+<file path=ppt/slides/slide5.xml><?xml version="1.0" encoding="utf-8"?>
 <p:sld xmlns:a="http://schemas.openxmlformats.org/drawingml/2006/main" xmlns:r="http://schemas.openxmlformats.org/officeDocument/2006/relationships" xmlns:p="http://schemas.openxmlformats.org/presentationml/2006/main">
   <p:cSld>
     <p:spTree>
@@ -9745,7 +10570,7 @@
 </p:sld>
 </file>
 
-<file path=ppt/slides/slide5.xml><?xml version="1.0" encoding="utf-8"?>
+<file path=ppt/slides/slide6.xml><?xml version="1.0" encoding="utf-8"?>
 <p:sld xmlns:a="http://schemas.openxmlformats.org/drawingml/2006/main" xmlns:r="http://schemas.openxmlformats.org/officeDocument/2006/relationships" xmlns:p="http://schemas.openxmlformats.org/presentationml/2006/main">
   <p:cSld>
     <p:spTree>
@@ -11945,7 +12770,7 @@
 </p:sld>
 </file>
 
-<file path=ppt/slides/slide6.xml><?xml version="1.0" encoding="utf-8"?>
+<file path=ppt/slides/slide7.xml><?xml version="1.0" encoding="utf-8"?>
 <p:sld xmlns:a="http://schemas.openxmlformats.org/drawingml/2006/main" xmlns:r="http://schemas.openxmlformats.org/officeDocument/2006/relationships" xmlns:p="http://schemas.openxmlformats.org/presentationml/2006/main">
   <p:cSld>
     <p:spTree>
@@ -12080,8 +12905,8 @@
             </a:p>
           </p:txBody>
         </p:sp>
-        <mc:AlternateContent xmlns:mc="http://schemas.openxmlformats.org/markup-compatibility/2006">
-          <mc:Choice xmlns:a14="http://schemas.microsoft.com/office/drawing/2010/main" Requires="a14">
+        <mc:AlternateContent xmlns:mc="http://schemas.openxmlformats.org/markup-compatibility/2006" xmlns:a14="http://schemas.microsoft.com/office/drawing/2010/main">
+          <mc:Choice Requires="a14">
             <p:sp>
               <p:nvSpPr>
                 <p:cNvPr id="13" name="Rounded Rectangle 12">
@@ -12166,7 +12991,7 @@
               </p:txBody>
             </p:sp>
           </mc:Choice>
-          <mc:Fallback>
+          <mc:Fallback xmlns="">
             <p:sp>
               <p:nvSpPr>
                 <p:cNvPr id="13" name="Rounded Rectangle 12">
@@ -13417,8 +14242,8 @@
             </a:fontRef>
           </p:style>
         </p:cxnSp>
-        <mc:AlternateContent xmlns:mc="http://schemas.openxmlformats.org/markup-compatibility/2006">
-          <mc:Choice xmlns:a14="http://schemas.microsoft.com/office/drawing/2010/main" Requires="a14">
+        <mc:AlternateContent xmlns:mc="http://schemas.openxmlformats.org/markup-compatibility/2006" xmlns:a14="http://schemas.microsoft.com/office/drawing/2010/main">
+          <mc:Choice Requires="a14">
             <p:sp>
               <p:nvSpPr>
                 <p:cNvPr id="2" name="Rounded Rectangle 1">
@@ -13504,7 +14329,7 @@
               </p:txBody>
             </p:sp>
           </mc:Choice>
-          <mc:Fallback>
+          <mc:Fallback xmlns="">
             <p:sp>
               <p:nvSpPr>
                 <p:cNvPr id="2" name="Rounded Rectangle 1">
@@ -13549,8 +14374,8 @@
             </p:sp>
           </mc:Fallback>
         </mc:AlternateContent>
-        <mc:AlternateContent xmlns:mc="http://schemas.openxmlformats.org/markup-compatibility/2006">
-          <mc:Choice xmlns:a14="http://schemas.microsoft.com/office/drawing/2010/main" Requires="a14">
+        <mc:AlternateContent xmlns:mc="http://schemas.openxmlformats.org/markup-compatibility/2006" xmlns:a14="http://schemas.microsoft.com/office/drawing/2010/main">
+          <mc:Choice Requires="a14">
             <p:sp>
               <p:nvSpPr>
                 <p:cNvPr id="3" name="Rounded Rectangle 2">
@@ -13655,7 +14480,7 @@
               </p:txBody>
             </p:sp>
           </mc:Choice>
-          <mc:Fallback>
+          <mc:Fallback xmlns="">
             <p:sp>
               <p:nvSpPr>
                 <p:cNvPr id="3" name="Rounded Rectangle 2">
@@ -13769,8 +14594,8 @@
               </a:p>
             </p:txBody>
           </p:sp>
-          <mc:AlternateContent xmlns:mc="http://schemas.openxmlformats.org/markup-compatibility/2006">
-            <mc:Choice xmlns:a14="http://schemas.microsoft.com/office/drawing/2010/main" Requires="a14">
+          <mc:AlternateContent xmlns:mc="http://schemas.openxmlformats.org/markup-compatibility/2006" xmlns:a14="http://schemas.microsoft.com/office/drawing/2010/main">
+            <mc:Choice Requires="a14">
               <p:sp>
                 <p:nvSpPr>
                   <p:cNvPr id="7" name="Rounded Rectangle 6">
@@ -13856,7 +14681,7 @@
                 </p:txBody>
               </p:sp>
             </mc:Choice>
-            <mc:Fallback>
+            <mc:Fallback xmlns="">
               <p:sp>
                 <p:nvSpPr>
                   <p:cNvPr id="7" name="Rounded Rectangle 6">
@@ -13950,8 +14775,8 @@
               </a:p>
             </p:txBody>
           </p:sp>
-          <mc:AlternateContent xmlns:mc="http://schemas.openxmlformats.org/markup-compatibility/2006">
-            <mc:Choice xmlns:a14="http://schemas.microsoft.com/office/drawing/2010/main" Requires="a14">
+          <mc:AlternateContent xmlns:mc="http://schemas.openxmlformats.org/markup-compatibility/2006" xmlns:a14="http://schemas.microsoft.com/office/drawing/2010/main">
+            <mc:Choice Requires="a14">
               <p:sp>
                 <p:nvSpPr>
                   <p:cNvPr id="8" name="Rounded Rectangle 7">
@@ -14056,7 +14881,7 @@
                 </p:txBody>
               </p:sp>
             </mc:Choice>
-            <mc:Fallback>
+            <mc:Fallback xmlns="">
               <p:sp>
                 <p:nvSpPr>
                   <p:cNvPr id="8" name="Rounded Rectangle 7">
@@ -14543,8 +15368,8 @@
               </a:p>
             </p:txBody>
           </p:sp>
-          <mc:AlternateContent xmlns:mc="http://schemas.openxmlformats.org/markup-compatibility/2006">
-            <mc:Choice xmlns:a14="http://schemas.microsoft.com/office/drawing/2010/main" Requires="a14">
+          <mc:AlternateContent xmlns:mc="http://schemas.openxmlformats.org/markup-compatibility/2006" xmlns:a14="http://schemas.microsoft.com/office/drawing/2010/main">
+            <mc:Choice Requires="a14">
               <p:sp>
                 <p:nvSpPr>
                   <p:cNvPr id="26" name="Rounded Rectangle 25">
@@ -14649,7 +15474,7 @@
                 </p:txBody>
               </p:sp>
             </mc:Choice>
-            <mc:Fallback>
+            <mc:Fallback xmlns="">
               <p:sp>
                 <p:nvSpPr>
                   <p:cNvPr id="26" name="Rounded Rectangle 25">
@@ -14695,8 +15520,8 @@
             </mc:Fallback>
           </mc:AlternateContent>
         </p:grpSp>
-        <mc:AlternateContent xmlns:mc="http://schemas.openxmlformats.org/markup-compatibility/2006">
-          <mc:Choice xmlns:a14="http://schemas.microsoft.com/office/drawing/2010/main" Requires="a14">
+        <mc:AlternateContent xmlns:mc="http://schemas.openxmlformats.org/markup-compatibility/2006" xmlns:a14="http://schemas.microsoft.com/office/drawing/2010/main">
+          <mc:Choice Requires="a14">
             <p:sp>
               <p:nvSpPr>
                 <p:cNvPr id="37" name="Rounded Rectangle 36">
@@ -14782,7 +15607,7 @@
               </p:txBody>
             </p:sp>
           </mc:Choice>
-          <mc:Fallback>
+          <mc:Fallback xmlns="">
             <p:sp>
               <p:nvSpPr>
                 <p:cNvPr id="37" name="Rounded Rectangle 36">
@@ -14827,8 +15652,8 @@
             </p:sp>
           </mc:Fallback>
         </mc:AlternateContent>
-        <mc:AlternateContent xmlns:mc="http://schemas.openxmlformats.org/markup-compatibility/2006">
-          <mc:Choice xmlns:a14="http://schemas.microsoft.com/office/drawing/2010/main" Requires="a14">
+        <mc:AlternateContent xmlns:mc="http://schemas.openxmlformats.org/markup-compatibility/2006" xmlns:a14="http://schemas.microsoft.com/office/drawing/2010/main">
+          <mc:Choice Requires="a14">
             <p:sp>
               <p:nvSpPr>
                 <p:cNvPr id="39" name="Rounded Rectangle 38">
@@ -14933,7 +15758,7 @@
               </p:txBody>
             </p:sp>
           </mc:Choice>
-          <mc:Fallback>
+          <mc:Fallback xmlns="">
             <p:sp>
               <p:nvSpPr>
                 <p:cNvPr id="39" name="Rounded Rectangle 38">

--- a/Media/Figure.pptx
+++ b/Media/Figure.pptx
@@ -12,6 +12,8 @@
     <p:sldId id="260" r:id="rId6"/>
     <p:sldId id="261" r:id="rId7"/>
     <p:sldId id="262" r:id="rId8"/>
+    <p:sldId id="264" r:id="rId9"/>
+    <p:sldId id="265" r:id="rId10"/>
   </p:sldIdLst>
   <p:sldSz cx="12192000" cy="6858000"/>
   <p:notesSz cx="6858000" cy="9144000"/>
@@ -267,7 +269,7 @@
           <a:p>
             <a:fld id="{7959E98B-ABE6-5D43-AAFE-9F5C8C770207}" type="datetimeFigureOut">
               <a:rPr lang="en-VN" smtClean="0"/>
-              <a:t>13/06/2024</a:t>
+              <a:t>30/06/2024</a:t>
             </a:fld>
             <a:endParaRPr lang="en-VN"/>
           </a:p>
@@ -467,7 +469,7 @@
           <a:p>
             <a:fld id="{7959E98B-ABE6-5D43-AAFE-9F5C8C770207}" type="datetimeFigureOut">
               <a:rPr lang="en-VN" smtClean="0"/>
-              <a:t>13/06/2024</a:t>
+              <a:t>30/06/2024</a:t>
             </a:fld>
             <a:endParaRPr lang="en-VN"/>
           </a:p>
@@ -677,7 +679,7 @@
           <a:p>
             <a:fld id="{7959E98B-ABE6-5D43-AAFE-9F5C8C770207}" type="datetimeFigureOut">
               <a:rPr lang="en-VN" smtClean="0"/>
-              <a:t>13/06/2024</a:t>
+              <a:t>30/06/2024</a:t>
             </a:fld>
             <a:endParaRPr lang="en-VN"/>
           </a:p>
@@ -877,7 +879,7 @@
           <a:p>
             <a:fld id="{7959E98B-ABE6-5D43-AAFE-9F5C8C770207}" type="datetimeFigureOut">
               <a:rPr lang="en-VN" smtClean="0"/>
-              <a:t>13/06/2024</a:t>
+              <a:t>30/06/2024</a:t>
             </a:fld>
             <a:endParaRPr lang="en-VN"/>
           </a:p>
@@ -1153,7 +1155,7 @@
           <a:p>
             <a:fld id="{7959E98B-ABE6-5D43-AAFE-9F5C8C770207}" type="datetimeFigureOut">
               <a:rPr lang="en-VN" smtClean="0"/>
-              <a:t>13/06/2024</a:t>
+              <a:t>30/06/2024</a:t>
             </a:fld>
             <a:endParaRPr lang="en-VN"/>
           </a:p>
@@ -1421,7 +1423,7 @@
           <a:p>
             <a:fld id="{7959E98B-ABE6-5D43-AAFE-9F5C8C770207}" type="datetimeFigureOut">
               <a:rPr lang="en-VN" smtClean="0"/>
-              <a:t>13/06/2024</a:t>
+              <a:t>30/06/2024</a:t>
             </a:fld>
             <a:endParaRPr lang="en-VN"/>
           </a:p>
@@ -1836,7 +1838,7 @@
           <a:p>
             <a:fld id="{7959E98B-ABE6-5D43-AAFE-9F5C8C770207}" type="datetimeFigureOut">
               <a:rPr lang="en-VN" smtClean="0"/>
-              <a:t>13/06/2024</a:t>
+              <a:t>30/06/2024</a:t>
             </a:fld>
             <a:endParaRPr lang="en-VN"/>
           </a:p>
@@ -1978,7 +1980,7 @@
           <a:p>
             <a:fld id="{7959E98B-ABE6-5D43-AAFE-9F5C8C770207}" type="datetimeFigureOut">
               <a:rPr lang="en-VN" smtClean="0"/>
-              <a:t>13/06/2024</a:t>
+              <a:t>30/06/2024</a:t>
             </a:fld>
             <a:endParaRPr lang="en-VN"/>
           </a:p>
@@ -2091,7 +2093,7 @@
           <a:p>
             <a:fld id="{7959E98B-ABE6-5D43-AAFE-9F5C8C770207}" type="datetimeFigureOut">
               <a:rPr lang="en-VN" smtClean="0"/>
-              <a:t>13/06/2024</a:t>
+              <a:t>30/06/2024</a:t>
             </a:fld>
             <a:endParaRPr lang="en-VN"/>
           </a:p>
@@ -2404,7 +2406,7 @@
           <a:p>
             <a:fld id="{7959E98B-ABE6-5D43-AAFE-9F5C8C770207}" type="datetimeFigureOut">
               <a:rPr lang="en-VN" smtClean="0"/>
-              <a:t>13/06/2024</a:t>
+              <a:t>30/06/2024</a:t>
             </a:fld>
             <a:endParaRPr lang="en-VN"/>
           </a:p>
@@ -2693,7 +2695,7 @@
           <a:p>
             <a:fld id="{7959E98B-ABE6-5D43-AAFE-9F5C8C770207}" type="datetimeFigureOut">
               <a:rPr lang="en-VN" smtClean="0"/>
-              <a:t>13/06/2024</a:t>
+              <a:t>30/06/2024</a:t>
             </a:fld>
             <a:endParaRPr lang="en-VN"/>
           </a:p>
@@ -2936,7 +2938,7 @@
           <a:p>
             <a:fld id="{7959E98B-ABE6-5D43-AAFE-9F5C8C770207}" type="datetimeFigureOut">
               <a:rPr lang="en-VN" smtClean="0"/>
-              <a:t>13/06/2024</a:t>
+              <a:t>30/06/2024</a:t>
             </a:fld>
             <a:endParaRPr lang="en-VN"/>
           </a:p>
@@ -5865,14 +5867,14 @@
           <p:nvPr>
             <p:extLst>
               <p:ext uri="{D42A27DB-BD31-4B8C-83A1-F6EECF244321}">
-                <p14:modId xmlns:p14="http://schemas.microsoft.com/office/powerpoint/2010/main" val="3073626240"/>
+                <p14:modId xmlns:p14="http://schemas.microsoft.com/office/powerpoint/2010/main" val="1835832213"/>
               </p:ext>
             </p:extLst>
           </p:nvPr>
         </p:nvGraphicFramePr>
         <p:xfrm>
-          <a:off x="2032000" y="719666"/>
-          <a:ext cx="8127999" cy="741680"/>
+          <a:off x="2042389" y="1255081"/>
+          <a:ext cx="8127999" cy="1010920"/>
         </p:xfrm>
         <a:graphic>
           <a:graphicData uri="http://schemas.openxmlformats.org/drawingml/2006/table">
@@ -5911,7 +5913,7 @@
                     <a:p>
                       <a:r>
                         <a:rPr lang="en-VN" dirty="0"/>
-                        <a:t>ANN Input Layer</a:t>
+                        <a:t>First Layer</a:t>
                       </a:r>
                     </a:p>
                   </a:txBody>
@@ -5937,7 +5939,7 @@
                     <a:p>
                       <a:r>
                         <a:rPr lang="en-VN" dirty="0"/>
-                        <a:t>X</a:t>
+                        <a:t>Depending on feature size of dataset</a:t>
                       </a:r>
                     </a:p>
                   </a:txBody>
@@ -6011,13 +6013,13 @@
           <p:nvPr>
             <p:extLst>
               <p:ext uri="{D42A27DB-BD31-4B8C-83A1-F6EECF244321}">
-                <p14:modId xmlns:p14="http://schemas.microsoft.com/office/powerpoint/2010/main" val="3097351447"/>
+                <p14:modId xmlns:p14="http://schemas.microsoft.com/office/powerpoint/2010/main" val="2160924627"/>
               </p:ext>
             </p:extLst>
           </p:nvPr>
         </p:nvGraphicFramePr>
         <p:xfrm>
-          <a:off x="2032000" y="2146684"/>
+          <a:off x="2032000" y="2937516"/>
           <a:ext cx="8127999" cy="741680"/>
         </p:xfrm>
         <a:graphic>
@@ -6057,7 +6059,7 @@
                     <a:p>
                       <a:r>
                         <a:rPr lang="en-VN" dirty="0"/>
-                        <a:t>ANN Dense Layer</a:t>
+                        <a:t>Second Layer</a:t>
                       </a:r>
                     </a:p>
                   </a:txBody>
@@ -6157,14 +6159,14 @@
           <p:nvPr>
             <p:extLst>
               <p:ext uri="{D42A27DB-BD31-4B8C-83A1-F6EECF244321}">
-                <p14:modId xmlns:p14="http://schemas.microsoft.com/office/powerpoint/2010/main" val="3262232029"/>
+                <p14:modId xmlns:p14="http://schemas.microsoft.com/office/powerpoint/2010/main" val="1013498978"/>
               </p:ext>
             </p:extLst>
           </p:nvPr>
         </p:nvGraphicFramePr>
         <p:xfrm>
-          <a:off x="2032000" y="3598797"/>
-          <a:ext cx="8127999" cy="741680"/>
+          <a:off x="2032000" y="4389629"/>
+          <a:ext cx="8127999" cy="1010920"/>
         </p:xfrm>
         <a:graphic>
           <a:graphicData uri="http://schemas.openxmlformats.org/drawingml/2006/table">
@@ -6203,7 +6205,7 @@
                     <a:p>
                       <a:r>
                         <a:rPr lang="en-VN" dirty="0"/>
-                        <a:t>Fully Connected Layer</a:t>
+                        <a:t>FC layer</a:t>
                       </a:r>
                     </a:p>
                   </a:txBody>
@@ -6272,7 +6274,7 @@
                     <a:p>
                       <a:r>
                         <a:rPr lang="en-VN" dirty="0"/>
-                        <a:t>2</a:t>
+                        <a:t>Depending on number of classes</a:t>
                       </a:r>
                     </a:p>
                   </a:txBody>
@@ -6298,13 +6300,14 @@
             </a:extLst>
           </p:cNvPr>
           <p:cNvCxnSpPr>
+            <a:cxnSpLocks/>
             <a:endCxn id="5" idx="0"/>
           </p:cNvCxnSpPr>
           <p:nvPr/>
         </p:nvCxnSpPr>
         <p:spPr>
           <a:xfrm>
-            <a:off x="6095999" y="1461346"/>
+            <a:off x="6095999" y="2252178"/>
             <a:ext cx="0" cy="685338"/>
           </a:xfrm>
           <a:prstGeom prst="straightConnector1">
@@ -6345,7 +6348,7 @@
         </p:nvCxnSpPr>
         <p:spPr>
           <a:xfrm>
-            <a:off x="6095999" y="2888364"/>
+            <a:off x="6095999" y="3679196"/>
             <a:ext cx="0" cy="710433"/>
           </a:xfrm>
           <a:prstGeom prst="straightConnector1">
@@ -6386,7 +6389,7 @@
             </p:nvSpPr>
             <p:spPr>
               <a:xfrm>
-                <a:off x="5368635" y="5027322"/>
+                <a:off x="5379025" y="6087394"/>
                 <a:ext cx="1433947" cy="523220"/>
               </a:xfrm>
               <a:prstGeom prst="rect">
@@ -6466,7 +6469,7 @@
             </p:nvSpPr>
             <p:spPr>
               <a:xfrm>
-                <a:off x="5368635" y="5027322"/>
+                <a:off x="5379025" y="6087394"/>
                 <a:ext cx="1433947" cy="523220"/>
               </a:xfrm>
               <a:prstGeom prst="rect">
@@ -6475,7 +6478,7 @@
               <a:blipFill>
                 <a:blip r:embed="rId2"/>
                 <a:stretch>
-                  <a:fillRect t="-4545" b="-6818"/>
+                  <a:fillRect t="-6977" b="-6977"/>
                 </a:stretch>
               </a:blipFill>
             </p:spPr>
@@ -6504,14 +6507,167 @@
             </a:extLst>
           </p:cNvPr>
           <p:cNvCxnSpPr>
+            <a:cxnSpLocks/>
             <a:endCxn id="11" idx="0"/>
           </p:cNvCxnSpPr>
           <p:nvPr/>
         </p:nvCxnSpPr>
         <p:spPr>
           <a:xfrm flipH="1">
-            <a:off x="6085609" y="4340477"/>
+            <a:off x="6095999" y="5400549"/>
             <a:ext cx="10390" cy="686845"/>
+          </a:xfrm>
+          <a:prstGeom prst="straightConnector1">
+            <a:avLst/>
+          </a:prstGeom>
+          <a:ln w="63500">
+            <a:tailEnd type="triangle"/>
+          </a:ln>
+        </p:spPr>
+        <p:style>
+          <a:lnRef idx="2">
+            <a:schemeClr val="accent1"/>
+          </a:lnRef>
+          <a:fillRef idx="0">
+            <a:schemeClr val="accent1"/>
+          </a:fillRef>
+          <a:effectRef idx="1">
+            <a:schemeClr val="accent1"/>
+          </a:effectRef>
+          <a:fontRef idx="minor">
+            <a:schemeClr val="tx1"/>
+          </a:fontRef>
+        </p:style>
+      </p:cxnSp>
+      <mc:AlternateContent xmlns:mc="http://schemas.openxmlformats.org/markup-compatibility/2006" xmlns:a14="http://schemas.microsoft.com/office/drawing/2010/main">
+        <mc:Choice Requires="a14">
+          <p:sp>
+            <p:nvSpPr>
+              <p:cNvPr id="3" name="TextBox 2">
+                <a:extLst>
+                  <a:ext uri="{FF2B5EF4-FFF2-40B4-BE49-F238E27FC236}">
+                    <a16:creationId xmlns:a16="http://schemas.microsoft.com/office/drawing/2014/main" id="{7E63A34C-5343-1FC4-DAF3-04CEC6D19D58}"/>
+                  </a:ext>
+                </a:extLst>
+              </p:cNvPr>
+              <p:cNvSpPr txBox="1"/>
+              <p:nvPr/>
+            </p:nvSpPr>
+            <p:spPr>
+              <a:xfrm>
+                <a:off x="5389414" y="283038"/>
+                <a:ext cx="1433947" cy="523220"/>
+              </a:xfrm>
+              <a:prstGeom prst="rect">
+                <a:avLst/>
+              </a:prstGeom>
+            </p:spPr>
+            <p:style>
+              <a:lnRef idx="2">
+                <a:schemeClr val="dk1"/>
+              </a:lnRef>
+              <a:fillRef idx="1">
+                <a:schemeClr val="lt1"/>
+              </a:fillRef>
+              <a:effectRef idx="0">
+                <a:schemeClr val="dk1"/>
+              </a:effectRef>
+              <a:fontRef idx="minor">
+                <a:schemeClr val="dk1"/>
+              </a:fontRef>
+            </p:style>
+            <p:txBody>
+              <a:bodyPr wrap="square" rtlCol="0">
+                <a:spAutoFit/>
+              </a:bodyPr>
+              <a:lstStyle/>
+              <a:p>
+                <a:pPr/>
+                <a14:m>
+                  <m:oMathPara xmlns:m="http://schemas.openxmlformats.org/officeDocument/2006/math">
+                    <m:oMathParaPr>
+                      <m:jc m:val="centerGroup"/>
+                    </m:oMathParaPr>
+                    <m:oMath xmlns:m="http://schemas.openxmlformats.org/officeDocument/2006/math">
+                      <m:r>
+                        <a:rPr lang="en-US" sz="2800" b="0" i="1" smtClean="0">
+                          <a:latin typeface="Cambria Math" panose="02040503050406030204" pitchFamily="18" charset="0"/>
+                        </a:rPr>
+                        <m:t>𝑥</m:t>
+                      </m:r>
+                    </m:oMath>
+                  </m:oMathPara>
+                </a14:m>
+                <a:endParaRPr lang="en-VN" sz="2800" dirty="0"/>
+              </a:p>
+            </p:txBody>
+          </p:sp>
+        </mc:Choice>
+        <mc:Fallback xmlns="">
+          <p:sp>
+            <p:nvSpPr>
+              <p:cNvPr id="3" name="TextBox 2">
+                <a:extLst>
+                  <a:ext uri="{FF2B5EF4-FFF2-40B4-BE49-F238E27FC236}">
+                    <a16:creationId xmlns:a16="http://schemas.microsoft.com/office/drawing/2014/main" id="{7E63A34C-5343-1FC4-DAF3-04CEC6D19D58}"/>
+                  </a:ext>
+                </a:extLst>
+              </p:cNvPr>
+              <p:cNvSpPr txBox="1">
+                <a:spLocks noRot="1" noChangeAspect="1" noMove="1" noResize="1" noEditPoints="1" noAdjustHandles="1" noChangeArrowheads="1" noChangeShapeType="1" noTextEdit="1"/>
+              </p:cNvSpPr>
+              <p:nvPr/>
+            </p:nvSpPr>
+            <p:spPr>
+              <a:xfrm>
+                <a:off x="5389414" y="283038"/>
+                <a:ext cx="1433947" cy="523220"/>
+              </a:xfrm>
+              <a:prstGeom prst="rect">
+                <a:avLst/>
+              </a:prstGeom>
+              <a:blipFill>
+                <a:blip r:embed="rId3"/>
+                <a:stretch>
+                  <a:fillRect/>
+                </a:stretch>
+              </a:blipFill>
+            </p:spPr>
+            <p:txBody>
+              <a:bodyPr/>
+              <a:lstStyle/>
+              <a:p>
+                <a:r>
+                  <a:rPr lang="en-VN">
+                    <a:noFill/>
+                  </a:rPr>
+                  <a:t> </a:t>
+                </a:r>
+              </a:p>
+            </p:txBody>
+          </p:sp>
+        </mc:Fallback>
+      </mc:AlternateContent>
+      <p:cxnSp>
+        <p:nvCxnSpPr>
+          <p:cNvPr id="12" name="Straight Arrow Connector 11">
+            <a:extLst>
+              <a:ext uri="{FF2B5EF4-FFF2-40B4-BE49-F238E27FC236}">
+                <a16:creationId xmlns:a16="http://schemas.microsoft.com/office/drawing/2014/main" id="{107D5908-CA56-8D6E-8914-2B284A3E8068}"/>
+              </a:ext>
+            </a:extLst>
+          </p:cNvPr>
+          <p:cNvCxnSpPr>
+            <a:cxnSpLocks/>
+            <a:stCxn id="3" idx="2"/>
+            <a:endCxn id="4" idx="0"/>
+          </p:cNvCxnSpPr>
+          <p:nvPr/>
+        </p:nvCxnSpPr>
+        <p:spPr>
+          <a:xfrm>
+            <a:off x="6106388" y="806258"/>
+            <a:ext cx="0" cy="448823"/>
           </a:xfrm>
           <a:prstGeom prst="straightConnector1">
             <a:avLst/>
@@ -16006,6 +16162,4759 @@
 </p:sld>
 </file>
 
+<file path=ppt/slides/slide8.xml><?xml version="1.0" encoding="utf-8"?>
+<p:sld xmlns:a="http://schemas.openxmlformats.org/drawingml/2006/main" xmlns:r="http://schemas.openxmlformats.org/officeDocument/2006/relationships" xmlns:p="http://schemas.openxmlformats.org/presentationml/2006/main">
+  <p:cSld>
+    <p:spTree>
+      <p:nvGrpSpPr>
+        <p:cNvPr id="1" name=""/>
+        <p:cNvGrpSpPr/>
+        <p:nvPr/>
+      </p:nvGrpSpPr>
+      <p:grpSpPr>
+        <a:xfrm>
+          <a:off x="0" y="0"/>
+          <a:ext cx="0" cy="0"/>
+          <a:chOff x="0" y="0"/>
+          <a:chExt cx="0" cy="0"/>
+        </a:xfrm>
+      </p:grpSpPr>
+      <p:grpSp>
+        <p:nvGrpSpPr>
+          <p:cNvPr id="3" name="Group 2">
+            <a:extLst>
+              <a:ext uri="{FF2B5EF4-FFF2-40B4-BE49-F238E27FC236}">
+                <a16:creationId xmlns:a16="http://schemas.microsoft.com/office/drawing/2014/main" id="{BAD390DD-D617-8124-83F4-7C17F7944918}"/>
+              </a:ext>
+            </a:extLst>
+          </p:cNvPr>
+          <p:cNvGrpSpPr/>
+          <p:nvPr/>
+        </p:nvGrpSpPr>
+        <p:grpSpPr>
+          <a:xfrm>
+            <a:off x="3094336" y="2193325"/>
+            <a:ext cx="6631460" cy="2471349"/>
+            <a:chOff x="3119049" y="2477532"/>
+            <a:chExt cx="6631460" cy="2471349"/>
+          </a:xfrm>
+        </p:grpSpPr>
+        <p:grpSp>
+          <p:nvGrpSpPr>
+            <p:cNvPr id="2" name="Group 1">
+              <a:extLst>
+                <a:ext uri="{FF2B5EF4-FFF2-40B4-BE49-F238E27FC236}">
+                  <a16:creationId xmlns:a16="http://schemas.microsoft.com/office/drawing/2014/main" id="{24AA92AF-5982-9570-19BA-D3901B4330E6}"/>
+                </a:ext>
+              </a:extLst>
+            </p:cNvPr>
+            <p:cNvGrpSpPr/>
+            <p:nvPr/>
+          </p:nvGrpSpPr>
+          <p:grpSpPr>
+            <a:xfrm>
+              <a:off x="3119049" y="2477532"/>
+              <a:ext cx="6631460" cy="2471349"/>
+              <a:chOff x="3959311" y="1989440"/>
+              <a:chExt cx="6631460" cy="2471349"/>
+            </a:xfrm>
+          </p:grpSpPr>
+          <p:cxnSp>
+            <p:nvCxnSpPr>
+              <p:cNvPr id="25" name="Straight Arrow Connector 24">
+                <a:extLst>
+                  <a:ext uri="{FF2B5EF4-FFF2-40B4-BE49-F238E27FC236}">
+                    <a16:creationId xmlns:a16="http://schemas.microsoft.com/office/drawing/2014/main" id="{52537FF5-BD97-921C-5BF0-5742CBA1A46F}"/>
+                  </a:ext>
+                </a:extLst>
+              </p:cNvPr>
+              <p:cNvCxnSpPr>
+                <a:stCxn id="12" idx="3"/>
+                <a:endCxn id="13" idx="1"/>
+              </p:cNvCxnSpPr>
+              <p:nvPr/>
+            </p:nvCxnSpPr>
+            <p:spPr>
+              <a:xfrm>
+                <a:off x="8232689" y="2489888"/>
+                <a:ext cx="442786" cy="0"/>
+              </a:xfrm>
+              <a:prstGeom prst="straightConnector1">
+                <a:avLst/>
+              </a:prstGeom>
+              <a:ln>
+                <a:tailEnd type="triangle"/>
+              </a:ln>
+            </p:spPr>
+            <p:style>
+              <a:lnRef idx="2">
+                <a:schemeClr val="accent1"/>
+              </a:lnRef>
+              <a:fillRef idx="0">
+                <a:schemeClr val="accent1"/>
+              </a:fillRef>
+              <a:effectRef idx="1">
+                <a:schemeClr val="accent1"/>
+              </a:effectRef>
+              <a:fontRef idx="minor">
+                <a:schemeClr val="tx1"/>
+              </a:fontRef>
+            </p:style>
+          </p:cxnSp>
+          <p:sp>
+            <p:nvSpPr>
+              <p:cNvPr id="11" name="Rounded Rectangle 10">
+                <a:extLst>
+                  <a:ext uri="{FF2B5EF4-FFF2-40B4-BE49-F238E27FC236}">
+                    <a16:creationId xmlns:a16="http://schemas.microsoft.com/office/drawing/2014/main" id="{16DDBA14-1F5C-8738-4C38-A2535CDFB12A}"/>
+                  </a:ext>
+                </a:extLst>
+              </p:cNvPr>
+              <p:cNvSpPr/>
+              <p:nvPr/>
+            </p:nvSpPr>
+            <p:spPr>
+              <a:xfrm>
+                <a:off x="3959311" y="1989440"/>
+                <a:ext cx="1915296" cy="1000896"/>
+              </a:xfrm>
+              <a:prstGeom prst="roundRect">
+                <a:avLst/>
+              </a:prstGeom>
+            </p:spPr>
+            <p:style>
+              <a:lnRef idx="2">
+                <a:schemeClr val="accent1">
+                  <a:shade val="15000"/>
+                </a:schemeClr>
+              </a:lnRef>
+              <a:fillRef idx="1">
+                <a:schemeClr val="accent1"/>
+              </a:fillRef>
+              <a:effectRef idx="0">
+                <a:schemeClr val="accent1"/>
+              </a:effectRef>
+              <a:fontRef idx="minor">
+                <a:schemeClr val="lt1"/>
+              </a:fontRef>
+            </p:style>
+            <p:txBody>
+              <a:bodyPr rtlCol="0" anchor="ctr"/>
+              <a:lstStyle/>
+              <a:p>
+                <a:pPr algn="ctr"/>
+                <a:r>
+                  <a:rPr lang="en-VN" dirty="0"/>
+                  <a:t>Data Selection</a:t>
+                </a:r>
+              </a:p>
+            </p:txBody>
+          </p:sp>
+          <p:sp>
+            <p:nvSpPr>
+              <p:cNvPr id="12" name="Rounded Rectangle 11">
+                <a:extLst>
+                  <a:ext uri="{FF2B5EF4-FFF2-40B4-BE49-F238E27FC236}">
+                    <a16:creationId xmlns:a16="http://schemas.microsoft.com/office/drawing/2014/main" id="{948D51AE-2FF0-6518-56C2-CF1A86382CFC}"/>
+                  </a:ext>
+                </a:extLst>
+              </p:cNvPr>
+              <p:cNvSpPr/>
+              <p:nvPr/>
+            </p:nvSpPr>
+            <p:spPr>
+              <a:xfrm>
+                <a:off x="6317393" y="1989440"/>
+                <a:ext cx="1915296" cy="1000896"/>
+              </a:xfrm>
+              <a:prstGeom prst="roundRect">
+                <a:avLst/>
+              </a:prstGeom>
+            </p:spPr>
+            <p:style>
+              <a:lnRef idx="2">
+                <a:schemeClr val="accent1">
+                  <a:shade val="15000"/>
+                </a:schemeClr>
+              </a:lnRef>
+              <a:fillRef idx="1">
+                <a:schemeClr val="accent1"/>
+              </a:fillRef>
+              <a:effectRef idx="0">
+                <a:schemeClr val="accent1"/>
+              </a:effectRef>
+              <a:fontRef idx="minor">
+                <a:schemeClr val="lt1"/>
+              </a:fontRef>
+            </p:style>
+            <p:txBody>
+              <a:bodyPr rtlCol="0" anchor="ctr"/>
+              <a:lstStyle/>
+              <a:p>
+                <a:pPr algn="ctr"/>
+                <a:r>
+                  <a:rPr lang="en-VN" dirty="0"/>
+                  <a:t>Model Training</a:t>
+                </a:r>
+              </a:p>
+            </p:txBody>
+          </p:sp>
+          <p:sp>
+            <p:nvSpPr>
+              <p:cNvPr id="13" name="Rounded Rectangle 12">
+                <a:extLst>
+                  <a:ext uri="{FF2B5EF4-FFF2-40B4-BE49-F238E27FC236}">
+                    <a16:creationId xmlns:a16="http://schemas.microsoft.com/office/drawing/2014/main" id="{0938C049-6A19-69BE-C748-B40455730866}"/>
+                  </a:ext>
+                </a:extLst>
+              </p:cNvPr>
+              <p:cNvSpPr/>
+              <p:nvPr/>
+            </p:nvSpPr>
+            <p:spPr>
+              <a:xfrm>
+                <a:off x="8675475" y="1989440"/>
+                <a:ext cx="1915296" cy="1000896"/>
+              </a:xfrm>
+              <a:prstGeom prst="roundRect">
+                <a:avLst/>
+              </a:prstGeom>
+            </p:spPr>
+            <p:style>
+              <a:lnRef idx="2">
+                <a:schemeClr val="accent1">
+                  <a:shade val="15000"/>
+                </a:schemeClr>
+              </a:lnRef>
+              <a:fillRef idx="1">
+                <a:schemeClr val="accent1"/>
+              </a:fillRef>
+              <a:effectRef idx="0">
+                <a:schemeClr val="accent1"/>
+              </a:effectRef>
+              <a:fontRef idx="minor">
+                <a:schemeClr val="lt1"/>
+              </a:fontRef>
+            </p:style>
+            <p:txBody>
+              <a:bodyPr rtlCol="0" anchor="ctr"/>
+              <a:lstStyle/>
+              <a:p>
+                <a:pPr algn="ctr"/>
+                <a:r>
+                  <a:rPr lang="en-VN" dirty="0"/>
+                  <a:t>Model Evaluation</a:t>
+                </a:r>
+              </a:p>
+            </p:txBody>
+          </p:sp>
+          <p:sp>
+            <p:nvSpPr>
+              <p:cNvPr id="14" name="Rounded Rectangle 13">
+                <a:extLst>
+                  <a:ext uri="{FF2B5EF4-FFF2-40B4-BE49-F238E27FC236}">
+                    <a16:creationId xmlns:a16="http://schemas.microsoft.com/office/drawing/2014/main" id="{55F2576C-A24C-0FA1-B047-B7C3D365D1EE}"/>
+                  </a:ext>
+                </a:extLst>
+              </p:cNvPr>
+              <p:cNvSpPr/>
+              <p:nvPr/>
+            </p:nvSpPr>
+            <p:spPr>
+              <a:xfrm>
+                <a:off x="6317393" y="3459893"/>
+                <a:ext cx="1915296" cy="1000896"/>
+              </a:xfrm>
+              <a:prstGeom prst="roundRect">
+                <a:avLst/>
+              </a:prstGeom>
+            </p:spPr>
+            <p:style>
+              <a:lnRef idx="2">
+                <a:schemeClr val="accent1">
+                  <a:shade val="15000"/>
+                </a:schemeClr>
+              </a:lnRef>
+              <a:fillRef idx="1">
+                <a:schemeClr val="accent1"/>
+              </a:fillRef>
+              <a:effectRef idx="0">
+                <a:schemeClr val="accent1"/>
+              </a:effectRef>
+              <a:fontRef idx="minor">
+                <a:schemeClr val="lt1"/>
+              </a:fontRef>
+            </p:style>
+            <p:txBody>
+              <a:bodyPr rtlCol="0" anchor="ctr"/>
+              <a:lstStyle/>
+              <a:p>
+                <a:pPr algn="ctr"/>
+                <a:r>
+                  <a:rPr lang="en-VN" dirty="0"/>
+                  <a:t>FC layer Expanding</a:t>
+                </a:r>
+              </a:p>
+            </p:txBody>
+          </p:sp>
+          <p:sp>
+            <p:nvSpPr>
+              <p:cNvPr id="15" name="Rounded Rectangle 14">
+                <a:extLst>
+                  <a:ext uri="{FF2B5EF4-FFF2-40B4-BE49-F238E27FC236}">
+                    <a16:creationId xmlns:a16="http://schemas.microsoft.com/office/drawing/2014/main" id="{49E077C1-B45A-BBA5-8CF5-7E01442E65FA}"/>
+                  </a:ext>
+                </a:extLst>
+              </p:cNvPr>
+              <p:cNvSpPr/>
+              <p:nvPr/>
+            </p:nvSpPr>
+            <p:spPr>
+              <a:xfrm>
+                <a:off x="3959311" y="3459893"/>
+                <a:ext cx="1915296" cy="1000896"/>
+              </a:xfrm>
+              <a:prstGeom prst="roundRect">
+                <a:avLst/>
+              </a:prstGeom>
+            </p:spPr>
+            <p:style>
+              <a:lnRef idx="2">
+                <a:schemeClr val="accent1">
+                  <a:shade val="15000"/>
+                </a:schemeClr>
+              </a:lnRef>
+              <a:fillRef idx="1">
+                <a:schemeClr val="accent1"/>
+              </a:fillRef>
+              <a:effectRef idx="0">
+                <a:schemeClr val="accent1"/>
+              </a:effectRef>
+              <a:fontRef idx="minor">
+                <a:schemeClr val="lt1"/>
+              </a:fontRef>
+            </p:style>
+            <p:txBody>
+              <a:bodyPr rtlCol="0" anchor="ctr"/>
+              <a:lstStyle/>
+              <a:p>
+                <a:pPr algn="ctr"/>
+                <a:r>
+                  <a:rPr lang="en-VN" dirty="0"/>
+                  <a:t>Exemplar Selection (optional)</a:t>
+                </a:r>
+              </a:p>
+            </p:txBody>
+          </p:sp>
+          <p:cxnSp>
+            <p:nvCxnSpPr>
+              <p:cNvPr id="21" name="Straight Arrow Connector 20">
+                <a:extLst>
+                  <a:ext uri="{FF2B5EF4-FFF2-40B4-BE49-F238E27FC236}">
+                    <a16:creationId xmlns:a16="http://schemas.microsoft.com/office/drawing/2014/main" id="{1AEA7C50-27FF-749B-5C03-317C77F2C79A}"/>
+                  </a:ext>
+                </a:extLst>
+              </p:cNvPr>
+              <p:cNvCxnSpPr>
+                <a:stCxn id="11" idx="3"/>
+                <a:endCxn id="12" idx="1"/>
+              </p:cNvCxnSpPr>
+              <p:nvPr/>
+            </p:nvCxnSpPr>
+            <p:spPr>
+              <a:xfrm>
+                <a:off x="5874607" y="2489888"/>
+                <a:ext cx="442786" cy="0"/>
+              </a:xfrm>
+              <a:prstGeom prst="straightConnector1">
+                <a:avLst/>
+              </a:prstGeom>
+              <a:ln>
+                <a:tailEnd type="triangle"/>
+              </a:ln>
+            </p:spPr>
+            <p:style>
+              <a:lnRef idx="2">
+                <a:schemeClr val="accent1"/>
+              </a:lnRef>
+              <a:fillRef idx="0">
+                <a:schemeClr val="accent1"/>
+              </a:fillRef>
+              <a:effectRef idx="1">
+                <a:schemeClr val="accent1"/>
+              </a:effectRef>
+              <a:fontRef idx="minor">
+                <a:schemeClr val="tx1"/>
+              </a:fontRef>
+            </p:style>
+          </p:cxnSp>
+          <p:cxnSp>
+            <p:nvCxnSpPr>
+              <p:cNvPr id="27" name="Straight Arrow Connector 26">
+                <a:extLst>
+                  <a:ext uri="{FF2B5EF4-FFF2-40B4-BE49-F238E27FC236}">
+                    <a16:creationId xmlns:a16="http://schemas.microsoft.com/office/drawing/2014/main" id="{1FE2AE80-4F7D-F16D-74E9-D0C0ABBBBF2B}"/>
+                  </a:ext>
+                </a:extLst>
+              </p:cNvPr>
+              <p:cNvCxnSpPr>
+                <a:stCxn id="12" idx="2"/>
+                <a:endCxn id="14" idx="0"/>
+              </p:cNvCxnSpPr>
+              <p:nvPr/>
+            </p:nvCxnSpPr>
+            <p:spPr>
+              <a:xfrm>
+                <a:off x="7275041" y="2990336"/>
+                <a:ext cx="0" cy="469557"/>
+              </a:xfrm>
+              <a:prstGeom prst="straightConnector1">
+                <a:avLst/>
+              </a:prstGeom>
+              <a:ln>
+                <a:tailEnd type="triangle"/>
+              </a:ln>
+            </p:spPr>
+            <p:style>
+              <a:lnRef idx="2">
+                <a:schemeClr val="accent1"/>
+              </a:lnRef>
+              <a:fillRef idx="0">
+                <a:schemeClr val="accent1"/>
+              </a:fillRef>
+              <a:effectRef idx="1">
+                <a:schemeClr val="accent1"/>
+              </a:effectRef>
+              <a:fontRef idx="minor">
+                <a:schemeClr val="tx1"/>
+              </a:fontRef>
+            </p:style>
+          </p:cxnSp>
+          <p:cxnSp>
+            <p:nvCxnSpPr>
+              <p:cNvPr id="29" name="Straight Arrow Connector 28">
+                <a:extLst>
+                  <a:ext uri="{FF2B5EF4-FFF2-40B4-BE49-F238E27FC236}">
+                    <a16:creationId xmlns:a16="http://schemas.microsoft.com/office/drawing/2014/main" id="{1CE22F86-FFD9-5D16-63DE-486AC2838C4A}"/>
+                  </a:ext>
+                </a:extLst>
+              </p:cNvPr>
+              <p:cNvCxnSpPr>
+                <a:stCxn id="14" idx="1"/>
+                <a:endCxn id="15" idx="3"/>
+              </p:cNvCxnSpPr>
+              <p:nvPr/>
+            </p:nvCxnSpPr>
+            <p:spPr>
+              <a:xfrm flipH="1">
+                <a:off x="5874607" y="3960341"/>
+                <a:ext cx="442786" cy="0"/>
+              </a:xfrm>
+              <a:prstGeom prst="straightConnector1">
+                <a:avLst/>
+              </a:prstGeom>
+              <a:ln>
+                <a:tailEnd type="triangle"/>
+              </a:ln>
+            </p:spPr>
+            <p:style>
+              <a:lnRef idx="2">
+                <a:schemeClr val="accent1"/>
+              </a:lnRef>
+              <a:fillRef idx="0">
+                <a:schemeClr val="accent1"/>
+              </a:fillRef>
+              <a:effectRef idx="1">
+                <a:schemeClr val="accent1"/>
+              </a:effectRef>
+              <a:fontRef idx="minor">
+                <a:schemeClr val="tx1"/>
+              </a:fontRef>
+            </p:style>
+          </p:cxnSp>
+        </p:grpSp>
+        <p:cxnSp>
+          <p:nvCxnSpPr>
+            <p:cNvPr id="31" name="Straight Arrow Connector 30">
+              <a:extLst>
+                <a:ext uri="{FF2B5EF4-FFF2-40B4-BE49-F238E27FC236}">
+                  <a16:creationId xmlns:a16="http://schemas.microsoft.com/office/drawing/2014/main" id="{A1249626-2992-E6DF-8840-5E618DAC6671}"/>
+                </a:ext>
+              </a:extLst>
+            </p:cNvPr>
+            <p:cNvCxnSpPr>
+              <a:stCxn id="15" idx="0"/>
+              <a:endCxn id="11" idx="2"/>
+            </p:cNvCxnSpPr>
+            <p:nvPr/>
+          </p:nvCxnSpPr>
+          <p:spPr>
+            <a:xfrm flipV="1">
+              <a:off x="4076697" y="3478428"/>
+              <a:ext cx="0" cy="469557"/>
+            </a:xfrm>
+            <a:prstGeom prst="straightConnector1">
+              <a:avLst/>
+            </a:prstGeom>
+            <a:ln>
+              <a:tailEnd type="triangle"/>
+            </a:ln>
+          </p:spPr>
+          <p:style>
+            <a:lnRef idx="2">
+              <a:schemeClr val="accent1"/>
+            </a:lnRef>
+            <a:fillRef idx="0">
+              <a:schemeClr val="accent1"/>
+            </a:fillRef>
+            <a:effectRef idx="1">
+              <a:schemeClr val="accent1"/>
+            </a:effectRef>
+            <a:fontRef idx="minor">
+              <a:schemeClr val="tx1"/>
+            </a:fontRef>
+          </p:style>
+        </p:cxnSp>
+      </p:grpSp>
+    </p:spTree>
+    <p:extLst>
+      <p:ext uri="{BB962C8B-B14F-4D97-AF65-F5344CB8AC3E}">
+        <p14:creationId xmlns:p14="http://schemas.microsoft.com/office/powerpoint/2010/main" val="4214762002"/>
+      </p:ext>
+    </p:extLst>
+  </p:cSld>
+  <p:clrMapOvr>
+    <a:masterClrMapping/>
+  </p:clrMapOvr>
+</p:sld>
+</file>
+
+<file path=ppt/slides/slide9.xml><?xml version="1.0" encoding="utf-8"?>
+<p:sld xmlns:a="http://schemas.openxmlformats.org/drawingml/2006/main" xmlns:r="http://schemas.openxmlformats.org/officeDocument/2006/relationships" xmlns:p="http://schemas.openxmlformats.org/presentationml/2006/main">
+  <p:cSld>
+    <p:spTree>
+      <p:nvGrpSpPr>
+        <p:cNvPr id="1" name=""/>
+        <p:cNvGrpSpPr/>
+        <p:nvPr/>
+      </p:nvGrpSpPr>
+      <p:grpSpPr>
+        <a:xfrm>
+          <a:off x="0" y="0"/>
+          <a:ext cx="0" cy="0"/>
+          <a:chOff x="0" y="0"/>
+          <a:chExt cx="0" cy="0"/>
+        </a:xfrm>
+      </p:grpSpPr>
+      <p:sp>
+        <p:nvSpPr>
+          <p:cNvPr id="122" name="Rectangle: Rounded Corners 1">
+            <a:extLst>
+              <a:ext uri="{FF2B5EF4-FFF2-40B4-BE49-F238E27FC236}">
+                <a16:creationId xmlns:a16="http://schemas.microsoft.com/office/drawing/2014/main" id="{9A5FFC41-8B5C-6AAE-4B98-3E72CF9894EC}"/>
+              </a:ext>
+            </a:extLst>
+          </p:cNvPr>
+          <p:cNvSpPr/>
+          <p:nvPr/>
+        </p:nvSpPr>
+        <p:spPr>
+          <a:xfrm>
+            <a:off x="331534" y="1141880"/>
+            <a:ext cx="586903" cy="310101"/>
+          </a:xfrm>
+          <a:prstGeom prst="roundRect">
+            <a:avLst/>
+          </a:prstGeom>
+          <a:solidFill>
+            <a:srgbClr val="92D050"/>
+          </a:solidFill>
+        </p:spPr>
+        <p:style>
+          <a:lnRef idx="2">
+            <a:schemeClr val="accent1">
+              <a:shade val="15000"/>
+            </a:schemeClr>
+          </a:lnRef>
+          <a:fillRef idx="1">
+            <a:schemeClr val="accent1"/>
+          </a:fillRef>
+          <a:effectRef idx="0">
+            <a:schemeClr val="accent1"/>
+          </a:effectRef>
+          <a:fontRef idx="minor">
+            <a:schemeClr val="lt1"/>
+          </a:fontRef>
+        </p:style>
+        <p:txBody>
+          <a:bodyPr rtlCol="0" anchor="ctr"/>
+          <a:lstStyle/>
+          <a:p>
+            <a:pPr algn="ctr"/>
+            <a:endParaRPr lang="en-US" sz="711"/>
+          </a:p>
+        </p:txBody>
+      </p:sp>
+      <p:sp>
+        <p:nvSpPr>
+          <p:cNvPr id="123" name="Rectangle: Rounded Corners 4">
+            <a:extLst>
+              <a:ext uri="{FF2B5EF4-FFF2-40B4-BE49-F238E27FC236}">
+                <a16:creationId xmlns:a16="http://schemas.microsoft.com/office/drawing/2014/main" id="{24035B92-2F9F-F5B2-ABE9-5CBD217D8C24}"/>
+              </a:ext>
+            </a:extLst>
+          </p:cNvPr>
+          <p:cNvSpPr/>
+          <p:nvPr/>
+        </p:nvSpPr>
+        <p:spPr>
+          <a:xfrm>
+            <a:off x="340475" y="1650622"/>
+            <a:ext cx="575680" cy="288040"/>
+          </a:xfrm>
+          <a:prstGeom prst="roundRect">
+            <a:avLst/>
+          </a:prstGeom>
+          <a:solidFill>
+            <a:srgbClr val="92D050"/>
+          </a:solidFill>
+        </p:spPr>
+        <p:style>
+          <a:lnRef idx="2">
+            <a:schemeClr val="accent1">
+              <a:shade val="15000"/>
+            </a:schemeClr>
+          </a:lnRef>
+          <a:fillRef idx="1">
+            <a:schemeClr val="accent1"/>
+          </a:fillRef>
+          <a:effectRef idx="0">
+            <a:schemeClr val="accent1"/>
+          </a:effectRef>
+          <a:fontRef idx="minor">
+            <a:schemeClr val="lt1"/>
+          </a:fontRef>
+        </p:style>
+        <p:txBody>
+          <a:bodyPr rtlCol="0" anchor="ctr"/>
+          <a:lstStyle/>
+          <a:p>
+            <a:pPr algn="ctr"/>
+            <a:endParaRPr lang="en-US" sz="711"/>
+          </a:p>
+        </p:txBody>
+      </p:sp>
+      <p:sp>
+        <p:nvSpPr>
+          <p:cNvPr id="124" name="Rectangle: Rounded Corners 5">
+            <a:extLst>
+              <a:ext uri="{FF2B5EF4-FFF2-40B4-BE49-F238E27FC236}">
+                <a16:creationId xmlns:a16="http://schemas.microsoft.com/office/drawing/2014/main" id="{29195277-0D42-AA10-C532-BC2841396236}"/>
+              </a:ext>
+            </a:extLst>
+          </p:cNvPr>
+          <p:cNvSpPr/>
+          <p:nvPr/>
+        </p:nvSpPr>
+        <p:spPr>
+          <a:xfrm>
+            <a:off x="345686" y="2119950"/>
+            <a:ext cx="581112" cy="310101"/>
+          </a:xfrm>
+          <a:prstGeom prst="roundRect">
+            <a:avLst/>
+          </a:prstGeom>
+          <a:solidFill>
+            <a:srgbClr val="92D050"/>
+          </a:solidFill>
+        </p:spPr>
+        <p:style>
+          <a:lnRef idx="2">
+            <a:schemeClr val="accent1">
+              <a:shade val="15000"/>
+            </a:schemeClr>
+          </a:lnRef>
+          <a:fillRef idx="1">
+            <a:schemeClr val="accent1"/>
+          </a:fillRef>
+          <a:effectRef idx="0">
+            <a:schemeClr val="accent1"/>
+          </a:effectRef>
+          <a:fontRef idx="minor">
+            <a:schemeClr val="lt1"/>
+          </a:fontRef>
+        </p:style>
+        <p:txBody>
+          <a:bodyPr rtlCol="0" anchor="ctr"/>
+          <a:lstStyle/>
+          <a:p>
+            <a:pPr algn="ctr"/>
+            <a:endParaRPr lang="en-US" sz="711"/>
+          </a:p>
+        </p:txBody>
+      </p:sp>
+      <p:sp>
+        <p:nvSpPr>
+          <p:cNvPr id="125" name="Rectangle: Rounded Corners 6">
+            <a:extLst>
+              <a:ext uri="{FF2B5EF4-FFF2-40B4-BE49-F238E27FC236}">
+                <a16:creationId xmlns:a16="http://schemas.microsoft.com/office/drawing/2014/main" id="{053FDEEF-F680-6A56-E59D-F32EF27F63FF}"/>
+              </a:ext>
+            </a:extLst>
+          </p:cNvPr>
+          <p:cNvSpPr/>
+          <p:nvPr/>
+        </p:nvSpPr>
+        <p:spPr>
+          <a:xfrm>
+            <a:off x="329356" y="2947072"/>
+            <a:ext cx="591257" cy="314245"/>
+          </a:xfrm>
+          <a:prstGeom prst="roundRect">
+            <a:avLst/>
+          </a:prstGeom>
+          <a:solidFill>
+            <a:srgbClr val="92D050"/>
+          </a:solidFill>
+        </p:spPr>
+        <p:style>
+          <a:lnRef idx="2">
+            <a:schemeClr val="accent1">
+              <a:shade val="15000"/>
+            </a:schemeClr>
+          </a:lnRef>
+          <a:fillRef idx="1">
+            <a:schemeClr val="accent1"/>
+          </a:fillRef>
+          <a:effectRef idx="0">
+            <a:schemeClr val="accent1"/>
+          </a:effectRef>
+          <a:fontRef idx="minor">
+            <a:schemeClr val="lt1"/>
+          </a:fontRef>
+        </p:style>
+        <p:txBody>
+          <a:bodyPr rtlCol="0" anchor="ctr"/>
+          <a:lstStyle/>
+          <a:p>
+            <a:pPr algn="ctr"/>
+            <a:endParaRPr lang="en-US" sz="711"/>
+          </a:p>
+        </p:txBody>
+      </p:sp>
+      <p:sp>
+        <p:nvSpPr>
+          <p:cNvPr id="126" name="TextBox 125">
+            <a:extLst>
+              <a:ext uri="{FF2B5EF4-FFF2-40B4-BE49-F238E27FC236}">
+                <a16:creationId xmlns:a16="http://schemas.microsoft.com/office/drawing/2014/main" id="{E56A57B3-2A62-A842-F8F2-7ED72D646DD2}"/>
+              </a:ext>
+            </a:extLst>
+          </p:cNvPr>
+          <p:cNvSpPr txBox="1"/>
+          <p:nvPr/>
+        </p:nvSpPr>
+        <p:spPr>
+          <a:xfrm>
+            <a:off x="293587" y="1124186"/>
+            <a:ext cx="853589" cy="312073"/>
+          </a:xfrm>
+          <a:prstGeom prst="rect">
+            <a:avLst/>
+          </a:prstGeom>
+          <a:noFill/>
+        </p:spPr>
+        <p:txBody>
+          <a:bodyPr wrap="square" rtlCol="0">
+            <a:spAutoFit/>
+          </a:bodyPr>
+          <a:lstStyle/>
+          <a:p>
+            <a:r>
+              <a:rPr lang="en-US" sz="1428" dirty="0">
+                <a:solidFill>
+                  <a:schemeClr val="bg1"/>
+                </a:solidFill>
+                <a:latin typeface="Times New Roman" panose="02020603050405020304" pitchFamily="18" charset="0"/>
+                <a:cs typeface="Times New Roman" panose="02020603050405020304" pitchFamily="18" charset="0"/>
+              </a:rPr>
+              <a:t>Task 1</a:t>
+            </a:r>
+          </a:p>
+        </p:txBody>
+      </p:sp>
+      <p:sp>
+        <p:nvSpPr>
+          <p:cNvPr id="127" name="TextBox 126">
+            <a:extLst>
+              <a:ext uri="{FF2B5EF4-FFF2-40B4-BE49-F238E27FC236}">
+                <a16:creationId xmlns:a16="http://schemas.microsoft.com/office/drawing/2014/main" id="{5BD24653-A6A8-6266-EC2F-3C663FB99CD7}"/>
+              </a:ext>
+            </a:extLst>
+          </p:cNvPr>
+          <p:cNvSpPr txBox="1"/>
+          <p:nvPr/>
+        </p:nvSpPr>
+        <p:spPr>
+          <a:xfrm>
+            <a:off x="315906" y="1636363"/>
+            <a:ext cx="701399" cy="312073"/>
+          </a:xfrm>
+          <a:prstGeom prst="rect">
+            <a:avLst/>
+          </a:prstGeom>
+          <a:noFill/>
+        </p:spPr>
+        <p:txBody>
+          <a:bodyPr wrap="square" rtlCol="0">
+            <a:spAutoFit/>
+          </a:bodyPr>
+          <a:lstStyle/>
+          <a:p>
+            <a:r>
+              <a:rPr lang="en-US" sz="1428" dirty="0">
+                <a:solidFill>
+                  <a:schemeClr val="bg1"/>
+                </a:solidFill>
+                <a:latin typeface="Times New Roman" panose="02020603050405020304" pitchFamily="18" charset="0"/>
+                <a:cs typeface="Times New Roman" panose="02020603050405020304" pitchFamily="18" charset="0"/>
+              </a:rPr>
+              <a:t>Task 2</a:t>
+            </a:r>
+          </a:p>
+        </p:txBody>
+      </p:sp>
+      <p:sp>
+        <p:nvSpPr>
+          <p:cNvPr id="128" name="TextBox 127">
+            <a:extLst>
+              <a:ext uri="{FF2B5EF4-FFF2-40B4-BE49-F238E27FC236}">
+                <a16:creationId xmlns:a16="http://schemas.microsoft.com/office/drawing/2014/main" id="{5D33E0F5-F538-8074-CF96-E650CCF6F2AA}"/>
+              </a:ext>
+            </a:extLst>
+          </p:cNvPr>
+          <p:cNvSpPr txBox="1"/>
+          <p:nvPr/>
+        </p:nvSpPr>
+        <p:spPr>
+          <a:xfrm>
+            <a:off x="336680" y="2098404"/>
+            <a:ext cx="701399" cy="312073"/>
+          </a:xfrm>
+          <a:prstGeom prst="rect">
+            <a:avLst/>
+          </a:prstGeom>
+          <a:noFill/>
+        </p:spPr>
+        <p:txBody>
+          <a:bodyPr wrap="square" rtlCol="0">
+            <a:spAutoFit/>
+          </a:bodyPr>
+          <a:lstStyle/>
+          <a:p>
+            <a:r>
+              <a:rPr lang="en-US" sz="1428" dirty="0">
+                <a:solidFill>
+                  <a:schemeClr val="bg1"/>
+                </a:solidFill>
+                <a:latin typeface="Times New Roman" panose="02020603050405020304" pitchFamily="18" charset="0"/>
+                <a:cs typeface="Times New Roman" panose="02020603050405020304" pitchFamily="18" charset="0"/>
+              </a:rPr>
+              <a:t>Task 3</a:t>
+            </a:r>
+          </a:p>
+        </p:txBody>
+      </p:sp>
+      <p:sp>
+        <p:nvSpPr>
+          <p:cNvPr id="129" name="TextBox 128">
+            <a:extLst>
+              <a:ext uri="{FF2B5EF4-FFF2-40B4-BE49-F238E27FC236}">
+                <a16:creationId xmlns:a16="http://schemas.microsoft.com/office/drawing/2014/main" id="{26725EE9-8A7D-0EA1-D716-28A62906CC5F}"/>
+              </a:ext>
+            </a:extLst>
+          </p:cNvPr>
+          <p:cNvSpPr txBox="1"/>
+          <p:nvPr/>
+        </p:nvSpPr>
+        <p:spPr>
+          <a:xfrm>
+            <a:off x="254387" y="2916585"/>
+            <a:ext cx="741193" cy="312073"/>
+          </a:xfrm>
+          <a:prstGeom prst="rect">
+            <a:avLst/>
+          </a:prstGeom>
+          <a:noFill/>
+        </p:spPr>
+        <p:txBody>
+          <a:bodyPr wrap="square" rtlCol="0">
+            <a:spAutoFit/>
+          </a:bodyPr>
+          <a:lstStyle/>
+          <a:p>
+            <a:r>
+              <a:rPr lang="en-US" sz="1428" dirty="0">
+                <a:solidFill>
+                  <a:schemeClr val="bg1"/>
+                </a:solidFill>
+                <a:latin typeface="Times New Roman" panose="02020603050405020304" pitchFamily="18" charset="0"/>
+                <a:cs typeface="Times New Roman" panose="02020603050405020304" pitchFamily="18" charset="0"/>
+              </a:rPr>
+              <a:t>Task N</a:t>
+            </a:r>
+          </a:p>
+        </p:txBody>
+      </p:sp>
+      <p:sp>
+        <p:nvSpPr>
+          <p:cNvPr id="130" name="Rectangle: Rounded Corners 12">
+            <a:extLst>
+              <a:ext uri="{FF2B5EF4-FFF2-40B4-BE49-F238E27FC236}">
+                <a16:creationId xmlns:a16="http://schemas.microsoft.com/office/drawing/2014/main" id="{7F12618C-7215-28DB-FD4D-D09412D3B6AA}"/>
+              </a:ext>
+            </a:extLst>
+          </p:cNvPr>
+          <p:cNvSpPr/>
+          <p:nvPr/>
+        </p:nvSpPr>
+        <p:spPr>
+          <a:xfrm>
+            <a:off x="1159592" y="1140283"/>
+            <a:ext cx="637310" cy="298892"/>
+          </a:xfrm>
+          <a:prstGeom prst="roundRect">
+            <a:avLst/>
+          </a:prstGeom>
+          <a:solidFill>
+            <a:schemeClr val="accent1">
+              <a:lumMod val="40000"/>
+              <a:lumOff val="60000"/>
+            </a:schemeClr>
+          </a:solidFill>
+        </p:spPr>
+        <p:style>
+          <a:lnRef idx="2">
+            <a:schemeClr val="accent1">
+              <a:shade val="15000"/>
+            </a:schemeClr>
+          </a:lnRef>
+          <a:fillRef idx="1">
+            <a:schemeClr val="accent1"/>
+          </a:fillRef>
+          <a:effectRef idx="0">
+            <a:schemeClr val="accent1"/>
+          </a:effectRef>
+          <a:fontRef idx="minor">
+            <a:schemeClr val="lt1"/>
+          </a:fontRef>
+        </p:style>
+        <p:txBody>
+          <a:bodyPr rtlCol="0" anchor="ctr"/>
+          <a:lstStyle/>
+          <a:p>
+            <a:pPr algn="ctr"/>
+            <a:endParaRPr lang="en-US" sz="711" dirty="0"/>
+          </a:p>
+        </p:txBody>
+      </p:sp>
+      <p:sp>
+        <p:nvSpPr>
+          <p:cNvPr id="131" name="TextBox 130">
+            <a:extLst>
+              <a:ext uri="{FF2B5EF4-FFF2-40B4-BE49-F238E27FC236}">
+                <a16:creationId xmlns:a16="http://schemas.microsoft.com/office/drawing/2014/main" id="{FCCB1B58-ACDC-FACC-39E1-B57C4544D544}"/>
+              </a:ext>
+            </a:extLst>
+          </p:cNvPr>
+          <p:cNvSpPr txBox="1"/>
+          <p:nvPr/>
+        </p:nvSpPr>
+        <p:spPr>
+          <a:xfrm>
+            <a:off x="1113504" y="1157380"/>
+            <a:ext cx="845999" cy="275460"/>
+          </a:xfrm>
+          <a:prstGeom prst="rect">
+            <a:avLst/>
+          </a:prstGeom>
+          <a:noFill/>
+        </p:spPr>
+        <p:txBody>
+          <a:bodyPr wrap="square" rtlCol="0">
+            <a:spAutoFit/>
+          </a:bodyPr>
+          <a:lstStyle/>
+          <a:p>
+            <a:r>
+              <a:rPr lang="en-US" sz="1190" dirty="0">
+                <a:latin typeface="Times New Roman" panose="02020603050405020304" pitchFamily="18" charset="0"/>
+                <a:cs typeface="Times New Roman" panose="02020603050405020304" pitchFamily="18" charset="0"/>
+              </a:rPr>
+              <a:t>Scholar 1</a:t>
+            </a:r>
+          </a:p>
+        </p:txBody>
+      </p:sp>
+      <p:sp>
+        <p:nvSpPr>
+          <p:cNvPr id="132" name="Rectangle: Rounded Corners 14">
+            <a:extLst>
+              <a:ext uri="{FF2B5EF4-FFF2-40B4-BE49-F238E27FC236}">
+                <a16:creationId xmlns:a16="http://schemas.microsoft.com/office/drawing/2014/main" id="{92564ACC-5960-727E-7D9F-EF7EC10CAC1E}"/>
+              </a:ext>
+            </a:extLst>
+          </p:cNvPr>
+          <p:cNvSpPr/>
+          <p:nvPr/>
+        </p:nvSpPr>
+        <p:spPr>
+          <a:xfrm>
+            <a:off x="1151246" y="1647812"/>
+            <a:ext cx="637193" cy="307577"/>
+          </a:xfrm>
+          <a:prstGeom prst="roundRect">
+            <a:avLst/>
+          </a:prstGeom>
+          <a:solidFill>
+            <a:schemeClr val="accent1">
+              <a:lumMod val="40000"/>
+              <a:lumOff val="60000"/>
+            </a:schemeClr>
+          </a:solidFill>
+        </p:spPr>
+        <p:style>
+          <a:lnRef idx="2">
+            <a:schemeClr val="accent1">
+              <a:shade val="15000"/>
+            </a:schemeClr>
+          </a:lnRef>
+          <a:fillRef idx="1">
+            <a:schemeClr val="accent1"/>
+          </a:fillRef>
+          <a:effectRef idx="0">
+            <a:schemeClr val="accent1"/>
+          </a:effectRef>
+          <a:fontRef idx="minor">
+            <a:schemeClr val="lt1"/>
+          </a:fontRef>
+        </p:style>
+        <p:txBody>
+          <a:bodyPr rtlCol="0" anchor="ctr"/>
+          <a:lstStyle/>
+          <a:p>
+            <a:pPr algn="ctr"/>
+            <a:endParaRPr lang="en-US" sz="711"/>
+          </a:p>
+        </p:txBody>
+      </p:sp>
+      <p:sp>
+        <p:nvSpPr>
+          <p:cNvPr id="133" name="Rectangle: Rounded Corners 15">
+            <a:extLst>
+              <a:ext uri="{FF2B5EF4-FFF2-40B4-BE49-F238E27FC236}">
+                <a16:creationId xmlns:a16="http://schemas.microsoft.com/office/drawing/2014/main" id="{AB6575BD-935B-4BD1-CDD5-BDCE8AEF8B44}"/>
+              </a:ext>
+            </a:extLst>
+          </p:cNvPr>
+          <p:cNvSpPr/>
+          <p:nvPr/>
+        </p:nvSpPr>
+        <p:spPr>
+          <a:xfrm>
+            <a:off x="1146190" y="2114432"/>
+            <a:ext cx="637193" cy="296045"/>
+          </a:xfrm>
+          <a:prstGeom prst="roundRect">
+            <a:avLst/>
+          </a:prstGeom>
+          <a:solidFill>
+            <a:schemeClr val="accent1">
+              <a:lumMod val="40000"/>
+              <a:lumOff val="60000"/>
+            </a:schemeClr>
+          </a:solidFill>
+        </p:spPr>
+        <p:style>
+          <a:lnRef idx="2">
+            <a:schemeClr val="accent1">
+              <a:shade val="15000"/>
+            </a:schemeClr>
+          </a:lnRef>
+          <a:fillRef idx="1">
+            <a:schemeClr val="accent1"/>
+          </a:fillRef>
+          <a:effectRef idx="0">
+            <a:schemeClr val="accent1"/>
+          </a:effectRef>
+          <a:fontRef idx="minor">
+            <a:schemeClr val="lt1"/>
+          </a:fontRef>
+        </p:style>
+        <p:txBody>
+          <a:bodyPr rtlCol="0" anchor="ctr"/>
+          <a:lstStyle/>
+          <a:p>
+            <a:pPr algn="ctr"/>
+            <a:endParaRPr lang="en-US" sz="711"/>
+          </a:p>
+        </p:txBody>
+      </p:sp>
+      <p:sp>
+        <p:nvSpPr>
+          <p:cNvPr id="134" name="Rectangle: Rounded Corners 16">
+            <a:extLst>
+              <a:ext uri="{FF2B5EF4-FFF2-40B4-BE49-F238E27FC236}">
+                <a16:creationId xmlns:a16="http://schemas.microsoft.com/office/drawing/2014/main" id="{B966CE80-CD2A-D521-6438-B10A14CC49AD}"/>
+              </a:ext>
+            </a:extLst>
+          </p:cNvPr>
+          <p:cNvSpPr/>
+          <p:nvPr/>
+        </p:nvSpPr>
+        <p:spPr>
+          <a:xfrm>
+            <a:off x="1146189" y="2955634"/>
+            <a:ext cx="637194" cy="297120"/>
+          </a:xfrm>
+          <a:prstGeom prst="roundRect">
+            <a:avLst/>
+          </a:prstGeom>
+          <a:solidFill>
+            <a:schemeClr val="accent1">
+              <a:lumMod val="40000"/>
+              <a:lumOff val="60000"/>
+            </a:schemeClr>
+          </a:solidFill>
+        </p:spPr>
+        <p:style>
+          <a:lnRef idx="2">
+            <a:schemeClr val="accent1">
+              <a:shade val="15000"/>
+            </a:schemeClr>
+          </a:lnRef>
+          <a:fillRef idx="1">
+            <a:schemeClr val="accent1"/>
+          </a:fillRef>
+          <a:effectRef idx="0">
+            <a:schemeClr val="accent1"/>
+          </a:effectRef>
+          <a:fontRef idx="minor">
+            <a:schemeClr val="lt1"/>
+          </a:fontRef>
+        </p:style>
+        <p:txBody>
+          <a:bodyPr rtlCol="0" anchor="ctr"/>
+          <a:lstStyle/>
+          <a:p>
+            <a:pPr algn="ctr"/>
+            <a:endParaRPr lang="en-US" sz="711"/>
+          </a:p>
+        </p:txBody>
+      </p:sp>
+      <p:sp>
+        <p:nvSpPr>
+          <p:cNvPr id="135" name="TextBox 134">
+            <a:extLst>
+              <a:ext uri="{FF2B5EF4-FFF2-40B4-BE49-F238E27FC236}">
+                <a16:creationId xmlns:a16="http://schemas.microsoft.com/office/drawing/2014/main" id="{4891F144-A704-B01F-58E2-1D615B074E96}"/>
+              </a:ext>
+            </a:extLst>
+          </p:cNvPr>
+          <p:cNvSpPr txBox="1"/>
+          <p:nvPr/>
+        </p:nvSpPr>
+        <p:spPr>
+          <a:xfrm>
+            <a:off x="1110537" y="1656841"/>
+            <a:ext cx="804687" cy="275460"/>
+          </a:xfrm>
+          <a:prstGeom prst="rect">
+            <a:avLst/>
+          </a:prstGeom>
+          <a:noFill/>
+        </p:spPr>
+        <p:txBody>
+          <a:bodyPr wrap="square" rtlCol="0">
+            <a:spAutoFit/>
+          </a:bodyPr>
+          <a:lstStyle/>
+          <a:p>
+            <a:r>
+              <a:rPr lang="en-US" sz="1190" dirty="0">
+                <a:latin typeface="Times New Roman" panose="02020603050405020304" pitchFamily="18" charset="0"/>
+                <a:cs typeface="Times New Roman" panose="02020603050405020304" pitchFamily="18" charset="0"/>
+              </a:rPr>
+              <a:t>Scholar 2</a:t>
+            </a:r>
+          </a:p>
+        </p:txBody>
+      </p:sp>
+      <p:sp>
+        <p:nvSpPr>
+          <p:cNvPr id="136" name="TextBox 135">
+            <a:extLst>
+              <a:ext uri="{FF2B5EF4-FFF2-40B4-BE49-F238E27FC236}">
+                <a16:creationId xmlns:a16="http://schemas.microsoft.com/office/drawing/2014/main" id="{2A15E60D-0AE3-A830-E416-494D3D6E6F32}"/>
+              </a:ext>
+            </a:extLst>
+          </p:cNvPr>
+          <p:cNvSpPr txBox="1"/>
+          <p:nvPr/>
+        </p:nvSpPr>
+        <p:spPr>
+          <a:xfrm>
+            <a:off x="1075148" y="2105638"/>
+            <a:ext cx="785567" cy="275460"/>
+          </a:xfrm>
+          <a:prstGeom prst="rect">
+            <a:avLst/>
+          </a:prstGeom>
+          <a:noFill/>
+        </p:spPr>
+        <p:txBody>
+          <a:bodyPr wrap="square" rtlCol="0">
+            <a:spAutoFit/>
+          </a:bodyPr>
+          <a:lstStyle/>
+          <a:p>
+            <a:r>
+              <a:rPr lang="en-US" sz="1190" dirty="0">
+                <a:latin typeface="Times New Roman" panose="02020603050405020304" pitchFamily="18" charset="0"/>
+                <a:cs typeface="Times New Roman" panose="02020603050405020304" pitchFamily="18" charset="0"/>
+              </a:rPr>
+              <a:t>Scholar 3</a:t>
+            </a:r>
+          </a:p>
+        </p:txBody>
+      </p:sp>
+      <p:sp>
+        <p:nvSpPr>
+          <p:cNvPr id="137" name="TextBox 136">
+            <a:extLst>
+              <a:ext uri="{FF2B5EF4-FFF2-40B4-BE49-F238E27FC236}">
+                <a16:creationId xmlns:a16="http://schemas.microsoft.com/office/drawing/2014/main" id="{ED60C841-9FE0-40E6-3880-E8B6EEF6F3C6}"/>
+              </a:ext>
+            </a:extLst>
+          </p:cNvPr>
+          <p:cNvSpPr txBox="1"/>
+          <p:nvPr/>
+        </p:nvSpPr>
+        <p:spPr>
+          <a:xfrm>
+            <a:off x="1070793" y="2966464"/>
+            <a:ext cx="895112" cy="275460"/>
+          </a:xfrm>
+          <a:prstGeom prst="rect">
+            <a:avLst/>
+          </a:prstGeom>
+          <a:noFill/>
+        </p:spPr>
+        <p:txBody>
+          <a:bodyPr wrap="square" rtlCol="0">
+            <a:spAutoFit/>
+          </a:bodyPr>
+          <a:lstStyle/>
+          <a:p>
+            <a:r>
+              <a:rPr lang="en-US" sz="1190" dirty="0">
+                <a:latin typeface="Times New Roman" panose="02020603050405020304" pitchFamily="18" charset="0"/>
+                <a:cs typeface="Times New Roman" panose="02020603050405020304" pitchFamily="18" charset="0"/>
+              </a:rPr>
+              <a:t>Scholar N</a:t>
+            </a:r>
+          </a:p>
+        </p:txBody>
+      </p:sp>
+      <p:sp>
+        <p:nvSpPr>
+          <p:cNvPr id="138" name="Isosceles Triangle 20">
+            <a:extLst>
+              <a:ext uri="{FF2B5EF4-FFF2-40B4-BE49-F238E27FC236}">
+                <a16:creationId xmlns:a16="http://schemas.microsoft.com/office/drawing/2014/main" id="{DE05411B-BA9A-D1AC-1C74-08F864A233D1}"/>
+              </a:ext>
+            </a:extLst>
+          </p:cNvPr>
+          <p:cNvSpPr/>
+          <p:nvPr/>
+        </p:nvSpPr>
+        <p:spPr>
+          <a:xfrm rot="5400000">
+            <a:off x="897204" y="1257572"/>
+            <a:ext cx="134668" cy="78717"/>
+          </a:xfrm>
+          <a:prstGeom prst="triangle">
+            <a:avLst/>
+          </a:prstGeom>
+          <a:solidFill>
+            <a:schemeClr val="bg2">
+              <a:lumMod val="90000"/>
+            </a:schemeClr>
+          </a:solidFill>
+        </p:spPr>
+        <p:style>
+          <a:lnRef idx="2">
+            <a:schemeClr val="accent1">
+              <a:shade val="15000"/>
+            </a:schemeClr>
+          </a:lnRef>
+          <a:fillRef idx="1">
+            <a:schemeClr val="accent1"/>
+          </a:fillRef>
+          <a:effectRef idx="0">
+            <a:schemeClr val="accent1"/>
+          </a:effectRef>
+          <a:fontRef idx="minor">
+            <a:schemeClr val="lt1"/>
+          </a:fontRef>
+        </p:style>
+        <p:txBody>
+          <a:bodyPr rtlCol="0" anchor="ctr"/>
+          <a:lstStyle/>
+          <a:p>
+            <a:pPr algn="ctr"/>
+            <a:endParaRPr lang="en-US" sz="711"/>
+          </a:p>
+        </p:txBody>
+      </p:sp>
+      <p:sp>
+        <p:nvSpPr>
+          <p:cNvPr id="139" name="Isosceles Triangle 21">
+            <a:extLst>
+              <a:ext uri="{FF2B5EF4-FFF2-40B4-BE49-F238E27FC236}">
+                <a16:creationId xmlns:a16="http://schemas.microsoft.com/office/drawing/2014/main" id="{C71ED0B7-84CE-C670-20D2-5E21DBAF467A}"/>
+              </a:ext>
+            </a:extLst>
+          </p:cNvPr>
+          <p:cNvSpPr/>
+          <p:nvPr/>
+        </p:nvSpPr>
+        <p:spPr>
+          <a:xfrm rot="5400000">
+            <a:off x="900158" y="1762418"/>
+            <a:ext cx="134668" cy="78717"/>
+          </a:xfrm>
+          <a:prstGeom prst="triangle">
+            <a:avLst/>
+          </a:prstGeom>
+          <a:solidFill>
+            <a:schemeClr val="bg2">
+              <a:lumMod val="90000"/>
+            </a:schemeClr>
+          </a:solidFill>
+        </p:spPr>
+        <p:style>
+          <a:lnRef idx="2">
+            <a:schemeClr val="accent1">
+              <a:shade val="15000"/>
+            </a:schemeClr>
+          </a:lnRef>
+          <a:fillRef idx="1">
+            <a:schemeClr val="accent1"/>
+          </a:fillRef>
+          <a:effectRef idx="0">
+            <a:schemeClr val="accent1"/>
+          </a:effectRef>
+          <a:fontRef idx="minor">
+            <a:schemeClr val="lt1"/>
+          </a:fontRef>
+        </p:style>
+        <p:txBody>
+          <a:bodyPr rtlCol="0" anchor="ctr"/>
+          <a:lstStyle/>
+          <a:p>
+            <a:pPr algn="ctr"/>
+            <a:endParaRPr lang="en-US" sz="711"/>
+          </a:p>
+        </p:txBody>
+      </p:sp>
+      <p:sp>
+        <p:nvSpPr>
+          <p:cNvPr id="140" name="Isosceles Triangle 22">
+            <a:extLst>
+              <a:ext uri="{FF2B5EF4-FFF2-40B4-BE49-F238E27FC236}">
+                <a16:creationId xmlns:a16="http://schemas.microsoft.com/office/drawing/2014/main" id="{BD9D3426-CDA2-65B8-FC37-F59D6CE709E0}"/>
+              </a:ext>
+            </a:extLst>
+          </p:cNvPr>
+          <p:cNvSpPr/>
+          <p:nvPr/>
+        </p:nvSpPr>
+        <p:spPr>
+          <a:xfrm rot="5400000">
+            <a:off x="921420" y="2229002"/>
+            <a:ext cx="134668" cy="78717"/>
+          </a:xfrm>
+          <a:prstGeom prst="triangle">
+            <a:avLst/>
+          </a:prstGeom>
+          <a:solidFill>
+            <a:schemeClr val="bg2">
+              <a:lumMod val="90000"/>
+            </a:schemeClr>
+          </a:solidFill>
+        </p:spPr>
+        <p:style>
+          <a:lnRef idx="2">
+            <a:schemeClr val="accent1">
+              <a:shade val="15000"/>
+            </a:schemeClr>
+          </a:lnRef>
+          <a:fillRef idx="1">
+            <a:schemeClr val="accent1"/>
+          </a:fillRef>
+          <a:effectRef idx="0">
+            <a:schemeClr val="accent1"/>
+          </a:effectRef>
+          <a:fontRef idx="minor">
+            <a:schemeClr val="lt1"/>
+          </a:fontRef>
+        </p:style>
+        <p:txBody>
+          <a:bodyPr rtlCol="0" anchor="ctr"/>
+          <a:lstStyle/>
+          <a:p>
+            <a:pPr algn="ctr"/>
+            <a:endParaRPr lang="en-US" sz="711"/>
+          </a:p>
+        </p:txBody>
+      </p:sp>
+      <p:sp>
+        <p:nvSpPr>
+          <p:cNvPr id="141" name="Isosceles Triangle 23">
+            <a:extLst>
+              <a:ext uri="{FF2B5EF4-FFF2-40B4-BE49-F238E27FC236}">
+                <a16:creationId xmlns:a16="http://schemas.microsoft.com/office/drawing/2014/main" id="{59370466-027E-5294-3FB8-663A95DA6876}"/>
+              </a:ext>
+            </a:extLst>
+          </p:cNvPr>
+          <p:cNvSpPr/>
+          <p:nvPr/>
+        </p:nvSpPr>
+        <p:spPr>
+          <a:xfrm rot="5400000">
+            <a:off x="894132" y="3070961"/>
+            <a:ext cx="134668" cy="78717"/>
+          </a:xfrm>
+          <a:prstGeom prst="triangle">
+            <a:avLst/>
+          </a:prstGeom>
+          <a:solidFill>
+            <a:schemeClr val="bg2">
+              <a:lumMod val="90000"/>
+            </a:schemeClr>
+          </a:solidFill>
+        </p:spPr>
+        <p:style>
+          <a:lnRef idx="2">
+            <a:schemeClr val="accent1">
+              <a:shade val="15000"/>
+            </a:schemeClr>
+          </a:lnRef>
+          <a:fillRef idx="1">
+            <a:schemeClr val="accent1"/>
+          </a:fillRef>
+          <a:effectRef idx="0">
+            <a:schemeClr val="accent1"/>
+          </a:effectRef>
+          <a:fontRef idx="minor">
+            <a:schemeClr val="lt1"/>
+          </a:fontRef>
+        </p:style>
+        <p:txBody>
+          <a:bodyPr rtlCol="0" anchor="ctr"/>
+          <a:lstStyle/>
+          <a:p>
+            <a:pPr algn="ctr"/>
+            <a:endParaRPr lang="en-US" sz="711"/>
+          </a:p>
+        </p:txBody>
+      </p:sp>
+      <mc:AlternateContent xmlns:mc="http://schemas.openxmlformats.org/markup-compatibility/2006" xmlns:a14="http://schemas.microsoft.com/office/drawing/2010/main">
+        <mc:Choice Requires="a14">
+          <p:sp>
+            <p:nvSpPr>
+              <p:cNvPr id="142" name="TextBox 141">
+                <a:extLst>
+                  <a:ext uri="{FF2B5EF4-FFF2-40B4-BE49-F238E27FC236}">
+                    <a16:creationId xmlns:a16="http://schemas.microsoft.com/office/drawing/2014/main" id="{766000AB-38E7-384C-B00F-7ADB32D11141}"/>
+                  </a:ext>
+                </a:extLst>
+              </p:cNvPr>
+              <p:cNvSpPr txBox="1"/>
+              <p:nvPr/>
+            </p:nvSpPr>
+            <p:spPr>
+              <a:xfrm>
+                <a:off x="880610" y="2583814"/>
+                <a:ext cx="295006" cy="246221"/>
+              </a:xfrm>
+              <a:prstGeom prst="rect">
+                <a:avLst/>
+              </a:prstGeom>
+              <a:noFill/>
+            </p:spPr>
+            <p:txBody>
+              <a:bodyPr wrap="square" rtlCol="0">
+                <a:spAutoFit/>
+              </a:bodyPr>
+              <a:lstStyle/>
+              <a:p>
+                <a:pPr/>
+                <a14:m>
+                  <m:oMathPara xmlns:m="http://schemas.openxmlformats.org/officeDocument/2006/math">
+                    <m:oMathParaPr>
+                      <m:jc m:val="centerGroup"/>
+                    </m:oMathParaPr>
+                    <m:oMath xmlns:m="http://schemas.openxmlformats.org/officeDocument/2006/math">
+                      <m:r>
+                        <a:rPr lang="en-US" sz="1000" i="1">
+                          <a:latin typeface="Cambria Math" panose="02040503050406030204" pitchFamily="18" charset="0"/>
+                        </a:rPr>
+                        <m:t>⋮</m:t>
+                      </m:r>
+                    </m:oMath>
+                  </m:oMathPara>
+                </a14:m>
+                <a:endParaRPr lang="en-US" sz="1000" dirty="0"/>
+              </a:p>
+            </p:txBody>
+          </p:sp>
+        </mc:Choice>
+        <mc:Fallback xmlns="">
+          <p:sp>
+            <p:nvSpPr>
+              <p:cNvPr id="142" name="TextBox 141">
+                <a:extLst>
+                  <a:ext uri="{FF2B5EF4-FFF2-40B4-BE49-F238E27FC236}">
+                    <a16:creationId xmlns:a16="http://schemas.microsoft.com/office/drawing/2014/main" id="{766000AB-38E7-384C-B00F-7ADB32D11141}"/>
+                  </a:ext>
+                </a:extLst>
+              </p:cNvPr>
+              <p:cNvSpPr txBox="1">
+                <a:spLocks noRot="1" noChangeAspect="1" noMove="1" noResize="1" noEditPoints="1" noAdjustHandles="1" noChangeArrowheads="1" noChangeShapeType="1" noTextEdit="1"/>
+              </p:cNvSpPr>
+              <p:nvPr/>
+            </p:nvSpPr>
+            <p:spPr>
+              <a:xfrm>
+                <a:off x="880610" y="2583814"/>
+                <a:ext cx="295006" cy="246221"/>
+              </a:xfrm>
+              <a:prstGeom prst="rect">
+                <a:avLst/>
+              </a:prstGeom>
+              <a:blipFill>
+                <a:blip r:embed="rId2"/>
+                <a:stretch>
+                  <a:fillRect/>
+                </a:stretch>
+              </a:blipFill>
+            </p:spPr>
+            <p:txBody>
+              <a:bodyPr/>
+              <a:lstStyle/>
+              <a:p>
+                <a:r>
+                  <a:rPr lang="en-VN">
+                    <a:noFill/>
+                  </a:rPr>
+                  <a:t> </a:t>
+                </a:r>
+              </a:p>
+            </p:txBody>
+          </p:sp>
+        </mc:Fallback>
+      </mc:AlternateContent>
+      <p:sp>
+        <p:nvSpPr>
+          <p:cNvPr id="143" name="Rectangle: Rounded Corners 25">
+            <a:extLst>
+              <a:ext uri="{FF2B5EF4-FFF2-40B4-BE49-F238E27FC236}">
+                <a16:creationId xmlns:a16="http://schemas.microsoft.com/office/drawing/2014/main" id="{1D2178BB-57EE-6787-CBB6-469E3415C98E}"/>
+              </a:ext>
+            </a:extLst>
+          </p:cNvPr>
+          <p:cNvSpPr/>
+          <p:nvPr/>
+        </p:nvSpPr>
+        <p:spPr>
+          <a:xfrm>
+            <a:off x="2182777" y="1133922"/>
+            <a:ext cx="1784360" cy="347893"/>
+          </a:xfrm>
+          <a:prstGeom prst="roundRect">
+            <a:avLst/>
+          </a:prstGeom>
+          <a:solidFill>
+            <a:srgbClr val="92D050"/>
+          </a:solidFill>
+        </p:spPr>
+        <p:style>
+          <a:lnRef idx="2">
+            <a:schemeClr val="accent1">
+              <a:shade val="15000"/>
+            </a:schemeClr>
+          </a:lnRef>
+          <a:fillRef idx="1">
+            <a:schemeClr val="accent1"/>
+          </a:fillRef>
+          <a:effectRef idx="0">
+            <a:schemeClr val="accent1"/>
+          </a:effectRef>
+          <a:fontRef idx="minor">
+            <a:schemeClr val="lt1"/>
+          </a:fontRef>
+        </p:style>
+        <p:txBody>
+          <a:bodyPr rtlCol="0" anchor="ctr"/>
+          <a:lstStyle/>
+          <a:p>
+            <a:pPr algn="ctr"/>
+            <a:endParaRPr lang="en-US" sz="711"/>
+          </a:p>
+        </p:txBody>
+      </p:sp>
+      <p:sp>
+        <p:nvSpPr>
+          <p:cNvPr id="144" name="Rectangle 143">
+            <a:extLst>
+              <a:ext uri="{FF2B5EF4-FFF2-40B4-BE49-F238E27FC236}">
+                <a16:creationId xmlns:a16="http://schemas.microsoft.com/office/drawing/2014/main" id="{B6B46F0A-EF0E-CB86-C051-22FEF9002D67}"/>
+              </a:ext>
+            </a:extLst>
+          </p:cNvPr>
+          <p:cNvSpPr/>
+          <p:nvPr/>
+        </p:nvSpPr>
+        <p:spPr>
+          <a:xfrm>
+            <a:off x="2313466" y="1194226"/>
+            <a:ext cx="678955" cy="238161"/>
+          </a:xfrm>
+          <a:prstGeom prst="rect">
+            <a:avLst/>
+          </a:prstGeom>
+          <a:ln w="38100">
+            <a:solidFill>
+              <a:srgbClr val="C00000"/>
+            </a:solidFill>
+          </a:ln>
+        </p:spPr>
+        <p:style>
+          <a:lnRef idx="2">
+            <a:schemeClr val="accent1">
+              <a:shade val="15000"/>
+            </a:schemeClr>
+          </a:lnRef>
+          <a:fillRef idx="1">
+            <a:schemeClr val="accent1"/>
+          </a:fillRef>
+          <a:effectRef idx="0">
+            <a:schemeClr val="accent1"/>
+          </a:effectRef>
+          <a:fontRef idx="minor">
+            <a:schemeClr val="lt1"/>
+          </a:fontRef>
+        </p:style>
+        <p:txBody>
+          <a:bodyPr rtlCol="0" anchor="ctr"/>
+          <a:lstStyle/>
+          <a:p>
+            <a:pPr algn="ctr"/>
+            <a:r>
+              <a:rPr lang="en-US" sz="1200" dirty="0">
+                <a:latin typeface="Times New Roman" panose="02020603050405020304" pitchFamily="18" charset="0"/>
+                <a:cs typeface="Times New Roman" panose="02020603050405020304" pitchFamily="18" charset="0"/>
+              </a:rPr>
+              <a:t>Input</a:t>
+            </a:r>
+          </a:p>
+        </p:txBody>
+      </p:sp>
+      <p:sp>
+        <p:nvSpPr>
+          <p:cNvPr id="145" name="Rectangle 144">
+            <a:extLst>
+              <a:ext uri="{FF2B5EF4-FFF2-40B4-BE49-F238E27FC236}">
+                <a16:creationId xmlns:a16="http://schemas.microsoft.com/office/drawing/2014/main" id="{D8C36CFC-9188-EEB0-EB56-87D3D68EDB05}"/>
+              </a:ext>
+            </a:extLst>
+          </p:cNvPr>
+          <p:cNvSpPr/>
+          <p:nvPr/>
+        </p:nvSpPr>
+        <p:spPr>
+          <a:xfrm>
+            <a:off x="3155082" y="1189379"/>
+            <a:ext cx="701399" cy="238161"/>
+          </a:xfrm>
+          <a:prstGeom prst="rect">
+            <a:avLst/>
+          </a:prstGeom>
+        </p:spPr>
+        <p:style>
+          <a:lnRef idx="2">
+            <a:schemeClr val="accent2">
+              <a:shade val="15000"/>
+            </a:schemeClr>
+          </a:lnRef>
+          <a:fillRef idx="1">
+            <a:schemeClr val="accent2"/>
+          </a:fillRef>
+          <a:effectRef idx="0">
+            <a:schemeClr val="accent2"/>
+          </a:effectRef>
+          <a:fontRef idx="minor">
+            <a:schemeClr val="lt1"/>
+          </a:fontRef>
+        </p:style>
+        <p:txBody>
+          <a:bodyPr rtlCol="0" anchor="ctr"/>
+          <a:lstStyle/>
+          <a:p>
+            <a:pPr algn="ctr"/>
+            <a:r>
+              <a:rPr lang="en-US" sz="1200" dirty="0">
+                <a:latin typeface="Times New Roman" panose="02020603050405020304" pitchFamily="18" charset="0"/>
+                <a:cs typeface="Times New Roman" panose="02020603050405020304" pitchFamily="18" charset="0"/>
+              </a:rPr>
+              <a:t>Target</a:t>
+            </a:r>
+          </a:p>
+        </p:txBody>
+      </p:sp>
+      <p:sp>
+        <p:nvSpPr>
+          <p:cNvPr id="148" name="Rectangle: Rounded Corners 31">
+            <a:extLst>
+              <a:ext uri="{FF2B5EF4-FFF2-40B4-BE49-F238E27FC236}">
+                <a16:creationId xmlns:a16="http://schemas.microsoft.com/office/drawing/2014/main" id="{B674D393-33C5-3B6B-C949-224226B0C8CE}"/>
+              </a:ext>
+            </a:extLst>
+          </p:cNvPr>
+          <p:cNvSpPr/>
+          <p:nvPr/>
+        </p:nvSpPr>
+        <p:spPr>
+          <a:xfrm>
+            <a:off x="2276098" y="2834518"/>
+            <a:ext cx="1784360" cy="347893"/>
+          </a:xfrm>
+          <a:prstGeom prst="roundRect">
+            <a:avLst/>
+          </a:prstGeom>
+          <a:solidFill>
+            <a:srgbClr val="92D050"/>
+          </a:solidFill>
+        </p:spPr>
+        <p:style>
+          <a:lnRef idx="2">
+            <a:schemeClr val="accent1">
+              <a:shade val="15000"/>
+            </a:schemeClr>
+          </a:lnRef>
+          <a:fillRef idx="1">
+            <a:schemeClr val="accent1"/>
+          </a:fillRef>
+          <a:effectRef idx="0">
+            <a:schemeClr val="accent1"/>
+          </a:effectRef>
+          <a:fontRef idx="minor">
+            <a:schemeClr val="lt1"/>
+          </a:fontRef>
+        </p:style>
+        <p:txBody>
+          <a:bodyPr rtlCol="0" anchor="ctr"/>
+          <a:lstStyle/>
+          <a:p>
+            <a:pPr algn="ctr"/>
+            <a:endParaRPr lang="en-US" sz="711"/>
+          </a:p>
+        </p:txBody>
+      </p:sp>
+      <p:grpSp>
+        <p:nvGrpSpPr>
+          <p:cNvPr id="221" name="Group 220">
+            <a:extLst>
+              <a:ext uri="{FF2B5EF4-FFF2-40B4-BE49-F238E27FC236}">
+                <a16:creationId xmlns:a16="http://schemas.microsoft.com/office/drawing/2014/main" id="{0319E08B-FCA1-4E56-609A-14BE4254166A}"/>
+              </a:ext>
+            </a:extLst>
+          </p:cNvPr>
+          <p:cNvGrpSpPr/>
+          <p:nvPr/>
+        </p:nvGrpSpPr>
+        <p:grpSpPr>
+          <a:xfrm>
+            <a:off x="4191385" y="1486667"/>
+            <a:ext cx="1085892" cy="714359"/>
+            <a:chOff x="4035612" y="2539497"/>
+            <a:chExt cx="942680" cy="652406"/>
+          </a:xfrm>
+        </p:grpSpPr>
+        <p:sp>
+          <p:nvSpPr>
+            <p:cNvPr id="149" name="Rectangle: Rounded Corners 32">
+              <a:extLst>
+                <a:ext uri="{FF2B5EF4-FFF2-40B4-BE49-F238E27FC236}">
+                  <a16:creationId xmlns:a16="http://schemas.microsoft.com/office/drawing/2014/main" id="{079D452E-B93C-6181-AA56-F380BE5DD67C}"/>
+                </a:ext>
+              </a:extLst>
+            </p:cNvPr>
+            <p:cNvSpPr/>
+            <p:nvPr/>
+          </p:nvSpPr>
+          <p:spPr>
+            <a:xfrm>
+              <a:off x="4035612" y="2539497"/>
+              <a:ext cx="942680" cy="652406"/>
+            </a:xfrm>
+            <a:prstGeom prst="roundRect">
+              <a:avLst/>
+            </a:prstGeom>
+            <a:solidFill>
+              <a:srgbClr val="92D050"/>
+            </a:solidFill>
+          </p:spPr>
+          <p:style>
+            <a:lnRef idx="2">
+              <a:schemeClr val="accent1">
+                <a:shade val="15000"/>
+              </a:schemeClr>
+            </a:lnRef>
+            <a:fillRef idx="1">
+              <a:schemeClr val="accent1"/>
+            </a:fillRef>
+            <a:effectRef idx="0">
+              <a:schemeClr val="accent1"/>
+            </a:effectRef>
+            <a:fontRef idx="minor">
+              <a:schemeClr val="lt1"/>
+            </a:fontRef>
+          </p:style>
+          <p:txBody>
+            <a:bodyPr rtlCol="0" anchor="ctr"/>
+            <a:lstStyle/>
+            <a:p>
+              <a:pPr algn="ctr"/>
+              <a:endParaRPr lang="en-US" sz="711"/>
+            </a:p>
+          </p:txBody>
+        </p:sp>
+        <p:sp>
+          <p:nvSpPr>
+            <p:cNvPr id="154" name="Rectangle 153">
+              <a:extLst>
+                <a:ext uri="{FF2B5EF4-FFF2-40B4-BE49-F238E27FC236}">
+                  <a16:creationId xmlns:a16="http://schemas.microsoft.com/office/drawing/2014/main" id="{8B6B2D5C-6735-E76B-4AA4-8BE29800E27D}"/>
+                </a:ext>
+              </a:extLst>
+            </p:cNvPr>
+            <p:cNvSpPr/>
+            <p:nvPr/>
+          </p:nvSpPr>
+          <p:spPr>
+            <a:xfrm>
+              <a:off x="4158124" y="2616183"/>
+              <a:ext cx="701399" cy="238161"/>
+            </a:xfrm>
+            <a:prstGeom prst="rect">
+              <a:avLst/>
+            </a:prstGeom>
+            <a:ln w="38100">
+              <a:solidFill>
+                <a:srgbClr val="C00000"/>
+              </a:solidFill>
+            </a:ln>
+          </p:spPr>
+          <p:style>
+            <a:lnRef idx="2">
+              <a:schemeClr val="accent1">
+                <a:shade val="15000"/>
+              </a:schemeClr>
+            </a:lnRef>
+            <a:fillRef idx="1">
+              <a:schemeClr val="accent1"/>
+            </a:fillRef>
+            <a:effectRef idx="0">
+              <a:schemeClr val="accent1"/>
+            </a:effectRef>
+            <a:fontRef idx="minor">
+              <a:schemeClr val="lt1"/>
+            </a:fontRef>
+          </p:style>
+          <p:txBody>
+            <a:bodyPr rtlCol="0" anchor="ctr"/>
+            <a:lstStyle/>
+            <a:p>
+              <a:pPr algn="ctr"/>
+              <a:r>
+                <a:rPr lang="en-US" sz="1100" dirty="0">
+                  <a:latin typeface="Times New Roman" panose="02020603050405020304" pitchFamily="18" charset="0"/>
+                  <a:cs typeface="Times New Roman" panose="02020603050405020304" pitchFamily="18" charset="0"/>
+                </a:rPr>
+                <a:t>Generator</a:t>
+              </a:r>
+            </a:p>
+          </p:txBody>
+        </p:sp>
+        <p:sp>
+          <p:nvSpPr>
+            <p:cNvPr id="155" name="Rectangle 154">
+              <a:extLst>
+                <a:ext uri="{FF2B5EF4-FFF2-40B4-BE49-F238E27FC236}">
+                  <a16:creationId xmlns:a16="http://schemas.microsoft.com/office/drawing/2014/main" id="{B14F05DD-112A-90C0-C2A9-41D19327AF23}"/>
+                </a:ext>
+              </a:extLst>
+            </p:cNvPr>
+            <p:cNvSpPr/>
+            <p:nvPr/>
+          </p:nvSpPr>
+          <p:spPr>
+            <a:xfrm>
+              <a:off x="4153276" y="2916585"/>
+              <a:ext cx="701399" cy="238161"/>
+            </a:xfrm>
+            <a:prstGeom prst="rect">
+              <a:avLst/>
+            </a:prstGeom>
+          </p:spPr>
+          <p:style>
+            <a:lnRef idx="2">
+              <a:schemeClr val="accent2">
+                <a:shade val="15000"/>
+              </a:schemeClr>
+            </a:lnRef>
+            <a:fillRef idx="1">
+              <a:schemeClr val="accent2"/>
+            </a:fillRef>
+            <a:effectRef idx="0">
+              <a:schemeClr val="accent2"/>
+            </a:effectRef>
+            <a:fontRef idx="minor">
+              <a:schemeClr val="lt1"/>
+            </a:fontRef>
+          </p:style>
+          <p:txBody>
+            <a:bodyPr rtlCol="0" anchor="ctr"/>
+            <a:lstStyle/>
+            <a:p>
+              <a:pPr algn="ctr"/>
+              <a:r>
+                <a:rPr lang="en-US" sz="1100" dirty="0">
+                  <a:latin typeface="Times New Roman" panose="02020603050405020304" pitchFamily="18" charset="0"/>
+                  <a:cs typeface="Times New Roman" panose="02020603050405020304" pitchFamily="18" charset="0"/>
+                </a:rPr>
+                <a:t>Solver</a:t>
+              </a:r>
+            </a:p>
+          </p:txBody>
+        </p:sp>
+      </p:grpSp>
+      <p:sp>
+        <p:nvSpPr>
+          <p:cNvPr id="158" name="Flowchart: Connector 42">
+            <a:extLst>
+              <a:ext uri="{FF2B5EF4-FFF2-40B4-BE49-F238E27FC236}">
+                <a16:creationId xmlns:a16="http://schemas.microsoft.com/office/drawing/2014/main" id="{3DD45227-B31B-19E2-9634-F98FB30140A3}"/>
+              </a:ext>
+            </a:extLst>
+          </p:cNvPr>
+          <p:cNvSpPr/>
+          <p:nvPr/>
+        </p:nvSpPr>
+        <p:spPr>
+          <a:xfrm>
+            <a:off x="3007240" y="2039086"/>
+            <a:ext cx="225733" cy="238161"/>
+          </a:xfrm>
+          <a:prstGeom prst="flowChartConnector">
+            <a:avLst/>
+          </a:prstGeom>
+          <a:noFill/>
+        </p:spPr>
+        <p:style>
+          <a:lnRef idx="2">
+            <a:schemeClr val="accent1">
+              <a:shade val="15000"/>
+            </a:schemeClr>
+          </a:lnRef>
+          <a:fillRef idx="1">
+            <a:schemeClr val="accent1"/>
+          </a:fillRef>
+          <a:effectRef idx="0">
+            <a:schemeClr val="accent1"/>
+          </a:effectRef>
+          <a:fontRef idx="minor">
+            <a:schemeClr val="lt1"/>
+          </a:fontRef>
+        </p:style>
+        <p:txBody>
+          <a:bodyPr rtlCol="0" anchor="ctr"/>
+          <a:lstStyle/>
+          <a:p>
+            <a:pPr algn="ctr"/>
+            <a:endParaRPr lang="en-US" sz="711"/>
+          </a:p>
+        </p:txBody>
+      </p:sp>
+      <p:sp>
+        <p:nvSpPr>
+          <p:cNvPr id="159" name="Flowchart: Connector 43">
+            <a:extLst>
+              <a:ext uri="{FF2B5EF4-FFF2-40B4-BE49-F238E27FC236}">
+                <a16:creationId xmlns:a16="http://schemas.microsoft.com/office/drawing/2014/main" id="{98F610E4-1D1E-0D5E-9545-A6BCB28C8281}"/>
+              </a:ext>
+            </a:extLst>
+          </p:cNvPr>
+          <p:cNvSpPr/>
+          <p:nvPr/>
+        </p:nvSpPr>
+        <p:spPr>
+          <a:xfrm>
+            <a:off x="2967871" y="1674052"/>
+            <a:ext cx="225733" cy="238161"/>
+          </a:xfrm>
+          <a:prstGeom prst="flowChartConnector">
+            <a:avLst/>
+          </a:prstGeom>
+          <a:noFill/>
+        </p:spPr>
+        <p:style>
+          <a:lnRef idx="2">
+            <a:schemeClr val="accent1">
+              <a:shade val="15000"/>
+            </a:schemeClr>
+          </a:lnRef>
+          <a:fillRef idx="1">
+            <a:schemeClr val="accent1"/>
+          </a:fillRef>
+          <a:effectRef idx="0">
+            <a:schemeClr val="accent1"/>
+          </a:effectRef>
+          <a:fontRef idx="minor">
+            <a:schemeClr val="lt1"/>
+          </a:fontRef>
+        </p:style>
+        <p:txBody>
+          <a:bodyPr rtlCol="0" anchor="ctr"/>
+          <a:lstStyle/>
+          <a:p>
+            <a:pPr algn="ctr"/>
+            <a:endParaRPr lang="en-US" sz="711"/>
+          </a:p>
+        </p:txBody>
+      </p:sp>
+      <mc:AlternateContent xmlns:mc="http://schemas.openxmlformats.org/markup-compatibility/2006" xmlns:a14="http://schemas.microsoft.com/office/drawing/2010/main">
+        <mc:Choice Requires="a14">
+          <p:sp>
+            <p:nvSpPr>
+              <p:cNvPr id="160" name="TextBox 159">
+                <a:extLst>
+                  <a:ext uri="{FF2B5EF4-FFF2-40B4-BE49-F238E27FC236}">
+                    <a16:creationId xmlns:a16="http://schemas.microsoft.com/office/drawing/2014/main" id="{F10F3C5F-55F2-6072-65CB-581FA3092F33}"/>
+                  </a:ext>
+                </a:extLst>
+              </p:cNvPr>
+              <p:cNvSpPr txBox="1"/>
+              <p:nvPr/>
+            </p:nvSpPr>
+            <p:spPr>
+              <a:xfrm>
+                <a:off x="3054006" y="1739577"/>
+                <a:ext cx="71686" cy="109389"/>
+              </a:xfrm>
+              <a:prstGeom prst="rect">
+                <a:avLst/>
+              </a:prstGeom>
+              <a:noFill/>
+            </p:spPr>
+            <p:txBody>
+              <a:bodyPr wrap="none" lIns="0" tIns="0" rIns="0" bIns="0" rtlCol="0">
+                <a:spAutoFit/>
+              </a:bodyPr>
+              <a:lstStyle/>
+              <a:p>
+                <a:pPr/>
+                <a14:m>
+                  <m:oMathPara xmlns:m="http://schemas.openxmlformats.org/officeDocument/2006/math">
+                    <m:oMathParaPr>
+                      <m:jc m:val="centerGroup"/>
+                    </m:oMathParaPr>
+                    <m:oMath xmlns:m="http://schemas.openxmlformats.org/officeDocument/2006/math">
+                      <m:r>
+                        <a:rPr lang="en-US" sz="711" i="1">
+                          <a:latin typeface="Cambria Math" panose="02040503050406030204" pitchFamily="18" charset="0"/>
+                        </a:rPr>
+                        <m:t>𝑥</m:t>
+                      </m:r>
+                    </m:oMath>
+                  </m:oMathPara>
+                </a14:m>
+                <a:endParaRPr lang="en-US" sz="711" dirty="0"/>
+              </a:p>
+            </p:txBody>
+          </p:sp>
+        </mc:Choice>
+        <mc:Fallback xmlns="">
+          <p:sp>
+            <p:nvSpPr>
+              <p:cNvPr id="160" name="TextBox 159">
+                <a:extLst>
+                  <a:ext uri="{FF2B5EF4-FFF2-40B4-BE49-F238E27FC236}">
+                    <a16:creationId xmlns:a16="http://schemas.microsoft.com/office/drawing/2014/main" id="{F10F3C5F-55F2-6072-65CB-581FA3092F33}"/>
+                  </a:ext>
+                </a:extLst>
+              </p:cNvPr>
+              <p:cNvSpPr txBox="1">
+                <a:spLocks noRot="1" noChangeAspect="1" noMove="1" noResize="1" noEditPoints="1" noAdjustHandles="1" noChangeArrowheads="1" noChangeShapeType="1" noTextEdit="1"/>
+              </p:cNvSpPr>
+              <p:nvPr/>
+            </p:nvSpPr>
+            <p:spPr>
+              <a:xfrm>
+                <a:off x="3054006" y="1739577"/>
+                <a:ext cx="71686" cy="109389"/>
+              </a:xfrm>
+              <a:prstGeom prst="rect">
+                <a:avLst/>
+              </a:prstGeom>
+              <a:blipFill>
+                <a:blip r:embed="rId3"/>
+                <a:stretch>
+                  <a:fillRect l="-14286"/>
+                </a:stretch>
+              </a:blipFill>
+            </p:spPr>
+            <p:txBody>
+              <a:bodyPr/>
+              <a:lstStyle/>
+              <a:p>
+                <a:r>
+                  <a:rPr lang="en-VN">
+                    <a:noFill/>
+                  </a:rPr>
+                  <a:t> </a:t>
+                </a:r>
+              </a:p>
+            </p:txBody>
+          </p:sp>
+        </mc:Fallback>
+      </mc:AlternateContent>
+      <mc:AlternateContent xmlns:mc="http://schemas.openxmlformats.org/markup-compatibility/2006" xmlns:a14="http://schemas.microsoft.com/office/drawing/2010/main">
+        <mc:Choice Requires="a14">
+          <p:sp>
+            <p:nvSpPr>
+              <p:cNvPr id="161" name="TextBox 160">
+                <a:extLst>
+                  <a:ext uri="{FF2B5EF4-FFF2-40B4-BE49-F238E27FC236}">
+                    <a16:creationId xmlns:a16="http://schemas.microsoft.com/office/drawing/2014/main" id="{398C56F6-411B-3CC9-5D0A-06A2A623A749}"/>
+                  </a:ext>
+                </a:extLst>
+              </p:cNvPr>
+              <p:cNvSpPr txBox="1"/>
+              <p:nvPr/>
+            </p:nvSpPr>
+            <p:spPr>
+              <a:xfrm flipH="1">
+                <a:off x="3000423" y="2104945"/>
+                <a:ext cx="250959" cy="109389"/>
+              </a:xfrm>
+              <a:prstGeom prst="rect">
+                <a:avLst/>
+              </a:prstGeom>
+              <a:noFill/>
+            </p:spPr>
+            <p:txBody>
+              <a:bodyPr wrap="square" lIns="0" tIns="0" rIns="0" bIns="0" rtlCol="0">
+                <a:spAutoFit/>
+              </a:bodyPr>
+              <a:lstStyle/>
+              <a:p>
+                <a:pPr/>
+                <a14:m>
+                  <m:oMathPara xmlns:m="http://schemas.openxmlformats.org/officeDocument/2006/math">
+                    <m:oMathParaPr>
+                      <m:jc m:val="centerGroup"/>
+                    </m:oMathParaPr>
+                    <m:oMath xmlns:m="http://schemas.openxmlformats.org/officeDocument/2006/math">
+                      <m:r>
+                        <a:rPr lang="en-US" sz="711" i="1">
+                          <a:latin typeface="Cambria Math" panose="02040503050406030204" pitchFamily="18" charset="0"/>
+                        </a:rPr>
+                        <m:t>𝑥</m:t>
+                      </m:r>
+                      <m:r>
+                        <a:rPr lang="en-US" sz="711" i="1">
+                          <a:latin typeface="Cambria Math" panose="02040503050406030204" pitchFamily="18" charset="0"/>
+                        </a:rPr>
+                        <m:t>′</m:t>
+                      </m:r>
+                    </m:oMath>
+                  </m:oMathPara>
+                </a14:m>
+                <a:endParaRPr lang="en-US" sz="711" dirty="0"/>
+              </a:p>
+            </p:txBody>
+          </p:sp>
+        </mc:Choice>
+        <mc:Fallback xmlns="">
+          <p:sp>
+            <p:nvSpPr>
+              <p:cNvPr id="161" name="TextBox 160">
+                <a:extLst>
+                  <a:ext uri="{FF2B5EF4-FFF2-40B4-BE49-F238E27FC236}">
+                    <a16:creationId xmlns:a16="http://schemas.microsoft.com/office/drawing/2014/main" id="{398C56F6-411B-3CC9-5D0A-06A2A623A749}"/>
+                  </a:ext>
+                </a:extLst>
+              </p:cNvPr>
+              <p:cNvSpPr txBox="1">
+                <a:spLocks noRot="1" noChangeAspect="1" noMove="1" noResize="1" noEditPoints="1" noAdjustHandles="1" noChangeArrowheads="1" noChangeShapeType="1" noTextEdit="1"/>
+              </p:cNvSpPr>
+              <p:nvPr/>
+            </p:nvSpPr>
+            <p:spPr>
+              <a:xfrm flipH="1">
+                <a:off x="3000423" y="2104945"/>
+                <a:ext cx="250959" cy="109389"/>
+              </a:xfrm>
+              <a:prstGeom prst="rect">
+                <a:avLst/>
+              </a:prstGeom>
+              <a:blipFill>
+                <a:blip r:embed="rId4"/>
+                <a:stretch>
+                  <a:fillRect b="-10000"/>
+                </a:stretch>
+              </a:blipFill>
+            </p:spPr>
+            <p:txBody>
+              <a:bodyPr/>
+              <a:lstStyle/>
+              <a:p>
+                <a:r>
+                  <a:rPr lang="en-VN">
+                    <a:noFill/>
+                  </a:rPr>
+                  <a:t> </a:t>
+                </a:r>
+              </a:p>
+            </p:txBody>
+          </p:sp>
+        </mc:Fallback>
+      </mc:AlternateContent>
+      <p:cxnSp>
+        <p:nvCxnSpPr>
+          <p:cNvPr id="162" name="Straight Connector 161">
+            <a:extLst>
+              <a:ext uri="{FF2B5EF4-FFF2-40B4-BE49-F238E27FC236}">
+                <a16:creationId xmlns:a16="http://schemas.microsoft.com/office/drawing/2014/main" id="{58452E97-1CFF-A1A8-D67A-051351F88C08}"/>
+              </a:ext>
+            </a:extLst>
+          </p:cNvPr>
+          <p:cNvCxnSpPr>
+            <a:cxnSpLocks/>
+          </p:cNvCxnSpPr>
+          <p:nvPr/>
+        </p:nvCxnSpPr>
+        <p:spPr>
+          <a:xfrm>
+            <a:off x="2981394" y="1320554"/>
+            <a:ext cx="132259" cy="0"/>
+          </a:xfrm>
+          <a:prstGeom prst="line">
+            <a:avLst/>
+          </a:prstGeom>
+          <a:ln>
+            <a:solidFill>
+              <a:schemeClr val="accent1"/>
+            </a:solidFill>
+          </a:ln>
+        </p:spPr>
+        <p:style>
+          <a:lnRef idx="3">
+            <a:schemeClr val="dk1"/>
+          </a:lnRef>
+          <a:fillRef idx="0">
+            <a:schemeClr val="dk1"/>
+          </a:fillRef>
+          <a:effectRef idx="2">
+            <a:schemeClr val="dk1"/>
+          </a:effectRef>
+          <a:fontRef idx="minor">
+            <a:schemeClr val="tx1"/>
+          </a:fontRef>
+        </p:style>
+      </p:cxnSp>
+      <p:cxnSp>
+        <p:nvCxnSpPr>
+          <p:cNvPr id="163" name="Straight Connector 162">
+            <a:extLst>
+              <a:ext uri="{FF2B5EF4-FFF2-40B4-BE49-F238E27FC236}">
+                <a16:creationId xmlns:a16="http://schemas.microsoft.com/office/drawing/2014/main" id="{ED09293B-EC05-C167-ADE9-7C8713E2851D}"/>
+              </a:ext>
+            </a:extLst>
+          </p:cNvPr>
+          <p:cNvCxnSpPr>
+            <a:cxnSpLocks/>
+          </p:cNvCxnSpPr>
+          <p:nvPr/>
+        </p:nvCxnSpPr>
+        <p:spPr>
+          <a:xfrm>
+            <a:off x="3007240" y="2993218"/>
+            <a:ext cx="108000" cy="0"/>
+          </a:xfrm>
+          <a:prstGeom prst="line">
+            <a:avLst/>
+          </a:prstGeom>
+          <a:ln>
+            <a:solidFill>
+              <a:schemeClr val="accent1"/>
+            </a:solidFill>
+          </a:ln>
+        </p:spPr>
+        <p:style>
+          <a:lnRef idx="3">
+            <a:schemeClr val="dk1"/>
+          </a:lnRef>
+          <a:fillRef idx="0">
+            <a:schemeClr val="dk1"/>
+          </a:fillRef>
+          <a:effectRef idx="2">
+            <a:schemeClr val="dk1"/>
+          </a:effectRef>
+          <a:fontRef idx="minor">
+            <a:schemeClr val="tx1"/>
+          </a:fontRef>
+        </p:style>
+      </p:cxnSp>
+      <p:cxnSp>
+        <p:nvCxnSpPr>
+          <p:cNvPr id="164" name="Straight Arrow Connector 163">
+            <a:extLst>
+              <a:ext uri="{FF2B5EF4-FFF2-40B4-BE49-F238E27FC236}">
+                <a16:creationId xmlns:a16="http://schemas.microsoft.com/office/drawing/2014/main" id="{3AEB990A-02E4-8917-61AB-C28F009738DC}"/>
+              </a:ext>
+            </a:extLst>
+          </p:cNvPr>
+          <p:cNvCxnSpPr>
+            <a:cxnSpLocks/>
+          </p:cNvCxnSpPr>
+          <p:nvPr/>
+        </p:nvCxnSpPr>
+        <p:spPr>
+          <a:xfrm flipH="1">
+            <a:off x="3094579" y="1312665"/>
+            <a:ext cx="6454" cy="363665"/>
+          </a:xfrm>
+          <a:prstGeom prst="straightConnector1">
+            <a:avLst/>
+          </a:prstGeom>
+          <a:ln>
+            <a:solidFill>
+              <a:schemeClr val="accent1"/>
+            </a:solidFill>
+            <a:tailEnd type="triangle"/>
+          </a:ln>
+        </p:spPr>
+        <p:style>
+          <a:lnRef idx="3">
+            <a:schemeClr val="dk1"/>
+          </a:lnRef>
+          <a:fillRef idx="0">
+            <a:schemeClr val="dk1"/>
+          </a:fillRef>
+          <a:effectRef idx="2">
+            <a:schemeClr val="dk1"/>
+          </a:effectRef>
+          <a:fontRef idx="minor">
+            <a:schemeClr val="tx1"/>
+          </a:fontRef>
+        </p:style>
+      </p:cxnSp>
+      <p:cxnSp>
+        <p:nvCxnSpPr>
+          <p:cNvPr id="165" name="Straight Arrow Connector 164">
+            <a:extLst>
+              <a:ext uri="{FF2B5EF4-FFF2-40B4-BE49-F238E27FC236}">
+                <a16:creationId xmlns:a16="http://schemas.microsoft.com/office/drawing/2014/main" id="{EF58F0AF-56B2-C2CB-6C77-61113ADD3400}"/>
+              </a:ext>
+            </a:extLst>
+          </p:cNvPr>
+          <p:cNvCxnSpPr>
+            <a:cxnSpLocks/>
+            <a:endCxn id="158" idx="4"/>
+          </p:cNvCxnSpPr>
+          <p:nvPr/>
+        </p:nvCxnSpPr>
+        <p:spPr>
+          <a:xfrm flipV="1">
+            <a:off x="3120107" y="2277247"/>
+            <a:ext cx="0" cy="720000"/>
+          </a:xfrm>
+          <a:prstGeom prst="straightConnector1">
+            <a:avLst/>
+          </a:prstGeom>
+          <a:ln>
+            <a:solidFill>
+              <a:schemeClr val="accent1"/>
+            </a:solidFill>
+            <a:tailEnd type="triangle"/>
+          </a:ln>
+        </p:spPr>
+        <p:style>
+          <a:lnRef idx="3">
+            <a:schemeClr val="dk1"/>
+          </a:lnRef>
+          <a:fillRef idx="0">
+            <a:schemeClr val="dk1"/>
+          </a:fillRef>
+          <a:effectRef idx="2">
+            <a:schemeClr val="dk1"/>
+          </a:effectRef>
+          <a:fontRef idx="minor">
+            <a:schemeClr val="tx1"/>
+          </a:fontRef>
+        </p:style>
+      </p:cxnSp>
+      <p:cxnSp>
+        <p:nvCxnSpPr>
+          <p:cNvPr id="166" name="Straight Arrow Connector 165">
+            <a:extLst>
+              <a:ext uri="{FF2B5EF4-FFF2-40B4-BE49-F238E27FC236}">
+                <a16:creationId xmlns:a16="http://schemas.microsoft.com/office/drawing/2014/main" id="{07BED778-43A2-B274-4424-A7CC49694FBA}"/>
+              </a:ext>
+            </a:extLst>
+          </p:cNvPr>
+          <p:cNvCxnSpPr>
+            <a:cxnSpLocks/>
+          </p:cNvCxnSpPr>
+          <p:nvPr/>
+        </p:nvCxnSpPr>
+        <p:spPr>
+          <a:xfrm>
+            <a:off x="3201145" y="1773510"/>
+            <a:ext cx="997781" cy="0"/>
+          </a:xfrm>
+          <a:prstGeom prst="straightConnector1">
+            <a:avLst/>
+          </a:prstGeom>
+          <a:ln>
+            <a:tailEnd type="triangle"/>
+          </a:ln>
+        </p:spPr>
+        <p:style>
+          <a:lnRef idx="3">
+            <a:schemeClr val="accent1"/>
+          </a:lnRef>
+          <a:fillRef idx="0">
+            <a:schemeClr val="accent1"/>
+          </a:fillRef>
+          <a:effectRef idx="2">
+            <a:schemeClr val="accent1"/>
+          </a:effectRef>
+          <a:fontRef idx="minor">
+            <a:schemeClr val="tx1"/>
+          </a:fontRef>
+        </p:style>
+      </p:cxnSp>
+      <p:cxnSp>
+        <p:nvCxnSpPr>
+          <p:cNvPr id="167" name="Straight Connector 166">
+            <a:extLst>
+              <a:ext uri="{FF2B5EF4-FFF2-40B4-BE49-F238E27FC236}">
+                <a16:creationId xmlns:a16="http://schemas.microsoft.com/office/drawing/2014/main" id="{86B04D98-BE6E-3627-FB50-DA2BAD5B782E}"/>
+              </a:ext>
+            </a:extLst>
+          </p:cNvPr>
+          <p:cNvCxnSpPr>
+            <a:stCxn id="158" idx="6"/>
+          </p:cNvCxnSpPr>
+          <p:nvPr/>
+        </p:nvCxnSpPr>
+        <p:spPr>
+          <a:xfrm>
+            <a:off x="3232974" y="2158166"/>
+            <a:ext cx="327144" cy="0"/>
+          </a:xfrm>
+          <a:prstGeom prst="line">
+            <a:avLst/>
+          </a:prstGeom>
+        </p:spPr>
+        <p:style>
+          <a:lnRef idx="3">
+            <a:schemeClr val="accent1"/>
+          </a:lnRef>
+          <a:fillRef idx="0">
+            <a:schemeClr val="accent1"/>
+          </a:fillRef>
+          <a:effectRef idx="2">
+            <a:schemeClr val="accent1"/>
+          </a:effectRef>
+          <a:fontRef idx="minor">
+            <a:schemeClr val="tx1"/>
+          </a:fontRef>
+        </p:style>
+      </p:cxnSp>
+      <p:cxnSp>
+        <p:nvCxnSpPr>
+          <p:cNvPr id="168" name="Straight Connector 167">
+            <a:extLst>
+              <a:ext uri="{FF2B5EF4-FFF2-40B4-BE49-F238E27FC236}">
+                <a16:creationId xmlns:a16="http://schemas.microsoft.com/office/drawing/2014/main" id="{A8511BDA-D65A-9FFE-5A4A-0C8996D25F86}"/>
+              </a:ext>
+            </a:extLst>
+          </p:cNvPr>
+          <p:cNvCxnSpPr>
+            <a:cxnSpLocks/>
+          </p:cNvCxnSpPr>
+          <p:nvPr/>
+        </p:nvCxnSpPr>
+        <p:spPr>
+          <a:xfrm flipV="1">
+            <a:off x="3560118" y="1761457"/>
+            <a:ext cx="3496" cy="406799"/>
+          </a:xfrm>
+          <a:prstGeom prst="line">
+            <a:avLst/>
+          </a:prstGeom>
+        </p:spPr>
+        <p:style>
+          <a:lnRef idx="3">
+            <a:schemeClr val="accent1"/>
+          </a:lnRef>
+          <a:fillRef idx="0">
+            <a:schemeClr val="accent1"/>
+          </a:fillRef>
+          <a:effectRef idx="2">
+            <a:schemeClr val="accent1"/>
+          </a:effectRef>
+          <a:fontRef idx="minor">
+            <a:schemeClr val="tx1"/>
+          </a:fontRef>
+        </p:style>
+      </p:cxnSp>
+      <p:sp>
+        <p:nvSpPr>
+          <p:cNvPr id="169" name="TextBox 168">
+            <a:extLst>
+              <a:ext uri="{FF2B5EF4-FFF2-40B4-BE49-F238E27FC236}">
+                <a16:creationId xmlns:a16="http://schemas.microsoft.com/office/drawing/2014/main" id="{E9F981C7-FACB-4478-6B02-1EACD5D79901}"/>
+              </a:ext>
+            </a:extLst>
+          </p:cNvPr>
+          <p:cNvSpPr txBox="1"/>
+          <p:nvPr/>
+        </p:nvSpPr>
+        <p:spPr>
+          <a:xfrm>
+            <a:off x="2281857" y="1608053"/>
+            <a:ext cx="694742" cy="275460"/>
+          </a:xfrm>
+          <a:prstGeom prst="rect">
+            <a:avLst/>
+          </a:prstGeom>
+          <a:noFill/>
+        </p:spPr>
+        <p:txBody>
+          <a:bodyPr wrap="square" rtlCol="0">
+            <a:spAutoFit/>
+          </a:bodyPr>
+          <a:lstStyle/>
+          <a:p>
+            <a:r>
+              <a:rPr lang="en-US" sz="1190" dirty="0">
+                <a:latin typeface="Times New Roman" panose="02020603050405020304" pitchFamily="18" charset="0"/>
+                <a:cs typeface="Times New Roman" panose="02020603050405020304" pitchFamily="18" charset="0"/>
+              </a:rPr>
+              <a:t>Current</a:t>
+            </a:r>
+          </a:p>
+        </p:txBody>
+      </p:sp>
+      <p:sp>
+        <p:nvSpPr>
+          <p:cNvPr id="170" name="TextBox 169">
+            <a:extLst>
+              <a:ext uri="{FF2B5EF4-FFF2-40B4-BE49-F238E27FC236}">
+                <a16:creationId xmlns:a16="http://schemas.microsoft.com/office/drawing/2014/main" id="{24BCA816-6034-C2A1-821C-C2F8E50BA446}"/>
+              </a:ext>
+            </a:extLst>
+          </p:cNvPr>
+          <p:cNvSpPr txBox="1"/>
+          <p:nvPr/>
+        </p:nvSpPr>
+        <p:spPr>
+          <a:xfrm>
+            <a:off x="2276098" y="2054404"/>
+            <a:ext cx="694742" cy="275460"/>
+          </a:xfrm>
+          <a:prstGeom prst="rect">
+            <a:avLst/>
+          </a:prstGeom>
+          <a:noFill/>
+        </p:spPr>
+        <p:txBody>
+          <a:bodyPr wrap="square" rtlCol="0">
+            <a:spAutoFit/>
+          </a:bodyPr>
+          <a:lstStyle/>
+          <a:p>
+            <a:r>
+              <a:rPr lang="en-US" sz="1190" dirty="0">
+                <a:latin typeface="Times New Roman" panose="02020603050405020304" pitchFamily="18" charset="0"/>
+                <a:cs typeface="Times New Roman" panose="02020603050405020304" pitchFamily="18" charset="0"/>
+              </a:rPr>
+              <a:t>Replay</a:t>
+            </a:r>
+          </a:p>
+        </p:txBody>
+      </p:sp>
+      <p:sp>
+        <p:nvSpPr>
+          <p:cNvPr id="171" name="TextBox 170">
+            <a:extLst>
+              <a:ext uri="{FF2B5EF4-FFF2-40B4-BE49-F238E27FC236}">
+                <a16:creationId xmlns:a16="http://schemas.microsoft.com/office/drawing/2014/main" id="{4F33AB2E-0049-C8F4-8110-366305A134AB}"/>
+              </a:ext>
+            </a:extLst>
+          </p:cNvPr>
+          <p:cNvSpPr txBox="1"/>
+          <p:nvPr/>
+        </p:nvSpPr>
+        <p:spPr>
+          <a:xfrm>
+            <a:off x="2395932" y="3338254"/>
+            <a:ext cx="1674082" cy="275460"/>
+          </a:xfrm>
+          <a:prstGeom prst="rect">
+            <a:avLst/>
+          </a:prstGeom>
+          <a:noFill/>
+        </p:spPr>
+        <p:txBody>
+          <a:bodyPr wrap="square" rtlCol="0">
+            <a:spAutoFit/>
+          </a:bodyPr>
+          <a:lstStyle/>
+          <a:p>
+            <a:r>
+              <a:rPr lang="en-US" sz="1190" dirty="0">
+                <a:latin typeface="Times New Roman" panose="02020603050405020304" pitchFamily="18" charset="0"/>
+                <a:cs typeface="Times New Roman" panose="02020603050405020304" pitchFamily="18" charset="0"/>
+              </a:rPr>
+              <a:t>Last task GAN model</a:t>
+            </a:r>
+          </a:p>
+        </p:txBody>
+      </p:sp>
+      <p:sp>
+        <p:nvSpPr>
+          <p:cNvPr id="172" name="TextBox 171">
+            <a:extLst>
+              <a:ext uri="{FF2B5EF4-FFF2-40B4-BE49-F238E27FC236}">
+                <a16:creationId xmlns:a16="http://schemas.microsoft.com/office/drawing/2014/main" id="{C05AB81C-529D-38CA-508C-F172E921DB3E}"/>
+              </a:ext>
+            </a:extLst>
+          </p:cNvPr>
+          <p:cNvSpPr txBox="1"/>
+          <p:nvPr/>
+        </p:nvSpPr>
+        <p:spPr>
+          <a:xfrm>
+            <a:off x="369103" y="3459306"/>
+            <a:ext cx="1784360" cy="275460"/>
+          </a:xfrm>
+          <a:prstGeom prst="rect">
+            <a:avLst/>
+          </a:prstGeom>
+          <a:noFill/>
+        </p:spPr>
+        <p:txBody>
+          <a:bodyPr wrap="square" rtlCol="0">
+            <a:spAutoFit/>
+          </a:bodyPr>
+          <a:lstStyle/>
+          <a:p>
+            <a:r>
+              <a:rPr lang="en-US" sz="1190" dirty="0">
+                <a:latin typeface="Times New Roman" panose="02020603050405020304" pitchFamily="18" charset="0"/>
+                <a:cs typeface="Times New Roman" panose="02020603050405020304" pitchFamily="18" charset="0"/>
+              </a:rPr>
+              <a:t>a) Sequential Training </a:t>
+            </a:r>
+          </a:p>
+        </p:txBody>
+      </p:sp>
+      <p:sp>
+        <p:nvSpPr>
+          <p:cNvPr id="173" name="TextBox 172">
+            <a:extLst>
+              <a:ext uri="{FF2B5EF4-FFF2-40B4-BE49-F238E27FC236}">
+                <a16:creationId xmlns:a16="http://schemas.microsoft.com/office/drawing/2014/main" id="{69384CB3-6C08-738D-2207-E216DA7044CD}"/>
+              </a:ext>
+            </a:extLst>
+          </p:cNvPr>
+          <p:cNvSpPr txBox="1"/>
+          <p:nvPr/>
+        </p:nvSpPr>
+        <p:spPr>
+          <a:xfrm>
+            <a:off x="2569907" y="809034"/>
+            <a:ext cx="1055798" cy="275460"/>
+          </a:xfrm>
+          <a:prstGeom prst="rect">
+            <a:avLst/>
+          </a:prstGeom>
+          <a:noFill/>
+        </p:spPr>
+        <p:txBody>
+          <a:bodyPr wrap="square" rtlCol="0">
+            <a:spAutoFit/>
+          </a:bodyPr>
+          <a:lstStyle/>
+          <a:p>
+            <a:r>
+              <a:rPr lang="en-US" sz="1190" dirty="0">
+                <a:latin typeface="Times New Roman" panose="02020603050405020304" pitchFamily="18" charset="0"/>
+                <a:cs typeface="Times New Roman" panose="02020603050405020304" pitchFamily="18" charset="0"/>
+              </a:rPr>
+              <a:t>Current Task</a:t>
+            </a:r>
+          </a:p>
+        </p:txBody>
+      </p:sp>
+      <p:sp>
+        <p:nvSpPr>
+          <p:cNvPr id="174" name="Isosceles Triangle 11">
+            <a:extLst>
+              <a:ext uri="{FF2B5EF4-FFF2-40B4-BE49-F238E27FC236}">
+                <a16:creationId xmlns:a16="http://schemas.microsoft.com/office/drawing/2014/main" id="{AA80265D-932D-CDE8-961E-BDAB3C4375D4}"/>
+              </a:ext>
+            </a:extLst>
+          </p:cNvPr>
+          <p:cNvSpPr/>
+          <p:nvPr/>
+        </p:nvSpPr>
+        <p:spPr>
+          <a:xfrm rot="10800000">
+            <a:off x="1418609" y="1454237"/>
+            <a:ext cx="134668" cy="78717"/>
+          </a:xfrm>
+          <a:prstGeom prst="triangle">
+            <a:avLst/>
+          </a:prstGeom>
+          <a:solidFill>
+            <a:schemeClr val="bg2">
+              <a:lumMod val="90000"/>
+            </a:schemeClr>
+          </a:solidFill>
+        </p:spPr>
+        <p:style>
+          <a:lnRef idx="2">
+            <a:schemeClr val="accent1">
+              <a:shade val="15000"/>
+            </a:schemeClr>
+          </a:lnRef>
+          <a:fillRef idx="1">
+            <a:schemeClr val="accent1"/>
+          </a:fillRef>
+          <a:effectRef idx="0">
+            <a:schemeClr val="accent1"/>
+          </a:effectRef>
+          <a:fontRef idx="minor">
+            <a:schemeClr val="lt1"/>
+          </a:fontRef>
+        </p:style>
+        <p:txBody>
+          <a:bodyPr rtlCol="0" anchor="ctr"/>
+          <a:lstStyle/>
+          <a:p>
+            <a:pPr algn="ctr"/>
+            <a:endParaRPr lang="en-US" sz="711"/>
+          </a:p>
+        </p:txBody>
+      </p:sp>
+      <p:sp>
+        <p:nvSpPr>
+          <p:cNvPr id="175" name="Isosceles Triangle 26">
+            <a:extLst>
+              <a:ext uri="{FF2B5EF4-FFF2-40B4-BE49-F238E27FC236}">
+                <a16:creationId xmlns:a16="http://schemas.microsoft.com/office/drawing/2014/main" id="{C96CC09C-77A1-C4F6-226B-44F992A90A04}"/>
+              </a:ext>
+            </a:extLst>
+          </p:cNvPr>
+          <p:cNvSpPr/>
+          <p:nvPr/>
+        </p:nvSpPr>
+        <p:spPr>
+          <a:xfrm rot="10800000">
+            <a:off x="1410913" y="1964183"/>
+            <a:ext cx="134668" cy="78717"/>
+          </a:xfrm>
+          <a:prstGeom prst="triangle">
+            <a:avLst/>
+          </a:prstGeom>
+          <a:solidFill>
+            <a:schemeClr val="bg2">
+              <a:lumMod val="90000"/>
+            </a:schemeClr>
+          </a:solidFill>
+        </p:spPr>
+        <p:style>
+          <a:lnRef idx="2">
+            <a:schemeClr val="accent1">
+              <a:shade val="15000"/>
+            </a:schemeClr>
+          </a:lnRef>
+          <a:fillRef idx="1">
+            <a:schemeClr val="accent1"/>
+          </a:fillRef>
+          <a:effectRef idx="0">
+            <a:schemeClr val="accent1"/>
+          </a:effectRef>
+          <a:fontRef idx="minor">
+            <a:schemeClr val="lt1"/>
+          </a:fontRef>
+        </p:style>
+        <p:txBody>
+          <a:bodyPr rtlCol="0" anchor="ctr"/>
+          <a:lstStyle/>
+          <a:p>
+            <a:pPr algn="ctr"/>
+            <a:endParaRPr lang="en-US" sz="711"/>
+          </a:p>
+        </p:txBody>
+      </p:sp>
+      <p:sp>
+        <p:nvSpPr>
+          <p:cNvPr id="176" name="Isosceles Triangle 33">
+            <a:extLst>
+              <a:ext uri="{FF2B5EF4-FFF2-40B4-BE49-F238E27FC236}">
+                <a16:creationId xmlns:a16="http://schemas.microsoft.com/office/drawing/2014/main" id="{1C98B857-C998-EB9A-1AC5-05C2677D15A3}"/>
+              </a:ext>
+            </a:extLst>
+          </p:cNvPr>
+          <p:cNvSpPr/>
+          <p:nvPr/>
+        </p:nvSpPr>
+        <p:spPr>
+          <a:xfrm rot="10800000">
+            <a:off x="1418609" y="2409433"/>
+            <a:ext cx="134668" cy="78717"/>
+          </a:xfrm>
+          <a:prstGeom prst="triangle">
+            <a:avLst/>
+          </a:prstGeom>
+          <a:solidFill>
+            <a:schemeClr val="bg2">
+              <a:lumMod val="90000"/>
+            </a:schemeClr>
+          </a:solidFill>
+        </p:spPr>
+        <p:style>
+          <a:lnRef idx="2">
+            <a:schemeClr val="accent1">
+              <a:shade val="15000"/>
+            </a:schemeClr>
+          </a:lnRef>
+          <a:fillRef idx="1">
+            <a:schemeClr val="accent1"/>
+          </a:fillRef>
+          <a:effectRef idx="0">
+            <a:schemeClr val="accent1"/>
+          </a:effectRef>
+          <a:fontRef idx="minor">
+            <a:schemeClr val="lt1"/>
+          </a:fontRef>
+        </p:style>
+        <p:txBody>
+          <a:bodyPr rtlCol="0" anchor="ctr"/>
+          <a:lstStyle/>
+          <a:p>
+            <a:pPr algn="ctr"/>
+            <a:endParaRPr lang="en-US" sz="711"/>
+          </a:p>
+        </p:txBody>
+      </p:sp>
+      <p:grpSp>
+        <p:nvGrpSpPr>
+          <p:cNvPr id="229" name="Group 228">
+            <a:extLst>
+              <a:ext uri="{FF2B5EF4-FFF2-40B4-BE49-F238E27FC236}">
+                <a16:creationId xmlns:a16="http://schemas.microsoft.com/office/drawing/2014/main" id="{2DB4DF75-2B44-AC92-58EC-B637EA1D43E0}"/>
+              </a:ext>
+            </a:extLst>
+          </p:cNvPr>
+          <p:cNvGrpSpPr/>
+          <p:nvPr/>
+        </p:nvGrpSpPr>
+        <p:grpSpPr>
+          <a:xfrm>
+            <a:off x="5683902" y="1144884"/>
+            <a:ext cx="1784360" cy="347893"/>
+            <a:chOff x="5278949" y="1144875"/>
+            <a:chExt cx="1784360" cy="347893"/>
+          </a:xfrm>
+        </p:grpSpPr>
+        <p:sp>
+          <p:nvSpPr>
+            <p:cNvPr id="177" name="Rectangle: Rounded Corners 55">
+              <a:extLst>
+                <a:ext uri="{FF2B5EF4-FFF2-40B4-BE49-F238E27FC236}">
+                  <a16:creationId xmlns:a16="http://schemas.microsoft.com/office/drawing/2014/main" id="{36A61793-F033-9C1D-4ACB-0F518444BED8}"/>
+                </a:ext>
+              </a:extLst>
+            </p:cNvPr>
+            <p:cNvSpPr/>
+            <p:nvPr/>
+          </p:nvSpPr>
+          <p:spPr>
+            <a:xfrm>
+              <a:off x="5278949" y="1144875"/>
+              <a:ext cx="1784360" cy="347893"/>
+            </a:xfrm>
+            <a:prstGeom prst="roundRect">
+              <a:avLst/>
+            </a:prstGeom>
+            <a:solidFill>
+              <a:srgbClr val="92D050"/>
+            </a:solidFill>
+          </p:spPr>
+          <p:style>
+            <a:lnRef idx="2">
+              <a:schemeClr val="accent1">
+                <a:shade val="15000"/>
+              </a:schemeClr>
+            </a:lnRef>
+            <a:fillRef idx="1">
+              <a:schemeClr val="accent1"/>
+            </a:fillRef>
+            <a:effectRef idx="0">
+              <a:schemeClr val="accent1"/>
+            </a:effectRef>
+            <a:fontRef idx="minor">
+              <a:schemeClr val="lt1"/>
+            </a:fontRef>
+          </p:style>
+          <p:txBody>
+            <a:bodyPr rtlCol="0" anchor="ctr"/>
+            <a:lstStyle/>
+            <a:p>
+              <a:pPr algn="ctr"/>
+              <a:endParaRPr lang="en-US" sz="711"/>
+            </a:p>
+          </p:txBody>
+        </p:sp>
+        <p:sp>
+          <p:nvSpPr>
+            <p:cNvPr id="178" name="Rectangle 177">
+              <a:extLst>
+                <a:ext uri="{FF2B5EF4-FFF2-40B4-BE49-F238E27FC236}">
+                  <a16:creationId xmlns:a16="http://schemas.microsoft.com/office/drawing/2014/main" id="{7FA0D3C9-6F0D-F139-DF62-A6F2039A3798}"/>
+                </a:ext>
+              </a:extLst>
+            </p:cNvPr>
+            <p:cNvSpPr/>
+            <p:nvPr/>
+          </p:nvSpPr>
+          <p:spPr>
+            <a:xfrm>
+              <a:off x="5379083" y="1203454"/>
+              <a:ext cx="678955" cy="238161"/>
+            </a:xfrm>
+            <a:prstGeom prst="rect">
+              <a:avLst/>
+            </a:prstGeom>
+            <a:ln w="38100">
+              <a:solidFill>
+                <a:srgbClr val="C00000"/>
+              </a:solidFill>
+            </a:ln>
+          </p:spPr>
+          <p:style>
+            <a:lnRef idx="2">
+              <a:schemeClr val="accent1">
+                <a:shade val="15000"/>
+              </a:schemeClr>
+            </a:lnRef>
+            <a:fillRef idx="1">
+              <a:schemeClr val="accent1"/>
+            </a:fillRef>
+            <a:effectRef idx="0">
+              <a:schemeClr val="accent1"/>
+            </a:effectRef>
+            <a:fontRef idx="minor">
+              <a:schemeClr val="lt1"/>
+            </a:fontRef>
+          </p:style>
+          <p:txBody>
+            <a:bodyPr rtlCol="0" anchor="ctr"/>
+            <a:lstStyle/>
+            <a:p>
+              <a:pPr algn="ctr"/>
+              <a:r>
+                <a:rPr lang="en-US" sz="1200" dirty="0">
+                  <a:latin typeface="Times New Roman" panose="02020603050405020304" pitchFamily="18" charset="0"/>
+                  <a:cs typeface="Times New Roman" panose="02020603050405020304" pitchFamily="18" charset="0"/>
+                </a:rPr>
+                <a:t>Input</a:t>
+              </a:r>
+            </a:p>
+          </p:txBody>
+        </p:sp>
+        <p:sp>
+          <p:nvSpPr>
+            <p:cNvPr id="180" name="Rectangle 179">
+              <a:extLst>
+                <a:ext uri="{FF2B5EF4-FFF2-40B4-BE49-F238E27FC236}">
+                  <a16:creationId xmlns:a16="http://schemas.microsoft.com/office/drawing/2014/main" id="{56B41662-2A27-F3C5-02AC-FAE1B327D465}"/>
+                </a:ext>
+              </a:extLst>
+            </p:cNvPr>
+            <p:cNvSpPr/>
+            <p:nvPr/>
+          </p:nvSpPr>
+          <p:spPr>
+            <a:xfrm>
+              <a:off x="6283995" y="1194670"/>
+              <a:ext cx="701399" cy="238161"/>
+            </a:xfrm>
+            <a:prstGeom prst="rect">
+              <a:avLst/>
+            </a:prstGeom>
+            <a:ln w="38100">
+              <a:solidFill>
+                <a:srgbClr val="C00000"/>
+              </a:solidFill>
+            </a:ln>
+          </p:spPr>
+          <p:style>
+            <a:lnRef idx="2">
+              <a:schemeClr val="accent2">
+                <a:shade val="15000"/>
+              </a:schemeClr>
+            </a:lnRef>
+            <a:fillRef idx="1">
+              <a:schemeClr val="accent2"/>
+            </a:fillRef>
+            <a:effectRef idx="0">
+              <a:schemeClr val="accent2"/>
+            </a:effectRef>
+            <a:fontRef idx="minor">
+              <a:schemeClr val="lt1"/>
+            </a:fontRef>
+          </p:style>
+          <p:txBody>
+            <a:bodyPr rtlCol="0" anchor="ctr"/>
+            <a:lstStyle/>
+            <a:p>
+              <a:pPr algn="ctr"/>
+              <a:r>
+                <a:rPr lang="en-US" sz="1100" dirty="0">
+                  <a:latin typeface="Times New Roman" panose="02020603050405020304" pitchFamily="18" charset="0"/>
+                  <a:cs typeface="Times New Roman" panose="02020603050405020304" pitchFamily="18" charset="0"/>
+                </a:rPr>
+                <a:t>Target</a:t>
+              </a:r>
+            </a:p>
+          </p:txBody>
+        </p:sp>
+      </p:grpSp>
+      <p:sp>
+        <p:nvSpPr>
+          <p:cNvPr id="182" name="Rectangle 181">
+            <a:extLst>
+              <a:ext uri="{FF2B5EF4-FFF2-40B4-BE49-F238E27FC236}">
+                <a16:creationId xmlns:a16="http://schemas.microsoft.com/office/drawing/2014/main" id="{1C57A1A0-3F6B-8DEF-F61F-D9D8FF84CCF1}"/>
+              </a:ext>
+            </a:extLst>
+          </p:cNvPr>
+          <p:cNvSpPr/>
+          <p:nvPr/>
+        </p:nvSpPr>
+        <p:spPr>
+          <a:xfrm>
+            <a:off x="5975638" y="1678502"/>
+            <a:ext cx="1168112" cy="236946"/>
+          </a:xfrm>
+          <a:prstGeom prst="rect">
+            <a:avLst/>
+          </a:prstGeom>
+          <a:noFill/>
+        </p:spPr>
+        <p:style>
+          <a:lnRef idx="2">
+            <a:schemeClr val="accent1">
+              <a:shade val="15000"/>
+            </a:schemeClr>
+          </a:lnRef>
+          <a:fillRef idx="1">
+            <a:schemeClr val="accent1"/>
+          </a:fillRef>
+          <a:effectRef idx="0">
+            <a:schemeClr val="accent1"/>
+          </a:effectRef>
+          <a:fontRef idx="minor">
+            <a:schemeClr val="lt1"/>
+          </a:fontRef>
+        </p:style>
+        <p:txBody>
+          <a:bodyPr rtlCol="0" anchor="ctr"/>
+          <a:lstStyle/>
+          <a:p>
+            <a:pPr algn="ctr"/>
+            <a:endParaRPr lang="en-US" sz="711" dirty="0"/>
+          </a:p>
+        </p:txBody>
+      </p:sp>
+      <p:sp>
+        <p:nvSpPr>
+          <p:cNvPr id="183" name="Flowchart: Connector 69">
+            <a:extLst>
+              <a:ext uri="{FF2B5EF4-FFF2-40B4-BE49-F238E27FC236}">
+                <a16:creationId xmlns:a16="http://schemas.microsoft.com/office/drawing/2014/main" id="{9A1F1D4D-81D9-954A-909C-90D66A01B946}"/>
+              </a:ext>
+            </a:extLst>
+          </p:cNvPr>
+          <p:cNvSpPr/>
+          <p:nvPr/>
+        </p:nvSpPr>
+        <p:spPr>
+          <a:xfrm>
+            <a:off x="6013018" y="1685826"/>
+            <a:ext cx="226482" cy="224019"/>
+          </a:xfrm>
+          <a:prstGeom prst="flowChartConnector">
+            <a:avLst/>
+          </a:prstGeom>
+          <a:noFill/>
+          <a:ln>
+            <a:solidFill>
+              <a:schemeClr val="accent5">
+                <a:lumMod val="60000"/>
+                <a:lumOff val="40000"/>
+              </a:schemeClr>
+            </a:solidFill>
+          </a:ln>
+        </p:spPr>
+        <p:style>
+          <a:lnRef idx="2">
+            <a:schemeClr val="accent1">
+              <a:shade val="15000"/>
+            </a:schemeClr>
+          </a:lnRef>
+          <a:fillRef idx="1">
+            <a:schemeClr val="accent1"/>
+          </a:fillRef>
+          <a:effectRef idx="0">
+            <a:schemeClr val="accent1"/>
+          </a:effectRef>
+          <a:fontRef idx="minor">
+            <a:schemeClr val="lt1"/>
+          </a:fontRef>
+        </p:style>
+        <p:txBody>
+          <a:bodyPr rtlCol="0" anchor="ctr"/>
+          <a:lstStyle/>
+          <a:p>
+            <a:pPr algn="ctr"/>
+            <a:endParaRPr lang="en-US" sz="711"/>
+          </a:p>
+        </p:txBody>
+      </p:sp>
+      <p:sp>
+        <p:nvSpPr>
+          <p:cNvPr id="189" name="Rectangle: Rounded Corners 78">
+            <a:extLst>
+              <a:ext uri="{FF2B5EF4-FFF2-40B4-BE49-F238E27FC236}">
+                <a16:creationId xmlns:a16="http://schemas.microsoft.com/office/drawing/2014/main" id="{AF04FA37-FF34-14EB-B05A-BCBF41D986D0}"/>
+              </a:ext>
+            </a:extLst>
+          </p:cNvPr>
+          <p:cNvSpPr/>
+          <p:nvPr/>
+        </p:nvSpPr>
+        <p:spPr>
+          <a:xfrm>
+            <a:off x="7686067" y="1842446"/>
+            <a:ext cx="942680" cy="652406"/>
+          </a:xfrm>
+          <a:prstGeom prst="roundRect">
+            <a:avLst/>
+          </a:prstGeom>
+          <a:solidFill>
+            <a:srgbClr val="92D050"/>
+          </a:solidFill>
+        </p:spPr>
+        <p:style>
+          <a:lnRef idx="2">
+            <a:schemeClr val="accent1">
+              <a:shade val="15000"/>
+            </a:schemeClr>
+          </a:lnRef>
+          <a:fillRef idx="1">
+            <a:schemeClr val="accent1"/>
+          </a:fillRef>
+          <a:effectRef idx="0">
+            <a:schemeClr val="accent1"/>
+          </a:effectRef>
+          <a:fontRef idx="minor">
+            <a:schemeClr val="lt1"/>
+          </a:fontRef>
+        </p:style>
+        <p:txBody>
+          <a:bodyPr rtlCol="0" anchor="ctr"/>
+          <a:lstStyle/>
+          <a:p>
+            <a:pPr algn="ctr"/>
+            <a:endParaRPr lang="en-US" sz="711"/>
+          </a:p>
+        </p:txBody>
+      </p:sp>
+      <p:sp>
+        <p:nvSpPr>
+          <p:cNvPr id="190" name="Flowchart: Connector 79">
+            <a:extLst>
+              <a:ext uri="{FF2B5EF4-FFF2-40B4-BE49-F238E27FC236}">
+                <a16:creationId xmlns:a16="http://schemas.microsoft.com/office/drawing/2014/main" id="{2368AFBA-E742-E43C-5B68-53A3838C53A6}"/>
+              </a:ext>
+            </a:extLst>
+          </p:cNvPr>
+          <p:cNvSpPr/>
+          <p:nvPr/>
+        </p:nvSpPr>
+        <p:spPr>
+          <a:xfrm>
+            <a:off x="6859779" y="1686806"/>
+            <a:ext cx="226482" cy="224019"/>
+          </a:xfrm>
+          <a:prstGeom prst="flowChartConnector">
+            <a:avLst/>
+          </a:prstGeom>
+          <a:noFill/>
+          <a:ln>
+            <a:solidFill>
+              <a:srgbClr val="FF0000"/>
+            </a:solidFill>
+          </a:ln>
+        </p:spPr>
+        <p:style>
+          <a:lnRef idx="2">
+            <a:schemeClr val="accent1">
+              <a:shade val="15000"/>
+            </a:schemeClr>
+          </a:lnRef>
+          <a:fillRef idx="1">
+            <a:schemeClr val="accent1"/>
+          </a:fillRef>
+          <a:effectRef idx="0">
+            <a:schemeClr val="accent1"/>
+          </a:effectRef>
+          <a:fontRef idx="minor">
+            <a:schemeClr val="lt1"/>
+          </a:fontRef>
+        </p:style>
+        <p:txBody>
+          <a:bodyPr rtlCol="0" anchor="ctr"/>
+          <a:lstStyle/>
+          <a:p>
+            <a:pPr algn="ctr"/>
+            <a:endParaRPr lang="en-US" sz="711"/>
+          </a:p>
+        </p:txBody>
+      </p:sp>
+      <p:sp>
+        <p:nvSpPr>
+          <p:cNvPr id="191" name="TextBox 190">
+            <a:extLst>
+              <a:ext uri="{FF2B5EF4-FFF2-40B4-BE49-F238E27FC236}">
+                <a16:creationId xmlns:a16="http://schemas.microsoft.com/office/drawing/2014/main" id="{F06F20FB-ADEB-3721-9E57-B30BD0C872A7}"/>
+              </a:ext>
+            </a:extLst>
+          </p:cNvPr>
+          <p:cNvSpPr txBox="1"/>
+          <p:nvPr/>
+        </p:nvSpPr>
+        <p:spPr>
+          <a:xfrm>
+            <a:off x="5363296" y="1616060"/>
+            <a:ext cx="694742" cy="275460"/>
+          </a:xfrm>
+          <a:prstGeom prst="rect">
+            <a:avLst/>
+          </a:prstGeom>
+          <a:noFill/>
+        </p:spPr>
+        <p:txBody>
+          <a:bodyPr wrap="square" rtlCol="0">
+            <a:spAutoFit/>
+          </a:bodyPr>
+          <a:lstStyle/>
+          <a:p>
+            <a:r>
+              <a:rPr lang="en-US" sz="1190" dirty="0">
+                <a:latin typeface="Times New Roman" panose="02020603050405020304" pitchFamily="18" charset="0"/>
+                <a:cs typeface="Times New Roman" panose="02020603050405020304" pitchFamily="18" charset="0"/>
+              </a:rPr>
+              <a:t>Current</a:t>
+            </a:r>
+          </a:p>
+        </p:txBody>
+      </p:sp>
+      <p:sp>
+        <p:nvSpPr>
+          <p:cNvPr id="192" name="TextBox 191">
+            <a:extLst>
+              <a:ext uri="{FF2B5EF4-FFF2-40B4-BE49-F238E27FC236}">
+                <a16:creationId xmlns:a16="http://schemas.microsoft.com/office/drawing/2014/main" id="{9F93DAC7-80D3-56EE-8E1D-C96E127DE26F}"/>
+              </a:ext>
+            </a:extLst>
+          </p:cNvPr>
+          <p:cNvSpPr txBox="1"/>
+          <p:nvPr/>
+        </p:nvSpPr>
+        <p:spPr>
+          <a:xfrm>
+            <a:off x="5367514" y="2189842"/>
+            <a:ext cx="694742" cy="275460"/>
+          </a:xfrm>
+          <a:prstGeom prst="rect">
+            <a:avLst/>
+          </a:prstGeom>
+          <a:noFill/>
+        </p:spPr>
+        <p:txBody>
+          <a:bodyPr wrap="square" rtlCol="0">
+            <a:spAutoFit/>
+          </a:bodyPr>
+          <a:lstStyle/>
+          <a:p>
+            <a:r>
+              <a:rPr lang="en-US" sz="1190" dirty="0">
+                <a:latin typeface="Times New Roman" panose="02020603050405020304" pitchFamily="18" charset="0"/>
+                <a:cs typeface="Times New Roman" panose="02020603050405020304" pitchFamily="18" charset="0"/>
+              </a:rPr>
+              <a:t>Replay</a:t>
+            </a:r>
+          </a:p>
+        </p:txBody>
+      </p:sp>
+      <p:sp>
+        <p:nvSpPr>
+          <p:cNvPr id="193" name="Rectangle 192">
+            <a:extLst>
+              <a:ext uri="{FF2B5EF4-FFF2-40B4-BE49-F238E27FC236}">
+                <a16:creationId xmlns:a16="http://schemas.microsoft.com/office/drawing/2014/main" id="{681B0B08-342E-1B8D-A00F-57A0D1CFB56B}"/>
+              </a:ext>
+            </a:extLst>
+          </p:cNvPr>
+          <p:cNvSpPr/>
+          <p:nvPr/>
+        </p:nvSpPr>
+        <p:spPr>
+          <a:xfrm>
+            <a:off x="5978434" y="2165515"/>
+            <a:ext cx="1165315" cy="264536"/>
+          </a:xfrm>
+          <a:prstGeom prst="rect">
+            <a:avLst/>
+          </a:prstGeom>
+          <a:noFill/>
+        </p:spPr>
+        <p:style>
+          <a:lnRef idx="2">
+            <a:schemeClr val="accent1">
+              <a:shade val="15000"/>
+            </a:schemeClr>
+          </a:lnRef>
+          <a:fillRef idx="1">
+            <a:schemeClr val="accent1"/>
+          </a:fillRef>
+          <a:effectRef idx="0">
+            <a:schemeClr val="accent1"/>
+          </a:effectRef>
+          <a:fontRef idx="minor">
+            <a:schemeClr val="lt1"/>
+          </a:fontRef>
+        </p:style>
+        <p:txBody>
+          <a:bodyPr rtlCol="0" anchor="ctr"/>
+          <a:lstStyle/>
+          <a:p>
+            <a:pPr algn="ctr"/>
+            <a:endParaRPr lang="en-US" sz="711"/>
+          </a:p>
+        </p:txBody>
+      </p:sp>
+      <p:sp>
+        <p:nvSpPr>
+          <p:cNvPr id="194" name="TextBox 193">
+            <a:extLst>
+              <a:ext uri="{FF2B5EF4-FFF2-40B4-BE49-F238E27FC236}">
+                <a16:creationId xmlns:a16="http://schemas.microsoft.com/office/drawing/2014/main" id="{CA143925-05FE-ABA3-4F6A-491DBCB344FF}"/>
+              </a:ext>
+            </a:extLst>
+          </p:cNvPr>
+          <p:cNvSpPr txBox="1"/>
+          <p:nvPr/>
+        </p:nvSpPr>
+        <p:spPr>
+          <a:xfrm>
+            <a:off x="5956601" y="806882"/>
+            <a:ext cx="1055798" cy="275460"/>
+          </a:xfrm>
+          <a:prstGeom prst="rect">
+            <a:avLst/>
+          </a:prstGeom>
+          <a:noFill/>
+        </p:spPr>
+        <p:txBody>
+          <a:bodyPr wrap="square" rtlCol="0">
+            <a:spAutoFit/>
+          </a:bodyPr>
+          <a:lstStyle/>
+          <a:p>
+            <a:r>
+              <a:rPr lang="en-US" sz="1190" dirty="0">
+                <a:latin typeface="Times New Roman" panose="02020603050405020304" pitchFamily="18" charset="0"/>
+                <a:cs typeface="Times New Roman" panose="02020603050405020304" pitchFamily="18" charset="0"/>
+              </a:rPr>
+              <a:t>Current Task</a:t>
+            </a:r>
+          </a:p>
+        </p:txBody>
+      </p:sp>
+      <p:sp>
+        <p:nvSpPr>
+          <p:cNvPr id="195" name="TextBox 194">
+            <a:extLst>
+              <a:ext uri="{FF2B5EF4-FFF2-40B4-BE49-F238E27FC236}">
+                <a16:creationId xmlns:a16="http://schemas.microsoft.com/office/drawing/2014/main" id="{DE4DBCFE-A5DA-5146-A203-2002FC390E37}"/>
+              </a:ext>
+            </a:extLst>
+          </p:cNvPr>
+          <p:cNvSpPr txBox="1"/>
+          <p:nvPr/>
+        </p:nvSpPr>
+        <p:spPr>
+          <a:xfrm>
+            <a:off x="5683902" y="3337235"/>
+            <a:ext cx="1784360" cy="275460"/>
+          </a:xfrm>
+          <a:prstGeom prst="rect">
+            <a:avLst/>
+          </a:prstGeom>
+          <a:noFill/>
+        </p:spPr>
+        <p:txBody>
+          <a:bodyPr wrap="square" rtlCol="0">
+            <a:spAutoFit/>
+          </a:bodyPr>
+          <a:lstStyle/>
+          <a:p>
+            <a:r>
+              <a:rPr lang="en-US" sz="1190" dirty="0">
+                <a:latin typeface="Times New Roman" panose="02020603050405020304" pitchFamily="18" charset="0"/>
+                <a:cs typeface="Times New Roman" panose="02020603050405020304" pitchFamily="18" charset="0"/>
+              </a:rPr>
+              <a:t>Last task GAN model</a:t>
+            </a:r>
+          </a:p>
+        </p:txBody>
+      </p:sp>
+      <p:sp>
+        <p:nvSpPr>
+          <p:cNvPr id="196" name="TextBox 195">
+            <a:extLst>
+              <a:ext uri="{FF2B5EF4-FFF2-40B4-BE49-F238E27FC236}">
+                <a16:creationId xmlns:a16="http://schemas.microsoft.com/office/drawing/2014/main" id="{D0DD43AB-C05A-CB9B-13B9-4D5261FD1C6B}"/>
+              </a:ext>
+            </a:extLst>
+          </p:cNvPr>
+          <p:cNvSpPr txBox="1"/>
+          <p:nvPr/>
+        </p:nvSpPr>
+        <p:spPr>
+          <a:xfrm>
+            <a:off x="7685012" y="1373238"/>
+            <a:ext cx="1337588" cy="457200"/>
+          </a:xfrm>
+          <a:prstGeom prst="rect">
+            <a:avLst/>
+          </a:prstGeom>
+          <a:noFill/>
+        </p:spPr>
+        <p:txBody>
+          <a:bodyPr wrap="square" rtlCol="0">
+            <a:spAutoFit/>
+          </a:bodyPr>
+          <a:lstStyle/>
+          <a:p>
+            <a:r>
+              <a:rPr lang="en-US" sz="1190" dirty="0">
+                <a:latin typeface="Times New Roman" panose="02020603050405020304" pitchFamily="18" charset="0"/>
+                <a:cs typeface="Times New Roman" panose="02020603050405020304" pitchFamily="18" charset="0"/>
+              </a:rPr>
+              <a:t>Current GAN model</a:t>
+            </a:r>
+          </a:p>
+        </p:txBody>
+      </p:sp>
+      <p:sp>
+        <p:nvSpPr>
+          <p:cNvPr id="197" name="Rectangle 196">
+            <a:extLst>
+              <a:ext uri="{FF2B5EF4-FFF2-40B4-BE49-F238E27FC236}">
+                <a16:creationId xmlns:a16="http://schemas.microsoft.com/office/drawing/2014/main" id="{4243E4FE-99BC-651B-13B0-42274916344C}"/>
+              </a:ext>
+            </a:extLst>
+          </p:cNvPr>
+          <p:cNvSpPr/>
+          <p:nvPr/>
+        </p:nvSpPr>
+        <p:spPr>
+          <a:xfrm>
+            <a:off x="7798813" y="2158166"/>
+            <a:ext cx="701399" cy="238161"/>
+          </a:xfrm>
+          <a:prstGeom prst="rect">
+            <a:avLst/>
+          </a:prstGeom>
+          <a:ln w="38100">
+            <a:solidFill>
+              <a:srgbClr val="C00000"/>
+            </a:solidFill>
+          </a:ln>
+        </p:spPr>
+        <p:style>
+          <a:lnRef idx="2">
+            <a:schemeClr val="accent2">
+              <a:shade val="15000"/>
+            </a:schemeClr>
+          </a:lnRef>
+          <a:fillRef idx="1">
+            <a:schemeClr val="accent2"/>
+          </a:fillRef>
+          <a:effectRef idx="0">
+            <a:schemeClr val="accent2"/>
+          </a:effectRef>
+          <a:fontRef idx="minor">
+            <a:schemeClr val="lt1"/>
+          </a:fontRef>
+        </p:style>
+        <p:txBody>
+          <a:bodyPr rtlCol="0" anchor="ctr"/>
+          <a:lstStyle/>
+          <a:p>
+            <a:pPr algn="ctr"/>
+            <a:endParaRPr lang="en-US" sz="711"/>
+          </a:p>
+        </p:txBody>
+      </p:sp>
+      <p:sp>
+        <p:nvSpPr>
+          <p:cNvPr id="198" name="TextBox 197">
+            <a:extLst>
+              <a:ext uri="{FF2B5EF4-FFF2-40B4-BE49-F238E27FC236}">
+                <a16:creationId xmlns:a16="http://schemas.microsoft.com/office/drawing/2014/main" id="{1406A329-A554-AE57-572B-448BE3DBE4EC}"/>
+              </a:ext>
+            </a:extLst>
+          </p:cNvPr>
+          <p:cNvSpPr txBox="1"/>
+          <p:nvPr/>
+        </p:nvSpPr>
+        <p:spPr>
+          <a:xfrm>
+            <a:off x="7829110" y="2105638"/>
+            <a:ext cx="730983" cy="275460"/>
+          </a:xfrm>
+          <a:prstGeom prst="rect">
+            <a:avLst/>
+          </a:prstGeom>
+          <a:noFill/>
+        </p:spPr>
+        <p:txBody>
+          <a:bodyPr wrap="square" rtlCol="0">
+            <a:spAutoFit/>
+          </a:bodyPr>
+          <a:lstStyle/>
+          <a:p>
+            <a:r>
+              <a:rPr lang="en-US" sz="1190" dirty="0">
+                <a:solidFill>
+                  <a:schemeClr val="bg1"/>
+                </a:solidFill>
+                <a:latin typeface="Times New Roman" panose="02020603050405020304" pitchFamily="18" charset="0"/>
+                <a:cs typeface="Times New Roman" panose="02020603050405020304" pitchFamily="18" charset="0"/>
+              </a:rPr>
+              <a:t>Solver</a:t>
+            </a:r>
+          </a:p>
+        </p:txBody>
+      </p:sp>
+      <p:sp>
+        <p:nvSpPr>
+          <p:cNvPr id="199" name="Rectangle 198">
+            <a:extLst>
+              <a:ext uri="{FF2B5EF4-FFF2-40B4-BE49-F238E27FC236}">
+                <a16:creationId xmlns:a16="http://schemas.microsoft.com/office/drawing/2014/main" id="{3FDB5137-A760-114D-D209-3520674B42A8}"/>
+              </a:ext>
+            </a:extLst>
+          </p:cNvPr>
+          <p:cNvSpPr/>
+          <p:nvPr/>
+        </p:nvSpPr>
+        <p:spPr>
+          <a:xfrm>
+            <a:off x="7824530" y="1876271"/>
+            <a:ext cx="701399" cy="238161"/>
+          </a:xfrm>
+          <a:prstGeom prst="rect">
+            <a:avLst/>
+          </a:prstGeom>
+          <a:ln w="38100">
+            <a:noFill/>
+          </a:ln>
+        </p:spPr>
+        <p:style>
+          <a:lnRef idx="2">
+            <a:schemeClr val="accent1">
+              <a:shade val="15000"/>
+            </a:schemeClr>
+          </a:lnRef>
+          <a:fillRef idx="1">
+            <a:schemeClr val="accent1"/>
+          </a:fillRef>
+          <a:effectRef idx="0">
+            <a:schemeClr val="accent1"/>
+          </a:effectRef>
+          <a:fontRef idx="minor">
+            <a:schemeClr val="lt1"/>
+          </a:fontRef>
+        </p:style>
+        <p:txBody>
+          <a:bodyPr rtlCol="0" anchor="ctr"/>
+          <a:lstStyle/>
+          <a:p>
+            <a:pPr algn="ctr"/>
+            <a:endParaRPr lang="en-US" sz="711" dirty="0"/>
+          </a:p>
+        </p:txBody>
+      </p:sp>
+      <p:sp>
+        <p:nvSpPr>
+          <p:cNvPr id="200" name="TextBox 199">
+            <a:extLst>
+              <a:ext uri="{FF2B5EF4-FFF2-40B4-BE49-F238E27FC236}">
+                <a16:creationId xmlns:a16="http://schemas.microsoft.com/office/drawing/2014/main" id="{7FD8EC46-228D-5C37-2C3D-1F51DABEB944}"/>
+              </a:ext>
+            </a:extLst>
+          </p:cNvPr>
+          <p:cNvSpPr txBox="1"/>
+          <p:nvPr/>
+        </p:nvSpPr>
+        <p:spPr>
+          <a:xfrm>
+            <a:off x="7764029" y="1830178"/>
+            <a:ext cx="913592" cy="275460"/>
+          </a:xfrm>
+          <a:prstGeom prst="rect">
+            <a:avLst/>
+          </a:prstGeom>
+          <a:noFill/>
+        </p:spPr>
+        <p:txBody>
+          <a:bodyPr wrap="square" rtlCol="0">
+            <a:spAutoFit/>
+          </a:bodyPr>
+          <a:lstStyle/>
+          <a:p>
+            <a:r>
+              <a:rPr lang="en-US" sz="1190" dirty="0">
+                <a:solidFill>
+                  <a:schemeClr val="bg1"/>
+                </a:solidFill>
+                <a:latin typeface="Times New Roman" panose="02020603050405020304" pitchFamily="18" charset="0"/>
+                <a:cs typeface="Times New Roman" panose="02020603050405020304" pitchFamily="18" charset="0"/>
+              </a:rPr>
+              <a:t>Generator</a:t>
+            </a:r>
+          </a:p>
+        </p:txBody>
+      </p:sp>
+      <p:sp>
+        <p:nvSpPr>
+          <p:cNvPr id="201" name="TextBox 200">
+            <a:extLst>
+              <a:ext uri="{FF2B5EF4-FFF2-40B4-BE49-F238E27FC236}">
+                <a16:creationId xmlns:a16="http://schemas.microsoft.com/office/drawing/2014/main" id="{B92748CF-0395-086F-6BE3-034CC39CFC42}"/>
+              </a:ext>
+            </a:extLst>
+          </p:cNvPr>
+          <p:cNvSpPr txBox="1"/>
+          <p:nvPr/>
+        </p:nvSpPr>
+        <p:spPr>
+          <a:xfrm>
+            <a:off x="6022714" y="1652599"/>
+            <a:ext cx="144070" cy="275460"/>
+          </a:xfrm>
+          <a:prstGeom prst="rect">
+            <a:avLst/>
+          </a:prstGeom>
+          <a:noFill/>
+        </p:spPr>
+        <p:txBody>
+          <a:bodyPr wrap="square" rtlCol="0">
+            <a:spAutoFit/>
+          </a:bodyPr>
+          <a:lstStyle/>
+          <a:p>
+            <a:r>
+              <a:rPr lang="en-US" sz="1190" i="1" dirty="0">
+                <a:solidFill>
+                  <a:schemeClr val="accent5">
+                    <a:lumMod val="40000"/>
+                    <a:lumOff val="60000"/>
+                  </a:schemeClr>
+                </a:solidFill>
+                <a:latin typeface="Times New Roman" panose="02020603050405020304" pitchFamily="18" charset="0"/>
+                <a:cs typeface="Times New Roman" panose="02020603050405020304" pitchFamily="18" charset="0"/>
+              </a:rPr>
+              <a:t>x</a:t>
+            </a:r>
+          </a:p>
+        </p:txBody>
+      </p:sp>
+      <p:sp>
+        <p:nvSpPr>
+          <p:cNvPr id="202" name="TextBox 201">
+            <a:extLst>
+              <a:ext uri="{FF2B5EF4-FFF2-40B4-BE49-F238E27FC236}">
+                <a16:creationId xmlns:a16="http://schemas.microsoft.com/office/drawing/2014/main" id="{DB93E05B-A2E6-302D-2C73-F199AEA16B01}"/>
+              </a:ext>
+            </a:extLst>
+          </p:cNvPr>
+          <p:cNvSpPr txBox="1"/>
+          <p:nvPr/>
+        </p:nvSpPr>
+        <p:spPr>
+          <a:xfrm>
+            <a:off x="6890221" y="1645193"/>
+            <a:ext cx="144070" cy="275460"/>
+          </a:xfrm>
+          <a:prstGeom prst="rect">
+            <a:avLst/>
+          </a:prstGeom>
+          <a:noFill/>
+        </p:spPr>
+        <p:txBody>
+          <a:bodyPr wrap="square" rtlCol="0">
+            <a:spAutoFit/>
+          </a:bodyPr>
+          <a:lstStyle/>
+          <a:p>
+            <a:r>
+              <a:rPr lang="en-US" sz="1190" i="1" dirty="0">
+                <a:solidFill>
+                  <a:srgbClr val="FF0000"/>
+                </a:solidFill>
+                <a:latin typeface="Times New Roman" panose="02020603050405020304" pitchFamily="18" charset="0"/>
+                <a:cs typeface="Times New Roman" panose="02020603050405020304" pitchFamily="18" charset="0"/>
+              </a:rPr>
+              <a:t>y</a:t>
+            </a:r>
+          </a:p>
+        </p:txBody>
+      </p:sp>
+      <p:sp>
+        <p:nvSpPr>
+          <p:cNvPr id="203" name="TextBox 202">
+            <a:extLst>
+              <a:ext uri="{FF2B5EF4-FFF2-40B4-BE49-F238E27FC236}">
+                <a16:creationId xmlns:a16="http://schemas.microsoft.com/office/drawing/2014/main" id="{95FD09AD-5750-A683-7D6B-8AA874E69ED9}"/>
+              </a:ext>
+            </a:extLst>
+          </p:cNvPr>
+          <p:cNvSpPr txBox="1"/>
+          <p:nvPr/>
+        </p:nvSpPr>
+        <p:spPr>
+          <a:xfrm>
+            <a:off x="6000713" y="2139517"/>
+            <a:ext cx="361237" cy="275460"/>
+          </a:xfrm>
+          <a:prstGeom prst="rect">
+            <a:avLst/>
+          </a:prstGeom>
+          <a:noFill/>
+        </p:spPr>
+        <p:txBody>
+          <a:bodyPr wrap="square" rtlCol="0">
+            <a:spAutoFit/>
+          </a:bodyPr>
+          <a:lstStyle/>
+          <a:p>
+            <a:r>
+              <a:rPr lang="en-US" sz="1190" i="1" dirty="0">
+                <a:solidFill>
+                  <a:schemeClr val="accent5">
+                    <a:lumMod val="40000"/>
+                    <a:lumOff val="60000"/>
+                  </a:schemeClr>
+                </a:solidFill>
+                <a:latin typeface="Times New Roman" panose="02020603050405020304" pitchFamily="18" charset="0"/>
+                <a:cs typeface="Times New Roman" panose="02020603050405020304" pitchFamily="18" charset="0"/>
+              </a:rPr>
+              <a:t>x’</a:t>
+            </a:r>
+          </a:p>
+        </p:txBody>
+      </p:sp>
+      <p:sp>
+        <p:nvSpPr>
+          <p:cNvPr id="204" name="TextBox 203">
+            <a:extLst>
+              <a:ext uri="{FF2B5EF4-FFF2-40B4-BE49-F238E27FC236}">
+                <a16:creationId xmlns:a16="http://schemas.microsoft.com/office/drawing/2014/main" id="{4A4C1A34-5CAE-9E05-3203-D08E28F8C934}"/>
+              </a:ext>
+            </a:extLst>
+          </p:cNvPr>
+          <p:cNvSpPr txBox="1"/>
+          <p:nvPr/>
+        </p:nvSpPr>
+        <p:spPr>
+          <a:xfrm>
+            <a:off x="6857000" y="2127702"/>
+            <a:ext cx="427813" cy="275460"/>
+          </a:xfrm>
+          <a:prstGeom prst="rect">
+            <a:avLst/>
+          </a:prstGeom>
+          <a:noFill/>
+        </p:spPr>
+        <p:txBody>
+          <a:bodyPr wrap="square" rtlCol="0">
+            <a:spAutoFit/>
+          </a:bodyPr>
+          <a:lstStyle/>
+          <a:p>
+            <a:r>
+              <a:rPr lang="en-US" sz="1190" i="1" dirty="0">
+                <a:solidFill>
+                  <a:srgbClr val="FF0000"/>
+                </a:solidFill>
+                <a:latin typeface="Times New Roman" panose="02020603050405020304" pitchFamily="18" charset="0"/>
+                <a:cs typeface="Times New Roman" panose="02020603050405020304" pitchFamily="18" charset="0"/>
+              </a:rPr>
+              <a:t>y’</a:t>
+            </a:r>
+          </a:p>
+        </p:txBody>
+      </p:sp>
+      <p:cxnSp>
+        <p:nvCxnSpPr>
+          <p:cNvPr id="205" name="Straight Arrow Connector 204">
+            <a:extLst>
+              <a:ext uri="{FF2B5EF4-FFF2-40B4-BE49-F238E27FC236}">
+                <a16:creationId xmlns:a16="http://schemas.microsoft.com/office/drawing/2014/main" id="{9D67FC19-44BA-A850-DD97-AB19556B4729}"/>
+              </a:ext>
+            </a:extLst>
+          </p:cNvPr>
+          <p:cNvCxnSpPr>
+            <a:cxnSpLocks/>
+          </p:cNvCxnSpPr>
+          <p:nvPr/>
+        </p:nvCxnSpPr>
+        <p:spPr>
+          <a:xfrm>
+            <a:off x="6484500" y="1310712"/>
+            <a:ext cx="216000" cy="2483"/>
+          </a:xfrm>
+          <a:prstGeom prst="straightConnector1">
+            <a:avLst/>
+          </a:prstGeom>
+          <a:ln>
+            <a:tailEnd type="triangle"/>
+          </a:ln>
+        </p:spPr>
+        <p:style>
+          <a:lnRef idx="3">
+            <a:schemeClr val="accent1"/>
+          </a:lnRef>
+          <a:fillRef idx="0">
+            <a:schemeClr val="accent1"/>
+          </a:fillRef>
+          <a:effectRef idx="2">
+            <a:schemeClr val="accent1"/>
+          </a:effectRef>
+          <a:fontRef idx="minor">
+            <a:schemeClr val="tx1"/>
+          </a:fontRef>
+        </p:style>
+      </p:cxnSp>
+      <p:sp>
+        <p:nvSpPr>
+          <p:cNvPr id="206" name="TextBox 205">
+            <a:extLst>
+              <a:ext uri="{FF2B5EF4-FFF2-40B4-BE49-F238E27FC236}">
+                <a16:creationId xmlns:a16="http://schemas.microsoft.com/office/drawing/2014/main" id="{E3373173-E6E6-855D-5BE2-2DC0468029D6}"/>
+              </a:ext>
+            </a:extLst>
+          </p:cNvPr>
+          <p:cNvSpPr txBox="1"/>
+          <p:nvPr/>
+        </p:nvSpPr>
+        <p:spPr>
+          <a:xfrm>
+            <a:off x="2375244" y="4058254"/>
+            <a:ext cx="1784360" cy="275460"/>
+          </a:xfrm>
+          <a:prstGeom prst="rect">
+            <a:avLst/>
+          </a:prstGeom>
+          <a:noFill/>
+        </p:spPr>
+        <p:txBody>
+          <a:bodyPr wrap="square" rtlCol="0">
+            <a:spAutoFit/>
+          </a:bodyPr>
+          <a:lstStyle/>
+          <a:p>
+            <a:r>
+              <a:rPr lang="en-US" sz="1190" dirty="0">
+                <a:latin typeface="Times New Roman" panose="02020603050405020304" pitchFamily="18" charset="0"/>
+                <a:cs typeface="Times New Roman" panose="02020603050405020304" pitchFamily="18" charset="0"/>
+              </a:rPr>
+              <a:t>Training Generator</a:t>
+            </a:r>
+          </a:p>
+        </p:txBody>
+      </p:sp>
+      <p:sp>
+        <p:nvSpPr>
+          <p:cNvPr id="207" name="Flowchart: Connector 46">
+            <a:extLst>
+              <a:ext uri="{FF2B5EF4-FFF2-40B4-BE49-F238E27FC236}">
+                <a16:creationId xmlns:a16="http://schemas.microsoft.com/office/drawing/2014/main" id="{1BB866AF-BC99-ECA3-0E27-3ED53F828098}"/>
+              </a:ext>
+            </a:extLst>
+          </p:cNvPr>
+          <p:cNvSpPr/>
+          <p:nvPr/>
+        </p:nvSpPr>
+        <p:spPr>
+          <a:xfrm>
+            <a:off x="6017626" y="2171591"/>
+            <a:ext cx="226482" cy="224019"/>
+          </a:xfrm>
+          <a:prstGeom prst="flowChartConnector">
+            <a:avLst/>
+          </a:prstGeom>
+          <a:noFill/>
+          <a:ln>
+            <a:solidFill>
+              <a:schemeClr val="accent5">
+                <a:lumMod val="60000"/>
+                <a:lumOff val="40000"/>
+              </a:schemeClr>
+            </a:solidFill>
+          </a:ln>
+        </p:spPr>
+        <p:style>
+          <a:lnRef idx="2">
+            <a:schemeClr val="accent1">
+              <a:shade val="15000"/>
+            </a:schemeClr>
+          </a:lnRef>
+          <a:fillRef idx="1">
+            <a:schemeClr val="accent1"/>
+          </a:fillRef>
+          <a:effectRef idx="0">
+            <a:schemeClr val="accent1"/>
+          </a:effectRef>
+          <a:fontRef idx="minor">
+            <a:schemeClr val="lt1"/>
+          </a:fontRef>
+        </p:style>
+        <p:txBody>
+          <a:bodyPr rtlCol="0" anchor="ctr"/>
+          <a:lstStyle/>
+          <a:p>
+            <a:pPr algn="ctr"/>
+            <a:endParaRPr lang="en-US" sz="711"/>
+          </a:p>
+        </p:txBody>
+      </p:sp>
+      <p:sp>
+        <p:nvSpPr>
+          <p:cNvPr id="208" name="Flowchart: Connector 48">
+            <a:extLst>
+              <a:ext uri="{FF2B5EF4-FFF2-40B4-BE49-F238E27FC236}">
+                <a16:creationId xmlns:a16="http://schemas.microsoft.com/office/drawing/2014/main" id="{B9357315-9D85-C426-CCF1-EACC794CE573}"/>
+              </a:ext>
+            </a:extLst>
+          </p:cNvPr>
+          <p:cNvSpPr/>
+          <p:nvPr/>
+        </p:nvSpPr>
+        <p:spPr>
+          <a:xfrm>
+            <a:off x="6865279" y="2170238"/>
+            <a:ext cx="226482" cy="224019"/>
+          </a:xfrm>
+          <a:prstGeom prst="flowChartConnector">
+            <a:avLst/>
+          </a:prstGeom>
+          <a:noFill/>
+          <a:ln>
+            <a:solidFill>
+              <a:srgbClr val="FF0000"/>
+            </a:solidFill>
+          </a:ln>
+        </p:spPr>
+        <p:style>
+          <a:lnRef idx="2">
+            <a:schemeClr val="accent1">
+              <a:shade val="15000"/>
+            </a:schemeClr>
+          </a:lnRef>
+          <a:fillRef idx="1">
+            <a:schemeClr val="accent1"/>
+          </a:fillRef>
+          <a:effectRef idx="0">
+            <a:schemeClr val="accent1"/>
+          </a:effectRef>
+          <a:fontRef idx="minor">
+            <a:schemeClr val="lt1"/>
+          </a:fontRef>
+        </p:style>
+        <p:txBody>
+          <a:bodyPr rtlCol="0" anchor="ctr"/>
+          <a:lstStyle/>
+          <a:p>
+            <a:pPr algn="ctr"/>
+            <a:endParaRPr lang="en-US" sz="711"/>
+          </a:p>
+        </p:txBody>
+      </p:sp>
+      <p:cxnSp>
+        <p:nvCxnSpPr>
+          <p:cNvPr id="210" name="Straight Arrow Connector 209">
+            <a:extLst>
+              <a:ext uri="{FF2B5EF4-FFF2-40B4-BE49-F238E27FC236}">
+                <a16:creationId xmlns:a16="http://schemas.microsoft.com/office/drawing/2014/main" id="{8A5F72F7-776A-EE5A-E0B1-2BDEE9F246D8}"/>
+              </a:ext>
+            </a:extLst>
+          </p:cNvPr>
+          <p:cNvCxnSpPr>
+            <a:cxnSpLocks/>
+            <a:stCxn id="178" idx="2"/>
+          </p:cNvCxnSpPr>
+          <p:nvPr/>
+        </p:nvCxnSpPr>
+        <p:spPr>
+          <a:xfrm>
+            <a:off x="6123514" y="1441624"/>
+            <a:ext cx="0" cy="240809"/>
+          </a:xfrm>
+          <a:prstGeom prst="straightConnector1">
+            <a:avLst/>
+          </a:prstGeom>
+          <a:ln>
+            <a:tailEnd type="triangle"/>
+          </a:ln>
+        </p:spPr>
+        <p:style>
+          <a:lnRef idx="3">
+            <a:schemeClr val="accent1"/>
+          </a:lnRef>
+          <a:fillRef idx="0">
+            <a:schemeClr val="accent1"/>
+          </a:fillRef>
+          <a:effectRef idx="2">
+            <a:schemeClr val="accent1"/>
+          </a:effectRef>
+          <a:fontRef idx="minor">
+            <a:schemeClr val="tx1"/>
+          </a:fontRef>
+        </p:style>
+      </p:cxnSp>
+      <p:cxnSp>
+        <p:nvCxnSpPr>
+          <p:cNvPr id="216" name="Straight Arrow Connector 215">
+            <a:extLst>
+              <a:ext uri="{FF2B5EF4-FFF2-40B4-BE49-F238E27FC236}">
+                <a16:creationId xmlns:a16="http://schemas.microsoft.com/office/drawing/2014/main" id="{D9ACB0F6-A843-0878-5CEC-D122EE308EBB}"/>
+              </a:ext>
+            </a:extLst>
+          </p:cNvPr>
+          <p:cNvCxnSpPr>
+            <a:cxnSpLocks/>
+          </p:cNvCxnSpPr>
+          <p:nvPr/>
+        </p:nvCxnSpPr>
+        <p:spPr>
+          <a:xfrm>
+            <a:off x="7086261" y="2297783"/>
+            <a:ext cx="730983" cy="0"/>
+          </a:xfrm>
+          <a:prstGeom prst="straightConnector1">
+            <a:avLst/>
+          </a:prstGeom>
+          <a:ln>
+            <a:solidFill>
+              <a:schemeClr val="accent1"/>
+            </a:solidFill>
+            <a:tailEnd type="triangle"/>
+          </a:ln>
+        </p:spPr>
+        <p:style>
+          <a:lnRef idx="3">
+            <a:schemeClr val="dk1"/>
+          </a:lnRef>
+          <a:fillRef idx="0">
+            <a:schemeClr val="dk1"/>
+          </a:fillRef>
+          <a:effectRef idx="2">
+            <a:schemeClr val="dk1"/>
+          </a:effectRef>
+          <a:fontRef idx="minor">
+            <a:schemeClr val="tx1"/>
+          </a:fontRef>
+        </p:style>
+      </p:cxnSp>
+      <p:cxnSp>
+        <p:nvCxnSpPr>
+          <p:cNvPr id="217" name="Straight Connector 216">
+            <a:extLst>
+              <a:ext uri="{FF2B5EF4-FFF2-40B4-BE49-F238E27FC236}">
+                <a16:creationId xmlns:a16="http://schemas.microsoft.com/office/drawing/2014/main" id="{C8303AF2-7347-D280-68A7-500D1DDCE4C4}"/>
+              </a:ext>
+            </a:extLst>
+          </p:cNvPr>
+          <p:cNvCxnSpPr/>
+          <p:nvPr/>
+        </p:nvCxnSpPr>
+        <p:spPr>
+          <a:xfrm>
+            <a:off x="7086261" y="1784768"/>
+            <a:ext cx="219305" cy="0"/>
+          </a:xfrm>
+          <a:prstGeom prst="line">
+            <a:avLst/>
+          </a:prstGeom>
+          <a:ln>
+            <a:solidFill>
+              <a:schemeClr val="accent1"/>
+            </a:solidFill>
+          </a:ln>
+        </p:spPr>
+        <p:style>
+          <a:lnRef idx="3">
+            <a:schemeClr val="dk1"/>
+          </a:lnRef>
+          <a:fillRef idx="0">
+            <a:schemeClr val="dk1"/>
+          </a:fillRef>
+          <a:effectRef idx="2">
+            <a:schemeClr val="dk1"/>
+          </a:effectRef>
+          <a:fontRef idx="minor">
+            <a:schemeClr val="tx1"/>
+          </a:fontRef>
+        </p:style>
+      </p:cxnSp>
+      <p:cxnSp>
+        <p:nvCxnSpPr>
+          <p:cNvPr id="218" name="Straight Connector 217">
+            <a:extLst>
+              <a:ext uri="{FF2B5EF4-FFF2-40B4-BE49-F238E27FC236}">
+                <a16:creationId xmlns:a16="http://schemas.microsoft.com/office/drawing/2014/main" id="{AFB0D3CA-2576-74E2-28ED-3FDEA3B3A523}"/>
+              </a:ext>
+            </a:extLst>
+          </p:cNvPr>
+          <p:cNvCxnSpPr>
+            <a:cxnSpLocks/>
+          </p:cNvCxnSpPr>
+          <p:nvPr/>
+        </p:nvCxnSpPr>
+        <p:spPr>
+          <a:xfrm>
+            <a:off x="7305566" y="1776383"/>
+            <a:ext cx="0" cy="532754"/>
+          </a:xfrm>
+          <a:prstGeom prst="line">
+            <a:avLst/>
+          </a:prstGeom>
+          <a:ln>
+            <a:solidFill>
+              <a:schemeClr val="accent1"/>
+            </a:solidFill>
+          </a:ln>
+        </p:spPr>
+        <p:style>
+          <a:lnRef idx="3">
+            <a:schemeClr val="dk1"/>
+          </a:lnRef>
+          <a:fillRef idx="0">
+            <a:schemeClr val="dk1"/>
+          </a:fillRef>
+          <a:effectRef idx="2">
+            <a:schemeClr val="dk1"/>
+          </a:effectRef>
+          <a:fontRef idx="minor">
+            <a:schemeClr val="tx1"/>
+          </a:fontRef>
+        </p:style>
+      </p:cxnSp>
+      <p:sp>
+        <p:nvSpPr>
+          <p:cNvPr id="219" name="TextBox 218">
+            <a:extLst>
+              <a:ext uri="{FF2B5EF4-FFF2-40B4-BE49-F238E27FC236}">
+                <a16:creationId xmlns:a16="http://schemas.microsoft.com/office/drawing/2014/main" id="{85A51043-D8F1-AED0-3A5E-A9756CF39649}"/>
+              </a:ext>
+            </a:extLst>
+          </p:cNvPr>
+          <p:cNvSpPr txBox="1"/>
+          <p:nvPr/>
+        </p:nvSpPr>
+        <p:spPr>
+          <a:xfrm>
+            <a:off x="4223092" y="1023228"/>
+            <a:ext cx="1035601" cy="458587"/>
+          </a:xfrm>
+          <a:prstGeom prst="rect">
+            <a:avLst/>
+          </a:prstGeom>
+          <a:noFill/>
+        </p:spPr>
+        <p:txBody>
+          <a:bodyPr wrap="square" rtlCol="0">
+            <a:spAutoFit/>
+          </a:bodyPr>
+          <a:lstStyle/>
+          <a:p>
+            <a:r>
+              <a:rPr lang="en-US" sz="1190" dirty="0">
+                <a:latin typeface="Times New Roman" panose="02020603050405020304" pitchFamily="18" charset="0"/>
+                <a:cs typeface="Times New Roman" panose="02020603050405020304" pitchFamily="18" charset="0"/>
+              </a:rPr>
+              <a:t>Current GAN model </a:t>
+            </a:r>
+          </a:p>
+        </p:txBody>
+      </p:sp>
+      <p:sp>
+        <p:nvSpPr>
+          <p:cNvPr id="220" name="TextBox 219">
+            <a:extLst>
+              <a:ext uri="{FF2B5EF4-FFF2-40B4-BE49-F238E27FC236}">
+                <a16:creationId xmlns:a16="http://schemas.microsoft.com/office/drawing/2014/main" id="{F86B9591-3C33-962A-A253-0D77C5F1A597}"/>
+              </a:ext>
+            </a:extLst>
+          </p:cNvPr>
+          <p:cNvSpPr txBox="1"/>
+          <p:nvPr/>
+        </p:nvSpPr>
+        <p:spPr>
+          <a:xfrm>
+            <a:off x="5890415" y="4058254"/>
+            <a:ext cx="1784360" cy="275460"/>
+          </a:xfrm>
+          <a:prstGeom prst="rect">
+            <a:avLst/>
+          </a:prstGeom>
+          <a:noFill/>
+        </p:spPr>
+        <p:txBody>
+          <a:bodyPr wrap="square" rtlCol="0">
+            <a:spAutoFit/>
+          </a:bodyPr>
+          <a:lstStyle/>
+          <a:p>
+            <a:r>
+              <a:rPr lang="en-US" sz="1190" dirty="0">
+                <a:latin typeface="Times New Roman" panose="02020603050405020304" pitchFamily="18" charset="0"/>
+                <a:cs typeface="Times New Roman" panose="02020603050405020304" pitchFamily="18" charset="0"/>
+              </a:rPr>
+              <a:t>Training Solver</a:t>
+            </a:r>
+          </a:p>
+        </p:txBody>
+      </p:sp>
+      <p:grpSp>
+        <p:nvGrpSpPr>
+          <p:cNvPr id="231" name="Group 230">
+            <a:extLst>
+              <a:ext uri="{FF2B5EF4-FFF2-40B4-BE49-F238E27FC236}">
+                <a16:creationId xmlns:a16="http://schemas.microsoft.com/office/drawing/2014/main" id="{C57DBC00-746E-9919-F2F2-31A964E0BE44}"/>
+              </a:ext>
+            </a:extLst>
+          </p:cNvPr>
+          <p:cNvGrpSpPr/>
+          <p:nvPr/>
+        </p:nvGrpSpPr>
+        <p:grpSpPr>
+          <a:xfrm>
+            <a:off x="5552602" y="2814024"/>
+            <a:ext cx="2005864" cy="369244"/>
+            <a:chOff x="5278949" y="2654325"/>
+            <a:chExt cx="2005864" cy="369244"/>
+          </a:xfrm>
+        </p:grpSpPr>
+        <p:sp>
+          <p:nvSpPr>
+            <p:cNvPr id="184" name="Rectangle: Rounded Corners 73">
+              <a:extLst>
+                <a:ext uri="{FF2B5EF4-FFF2-40B4-BE49-F238E27FC236}">
+                  <a16:creationId xmlns:a16="http://schemas.microsoft.com/office/drawing/2014/main" id="{DE812B30-E9FD-3CF8-A55D-CC4B2288E554}"/>
+                </a:ext>
+              </a:extLst>
+            </p:cNvPr>
+            <p:cNvSpPr/>
+            <p:nvPr/>
+          </p:nvSpPr>
+          <p:spPr>
+            <a:xfrm>
+              <a:off x="5278949" y="2654325"/>
+              <a:ext cx="2005864" cy="369244"/>
+            </a:xfrm>
+            <a:prstGeom prst="roundRect">
+              <a:avLst/>
+            </a:prstGeom>
+            <a:solidFill>
+              <a:srgbClr val="92D050"/>
+            </a:solidFill>
+          </p:spPr>
+          <p:style>
+            <a:lnRef idx="2">
+              <a:schemeClr val="accent1">
+                <a:shade val="15000"/>
+              </a:schemeClr>
+            </a:lnRef>
+            <a:fillRef idx="1">
+              <a:schemeClr val="accent1"/>
+            </a:fillRef>
+            <a:effectRef idx="0">
+              <a:schemeClr val="accent1"/>
+            </a:effectRef>
+            <a:fontRef idx="minor">
+              <a:schemeClr val="lt1"/>
+            </a:fontRef>
+          </p:style>
+          <p:txBody>
+            <a:bodyPr rtlCol="0" anchor="ctr"/>
+            <a:lstStyle/>
+            <a:p>
+              <a:pPr algn="ctr"/>
+              <a:endParaRPr lang="en-US" sz="711"/>
+            </a:p>
+          </p:txBody>
+        </p:sp>
+        <p:sp>
+          <p:nvSpPr>
+            <p:cNvPr id="187" name="Rectangle 186">
+              <a:extLst>
+                <a:ext uri="{FF2B5EF4-FFF2-40B4-BE49-F238E27FC236}">
+                  <a16:creationId xmlns:a16="http://schemas.microsoft.com/office/drawing/2014/main" id="{F17CF524-637E-7EF8-062C-365D6DE8BFEA}"/>
+                </a:ext>
+              </a:extLst>
+            </p:cNvPr>
+            <p:cNvSpPr/>
+            <p:nvPr/>
+          </p:nvSpPr>
+          <p:spPr>
+            <a:xfrm>
+              <a:off x="6462026" y="2714439"/>
+              <a:ext cx="701399" cy="238161"/>
+            </a:xfrm>
+            <a:prstGeom prst="rect">
+              <a:avLst/>
+            </a:prstGeom>
+            <a:ln w="38100">
+              <a:solidFill>
+                <a:srgbClr val="C00000"/>
+              </a:solidFill>
+            </a:ln>
+          </p:spPr>
+          <p:style>
+            <a:lnRef idx="2">
+              <a:schemeClr val="accent2">
+                <a:shade val="15000"/>
+              </a:schemeClr>
+            </a:lnRef>
+            <a:fillRef idx="1">
+              <a:schemeClr val="accent2"/>
+            </a:fillRef>
+            <a:effectRef idx="0">
+              <a:schemeClr val="accent2"/>
+            </a:effectRef>
+            <a:fontRef idx="minor">
+              <a:schemeClr val="lt1"/>
+            </a:fontRef>
+          </p:style>
+          <p:txBody>
+            <a:bodyPr rtlCol="0" anchor="ctr"/>
+            <a:lstStyle/>
+            <a:p>
+              <a:pPr algn="ctr"/>
+              <a:r>
+                <a:rPr lang="en-US" sz="1200" dirty="0">
+                  <a:latin typeface="Times New Roman" panose="02020603050405020304" pitchFamily="18" charset="0"/>
+                  <a:cs typeface="Times New Roman" panose="02020603050405020304" pitchFamily="18" charset="0"/>
+                </a:rPr>
+                <a:t>Solver</a:t>
+              </a:r>
+            </a:p>
+          </p:txBody>
+        </p:sp>
+        <p:sp>
+          <p:nvSpPr>
+            <p:cNvPr id="186" name="TextBox 185">
+              <a:extLst>
+                <a:ext uri="{FF2B5EF4-FFF2-40B4-BE49-F238E27FC236}">
+                  <a16:creationId xmlns:a16="http://schemas.microsoft.com/office/drawing/2014/main" id="{FB4DFC77-C1FF-F591-56B3-3099CA5B8CDF}"/>
+                </a:ext>
+              </a:extLst>
+            </p:cNvPr>
+            <p:cNvSpPr txBox="1"/>
+            <p:nvPr/>
+          </p:nvSpPr>
+          <p:spPr>
+            <a:xfrm>
+              <a:off x="5387489" y="2697041"/>
+              <a:ext cx="851605" cy="275460"/>
+            </a:xfrm>
+            <a:prstGeom prst="rect">
+              <a:avLst/>
+            </a:prstGeom>
+            <a:solidFill>
+              <a:schemeClr val="accent1"/>
+            </a:solidFill>
+            <a:ln w="38100">
+              <a:solidFill>
+                <a:srgbClr val="C00000"/>
+              </a:solidFill>
+              <a:miter lim="800000"/>
+            </a:ln>
+          </p:spPr>
+          <p:txBody>
+            <a:bodyPr wrap="square" rtlCol="0">
+              <a:spAutoFit/>
+            </a:bodyPr>
+            <a:lstStyle/>
+            <a:p>
+              <a:r>
+                <a:rPr lang="en-US" sz="1190" dirty="0">
+                  <a:solidFill>
+                    <a:schemeClr val="bg1"/>
+                  </a:solidFill>
+                  <a:latin typeface="Times New Roman" panose="02020603050405020304" pitchFamily="18" charset="0"/>
+                  <a:cs typeface="Times New Roman" panose="02020603050405020304" pitchFamily="18" charset="0"/>
+                </a:rPr>
+                <a:t>Generator</a:t>
+              </a:r>
+            </a:p>
+          </p:txBody>
+        </p:sp>
+      </p:grpSp>
+      <p:cxnSp>
+        <p:nvCxnSpPr>
+          <p:cNvPr id="214" name="Straight Arrow Connector 213">
+            <a:extLst>
+              <a:ext uri="{FF2B5EF4-FFF2-40B4-BE49-F238E27FC236}">
+                <a16:creationId xmlns:a16="http://schemas.microsoft.com/office/drawing/2014/main" id="{CB40AD4B-9C16-917A-83E5-33AEC2654F11}"/>
+              </a:ext>
+            </a:extLst>
+          </p:cNvPr>
+          <p:cNvCxnSpPr>
+            <a:cxnSpLocks/>
+          </p:cNvCxnSpPr>
+          <p:nvPr/>
+        </p:nvCxnSpPr>
+        <p:spPr>
+          <a:xfrm flipV="1">
+            <a:off x="6996677" y="2394247"/>
+            <a:ext cx="0" cy="486000"/>
+          </a:xfrm>
+          <a:prstGeom prst="straightConnector1">
+            <a:avLst/>
+          </a:prstGeom>
+          <a:ln>
+            <a:solidFill>
+              <a:schemeClr val="accent1"/>
+            </a:solidFill>
+            <a:tailEnd type="triangle"/>
+          </a:ln>
+        </p:spPr>
+        <p:style>
+          <a:lnRef idx="3">
+            <a:schemeClr val="accent2"/>
+          </a:lnRef>
+          <a:fillRef idx="0">
+            <a:schemeClr val="accent2"/>
+          </a:fillRef>
+          <a:effectRef idx="2">
+            <a:schemeClr val="accent2"/>
+          </a:effectRef>
+          <a:fontRef idx="minor">
+            <a:schemeClr val="tx1"/>
+          </a:fontRef>
+        </p:style>
+      </p:cxnSp>
+      <p:cxnSp>
+        <p:nvCxnSpPr>
+          <p:cNvPr id="211" name="Straight Arrow Connector 210">
+            <a:extLst>
+              <a:ext uri="{FF2B5EF4-FFF2-40B4-BE49-F238E27FC236}">
+                <a16:creationId xmlns:a16="http://schemas.microsoft.com/office/drawing/2014/main" id="{C739CE75-4DD4-7CB3-CB27-2BDCF6D8C484}"/>
+              </a:ext>
+            </a:extLst>
+          </p:cNvPr>
+          <p:cNvCxnSpPr>
+            <a:cxnSpLocks/>
+          </p:cNvCxnSpPr>
+          <p:nvPr/>
+        </p:nvCxnSpPr>
+        <p:spPr>
+          <a:xfrm flipV="1">
+            <a:off x="6123513" y="2391290"/>
+            <a:ext cx="0" cy="445262"/>
+          </a:xfrm>
+          <a:prstGeom prst="straightConnector1">
+            <a:avLst/>
+          </a:prstGeom>
+          <a:ln>
+            <a:tailEnd type="triangle"/>
+          </a:ln>
+        </p:spPr>
+        <p:style>
+          <a:lnRef idx="3">
+            <a:schemeClr val="accent1"/>
+          </a:lnRef>
+          <a:fillRef idx="0">
+            <a:schemeClr val="accent1"/>
+          </a:fillRef>
+          <a:effectRef idx="2">
+            <a:schemeClr val="accent1"/>
+          </a:effectRef>
+          <a:fontRef idx="minor">
+            <a:schemeClr val="tx1"/>
+          </a:fontRef>
+        </p:style>
+      </p:cxnSp>
+      <p:sp>
+        <p:nvSpPr>
+          <p:cNvPr id="150" name="Rectangle 149">
+            <a:extLst>
+              <a:ext uri="{FF2B5EF4-FFF2-40B4-BE49-F238E27FC236}">
+                <a16:creationId xmlns:a16="http://schemas.microsoft.com/office/drawing/2014/main" id="{C2466492-642B-FB89-AFD4-726C6D5C1F05}"/>
+              </a:ext>
+            </a:extLst>
+          </p:cNvPr>
+          <p:cNvSpPr/>
+          <p:nvPr/>
+        </p:nvSpPr>
+        <p:spPr>
+          <a:xfrm>
+            <a:off x="2345677" y="2887135"/>
+            <a:ext cx="678955" cy="238161"/>
+          </a:xfrm>
+          <a:prstGeom prst="rect">
+            <a:avLst/>
+          </a:prstGeom>
+          <a:ln w="38100">
+            <a:solidFill>
+              <a:srgbClr val="C00000"/>
+            </a:solidFill>
+          </a:ln>
+        </p:spPr>
+        <p:style>
+          <a:lnRef idx="2">
+            <a:schemeClr val="accent1">
+              <a:shade val="15000"/>
+            </a:schemeClr>
+          </a:lnRef>
+          <a:fillRef idx="1">
+            <a:schemeClr val="accent1"/>
+          </a:fillRef>
+          <a:effectRef idx="0">
+            <a:schemeClr val="accent1"/>
+          </a:effectRef>
+          <a:fontRef idx="minor">
+            <a:schemeClr val="lt1"/>
+          </a:fontRef>
+        </p:style>
+        <p:txBody>
+          <a:bodyPr rtlCol="0" anchor="ctr"/>
+          <a:lstStyle/>
+          <a:p>
+            <a:pPr algn="ctr"/>
+            <a:r>
+              <a:rPr lang="en-US" sz="900" dirty="0">
+                <a:latin typeface="Times New Roman" panose="02020603050405020304" pitchFamily="18" charset="0"/>
+                <a:cs typeface="Times New Roman" panose="02020603050405020304" pitchFamily="18" charset="0"/>
+              </a:rPr>
+              <a:t>Generator</a:t>
+            </a:r>
+          </a:p>
+        </p:txBody>
+      </p:sp>
+      <p:sp>
+        <p:nvSpPr>
+          <p:cNvPr id="152" name="Rectangle 151">
+            <a:extLst>
+              <a:ext uri="{FF2B5EF4-FFF2-40B4-BE49-F238E27FC236}">
+                <a16:creationId xmlns:a16="http://schemas.microsoft.com/office/drawing/2014/main" id="{D124CAB0-966A-95CC-569B-36C2D3271AC3}"/>
+              </a:ext>
+            </a:extLst>
+          </p:cNvPr>
+          <p:cNvSpPr/>
+          <p:nvPr/>
+        </p:nvSpPr>
+        <p:spPr>
+          <a:xfrm>
+            <a:off x="3246423" y="2892543"/>
+            <a:ext cx="701399" cy="238161"/>
+          </a:xfrm>
+          <a:prstGeom prst="rect">
+            <a:avLst/>
+          </a:prstGeom>
+        </p:spPr>
+        <p:style>
+          <a:lnRef idx="2">
+            <a:schemeClr val="accent2">
+              <a:shade val="15000"/>
+            </a:schemeClr>
+          </a:lnRef>
+          <a:fillRef idx="1">
+            <a:schemeClr val="accent2"/>
+          </a:fillRef>
+          <a:effectRef idx="0">
+            <a:schemeClr val="accent2"/>
+          </a:effectRef>
+          <a:fontRef idx="minor">
+            <a:schemeClr val="lt1"/>
+          </a:fontRef>
+        </p:style>
+        <p:txBody>
+          <a:bodyPr rtlCol="0" anchor="ctr"/>
+          <a:lstStyle/>
+          <a:p>
+            <a:pPr algn="ctr"/>
+            <a:r>
+              <a:rPr lang="en-US" sz="1100" dirty="0">
+                <a:latin typeface="Times New Roman" panose="02020603050405020304" pitchFamily="18" charset="0"/>
+                <a:cs typeface="Times New Roman" panose="02020603050405020304" pitchFamily="18" charset="0"/>
+              </a:rPr>
+              <a:t>Solver</a:t>
+            </a:r>
+          </a:p>
+        </p:txBody>
+      </p:sp>
+      <p:cxnSp>
+        <p:nvCxnSpPr>
+          <p:cNvPr id="236" name="Straight Arrow Connector 235">
+            <a:extLst>
+              <a:ext uri="{FF2B5EF4-FFF2-40B4-BE49-F238E27FC236}">
+                <a16:creationId xmlns:a16="http://schemas.microsoft.com/office/drawing/2014/main" id="{316FBBD1-00DD-0B0B-DE71-B6D91F197393}"/>
+              </a:ext>
+            </a:extLst>
+          </p:cNvPr>
+          <p:cNvCxnSpPr>
+            <a:cxnSpLocks/>
+            <a:stCxn id="180" idx="2"/>
+            <a:endCxn id="202" idx="0"/>
+          </p:cNvCxnSpPr>
+          <p:nvPr/>
+        </p:nvCxnSpPr>
+        <p:spPr>
+          <a:xfrm flipH="1">
+            <a:off x="6962256" y="1432840"/>
+            <a:ext cx="0" cy="252000"/>
+          </a:xfrm>
+          <a:prstGeom prst="straightConnector1">
+            <a:avLst/>
+          </a:prstGeom>
+          <a:ln w="25400">
+            <a:tailEnd type="triangle"/>
+          </a:ln>
+        </p:spPr>
+        <p:style>
+          <a:lnRef idx="2">
+            <a:schemeClr val="accent1"/>
+          </a:lnRef>
+          <a:fillRef idx="0">
+            <a:schemeClr val="accent1"/>
+          </a:fillRef>
+          <a:effectRef idx="1">
+            <a:schemeClr val="accent1"/>
+          </a:effectRef>
+          <a:fontRef idx="minor">
+            <a:schemeClr val="tx1"/>
+          </a:fontRef>
+        </p:style>
+      </p:cxnSp>
+      <p:cxnSp>
+        <p:nvCxnSpPr>
+          <p:cNvPr id="243" name="Straight Arrow Connector 242">
+            <a:extLst>
+              <a:ext uri="{FF2B5EF4-FFF2-40B4-BE49-F238E27FC236}">
+                <a16:creationId xmlns:a16="http://schemas.microsoft.com/office/drawing/2014/main" id="{6B2D7DA2-068E-2CB1-3C3C-A48EBAA2626F}"/>
+              </a:ext>
+            </a:extLst>
+          </p:cNvPr>
+          <p:cNvCxnSpPr>
+            <a:stCxn id="186" idx="3"/>
+            <a:endCxn id="187" idx="1"/>
+          </p:cNvCxnSpPr>
+          <p:nvPr/>
+        </p:nvCxnSpPr>
+        <p:spPr>
+          <a:xfrm flipV="1">
+            <a:off x="6512747" y="2993219"/>
+            <a:ext cx="222932" cy="1251"/>
+          </a:xfrm>
+          <a:prstGeom prst="straightConnector1">
+            <a:avLst/>
+          </a:prstGeom>
+          <a:ln w="25400">
+            <a:tailEnd type="triangle"/>
+          </a:ln>
+        </p:spPr>
+        <p:style>
+          <a:lnRef idx="2">
+            <a:schemeClr val="accent1"/>
+          </a:lnRef>
+          <a:fillRef idx="0">
+            <a:schemeClr val="accent1"/>
+          </a:fillRef>
+          <a:effectRef idx="1">
+            <a:schemeClr val="accent1"/>
+          </a:effectRef>
+          <a:fontRef idx="minor">
+            <a:schemeClr val="tx1"/>
+          </a:fontRef>
+        </p:style>
+      </p:cxnSp>
+    </p:spTree>
+    <p:extLst>
+      <p:ext uri="{BB962C8B-B14F-4D97-AF65-F5344CB8AC3E}">
+        <p14:creationId xmlns:p14="http://schemas.microsoft.com/office/powerpoint/2010/main" val="485341261"/>
+      </p:ext>
+    </p:extLst>
+  </p:cSld>
+  <p:clrMapOvr>
+    <a:masterClrMapping/>
+  </p:clrMapOvr>
+</p:sld>
+</file>
+
 <file path=ppt/theme/theme1.xml><?xml version="1.0" encoding="utf-8"?>
 <a:theme xmlns:a="http://schemas.openxmlformats.org/drawingml/2006/main" name="Office Theme">
   <a:themeElements>
